--- a/presentations/03_gradient_descent.pptx
+++ b/presentations/03_gradient_descent.pptx
@@ -19,14 +19,14 @@
     <p:sldId id="303" r:id="rId10"/>
     <p:sldId id="308" r:id="rId11"/>
     <p:sldId id="313" r:id="rId12"/>
-    <p:sldId id="329" r:id="rId13"/>
-    <p:sldId id="325" r:id="rId14"/>
-    <p:sldId id="331" r:id="rId15"/>
-    <p:sldId id="330" r:id="rId16"/>
-    <p:sldId id="311" r:id="rId17"/>
-    <p:sldId id="294" r:id="rId18"/>
-    <p:sldId id="323" r:id="rId19"/>
-    <p:sldId id="289" r:id="rId20"/>
+    <p:sldId id="294" r:id="rId13"/>
+    <p:sldId id="329" r:id="rId14"/>
+    <p:sldId id="325" r:id="rId15"/>
+    <p:sldId id="331" r:id="rId16"/>
+    <p:sldId id="330" r:id="rId17"/>
+    <p:sldId id="311" r:id="rId18"/>
+    <p:sldId id="289" r:id="rId19"/>
+    <p:sldId id="323" r:id="rId20"/>
     <p:sldId id="328" r:id="rId21"/>
     <p:sldId id="305" r:id="rId22"/>
     <p:sldId id="324" r:id="rId23"/>
@@ -229,7 +229,7 @@
           <a:p>
             <a:fld id="{FD93C9B2-20F6-4DB1-B471-224337D0AC79}" type="datetimeFigureOut">
               <a:rPr lang="en-US" smtClean="0"/>
-              <a:t>11/19/2021</a:t>
+              <a:t>4/4/2022</a:t>
             </a:fld>
             <a:endParaRPr lang="en-US"/>
           </a:p>
@@ -960,27 +960,6 @@
           <a:bodyPr/>
           <a:lstStyle/>
           <a:p>
-            <a:r>
-              <a:rPr lang="en-US" b="0" i="0" dirty="0">
-                <a:solidFill>
-                  <a:srgbClr val="3C3C3B"/>
-                </a:solidFill>
-                <a:effectLst/>
-                <a:latin typeface="+mn-lt"/>
-              </a:rPr>
-              <a:t>Now that we’ve examined backpropagation from the perspective of the error function, its contour, and gradient descent, it’s time to take a closer look at how the network’s weights are adjusted.</a:t>
-            </a:r>
-          </a:p>
-          <a:p>
-            <a:endParaRPr lang="en-US" b="0" i="0" dirty="0">
-              <a:solidFill>
-                <a:srgbClr val="3C3C3B"/>
-              </a:solidFill>
-              <a:effectLst/>
-              <a:latin typeface="+mn-lt"/>
-            </a:endParaRPr>
-          </a:p>
-          <a:p>
             <a:pPr marL="0" marR="0" lvl="0" indent="0" algn="l" defTabSz="914400" rtl="0" eaLnBrk="1" fontAlgn="auto" latinLnBrk="0" hangingPunct="1">
               <a:lnSpc>
                 <a:spcPct val="100000"/>
@@ -999,33 +978,9 @@
               <a:defRPr/>
             </a:pPr>
             <a:r>
-              <a:rPr lang="en-US" b="0" i="0" dirty="0">
-                <a:solidFill>
-                  <a:srgbClr val="3C3C3B"/>
-                </a:solidFill>
-                <a:effectLst/>
-                <a:latin typeface="+mn-lt"/>
-              </a:rPr>
-              <a:t>We start with a key observation: When the output of any neuron in our network changes, the final output error changes by a proportional amount. </a:t>
-            </a:r>
-            <a:r>
-              <a:rPr lang="en-US" sz="1200" dirty="0">
-                <a:effectLst/>
-                <a:latin typeface="+mn-lt"/>
-                <a:ea typeface="Malgun Gothic" panose="020B0503020000020004" pitchFamily="34" charset="-127"/>
-                <a:cs typeface="Times New Roman" panose="02020603050405020304" pitchFamily="18" charset="0"/>
-              </a:rPr>
-              <a:t>The connection between any change in the neuron’s output and the resulting change in the final error is just the neuron’s change multiplied by some number. This number goes by various names, but the most popular is the lowercase Greek letter δ (delta), though sometimes the uppercase version, Δ, is used. Mathematicians often use the delta character to mean “change” of some sort, so this was a natural (if terse) choice of name.  </a:t>
-            </a:r>
-          </a:p>
-          <a:p>
-            <a:endParaRPr lang="en-US" b="0" i="0" dirty="0">
-              <a:solidFill>
-                <a:srgbClr val="3C3C3B"/>
-              </a:solidFill>
-              <a:effectLst/>
-              <a:latin typeface="+mn-lt"/>
-            </a:endParaRPr>
+              <a:rPr lang="en-US" dirty="0"/>
+              <a:t>The learning experience for this workshop starts on page 79 of the textbook.  For additional information, please watch the exercise 2.01 orientation video.</a:t>
+            </a:r>
           </a:p>
         </p:txBody>
       </p:sp>
@@ -1055,7 +1010,7 @@
     </p:spTree>
     <p:extLst>
       <p:ext uri="{BB962C8B-B14F-4D97-AF65-F5344CB8AC3E}">
-        <p14:creationId xmlns:p14="http://schemas.microsoft.com/office/powerpoint/2010/main" val="1498903180"/>
+        <p14:creationId xmlns:p14="http://schemas.microsoft.com/office/powerpoint/2010/main" val="2820707112"/>
       </p:ext>
     </p:extLst>
   </p:cSld>
@@ -1109,7 +1064,28 @@
           <a:bodyPr/>
           <a:lstStyle/>
           <a:p>
-            <a:pPr marL="0" marR="0" lvl="0" indent="0" algn="l" defTabSz="914400" rtl="0" eaLnBrk="1" fontAlgn="auto" latinLnBrk="0" hangingPunct="1">
+            <a:r>
+              <a:rPr lang="en-US" b="0" i="0" dirty="0">
+                <a:solidFill>
+                  <a:srgbClr val="3C3C3B"/>
+                </a:solidFill>
+                <a:effectLst/>
+                <a:latin typeface="+mn-lt"/>
+              </a:rPr>
+              <a:t>Now that we’ve examined backpropagation from the perspective of the error function, its contour, and gradient descent, it’s time to take a closer look at how the network’s weights are adjusted.</a:t>
+            </a:r>
+          </a:p>
+          <a:p>
+            <a:endParaRPr lang="en-US" b="0" i="0" dirty="0">
+              <a:solidFill>
+                <a:srgbClr val="3C3C3B"/>
+              </a:solidFill>
+              <a:effectLst/>
+              <a:latin typeface="+mn-lt"/>
+            </a:endParaRPr>
+          </a:p>
+          <a:p>
+            <a:pPr marL="228600" marR="0" lvl="0" indent="-228600" algn="l" defTabSz="914400" rtl="0" eaLnBrk="1" fontAlgn="auto" latinLnBrk="0" hangingPunct="1">
               <a:lnSpc>
                 <a:spcPct val="100000"/>
               </a:lnSpc>
@@ -1122,10 +1098,20 @@
               <a:buClrTx/>
               <a:buSzTx/>
               <a:buFontTx/>
-              <a:buNone/>
+              <a:buAutoNum type="arabicPeriod"/>
               <a:tabLst/>
               <a:defRPr/>
             </a:pPr>
+            <a:r>
+              <a:rPr lang="en-US" b="0" i="0" dirty="0">
+                <a:solidFill>
+                  <a:srgbClr val="3C3C3B"/>
+                </a:solidFill>
+                <a:effectLst/>
+                <a:latin typeface="+mn-lt"/>
+              </a:rPr>
+              <a:t>We start with a key observation: When the output of any neuron in our network changes, the final output error changes by a proportional amount. </a:t>
+            </a:r>
             <a:r>
               <a:rPr lang="en-US" sz="1200" dirty="0">
                 <a:effectLst/>
@@ -1133,7 +1119,35 @@
                 <a:ea typeface="Malgun Gothic" panose="020B0503020000020004" pitchFamily="34" charset="-127"/>
                 <a:cs typeface="Times New Roman" panose="02020603050405020304" pitchFamily="18" charset="0"/>
               </a:rPr>
-              <a:t>So, every neuron has a delta, or δ, associated with it as a result of evaluating the current network with the current sample. This is a real number that can be big or small, positive or negative. Assuming the network’s input doesn’t change, and the rest of the network is frozen, if a neuron’s output changes by a particular amount, we can multiply that change by the neuron’s delta to see how the entire network’s output will change.</a:t>
+              <a:t>The connection between any change in the neuron’s output and the resulting change in the final error is just the neuron’s change multiplied by some number. </a:t>
+            </a:r>
+          </a:p>
+          <a:p>
+            <a:pPr marL="228600" marR="0" lvl="0" indent="-228600" algn="l" defTabSz="914400" rtl="0" eaLnBrk="1" fontAlgn="auto" latinLnBrk="0" hangingPunct="1">
+              <a:lnSpc>
+                <a:spcPct val="100000"/>
+              </a:lnSpc>
+              <a:spcBef>
+                <a:spcPts val="0"/>
+              </a:spcBef>
+              <a:spcAft>
+                <a:spcPts val="0"/>
+              </a:spcAft>
+              <a:buClrTx/>
+              <a:buSzTx/>
+              <a:buFontTx/>
+              <a:buAutoNum type="arabicPeriod"/>
+              <a:tabLst/>
+              <a:defRPr/>
+            </a:pPr>
+            <a:r>
+              <a:rPr lang="en-US" sz="1200" dirty="0">
+                <a:effectLst/>
+                <a:latin typeface="+mn-lt"/>
+                <a:ea typeface="Malgun Gothic" panose="020B0503020000020004" pitchFamily="34" charset="-127"/>
+                <a:cs typeface="Times New Roman" panose="02020603050405020304" pitchFamily="18" charset="0"/>
+              </a:rPr>
+              <a:t>This number goes by various names, but the most popular is the lowercase Greek letter δ (delta), though sometimes the uppercase version, Δ, is used. Mathematicians often use the delta character to mean “change” of some sort, so this was a natural (if terse) choice of name.  </a:t>
             </a:r>
           </a:p>
           <a:p>
@@ -1162,164 +1176,12 @@
             </a:endParaRPr>
           </a:p>
           <a:p>
-            <a:pPr marL="0" marR="0" lvl="0" indent="0" algn="l" defTabSz="914400" rtl="0" eaLnBrk="1" fontAlgn="auto" latinLnBrk="0" hangingPunct="1">
-              <a:lnSpc>
-                <a:spcPct val="100000"/>
-              </a:lnSpc>
-              <a:spcBef>
-                <a:spcPts val="0"/>
-              </a:spcBef>
-              <a:spcAft>
-                <a:spcPts val="0"/>
-              </a:spcAft>
-              <a:buClrTx/>
-              <a:buSzTx/>
-              <a:buFontTx/>
-              <a:buNone/>
-              <a:tabLst/>
-              <a:defRPr/>
-            </a:pPr>
-            <a:r>
-              <a:rPr lang="en-US" sz="1200" dirty="0">
-                <a:effectLst/>
-                <a:latin typeface="+mn-lt"/>
-                <a:ea typeface="Malgun Gothic" panose="020B0503020000020004" pitchFamily="34" charset="-127"/>
-                <a:cs typeface="Times New Roman" panose="02020603050405020304" pitchFamily="18" charset="0"/>
-              </a:rPr>
-              <a:t>To illustrate the idea, let’s focus just on one neuron’s output for a moment by adding some arbitrary number to its output just before that value emerges.  This image shows the idea graphically, where we use the letter m (for “modification”) for this extra value.</a:t>
-            </a:r>
-          </a:p>
-          <a:p>
-            <a:pPr marL="0" marR="0" lvl="0" indent="0" algn="l" defTabSz="914400" rtl="0" eaLnBrk="1" fontAlgn="auto" latinLnBrk="0" hangingPunct="1">
-              <a:lnSpc>
-                <a:spcPct val="100000"/>
-              </a:lnSpc>
-              <a:spcBef>
-                <a:spcPts val="0"/>
-              </a:spcBef>
-              <a:spcAft>
-                <a:spcPts val="0"/>
-              </a:spcAft>
-              <a:buClrTx/>
-              <a:buSzTx/>
-              <a:buFontTx/>
-              <a:buNone/>
-              <a:tabLst/>
-              <a:defRPr/>
-            </a:pPr>
-            <a:endParaRPr lang="en-US" sz="1200" dirty="0">
-              <a:effectLst/>
-              <a:latin typeface="+mn-lt"/>
-              <a:ea typeface="Malgun Gothic" panose="020B0503020000020004" pitchFamily="34" charset="-127"/>
-              <a:cs typeface="Times New Roman" panose="02020603050405020304" pitchFamily="18" charset="0"/>
-            </a:endParaRPr>
-          </a:p>
-          <a:p>
-            <a:pPr marL="0" marR="0" lvl="0" indent="0" algn="l" defTabSz="914400" rtl="0" eaLnBrk="1" fontAlgn="auto" latinLnBrk="0" hangingPunct="1">
-              <a:lnSpc>
-                <a:spcPct val="100000"/>
-              </a:lnSpc>
-              <a:spcBef>
-                <a:spcPts val="0"/>
-              </a:spcBef>
-              <a:spcAft>
-                <a:spcPts val="0"/>
-              </a:spcAft>
-              <a:buClrTx/>
-              <a:buSzTx/>
-              <a:buFontTx/>
-              <a:buNone/>
-              <a:tabLst/>
-              <a:defRPr/>
-            </a:pPr>
-            <a:r>
-              <a:rPr lang="en-US" sz="1200" dirty="0">
-                <a:effectLst/>
-                <a:latin typeface="+mn-lt"/>
-                <a:ea typeface="Malgun Gothic" panose="020B0503020000020004" pitchFamily="34" charset="-127"/>
-                <a:cs typeface="Times New Roman" panose="02020603050405020304" pitchFamily="18" charset="0"/>
-              </a:rPr>
-              <a:t>Because the output will change by m, we know the change in the final error is m times the neuron’s δ.</a:t>
-            </a:r>
-          </a:p>
-          <a:p>
-            <a:pPr marL="0" marR="0" lvl="0" indent="0" algn="l" defTabSz="914400" rtl="0" eaLnBrk="1" fontAlgn="auto" latinLnBrk="0" hangingPunct="1">
-              <a:lnSpc>
-                <a:spcPct val="100000"/>
-              </a:lnSpc>
-              <a:spcBef>
-                <a:spcPts val="0"/>
-              </a:spcBef>
-              <a:spcAft>
-                <a:spcPts val="0"/>
-              </a:spcAft>
-              <a:buClrTx/>
-              <a:buSzTx/>
-              <a:buFontTx/>
-              <a:buNone/>
-              <a:tabLst/>
-              <a:defRPr/>
-            </a:pPr>
-            <a:endParaRPr lang="en-US" sz="1200" dirty="0">
-              <a:effectLst/>
-              <a:latin typeface="+mn-lt"/>
-              <a:ea typeface="Malgun Gothic" panose="020B0503020000020004" pitchFamily="34" charset="-127"/>
-              <a:cs typeface="Times New Roman" panose="02020603050405020304" pitchFamily="18" charset="0"/>
-            </a:endParaRPr>
-          </a:p>
-          <a:p>
-            <a:pPr marL="0" marR="0" lvl="0" indent="0" algn="l" defTabSz="914400" rtl="0" eaLnBrk="1" fontAlgn="auto" latinLnBrk="0" hangingPunct="1">
-              <a:lnSpc>
-                <a:spcPct val="100000"/>
-              </a:lnSpc>
-              <a:spcBef>
-                <a:spcPts val="0"/>
-              </a:spcBef>
-              <a:spcAft>
-                <a:spcPts val="0"/>
-              </a:spcAft>
-              <a:buClrTx/>
-              <a:buSzTx/>
-              <a:buFontTx/>
-              <a:buNone/>
-              <a:tabLst/>
-              <a:defRPr/>
-            </a:pPr>
-            <a:r>
-              <a:rPr lang="en-US" sz="1200" dirty="0">
-                <a:effectLst/>
-                <a:latin typeface="+mn-lt"/>
-                <a:ea typeface="Malgun Gothic" panose="020B0503020000020004" pitchFamily="34" charset="-127"/>
-                <a:cs typeface="Times New Roman" panose="02020603050405020304" pitchFamily="18" charset="0"/>
-              </a:rPr>
-              <a:t>Source: Deep Learning: </a:t>
-            </a:r>
-            <a:r>
-              <a:rPr lang="en-US" sz="1200" i="1" dirty="0">
-                <a:effectLst/>
-                <a:latin typeface="+mn-lt"/>
-                <a:ea typeface="Malgun Gothic" panose="020B0503020000020004" pitchFamily="34" charset="-127"/>
-                <a:cs typeface="Times New Roman" panose="02020603050405020304" pitchFamily="18" charset="0"/>
-              </a:rPr>
-              <a:t>A Visual Approach </a:t>
-            </a:r>
-            <a:r>
-              <a:rPr lang="en-US" sz="1200" i="0" dirty="0">
-                <a:effectLst/>
-                <a:latin typeface="+mn-lt"/>
-                <a:ea typeface="Malgun Gothic" panose="020B0503020000020004" pitchFamily="34" charset="-127"/>
-                <a:cs typeface="Times New Roman" panose="02020603050405020304" pitchFamily="18" charset="0"/>
-              </a:rPr>
-              <a:t>(p. 357)</a:t>
-            </a:r>
-          </a:p>
-          <a:p>
             <a:endParaRPr lang="en-US" b="0" i="0" dirty="0">
               <a:solidFill>
                 <a:srgbClr val="3C3C3B"/>
               </a:solidFill>
               <a:effectLst/>
-              <a:latin typeface="Lato"/>
+              <a:latin typeface="+mn-lt"/>
             </a:endParaRPr>
           </a:p>
         </p:txBody>
@@ -1350,7 +1212,7 @@
     </p:spTree>
     <p:extLst>
       <p:ext uri="{BB962C8B-B14F-4D97-AF65-F5344CB8AC3E}">
-        <p14:creationId xmlns:p14="http://schemas.microsoft.com/office/powerpoint/2010/main" val="1601600778"/>
+        <p14:creationId xmlns:p14="http://schemas.microsoft.com/office/powerpoint/2010/main" val="1498903180"/>
       </p:ext>
     </p:extLst>
   </p:cSld>
@@ -1404,10 +1266,236 @@
           <a:bodyPr/>
           <a:lstStyle/>
           <a:p>
-            <a:r>
-              <a:rPr lang="en-US" dirty="0"/>
-              <a:t>So far, we’ve drawn the outputs of neurons as arrows coming out of a circle to the right. Let’s draw deltas using arrows coming out of the circles to the left, as pictured here.  With this convention – which we’ve already seen in the backpropagation slide, the process for finding the updated value for weight Wgf1 can be summarized as follows.,,</a:t>
-            </a:r>
+            <a:pPr marL="0" marR="0" lvl="0" indent="0" algn="l" defTabSz="914400" rtl="0" eaLnBrk="1" fontAlgn="auto" latinLnBrk="0" hangingPunct="1">
+              <a:lnSpc>
+                <a:spcPct val="100000"/>
+              </a:lnSpc>
+              <a:spcBef>
+                <a:spcPts val="0"/>
+              </a:spcBef>
+              <a:spcAft>
+                <a:spcPts val="0"/>
+              </a:spcAft>
+              <a:buClrTx/>
+              <a:buSzTx/>
+              <a:buFontTx/>
+              <a:buNone/>
+              <a:tabLst/>
+              <a:defRPr/>
+            </a:pPr>
+            <a:r>
+              <a:rPr lang="en-US" sz="1200" dirty="0">
+                <a:effectLst/>
+                <a:latin typeface="+mn-lt"/>
+                <a:ea typeface="Malgun Gothic" panose="020B0503020000020004" pitchFamily="34" charset="-127"/>
+                <a:cs typeface="Times New Roman" panose="02020603050405020304" pitchFamily="18" charset="0"/>
+              </a:rPr>
+              <a:t>So, every neuron has a delta, or δ, associated with it as a result of evaluating the current network with the current sample. This is a real number that can be big or small, positive or negative. Assuming the network’s input doesn’t change, and the rest of the network is frozen, if a neuron’s output changes by a particular amount, we can multiply that change by the neuron’s delta to see how the entire network’s output will change.</a:t>
+            </a:r>
+          </a:p>
+          <a:p>
+            <a:pPr marL="0" marR="0" lvl="0" indent="0" algn="l" defTabSz="914400" rtl="0" eaLnBrk="1" fontAlgn="auto" latinLnBrk="0" hangingPunct="1">
+              <a:lnSpc>
+                <a:spcPct val="100000"/>
+              </a:lnSpc>
+              <a:spcBef>
+                <a:spcPts val="0"/>
+              </a:spcBef>
+              <a:spcAft>
+                <a:spcPts val="0"/>
+              </a:spcAft>
+              <a:buClrTx/>
+              <a:buSzTx/>
+              <a:buFontTx/>
+              <a:buNone/>
+              <a:tabLst/>
+              <a:defRPr/>
+            </a:pPr>
+            <a:endParaRPr lang="en-US" sz="1200" dirty="0">
+              <a:effectLst/>
+              <a:latin typeface="+mn-lt"/>
+              <a:ea typeface="Malgun Gothic" panose="020B0503020000020004" pitchFamily="34" charset="-127"/>
+              <a:cs typeface="Times New Roman" panose="02020603050405020304" pitchFamily="18" charset="0"/>
+            </a:endParaRPr>
+          </a:p>
+          <a:p>
+            <a:pPr marL="0" marR="0" lvl="0" indent="0" algn="l" defTabSz="914400" rtl="0" eaLnBrk="1" fontAlgn="auto" latinLnBrk="0" hangingPunct="1">
+              <a:lnSpc>
+                <a:spcPct val="100000"/>
+              </a:lnSpc>
+              <a:spcBef>
+                <a:spcPts val="0"/>
+              </a:spcBef>
+              <a:spcAft>
+                <a:spcPts val="0"/>
+              </a:spcAft>
+              <a:buClrTx/>
+              <a:buSzTx/>
+              <a:buFontTx/>
+              <a:buNone/>
+              <a:tabLst/>
+              <a:defRPr/>
+            </a:pPr>
+            <a:r>
+              <a:rPr lang="en-US" sz="1200" dirty="0">
+                <a:effectLst/>
+                <a:latin typeface="+mn-lt"/>
+                <a:ea typeface="Malgun Gothic" panose="020B0503020000020004" pitchFamily="34" charset="-127"/>
+                <a:cs typeface="Times New Roman" panose="02020603050405020304" pitchFamily="18" charset="0"/>
+              </a:rPr>
+              <a:t>To illustrate the idea, let’s focus on the output from G, the single node in the hidden layer of our simple network from the previous slide.  Now, let’s add some arbitrary value to G’s output just before that value emerges.  As shown here, we use the letter </a:t>
+            </a:r>
+            <a:r>
+              <a:rPr lang="en-US" sz="1200" b="1" dirty="0">
+                <a:effectLst/>
+                <a:latin typeface="+mn-lt"/>
+                <a:ea typeface="Malgun Gothic" panose="020B0503020000020004" pitchFamily="34" charset="-127"/>
+                <a:cs typeface="Times New Roman" panose="02020603050405020304" pitchFamily="18" charset="0"/>
+              </a:rPr>
+              <a:t>m</a:t>
+            </a:r>
+            <a:r>
+              <a:rPr lang="en-US" sz="1200" dirty="0">
+                <a:effectLst/>
+                <a:latin typeface="+mn-lt"/>
+                <a:ea typeface="Malgun Gothic" panose="020B0503020000020004" pitchFamily="34" charset="-127"/>
+                <a:cs typeface="Times New Roman" panose="02020603050405020304" pitchFamily="18" charset="0"/>
+              </a:rPr>
+              <a:t> (for ‘modification’) as the name of the variable that holds this extra value.  </a:t>
+            </a:r>
+          </a:p>
+          <a:p>
+            <a:pPr marL="0" marR="0" lvl="0" indent="0" algn="l" defTabSz="914400" rtl="0" eaLnBrk="1" fontAlgn="auto" latinLnBrk="0" hangingPunct="1">
+              <a:lnSpc>
+                <a:spcPct val="100000"/>
+              </a:lnSpc>
+              <a:spcBef>
+                <a:spcPts val="0"/>
+              </a:spcBef>
+              <a:spcAft>
+                <a:spcPts val="0"/>
+              </a:spcAft>
+              <a:buClrTx/>
+              <a:buSzTx/>
+              <a:buFontTx/>
+              <a:buNone/>
+              <a:tabLst/>
+              <a:defRPr/>
+            </a:pPr>
+            <a:endParaRPr lang="en-US" sz="1200" dirty="0">
+              <a:effectLst/>
+              <a:latin typeface="+mn-lt"/>
+              <a:ea typeface="Malgun Gothic" panose="020B0503020000020004" pitchFamily="34" charset="-127"/>
+              <a:cs typeface="Times New Roman" panose="02020603050405020304" pitchFamily="18" charset="0"/>
+            </a:endParaRPr>
+          </a:p>
+          <a:p>
+            <a:pPr marL="0" marR="0" lvl="0" indent="0" algn="l" defTabSz="914400" rtl="0" eaLnBrk="1" fontAlgn="auto" latinLnBrk="0" hangingPunct="1">
+              <a:lnSpc>
+                <a:spcPct val="100000"/>
+              </a:lnSpc>
+              <a:spcBef>
+                <a:spcPts val="0"/>
+              </a:spcBef>
+              <a:spcAft>
+                <a:spcPts val="0"/>
+              </a:spcAft>
+              <a:buClrTx/>
+              <a:buSzTx/>
+              <a:buFontTx/>
+              <a:buNone/>
+              <a:tabLst/>
+              <a:defRPr/>
+            </a:pPr>
+            <a:r>
+              <a:rPr lang="en-US" sz="1200" dirty="0">
+                <a:effectLst/>
+                <a:latin typeface="+mn-lt"/>
+                <a:ea typeface="Malgun Gothic" panose="020B0503020000020004" pitchFamily="34" charset="-127"/>
+                <a:cs typeface="Times New Roman" panose="02020603050405020304" pitchFamily="18" charset="0"/>
+              </a:rPr>
+              <a:t>Because the output will change by m, we know the change in the final error is m times the neuron’s δ.</a:t>
+            </a:r>
+          </a:p>
+          <a:p>
+            <a:pPr marL="0" marR="0" lvl="0" indent="0" algn="l" defTabSz="914400" rtl="0" eaLnBrk="1" fontAlgn="auto" latinLnBrk="0" hangingPunct="1">
+              <a:lnSpc>
+                <a:spcPct val="100000"/>
+              </a:lnSpc>
+              <a:spcBef>
+                <a:spcPts val="0"/>
+              </a:spcBef>
+              <a:spcAft>
+                <a:spcPts val="0"/>
+              </a:spcAft>
+              <a:buClrTx/>
+              <a:buSzTx/>
+              <a:buFontTx/>
+              <a:buNone/>
+              <a:tabLst/>
+              <a:defRPr/>
+            </a:pPr>
+            <a:endParaRPr lang="en-US" sz="1200" dirty="0">
+              <a:effectLst/>
+              <a:latin typeface="+mn-lt"/>
+              <a:ea typeface="Malgun Gothic" panose="020B0503020000020004" pitchFamily="34" charset="-127"/>
+              <a:cs typeface="Times New Roman" panose="02020603050405020304" pitchFamily="18" charset="0"/>
+            </a:endParaRPr>
+          </a:p>
+          <a:p>
+            <a:pPr marL="0" marR="0" lvl="0" indent="0" algn="l" defTabSz="914400" rtl="0" eaLnBrk="1" fontAlgn="auto" latinLnBrk="0" hangingPunct="1">
+              <a:lnSpc>
+                <a:spcPct val="100000"/>
+              </a:lnSpc>
+              <a:spcBef>
+                <a:spcPts val="0"/>
+              </a:spcBef>
+              <a:spcAft>
+                <a:spcPts val="0"/>
+              </a:spcAft>
+              <a:buClrTx/>
+              <a:buSzTx/>
+              <a:buFontTx/>
+              <a:buNone/>
+              <a:tabLst/>
+              <a:defRPr/>
+            </a:pPr>
+            <a:r>
+              <a:rPr lang="en-US" sz="1200" dirty="0">
+                <a:effectLst/>
+                <a:latin typeface="+mn-lt"/>
+                <a:ea typeface="Malgun Gothic" panose="020B0503020000020004" pitchFamily="34" charset="-127"/>
+                <a:cs typeface="Times New Roman" panose="02020603050405020304" pitchFamily="18" charset="0"/>
+              </a:rPr>
+              <a:t>Source: Deep Learning: </a:t>
+            </a:r>
+            <a:r>
+              <a:rPr lang="en-US" sz="1200" i="1" dirty="0">
+                <a:effectLst/>
+                <a:latin typeface="+mn-lt"/>
+                <a:ea typeface="Malgun Gothic" panose="020B0503020000020004" pitchFamily="34" charset="-127"/>
+                <a:cs typeface="Times New Roman" panose="02020603050405020304" pitchFamily="18" charset="0"/>
+              </a:rPr>
+              <a:t>A Visual Approach </a:t>
+            </a:r>
+            <a:r>
+              <a:rPr lang="en-US" sz="1200" i="0" dirty="0">
+                <a:effectLst/>
+                <a:latin typeface="+mn-lt"/>
+                <a:ea typeface="Malgun Gothic" panose="020B0503020000020004" pitchFamily="34" charset="-127"/>
+                <a:cs typeface="Times New Roman" panose="02020603050405020304" pitchFamily="18" charset="0"/>
+              </a:rPr>
+              <a:t>(p. 357)</a:t>
+            </a:r>
+          </a:p>
+          <a:p>
+            <a:endParaRPr lang="en-US" b="0" i="0" dirty="0">
+              <a:solidFill>
+                <a:srgbClr val="3C3C3B"/>
+              </a:solidFill>
+              <a:effectLst/>
+              <a:latin typeface="Lato"/>
+            </a:endParaRPr>
           </a:p>
         </p:txBody>
       </p:sp>
@@ -1437,7 +1525,7 @@
     </p:spTree>
     <p:extLst>
       <p:ext uri="{BB962C8B-B14F-4D97-AF65-F5344CB8AC3E}">
-        <p14:creationId xmlns:p14="http://schemas.microsoft.com/office/powerpoint/2010/main" val="256513045"/>
+        <p14:creationId xmlns:p14="http://schemas.microsoft.com/office/powerpoint/2010/main" val="1601600778"/>
       </p:ext>
     </p:extLst>
   </p:cSld>
@@ -1491,23 +1579,10 @@
           <a:bodyPr/>
           <a:lstStyle/>
           <a:p>
-            <a:pPr marL="0" marR="0" lvl="0" indent="0" algn="l" defTabSz="914400" rtl="0" eaLnBrk="1" fontAlgn="auto" latinLnBrk="0" hangingPunct="1">
-              <a:lnSpc>
-                <a:spcPct val="100000"/>
-              </a:lnSpc>
-              <a:spcBef>
-                <a:spcPts val="0"/>
-              </a:spcBef>
-              <a:spcAft>
-                <a:spcPts val="0"/>
-              </a:spcAft>
-              <a:buClrTx/>
-              <a:buSzTx/>
-              <a:buFontTx/>
-              <a:buNone/>
-              <a:tabLst/>
-              <a:defRPr/>
-            </a:pPr>
+            <a:r>
+              <a:rPr lang="en-US" dirty="0"/>
+              <a:t>Because network training includes both forward and backpropagation processes, each node in a neural network has two outputs.  Node G, for example, produces an output to the right, during forward propagation, and an output to the left, during backpropagation.  Here the output to the right (forward prop) is called Go while the output to the left (backprop) is called G</a:t>
+            </a:r>
             <a:r>
               <a:rPr lang="en-US" sz="1200" dirty="0">
                 <a:effectLst/>
@@ -1515,285 +1590,18 @@
                 <a:ea typeface="Malgun Gothic" panose="020B0503020000020004" pitchFamily="34" charset="-127"/>
                 <a:cs typeface="Times New Roman" panose="02020603050405020304" pitchFamily="18" charset="0"/>
               </a:rPr>
-              <a:t>The whole process for finding the updated value for weight AC, or AC – (</a:t>
-            </a:r>
-            <a:r>
-              <a:rPr lang="en-US" sz="1200" dirty="0" err="1">
-                <a:effectLst/>
-                <a:latin typeface="+mn-lt"/>
-                <a:ea typeface="Malgun Gothic" panose="020B0503020000020004" pitchFamily="34" charset="-127"/>
-                <a:cs typeface="Times New Roman" panose="02020603050405020304" pitchFamily="18" charset="0"/>
-              </a:rPr>
-              <a:t>Ao</a:t>
-            </a:r>
-            <a:r>
-              <a:rPr lang="en-US" sz="1200" dirty="0">
-                <a:effectLst/>
-                <a:latin typeface="+mn-lt"/>
-                <a:ea typeface="Malgun Gothic" panose="020B0503020000020004" pitchFamily="34" charset="-127"/>
-                <a:cs typeface="Times New Roman" panose="02020603050405020304" pitchFamily="18" charset="0"/>
-              </a:rPr>
-              <a:t> × </a:t>
-            </a:r>
-            <a:r>
-              <a:rPr lang="en-US" sz="1200" dirty="0" err="1">
-                <a:effectLst/>
-                <a:latin typeface="+mn-lt"/>
-                <a:ea typeface="Malgun Gothic" panose="020B0503020000020004" pitchFamily="34" charset="-127"/>
-                <a:cs typeface="Times New Roman" panose="02020603050405020304" pitchFamily="18" charset="0"/>
-              </a:rPr>
-              <a:t>Cδ</a:t>
-            </a:r>
-            <a:r>
-              <a:rPr lang="en-US" sz="1200" dirty="0">
-                <a:effectLst/>
-                <a:latin typeface="+mn-lt"/>
-                <a:ea typeface="Malgun Gothic" panose="020B0503020000020004" pitchFamily="34" charset="-127"/>
-                <a:cs typeface="Times New Roman" panose="02020603050405020304" pitchFamily="18" charset="0"/>
-              </a:rPr>
-              <a:t>), is summarized here. Showing subtraction in a diagram like this is hard, because if we have a “minus” node with two incoming arrows, it’s not clear which value is being subtracted from the other (that is, if the inputs are x and y, are we computing x − y or y − x?). To sidestep that problem, we compute AC − (</a:t>
-            </a:r>
-            <a:r>
-              <a:rPr lang="en-US" sz="1200" dirty="0" err="1">
-                <a:effectLst/>
-                <a:latin typeface="+mn-lt"/>
-                <a:ea typeface="Malgun Gothic" panose="020B0503020000020004" pitchFamily="34" charset="-127"/>
-                <a:cs typeface="Times New Roman" panose="02020603050405020304" pitchFamily="18" charset="0"/>
-              </a:rPr>
-              <a:t>Ao</a:t>
-            </a:r>
-            <a:r>
-              <a:rPr lang="en-US" sz="1200" dirty="0">
-                <a:effectLst/>
-                <a:latin typeface="+mn-lt"/>
-                <a:ea typeface="Malgun Gothic" panose="020B0503020000020004" pitchFamily="34" charset="-127"/>
-                <a:cs typeface="Times New Roman" panose="02020603050405020304" pitchFamily="18" charset="0"/>
-              </a:rPr>
-              <a:t> × </a:t>
-            </a:r>
-            <a:r>
-              <a:rPr lang="en-US" sz="1200" dirty="0" err="1">
-                <a:effectLst/>
-                <a:latin typeface="+mn-lt"/>
-                <a:ea typeface="Malgun Gothic" panose="020B0503020000020004" pitchFamily="34" charset="-127"/>
-                <a:cs typeface="Times New Roman" panose="02020603050405020304" pitchFamily="18" charset="0"/>
-              </a:rPr>
-              <a:t>Cδ</a:t>
-            </a:r>
-            <a:r>
-              <a:rPr lang="en-US" sz="1200" dirty="0">
-                <a:effectLst/>
-                <a:latin typeface="+mn-lt"/>
-                <a:ea typeface="Malgun Gothic" panose="020B0503020000020004" pitchFamily="34" charset="-127"/>
-                <a:cs typeface="Times New Roman" panose="02020603050405020304" pitchFamily="18" charset="0"/>
-              </a:rPr>
-              <a:t>) by finding </a:t>
-            </a:r>
-            <a:r>
-              <a:rPr lang="en-US" sz="1200" dirty="0" err="1">
-                <a:effectLst/>
-                <a:latin typeface="+mn-lt"/>
-                <a:ea typeface="Malgun Gothic" panose="020B0503020000020004" pitchFamily="34" charset="-127"/>
-                <a:cs typeface="Times New Roman" panose="02020603050405020304" pitchFamily="18" charset="0"/>
-              </a:rPr>
-              <a:t>Ao</a:t>
-            </a:r>
-            <a:r>
-              <a:rPr lang="en-US" sz="1200" dirty="0">
-                <a:effectLst/>
-                <a:latin typeface="+mn-lt"/>
-                <a:ea typeface="Malgun Gothic" panose="020B0503020000020004" pitchFamily="34" charset="-127"/>
-                <a:cs typeface="Times New Roman" panose="02020603050405020304" pitchFamily="18" charset="0"/>
-              </a:rPr>
-              <a:t> × </a:t>
-            </a:r>
-            <a:r>
-              <a:rPr lang="en-US" sz="1200" dirty="0" err="1">
-                <a:effectLst/>
-                <a:latin typeface="+mn-lt"/>
-                <a:ea typeface="Malgun Gothic" panose="020B0503020000020004" pitchFamily="34" charset="-127"/>
-                <a:cs typeface="Times New Roman" panose="02020603050405020304" pitchFamily="18" charset="0"/>
-              </a:rPr>
-              <a:t>Cδ</a:t>
-            </a:r>
-            <a:r>
-              <a:rPr lang="en-US" sz="1200" dirty="0">
-                <a:effectLst/>
-                <a:latin typeface="+mn-lt"/>
-                <a:ea typeface="Malgun Gothic" panose="020B0503020000020004" pitchFamily="34" charset="-127"/>
-                <a:cs typeface="Times New Roman" panose="02020603050405020304" pitchFamily="18" charset="0"/>
-              </a:rPr>
-              <a:t>, multiplying that by −1, and then adding that result to AC.</a:t>
-            </a:r>
-          </a:p>
-          <a:p>
-            <a:pPr marL="0" marR="0" lvl="0" indent="0" algn="l" defTabSz="914400" rtl="0" eaLnBrk="1" fontAlgn="auto" latinLnBrk="0" hangingPunct="1">
-              <a:lnSpc>
-                <a:spcPct val="100000"/>
-              </a:lnSpc>
-              <a:spcBef>
-                <a:spcPts val="0"/>
-              </a:spcBef>
-              <a:spcAft>
-                <a:spcPts val="0"/>
-              </a:spcAft>
-              <a:buClrTx/>
-              <a:buSzTx/>
-              <a:buFontTx/>
-              <a:buNone/>
-              <a:tabLst/>
-              <a:defRPr/>
-            </a:pPr>
-            <a:endParaRPr lang="en-US" sz="1200" dirty="0">
-              <a:effectLst/>
-              <a:latin typeface="+mn-lt"/>
-              <a:ea typeface="Malgun Gothic" panose="020B0503020000020004" pitchFamily="34" charset="-127"/>
-              <a:cs typeface="Times New Roman" panose="02020603050405020304" pitchFamily="18" charset="0"/>
-            </a:endParaRPr>
-          </a:p>
-          <a:p>
-            <a:pPr marL="0" marR="0" lvl="0" indent="0" algn="l" defTabSz="914400" rtl="0" eaLnBrk="1" fontAlgn="auto" latinLnBrk="0" hangingPunct="1">
-              <a:lnSpc>
-                <a:spcPct val="100000"/>
-              </a:lnSpc>
-              <a:spcBef>
-                <a:spcPts val="0"/>
-              </a:spcBef>
-              <a:spcAft>
-                <a:spcPts val="0"/>
-              </a:spcAft>
-              <a:buClrTx/>
-              <a:buSzTx/>
-              <a:buFontTx/>
-              <a:buNone/>
-              <a:tabLst/>
-              <a:defRPr/>
-            </a:pPr>
-            <a:r>
-              <a:rPr lang="en-US" sz="1200" dirty="0">
-                <a:effectLst/>
-                <a:latin typeface="+mn-lt"/>
-                <a:ea typeface="Malgun Gothic" panose="020B0503020000020004" pitchFamily="34" charset="-127"/>
-                <a:cs typeface="Times New Roman" panose="02020603050405020304" pitchFamily="18" charset="0"/>
-              </a:rPr>
-              <a:t>Let’s walk through this figure. We start with the output </a:t>
-            </a:r>
-            <a:r>
-              <a:rPr lang="en-US" sz="1200" dirty="0" err="1">
-                <a:effectLst/>
-                <a:latin typeface="+mn-lt"/>
-                <a:ea typeface="Malgun Gothic" panose="020B0503020000020004" pitchFamily="34" charset="-127"/>
-                <a:cs typeface="Times New Roman" panose="02020603050405020304" pitchFamily="18" charset="0"/>
-              </a:rPr>
-              <a:t>Ao</a:t>
-            </a:r>
-            <a:r>
-              <a:rPr lang="en-US" sz="1200" dirty="0">
-                <a:effectLst/>
-                <a:latin typeface="+mn-lt"/>
-                <a:ea typeface="Malgun Gothic" panose="020B0503020000020004" pitchFamily="34" charset="-127"/>
-                <a:cs typeface="Times New Roman" panose="02020603050405020304" pitchFamily="18" charset="0"/>
-              </a:rPr>
-              <a:t> from neuron A and the delta </a:t>
-            </a:r>
-            <a:r>
-              <a:rPr lang="en-US" sz="1200" dirty="0" err="1">
-                <a:effectLst/>
-                <a:latin typeface="+mn-lt"/>
-                <a:ea typeface="Malgun Gothic" panose="020B0503020000020004" pitchFamily="34" charset="-127"/>
-                <a:cs typeface="Times New Roman" panose="02020603050405020304" pitchFamily="18" charset="0"/>
-              </a:rPr>
-              <a:t>Cδ</a:t>
-            </a:r>
-            <a:r>
-              <a:rPr lang="en-US" sz="1200" dirty="0">
-                <a:effectLst/>
-                <a:latin typeface="+mn-lt"/>
-                <a:ea typeface="Malgun Gothic" panose="020B0503020000020004" pitchFamily="34" charset="-127"/>
-                <a:cs typeface="Times New Roman" panose="02020603050405020304" pitchFamily="18" charset="0"/>
-              </a:rPr>
-              <a:t> from output neuron C, and multiply them together (at the top of the figure). We want to subtract this from the current value of AC. To show this clearly in the diagram, we multiply the product by −1 and then add it to the weight AC. The green arrow is the update step, where this result becomes the new value of AC.</a:t>
-            </a:r>
-          </a:p>
-          <a:p>
-            <a:pPr marL="0" marR="0" lvl="0" indent="0" algn="l" defTabSz="914400" rtl="0" eaLnBrk="1" fontAlgn="auto" latinLnBrk="0" hangingPunct="1">
-              <a:lnSpc>
-                <a:spcPct val="100000"/>
-              </a:lnSpc>
-              <a:spcBef>
-                <a:spcPts val="0"/>
-              </a:spcBef>
-              <a:spcAft>
-                <a:spcPts val="0"/>
-              </a:spcAft>
-              <a:buClrTx/>
-              <a:buSzTx/>
-              <a:buFontTx/>
-              <a:buNone/>
-              <a:tabLst/>
-              <a:defRPr/>
-            </a:pPr>
-            <a:endParaRPr lang="en-US" sz="1200" dirty="0">
-              <a:effectLst/>
-              <a:latin typeface="+mn-lt"/>
-              <a:ea typeface="Malgun Gothic" panose="020B0503020000020004" pitchFamily="34" charset="-127"/>
-              <a:cs typeface="Times New Roman" panose="02020603050405020304" pitchFamily="18" charset="0"/>
-            </a:endParaRPr>
-          </a:p>
-          <a:p>
-            <a:pPr marL="0" marR="0" lvl="0" indent="0" algn="l" defTabSz="914400" rtl="0" eaLnBrk="1" fontAlgn="auto" latinLnBrk="0" hangingPunct="1">
-              <a:lnSpc>
-                <a:spcPct val="100000"/>
-              </a:lnSpc>
-              <a:spcBef>
-                <a:spcPts val="0"/>
-              </a:spcBef>
-              <a:spcAft>
-                <a:spcPts val="0"/>
-              </a:spcAft>
-              <a:buClrTx/>
-              <a:buSzTx/>
-              <a:buFontTx/>
-              <a:buNone/>
-              <a:tabLst/>
-              <a:defRPr/>
-            </a:pPr>
-            <a:r>
-              <a:rPr lang="en-US" sz="1200" dirty="0">
-                <a:effectLst/>
-                <a:latin typeface="+mn-lt"/>
-                <a:ea typeface="Malgun Gothic" panose="020B0503020000020004" pitchFamily="34" charset="-127"/>
-                <a:cs typeface="Times New Roman" panose="02020603050405020304" pitchFamily="18" charset="0"/>
-              </a:rPr>
-              <a:t>Source: Deep Learning: </a:t>
-            </a:r>
-            <a:r>
-              <a:rPr lang="en-US" sz="1200" i="1" dirty="0">
-                <a:effectLst/>
-                <a:latin typeface="+mn-lt"/>
-                <a:ea typeface="Malgun Gothic" panose="020B0503020000020004" pitchFamily="34" charset="-127"/>
-                <a:cs typeface="Times New Roman" panose="02020603050405020304" pitchFamily="18" charset="0"/>
-              </a:rPr>
-              <a:t>A Visual Approach </a:t>
-            </a:r>
-            <a:r>
-              <a:rPr lang="en-US" sz="1200" i="0" dirty="0">
-                <a:effectLst/>
-                <a:latin typeface="+mn-lt"/>
-                <a:ea typeface="Malgun Gothic" panose="020B0503020000020004" pitchFamily="34" charset="-127"/>
-                <a:cs typeface="Times New Roman" panose="02020603050405020304" pitchFamily="18" charset="0"/>
-              </a:rPr>
-              <a:t>(p. 367)</a:t>
-            </a:r>
-          </a:p>
-          <a:p>
-            <a:endParaRPr lang="en-US" b="0" i="0" dirty="0">
-              <a:solidFill>
-                <a:srgbClr val="3C3C3B"/>
-              </a:solidFill>
-              <a:effectLst/>
-              <a:latin typeface="Lato"/>
-            </a:endParaRPr>
+              <a:t>δ.</a:t>
+            </a:r>
+            <a:endParaRPr lang="en-US" dirty="0"/>
+          </a:p>
+          <a:p>
+            <a:endParaRPr lang="en-US" dirty="0"/>
+          </a:p>
+          <a:p>
+            <a:r>
+              <a:rPr lang="en-US" dirty="0"/>
+              <a:t>Now with this naming convention established, the process for finding the updated value for weight Wgf1 can be summarized as follows.,,</a:t>
+            </a:r>
           </a:p>
         </p:txBody>
       </p:sp>
@@ -1823,7 +1631,7 @@
     </p:spTree>
     <p:extLst>
       <p:ext uri="{BB962C8B-B14F-4D97-AF65-F5344CB8AC3E}">
-        <p14:creationId xmlns:p14="http://schemas.microsoft.com/office/powerpoint/2010/main" val="1475752521"/>
+        <p14:creationId xmlns:p14="http://schemas.microsoft.com/office/powerpoint/2010/main" val="256513045"/>
       </p:ext>
     </p:extLst>
   </p:cSld>
@@ -1877,61 +1685,155 @@
           <a:bodyPr/>
           <a:lstStyle/>
           <a:p>
-            <a:r>
-              <a:rPr lang="en-US" dirty="0">
-                <a:latin typeface="+mn-lt"/>
-              </a:rPr>
-              <a:t>Now that we understand how individual weights are updated, one final issue remains.  Network weights are linked together, </a:t>
-            </a:r>
-            <a:r>
-              <a:rPr lang="en-US" b="0" i="0" dirty="0">
-                <a:solidFill>
-                  <a:srgbClr val="3C3C3B"/>
-                </a:solidFill>
+            <a:pPr marL="0" marR="0" lvl="0" indent="0" algn="l" defTabSz="914400" rtl="0" eaLnBrk="1" fontAlgn="auto" latinLnBrk="0" hangingPunct="1">
+              <a:lnSpc>
+                <a:spcPct val="100000"/>
+              </a:lnSpc>
+              <a:spcBef>
+                <a:spcPts val="0"/>
+              </a:spcBef>
+              <a:spcAft>
+                <a:spcPts val="0"/>
+              </a:spcAft>
+              <a:buClrTx/>
+              <a:buSzTx/>
+              <a:buFontTx/>
+              <a:buNone/>
+              <a:tabLst/>
+              <a:defRPr/>
+            </a:pPr>
+            <a:r>
+              <a:rPr lang="en-US" sz="1200" dirty="0">
                 <a:effectLst/>
                 <a:latin typeface="+mn-lt"/>
-              </a:rPr>
-              <a:t>and this creates an additional complication. </a:t>
-            </a:r>
-            <a:r>
-              <a:rPr lang="en-US" b="0" i="0" dirty="0">
-                <a:solidFill>
-                  <a:schemeClr val="tx1"/>
-                </a:solidFill>
+                <a:ea typeface="Malgun Gothic" panose="020B0503020000020004" pitchFamily="34" charset="-127"/>
+                <a:cs typeface="Times New Roman" panose="02020603050405020304" pitchFamily="18" charset="0"/>
+              </a:rPr>
+              <a:t>The entire process for finding the updated value for weight Wgf0 is pictured here. Showing subtraction in a diagram like this is hard, because if we have a “minus” node with two incoming arrows, it’s not clear which value is being subtracted from the other (that is, if the inputs are x and y, do we compute x − y or y − x?). So to sidestep that problem, we compute Wgf0 − (Go × Fδ) by finding Go × Fδ, multiplying that by −1, and then add that result to Wgf0.</a:t>
+            </a:r>
+          </a:p>
+          <a:p>
+            <a:pPr marL="0" marR="0" lvl="0" indent="0" algn="l" defTabSz="914400" rtl="0" eaLnBrk="1" fontAlgn="auto" latinLnBrk="0" hangingPunct="1">
+              <a:lnSpc>
+                <a:spcPct val="100000"/>
+              </a:lnSpc>
+              <a:spcBef>
+                <a:spcPts val="0"/>
+              </a:spcBef>
+              <a:spcAft>
+                <a:spcPts val="0"/>
+              </a:spcAft>
+              <a:buClrTx/>
+              <a:buSzTx/>
+              <a:buFontTx/>
+              <a:buNone/>
+              <a:tabLst/>
+              <a:defRPr/>
+            </a:pPr>
+            <a:endParaRPr lang="en-US" sz="1200" dirty="0">
+              <a:effectLst/>
+              <a:latin typeface="+mn-lt"/>
+              <a:ea typeface="Malgun Gothic" panose="020B0503020000020004" pitchFamily="34" charset="-127"/>
+              <a:cs typeface="Times New Roman" panose="02020603050405020304" pitchFamily="18" charset="0"/>
+            </a:endParaRPr>
+          </a:p>
+          <a:p>
+            <a:pPr marL="0" marR="0" lvl="0" indent="0" algn="l" defTabSz="914400" rtl="0" eaLnBrk="1" fontAlgn="auto" latinLnBrk="0" hangingPunct="1">
+              <a:lnSpc>
+                <a:spcPct val="100000"/>
+              </a:lnSpc>
+              <a:spcBef>
+                <a:spcPts val="0"/>
+              </a:spcBef>
+              <a:spcAft>
+                <a:spcPts val="0"/>
+              </a:spcAft>
+              <a:buClrTx/>
+              <a:buSzTx/>
+              <a:buFontTx/>
+              <a:buNone/>
+              <a:tabLst/>
+              <a:defRPr/>
+            </a:pPr>
+            <a:r>
+              <a:rPr lang="en-US" sz="1200" dirty="0">
                 <a:effectLst/>
                 <a:latin typeface="+mn-lt"/>
-              </a:rPr>
-              <a:t>  </a:t>
-            </a:r>
-            <a:r>
-              <a:rPr lang="en-US" b="0" i="0" dirty="0">
-                <a:solidFill>
-                  <a:srgbClr val="3C3C3B"/>
-                </a:solidFill>
+                <a:ea typeface="Malgun Gothic" panose="020B0503020000020004" pitchFamily="34" charset="-127"/>
+                <a:cs typeface="Times New Roman" panose="02020603050405020304" pitchFamily="18" charset="0"/>
+              </a:rPr>
+              <a:t>Let’s walk through this figure. We start with the output Go from neuron G and the delta Fδ from output neuron F.  We then multiply these two numbers together, as shown by the multiplication sign.  What we want to do is subtract that from the current value of Wgf0.  To show this clearly in the diagram, we multiply the product by −1 and then add it to the weight Wgf0. The green arrow is the update step, where this result becomes the new value of Wgf0.</a:t>
+            </a:r>
+          </a:p>
+          <a:p>
+            <a:pPr marL="0" marR="0" lvl="0" indent="0" algn="l" defTabSz="914400" rtl="0" eaLnBrk="1" fontAlgn="auto" latinLnBrk="0" hangingPunct="1">
+              <a:lnSpc>
+                <a:spcPct val="100000"/>
+              </a:lnSpc>
+              <a:spcBef>
+                <a:spcPts val="0"/>
+              </a:spcBef>
+              <a:spcAft>
+                <a:spcPts val="0"/>
+              </a:spcAft>
+              <a:buClrTx/>
+              <a:buSzTx/>
+              <a:buFontTx/>
+              <a:buNone/>
+              <a:tabLst/>
+              <a:defRPr/>
+            </a:pPr>
+            <a:endParaRPr lang="en-US" sz="1200" dirty="0">
+              <a:effectLst/>
+              <a:latin typeface="+mn-lt"/>
+              <a:ea typeface="Malgun Gothic" panose="020B0503020000020004" pitchFamily="34" charset="-127"/>
+              <a:cs typeface="Times New Roman" panose="02020603050405020304" pitchFamily="18" charset="0"/>
+            </a:endParaRPr>
+          </a:p>
+          <a:p>
+            <a:pPr marL="0" marR="0" lvl="0" indent="0" algn="l" defTabSz="914400" rtl="0" eaLnBrk="1" fontAlgn="auto" latinLnBrk="0" hangingPunct="1">
+              <a:lnSpc>
+                <a:spcPct val="100000"/>
+              </a:lnSpc>
+              <a:spcBef>
+                <a:spcPts val="0"/>
+              </a:spcBef>
+              <a:spcAft>
+                <a:spcPts val="0"/>
+              </a:spcAft>
+              <a:buClrTx/>
+              <a:buSzTx/>
+              <a:buFontTx/>
+              <a:buNone/>
+              <a:tabLst/>
+              <a:defRPr/>
+            </a:pPr>
+            <a:r>
+              <a:rPr lang="en-US" sz="1200" dirty="0">
                 <a:effectLst/>
                 <a:latin typeface="+mn-lt"/>
-              </a:rPr>
-              <a:t>Consider this simple network.  Weight W4 is linked to weight W6 which, in turn, is linked to the Total Error.  Once the error (loss) function calculates the total error, its location on the gradient, and the slope (derivative) at that location, the backpropagation algorithm must then walk this error back through all the linked weights, calculating the slope (derivative) of each, and then adjusting the weights in the direction indicated.  Calculus provides a way of managing these linked weights.  It’s called the </a:t>
-            </a:r>
-            <a:r>
-              <a:rPr lang="en-US" b="1" i="0" dirty="0">
-                <a:solidFill>
-                  <a:srgbClr val="3C3C3B"/>
-                </a:solidFill>
+                <a:ea typeface="Malgun Gothic" panose="020B0503020000020004" pitchFamily="34" charset="-127"/>
+                <a:cs typeface="Times New Roman" panose="02020603050405020304" pitchFamily="18" charset="0"/>
+              </a:rPr>
+              <a:t>Source: Deep Learning: </a:t>
+            </a:r>
+            <a:r>
+              <a:rPr lang="en-US" sz="1200" i="1" dirty="0">
                 <a:effectLst/>
                 <a:latin typeface="+mn-lt"/>
-              </a:rPr>
-              <a:t>chain rule</a:t>
-            </a:r>
-            <a:r>
-              <a:rPr lang="en-US" b="0" i="0" dirty="0">
-                <a:solidFill>
-                  <a:srgbClr val="3C3C3B"/>
-                </a:solidFill>
+                <a:ea typeface="Malgun Gothic" panose="020B0503020000020004" pitchFamily="34" charset="-127"/>
+                <a:cs typeface="Times New Roman" panose="02020603050405020304" pitchFamily="18" charset="0"/>
+              </a:rPr>
+              <a:t>A Visual Approach </a:t>
+            </a:r>
+            <a:r>
+              <a:rPr lang="en-US" sz="1200" i="0" dirty="0">
                 <a:effectLst/>
                 <a:latin typeface="+mn-lt"/>
-              </a:rPr>
-              <a:t>.  As its name suggests, the chain rule is the way in which gradient descent calculates the contribution of each weight to the total error in relation to the other weights.  In this example, the chain rule follows the blue arrows backwards, from Total error to weight W6 and then weight W4.  The same logic applies to all the other weights, including bias.</a:t>
+                <a:ea typeface="Malgun Gothic" panose="020B0503020000020004" pitchFamily="34" charset="-127"/>
+                <a:cs typeface="Times New Roman" panose="02020603050405020304" pitchFamily="18" charset="0"/>
+              </a:rPr>
+              <a:t>(p. 367)</a:t>
             </a:r>
           </a:p>
           <a:p>
@@ -1971,7 +1873,7 @@
     </p:spTree>
     <p:extLst>
       <p:ext uri="{BB962C8B-B14F-4D97-AF65-F5344CB8AC3E}">
-        <p14:creationId xmlns:p14="http://schemas.microsoft.com/office/powerpoint/2010/main" val="2891833994"/>
+        <p14:creationId xmlns:p14="http://schemas.microsoft.com/office/powerpoint/2010/main" val="1475752521"/>
       </p:ext>
     </p:extLst>
   </p:cSld>
@@ -2025,27 +1927,71 @@
           <a:bodyPr/>
           <a:lstStyle/>
           <a:p>
-            <a:pPr marL="0" marR="0" lvl="0" indent="0" algn="l" defTabSz="914400" rtl="0" eaLnBrk="1" fontAlgn="auto" latinLnBrk="0" hangingPunct="1">
-              <a:lnSpc>
-                <a:spcPct val="100000"/>
-              </a:lnSpc>
-              <a:spcBef>
-                <a:spcPts val="0"/>
-              </a:spcBef>
-              <a:spcAft>
-                <a:spcPts val="0"/>
-              </a:spcAft>
-              <a:buClrTx/>
-              <a:buSzTx/>
-              <a:buFontTx/>
-              <a:buNone/>
-              <a:tabLst/>
-              <a:defRPr/>
-            </a:pPr>
-            <a:r>
-              <a:rPr lang="en-US" dirty="0"/>
-              <a:t>The learning experience for this workshop starts on page 79 of the textbook.  For additional information, please watch the exercise 2.01 orientation video.</a:t>
-            </a:r>
+            <a:r>
+              <a:rPr lang="en-US" dirty="0">
+                <a:latin typeface="+mn-lt"/>
+              </a:rPr>
+              <a:t>Now that we understand how individual weights are updated, one final issue remains.  Network weights are linked together, </a:t>
+            </a:r>
+            <a:r>
+              <a:rPr lang="en-US" b="0" i="0" dirty="0">
+                <a:solidFill>
+                  <a:srgbClr val="3C3C3B"/>
+                </a:solidFill>
+                <a:effectLst/>
+                <a:latin typeface="+mn-lt"/>
+              </a:rPr>
+              <a:t>and this creates an additional complication. </a:t>
+            </a:r>
+            <a:r>
+              <a:rPr lang="en-US" b="0" i="0" dirty="0">
+                <a:solidFill>
+                  <a:schemeClr val="tx1"/>
+                </a:solidFill>
+                <a:effectLst/>
+                <a:latin typeface="+mn-lt"/>
+              </a:rPr>
+              <a:t>  </a:t>
+            </a:r>
+            <a:r>
+              <a:rPr lang="en-US" b="0" i="0" dirty="0">
+                <a:solidFill>
+                  <a:srgbClr val="3C3C3B"/>
+                </a:solidFill>
+                <a:effectLst/>
+                <a:latin typeface="+mn-lt"/>
+              </a:rPr>
+              <a:t>Consider this simple network.  Weight W4 is linked to weight W6 which, in turn, is linked to the Total Error.  Once the error (loss) function calculates the total error, its location on the gradient, and the slope (derivative) at that location, the backpropagation algorithm must then walk this error back through all the linked weights, calculating the slope (derivative) of each, and then adjusting the weights in the direction indicated.  Calculus provides a way of managing these linked weights.  It’s called the </a:t>
+            </a:r>
+            <a:r>
+              <a:rPr lang="en-US" b="1" i="0" dirty="0">
+                <a:solidFill>
+                  <a:srgbClr val="3C3C3B"/>
+                </a:solidFill>
+                <a:effectLst/>
+                <a:latin typeface="+mn-lt"/>
+              </a:rPr>
+              <a:t>chain rule</a:t>
+            </a:r>
+            <a:r>
+              <a:rPr lang="en-US" b="0" i="0" dirty="0">
+                <a:solidFill>
+                  <a:srgbClr val="3C3C3B"/>
+                </a:solidFill>
+                <a:effectLst/>
+                <a:latin typeface="+mn-lt"/>
+              </a:rPr>
+              <a:t>.  As its name suggests, the chain rule is the way in which gradient descent calculates the contribution of each weight to the total error in relation to the other weights.  In this example, the chain rule follows the blue arrows backwards, from Total error to weight W6 and then weight W4.  The same logic applies to all the other weights, including bias.</a:t>
+            </a:r>
+          </a:p>
+          <a:p>
+            <a:endParaRPr lang="en-US" b="0" i="0" dirty="0">
+              <a:solidFill>
+                <a:srgbClr val="3C3C3B"/>
+              </a:solidFill>
+              <a:effectLst/>
+              <a:latin typeface="Lato"/>
+            </a:endParaRPr>
           </a:p>
         </p:txBody>
       </p:sp>
@@ -2075,7 +2021,7 @@
     </p:spTree>
     <p:extLst>
       <p:ext uri="{BB962C8B-B14F-4D97-AF65-F5344CB8AC3E}">
-        <p14:creationId xmlns:p14="http://schemas.microsoft.com/office/powerpoint/2010/main" val="2820707112"/>
+        <p14:creationId xmlns:p14="http://schemas.microsoft.com/office/powerpoint/2010/main" val="2891833994"/>
       </p:ext>
     </p:extLst>
   </p:cSld>
@@ -2129,7 +2075,18 @@
           <a:bodyPr/>
           <a:lstStyle/>
           <a:p>
-            <a:endParaRPr lang="en-US" dirty="0"/>
+            <a:r>
+              <a:rPr lang="en-US" dirty="0"/>
+              <a:t>Well, we have covered a lot of territory in this presentation.  First, we discussed the loss function and a network’s </a:t>
+            </a:r>
+            <a:r>
+              <a:rPr lang="en-US" b="1" dirty="0"/>
+              <a:t>total error</a:t>
+            </a:r>
+            <a:r>
+              <a:rPr lang="en-US" dirty="0"/>
+              <a:t>.  That was followed by an in-depth look at gradient descent and the use of partial differential equations to calculate the derivative or slope at a given point on the gradient.  We also learned that most loss functions exhibit complex contours, featuring hills, values, and plateaus, making it difficult to locate the global minimum.  And finally, I discussed how backpropagation employs the chain rule to determine the contribution of each weight to the total error in relation to the other weights.  </a:t>
+            </a:r>
           </a:p>
         </p:txBody>
       </p:sp>
@@ -2159,7 +2116,7 @@
     </p:spTree>
     <p:extLst>
       <p:ext uri="{BB962C8B-B14F-4D97-AF65-F5344CB8AC3E}">
-        <p14:creationId xmlns:p14="http://schemas.microsoft.com/office/powerpoint/2010/main" val="1974960137"/>
+        <p14:creationId xmlns:p14="http://schemas.microsoft.com/office/powerpoint/2010/main" val="1690277211"/>
       </p:ext>
     </p:extLst>
   </p:cSld>
@@ -2213,18 +2170,7 @@
           <a:bodyPr/>
           <a:lstStyle/>
           <a:p>
-            <a:r>
-              <a:rPr lang="en-US" dirty="0"/>
-              <a:t>Well, we have covered a lot of territory in this presentation.  First, we discussed the loss function and a network’s </a:t>
-            </a:r>
-            <a:r>
-              <a:rPr lang="en-US" b="1" dirty="0"/>
-              <a:t>total error</a:t>
-            </a:r>
-            <a:r>
-              <a:rPr lang="en-US" dirty="0"/>
-              <a:t>.  That was followed by an in-depth look at gradient descent and the use of partial differential equations to calculate the derivative or slope at a given point on the gradient.  We also learned that most loss functions exhibit complex contours, featuring hills, values, and plateaus, making it difficult to locate the global minimum.  And finally, I discussed how backpropagation employs the chain rule to determine the contribution of each weight to the total error in relation to the other weights.  </a:t>
-            </a:r>
+            <a:endParaRPr lang="en-US" dirty="0"/>
           </a:p>
         </p:txBody>
       </p:sp>
@@ -2254,7 +2200,7 @@
     </p:spTree>
     <p:extLst>
       <p:ext uri="{BB962C8B-B14F-4D97-AF65-F5344CB8AC3E}">
-        <p14:creationId xmlns:p14="http://schemas.microsoft.com/office/powerpoint/2010/main" val="1690277211"/>
+        <p14:creationId xmlns:p14="http://schemas.microsoft.com/office/powerpoint/2010/main" val="1974960137"/>
       </p:ext>
     </p:extLst>
   </p:cSld>
@@ -4324,7 +4270,7 @@
           <a:p>
             <a:fld id="{C3F78080-8D0A-4BE8-A5B4-CB115102D524}" type="datetimeFigureOut">
               <a:rPr lang="en-US" smtClean="0"/>
-              <a:t>11/19/2021</a:t>
+              <a:t>4/4/2022</a:t>
             </a:fld>
             <a:endParaRPr lang="en-US"/>
           </a:p>
@@ -4522,7 +4468,7 @@
           <a:p>
             <a:fld id="{C3F78080-8D0A-4BE8-A5B4-CB115102D524}" type="datetimeFigureOut">
               <a:rPr lang="en-US" smtClean="0"/>
-              <a:t>11/19/2021</a:t>
+              <a:t>4/4/2022</a:t>
             </a:fld>
             <a:endParaRPr lang="en-US"/>
           </a:p>
@@ -4730,7 +4676,7 @@
           <a:p>
             <a:fld id="{C3F78080-8D0A-4BE8-A5B4-CB115102D524}" type="datetimeFigureOut">
               <a:rPr lang="en-US" smtClean="0"/>
-              <a:t>11/19/2021</a:t>
+              <a:t>4/4/2022</a:t>
             </a:fld>
             <a:endParaRPr lang="en-US"/>
           </a:p>
@@ -4928,7 +4874,7 @@
           <a:p>
             <a:fld id="{C3F78080-8D0A-4BE8-A5B4-CB115102D524}" type="datetimeFigureOut">
               <a:rPr lang="en-US" smtClean="0"/>
-              <a:t>11/19/2021</a:t>
+              <a:t>4/4/2022</a:t>
             </a:fld>
             <a:endParaRPr lang="en-US"/>
           </a:p>
@@ -5203,7 +5149,7 @@
           <a:p>
             <a:fld id="{C3F78080-8D0A-4BE8-A5B4-CB115102D524}" type="datetimeFigureOut">
               <a:rPr lang="en-US" smtClean="0"/>
-              <a:t>11/19/2021</a:t>
+              <a:t>4/4/2022</a:t>
             </a:fld>
             <a:endParaRPr lang="en-US"/>
           </a:p>
@@ -5468,7 +5414,7 @@
           <a:p>
             <a:fld id="{C3F78080-8D0A-4BE8-A5B4-CB115102D524}" type="datetimeFigureOut">
               <a:rPr lang="en-US" smtClean="0"/>
-              <a:t>11/19/2021</a:t>
+              <a:t>4/4/2022</a:t>
             </a:fld>
             <a:endParaRPr lang="en-US"/>
           </a:p>
@@ -5880,7 +5826,7 @@
           <a:p>
             <a:fld id="{C3F78080-8D0A-4BE8-A5B4-CB115102D524}" type="datetimeFigureOut">
               <a:rPr lang="en-US" smtClean="0"/>
-              <a:t>11/19/2021</a:t>
+              <a:t>4/4/2022</a:t>
             </a:fld>
             <a:endParaRPr lang="en-US"/>
           </a:p>
@@ -6021,7 +5967,7 @@
           <a:p>
             <a:fld id="{C3F78080-8D0A-4BE8-A5B4-CB115102D524}" type="datetimeFigureOut">
               <a:rPr lang="en-US" smtClean="0"/>
-              <a:t>11/19/2021</a:t>
+              <a:t>4/4/2022</a:t>
             </a:fld>
             <a:endParaRPr lang="en-US"/>
           </a:p>
@@ -6134,7 +6080,7 @@
           <a:p>
             <a:fld id="{C3F78080-8D0A-4BE8-A5B4-CB115102D524}" type="datetimeFigureOut">
               <a:rPr lang="en-US" smtClean="0"/>
-              <a:t>11/19/2021</a:t>
+              <a:t>4/4/2022</a:t>
             </a:fld>
             <a:endParaRPr lang="en-US"/>
           </a:p>
@@ -6445,7 +6391,7 @@
           <a:p>
             <a:fld id="{C3F78080-8D0A-4BE8-A5B4-CB115102D524}" type="datetimeFigureOut">
               <a:rPr lang="en-US" smtClean="0"/>
-              <a:t>11/19/2021</a:t>
+              <a:t>4/4/2022</a:t>
             </a:fld>
             <a:endParaRPr lang="en-US"/>
           </a:p>
@@ -6733,7 +6679,7 @@
           <a:p>
             <a:fld id="{C3F78080-8D0A-4BE8-A5B4-CB115102D524}" type="datetimeFigureOut">
               <a:rPr lang="en-US" smtClean="0"/>
-              <a:t>11/19/2021</a:t>
+              <a:t>4/4/2022</a:t>
             </a:fld>
             <a:endParaRPr lang="en-US"/>
           </a:p>
@@ -6974,7 +6920,7 @@
           <a:p>
             <a:fld id="{C3F78080-8D0A-4BE8-A5B4-CB115102D524}" type="datetimeFigureOut">
               <a:rPr lang="en-US" smtClean="0"/>
-              <a:t>11/19/2021</a:t>
+              <a:t>4/4/2022</a:t>
             </a:fld>
             <a:endParaRPr lang="en-US"/>
           </a:p>
@@ -7940,6 +7886,213 @@
           <a:chExt cx="0" cy="0"/>
         </a:xfrm>
       </p:grpSpPr>
+      <p:sp>
+        <p:nvSpPr>
+          <p:cNvPr id="2" name="Title 1">
+            <a:extLst>
+              <a:ext uri="{FF2B5EF4-FFF2-40B4-BE49-F238E27FC236}">
+                <a16:creationId xmlns:a16="http://schemas.microsoft.com/office/drawing/2014/main" id="{0F853981-B13F-4917-804F-EBF0D4819E7E}"/>
+              </a:ext>
+            </a:extLst>
+          </p:cNvPr>
+          <p:cNvSpPr>
+            <a:spLocks noGrp="1"/>
+          </p:cNvSpPr>
+          <p:nvPr>
+            <p:ph type="title"/>
+          </p:nvPr>
+        </p:nvSpPr>
+        <p:spPr>
+          <a:xfrm>
+            <a:off x="0" y="3287209"/>
+            <a:ext cx="12192000" cy="617577"/>
+          </a:xfrm>
+          <a:noFill/>
+        </p:spPr>
+        <p:txBody>
+          <a:bodyPr>
+            <a:noAutofit/>
+          </a:bodyPr>
+          <a:lstStyle/>
+          <a:p>
+            <a:br>
+              <a:rPr lang="en-US" sz="3600" dirty="0">
+                <a:solidFill>
+                  <a:schemeClr val="tx1">
+                    <a:lumMod val="65000"/>
+                    <a:lumOff val="35000"/>
+                  </a:schemeClr>
+                </a:solidFill>
+                <a:latin typeface="Palatino Linotype" panose="02040502050505030304" pitchFamily="18" charset="0"/>
+              </a:rPr>
+            </a:br>
+            <a:br>
+              <a:rPr lang="en-US" sz="3600" dirty="0">
+                <a:solidFill>
+                  <a:schemeClr val="tx1">
+                    <a:lumMod val="65000"/>
+                    <a:lumOff val="35000"/>
+                  </a:schemeClr>
+                </a:solidFill>
+                <a:latin typeface="Palatino Linotype" panose="02040502050505030304" pitchFamily="18" charset="0"/>
+              </a:rPr>
+            </a:br>
+            <a:r>
+              <a:rPr lang="en-US" sz="3600" dirty="0">
+                <a:solidFill>
+                  <a:schemeClr val="tx1">
+                    <a:lumMod val="65000"/>
+                    <a:lumOff val="35000"/>
+                  </a:schemeClr>
+                </a:solidFill>
+                <a:latin typeface="Palatino Linotype" panose="02040502050505030304" pitchFamily="18" charset="0"/>
+              </a:rPr>
+              <a:t>		2.05 (Binary Classification using Keras)</a:t>
+            </a:r>
+            <a:endParaRPr lang="en-US" sz="3600" dirty="0">
+              <a:solidFill>
+                <a:schemeClr val="tx1">
+                  <a:lumMod val="65000"/>
+                  <a:lumOff val="35000"/>
+                </a:schemeClr>
+              </a:solidFill>
+              <a:latin typeface="Palatino Linotype" panose="02040502050505030304" pitchFamily="18" charset="0"/>
+              <a:cs typeface="Segoe UI Light" panose="020B0502040204020203" pitchFamily="34" charset="0"/>
+            </a:endParaRPr>
+          </a:p>
+        </p:txBody>
+      </p:sp>
+      <p:sp>
+        <p:nvSpPr>
+          <p:cNvPr id="3" name="Text Placeholder 2">
+            <a:extLst>
+              <a:ext uri="{FF2B5EF4-FFF2-40B4-BE49-F238E27FC236}">
+                <a16:creationId xmlns:a16="http://schemas.microsoft.com/office/drawing/2014/main" id="{098BC2D2-CCF7-4C63-8489-B46BF394FCA2}"/>
+              </a:ext>
+            </a:extLst>
+          </p:cNvPr>
+          <p:cNvSpPr>
+            <a:spLocks noGrp="1"/>
+          </p:cNvSpPr>
+          <p:nvPr>
+            <p:ph type="body" idx="1"/>
+          </p:nvPr>
+        </p:nvSpPr>
+        <p:spPr>
+          <a:xfrm>
+            <a:off x="0" y="4285400"/>
+            <a:ext cx="12192000" cy="518830"/>
+          </a:xfrm>
+        </p:spPr>
+        <p:txBody>
+          <a:bodyPr>
+            <a:normAutofit/>
+          </a:bodyPr>
+          <a:lstStyle/>
+          <a:p>
+            <a:endParaRPr lang="en-US" dirty="0">
+              <a:latin typeface="Palatino Linotype" panose="02040502050505030304" pitchFamily="18" charset="0"/>
+              <a:cs typeface="Segoe UI" panose="020B0502040204020203" pitchFamily="34" charset="0"/>
+            </a:endParaRPr>
+          </a:p>
+          <a:p>
+            <a:endParaRPr lang="en-US" dirty="0">
+              <a:latin typeface="Palatino Linotype" panose="02040502050505030304" pitchFamily="18" charset="0"/>
+              <a:cs typeface="Segoe UI" panose="020B0502040204020203" pitchFamily="34" charset="0"/>
+            </a:endParaRPr>
+          </a:p>
+          <a:p>
+            <a:endParaRPr lang="en-US" dirty="0">
+              <a:latin typeface="Palatino Linotype" panose="02040502050505030304" pitchFamily="18" charset="0"/>
+              <a:cs typeface="Segoe UI" panose="020B0502040204020203" pitchFamily="34" charset="0"/>
+            </a:endParaRPr>
+          </a:p>
+          <a:p>
+            <a:endParaRPr lang="en-US" dirty="0">
+              <a:latin typeface="Palatino Linotype" panose="02040502050505030304" pitchFamily="18" charset="0"/>
+              <a:cs typeface="Segoe UI" panose="020B0502040204020203" pitchFamily="34" charset="0"/>
+            </a:endParaRPr>
+          </a:p>
+          <a:p>
+            <a:endParaRPr lang="en-US" dirty="0">
+              <a:latin typeface="Palatino Linotype" panose="02040502050505030304" pitchFamily="18" charset="0"/>
+              <a:cs typeface="Segoe UI" panose="020B0502040204020203" pitchFamily="34" charset="0"/>
+            </a:endParaRPr>
+          </a:p>
+        </p:txBody>
+      </p:sp>
+      <p:pic>
+        <p:nvPicPr>
+          <p:cNvPr id="4" name="Picture 3">
+            <a:extLst>
+              <a:ext uri="{FF2B5EF4-FFF2-40B4-BE49-F238E27FC236}">
+                <a16:creationId xmlns:a16="http://schemas.microsoft.com/office/drawing/2014/main" id="{4CD7B1E7-8C1E-4394-BD29-073CEC503ACC}"/>
+              </a:ext>
+            </a:extLst>
+          </p:cNvPr>
+          <p:cNvPicPr>
+            <a:picLocks noChangeAspect="1"/>
+          </p:cNvPicPr>
+          <p:nvPr/>
+        </p:nvPicPr>
+        <p:blipFill>
+          <a:blip r:embed="rId3"/>
+          <a:stretch>
+            <a:fillRect/>
+          </a:stretch>
+        </p:blipFill>
+        <p:spPr>
+          <a:xfrm>
+            <a:off x="0" y="365760"/>
+            <a:ext cx="3233668" cy="805144"/>
+          </a:xfrm>
+          <a:prstGeom prst="rect">
+            <a:avLst/>
+          </a:prstGeom>
+        </p:spPr>
+      </p:pic>
+    </p:spTree>
+    <p:extLst>
+      <p:ext uri="{BB962C8B-B14F-4D97-AF65-F5344CB8AC3E}">
+        <p14:creationId xmlns:p14="http://schemas.microsoft.com/office/powerpoint/2010/main" val="864611552"/>
+      </p:ext>
+    </p:extLst>
+  </p:cSld>
+  <p:clrMapOvr>
+    <a:masterClrMapping/>
+  </p:clrMapOvr>
+  <mc:AlternateContent xmlns:mc="http://schemas.openxmlformats.org/markup-compatibility/2006" xmlns:p14="http://schemas.microsoft.com/office/powerpoint/2010/main">
+    <mc:Choice Requires="p14">
+      <p:transition spd="med" p14:dur="700">
+        <p:fade/>
+      </p:transition>
+    </mc:Choice>
+    <mc:Fallback xmlns="">
+      <p:transition spd="med">
+        <p:fade/>
+      </p:transition>
+    </mc:Fallback>
+  </mc:AlternateContent>
+</p:sld>
+</file>
+
+<file path=ppt/slides/slide13.xml><?xml version="1.0" encoding="utf-8"?>
+<p:sld xmlns:a="http://schemas.openxmlformats.org/drawingml/2006/main" xmlns:r="http://schemas.openxmlformats.org/officeDocument/2006/relationships" xmlns:p="http://schemas.openxmlformats.org/presentationml/2006/main">
+  <p:cSld>
+    <p:spTree>
+      <p:nvGrpSpPr>
+        <p:cNvPr id="1" name=""/>
+        <p:cNvGrpSpPr/>
+        <p:nvPr/>
+      </p:nvGrpSpPr>
+      <p:grpSpPr>
+        <a:xfrm>
+          <a:off x="0" y="0"/>
+          <a:ext cx="0" cy="0"/>
+          <a:chOff x="0" y="0"/>
+          <a:chExt cx="0" cy="0"/>
+        </a:xfrm>
+      </p:grpSpPr>
       <p:pic>
         <p:nvPicPr>
           <p:cNvPr id="8" name="Picture 7">
@@ -8332,7 +8485,7 @@
 </p:sld>
 </file>
 
-<file path=ppt/slides/slide13.xml><?xml version="1.0" encoding="utf-8"?>
+<file path=ppt/slides/slide14.xml><?xml version="1.0" encoding="utf-8"?>
 <p:sld xmlns:a="http://schemas.openxmlformats.org/drawingml/2006/main" xmlns:r="http://schemas.openxmlformats.org/officeDocument/2006/relationships" xmlns:p="http://schemas.openxmlformats.org/presentationml/2006/main">
   <p:cSld>
     <p:spTree>
@@ -8607,7 +8760,7 @@
 </p:sld>
 </file>
 
-<file path=ppt/slides/slide14.xml><?xml version="1.0" encoding="utf-8"?>
+<file path=ppt/slides/slide15.xml><?xml version="1.0" encoding="utf-8"?>
 <p:sld xmlns:a="http://schemas.openxmlformats.org/drawingml/2006/main" xmlns:r="http://schemas.openxmlformats.org/officeDocument/2006/relationships" xmlns:p="http://schemas.openxmlformats.org/presentationml/2006/main">
   <p:cSld>
     <p:spTree>
@@ -8685,281 +8838,6 @@
 </p:sld>
 </file>
 
-<file path=ppt/slides/slide15.xml><?xml version="1.0" encoding="utf-8"?>
-<p:sld xmlns:a="http://schemas.openxmlformats.org/drawingml/2006/main" xmlns:r="http://schemas.openxmlformats.org/officeDocument/2006/relationships" xmlns:p="http://schemas.openxmlformats.org/presentationml/2006/main">
-  <p:cSld>
-    <p:spTree>
-      <p:nvGrpSpPr>
-        <p:cNvPr id="1" name=""/>
-        <p:cNvGrpSpPr/>
-        <p:nvPr/>
-      </p:nvGrpSpPr>
-      <p:grpSpPr>
-        <a:xfrm>
-          <a:off x="0" y="0"/>
-          <a:ext cx="0" cy="0"/>
-          <a:chOff x="0" y="0"/>
-          <a:chExt cx="0" cy="0"/>
-        </a:xfrm>
-      </p:grpSpPr>
-      <p:sp>
-        <p:nvSpPr>
-          <p:cNvPr id="3" name="TextBox 3">
-            <a:extLst>
-              <a:ext uri="{FF2B5EF4-FFF2-40B4-BE49-F238E27FC236}">
-                <a16:creationId xmlns:a16="http://schemas.microsoft.com/office/drawing/2014/main" id="{6F847786-7632-4043-BBAB-89FD3F1E42F8}"/>
-              </a:ext>
-            </a:extLst>
-          </p:cNvPr>
-          <p:cNvSpPr txBox="1"/>
-          <p:nvPr/>
-        </p:nvSpPr>
-        <p:spPr>
-          <a:xfrm>
-            <a:off x="0" y="6550223"/>
-            <a:ext cx="12192000" cy="307777"/>
-          </a:xfrm>
-          <a:prstGeom prst="rect">
-            <a:avLst/>
-          </a:prstGeom>
-          <a:noFill/>
-        </p:spPr>
-        <p:txBody>
-          <a:bodyPr wrap="square" rtlCol="0">
-            <a:spAutoFit/>
-          </a:bodyPr>
-          <a:lstStyle>
-            <a:defPPr>
-              <a:defRPr lang="en-US"/>
-            </a:defPPr>
-            <a:lvl1pPr marL="0" algn="l" defTabSz="914400" rtl="0" eaLnBrk="1" latinLnBrk="0" hangingPunct="1">
-              <a:defRPr sz="1800" kern="1200">
-                <a:solidFill>
-                  <a:schemeClr val="tx1"/>
-                </a:solidFill>
-                <a:latin typeface="+mn-lt"/>
-                <a:ea typeface="+mn-ea"/>
-                <a:cs typeface="+mn-cs"/>
-              </a:defRPr>
-            </a:lvl1pPr>
-            <a:lvl2pPr marL="457200" algn="l" defTabSz="914400" rtl="0" eaLnBrk="1" latinLnBrk="0" hangingPunct="1">
-              <a:defRPr sz="1800" kern="1200">
-                <a:solidFill>
-                  <a:schemeClr val="tx1"/>
-                </a:solidFill>
-                <a:latin typeface="+mn-lt"/>
-                <a:ea typeface="+mn-ea"/>
-                <a:cs typeface="+mn-cs"/>
-              </a:defRPr>
-            </a:lvl2pPr>
-            <a:lvl3pPr marL="914400" algn="l" defTabSz="914400" rtl="0" eaLnBrk="1" latinLnBrk="0" hangingPunct="1">
-              <a:defRPr sz="1800" kern="1200">
-                <a:solidFill>
-                  <a:schemeClr val="tx1"/>
-                </a:solidFill>
-                <a:latin typeface="+mn-lt"/>
-                <a:ea typeface="+mn-ea"/>
-                <a:cs typeface="+mn-cs"/>
-              </a:defRPr>
-            </a:lvl3pPr>
-            <a:lvl4pPr marL="1371600" algn="l" defTabSz="914400" rtl="0" eaLnBrk="1" latinLnBrk="0" hangingPunct="1">
-              <a:defRPr sz="1800" kern="1200">
-                <a:solidFill>
-                  <a:schemeClr val="tx1"/>
-                </a:solidFill>
-                <a:latin typeface="+mn-lt"/>
-                <a:ea typeface="+mn-ea"/>
-                <a:cs typeface="+mn-cs"/>
-              </a:defRPr>
-            </a:lvl4pPr>
-            <a:lvl5pPr marL="1828800" algn="l" defTabSz="914400" rtl="0" eaLnBrk="1" latinLnBrk="0" hangingPunct="1">
-              <a:defRPr sz="1800" kern="1200">
-                <a:solidFill>
-                  <a:schemeClr val="tx1"/>
-                </a:solidFill>
-                <a:latin typeface="+mn-lt"/>
-                <a:ea typeface="+mn-ea"/>
-                <a:cs typeface="+mn-cs"/>
-              </a:defRPr>
-            </a:lvl5pPr>
-            <a:lvl6pPr marL="2286000" algn="l" defTabSz="914400" rtl="0" eaLnBrk="1" latinLnBrk="0" hangingPunct="1">
-              <a:defRPr sz="1800" kern="1200">
-                <a:solidFill>
-                  <a:schemeClr val="tx1"/>
-                </a:solidFill>
-                <a:latin typeface="+mn-lt"/>
-                <a:ea typeface="+mn-ea"/>
-                <a:cs typeface="+mn-cs"/>
-              </a:defRPr>
-            </a:lvl6pPr>
-            <a:lvl7pPr marL="2743200" algn="l" defTabSz="914400" rtl="0" eaLnBrk="1" latinLnBrk="0" hangingPunct="1">
-              <a:defRPr sz="1800" kern="1200">
-                <a:solidFill>
-                  <a:schemeClr val="tx1"/>
-                </a:solidFill>
-                <a:latin typeface="+mn-lt"/>
-                <a:ea typeface="+mn-ea"/>
-                <a:cs typeface="+mn-cs"/>
-              </a:defRPr>
-            </a:lvl7pPr>
-            <a:lvl8pPr marL="3200400" algn="l" defTabSz="914400" rtl="0" eaLnBrk="1" latinLnBrk="0" hangingPunct="1">
-              <a:defRPr sz="1800" kern="1200">
-                <a:solidFill>
-                  <a:schemeClr val="tx1"/>
-                </a:solidFill>
-                <a:latin typeface="+mn-lt"/>
-                <a:ea typeface="+mn-ea"/>
-                <a:cs typeface="+mn-cs"/>
-              </a:defRPr>
-            </a:lvl8pPr>
-            <a:lvl9pPr marL="3657600" algn="l" defTabSz="914400" rtl="0" eaLnBrk="1" latinLnBrk="0" hangingPunct="1">
-              <a:defRPr sz="1800" kern="1200">
-                <a:solidFill>
-                  <a:schemeClr val="tx1"/>
-                </a:solidFill>
-                <a:latin typeface="+mn-lt"/>
-                <a:ea typeface="+mn-ea"/>
-                <a:cs typeface="+mn-cs"/>
-              </a:defRPr>
-            </a:lvl9pPr>
-          </a:lstStyle>
-          <a:p>
-            <a:r>
-              <a:rPr lang="en-US" sz="1400" dirty="0">
-                <a:solidFill>
-                  <a:schemeClr val="tx1">
-                    <a:lumMod val="65000"/>
-                    <a:lumOff val="35000"/>
-                  </a:schemeClr>
-                </a:solidFill>
-                <a:latin typeface="+mj-lt"/>
-                <a:ea typeface="Verdana" panose="020B0604030504040204" pitchFamily="34" charset="0"/>
-              </a:rPr>
-              <a:t>Source: Glassner, A. (2021). </a:t>
-            </a:r>
-            <a:r>
-              <a:rPr lang="en-US" sz="1400" i="1" dirty="0">
-                <a:solidFill>
-                  <a:schemeClr val="tx1">
-                    <a:lumMod val="65000"/>
-                    <a:lumOff val="35000"/>
-                  </a:schemeClr>
-                </a:solidFill>
-                <a:latin typeface="+mj-lt"/>
-                <a:ea typeface="Verdana" panose="020B0604030504040204" pitchFamily="34" charset="0"/>
-              </a:rPr>
-              <a:t>Deep learning: A visual approach</a:t>
-            </a:r>
-            <a:r>
-              <a:rPr lang="en-US" sz="1400" dirty="0">
-                <a:solidFill>
-                  <a:schemeClr val="tx1">
-                    <a:lumMod val="65000"/>
-                    <a:lumOff val="35000"/>
-                  </a:schemeClr>
-                </a:solidFill>
-                <a:latin typeface="+mj-lt"/>
-                <a:ea typeface="Verdana" panose="020B0604030504040204" pitchFamily="34" charset="0"/>
-              </a:rPr>
-              <a:t>. </a:t>
-            </a:r>
-            <a:r>
-              <a:rPr lang="en-US" sz="1400" b="0" i="0" dirty="0">
-                <a:solidFill>
-                  <a:schemeClr val="tx1">
-                    <a:lumMod val="65000"/>
-                    <a:lumOff val="35000"/>
-                  </a:schemeClr>
-                </a:solidFill>
-                <a:effectLst/>
-                <a:latin typeface="+mj-lt"/>
-                <a:ea typeface="Verdana" panose="020B0604030504040204" pitchFamily="34" charset="0"/>
-              </a:rPr>
-              <a:t>San Francisco, CA: No Starch Press. (Chapter 14)</a:t>
-            </a:r>
-            <a:endParaRPr lang="en-US" sz="1400" dirty="0">
-              <a:solidFill>
-                <a:schemeClr val="tx1">
-                  <a:lumMod val="65000"/>
-                  <a:lumOff val="35000"/>
-                </a:schemeClr>
-              </a:solidFill>
-              <a:latin typeface="+mj-lt"/>
-              <a:ea typeface="Verdana" panose="020B0604030504040204" pitchFamily="34" charset="0"/>
-            </a:endParaRPr>
-          </a:p>
-        </p:txBody>
-      </p:sp>
-      <p:pic>
-        <p:nvPicPr>
-          <p:cNvPr id="4" name="Picture 2">
-            <a:extLst>
-              <a:ext uri="{FF2B5EF4-FFF2-40B4-BE49-F238E27FC236}">
-                <a16:creationId xmlns:a16="http://schemas.microsoft.com/office/drawing/2014/main" id="{76F3258B-B0C6-44B7-8834-6C848B087C43}"/>
-              </a:ext>
-            </a:extLst>
-          </p:cNvPr>
-          <p:cNvPicPr>
-            <a:picLocks noChangeAspect="1" noChangeArrowheads="1"/>
-          </p:cNvPicPr>
-          <p:nvPr/>
-        </p:nvPicPr>
-        <p:blipFill>
-          <a:blip r:embed="rId3">
-            <a:extLst>
-              <a:ext uri="{28A0092B-C50C-407E-A947-70E740481C1C}">
-                <a14:useLocalDpi xmlns:a14="http://schemas.microsoft.com/office/drawing/2010/main" val="0"/>
-              </a:ext>
-            </a:extLst>
-          </a:blip>
-          <a:srcRect/>
-          <a:stretch/>
-        </p:blipFill>
-        <p:spPr bwMode="auto">
-          <a:xfrm>
-            <a:off x="2914988" y="1219435"/>
-            <a:ext cx="6362023" cy="4419130"/>
-          </a:xfrm>
-          <a:prstGeom prst="rect">
-            <a:avLst/>
-          </a:prstGeom>
-          <a:noFill/>
-          <a:extLst>
-            <a:ext uri="{909E8E84-426E-40DD-AFC4-6F175D3DCCD1}">
-              <a14:hiddenFill xmlns:a14="http://schemas.microsoft.com/office/drawing/2010/main">
-                <a:solidFill>
-                  <a:srgbClr val="FFFFFF"/>
-                </a:solidFill>
-              </a14:hiddenFill>
-            </a:ext>
-          </a:extLst>
-        </p:spPr>
-      </p:pic>
-    </p:spTree>
-    <p:extLst>
-      <p:ext uri="{BB962C8B-B14F-4D97-AF65-F5344CB8AC3E}">
-        <p14:creationId xmlns:p14="http://schemas.microsoft.com/office/powerpoint/2010/main" val="2846560920"/>
-      </p:ext>
-    </p:extLst>
-  </p:cSld>
-  <p:clrMapOvr>
-    <a:masterClrMapping/>
-  </p:clrMapOvr>
-  <mc:AlternateContent xmlns:mc="http://schemas.openxmlformats.org/markup-compatibility/2006" xmlns:p14="http://schemas.microsoft.com/office/powerpoint/2010/main">
-    <mc:Choice Requires="p14">
-      <p:transition spd="med" p14:dur="700">
-        <p:fade/>
-      </p:transition>
-    </mc:Choice>
-    <mc:Fallback xmlns="">
-      <p:transition spd="med">
-        <p:fade/>
-      </p:transition>
-    </mc:Fallback>
-  </mc:AlternateContent>
-</p:sld>
-</file>
-
 <file path=ppt/slides/slide16.xml><?xml version="1.0" encoding="utf-8"?>
 <p:sld xmlns:a="http://schemas.openxmlformats.org/drawingml/2006/main" xmlns:r="http://schemas.openxmlformats.org/officeDocument/2006/relationships" xmlns:p="http://schemas.openxmlformats.org/presentationml/2006/main">
   <p:cSld>
@@ -8977,42 +8855,12 @@
           <a:chExt cx="0" cy="0"/>
         </a:xfrm>
       </p:grpSpPr>
-      <p:pic>
-        <p:nvPicPr>
-          <p:cNvPr id="5" name="Picture 4">
-            <a:extLst>
-              <a:ext uri="{FF2B5EF4-FFF2-40B4-BE49-F238E27FC236}">
-                <a16:creationId xmlns:a16="http://schemas.microsoft.com/office/drawing/2014/main" id="{BB679311-680E-47D0-AEB5-A6FF64033ED1}"/>
-              </a:ext>
-            </a:extLst>
-          </p:cNvPr>
-          <p:cNvPicPr>
-            <a:picLocks noChangeAspect="1"/>
-          </p:cNvPicPr>
-          <p:nvPr/>
-        </p:nvPicPr>
-        <p:blipFill>
-          <a:blip r:embed="rId3"/>
-          <a:stretch>
-            <a:fillRect/>
-          </a:stretch>
-        </p:blipFill>
-        <p:spPr>
-          <a:xfrm>
-            <a:off x="917733" y="1101989"/>
-            <a:ext cx="10356534" cy="4654021"/>
-          </a:xfrm>
-          <a:prstGeom prst="rect">
-            <a:avLst/>
-          </a:prstGeom>
-        </p:spPr>
-      </p:pic>
-      <p:sp>
-        <p:nvSpPr>
-          <p:cNvPr id="3" name="TextBox 2">
-            <a:extLst>
-              <a:ext uri="{FF2B5EF4-FFF2-40B4-BE49-F238E27FC236}">
-                <a16:creationId xmlns:a16="http://schemas.microsoft.com/office/drawing/2014/main" id="{979F5AD8-51F0-434C-88FB-400CA869633A}"/>
+      <p:sp>
+        <p:nvSpPr>
+          <p:cNvPr id="3" name="TextBox 3">
+            <a:extLst>
+              <a:ext uri="{FF2B5EF4-FFF2-40B4-BE49-F238E27FC236}">
+                <a16:creationId xmlns:a16="http://schemas.microsoft.com/office/drawing/2014/main" id="{6F847786-7632-4043-BBAB-89FD3F1E42F8}"/>
               </a:ext>
             </a:extLst>
           </p:cNvPr>
@@ -9033,7 +8881,101 @@
           <a:bodyPr wrap="square" rtlCol="0">
             <a:spAutoFit/>
           </a:bodyPr>
-          <a:lstStyle/>
+          <a:lstStyle>
+            <a:defPPr>
+              <a:defRPr lang="en-US"/>
+            </a:defPPr>
+            <a:lvl1pPr marL="0" algn="l" defTabSz="914400" rtl="0" eaLnBrk="1" latinLnBrk="0" hangingPunct="1">
+              <a:defRPr sz="1800" kern="1200">
+                <a:solidFill>
+                  <a:schemeClr val="tx1"/>
+                </a:solidFill>
+                <a:latin typeface="+mn-lt"/>
+                <a:ea typeface="+mn-ea"/>
+                <a:cs typeface="+mn-cs"/>
+              </a:defRPr>
+            </a:lvl1pPr>
+            <a:lvl2pPr marL="457200" algn="l" defTabSz="914400" rtl="0" eaLnBrk="1" latinLnBrk="0" hangingPunct="1">
+              <a:defRPr sz="1800" kern="1200">
+                <a:solidFill>
+                  <a:schemeClr val="tx1"/>
+                </a:solidFill>
+                <a:latin typeface="+mn-lt"/>
+                <a:ea typeface="+mn-ea"/>
+                <a:cs typeface="+mn-cs"/>
+              </a:defRPr>
+            </a:lvl2pPr>
+            <a:lvl3pPr marL="914400" algn="l" defTabSz="914400" rtl="0" eaLnBrk="1" latinLnBrk="0" hangingPunct="1">
+              <a:defRPr sz="1800" kern="1200">
+                <a:solidFill>
+                  <a:schemeClr val="tx1"/>
+                </a:solidFill>
+                <a:latin typeface="+mn-lt"/>
+                <a:ea typeface="+mn-ea"/>
+                <a:cs typeface="+mn-cs"/>
+              </a:defRPr>
+            </a:lvl3pPr>
+            <a:lvl4pPr marL="1371600" algn="l" defTabSz="914400" rtl="0" eaLnBrk="1" latinLnBrk="0" hangingPunct="1">
+              <a:defRPr sz="1800" kern="1200">
+                <a:solidFill>
+                  <a:schemeClr val="tx1"/>
+                </a:solidFill>
+                <a:latin typeface="+mn-lt"/>
+                <a:ea typeface="+mn-ea"/>
+                <a:cs typeface="+mn-cs"/>
+              </a:defRPr>
+            </a:lvl4pPr>
+            <a:lvl5pPr marL="1828800" algn="l" defTabSz="914400" rtl="0" eaLnBrk="1" latinLnBrk="0" hangingPunct="1">
+              <a:defRPr sz="1800" kern="1200">
+                <a:solidFill>
+                  <a:schemeClr val="tx1"/>
+                </a:solidFill>
+                <a:latin typeface="+mn-lt"/>
+                <a:ea typeface="+mn-ea"/>
+                <a:cs typeface="+mn-cs"/>
+              </a:defRPr>
+            </a:lvl5pPr>
+            <a:lvl6pPr marL="2286000" algn="l" defTabSz="914400" rtl="0" eaLnBrk="1" latinLnBrk="0" hangingPunct="1">
+              <a:defRPr sz="1800" kern="1200">
+                <a:solidFill>
+                  <a:schemeClr val="tx1"/>
+                </a:solidFill>
+                <a:latin typeface="+mn-lt"/>
+                <a:ea typeface="+mn-ea"/>
+                <a:cs typeface="+mn-cs"/>
+              </a:defRPr>
+            </a:lvl6pPr>
+            <a:lvl7pPr marL="2743200" algn="l" defTabSz="914400" rtl="0" eaLnBrk="1" latinLnBrk="0" hangingPunct="1">
+              <a:defRPr sz="1800" kern="1200">
+                <a:solidFill>
+                  <a:schemeClr val="tx1"/>
+                </a:solidFill>
+                <a:latin typeface="+mn-lt"/>
+                <a:ea typeface="+mn-ea"/>
+                <a:cs typeface="+mn-cs"/>
+              </a:defRPr>
+            </a:lvl7pPr>
+            <a:lvl8pPr marL="3200400" algn="l" defTabSz="914400" rtl="0" eaLnBrk="1" latinLnBrk="0" hangingPunct="1">
+              <a:defRPr sz="1800" kern="1200">
+                <a:solidFill>
+                  <a:schemeClr val="tx1"/>
+                </a:solidFill>
+                <a:latin typeface="+mn-lt"/>
+                <a:ea typeface="+mn-ea"/>
+                <a:cs typeface="+mn-cs"/>
+              </a:defRPr>
+            </a:lvl8pPr>
+            <a:lvl9pPr marL="3657600" algn="l" defTabSz="914400" rtl="0" eaLnBrk="1" latinLnBrk="0" hangingPunct="1">
+              <a:defRPr sz="1800" kern="1200">
+                <a:solidFill>
+                  <a:schemeClr val="tx1"/>
+                </a:solidFill>
+                <a:latin typeface="+mn-lt"/>
+                <a:ea typeface="+mn-ea"/>
+                <a:cs typeface="+mn-cs"/>
+              </a:defRPr>
+            </a:lvl9pPr>
+          </a:lstStyle>
           <a:p>
             <a:r>
               <a:rPr lang="en-US" sz="1400" dirty="0">
@@ -9046,7 +8988,7 @@
                 <a:latin typeface="+mj-lt"/>
                 <a:ea typeface="Verdana" panose="020B0604030504040204" pitchFamily="34" charset="0"/>
               </a:rPr>
-              <a:t>Source: Taylor, M. (2017). </a:t>
+              <a:t>Source: Glassner, A. (2021). </a:t>
             </a:r>
             <a:r>
               <a:rPr lang="en-US" sz="1400" i="1" dirty="0">
@@ -9059,7 +9001,7 @@
                 <a:latin typeface="+mj-lt"/>
                 <a:ea typeface="Verdana" panose="020B0604030504040204" pitchFamily="34" charset="0"/>
               </a:rPr>
-              <a:t>Neural networks: A visual introduction for beginners</a:t>
+              <a:t>Deep learning: A visual approach</a:t>
             </a:r>
             <a:r>
               <a:rPr lang="en-US" sz="1400" dirty="0">
@@ -9072,7 +9014,7 @@
                 <a:latin typeface="+mj-lt"/>
                 <a:ea typeface="Verdana" panose="020B0604030504040204" pitchFamily="34" charset="0"/>
               </a:rPr>
-              <a:t>. Vancouver, Canada</a:t>
+              <a:t>. </a:t>
             </a:r>
             <a:r>
               <a:rPr lang="en-US" sz="1400" b="0" i="0" dirty="0">
@@ -9086,28 +9028,161 @@
                 <a:latin typeface="+mj-lt"/>
                 <a:ea typeface="Verdana" panose="020B0604030504040204" pitchFamily="34" charset="0"/>
               </a:rPr>
-              <a:t>: Blue Windmill Media</a:t>
-            </a:r>
-            <a:r>
-              <a:rPr lang="en-US" sz="1400" dirty="0">
-                <a:solidFill>
-                  <a:schemeClr val="tx1">
-                    <a:lumMod val="65000"/>
-                    <a:lumOff val="35000"/>
+              <a:t>San Francisco, CA: No Starch Press. (Chapter 14)</a:t>
+            </a:r>
+            <a:endParaRPr lang="en-US" sz="1400" dirty="0">
+              <a:solidFill>
+                <a:schemeClr val="tx1">
+                  <a:lumMod val="65000"/>
+                  <a:lumOff val="35000"/>
+                </a:schemeClr>
+              </a:solidFill>
+              <a:latin typeface="+mj-lt"/>
+              <a:ea typeface="Verdana" panose="020B0604030504040204" pitchFamily="34" charset="0"/>
+            </a:endParaRPr>
+          </a:p>
+        </p:txBody>
+      </p:sp>
+      <p:pic>
+        <p:nvPicPr>
+          <p:cNvPr id="4" name="Picture 2">
+            <a:extLst>
+              <a:ext uri="{FF2B5EF4-FFF2-40B4-BE49-F238E27FC236}">
+                <a16:creationId xmlns:a16="http://schemas.microsoft.com/office/drawing/2014/main" id="{76F3258B-B0C6-44B7-8834-6C848B087C43}"/>
+              </a:ext>
+            </a:extLst>
+          </p:cNvPr>
+          <p:cNvPicPr>
+            <a:picLocks noChangeAspect="1" noChangeArrowheads="1"/>
+          </p:cNvPicPr>
+          <p:nvPr/>
+        </p:nvPicPr>
+        <p:blipFill>
+          <a:blip r:embed="rId3">
+            <a:extLst>
+              <a:ext uri="{28A0092B-C50C-407E-A947-70E740481C1C}">
+                <a14:useLocalDpi xmlns:a14="http://schemas.microsoft.com/office/drawing/2010/main" val="0"/>
+              </a:ext>
+            </a:extLst>
+          </a:blip>
+          <a:srcRect/>
+          <a:stretch/>
+        </p:blipFill>
+        <p:spPr bwMode="auto">
+          <a:xfrm>
+            <a:off x="2914988" y="1219435"/>
+            <a:ext cx="6362023" cy="4419130"/>
+          </a:xfrm>
+          <a:prstGeom prst="rect">
+            <a:avLst/>
+          </a:prstGeom>
+          <a:noFill/>
+          <a:extLst>
+            <a:ext uri="{909E8E84-426E-40DD-AFC4-6F175D3DCCD1}">
+              <a14:hiddenFill xmlns:a14="http://schemas.microsoft.com/office/drawing/2010/main">
+                <a:solidFill>
+                  <a:srgbClr val="FFFFFF"/>
+                </a:solidFill>
+              </a14:hiddenFill>
+            </a:ext>
+          </a:extLst>
+        </p:spPr>
+      </p:pic>
+      <p:sp>
+        <p:nvSpPr>
+          <p:cNvPr id="2" name="TextBox 1">
+            <a:extLst>
+              <a:ext uri="{FF2B5EF4-FFF2-40B4-BE49-F238E27FC236}">
+                <a16:creationId xmlns:a16="http://schemas.microsoft.com/office/drawing/2014/main" id="{D67C09B7-1F5E-450D-9A49-54DEEA07C470}"/>
+              </a:ext>
+            </a:extLst>
+          </p:cNvPr>
+          <p:cNvSpPr txBox="1"/>
+          <p:nvPr/>
+        </p:nvSpPr>
+        <p:spPr>
+          <a:xfrm>
+            <a:off x="3788229" y="5223340"/>
+            <a:ext cx="537327" cy="461665"/>
+          </a:xfrm>
+          <a:prstGeom prst="rect">
+            <a:avLst/>
+          </a:prstGeom>
+          <a:noFill/>
+        </p:spPr>
+        <p:txBody>
+          <a:bodyPr wrap="none" rtlCol="0">
+            <a:spAutoFit/>
+          </a:bodyPr>
+          <a:lstStyle/>
+          <a:p>
+            <a:r>
+              <a:rPr lang="en-US" sz="2400" dirty="0">
+                <a:solidFill>
+                  <a:schemeClr val="accent1">
+                    <a:lumMod val="75000"/>
                   </a:schemeClr>
                 </a:solidFill>
                 <a:latin typeface="+mj-lt"/>
-                <a:ea typeface="Verdana" panose="020B0604030504040204" pitchFamily="34" charset="0"/>
-              </a:rPr>
-              <a:t>.</a:t>
-            </a:r>
+              </a:rPr>
+              <a:t>Go</a:t>
+            </a:r>
+          </a:p>
+        </p:txBody>
+      </p:sp>
+      <p:sp>
+        <p:nvSpPr>
+          <p:cNvPr id="5" name="TextBox 4">
+            <a:extLst>
+              <a:ext uri="{FF2B5EF4-FFF2-40B4-BE49-F238E27FC236}">
+                <a16:creationId xmlns:a16="http://schemas.microsoft.com/office/drawing/2014/main" id="{1E8D49E1-FF01-4A1D-B628-D09022478678}"/>
+              </a:ext>
+            </a:extLst>
+          </p:cNvPr>
+          <p:cNvSpPr txBox="1"/>
+          <p:nvPr/>
+        </p:nvSpPr>
+        <p:spPr>
+          <a:xfrm>
+            <a:off x="7969300" y="5269780"/>
+            <a:ext cx="487634" cy="461665"/>
+          </a:xfrm>
+          <a:prstGeom prst="rect">
+            <a:avLst/>
+          </a:prstGeom>
+          <a:noFill/>
+        </p:spPr>
+        <p:txBody>
+          <a:bodyPr wrap="none" rtlCol="0">
+            <a:spAutoFit/>
+          </a:bodyPr>
+          <a:lstStyle/>
+          <a:p>
+            <a:r>
+              <a:rPr lang="en-US" sz="2400" dirty="0">
+                <a:solidFill>
+                  <a:srgbClr val="C00000"/>
+                </a:solidFill>
+                <a:effectLst/>
+                <a:latin typeface="+mn-lt"/>
+                <a:ea typeface="Malgun Gothic" panose="020B0503020000020004" pitchFamily="34" charset="-127"/>
+                <a:cs typeface="Times New Roman" panose="02020603050405020304" pitchFamily="18" charset="0"/>
+              </a:rPr>
+              <a:t>Fδ</a:t>
+            </a:r>
+            <a:endParaRPr lang="en-US" sz="2400" dirty="0">
+              <a:solidFill>
+                <a:srgbClr val="C00000"/>
+              </a:solidFill>
+              <a:latin typeface="+mj-lt"/>
+            </a:endParaRPr>
           </a:p>
         </p:txBody>
       </p:sp>
     </p:spTree>
     <p:extLst>
       <p:ext uri="{BB962C8B-B14F-4D97-AF65-F5344CB8AC3E}">
-        <p14:creationId xmlns:p14="http://schemas.microsoft.com/office/powerpoint/2010/main" val="614313547"/>
+        <p14:creationId xmlns:p14="http://schemas.microsoft.com/office/powerpoint/2010/main" val="2846560920"/>
       </p:ext>
     </p:extLst>
   </p:cSld>
@@ -9146,147 +9221,12 @@
           <a:chExt cx="0" cy="0"/>
         </a:xfrm>
       </p:grpSpPr>
-      <p:sp>
-        <p:nvSpPr>
-          <p:cNvPr id="2" name="Title 1">
-            <a:extLst>
-              <a:ext uri="{FF2B5EF4-FFF2-40B4-BE49-F238E27FC236}">
-                <a16:creationId xmlns:a16="http://schemas.microsoft.com/office/drawing/2014/main" id="{0F853981-B13F-4917-804F-EBF0D4819E7E}"/>
-              </a:ext>
-            </a:extLst>
-          </p:cNvPr>
-          <p:cNvSpPr>
-            <a:spLocks noGrp="1"/>
-          </p:cNvSpPr>
-          <p:nvPr>
-            <p:ph type="title"/>
-          </p:nvPr>
-        </p:nvSpPr>
-        <p:spPr>
-          <a:xfrm>
-            <a:off x="0" y="3287209"/>
-            <a:ext cx="12192000" cy="617577"/>
-          </a:xfrm>
-          <a:noFill/>
-        </p:spPr>
-        <p:txBody>
-          <a:bodyPr>
-            <a:noAutofit/>
-          </a:bodyPr>
-          <a:lstStyle/>
-          <a:p>
-            <a:br>
-              <a:rPr lang="en-US" sz="3600" dirty="0">
-                <a:solidFill>
-                  <a:schemeClr val="tx1">
-                    <a:lumMod val="65000"/>
-                    <a:lumOff val="35000"/>
-                  </a:schemeClr>
-                </a:solidFill>
-                <a:latin typeface="Palatino Linotype" panose="02040502050505030304" pitchFamily="18" charset="0"/>
-              </a:rPr>
-            </a:br>
-            <a:br>
-              <a:rPr lang="en-US" sz="3600" dirty="0">
-                <a:solidFill>
-                  <a:schemeClr val="tx1">
-                    <a:lumMod val="65000"/>
-                    <a:lumOff val="35000"/>
-                  </a:schemeClr>
-                </a:solidFill>
-                <a:latin typeface="Palatino Linotype" panose="02040502050505030304" pitchFamily="18" charset="0"/>
-              </a:rPr>
-            </a:br>
-            <a:r>
-              <a:rPr lang="en-US" sz="3600" dirty="0">
-                <a:solidFill>
-                  <a:schemeClr val="tx1">
-                    <a:lumMod val="65000"/>
-                    <a:lumOff val="35000"/>
-                  </a:schemeClr>
-                </a:solidFill>
-                <a:latin typeface="Palatino Linotype" panose="02040502050505030304" pitchFamily="18" charset="0"/>
-              </a:rPr>
-              <a:t>		2.05 (Binary Classification using Keras)</a:t>
-            </a:r>
-            <a:endParaRPr lang="en-US" sz="3600" dirty="0">
-              <a:solidFill>
-                <a:schemeClr val="tx1">
-                  <a:lumMod val="65000"/>
-                  <a:lumOff val="35000"/>
-                </a:schemeClr>
-              </a:solidFill>
-              <a:latin typeface="Palatino Linotype" panose="02040502050505030304" pitchFamily="18" charset="0"/>
-              <a:cs typeface="Segoe UI Light" panose="020B0502040204020203" pitchFamily="34" charset="0"/>
-            </a:endParaRPr>
-          </a:p>
-        </p:txBody>
-      </p:sp>
-      <p:sp>
-        <p:nvSpPr>
-          <p:cNvPr id="3" name="Text Placeholder 2">
-            <a:extLst>
-              <a:ext uri="{FF2B5EF4-FFF2-40B4-BE49-F238E27FC236}">
-                <a16:creationId xmlns:a16="http://schemas.microsoft.com/office/drawing/2014/main" id="{098BC2D2-CCF7-4C63-8489-B46BF394FCA2}"/>
-              </a:ext>
-            </a:extLst>
-          </p:cNvPr>
-          <p:cNvSpPr>
-            <a:spLocks noGrp="1"/>
-          </p:cNvSpPr>
-          <p:nvPr>
-            <p:ph type="body" idx="1"/>
-          </p:nvPr>
-        </p:nvSpPr>
-        <p:spPr>
-          <a:xfrm>
-            <a:off x="0" y="4285400"/>
-            <a:ext cx="12192000" cy="518830"/>
-          </a:xfrm>
-        </p:spPr>
-        <p:txBody>
-          <a:bodyPr>
-            <a:normAutofit/>
-          </a:bodyPr>
-          <a:lstStyle/>
-          <a:p>
-            <a:endParaRPr lang="en-US" dirty="0">
-              <a:latin typeface="Palatino Linotype" panose="02040502050505030304" pitchFamily="18" charset="0"/>
-              <a:cs typeface="Segoe UI" panose="020B0502040204020203" pitchFamily="34" charset="0"/>
-            </a:endParaRPr>
-          </a:p>
-          <a:p>
-            <a:endParaRPr lang="en-US" dirty="0">
-              <a:latin typeface="Palatino Linotype" panose="02040502050505030304" pitchFamily="18" charset="0"/>
-              <a:cs typeface="Segoe UI" panose="020B0502040204020203" pitchFamily="34" charset="0"/>
-            </a:endParaRPr>
-          </a:p>
-          <a:p>
-            <a:endParaRPr lang="en-US" dirty="0">
-              <a:latin typeface="Palatino Linotype" panose="02040502050505030304" pitchFamily="18" charset="0"/>
-              <a:cs typeface="Segoe UI" panose="020B0502040204020203" pitchFamily="34" charset="0"/>
-            </a:endParaRPr>
-          </a:p>
-          <a:p>
-            <a:endParaRPr lang="en-US" dirty="0">
-              <a:latin typeface="Palatino Linotype" panose="02040502050505030304" pitchFamily="18" charset="0"/>
-              <a:cs typeface="Segoe UI" panose="020B0502040204020203" pitchFamily="34" charset="0"/>
-            </a:endParaRPr>
-          </a:p>
-          <a:p>
-            <a:endParaRPr lang="en-US" dirty="0">
-              <a:latin typeface="Palatino Linotype" panose="02040502050505030304" pitchFamily="18" charset="0"/>
-              <a:cs typeface="Segoe UI" panose="020B0502040204020203" pitchFamily="34" charset="0"/>
-            </a:endParaRPr>
-          </a:p>
-        </p:txBody>
-      </p:sp>
       <p:pic>
         <p:nvPicPr>
-          <p:cNvPr id="4" name="Picture 3">
-            <a:extLst>
-              <a:ext uri="{FF2B5EF4-FFF2-40B4-BE49-F238E27FC236}">
-                <a16:creationId xmlns:a16="http://schemas.microsoft.com/office/drawing/2014/main" id="{4CD7B1E7-8C1E-4394-BD29-073CEC503ACC}"/>
+          <p:cNvPr id="5" name="Picture 4">
+            <a:extLst>
+              <a:ext uri="{FF2B5EF4-FFF2-40B4-BE49-F238E27FC236}">
+                <a16:creationId xmlns:a16="http://schemas.microsoft.com/office/drawing/2014/main" id="{BB679311-680E-47D0-AEB5-A6FF64033ED1}"/>
               </a:ext>
             </a:extLst>
           </p:cNvPr>
@@ -9303,18 +9243,115 @@
         </p:blipFill>
         <p:spPr>
           <a:xfrm>
-            <a:off x="0" y="365760"/>
-            <a:ext cx="3233668" cy="805144"/>
+            <a:off x="917733" y="1101989"/>
+            <a:ext cx="10356534" cy="4654021"/>
           </a:xfrm>
           <a:prstGeom prst="rect">
             <a:avLst/>
           </a:prstGeom>
         </p:spPr>
       </p:pic>
+      <p:sp>
+        <p:nvSpPr>
+          <p:cNvPr id="3" name="TextBox 2">
+            <a:extLst>
+              <a:ext uri="{FF2B5EF4-FFF2-40B4-BE49-F238E27FC236}">
+                <a16:creationId xmlns:a16="http://schemas.microsoft.com/office/drawing/2014/main" id="{979F5AD8-51F0-434C-88FB-400CA869633A}"/>
+              </a:ext>
+            </a:extLst>
+          </p:cNvPr>
+          <p:cNvSpPr txBox="1"/>
+          <p:nvPr/>
+        </p:nvSpPr>
+        <p:spPr>
+          <a:xfrm>
+            <a:off x="0" y="6550223"/>
+            <a:ext cx="12192000" cy="307777"/>
+          </a:xfrm>
+          <a:prstGeom prst="rect">
+            <a:avLst/>
+          </a:prstGeom>
+          <a:noFill/>
+        </p:spPr>
+        <p:txBody>
+          <a:bodyPr wrap="square" rtlCol="0">
+            <a:spAutoFit/>
+          </a:bodyPr>
+          <a:lstStyle/>
+          <a:p>
+            <a:r>
+              <a:rPr lang="en-US" sz="1400" dirty="0">
+                <a:solidFill>
+                  <a:schemeClr val="tx1">
+                    <a:lumMod val="65000"/>
+                    <a:lumOff val="35000"/>
+                  </a:schemeClr>
+                </a:solidFill>
+                <a:latin typeface="+mj-lt"/>
+                <a:ea typeface="Verdana" panose="020B0604030504040204" pitchFamily="34" charset="0"/>
+              </a:rPr>
+              <a:t>Source: Taylor, M. (2017). </a:t>
+            </a:r>
+            <a:r>
+              <a:rPr lang="en-US" sz="1400" i="1" dirty="0">
+                <a:solidFill>
+                  <a:schemeClr val="tx1">
+                    <a:lumMod val="65000"/>
+                    <a:lumOff val="35000"/>
+                  </a:schemeClr>
+                </a:solidFill>
+                <a:latin typeface="+mj-lt"/>
+                <a:ea typeface="Verdana" panose="020B0604030504040204" pitchFamily="34" charset="0"/>
+              </a:rPr>
+              <a:t>Neural networks: A visual introduction for beginners</a:t>
+            </a:r>
+            <a:r>
+              <a:rPr lang="en-US" sz="1400" dirty="0">
+                <a:solidFill>
+                  <a:schemeClr val="tx1">
+                    <a:lumMod val="65000"/>
+                    <a:lumOff val="35000"/>
+                  </a:schemeClr>
+                </a:solidFill>
+                <a:latin typeface="+mj-lt"/>
+                <a:ea typeface="Verdana" panose="020B0604030504040204" pitchFamily="34" charset="0"/>
+              </a:rPr>
+              <a:t>. Vancouver, Canada</a:t>
+            </a:r>
+            <a:r>
+              <a:rPr lang="en-US" sz="1400" b="0" i="0" dirty="0">
+                <a:solidFill>
+                  <a:schemeClr val="tx1">
+                    <a:lumMod val="65000"/>
+                    <a:lumOff val="35000"/>
+                  </a:schemeClr>
+                </a:solidFill>
+                <a:effectLst/>
+                <a:latin typeface="+mj-lt"/>
+                <a:ea typeface="Verdana" panose="020B0604030504040204" pitchFamily="34" charset="0"/>
+              </a:rPr>
+              <a:t>: Blue Windmill Media</a:t>
+            </a:r>
+            <a:r>
+              <a:rPr lang="en-US" sz="1400" dirty="0">
+                <a:solidFill>
+                  <a:schemeClr val="tx1">
+                    <a:lumMod val="65000"/>
+                    <a:lumOff val="35000"/>
+                  </a:schemeClr>
+                </a:solidFill>
+                <a:latin typeface="+mj-lt"/>
+                <a:ea typeface="Verdana" panose="020B0604030504040204" pitchFamily="34" charset="0"/>
+              </a:rPr>
+              <a:t>.</a:t>
+            </a:r>
+          </a:p>
+        </p:txBody>
+      </p:sp>
     </p:spTree>
     <p:extLst>
       <p:ext uri="{BB962C8B-B14F-4D97-AF65-F5344CB8AC3E}">
-        <p14:creationId xmlns:p14="http://schemas.microsoft.com/office/powerpoint/2010/main" val="864611552"/>
+        <p14:creationId xmlns:p14="http://schemas.microsoft.com/office/powerpoint/2010/main" val="614313547"/>
       </p:ext>
     </p:extLst>
   </p:cSld>
@@ -9353,42 +9390,198 @@
           <a:chExt cx="0" cy="0"/>
         </a:xfrm>
       </p:grpSpPr>
-      <p:pic>
-        <p:nvPicPr>
-          <p:cNvPr id="3" name="Picture 2">
-            <a:extLst>
-              <a:ext uri="{FF2B5EF4-FFF2-40B4-BE49-F238E27FC236}">
-                <a16:creationId xmlns:a16="http://schemas.microsoft.com/office/drawing/2014/main" id="{239D0A82-7D34-4E48-BE20-B982B3990537}"/>
-              </a:ext>
-            </a:extLst>
-          </p:cNvPr>
-          <p:cNvPicPr>
-            <a:picLocks noChangeAspect="1"/>
-          </p:cNvPicPr>
-          <p:nvPr/>
-        </p:nvPicPr>
-        <p:blipFill>
-          <a:blip r:embed="rId3"/>
-          <a:stretch>
-            <a:fillRect/>
-          </a:stretch>
-        </p:blipFill>
+      <p:sp>
+        <p:nvSpPr>
+          <p:cNvPr id="5" name="Content Placeholder 4">
+            <a:extLst>
+              <a:ext uri="{FF2B5EF4-FFF2-40B4-BE49-F238E27FC236}">
+                <a16:creationId xmlns:a16="http://schemas.microsoft.com/office/drawing/2014/main" id="{7C82B2FA-DB39-467C-9DC1-245874DCBCF1}"/>
+              </a:ext>
+            </a:extLst>
+          </p:cNvPr>
+          <p:cNvSpPr>
+            <a:spLocks noGrp="1"/>
+          </p:cNvSpPr>
+          <p:nvPr>
+            <p:ph idx="1"/>
+          </p:nvPr>
+        </p:nvSpPr>
         <p:spPr>
           <a:xfrm>
-            <a:off x="0" y="324192"/>
-            <a:ext cx="3233668" cy="840754"/>
+            <a:off x="812801" y="1386840"/>
+            <a:ext cx="10540999" cy="4790124"/>
           </a:xfrm>
-          <a:prstGeom prst="rect">
-            <a:avLst/>
-          </a:prstGeom>
         </p:spPr>
-      </p:pic>
-      <p:sp>
-        <p:nvSpPr>
-          <p:cNvPr id="8" name="Title 1">
-            <a:extLst>
-              <a:ext uri="{FF2B5EF4-FFF2-40B4-BE49-F238E27FC236}">
-                <a16:creationId xmlns:a16="http://schemas.microsoft.com/office/drawing/2014/main" id="{6F128DD7-C643-44B7-803E-11F67E24E0DE}"/>
+        <p:txBody>
+          <a:bodyPr>
+            <a:normAutofit fontScale="92500" lnSpcReduction="20000"/>
+          </a:bodyPr>
+          <a:lstStyle/>
+          <a:p>
+            <a:pPr marL="0" indent="0">
+              <a:buNone/>
+            </a:pPr>
+            <a:endParaRPr lang="en-US" sz="3200" dirty="0">
+              <a:latin typeface="Palatino Linotype" panose="02040502050505030304" pitchFamily="18" charset="0"/>
+            </a:endParaRPr>
+          </a:p>
+          <a:p>
+            <a:pPr>
+              <a:buFont typeface="Wingdings" panose="05000000000000000000" pitchFamily="2" charset="2"/>
+              <a:buChar char="Ø"/>
+            </a:pPr>
+            <a:r>
+              <a:rPr lang="en-US" sz="3200" dirty="0">
+                <a:solidFill>
+                  <a:schemeClr val="tx1">
+                    <a:lumMod val="75000"/>
+                    <a:lumOff val="25000"/>
+                  </a:schemeClr>
+                </a:solidFill>
+                <a:latin typeface="Palatino Linotype" panose="02040502050505030304" pitchFamily="18" charset="0"/>
+              </a:rPr>
+              <a:t> Error (Loss) Function</a:t>
+            </a:r>
+          </a:p>
+          <a:p>
+            <a:pPr marL="0" indent="0">
+              <a:buNone/>
+            </a:pPr>
+            <a:endParaRPr lang="en-US" sz="3200" dirty="0">
+              <a:solidFill>
+                <a:schemeClr val="tx1">
+                  <a:lumMod val="75000"/>
+                  <a:lumOff val="25000"/>
+                </a:schemeClr>
+              </a:solidFill>
+              <a:latin typeface="Palatino Linotype" panose="02040502050505030304" pitchFamily="18" charset="0"/>
+            </a:endParaRPr>
+          </a:p>
+          <a:p>
+            <a:pPr>
+              <a:buFont typeface="Wingdings" panose="05000000000000000000" pitchFamily="2" charset="2"/>
+              <a:buChar char="Ø"/>
+            </a:pPr>
+            <a:r>
+              <a:rPr lang="en-US" sz="3200" dirty="0">
+                <a:solidFill>
+                  <a:schemeClr val="tx1">
+                    <a:lumMod val="75000"/>
+                    <a:lumOff val="25000"/>
+                  </a:schemeClr>
+                </a:solidFill>
+                <a:latin typeface="Palatino Linotype" panose="02040502050505030304" pitchFamily="18" charset="0"/>
+              </a:rPr>
+              <a:t> Gradient Descent &amp; Partial Derivatives</a:t>
+            </a:r>
+          </a:p>
+          <a:p>
+            <a:pPr marL="0" indent="0">
+              <a:buNone/>
+            </a:pPr>
+            <a:r>
+              <a:rPr lang="en-US" sz="3200" dirty="0">
+                <a:solidFill>
+                  <a:schemeClr val="tx1">
+                    <a:lumMod val="75000"/>
+                    <a:lumOff val="25000"/>
+                  </a:schemeClr>
+                </a:solidFill>
+                <a:latin typeface="Palatino Linotype" panose="02040502050505030304" pitchFamily="18" charset="0"/>
+              </a:rPr>
+              <a:t> </a:t>
+            </a:r>
+          </a:p>
+          <a:p>
+            <a:pPr>
+              <a:buFont typeface="Wingdings" panose="05000000000000000000" pitchFamily="2" charset="2"/>
+              <a:buChar char="Ø"/>
+            </a:pPr>
+            <a:r>
+              <a:rPr lang="en-US" sz="3200" dirty="0">
+                <a:solidFill>
+                  <a:schemeClr val="tx1">
+                    <a:lumMod val="75000"/>
+                    <a:lumOff val="25000"/>
+                  </a:schemeClr>
+                </a:solidFill>
+                <a:latin typeface="Palatino Linotype" panose="02040502050505030304" pitchFamily="18" charset="0"/>
+              </a:rPr>
+              <a:t> Complex Gradients</a:t>
+            </a:r>
+          </a:p>
+          <a:p>
+            <a:pPr marL="0" indent="0">
+              <a:buNone/>
+            </a:pPr>
+            <a:endParaRPr lang="en-US" sz="3200" dirty="0">
+              <a:solidFill>
+                <a:schemeClr val="tx1">
+                  <a:lumMod val="75000"/>
+                  <a:lumOff val="25000"/>
+                </a:schemeClr>
+              </a:solidFill>
+              <a:latin typeface="Palatino Linotype" panose="02040502050505030304" pitchFamily="18" charset="0"/>
+            </a:endParaRPr>
+          </a:p>
+          <a:p>
+            <a:pPr>
+              <a:buFont typeface="Wingdings" panose="05000000000000000000" pitchFamily="2" charset="2"/>
+              <a:buChar char="Ø"/>
+            </a:pPr>
+            <a:r>
+              <a:rPr lang="en-US" sz="3200" dirty="0">
+                <a:solidFill>
+                  <a:schemeClr val="tx1">
+                    <a:lumMod val="75000"/>
+                    <a:lumOff val="25000"/>
+                  </a:schemeClr>
+                </a:solidFill>
+                <a:latin typeface="Palatino Linotype" panose="02040502050505030304" pitchFamily="18" charset="0"/>
+              </a:rPr>
+              <a:t> Optimizers</a:t>
+            </a:r>
+          </a:p>
+          <a:p>
+            <a:pPr marL="0" indent="0">
+              <a:buNone/>
+            </a:pPr>
+            <a:endParaRPr lang="en-US" sz="3200" dirty="0">
+              <a:solidFill>
+                <a:schemeClr val="tx1">
+                  <a:lumMod val="75000"/>
+                  <a:lumOff val="25000"/>
+                </a:schemeClr>
+              </a:solidFill>
+              <a:latin typeface="Palatino Linotype" panose="02040502050505030304" pitchFamily="18" charset="0"/>
+            </a:endParaRPr>
+          </a:p>
+          <a:p>
+            <a:pPr>
+              <a:buFont typeface="Wingdings" panose="05000000000000000000" pitchFamily="2" charset="2"/>
+              <a:buChar char="Ø"/>
+            </a:pPr>
+            <a:r>
+              <a:rPr lang="en-US" sz="3200" dirty="0">
+                <a:solidFill>
+                  <a:schemeClr val="tx1">
+                    <a:lumMod val="75000"/>
+                    <a:lumOff val="25000"/>
+                  </a:schemeClr>
+                </a:solidFill>
+                <a:latin typeface="Palatino Linotype" panose="02040502050505030304" pitchFamily="18" charset="0"/>
+              </a:rPr>
+              <a:t> Chain Rule</a:t>
+            </a:r>
+          </a:p>
+        </p:txBody>
+      </p:sp>
+      <p:sp>
+        <p:nvSpPr>
+          <p:cNvPr id="3" name="Title 4">
+            <a:extLst>
+              <a:ext uri="{FF2B5EF4-FFF2-40B4-BE49-F238E27FC236}">
+                <a16:creationId xmlns:a16="http://schemas.microsoft.com/office/drawing/2014/main" id="{8ADCD547-C091-45A4-9127-CC0044D81745}"/>
               </a:ext>
             </a:extLst>
           </p:cNvPr>
@@ -9401,19 +9594,17 @@
         </p:nvSpPr>
         <p:spPr>
           <a:xfrm>
-            <a:off x="0" y="3086009"/>
-            <a:ext cx="12192000" cy="685982"/>
+            <a:off x="812802" y="365126"/>
+            <a:ext cx="10540998" cy="1325563"/>
           </a:xfrm>
-          <a:noFill/>
         </p:spPr>
         <p:txBody>
-          <a:bodyPr>
-            <a:noAutofit/>
-          </a:bodyPr>
+          <a:bodyPr/>
           <a:lstStyle/>
           <a:p>
-            <a:r>
-              <a:rPr lang="en-US" sz="3600" dirty="0">
+            <a:pPr algn="ctr"/>
+            <a:r>
+              <a:rPr lang="en-US" dirty="0">
                 <a:solidFill>
                   <a:schemeClr val="tx1">
                     <a:lumMod val="65000"/>
@@ -9422,38 +9613,15 @@
                 </a:solidFill>
                 <a:latin typeface="Palatino Linotype" panose="02040502050505030304" pitchFamily="18" charset="0"/>
               </a:rPr>
-              <a:t>		2.06 (</a:t>
-            </a:r>
-            <a:r>
-              <a:rPr lang="en-US" sz="3600" b="0" i="0" dirty="0">
-                <a:solidFill>
-                  <a:schemeClr val="tx1">
-                    <a:lumMod val="65000"/>
-                    <a:lumOff val="35000"/>
-                  </a:schemeClr>
-                </a:solidFill>
-                <a:effectLst/>
-                <a:latin typeface="Palatino Linotype" panose="02040502050505030304" pitchFamily="18" charset="0"/>
-              </a:rPr>
-              <a:t>Multilayer Binary Classifier)</a:t>
-            </a:r>
-            <a:endParaRPr lang="en-US" sz="3600" dirty="0">
-              <a:solidFill>
-                <a:schemeClr val="tx1">
-                  <a:lumMod val="65000"/>
-                  <a:lumOff val="35000"/>
-                </a:schemeClr>
-              </a:solidFill>
-              <a:latin typeface="Palatino Linotype" panose="02040502050505030304" pitchFamily="18" charset="0"/>
-              <a:cs typeface="Segoe UI Light" panose="020B0502040204020203" pitchFamily="34" charset="0"/>
-            </a:endParaRPr>
+              <a:t>Summary</a:t>
+            </a:r>
           </a:p>
         </p:txBody>
       </p:sp>
     </p:spTree>
     <p:extLst>
       <p:ext uri="{BB962C8B-B14F-4D97-AF65-F5344CB8AC3E}">
-        <p14:creationId xmlns:p14="http://schemas.microsoft.com/office/powerpoint/2010/main" val="994788979"/>
+        <p14:creationId xmlns:p14="http://schemas.microsoft.com/office/powerpoint/2010/main" val="1397534281"/>
       </p:ext>
     </p:extLst>
   </p:cSld>
@@ -9492,221 +9660,67 @@
           <a:chExt cx="0" cy="0"/>
         </a:xfrm>
       </p:grpSpPr>
-      <p:sp>
-        <p:nvSpPr>
-          <p:cNvPr id="5" name="Content Placeholder 4">
-            <a:extLst>
-              <a:ext uri="{FF2B5EF4-FFF2-40B4-BE49-F238E27FC236}">
-                <a16:creationId xmlns:a16="http://schemas.microsoft.com/office/drawing/2014/main" id="{7C82B2FA-DB39-467C-9DC1-245874DCBCF1}"/>
-              </a:ext>
-            </a:extLst>
-          </p:cNvPr>
-          <p:cNvSpPr>
-            <a:spLocks noGrp="1"/>
-          </p:cNvSpPr>
-          <p:nvPr>
-            <p:ph idx="1"/>
-          </p:nvPr>
-        </p:nvSpPr>
+      <p:pic>
+        <p:nvPicPr>
+          <p:cNvPr id="3" name="Picture 2">
+            <a:extLst>
+              <a:ext uri="{FF2B5EF4-FFF2-40B4-BE49-F238E27FC236}">
+                <a16:creationId xmlns:a16="http://schemas.microsoft.com/office/drawing/2014/main" id="{239D0A82-7D34-4E48-BE20-B982B3990537}"/>
+              </a:ext>
+            </a:extLst>
+          </p:cNvPr>
+          <p:cNvPicPr>
+            <a:picLocks noChangeAspect="1"/>
+          </p:cNvPicPr>
+          <p:nvPr/>
+        </p:nvPicPr>
+        <p:blipFill>
+          <a:blip r:embed="rId3"/>
+          <a:stretch>
+            <a:fillRect/>
+          </a:stretch>
+        </p:blipFill>
         <p:spPr>
           <a:xfrm>
-            <a:off x="812801" y="1386840"/>
-            <a:ext cx="10540999" cy="4790124"/>
+            <a:off x="0" y="324192"/>
+            <a:ext cx="3233668" cy="840754"/>
           </a:xfrm>
+          <a:prstGeom prst="rect">
+            <a:avLst/>
+          </a:prstGeom>
         </p:spPr>
+      </p:pic>
+      <p:sp>
+        <p:nvSpPr>
+          <p:cNvPr id="8" name="Title 1">
+            <a:extLst>
+              <a:ext uri="{FF2B5EF4-FFF2-40B4-BE49-F238E27FC236}">
+                <a16:creationId xmlns:a16="http://schemas.microsoft.com/office/drawing/2014/main" id="{6F128DD7-C643-44B7-803E-11F67E24E0DE}"/>
+              </a:ext>
+            </a:extLst>
+          </p:cNvPr>
+          <p:cNvSpPr>
+            <a:spLocks noGrp="1"/>
+          </p:cNvSpPr>
+          <p:nvPr>
+            <p:ph type="title"/>
+          </p:nvPr>
+        </p:nvSpPr>
+        <p:spPr>
+          <a:xfrm>
+            <a:off x="0" y="3086009"/>
+            <a:ext cx="12192000" cy="685982"/>
+          </a:xfrm>
+          <a:noFill/>
+        </p:spPr>
         <p:txBody>
           <a:bodyPr>
-            <a:normAutofit fontScale="92500" lnSpcReduction="20000"/>
+            <a:noAutofit/>
           </a:bodyPr>
           <a:lstStyle/>
           <a:p>
-            <a:pPr marL="0" indent="0">
-              <a:buNone/>
-            </a:pPr>
-            <a:endParaRPr lang="en-US" sz="3200" dirty="0">
-              <a:latin typeface="Palatino Linotype" panose="02040502050505030304" pitchFamily="18" charset="0"/>
-            </a:endParaRPr>
-          </a:p>
-          <a:p>
-            <a:pPr>
-              <a:buFont typeface="Wingdings" panose="05000000000000000000" pitchFamily="2" charset="2"/>
-              <a:buChar char="Ø"/>
-            </a:pPr>
-            <a:r>
-              <a:rPr lang="en-US" sz="3200" dirty="0">
-                <a:solidFill>
-                  <a:schemeClr val="tx1">
-                    <a:lumMod val="75000"/>
-                    <a:lumOff val="25000"/>
-                  </a:schemeClr>
-                </a:solidFill>
-                <a:latin typeface="Palatino Linotype" panose="02040502050505030304" pitchFamily="18" charset="0"/>
-              </a:rPr>
-              <a:t> Error (Loss) Function</a:t>
-            </a:r>
-          </a:p>
-          <a:p>
-            <a:pPr marL="0" indent="0">
-              <a:buNone/>
-            </a:pPr>
-            <a:endParaRPr lang="en-US" sz="3200" dirty="0">
-              <a:solidFill>
-                <a:schemeClr val="tx1">
-                  <a:lumMod val="75000"/>
-                  <a:lumOff val="25000"/>
-                </a:schemeClr>
-              </a:solidFill>
-              <a:latin typeface="Palatino Linotype" panose="02040502050505030304" pitchFamily="18" charset="0"/>
-            </a:endParaRPr>
-          </a:p>
-          <a:p>
-            <a:pPr>
-              <a:buFont typeface="Wingdings" panose="05000000000000000000" pitchFamily="2" charset="2"/>
-              <a:buChar char="Ø"/>
-            </a:pPr>
-            <a:r>
-              <a:rPr lang="en-US" sz="3200" dirty="0">
-                <a:solidFill>
-                  <a:schemeClr val="tx1">
-                    <a:lumMod val="75000"/>
-                    <a:lumOff val="25000"/>
-                  </a:schemeClr>
-                </a:solidFill>
-                <a:latin typeface="Palatino Linotype" panose="02040502050505030304" pitchFamily="18" charset="0"/>
-              </a:rPr>
-              <a:t> Gradient Descent &amp; Partial Derivatives</a:t>
-            </a:r>
-          </a:p>
-          <a:p>
-            <a:pPr marL="0" indent="0">
-              <a:buNone/>
-            </a:pPr>
-            <a:r>
-              <a:rPr lang="en-US" sz="3200" dirty="0">
-                <a:solidFill>
-                  <a:schemeClr val="tx1">
-                    <a:lumMod val="75000"/>
-                    <a:lumOff val="25000"/>
-                  </a:schemeClr>
-                </a:solidFill>
-                <a:latin typeface="Palatino Linotype" panose="02040502050505030304" pitchFamily="18" charset="0"/>
-              </a:rPr>
-              <a:t> </a:t>
-            </a:r>
-          </a:p>
-          <a:p>
-            <a:pPr>
-              <a:buFont typeface="Wingdings" panose="05000000000000000000" pitchFamily="2" charset="2"/>
-              <a:buChar char="Ø"/>
-            </a:pPr>
-            <a:r>
-              <a:rPr lang="en-US" sz="3200" dirty="0">
-                <a:solidFill>
-                  <a:schemeClr val="tx1">
-                    <a:lumMod val="75000"/>
-                    <a:lumOff val="25000"/>
-                  </a:schemeClr>
-                </a:solidFill>
-                <a:latin typeface="Palatino Linotype" panose="02040502050505030304" pitchFamily="18" charset="0"/>
-              </a:rPr>
-              <a:t> Complex Gradients</a:t>
-            </a:r>
-          </a:p>
-          <a:p>
-            <a:pPr marL="0" indent="0">
-              <a:buNone/>
-            </a:pPr>
-            <a:endParaRPr lang="en-US" sz="3200" dirty="0">
-              <a:solidFill>
-                <a:schemeClr val="tx1">
-                  <a:lumMod val="75000"/>
-                  <a:lumOff val="25000"/>
-                </a:schemeClr>
-              </a:solidFill>
-              <a:latin typeface="Palatino Linotype" panose="02040502050505030304" pitchFamily="18" charset="0"/>
-            </a:endParaRPr>
-          </a:p>
-          <a:p>
-            <a:pPr>
-              <a:buFont typeface="Wingdings" panose="05000000000000000000" pitchFamily="2" charset="2"/>
-              <a:buChar char="Ø"/>
-            </a:pPr>
-            <a:r>
-              <a:rPr lang="en-US" sz="3200" dirty="0">
-                <a:solidFill>
-                  <a:schemeClr val="tx1">
-                    <a:lumMod val="75000"/>
-                    <a:lumOff val="25000"/>
-                  </a:schemeClr>
-                </a:solidFill>
-                <a:latin typeface="Palatino Linotype" panose="02040502050505030304" pitchFamily="18" charset="0"/>
-              </a:rPr>
-              <a:t> Optimizers</a:t>
-            </a:r>
-          </a:p>
-          <a:p>
-            <a:pPr marL="0" indent="0">
-              <a:buNone/>
-            </a:pPr>
-            <a:endParaRPr lang="en-US" sz="3200" dirty="0">
-              <a:solidFill>
-                <a:schemeClr val="tx1">
-                  <a:lumMod val="75000"/>
-                  <a:lumOff val="25000"/>
-                </a:schemeClr>
-              </a:solidFill>
-              <a:latin typeface="Palatino Linotype" panose="02040502050505030304" pitchFamily="18" charset="0"/>
-            </a:endParaRPr>
-          </a:p>
-          <a:p>
-            <a:pPr>
-              <a:buFont typeface="Wingdings" panose="05000000000000000000" pitchFamily="2" charset="2"/>
-              <a:buChar char="Ø"/>
-            </a:pPr>
-            <a:r>
-              <a:rPr lang="en-US" sz="3200" dirty="0">
-                <a:solidFill>
-                  <a:schemeClr val="tx1">
-                    <a:lumMod val="75000"/>
-                    <a:lumOff val="25000"/>
-                  </a:schemeClr>
-                </a:solidFill>
-                <a:latin typeface="Palatino Linotype" panose="02040502050505030304" pitchFamily="18" charset="0"/>
-              </a:rPr>
-              <a:t> Chain Rule</a:t>
-            </a:r>
-          </a:p>
-        </p:txBody>
-      </p:sp>
-      <p:sp>
-        <p:nvSpPr>
-          <p:cNvPr id="3" name="Title 4">
-            <a:extLst>
-              <a:ext uri="{FF2B5EF4-FFF2-40B4-BE49-F238E27FC236}">
-                <a16:creationId xmlns:a16="http://schemas.microsoft.com/office/drawing/2014/main" id="{8ADCD547-C091-45A4-9127-CC0044D81745}"/>
-              </a:ext>
-            </a:extLst>
-          </p:cNvPr>
-          <p:cNvSpPr>
-            <a:spLocks noGrp="1"/>
-          </p:cNvSpPr>
-          <p:nvPr>
-            <p:ph type="title"/>
-          </p:nvPr>
-        </p:nvSpPr>
-        <p:spPr>
-          <a:xfrm>
-            <a:off x="812802" y="365126"/>
-            <a:ext cx="10540998" cy="1325563"/>
-          </a:xfrm>
-        </p:spPr>
-        <p:txBody>
-          <a:bodyPr/>
-          <a:lstStyle/>
-          <a:p>
-            <a:pPr algn="ctr"/>
-            <a:r>
-              <a:rPr lang="en-US" dirty="0">
+            <a:r>
+              <a:rPr lang="en-US" sz="3600" dirty="0">
                 <a:solidFill>
                   <a:schemeClr val="tx1">
                     <a:lumMod val="65000"/>
@@ -9715,15 +9729,38 @@
                 </a:solidFill>
                 <a:latin typeface="Palatino Linotype" panose="02040502050505030304" pitchFamily="18" charset="0"/>
               </a:rPr>
-              <a:t>Summary</a:t>
-            </a:r>
+              <a:t>		2.06 (</a:t>
+            </a:r>
+            <a:r>
+              <a:rPr lang="en-US" sz="3600" b="0" i="0" dirty="0">
+                <a:solidFill>
+                  <a:schemeClr val="tx1">
+                    <a:lumMod val="65000"/>
+                    <a:lumOff val="35000"/>
+                  </a:schemeClr>
+                </a:solidFill>
+                <a:effectLst/>
+                <a:latin typeface="Palatino Linotype" panose="02040502050505030304" pitchFamily="18" charset="0"/>
+              </a:rPr>
+              <a:t>Multilayer Binary Classifier)</a:t>
+            </a:r>
+            <a:endParaRPr lang="en-US" sz="3600" dirty="0">
+              <a:solidFill>
+                <a:schemeClr val="tx1">
+                  <a:lumMod val="65000"/>
+                  <a:lumOff val="35000"/>
+                </a:schemeClr>
+              </a:solidFill>
+              <a:latin typeface="Palatino Linotype" panose="02040502050505030304" pitchFamily="18" charset="0"/>
+              <a:cs typeface="Segoe UI Light" panose="020B0502040204020203" pitchFamily="34" charset="0"/>
+            </a:endParaRPr>
           </a:p>
         </p:txBody>
       </p:sp>
     </p:spTree>
     <p:extLst>
       <p:ext uri="{BB962C8B-B14F-4D97-AF65-F5344CB8AC3E}">
-        <p14:creationId xmlns:p14="http://schemas.microsoft.com/office/powerpoint/2010/main" val="1397534281"/>
+        <p14:creationId xmlns:p14="http://schemas.microsoft.com/office/powerpoint/2010/main" val="994788979"/>
       </p:ext>
     </p:extLst>
   </p:cSld>
@@ -9910,7 +9947,7 @@
           <a:graphicData uri="http://schemas.openxmlformats.org/presentationml/2006/ole">
             <mc:AlternateContent xmlns:mc="http://schemas.openxmlformats.org/markup-compatibility/2006">
               <mc:Choice xmlns:v="urn:schemas-microsoft-com:vml" Requires="v">
-                <p:oleObj spid="_x0000_s1120" name="Visio" r:id="rId8" imgW="2514945" imgH="1657350" progId="Visio.Drawing.15">
+                <p:oleObj spid="_x0000_s1142" name="Visio" r:id="rId8" imgW="2514945" imgH="1657350" progId="Visio.Drawing.15">
                   <p:embed/>
                 </p:oleObj>
               </mc:Choice>

--- a/presentations/03_gradient_descent.pptx
+++ b/presentations/03_gradient_descent.pptx
@@ -26,8 +26,8 @@
     <p:sldId id="330" r:id="rId17"/>
     <p:sldId id="311" r:id="rId18"/>
     <p:sldId id="289" r:id="rId19"/>
-    <p:sldId id="323" r:id="rId20"/>
-    <p:sldId id="328" r:id="rId21"/>
+    <p:sldId id="328" r:id="rId20"/>
+    <p:sldId id="332" r:id="rId21"/>
     <p:sldId id="305" r:id="rId22"/>
     <p:sldId id="324" r:id="rId23"/>
   </p:sldIdLst>
@@ -229,7 +229,7 @@
           <a:p>
             <a:fld id="{FD93C9B2-20F6-4DB1-B471-224337D0AC79}" type="datetimeFigureOut">
               <a:rPr lang="en-US" smtClean="0"/>
-              <a:t>4/4/2022</a:t>
+              <a:t>4/5/2022</a:t>
             </a:fld>
             <a:endParaRPr lang="en-US"/>
           </a:p>
@@ -2200,7 +2200,7 @@
     </p:spTree>
     <p:extLst>
       <p:ext uri="{BB962C8B-B14F-4D97-AF65-F5344CB8AC3E}">
-        <p14:creationId xmlns:p14="http://schemas.microsoft.com/office/powerpoint/2010/main" val="1974960137"/>
+        <p14:creationId xmlns:p14="http://schemas.microsoft.com/office/powerpoint/2010/main" val="3213588290"/>
       </p:ext>
     </p:extLst>
   </p:cSld>
@@ -2637,7 +2637,7 @@
     </p:spTree>
     <p:extLst>
       <p:ext uri="{BB962C8B-B14F-4D97-AF65-F5344CB8AC3E}">
-        <p14:creationId xmlns:p14="http://schemas.microsoft.com/office/powerpoint/2010/main" val="3213588290"/>
+        <p14:creationId xmlns:p14="http://schemas.microsoft.com/office/powerpoint/2010/main" val="372051230"/>
       </p:ext>
     </p:extLst>
   </p:cSld>
@@ -4270,7 +4270,7 @@
           <a:p>
             <a:fld id="{C3F78080-8D0A-4BE8-A5B4-CB115102D524}" type="datetimeFigureOut">
               <a:rPr lang="en-US" smtClean="0"/>
-              <a:t>4/4/2022</a:t>
+              <a:t>4/5/2022</a:t>
             </a:fld>
             <a:endParaRPr lang="en-US"/>
           </a:p>
@@ -4468,7 +4468,7 @@
           <a:p>
             <a:fld id="{C3F78080-8D0A-4BE8-A5B4-CB115102D524}" type="datetimeFigureOut">
               <a:rPr lang="en-US" smtClean="0"/>
-              <a:t>4/4/2022</a:t>
+              <a:t>4/5/2022</a:t>
             </a:fld>
             <a:endParaRPr lang="en-US"/>
           </a:p>
@@ -4676,7 +4676,7 @@
           <a:p>
             <a:fld id="{C3F78080-8D0A-4BE8-A5B4-CB115102D524}" type="datetimeFigureOut">
               <a:rPr lang="en-US" smtClean="0"/>
-              <a:t>4/4/2022</a:t>
+              <a:t>4/5/2022</a:t>
             </a:fld>
             <a:endParaRPr lang="en-US"/>
           </a:p>
@@ -4874,7 +4874,7 @@
           <a:p>
             <a:fld id="{C3F78080-8D0A-4BE8-A5B4-CB115102D524}" type="datetimeFigureOut">
               <a:rPr lang="en-US" smtClean="0"/>
-              <a:t>4/4/2022</a:t>
+              <a:t>4/5/2022</a:t>
             </a:fld>
             <a:endParaRPr lang="en-US"/>
           </a:p>
@@ -5149,7 +5149,7 @@
           <a:p>
             <a:fld id="{C3F78080-8D0A-4BE8-A5B4-CB115102D524}" type="datetimeFigureOut">
               <a:rPr lang="en-US" smtClean="0"/>
-              <a:t>4/4/2022</a:t>
+              <a:t>4/5/2022</a:t>
             </a:fld>
             <a:endParaRPr lang="en-US"/>
           </a:p>
@@ -5414,7 +5414,7 @@
           <a:p>
             <a:fld id="{C3F78080-8D0A-4BE8-A5B4-CB115102D524}" type="datetimeFigureOut">
               <a:rPr lang="en-US" smtClean="0"/>
-              <a:t>4/4/2022</a:t>
+              <a:t>4/5/2022</a:t>
             </a:fld>
             <a:endParaRPr lang="en-US"/>
           </a:p>
@@ -5826,7 +5826,7 @@
           <a:p>
             <a:fld id="{C3F78080-8D0A-4BE8-A5B4-CB115102D524}" type="datetimeFigureOut">
               <a:rPr lang="en-US" smtClean="0"/>
-              <a:t>4/4/2022</a:t>
+              <a:t>4/5/2022</a:t>
             </a:fld>
             <a:endParaRPr lang="en-US"/>
           </a:p>
@@ -5967,7 +5967,7 @@
           <a:p>
             <a:fld id="{C3F78080-8D0A-4BE8-A5B4-CB115102D524}" type="datetimeFigureOut">
               <a:rPr lang="en-US" smtClean="0"/>
-              <a:t>4/4/2022</a:t>
+              <a:t>4/5/2022</a:t>
             </a:fld>
             <a:endParaRPr lang="en-US"/>
           </a:p>
@@ -6080,7 +6080,7 @@
           <a:p>
             <a:fld id="{C3F78080-8D0A-4BE8-A5B4-CB115102D524}" type="datetimeFigureOut">
               <a:rPr lang="en-US" smtClean="0"/>
-              <a:t>4/4/2022</a:t>
+              <a:t>4/5/2022</a:t>
             </a:fld>
             <a:endParaRPr lang="en-US"/>
           </a:p>
@@ -6391,7 +6391,7 @@
           <a:p>
             <a:fld id="{C3F78080-8D0A-4BE8-A5B4-CB115102D524}" type="datetimeFigureOut">
               <a:rPr lang="en-US" smtClean="0"/>
-              <a:t>4/4/2022</a:t>
+              <a:t>4/5/2022</a:t>
             </a:fld>
             <a:endParaRPr lang="en-US"/>
           </a:p>
@@ -6679,7 +6679,7 @@
           <a:p>
             <a:fld id="{C3F78080-8D0A-4BE8-A5B4-CB115102D524}" type="datetimeFigureOut">
               <a:rPr lang="en-US" smtClean="0"/>
-              <a:t>4/4/2022</a:t>
+              <a:t>4/5/2022</a:t>
             </a:fld>
             <a:endParaRPr lang="en-US"/>
           </a:p>
@@ -6920,7 +6920,7 @@
           <a:p>
             <a:fld id="{C3F78080-8D0A-4BE8-A5B4-CB115102D524}" type="datetimeFigureOut">
               <a:rPr lang="en-US" smtClean="0"/>
-              <a:t>4/4/2022</a:t>
+              <a:t>4/5/2022</a:t>
             </a:fld>
             <a:endParaRPr lang="en-US"/>
           </a:p>
@@ -7888,82 +7888,6 @@
       </p:grpSpPr>
       <p:sp>
         <p:nvSpPr>
-          <p:cNvPr id="2" name="Title 1">
-            <a:extLst>
-              <a:ext uri="{FF2B5EF4-FFF2-40B4-BE49-F238E27FC236}">
-                <a16:creationId xmlns:a16="http://schemas.microsoft.com/office/drawing/2014/main" id="{0F853981-B13F-4917-804F-EBF0D4819E7E}"/>
-              </a:ext>
-            </a:extLst>
-          </p:cNvPr>
-          <p:cNvSpPr>
-            <a:spLocks noGrp="1"/>
-          </p:cNvSpPr>
-          <p:nvPr>
-            <p:ph type="title"/>
-          </p:nvPr>
-        </p:nvSpPr>
-        <p:spPr>
-          <a:xfrm>
-            <a:off x="0" y="3287209"/>
-            <a:ext cx="12192000" cy="617577"/>
-          </a:xfrm>
-          <a:noFill/>
-        </p:spPr>
-        <p:txBody>
-          <a:bodyPr>
-            <a:noAutofit/>
-          </a:bodyPr>
-          <a:lstStyle/>
-          <a:p>
-            <a:br>
-              <a:rPr lang="en-US" sz="3600" dirty="0">
-                <a:solidFill>
-                  <a:schemeClr val="tx1">
-                    <a:lumMod val="65000"/>
-                    <a:lumOff val="35000"/>
-                  </a:schemeClr>
-                </a:solidFill>
-                <a:latin typeface="Palatino Linotype" panose="02040502050505030304" pitchFamily="18" charset="0"/>
-              </a:rPr>
-            </a:br>
-            <a:br>
-              <a:rPr lang="en-US" sz="3600" dirty="0">
-                <a:solidFill>
-                  <a:schemeClr val="tx1">
-                    <a:lumMod val="65000"/>
-                    <a:lumOff val="35000"/>
-                  </a:schemeClr>
-                </a:solidFill>
-                <a:latin typeface="Palatino Linotype" panose="02040502050505030304" pitchFamily="18" charset="0"/>
-              </a:rPr>
-            </a:br>
-            <a:r>
-              <a:rPr lang="en-US" sz="3600" dirty="0">
-                <a:solidFill>
-                  <a:schemeClr val="tx1">
-                    <a:lumMod val="65000"/>
-                    <a:lumOff val="35000"/>
-                  </a:schemeClr>
-                </a:solidFill>
-                <a:latin typeface="Palatino Linotype" panose="02040502050505030304" pitchFamily="18" charset="0"/>
-              </a:rPr>
-              <a:t>		2.05 (Binary Classification using Keras)</a:t>
-            </a:r>
-            <a:endParaRPr lang="en-US" sz="3600" dirty="0">
-              <a:solidFill>
-                <a:schemeClr val="tx1">
-                  <a:lumMod val="65000"/>
-                  <a:lumOff val="35000"/>
-                </a:schemeClr>
-              </a:solidFill>
-              <a:latin typeface="Palatino Linotype" panose="02040502050505030304" pitchFamily="18" charset="0"/>
-              <a:cs typeface="Segoe UI Light" panose="020B0502040204020203" pitchFamily="34" charset="0"/>
-            </a:endParaRPr>
-          </a:p>
-        </p:txBody>
-      </p:sp>
-      <p:sp>
-        <p:nvSpPr>
           <p:cNvPr id="3" name="Text Placeholder 2">
             <a:extLst>
               <a:ext uri="{FF2B5EF4-FFF2-40B4-BE49-F238E27FC236}">
@@ -8051,6 +7975,206 @@
           </a:prstGeom>
         </p:spPr>
       </p:pic>
+      <p:sp>
+        <p:nvSpPr>
+          <p:cNvPr id="7" name="Title 1">
+            <a:extLst>
+              <a:ext uri="{FF2B5EF4-FFF2-40B4-BE49-F238E27FC236}">
+                <a16:creationId xmlns:a16="http://schemas.microsoft.com/office/drawing/2014/main" id="{11820552-C587-4896-93F0-6EC87FBDB598}"/>
+              </a:ext>
+            </a:extLst>
+          </p:cNvPr>
+          <p:cNvSpPr txBox="1">
+            <a:spLocks/>
+          </p:cNvSpPr>
+          <p:nvPr/>
+        </p:nvSpPr>
+        <p:spPr>
+          <a:xfrm>
+            <a:off x="0" y="2883665"/>
+            <a:ext cx="12192000" cy="1090669"/>
+          </a:xfrm>
+          <a:prstGeom prst="rect">
+            <a:avLst/>
+          </a:prstGeom>
+          <a:noFill/>
+        </p:spPr>
+        <p:txBody>
+          <a:bodyPr vert="horz" lIns="91440" tIns="45720" rIns="91440" bIns="45720" rtlCol="0" anchor="b">
+            <a:noAutofit/>
+          </a:bodyPr>
+          <a:lstStyle>
+            <a:lvl1pPr algn="l" defTabSz="914400" rtl="0" eaLnBrk="1" latinLnBrk="0" hangingPunct="1">
+              <a:lnSpc>
+                <a:spcPct val="90000"/>
+              </a:lnSpc>
+              <a:spcBef>
+                <a:spcPct val="0"/>
+              </a:spcBef>
+              <a:buNone/>
+              <a:defRPr sz="6000" kern="1200">
+                <a:solidFill>
+                  <a:schemeClr val="tx1"/>
+                </a:solidFill>
+                <a:latin typeface="+mj-lt"/>
+                <a:ea typeface="+mj-ea"/>
+                <a:cs typeface="+mj-cs"/>
+              </a:defRPr>
+            </a:lvl1pPr>
+          </a:lstStyle>
+          <a:p>
+            <a:pPr algn="ctr"/>
+            <a:br>
+              <a:rPr lang="en-US" sz="3600" dirty="0">
+                <a:solidFill>
+                  <a:schemeClr val="tx1">
+                    <a:lumMod val="65000"/>
+                    <a:lumOff val="35000"/>
+                  </a:schemeClr>
+                </a:solidFill>
+              </a:rPr>
+            </a:br>
+            <a:br>
+              <a:rPr lang="en-US" sz="3600" dirty="0">
+                <a:solidFill>
+                  <a:schemeClr val="tx1">
+                    <a:lumMod val="65000"/>
+                    <a:lumOff val="35000"/>
+                  </a:schemeClr>
+                </a:solidFill>
+              </a:rPr>
+            </a:br>
+            <a:br>
+              <a:rPr lang="en-US" sz="3600" dirty="0">
+                <a:solidFill>
+                  <a:schemeClr val="tx1">
+                    <a:lumMod val="65000"/>
+                    <a:lumOff val="35000"/>
+                  </a:schemeClr>
+                </a:solidFill>
+              </a:rPr>
+            </a:br>
+            <a:br>
+              <a:rPr lang="en-US" sz="3600" dirty="0">
+                <a:solidFill>
+                  <a:schemeClr val="tx1">
+                    <a:lumMod val="65000"/>
+                    <a:lumOff val="35000"/>
+                  </a:schemeClr>
+                </a:solidFill>
+              </a:rPr>
+            </a:br>
+            <a:br>
+              <a:rPr lang="en-US" sz="3600" dirty="0">
+                <a:solidFill>
+                  <a:schemeClr val="tx1">
+                    <a:lumMod val="65000"/>
+                    <a:lumOff val="35000"/>
+                  </a:schemeClr>
+                </a:solidFill>
+              </a:rPr>
+            </a:br>
+            <a:br>
+              <a:rPr lang="en-US" sz="3600" dirty="0">
+                <a:solidFill>
+                  <a:schemeClr val="tx1">
+                    <a:lumMod val="65000"/>
+                    <a:lumOff val="35000"/>
+                  </a:schemeClr>
+                </a:solidFill>
+              </a:rPr>
+            </a:br>
+            <a:br>
+              <a:rPr lang="en-US" sz="3600" dirty="0">
+                <a:solidFill>
+                  <a:schemeClr val="tx1">
+                    <a:lumMod val="65000"/>
+                    <a:lumOff val="35000"/>
+                  </a:schemeClr>
+                </a:solidFill>
+              </a:rPr>
+            </a:br>
+            <a:br>
+              <a:rPr lang="en-US" sz="3600" dirty="0">
+                <a:solidFill>
+                  <a:schemeClr val="tx1">
+                    <a:lumMod val="65000"/>
+                    <a:lumOff val="35000"/>
+                  </a:schemeClr>
+                </a:solidFill>
+              </a:rPr>
+            </a:br>
+            <a:r>
+              <a:rPr lang="en-US" sz="3600" dirty="0">
+                <a:solidFill>
+                  <a:schemeClr val="tx1">
+                    <a:lumMod val="65000"/>
+                    <a:lumOff val="35000"/>
+                  </a:schemeClr>
+                </a:solidFill>
+              </a:rPr>
+              <a:t>     </a:t>
+            </a:r>
+            <a:r>
+              <a:rPr lang="en-US" sz="3600" dirty="0">
+                <a:solidFill>
+                  <a:schemeClr val="tx1">
+                    <a:lumMod val="65000"/>
+                    <a:lumOff val="35000"/>
+                  </a:schemeClr>
+                </a:solidFill>
+                <a:latin typeface="Palatino Linotype" panose="02040502050505030304" pitchFamily="18" charset="0"/>
+              </a:rPr>
+              <a:t>(A Keras Classifier)</a:t>
+            </a:r>
+            <a:br>
+              <a:rPr lang="en-US" sz="3600" dirty="0">
+                <a:solidFill>
+                  <a:schemeClr val="tx1">
+                    <a:lumMod val="65000"/>
+                    <a:lumOff val="35000"/>
+                  </a:schemeClr>
+                </a:solidFill>
+                <a:latin typeface="Palatino Linotype" panose="02040502050505030304" pitchFamily="18" charset="0"/>
+              </a:rPr>
+            </a:br>
+            <a:r>
+              <a:rPr lang="en-US" sz="3600" dirty="0">
+                <a:solidFill>
+                  <a:schemeClr val="tx1">
+                    <a:lumMod val="65000"/>
+                    <a:lumOff val="35000"/>
+                  </a:schemeClr>
+                </a:solidFill>
+                <a:latin typeface="Palatino Linotype" panose="02040502050505030304" pitchFamily="18" charset="0"/>
+              </a:rPr>
+              <a:t>     </a:t>
+            </a:r>
+            <a:r>
+              <a:rPr lang="en-US" sz="2800" dirty="0">
+                <a:solidFill>
+                  <a:schemeClr val="tx1">
+                    <a:lumMod val="65000"/>
+                    <a:lumOff val="35000"/>
+                  </a:schemeClr>
+                </a:solidFill>
+                <a:latin typeface="Palatino Linotype" panose="02040502050505030304" pitchFamily="18" charset="0"/>
+              </a:rPr>
+              <a:t>03.1_keras_classifier.ipynb</a:t>
+            </a:r>
+            <a:endParaRPr lang="en-US" sz="2800" dirty="0">
+              <a:solidFill>
+                <a:schemeClr val="tx1">
+                  <a:lumMod val="65000"/>
+                  <a:lumOff val="35000"/>
+                </a:schemeClr>
+              </a:solidFill>
+              <a:latin typeface="Palatino Linotype" panose="02040502050505030304" pitchFamily="18" charset="0"/>
+              <a:cs typeface="Segoe UI Light" panose="020B0502040204020203" pitchFamily="34" charset="0"/>
+            </a:endParaRPr>
+          </a:p>
+        </p:txBody>
+      </p:sp>
     </p:spTree>
     <p:extLst>
       <p:ext uri="{BB962C8B-B14F-4D97-AF65-F5344CB8AC3E}">
@@ -8855,6 +8979,42 @@
           <a:chExt cx="0" cy="0"/>
         </a:xfrm>
       </p:grpSpPr>
+      <p:pic>
+        <p:nvPicPr>
+          <p:cNvPr id="7" name="Picture 6" descr="Diagram&#10;&#10;Description automatically generated">
+            <a:extLst>
+              <a:ext uri="{FF2B5EF4-FFF2-40B4-BE49-F238E27FC236}">
+                <a16:creationId xmlns:a16="http://schemas.microsoft.com/office/drawing/2014/main" id="{3FE7F20B-9386-4C20-96DE-343F5A7CA56D}"/>
+              </a:ext>
+            </a:extLst>
+          </p:cNvPr>
+          <p:cNvPicPr>
+            <a:picLocks noChangeAspect="1"/>
+          </p:cNvPicPr>
+          <p:nvPr/>
+        </p:nvPicPr>
+        <p:blipFill>
+          <a:blip r:embed="rId3">
+            <a:extLst>
+              <a:ext uri="{28A0092B-C50C-407E-A947-70E740481C1C}">
+                <a14:useLocalDpi xmlns:a14="http://schemas.microsoft.com/office/drawing/2010/main" val="0"/>
+              </a:ext>
+            </a:extLst>
+          </a:blip>
+          <a:stretch>
+            <a:fillRect/>
+          </a:stretch>
+        </p:blipFill>
+        <p:spPr>
+          <a:xfrm>
+            <a:off x="2657559" y="1127006"/>
+            <a:ext cx="6629741" cy="4603987"/>
+          </a:xfrm>
+          <a:prstGeom prst="rect">
+            <a:avLst/>
+          </a:prstGeom>
+        </p:spPr>
+      </p:pic>
       <p:sp>
         <p:nvSpPr>
           <p:cNvPr id="3" name="TextBox 3">
@@ -9043,51 +9203,6 @@
           </a:p>
         </p:txBody>
       </p:sp>
-      <p:pic>
-        <p:nvPicPr>
-          <p:cNvPr id="4" name="Picture 2">
-            <a:extLst>
-              <a:ext uri="{FF2B5EF4-FFF2-40B4-BE49-F238E27FC236}">
-                <a16:creationId xmlns:a16="http://schemas.microsoft.com/office/drawing/2014/main" id="{76F3258B-B0C6-44B7-8834-6C848B087C43}"/>
-              </a:ext>
-            </a:extLst>
-          </p:cNvPr>
-          <p:cNvPicPr>
-            <a:picLocks noChangeAspect="1" noChangeArrowheads="1"/>
-          </p:cNvPicPr>
-          <p:nvPr/>
-        </p:nvPicPr>
-        <p:blipFill>
-          <a:blip r:embed="rId3">
-            <a:extLst>
-              <a:ext uri="{28A0092B-C50C-407E-A947-70E740481C1C}">
-                <a14:useLocalDpi xmlns:a14="http://schemas.microsoft.com/office/drawing/2010/main" val="0"/>
-              </a:ext>
-            </a:extLst>
-          </a:blip>
-          <a:srcRect/>
-          <a:stretch/>
-        </p:blipFill>
-        <p:spPr bwMode="auto">
-          <a:xfrm>
-            <a:off x="2914988" y="1219435"/>
-            <a:ext cx="6362023" cy="4419130"/>
-          </a:xfrm>
-          <a:prstGeom prst="rect">
-            <a:avLst/>
-          </a:prstGeom>
-          <a:noFill/>
-          <a:extLst>
-            <a:ext uri="{909E8E84-426E-40DD-AFC4-6F175D3DCCD1}">
-              <a14:hiddenFill xmlns:a14="http://schemas.microsoft.com/office/drawing/2010/main">
-                <a:solidFill>
-                  <a:srgbClr val="FFFFFF"/>
-                </a:solidFill>
-              </a14:hiddenFill>
-            </a:ext>
-          </a:extLst>
-        </p:spPr>
-      </p:pic>
       <p:sp>
         <p:nvSpPr>
           <p:cNvPr id="2" name="TextBox 1">
@@ -9102,7 +9217,7 @@
         </p:nvSpPr>
         <p:spPr>
           <a:xfrm>
-            <a:off x="3788229" y="5223340"/>
+            <a:off x="3664659" y="5223340"/>
             <a:ext cx="537327" cy="461665"/>
           </a:xfrm>
           <a:prstGeom prst="rect">
@@ -9660,107 +9775,10 @@
           <a:chExt cx="0" cy="0"/>
         </a:xfrm>
       </p:grpSpPr>
-      <p:pic>
-        <p:nvPicPr>
-          <p:cNvPr id="3" name="Picture 2">
-            <a:extLst>
-              <a:ext uri="{FF2B5EF4-FFF2-40B4-BE49-F238E27FC236}">
-                <a16:creationId xmlns:a16="http://schemas.microsoft.com/office/drawing/2014/main" id="{239D0A82-7D34-4E48-BE20-B982B3990537}"/>
-              </a:ext>
-            </a:extLst>
-          </p:cNvPr>
-          <p:cNvPicPr>
-            <a:picLocks noChangeAspect="1"/>
-          </p:cNvPicPr>
-          <p:nvPr/>
-        </p:nvPicPr>
-        <p:blipFill>
-          <a:blip r:embed="rId3"/>
-          <a:stretch>
-            <a:fillRect/>
-          </a:stretch>
-        </p:blipFill>
-        <p:spPr>
-          <a:xfrm>
-            <a:off x="0" y="324192"/>
-            <a:ext cx="3233668" cy="840754"/>
-          </a:xfrm>
-          <a:prstGeom prst="rect">
-            <a:avLst/>
-          </a:prstGeom>
-        </p:spPr>
-      </p:pic>
-      <p:sp>
-        <p:nvSpPr>
-          <p:cNvPr id="8" name="Title 1">
-            <a:extLst>
-              <a:ext uri="{FF2B5EF4-FFF2-40B4-BE49-F238E27FC236}">
-                <a16:creationId xmlns:a16="http://schemas.microsoft.com/office/drawing/2014/main" id="{6F128DD7-C643-44B7-803E-11F67E24E0DE}"/>
-              </a:ext>
-            </a:extLst>
-          </p:cNvPr>
-          <p:cNvSpPr>
-            <a:spLocks noGrp="1"/>
-          </p:cNvSpPr>
-          <p:nvPr>
-            <p:ph type="title"/>
-          </p:nvPr>
-        </p:nvSpPr>
-        <p:spPr>
-          <a:xfrm>
-            <a:off x="0" y="3086009"/>
-            <a:ext cx="12192000" cy="685982"/>
-          </a:xfrm>
-          <a:noFill/>
-        </p:spPr>
-        <p:txBody>
-          <a:bodyPr>
-            <a:noAutofit/>
-          </a:bodyPr>
-          <a:lstStyle/>
-          <a:p>
-            <a:r>
-              <a:rPr lang="en-US" sz="3600" dirty="0">
-                <a:solidFill>
-                  <a:schemeClr val="tx1">
-                    <a:lumMod val="65000"/>
-                    <a:lumOff val="35000"/>
-                  </a:schemeClr>
-                </a:solidFill>
-                <a:latin typeface="Palatino Linotype" panose="02040502050505030304" pitchFamily="18" charset="0"/>
-              </a:rPr>
-              <a:t>		2.06 (</a:t>
-            </a:r>
-            <a:r>
-              <a:rPr lang="en-US" sz="3600" b="0" i="0" dirty="0">
-                <a:solidFill>
-                  <a:schemeClr val="tx1">
-                    <a:lumMod val="65000"/>
-                    <a:lumOff val="35000"/>
-                  </a:schemeClr>
-                </a:solidFill>
-                <a:effectLst/>
-                <a:latin typeface="Palatino Linotype" panose="02040502050505030304" pitchFamily="18" charset="0"/>
-              </a:rPr>
-              <a:t>Multilayer Binary Classifier)</a:t>
-            </a:r>
-            <a:endParaRPr lang="en-US" sz="3600" dirty="0">
-              <a:solidFill>
-                <a:schemeClr val="tx1">
-                  <a:lumMod val="65000"/>
-                  <a:lumOff val="35000"/>
-                </a:schemeClr>
-              </a:solidFill>
-              <a:latin typeface="Palatino Linotype" panose="02040502050505030304" pitchFamily="18" charset="0"/>
-              <a:cs typeface="Segoe UI Light" panose="020B0502040204020203" pitchFamily="34" charset="0"/>
-            </a:endParaRPr>
-          </a:p>
-        </p:txBody>
-      </p:sp>
     </p:spTree>
     <p:extLst>
       <p:ext uri="{BB962C8B-B14F-4D97-AF65-F5344CB8AC3E}">
-        <p14:creationId xmlns:p14="http://schemas.microsoft.com/office/powerpoint/2010/main" val="994788979"/>
+        <p14:creationId xmlns:p14="http://schemas.microsoft.com/office/powerpoint/2010/main" val="2128530490"/>
       </p:ext>
     </p:extLst>
   </p:cSld>
@@ -9947,7 +9965,7 @@
           <a:graphicData uri="http://schemas.openxmlformats.org/presentationml/2006/ole">
             <mc:AlternateContent xmlns:mc="http://schemas.openxmlformats.org/markup-compatibility/2006">
               <mc:Choice xmlns:v="urn:schemas-microsoft-com:vml" Requires="v">
-                <p:oleObj spid="_x0000_s1142" name="Visio" r:id="rId8" imgW="2514945" imgH="1657350" progId="Visio.Drawing.15">
+                <p:oleObj spid="_x0000_s1150" name="Visio" r:id="rId8" imgW="2514945" imgH="1657350" progId="Visio.Drawing.15">
                   <p:embed/>
                 </p:oleObj>
               </mc:Choice>
@@ -10144,10 +10162,55 @@
           <a:chExt cx="0" cy="0"/>
         </a:xfrm>
       </p:grpSpPr>
+      <p:pic>
+        <p:nvPicPr>
+          <p:cNvPr id="2" name="Picture 2">
+            <a:extLst>
+              <a:ext uri="{FF2B5EF4-FFF2-40B4-BE49-F238E27FC236}">
+                <a16:creationId xmlns:a16="http://schemas.microsoft.com/office/drawing/2014/main" id="{E411F643-EC2D-4E1E-8092-E170BA29DA49}"/>
+              </a:ext>
+            </a:extLst>
+          </p:cNvPr>
+          <p:cNvPicPr>
+            <a:picLocks noChangeAspect="1" noChangeArrowheads="1"/>
+          </p:cNvPicPr>
+          <p:nvPr/>
+        </p:nvPicPr>
+        <p:blipFill>
+          <a:blip r:embed="rId3">
+            <a:extLst>
+              <a:ext uri="{28A0092B-C50C-407E-A947-70E740481C1C}">
+                <a14:useLocalDpi xmlns:a14="http://schemas.microsoft.com/office/drawing/2010/main" val="0"/>
+              </a:ext>
+            </a:extLst>
+          </a:blip>
+          <a:srcRect/>
+          <a:stretch/>
+        </p:blipFill>
+        <p:spPr bwMode="auto">
+          <a:xfrm>
+            <a:off x="2914988" y="1219435"/>
+            <a:ext cx="6362023" cy="4419130"/>
+          </a:xfrm>
+          <a:prstGeom prst="rect">
+            <a:avLst/>
+          </a:prstGeom>
+          <a:noFill/>
+          <a:extLst>
+            <a:ext uri="{909E8E84-426E-40DD-AFC4-6F175D3DCCD1}">
+              <a14:hiddenFill xmlns:a14="http://schemas.microsoft.com/office/drawing/2010/main">
+                <a:solidFill>
+                  <a:srgbClr val="FFFFFF"/>
+                </a:solidFill>
+              </a14:hiddenFill>
+            </a:ext>
+          </a:extLst>
+        </p:spPr>
+      </p:pic>
     </p:spTree>
     <p:extLst>
       <p:ext uri="{BB962C8B-B14F-4D97-AF65-F5344CB8AC3E}">
-        <p14:creationId xmlns:p14="http://schemas.microsoft.com/office/powerpoint/2010/main" val="2128530490"/>
+        <p14:creationId xmlns:p14="http://schemas.microsoft.com/office/powerpoint/2010/main" val="1018857748"/>
       </p:ext>
     </p:extLst>
   </p:cSld>

--- a/presentations/03_gradient_descent.pptx
+++ b/presentations/03_gradient_descent.pptx
@@ -5,7 +5,7 @@
     <p:sldMasterId id="2147483648" r:id="rId1"/>
   </p:sldMasterIdLst>
   <p:notesMasterIdLst>
-    <p:notesMasterId r:id="rId24"/>
+    <p:notesMasterId r:id="rId25"/>
   </p:notesMasterIdLst>
   <p:sldIdLst>
     <p:sldId id="322" r:id="rId2"/>
@@ -25,11 +25,12 @@
     <p:sldId id="331" r:id="rId16"/>
     <p:sldId id="330" r:id="rId17"/>
     <p:sldId id="311" r:id="rId18"/>
-    <p:sldId id="289" r:id="rId19"/>
-    <p:sldId id="328" r:id="rId20"/>
-    <p:sldId id="332" r:id="rId21"/>
-    <p:sldId id="305" r:id="rId22"/>
-    <p:sldId id="324" r:id="rId23"/>
+    <p:sldId id="333" r:id="rId19"/>
+    <p:sldId id="289" r:id="rId20"/>
+    <p:sldId id="328" r:id="rId21"/>
+    <p:sldId id="332" r:id="rId22"/>
+    <p:sldId id="305" r:id="rId23"/>
+    <p:sldId id="324" r:id="rId24"/>
   </p:sldIdLst>
   <p:sldSz cx="12192000" cy="6858000"/>
   <p:notesSz cx="6858000" cy="9144000"/>
@@ -229,7 +230,7 @@
           <a:p>
             <a:fld id="{FD93C9B2-20F6-4DB1-B471-224337D0AC79}" type="datetimeFigureOut">
               <a:rPr lang="en-US" smtClean="0"/>
-              <a:t>4/5/2022</a:t>
+              <a:t>4/6/2022</a:t>
             </a:fld>
             <a:endParaRPr lang="en-US"/>
           </a:p>
@@ -2077,16 +2078,17 @@
           <a:p>
             <a:r>
               <a:rPr lang="en-US" dirty="0"/>
-              <a:t>Well, we have covered a lot of territory in this presentation.  First, we discussed the loss function and a network’s </a:t>
-            </a:r>
-            <a:r>
-              <a:rPr lang="en-US" b="1" dirty="0"/>
-              <a:t>total error</a:t>
-            </a:r>
+              <a:t>chain_rule_animation.pptx</a:t>
+            </a:r>
+          </a:p>
+          <a:p>
             <a:r>
               <a:rPr lang="en-US" dirty="0"/>
-              <a:t>.  That was followed by an in-depth look at gradient descent and the use of partial differential equations to calculate the derivative or slope at a given point on the gradient.  We also learned that most loss functions exhibit complex contours, featuring hills, values, and plateaus, making it difficult to locate the global minimum.  And finally, I discussed how backpropagation employs the chain rule to determine the contribution of each weight to the total error in relation to the other weights.  </a:t>
-            </a:r>
+              <a:t>chain_rule_simulation.gif</a:t>
+            </a:r>
+          </a:p>
+          <a:p>
+            <a:endParaRPr lang="en-US" dirty="0"/>
           </a:p>
         </p:txBody>
       </p:sp>
@@ -2116,7 +2118,7 @@
     </p:spTree>
     <p:extLst>
       <p:ext uri="{BB962C8B-B14F-4D97-AF65-F5344CB8AC3E}">
-        <p14:creationId xmlns:p14="http://schemas.microsoft.com/office/powerpoint/2010/main" val="1690277211"/>
+        <p14:creationId xmlns:p14="http://schemas.microsoft.com/office/powerpoint/2010/main" val="3680858301"/>
       </p:ext>
     </p:extLst>
   </p:cSld>
@@ -2170,7 +2172,18 @@
           <a:bodyPr/>
           <a:lstStyle/>
           <a:p>
-            <a:endParaRPr lang="en-US" dirty="0"/>
+            <a:r>
+              <a:rPr lang="en-US" dirty="0"/>
+              <a:t>Well, we have covered a lot of territory in this presentation.  First, we discussed the loss function and a network’s </a:t>
+            </a:r>
+            <a:r>
+              <a:rPr lang="en-US" b="1" dirty="0"/>
+              <a:t>total error</a:t>
+            </a:r>
+            <a:r>
+              <a:rPr lang="en-US" dirty="0"/>
+              <a:t>.  That was followed by an in-depth look at gradient descent and the use of partial differential equations to calculate the derivative or slope at a given point on the gradient.  We also learned that most loss functions exhibit complex contours, featuring hills, values, and plateaus, making it difficult to locate the global minimum.  And finally, I discussed how backpropagation employs the chain rule to determine the contribution of each weight to the total error in relation to the other weights.  </a:t>
+            </a:r>
           </a:p>
         </p:txBody>
       </p:sp>
@@ -2200,7 +2213,7 @@
     </p:spTree>
     <p:extLst>
       <p:ext uri="{BB962C8B-B14F-4D97-AF65-F5344CB8AC3E}">
-        <p14:creationId xmlns:p14="http://schemas.microsoft.com/office/powerpoint/2010/main" val="3213588290"/>
+        <p14:creationId xmlns:p14="http://schemas.microsoft.com/office/powerpoint/2010/main" val="1690277211"/>
       </p:ext>
     </p:extLst>
   </p:cSld>
@@ -2637,7 +2650,7 @@
     </p:spTree>
     <p:extLst>
       <p:ext uri="{BB962C8B-B14F-4D97-AF65-F5344CB8AC3E}">
-        <p14:creationId xmlns:p14="http://schemas.microsoft.com/office/powerpoint/2010/main" val="372051230"/>
+        <p14:creationId xmlns:p14="http://schemas.microsoft.com/office/powerpoint/2010/main" val="3213588290"/>
       </p:ext>
     </p:extLst>
   </p:cSld>
@@ -2691,104 +2704,7 @@
           <a:bodyPr/>
           <a:lstStyle/>
           <a:p>
-            <a:pPr algn="l"/>
-            <a:r>
-              <a:rPr lang="en-US" sz="1800" b="0" i="1" u="none" strike="noStrike" baseline="0" dirty="0">
-                <a:solidFill>
-                  <a:srgbClr val="000000"/>
-                </a:solidFill>
-                <a:latin typeface="+mn-lt"/>
-              </a:rPr>
-              <a:t>Gradient Descent </a:t>
-            </a:r>
-            <a:r>
-              <a:rPr lang="en-US" sz="1800" b="0" i="0" u="none" strike="noStrike" baseline="0" dirty="0">
-                <a:solidFill>
-                  <a:srgbClr val="000000"/>
-                </a:solidFill>
-                <a:latin typeface="+mn-lt"/>
-              </a:rPr>
-              <a:t>is a generic optimization algorithm capable of finding optimal solutions to a wide range of problems. The general idea of Gradient Descent is to tweak parameters (weights) iteratively in order to minimize a cost function. Suppose you are lost in the mountains in a dense fog, and you can only feel the slope of the ground below your feet. A good strategy to get to the bottom of the valley quickly is to go downhill in the direction of the steepest slope. This is exactly what Gradient Descent does: it measures the local gradient of the error function with regard to each weight in the network, and it goes in the direction of descending gradient.  Weights are often combined into a parameter vector </a:t>
-            </a:r>
-            <a:r>
-              <a:rPr lang="en-US" sz="1800" b="1" i="0" u="none" strike="noStrike" baseline="0" dirty="0">
-                <a:solidFill>
-                  <a:srgbClr val="000000"/>
-                </a:solidFill>
-                <a:latin typeface="+mn-lt"/>
-              </a:rPr>
-              <a:t>θ, </a:t>
-            </a:r>
-            <a:r>
-              <a:rPr lang="en-US" sz="1800" b="0" i="0" u="none" strike="noStrike" baseline="0" dirty="0">
-                <a:solidFill>
-                  <a:srgbClr val="000000"/>
-                </a:solidFill>
-                <a:latin typeface="+mn-lt"/>
-              </a:rPr>
-              <a:t>pictured here at the Minimum.  Once the gradient is zero, you have reached a minimum!  Concretely, you start by filling </a:t>
-            </a:r>
-            <a:r>
-              <a:rPr lang="en-US" sz="1800" b="1" i="0" u="none" strike="noStrike" baseline="0" dirty="0">
-                <a:solidFill>
-                  <a:srgbClr val="000000"/>
-                </a:solidFill>
-                <a:latin typeface="+mn-lt"/>
-              </a:rPr>
-              <a:t>θ </a:t>
-            </a:r>
-            <a:r>
-              <a:rPr lang="en-US" sz="1800" b="0" i="0" u="none" strike="noStrike" baseline="0" dirty="0">
-                <a:solidFill>
-                  <a:srgbClr val="000000"/>
-                </a:solidFill>
-                <a:latin typeface="+mn-lt"/>
-              </a:rPr>
-              <a:t>with random values (this is called </a:t>
-            </a:r>
-            <a:r>
-              <a:rPr lang="en-US" sz="1800" b="0" i="1" u="none" strike="noStrike" baseline="0" dirty="0">
-                <a:solidFill>
-                  <a:srgbClr val="000000"/>
-                </a:solidFill>
-                <a:latin typeface="+mn-lt"/>
-              </a:rPr>
-              <a:t>random initialization</a:t>
-            </a:r>
-            <a:r>
-              <a:rPr lang="en-US" sz="1800" b="0" i="0" u="none" strike="noStrike" baseline="0" dirty="0">
-                <a:solidFill>
-                  <a:srgbClr val="000000"/>
-                </a:solidFill>
-                <a:latin typeface="+mn-lt"/>
-              </a:rPr>
-              <a:t>). Then you improve it gradually, taking one baby step at a time, each step attempting to decrease the cost function (e.g., the MSE), until the algorithm </a:t>
-            </a:r>
-            <a:r>
-              <a:rPr lang="en-US" sz="1800" b="0" i="1" u="none" strike="noStrike" baseline="0" dirty="0">
-                <a:solidFill>
-                  <a:srgbClr val="000000"/>
-                </a:solidFill>
-                <a:latin typeface="+mn-lt"/>
-              </a:rPr>
-              <a:t>converges </a:t>
-            </a:r>
-            <a:r>
-              <a:rPr lang="en-US" sz="1800" b="0" i="0" u="none" strike="noStrike" baseline="0" dirty="0">
-                <a:solidFill>
-                  <a:srgbClr val="000000"/>
-                </a:solidFill>
-                <a:latin typeface="+mn-lt"/>
-              </a:rPr>
-              <a:t>to a minimum.</a:t>
-            </a:r>
-            <a:endParaRPr lang="en-US" b="0" i="0" dirty="0">
-              <a:solidFill>
-                <a:srgbClr val="3C3C3B"/>
-              </a:solidFill>
-              <a:effectLst/>
-              <a:latin typeface="+mn-lt"/>
-            </a:endParaRPr>
+            <a:endParaRPr lang="en-US" dirty="0"/>
           </a:p>
         </p:txBody>
       </p:sp>
@@ -2818,7 +2734,7 @@
     </p:spTree>
     <p:extLst>
       <p:ext uri="{BB962C8B-B14F-4D97-AF65-F5344CB8AC3E}">
-        <p14:creationId xmlns:p14="http://schemas.microsoft.com/office/powerpoint/2010/main" val="1199395141"/>
+        <p14:creationId xmlns:p14="http://schemas.microsoft.com/office/powerpoint/2010/main" val="372051230"/>
       </p:ext>
     </p:extLst>
   </p:cSld>
@@ -2872,6 +2788,187 @@
           <a:bodyPr/>
           <a:lstStyle/>
           <a:p>
+            <a:pPr algn="l"/>
+            <a:r>
+              <a:rPr lang="en-US" sz="1800" b="0" i="1" u="none" strike="noStrike" baseline="0" dirty="0">
+                <a:solidFill>
+                  <a:srgbClr val="000000"/>
+                </a:solidFill>
+                <a:latin typeface="+mn-lt"/>
+              </a:rPr>
+              <a:t>Gradient Descent </a:t>
+            </a:r>
+            <a:r>
+              <a:rPr lang="en-US" sz="1800" b="0" i="0" u="none" strike="noStrike" baseline="0" dirty="0">
+                <a:solidFill>
+                  <a:srgbClr val="000000"/>
+                </a:solidFill>
+                <a:latin typeface="+mn-lt"/>
+              </a:rPr>
+              <a:t>is a generic optimization algorithm capable of finding optimal solutions to a wide range of problems. The general idea of Gradient Descent is to tweak parameters (weights) iteratively in order to minimize a cost function. Suppose you are lost in the mountains in a dense fog, and you can only feel the slope of the ground below your feet. A good strategy to get to the bottom of the valley quickly is to go downhill in the direction of the steepest slope. This is exactly what Gradient Descent does: it measures the local gradient of the error function with regard to each weight in the network, and it goes in the direction of descending gradient.  Weights are often combined into a parameter vector </a:t>
+            </a:r>
+            <a:r>
+              <a:rPr lang="en-US" sz="1800" b="1" i="0" u="none" strike="noStrike" baseline="0" dirty="0">
+                <a:solidFill>
+                  <a:srgbClr val="000000"/>
+                </a:solidFill>
+                <a:latin typeface="+mn-lt"/>
+              </a:rPr>
+              <a:t>θ, </a:t>
+            </a:r>
+            <a:r>
+              <a:rPr lang="en-US" sz="1800" b="0" i="0" u="none" strike="noStrike" baseline="0" dirty="0">
+                <a:solidFill>
+                  <a:srgbClr val="000000"/>
+                </a:solidFill>
+                <a:latin typeface="+mn-lt"/>
+              </a:rPr>
+              <a:t>pictured here at the Minimum.  Once the gradient is zero, you have reached a minimum!  Concretely, you start by filling </a:t>
+            </a:r>
+            <a:r>
+              <a:rPr lang="en-US" sz="1800" b="1" i="0" u="none" strike="noStrike" baseline="0" dirty="0">
+                <a:solidFill>
+                  <a:srgbClr val="000000"/>
+                </a:solidFill>
+                <a:latin typeface="+mn-lt"/>
+              </a:rPr>
+              <a:t>θ </a:t>
+            </a:r>
+            <a:r>
+              <a:rPr lang="en-US" sz="1800" b="0" i="0" u="none" strike="noStrike" baseline="0" dirty="0">
+                <a:solidFill>
+                  <a:srgbClr val="000000"/>
+                </a:solidFill>
+                <a:latin typeface="+mn-lt"/>
+              </a:rPr>
+              <a:t>with random values (this is called </a:t>
+            </a:r>
+            <a:r>
+              <a:rPr lang="en-US" sz="1800" b="0" i="1" u="none" strike="noStrike" baseline="0" dirty="0">
+                <a:solidFill>
+                  <a:srgbClr val="000000"/>
+                </a:solidFill>
+                <a:latin typeface="+mn-lt"/>
+              </a:rPr>
+              <a:t>random initialization</a:t>
+            </a:r>
+            <a:r>
+              <a:rPr lang="en-US" sz="1800" b="0" i="0" u="none" strike="noStrike" baseline="0" dirty="0">
+                <a:solidFill>
+                  <a:srgbClr val="000000"/>
+                </a:solidFill>
+                <a:latin typeface="+mn-lt"/>
+              </a:rPr>
+              <a:t>). Then you improve it gradually, taking one baby step at a time, each step attempting to decrease the cost function (e.g., the MSE), until the algorithm </a:t>
+            </a:r>
+            <a:r>
+              <a:rPr lang="en-US" sz="1800" b="0" i="1" u="none" strike="noStrike" baseline="0" dirty="0">
+                <a:solidFill>
+                  <a:srgbClr val="000000"/>
+                </a:solidFill>
+                <a:latin typeface="+mn-lt"/>
+              </a:rPr>
+              <a:t>converges </a:t>
+            </a:r>
+            <a:r>
+              <a:rPr lang="en-US" sz="1800" b="0" i="0" u="none" strike="noStrike" baseline="0" dirty="0">
+                <a:solidFill>
+                  <a:srgbClr val="000000"/>
+                </a:solidFill>
+                <a:latin typeface="+mn-lt"/>
+              </a:rPr>
+              <a:t>to a minimum.</a:t>
+            </a:r>
+            <a:endParaRPr lang="en-US" b="0" i="0" dirty="0">
+              <a:solidFill>
+                <a:srgbClr val="3C3C3B"/>
+              </a:solidFill>
+              <a:effectLst/>
+              <a:latin typeface="+mn-lt"/>
+            </a:endParaRPr>
+          </a:p>
+        </p:txBody>
+      </p:sp>
+      <p:sp>
+        <p:nvSpPr>
+          <p:cNvPr id="4" name="Slide Number Placeholder 3"/>
+          <p:cNvSpPr>
+            <a:spLocks noGrp="1"/>
+          </p:cNvSpPr>
+          <p:nvPr>
+            <p:ph type="sldNum" sz="quarter" idx="5"/>
+          </p:nvPr>
+        </p:nvSpPr>
+        <p:spPr/>
+        <p:txBody>
+          <a:bodyPr/>
+          <a:lstStyle/>
+          <a:p>
+            <a:fld id="{3148858F-F1DB-4027-9C85-CCA6849540DD}" type="slidenum">
+              <a:rPr lang="en-US" smtClean="0"/>
+              <a:t>22</a:t>
+            </a:fld>
+            <a:endParaRPr lang="en-US"/>
+          </a:p>
+        </p:txBody>
+      </p:sp>
+    </p:spTree>
+    <p:extLst>
+      <p:ext uri="{BB962C8B-B14F-4D97-AF65-F5344CB8AC3E}">
+        <p14:creationId xmlns:p14="http://schemas.microsoft.com/office/powerpoint/2010/main" val="1199395141"/>
+      </p:ext>
+    </p:extLst>
+  </p:cSld>
+  <p:clrMapOvr>
+    <a:masterClrMapping/>
+  </p:clrMapOvr>
+</p:notes>
+</file>
+
+<file path=ppt/notesSlides/notesSlide23.xml><?xml version="1.0" encoding="utf-8"?>
+<p:notes xmlns:a="http://schemas.openxmlformats.org/drawingml/2006/main" xmlns:r="http://schemas.openxmlformats.org/officeDocument/2006/relationships" xmlns:p="http://schemas.openxmlformats.org/presentationml/2006/main">
+  <p:cSld>
+    <p:spTree>
+      <p:nvGrpSpPr>
+        <p:cNvPr id="1" name=""/>
+        <p:cNvGrpSpPr/>
+        <p:nvPr/>
+      </p:nvGrpSpPr>
+      <p:grpSpPr>
+        <a:xfrm>
+          <a:off x="0" y="0"/>
+          <a:ext cx="0" cy="0"/>
+          <a:chOff x="0" y="0"/>
+          <a:chExt cx="0" cy="0"/>
+        </a:xfrm>
+      </p:grpSpPr>
+      <p:sp>
+        <p:nvSpPr>
+          <p:cNvPr id="2" name="Slide Image Placeholder 1"/>
+          <p:cNvSpPr>
+            <a:spLocks noGrp="1" noRot="1" noChangeAspect="1"/>
+          </p:cNvSpPr>
+          <p:nvPr>
+            <p:ph type="sldImg"/>
+          </p:nvPr>
+        </p:nvSpPr>
+        <p:spPr/>
+      </p:sp>
+      <p:sp>
+        <p:nvSpPr>
+          <p:cNvPr id="3" name="Notes Placeholder 2"/>
+          <p:cNvSpPr>
+            <a:spLocks noGrp="1"/>
+          </p:cNvSpPr>
+          <p:nvPr>
+            <p:ph type="body" idx="1"/>
+          </p:nvPr>
+        </p:nvSpPr>
+        <p:spPr/>
+        <p:txBody>
+          <a:bodyPr/>
+          <a:lstStyle/>
+          <a:p>
             <a:pPr marL="0" marR="0" lvl="0" indent="0" algn="l" defTabSz="914400" rtl="0" eaLnBrk="1" fontAlgn="auto" latinLnBrk="0" hangingPunct="1">
               <a:lnSpc>
                 <a:spcPct val="100000"/>
@@ -3075,7 +3172,7 @@
           <a:p>
             <a:fld id="{3148858F-F1DB-4027-9C85-CCA6849540DD}" type="slidenum">
               <a:rPr lang="en-US" smtClean="0"/>
-              <a:t>22</a:t>
+              <a:t>23</a:t>
             </a:fld>
             <a:endParaRPr lang="en-US"/>
           </a:p>
@@ -4270,7 +4367,7 @@
           <a:p>
             <a:fld id="{C3F78080-8D0A-4BE8-A5B4-CB115102D524}" type="datetimeFigureOut">
               <a:rPr lang="en-US" smtClean="0"/>
-              <a:t>4/5/2022</a:t>
+              <a:t>4/6/2022</a:t>
             </a:fld>
             <a:endParaRPr lang="en-US"/>
           </a:p>
@@ -4468,7 +4565,7 @@
           <a:p>
             <a:fld id="{C3F78080-8D0A-4BE8-A5B4-CB115102D524}" type="datetimeFigureOut">
               <a:rPr lang="en-US" smtClean="0"/>
-              <a:t>4/5/2022</a:t>
+              <a:t>4/6/2022</a:t>
             </a:fld>
             <a:endParaRPr lang="en-US"/>
           </a:p>
@@ -4676,7 +4773,7 @@
           <a:p>
             <a:fld id="{C3F78080-8D0A-4BE8-A5B4-CB115102D524}" type="datetimeFigureOut">
               <a:rPr lang="en-US" smtClean="0"/>
-              <a:t>4/5/2022</a:t>
+              <a:t>4/6/2022</a:t>
             </a:fld>
             <a:endParaRPr lang="en-US"/>
           </a:p>
@@ -4874,7 +4971,7 @@
           <a:p>
             <a:fld id="{C3F78080-8D0A-4BE8-A5B4-CB115102D524}" type="datetimeFigureOut">
               <a:rPr lang="en-US" smtClean="0"/>
-              <a:t>4/5/2022</a:t>
+              <a:t>4/6/2022</a:t>
             </a:fld>
             <a:endParaRPr lang="en-US"/>
           </a:p>
@@ -5149,7 +5246,7 @@
           <a:p>
             <a:fld id="{C3F78080-8D0A-4BE8-A5B4-CB115102D524}" type="datetimeFigureOut">
               <a:rPr lang="en-US" smtClean="0"/>
-              <a:t>4/5/2022</a:t>
+              <a:t>4/6/2022</a:t>
             </a:fld>
             <a:endParaRPr lang="en-US"/>
           </a:p>
@@ -5414,7 +5511,7 @@
           <a:p>
             <a:fld id="{C3F78080-8D0A-4BE8-A5B4-CB115102D524}" type="datetimeFigureOut">
               <a:rPr lang="en-US" smtClean="0"/>
-              <a:t>4/5/2022</a:t>
+              <a:t>4/6/2022</a:t>
             </a:fld>
             <a:endParaRPr lang="en-US"/>
           </a:p>
@@ -5826,7 +5923,7 @@
           <a:p>
             <a:fld id="{C3F78080-8D0A-4BE8-A5B4-CB115102D524}" type="datetimeFigureOut">
               <a:rPr lang="en-US" smtClean="0"/>
-              <a:t>4/5/2022</a:t>
+              <a:t>4/6/2022</a:t>
             </a:fld>
             <a:endParaRPr lang="en-US"/>
           </a:p>
@@ -5967,7 +6064,7 @@
           <a:p>
             <a:fld id="{C3F78080-8D0A-4BE8-A5B4-CB115102D524}" type="datetimeFigureOut">
               <a:rPr lang="en-US" smtClean="0"/>
-              <a:t>4/5/2022</a:t>
+              <a:t>4/6/2022</a:t>
             </a:fld>
             <a:endParaRPr lang="en-US"/>
           </a:p>
@@ -6080,7 +6177,7 @@
           <a:p>
             <a:fld id="{C3F78080-8D0A-4BE8-A5B4-CB115102D524}" type="datetimeFigureOut">
               <a:rPr lang="en-US" smtClean="0"/>
-              <a:t>4/5/2022</a:t>
+              <a:t>4/6/2022</a:t>
             </a:fld>
             <a:endParaRPr lang="en-US"/>
           </a:p>
@@ -6391,7 +6488,7 @@
           <a:p>
             <a:fld id="{C3F78080-8D0A-4BE8-A5B4-CB115102D524}" type="datetimeFigureOut">
               <a:rPr lang="en-US" smtClean="0"/>
-              <a:t>4/5/2022</a:t>
+              <a:t>4/6/2022</a:t>
             </a:fld>
             <a:endParaRPr lang="en-US"/>
           </a:p>
@@ -6679,7 +6776,7 @@
           <a:p>
             <a:fld id="{C3F78080-8D0A-4BE8-A5B4-CB115102D524}" type="datetimeFigureOut">
               <a:rPr lang="en-US" smtClean="0"/>
-              <a:t>4/5/2022</a:t>
+              <a:t>4/6/2022</a:t>
             </a:fld>
             <a:endParaRPr lang="en-US"/>
           </a:p>
@@ -6920,7 +7017,7 @@
           <a:p>
             <a:fld id="{C3F78080-8D0A-4BE8-A5B4-CB115102D524}" type="datetimeFigureOut">
               <a:rPr lang="en-US" smtClean="0"/>
-              <a:t>4/5/2022</a:t>
+              <a:t>4/6/2022</a:t>
             </a:fld>
             <a:endParaRPr lang="en-US"/>
           </a:p>
@@ -9507,219 +9604,55 @@
       </p:grpSpPr>
       <p:sp>
         <p:nvSpPr>
-          <p:cNvPr id="5" name="Content Placeholder 4">
+          <p:cNvPr id="2" name="Title 1">
             <a:extLst>
               <a:ext uri="{FF2B5EF4-FFF2-40B4-BE49-F238E27FC236}">
-                <a16:creationId xmlns:a16="http://schemas.microsoft.com/office/drawing/2014/main" id="{7C82B2FA-DB39-467C-9DC1-245874DCBCF1}"/>
+                <a16:creationId xmlns:a16="http://schemas.microsoft.com/office/drawing/2014/main" id="{8E6BAAA1-9306-4CE5-9DB4-B02103B5C105}"/>
               </a:ext>
             </a:extLst>
           </p:cNvPr>
-          <p:cNvSpPr>
-            <a:spLocks noGrp="1"/>
-          </p:cNvSpPr>
-          <p:nvPr>
-            <p:ph idx="1"/>
-          </p:nvPr>
+          <p:cNvSpPr txBox="1">
+            <a:spLocks/>
+          </p:cNvSpPr>
+          <p:nvPr/>
         </p:nvSpPr>
         <p:spPr>
           <a:xfrm>
-            <a:off x="812801" y="1386840"/>
-            <a:ext cx="10540999" cy="4790124"/>
+            <a:off x="0" y="2883665"/>
+            <a:ext cx="12192000" cy="1365606"/>
           </a:xfrm>
+          <a:prstGeom prst="rect">
+            <a:avLst/>
+          </a:prstGeom>
+          <a:noFill/>
         </p:spPr>
         <p:txBody>
-          <a:bodyPr>
-            <a:normAutofit fontScale="92500" lnSpcReduction="20000"/>
+          <a:bodyPr vert="horz" lIns="91440" tIns="45720" rIns="91440" bIns="45720" rtlCol="0" anchor="b">
+            <a:noAutofit/>
           </a:bodyPr>
-          <a:lstStyle/>
-          <a:p>
-            <a:pPr marL="0" indent="0">
+          <a:lstStyle>
+            <a:lvl1pPr algn="l" defTabSz="914400" rtl="0" eaLnBrk="1" latinLnBrk="0" hangingPunct="1">
+              <a:lnSpc>
+                <a:spcPct val="90000"/>
+              </a:lnSpc>
+              <a:spcBef>
+                <a:spcPct val="0"/>
+              </a:spcBef>
               <a:buNone/>
-            </a:pPr>
-            <a:endParaRPr lang="en-US" sz="3200" dirty="0">
-              <a:latin typeface="Palatino Linotype" panose="02040502050505030304" pitchFamily="18" charset="0"/>
-            </a:endParaRPr>
-          </a:p>
-          <a:p>
-            <a:pPr>
-              <a:buFont typeface="Wingdings" panose="05000000000000000000" pitchFamily="2" charset="2"/>
-              <a:buChar char="Ø"/>
-            </a:pPr>
-            <a:r>
-              <a:rPr lang="en-US" sz="3200" dirty="0">
-                <a:solidFill>
-                  <a:schemeClr val="tx1">
-                    <a:lumMod val="75000"/>
-                    <a:lumOff val="25000"/>
-                  </a:schemeClr>
-                </a:solidFill>
-                <a:latin typeface="Palatino Linotype" panose="02040502050505030304" pitchFamily="18" charset="0"/>
-              </a:rPr>
-              <a:t> Error (Loss) Function</a:t>
-            </a:r>
-          </a:p>
-          <a:p>
-            <a:pPr marL="0" indent="0">
-              <a:buNone/>
-            </a:pPr>
-            <a:endParaRPr lang="en-US" sz="3200" dirty="0">
-              <a:solidFill>
-                <a:schemeClr val="tx1">
-                  <a:lumMod val="75000"/>
-                  <a:lumOff val="25000"/>
-                </a:schemeClr>
-              </a:solidFill>
-              <a:latin typeface="Palatino Linotype" panose="02040502050505030304" pitchFamily="18" charset="0"/>
-            </a:endParaRPr>
-          </a:p>
-          <a:p>
-            <a:pPr>
-              <a:buFont typeface="Wingdings" panose="05000000000000000000" pitchFamily="2" charset="2"/>
-              <a:buChar char="Ø"/>
-            </a:pPr>
-            <a:r>
-              <a:rPr lang="en-US" sz="3200" dirty="0">
-                <a:solidFill>
-                  <a:schemeClr val="tx1">
-                    <a:lumMod val="75000"/>
-                    <a:lumOff val="25000"/>
-                  </a:schemeClr>
-                </a:solidFill>
-                <a:latin typeface="Palatino Linotype" panose="02040502050505030304" pitchFamily="18" charset="0"/>
-              </a:rPr>
-              <a:t> Gradient Descent &amp; Partial Derivatives</a:t>
-            </a:r>
-          </a:p>
-          <a:p>
-            <a:pPr marL="0" indent="0">
-              <a:buNone/>
-            </a:pPr>
-            <a:r>
-              <a:rPr lang="en-US" sz="3200" dirty="0">
-                <a:solidFill>
-                  <a:schemeClr val="tx1">
-                    <a:lumMod val="75000"/>
-                    <a:lumOff val="25000"/>
-                  </a:schemeClr>
-                </a:solidFill>
-                <a:latin typeface="Palatino Linotype" panose="02040502050505030304" pitchFamily="18" charset="0"/>
-              </a:rPr>
-              <a:t> </a:t>
-            </a:r>
-          </a:p>
-          <a:p>
-            <a:pPr>
-              <a:buFont typeface="Wingdings" panose="05000000000000000000" pitchFamily="2" charset="2"/>
-              <a:buChar char="Ø"/>
-            </a:pPr>
-            <a:r>
-              <a:rPr lang="en-US" sz="3200" dirty="0">
-                <a:solidFill>
-                  <a:schemeClr val="tx1">
-                    <a:lumMod val="75000"/>
-                    <a:lumOff val="25000"/>
-                  </a:schemeClr>
-                </a:solidFill>
-                <a:latin typeface="Palatino Linotype" panose="02040502050505030304" pitchFamily="18" charset="0"/>
-              </a:rPr>
-              <a:t> Complex Gradients</a:t>
-            </a:r>
-          </a:p>
-          <a:p>
-            <a:pPr marL="0" indent="0">
-              <a:buNone/>
-            </a:pPr>
-            <a:endParaRPr lang="en-US" sz="3200" dirty="0">
-              <a:solidFill>
-                <a:schemeClr val="tx1">
-                  <a:lumMod val="75000"/>
-                  <a:lumOff val="25000"/>
-                </a:schemeClr>
-              </a:solidFill>
-              <a:latin typeface="Palatino Linotype" panose="02040502050505030304" pitchFamily="18" charset="0"/>
-            </a:endParaRPr>
-          </a:p>
-          <a:p>
-            <a:pPr>
-              <a:buFont typeface="Wingdings" panose="05000000000000000000" pitchFamily="2" charset="2"/>
-              <a:buChar char="Ø"/>
-            </a:pPr>
-            <a:r>
-              <a:rPr lang="en-US" sz="3200" dirty="0">
-                <a:solidFill>
-                  <a:schemeClr val="tx1">
-                    <a:lumMod val="75000"/>
-                    <a:lumOff val="25000"/>
-                  </a:schemeClr>
-                </a:solidFill>
-                <a:latin typeface="Palatino Linotype" panose="02040502050505030304" pitchFamily="18" charset="0"/>
-              </a:rPr>
-              <a:t> Optimizers</a:t>
-            </a:r>
-          </a:p>
-          <a:p>
-            <a:pPr marL="0" indent="0">
-              <a:buNone/>
-            </a:pPr>
-            <a:endParaRPr lang="en-US" sz="3200" dirty="0">
-              <a:solidFill>
-                <a:schemeClr val="tx1">
-                  <a:lumMod val="75000"/>
-                  <a:lumOff val="25000"/>
-                </a:schemeClr>
-              </a:solidFill>
-              <a:latin typeface="Palatino Linotype" panose="02040502050505030304" pitchFamily="18" charset="0"/>
-            </a:endParaRPr>
-          </a:p>
-          <a:p>
-            <a:pPr>
-              <a:buFont typeface="Wingdings" panose="05000000000000000000" pitchFamily="2" charset="2"/>
-              <a:buChar char="Ø"/>
-            </a:pPr>
-            <a:r>
-              <a:rPr lang="en-US" sz="3200" dirty="0">
-                <a:solidFill>
-                  <a:schemeClr val="tx1">
-                    <a:lumMod val="75000"/>
-                    <a:lumOff val="25000"/>
-                  </a:schemeClr>
-                </a:solidFill>
-                <a:latin typeface="Palatino Linotype" panose="02040502050505030304" pitchFamily="18" charset="0"/>
-              </a:rPr>
-              <a:t> Chain Rule</a:t>
-            </a:r>
-          </a:p>
-        </p:txBody>
-      </p:sp>
-      <p:sp>
-        <p:nvSpPr>
-          <p:cNvPr id="3" name="Title 4">
-            <a:extLst>
-              <a:ext uri="{FF2B5EF4-FFF2-40B4-BE49-F238E27FC236}">
-                <a16:creationId xmlns:a16="http://schemas.microsoft.com/office/drawing/2014/main" id="{8ADCD547-C091-45A4-9127-CC0044D81745}"/>
-              </a:ext>
-            </a:extLst>
-          </p:cNvPr>
-          <p:cNvSpPr>
-            <a:spLocks noGrp="1"/>
-          </p:cNvSpPr>
-          <p:nvPr>
-            <p:ph type="title"/>
-          </p:nvPr>
-        </p:nvSpPr>
-        <p:spPr>
-          <a:xfrm>
-            <a:off x="812802" y="365126"/>
-            <a:ext cx="10540998" cy="1325563"/>
-          </a:xfrm>
-        </p:spPr>
-        <p:txBody>
-          <a:bodyPr/>
-          <a:lstStyle/>
+              <a:defRPr sz="6000" kern="1200">
+                <a:solidFill>
+                  <a:schemeClr val="tx1"/>
+                </a:solidFill>
+                <a:latin typeface="+mj-lt"/>
+                <a:ea typeface="+mj-ea"/>
+                <a:cs typeface="+mj-cs"/>
+              </a:defRPr>
+            </a:lvl1pPr>
+          </a:lstStyle>
           <a:p>
             <a:pPr algn="ctr"/>
-            <a:r>
-              <a:rPr lang="en-US" dirty="0">
+            <a:br>
+              <a:rPr lang="en-US" sz="3600" dirty="0">
                 <a:solidFill>
                   <a:schemeClr val="tx1">
                     <a:lumMod val="65000"/>
@@ -9728,15 +9661,116 @@
                 </a:solidFill>
                 <a:latin typeface="Palatino Linotype" panose="02040502050505030304" pitchFamily="18" charset="0"/>
               </a:rPr>
-              <a:t>Summary</a:t>
-            </a:r>
+            </a:br>
+            <a:br>
+              <a:rPr lang="en-US" sz="3600" dirty="0">
+                <a:solidFill>
+                  <a:schemeClr val="tx1">
+                    <a:lumMod val="65000"/>
+                    <a:lumOff val="35000"/>
+                  </a:schemeClr>
+                </a:solidFill>
+                <a:latin typeface="Palatino Linotype" panose="02040502050505030304" pitchFamily="18" charset="0"/>
+              </a:rPr>
+            </a:br>
+            <a:br>
+              <a:rPr lang="en-US" sz="3600" dirty="0">
+                <a:solidFill>
+                  <a:schemeClr val="tx1">
+                    <a:lumMod val="65000"/>
+                    <a:lumOff val="35000"/>
+                  </a:schemeClr>
+                </a:solidFill>
+                <a:latin typeface="Palatino Linotype" panose="02040502050505030304" pitchFamily="18" charset="0"/>
+              </a:rPr>
+            </a:br>
+            <a:br>
+              <a:rPr lang="en-US" sz="3600" dirty="0">
+                <a:solidFill>
+                  <a:schemeClr val="tx1">
+                    <a:lumMod val="65000"/>
+                    <a:lumOff val="35000"/>
+                  </a:schemeClr>
+                </a:solidFill>
+                <a:latin typeface="Palatino Linotype" panose="02040502050505030304" pitchFamily="18" charset="0"/>
+              </a:rPr>
+            </a:br>
+            <a:br>
+              <a:rPr lang="en-US" sz="3600" dirty="0">
+                <a:solidFill>
+                  <a:schemeClr val="tx1">
+                    <a:lumMod val="65000"/>
+                    <a:lumOff val="35000"/>
+                  </a:schemeClr>
+                </a:solidFill>
+                <a:latin typeface="Palatino Linotype" panose="02040502050505030304" pitchFamily="18" charset="0"/>
+              </a:rPr>
+            </a:br>
+            <a:br>
+              <a:rPr lang="en-US" sz="3600" dirty="0">
+                <a:solidFill>
+                  <a:schemeClr val="tx1">
+                    <a:lumMod val="65000"/>
+                    <a:lumOff val="35000"/>
+                  </a:schemeClr>
+                </a:solidFill>
+                <a:latin typeface="Palatino Linotype" panose="02040502050505030304" pitchFamily="18" charset="0"/>
+              </a:rPr>
+            </a:br>
+            <a:br>
+              <a:rPr lang="en-US" sz="3600" dirty="0">
+                <a:solidFill>
+                  <a:schemeClr val="tx1">
+                    <a:lumMod val="65000"/>
+                    <a:lumOff val="35000"/>
+                  </a:schemeClr>
+                </a:solidFill>
+                <a:latin typeface="Palatino Linotype" panose="02040502050505030304" pitchFamily="18" charset="0"/>
+              </a:rPr>
+            </a:br>
+            <a:br>
+              <a:rPr lang="en-US" sz="3600" dirty="0">
+                <a:solidFill>
+                  <a:schemeClr val="tx1">
+                    <a:lumMod val="65000"/>
+                    <a:lumOff val="35000"/>
+                  </a:schemeClr>
+                </a:solidFill>
+                <a:latin typeface="Palatino Linotype" panose="02040502050505030304" pitchFamily="18" charset="0"/>
+              </a:rPr>
+            </a:br>
+            <a:r>
+              <a:rPr lang="en-US" sz="3600" dirty="0">
+                <a:solidFill>
+                  <a:schemeClr val="tx1">
+                    <a:lumMod val="65000"/>
+                    <a:lumOff val="35000"/>
+                  </a:schemeClr>
+                </a:solidFill>
+                <a:latin typeface="Palatino Linotype" panose="02040502050505030304" pitchFamily="18" charset="0"/>
+              </a:rPr>
+              <a:t>Add Gradient Descent Simulation</a:t>
+            </a:r>
+          </a:p>
+          <a:p>
+            <a:pPr algn="ctr"/>
+            <a:endParaRPr lang="en-US" sz="2800" dirty="0">
+              <a:solidFill>
+                <a:schemeClr val="tx1">
+                  <a:lumMod val="65000"/>
+                  <a:lumOff val="35000"/>
+                </a:schemeClr>
+              </a:solidFill>
+              <a:latin typeface="Palatino Linotype" panose="02040502050505030304" pitchFamily="18" charset="0"/>
+              <a:cs typeface="Segoe UI Light" panose="020B0502040204020203" pitchFamily="34" charset="0"/>
+            </a:endParaRPr>
           </a:p>
         </p:txBody>
       </p:sp>
     </p:spTree>
     <p:extLst>
       <p:ext uri="{BB962C8B-B14F-4D97-AF65-F5344CB8AC3E}">
-        <p14:creationId xmlns:p14="http://schemas.microsoft.com/office/powerpoint/2010/main" val="1397534281"/>
+        <p14:creationId xmlns:p14="http://schemas.microsoft.com/office/powerpoint/2010/main" val="2131189601"/>
       </p:ext>
     </p:extLst>
   </p:cSld>
@@ -9775,10 +9809,238 @@
           <a:chExt cx="0" cy="0"/>
         </a:xfrm>
       </p:grpSpPr>
+      <p:sp>
+        <p:nvSpPr>
+          <p:cNvPr id="5" name="Content Placeholder 4">
+            <a:extLst>
+              <a:ext uri="{FF2B5EF4-FFF2-40B4-BE49-F238E27FC236}">
+                <a16:creationId xmlns:a16="http://schemas.microsoft.com/office/drawing/2014/main" id="{7C82B2FA-DB39-467C-9DC1-245874DCBCF1}"/>
+              </a:ext>
+            </a:extLst>
+          </p:cNvPr>
+          <p:cNvSpPr>
+            <a:spLocks noGrp="1"/>
+          </p:cNvSpPr>
+          <p:nvPr>
+            <p:ph idx="1"/>
+          </p:nvPr>
+        </p:nvSpPr>
+        <p:spPr>
+          <a:xfrm>
+            <a:off x="812801" y="1386840"/>
+            <a:ext cx="10540999" cy="4790124"/>
+          </a:xfrm>
+        </p:spPr>
+        <p:txBody>
+          <a:bodyPr>
+            <a:normAutofit fontScale="92500" lnSpcReduction="20000"/>
+          </a:bodyPr>
+          <a:lstStyle/>
+          <a:p>
+            <a:pPr marL="0" indent="0">
+              <a:buNone/>
+            </a:pPr>
+            <a:endParaRPr lang="en-US" sz="3200" dirty="0">
+              <a:latin typeface="Palatino Linotype" panose="02040502050505030304" pitchFamily="18" charset="0"/>
+            </a:endParaRPr>
+          </a:p>
+          <a:p>
+            <a:pPr>
+              <a:buFont typeface="Wingdings" panose="05000000000000000000" pitchFamily="2" charset="2"/>
+              <a:buChar char="Ø"/>
+            </a:pPr>
+            <a:r>
+              <a:rPr lang="en-US" sz="3200" dirty="0">
+                <a:solidFill>
+                  <a:schemeClr val="tx1">
+                    <a:lumMod val="75000"/>
+                    <a:lumOff val="25000"/>
+                  </a:schemeClr>
+                </a:solidFill>
+                <a:latin typeface="Palatino Linotype" panose="02040502050505030304" pitchFamily="18" charset="0"/>
+              </a:rPr>
+              <a:t> Error (Loss) Function</a:t>
+            </a:r>
+          </a:p>
+          <a:p>
+            <a:pPr marL="0" indent="0">
+              <a:buNone/>
+            </a:pPr>
+            <a:endParaRPr lang="en-US" sz="3200" dirty="0">
+              <a:solidFill>
+                <a:schemeClr val="tx1">
+                  <a:lumMod val="75000"/>
+                  <a:lumOff val="25000"/>
+                </a:schemeClr>
+              </a:solidFill>
+              <a:latin typeface="Palatino Linotype" panose="02040502050505030304" pitchFamily="18" charset="0"/>
+            </a:endParaRPr>
+          </a:p>
+          <a:p>
+            <a:pPr>
+              <a:buFont typeface="Wingdings" panose="05000000000000000000" pitchFamily="2" charset="2"/>
+              <a:buChar char="Ø"/>
+            </a:pPr>
+            <a:r>
+              <a:rPr lang="en-US" sz="3200" dirty="0">
+                <a:solidFill>
+                  <a:schemeClr val="tx1">
+                    <a:lumMod val="75000"/>
+                    <a:lumOff val="25000"/>
+                  </a:schemeClr>
+                </a:solidFill>
+                <a:latin typeface="Palatino Linotype" panose="02040502050505030304" pitchFamily="18" charset="0"/>
+              </a:rPr>
+              <a:t> Gradient Descent &amp; Partial Derivatives</a:t>
+            </a:r>
+          </a:p>
+          <a:p>
+            <a:pPr marL="0" indent="0">
+              <a:buNone/>
+            </a:pPr>
+            <a:r>
+              <a:rPr lang="en-US" sz="3200" dirty="0">
+                <a:solidFill>
+                  <a:schemeClr val="tx1">
+                    <a:lumMod val="75000"/>
+                    <a:lumOff val="25000"/>
+                  </a:schemeClr>
+                </a:solidFill>
+                <a:latin typeface="Palatino Linotype" panose="02040502050505030304" pitchFamily="18" charset="0"/>
+              </a:rPr>
+              <a:t> </a:t>
+            </a:r>
+          </a:p>
+          <a:p>
+            <a:pPr>
+              <a:buFont typeface="Wingdings" panose="05000000000000000000" pitchFamily="2" charset="2"/>
+              <a:buChar char="Ø"/>
+            </a:pPr>
+            <a:r>
+              <a:rPr lang="en-US" sz="3200" dirty="0">
+                <a:solidFill>
+                  <a:schemeClr val="tx1">
+                    <a:lumMod val="75000"/>
+                    <a:lumOff val="25000"/>
+                  </a:schemeClr>
+                </a:solidFill>
+                <a:latin typeface="Palatino Linotype" panose="02040502050505030304" pitchFamily="18" charset="0"/>
+              </a:rPr>
+              <a:t> Complex Gradients</a:t>
+            </a:r>
+          </a:p>
+          <a:p>
+            <a:pPr marL="0" indent="0">
+              <a:buNone/>
+            </a:pPr>
+            <a:endParaRPr lang="en-US" sz="3200" dirty="0">
+              <a:solidFill>
+                <a:schemeClr val="tx1">
+                  <a:lumMod val="75000"/>
+                  <a:lumOff val="25000"/>
+                </a:schemeClr>
+              </a:solidFill>
+              <a:latin typeface="Palatino Linotype" panose="02040502050505030304" pitchFamily="18" charset="0"/>
+            </a:endParaRPr>
+          </a:p>
+          <a:p>
+            <a:pPr>
+              <a:buFont typeface="Wingdings" panose="05000000000000000000" pitchFamily="2" charset="2"/>
+              <a:buChar char="Ø"/>
+            </a:pPr>
+            <a:r>
+              <a:rPr lang="en-US" sz="3200" dirty="0">
+                <a:solidFill>
+                  <a:schemeClr val="tx1">
+                    <a:lumMod val="75000"/>
+                    <a:lumOff val="25000"/>
+                  </a:schemeClr>
+                </a:solidFill>
+                <a:latin typeface="Palatino Linotype" panose="02040502050505030304" pitchFamily="18" charset="0"/>
+              </a:rPr>
+              <a:t> Optimizers</a:t>
+            </a:r>
+          </a:p>
+          <a:p>
+            <a:pPr marL="0" indent="0">
+              <a:buNone/>
+            </a:pPr>
+            <a:endParaRPr lang="en-US" sz="3200" dirty="0">
+              <a:solidFill>
+                <a:schemeClr val="tx1">
+                  <a:lumMod val="75000"/>
+                  <a:lumOff val="25000"/>
+                </a:schemeClr>
+              </a:solidFill>
+              <a:latin typeface="Palatino Linotype" panose="02040502050505030304" pitchFamily="18" charset="0"/>
+            </a:endParaRPr>
+          </a:p>
+          <a:p>
+            <a:pPr>
+              <a:buFont typeface="Wingdings" panose="05000000000000000000" pitchFamily="2" charset="2"/>
+              <a:buChar char="Ø"/>
+            </a:pPr>
+            <a:r>
+              <a:rPr lang="en-US" sz="3200" dirty="0">
+                <a:solidFill>
+                  <a:schemeClr val="tx1">
+                    <a:lumMod val="75000"/>
+                    <a:lumOff val="25000"/>
+                  </a:schemeClr>
+                </a:solidFill>
+                <a:latin typeface="Palatino Linotype" panose="02040502050505030304" pitchFamily="18" charset="0"/>
+              </a:rPr>
+              <a:t> Chain Rule</a:t>
+            </a:r>
+          </a:p>
+        </p:txBody>
+      </p:sp>
+      <p:sp>
+        <p:nvSpPr>
+          <p:cNvPr id="3" name="Title 4">
+            <a:extLst>
+              <a:ext uri="{FF2B5EF4-FFF2-40B4-BE49-F238E27FC236}">
+                <a16:creationId xmlns:a16="http://schemas.microsoft.com/office/drawing/2014/main" id="{8ADCD547-C091-45A4-9127-CC0044D81745}"/>
+              </a:ext>
+            </a:extLst>
+          </p:cNvPr>
+          <p:cNvSpPr>
+            <a:spLocks noGrp="1"/>
+          </p:cNvSpPr>
+          <p:nvPr>
+            <p:ph type="title"/>
+          </p:nvPr>
+        </p:nvSpPr>
+        <p:spPr>
+          <a:xfrm>
+            <a:off x="812802" y="365126"/>
+            <a:ext cx="10540998" cy="1325563"/>
+          </a:xfrm>
+        </p:spPr>
+        <p:txBody>
+          <a:bodyPr/>
+          <a:lstStyle/>
+          <a:p>
+            <a:pPr algn="ctr"/>
+            <a:r>
+              <a:rPr lang="en-US" dirty="0">
+                <a:solidFill>
+                  <a:schemeClr val="tx1">
+                    <a:lumMod val="65000"/>
+                    <a:lumOff val="35000"/>
+                  </a:schemeClr>
+                </a:solidFill>
+                <a:latin typeface="Palatino Linotype" panose="02040502050505030304" pitchFamily="18" charset="0"/>
+              </a:rPr>
+              <a:t>Summary</a:t>
+            </a:r>
+          </a:p>
+        </p:txBody>
+      </p:sp>
     </p:spTree>
     <p:extLst>
       <p:ext uri="{BB962C8B-B14F-4D97-AF65-F5344CB8AC3E}">
-        <p14:creationId xmlns:p14="http://schemas.microsoft.com/office/powerpoint/2010/main" val="2128530490"/>
+        <p14:creationId xmlns:p14="http://schemas.microsoft.com/office/powerpoint/2010/main" val="1397534281"/>
       </p:ext>
     </p:extLst>
   </p:cSld>
@@ -9965,7 +10227,7 @@
           <a:graphicData uri="http://schemas.openxmlformats.org/presentationml/2006/ole">
             <mc:AlternateContent xmlns:mc="http://schemas.openxmlformats.org/markup-compatibility/2006">
               <mc:Choice xmlns:v="urn:schemas-microsoft-com:vml" Requires="v">
-                <p:oleObj spid="_x0000_s1150" name="Visio" r:id="rId8" imgW="2514945" imgH="1657350" progId="Visio.Drawing.15">
+                <p:oleObj spid="_x0000_s1152" name="Visio" r:id="rId8" imgW="2514945" imgH="1657350" progId="Visio.Drawing.15">
                   <p:embed/>
                 </p:oleObj>
               </mc:Choice>
@@ -10162,6 +10424,48 @@
           <a:chExt cx="0" cy="0"/>
         </a:xfrm>
       </p:grpSpPr>
+    </p:spTree>
+    <p:extLst>
+      <p:ext uri="{BB962C8B-B14F-4D97-AF65-F5344CB8AC3E}">
+        <p14:creationId xmlns:p14="http://schemas.microsoft.com/office/powerpoint/2010/main" val="2128530490"/>
+      </p:ext>
+    </p:extLst>
+  </p:cSld>
+  <p:clrMapOvr>
+    <a:masterClrMapping/>
+  </p:clrMapOvr>
+  <mc:AlternateContent xmlns:mc="http://schemas.openxmlformats.org/markup-compatibility/2006" xmlns:p14="http://schemas.microsoft.com/office/powerpoint/2010/main">
+    <mc:Choice Requires="p14">
+      <p:transition spd="med" p14:dur="700">
+        <p:fade/>
+      </p:transition>
+    </mc:Choice>
+    <mc:Fallback xmlns="">
+      <p:transition spd="med">
+        <p:fade/>
+      </p:transition>
+    </mc:Fallback>
+  </mc:AlternateContent>
+</p:sld>
+</file>
+
+<file path=ppt/slides/slide21.xml><?xml version="1.0" encoding="utf-8"?>
+<p:sld xmlns:a="http://schemas.openxmlformats.org/drawingml/2006/main" xmlns:r="http://schemas.openxmlformats.org/officeDocument/2006/relationships" xmlns:p="http://schemas.openxmlformats.org/presentationml/2006/main">
+  <p:cSld>
+    <p:spTree>
+      <p:nvGrpSpPr>
+        <p:cNvPr id="1" name=""/>
+        <p:cNvGrpSpPr/>
+        <p:nvPr/>
+      </p:nvGrpSpPr>
+      <p:grpSpPr>
+        <a:xfrm>
+          <a:off x="0" y="0"/>
+          <a:ext cx="0" cy="0"/>
+          <a:chOff x="0" y="0"/>
+          <a:chExt cx="0" cy="0"/>
+        </a:xfrm>
+      </p:grpSpPr>
       <p:pic>
         <p:nvPicPr>
           <p:cNvPr id="2" name="Picture 2">
@@ -10232,7 +10536,7 @@
 </p:sld>
 </file>
 
-<file path=ppt/slides/slide21.xml><?xml version="1.0" encoding="utf-8"?>
+<file path=ppt/slides/slide22.xml><?xml version="1.0" encoding="utf-8"?>
 <p:sld xmlns:a="http://schemas.openxmlformats.org/drawingml/2006/main" xmlns:r="http://schemas.openxmlformats.org/officeDocument/2006/relationships" xmlns:p="http://schemas.openxmlformats.org/presentationml/2006/main">
   <p:cSld>
     <p:spTree>
@@ -10304,7 +10608,7 @@
 </p:sld>
 </file>
 
-<file path=ppt/slides/slide22.xml><?xml version="1.0" encoding="utf-8"?>
+<file path=ppt/slides/slide23.xml><?xml version="1.0" encoding="utf-8"?>
 <p:sld xmlns:a="http://schemas.openxmlformats.org/drawingml/2006/main" xmlns:r="http://schemas.openxmlformats.org/officeDocument/2006/relationships" xmlns:p="http://schemas.openxmlformats.org/presentationml/2006/main">
   <p:cSld>
     <p:spTree>

--- a/presentations/03_gradient_descent.pptx
+++ b/presentations/03_gradient_descent.pptx
@@ -5,7 +5,7 @@
     <p:sldMasterId id="2147483648" r:id="rId1"/>
   </p:sldMasterIdLst>
   <p:notesMasterIdLst>
-    <p:notesMasterId r:id="rId25"/>
+    <p:notesMasterId r:id="rId26"/>
   </p:notesMasterIdLst>
   <p:sldIdLst>
     <p:sldId id="322" r:id="rId2"/>
@@ -26,11 +26,12 @@
     <p:sldId id="330" r:id="rId17"/>
     <p:sldId id="311" r:id="rId18"/>
     <p:sldId id="333" r:id="rId19"/>
-    <p:sldId id="289" r:id="rId20"/>
-    <p:sldId id="328" r:id="rId21"/>
-    <p:sldId id="332" r:id="rId22"/>
-    <p:sldId id="305" r:id="rId23"/>
-    <p:sldId id="324" r:id="rId24"/>
+    <p:sldId id="334" r:id="rId20"/>
+    <p:sldId id="289" r:id="rId21"/>
+    <p:sldId id="328" r:id="rId22"/>
+    <p:sldId id="332" r:id="rId23"/>
+    <p:sldId id="305" r:id="rId24"/>
+    <p:sldId id="324" r:id="rId25"/>
   </p:sldIdLst>
   <p:sldSz cx="12192000" cy="6858000"/>
   <p:notesSz cx="6858000" cy="9144000"/>
@@ -230,7 +231,7 @@
           <a:p>
             <a:fld id="{FD93C9B2-20F6-4DB1-B471-224337D0AC79}" type="datetimeFigureOut">
               <a:rPr lang="en-US" smtClean="0"/>
-              <a:t>4/6/2022</a:t>
+              <a:t>6/6/2022</a:t>
             </a:fld>
             <a:endParaRPr lang="en-US"/>
           </a:p>
@@ -2172,18 +2173,7 @@
           <a:bodyPr/>
           <a:lstStyle/>
           <a:p>
-            <a:r>
-              <a:rPr lang="en-US" dirty="0"/>
-              <a:t>Well, we have covered a lot of territory in this presentation.  First, we discussed the loss function and a network’s </a:t>
-            </a:r>
-            <a:r>
-              <a:rPr lang="en-US" b="1" dirty="0"/>
-              <a:t>total error</a:t>
-            </a:r>
-            <a:r>
-              <a:rPr lang="en-US" dirty="0"/>
-              <a:t>.  That was followed by an in-depth look at gradient descent and the use of partial differential equations to calculate the derivative or slope at a given point on the gradient.  We also learned that most loss functions exhibit complex contours, featuring hills, values, and plateaus, making it difficult to locate the global minimum.  And finally, I discussed how backpropagation employs the chain rule to determine the contribution of each weight to the total error in relation to the other weights.  </a:t>
-            </a:r>
+            <a:endParaRPr lang="en-US" dirty="0"/>
           </a:p>
         </p:txBody>
       </p:sp>
@@ -2213,7 +2203,7 @@
     </p:spTree>
     <p:extLst>
       <p:ext uri="{BB962C8B-B14F-4D97-AF65-F5344CB8AC3E}">
-        <p14:creationId xmlns:p14="http://schemas.microsoft.com/office/powerpoint/2010/main" val="1690277211"/>
+        <p14:creationId xmlns:p14="http://schemas.microsoft.com/office/powerpoint/2010/main" val="2567730846"/>
       </p:ext>
     </p:extLst>
   </p:cSld>
@@ -2620,7 +2610,18 @@
           <a:bodyPr/>
           <a:lstStyle/>
           <a:p>
-            <a:endParaRPr lang="en-US" dirty="0"/>
+            <a:r>
+              <a:rPr lang="en-US" dirty="0"/>
+              <a:t>Well, we have covered a lot of territory in this presentation.  First, we discussed the loss function and a network’s </a:t>
+            </a:r>
+            <a:r>
+              <a:rPr lang="en-US" b="1" dirty="0"/>
+              <a:t>total error</a:t>
+            </a:r>
+            <a:r>
+              <a:rPr lang="en-US" dirty="0"/>
+              <a:t>.  That was followed by an in-depth look at gradient descent and the use of partial differential equations to calculate the derivative or slope at a given point on the gradient.  We also learned that most loss functions exhibit complex contours, featuring hills, values, and plateaus, making it difficult to locate the global minimum.  And finally, I discussed how backpropagation employs the chain rule to determine the contribution of each weight to the total error in relation to the other weights.  </a:t>
+            </a:r>
           </a:p>
         </p:txBody>
       </p:sp>
@@ -2650,7 +2651,7 @@
     </p:spTree>
     <p:extLst>
       <p:ext uri="{BB962C8B-B14F-4D97-AF65-F5344CB8AC3E}">
-        <p14:creationId xmlns:p14="http://schemas.microsoft.com/office/powerpoint/2010/main" val="3213588290"/>
+        <p14:creationId xmlns:p14="http://schemas.microsoft.com/office/powerpoint/2010/main" val="1690277211"/>
       </p:ext>
     </p:extLst>
   </p:cSld>
@@ -2734,7 +2735,7 @@
     </p:spTree>
     <p:extLst>
       <p:ext uri="{BB962C8B-B14F-4D97-AF65-F5344CB8AC3E}">
-        <p14:creationId xmlns:p14="http://schemas.microsoft.com/office/powerpoint/2010/main" val="372051230"/>
+        <p14:creationId xmlns:p14="http://schemas.microsoft.com/office/powerpoint/2010/main" val="3213588290"/>
       </p:ext>
     </p:extLst>
   </p:cSld>
@@ -2788,104 +2789,7 @@
           <a:bodyPr/>
           <a:lstStyle/>
           <a:p>
-            <a:pPr algn="l"/>
-            <a:r>
-              <a:rPr lang="en-US" sz="1800" b="0" i="1" u="none" strike="noStrike" baseline="0" dirty="0">
-                <a:solidFill>
-                  <a:srgbClr val="000000"/>
-                </a:solidFill>
-                <a:latin typeface="+mn-lt"/>
-              </a:rPr>
-              <a:t>Gradient Descent </a:t>
-            </a:r>
-            <a:r>
-              <a:rPr lang="en-US" sz="1800" b="0" i="0" u="none" strike="noStrike" baseline="0" dirty="0">
-                <a:solidFill>
-                  <a:srgbClr val="000000"/>
-                </a:solidFill>
-                <a:latin typeface="+mn-lt"/>
-              </a:rPr>
-              <a:t>is a generic optimization algorithm capable of finding optimal solutions to a wide range of problems. The general idea of Gradient Descent is to tweak parameters (weights) iteratively in order to minimize a cost function. Suppose you are lost in the mountains in a dense fog, and you can only feel the slope of the ground below your feet. A good strategy to get to the bottom of the valley quickly is to go downhill in the direction of the steepest slope. This is exactly what Gradient Descent does: it measures the local gradient of the error function with regard to each weight in the network, and it goes in the direction of descending gradient.  Weights are often combined into a parameter vector </a:t>
-            </a:r>
-            <a:r>
-              <a:rPr lang="en-US" sz="1800" b="1" i="0" u="none" strike="noStrike" baseline="0" dirty="0">
-                <a:solidFill>
-                  <a:srgbClr val="000000"/>
-                </a:solidFill>
-                <a:latin typeface="+mn-lt"/>
-              </a:rPr>
-              <a:t>θ, </a:t>
-            </a:r>
-            <a:r>
-              <a:rPr lang="en-US" sz="1800" b="0" i="0" u="none" strike="noStrike" baseline="0" dirty="0">
-                <a:solidFill>
-                  <a:srgbClr val="000000"/>
-                </a:solidFill>
-                <a:latin typeface="+mn-lt"/>
-              </a:rPr>
-              <a:t>pictured here at the Minimum.  Once the gradient is zero, you have reached a minimum!  Concretely, you start by filling </a:t>
-            </a:r>
-            <a:r>
-              <a:rPr lang="en-US" sz="1800" b="1" i="0" u="none" strike="noStrike" baseline="0" dirty="0">
-                <a:solidFill>
-                  <a:srgbClr val="000000"/>
-                </a:solidFill>
-                <a:latin typeface="+mn-lt"/>
-              </a:rPr>
-              <a:t>θ </a:t>
-            </a:r>
-            <a:r>
-              <a:rPr lang="en-US" sz="1800" b="0" i="0" u="none" strike="noStrike" baseline="0" dirty="0">
-                <a:solidFill>
-                  <a:srgbClr val="000000"/>
-                </a:solidFill>
-                <a:latin typeface="+mn-lt"/>
-              </a:rPr>
-              <a:t>with random values (this is called </a:t>
-            </a:r>
-            <a:r>
-              <a:rPr lang="en-US" sz="1800" b="0" i="1" u="none" strike="noStrike" baseline="0" dirty="0">
-                <a:solidFill>
-                  <a:srgbClr val="000000"/>
-                </a:solidFill>
-                <a:latin typeface="+mn-lt"/>
-              </a:rPr>
-              <a:t>random initialization</a:t>
-            </a:r>
-            <a:r>
-              <a:rPr lang="en-US" sz="1800" b="0" i="0" u="none" strike="noStrike" baseline="0" dirty="0">
-                <a:solidFill>
-                  <a:srgbClr val="000000"/>
-                </a:solidFill>
-                <a:latin typeface="+mn-lt"/>
-              </a:rPr>
-              <a:t>). Then you improve it gradually, taking one baby step at a time, each step attempting to decrease the cost function (e.g., the MSE), until the algorithm </a:t>
-            </a:r>
-            <a:r>
-              <a:rPr lang="en-US" sz="1800" b="0" i="1" u="none" strike="noStrike" baseline="0" dirty="0">
-                <a:solidFill>
-                  <a:srgbClr val="000000"/>
-                </a:solidFill>
-                <a:latin typeface="+mn-lt"/>
-              </a:rPr>
-              <a:t>converges </a:t>
-            </a:r>
-            <a:r>
-              <a:rPr lang="en-US" sz="1800" b="0" i="0" u="none" strike="noStrike" baseline="0" dirty="0">
-                <a:solidFill>
-                  <a:srgbClr val="000000"/>
-                </a:solidFill>
-                <a:latin typeface="+mn-lt"/>
-              </a:rPr>
-              <a:t>to a minimum.</a:t>
-            </a:r>
-            <a:endParaRPr lang="en-US" b="0" i="0" dirty="0">
-              <a:solidFill>
-                <a:srgbClr val="3C3C3B"/>
-              </a:solidFill>
-              <a:effectLst/>
-              <a:latin typeface="+mn-lt"/>
-            </a:endParaRPr>
+            <a:endParaRPr lang="en-US" dirty="0"/>
           </a:p>
         </p:txBody>
       </p:sp>
@@ -2915,7 +2819,7 @@
     </p:spTree>
     <p:extLst>
       <p:ext uri="{BB962C8B-B14F-4D97-AF65-F5344CB8AC3E}">
-        <p14:creationId xmlns:p14="http://schemas.microsoft.com/office/powerpoint/2010/main" val="1199395141"/>
+        <p14:creationId xmlns:p14="http://schemas.microsoft.com/office/powerpoint/2010/main" val="372051230"/>
       </p:ext>
     </p:extLst>
   </p:cSld>
@@ -2969,6 +2873,187 @@
           <a:bodyPr/>
           <a:lstStyle/>
           <a:p>
+            <a:pPr algn="l"/>
+            <a:r>
+              <a:rPr lang="en-US" sz="1800" b="0" i="1" u="none" strike="noStrike" baseline="0" dirty="0">
+                <a:solidFill>
+                  <a:srgbClr val="000000"/>
+                </a:solidFill>
+                <a:latin typeface="+mn-lt"/>
+              </a:rPr>
+              <a:t>Gradient Descent </a:t>
+            </a:r>
+            <a:r>
+              <a:rPr lang="en-US" sz="1800" b="0" i="0" u="none" strike="noStrike" baseline="0" dirty="0">
+                <a:solidFill>
+                  <a:srgbClr val="000000"/>
+                </a:solidFill>
+                <a:latin typeface="+mn-lt"/>
+              </a:rPr>
+              <a:t>is a generic optimization algorithm capable of finding optimal solutions to a wide range of problems. The general idea of Gradient Descent is to tweak parameters (weights) iteratively in order to minimize a cost function. Suppose you are lost in the mountains in a dense fog, and you can only feel the slope of the ground below your feet. A good strategy to get to the bottom of the valley quickly is to go downhill in the direction of the steepest slope. This is exactly what Gradient Descent does: it measures the local gradient of the error function with regard to each weight in the network, and it goes in the direction of descending gradient.  Weights are often combined into a parameter vector </a:t>
+            </a:r>
+            <a:r>
+              <a:rPr lang="en-US" sz="1800" b="1" i="0" u="none" strike="noStrike" baseline="0" dirty="0">
+                <a:solidFill>
+                  <a:srgbClr val="000000"/>
+                </a:solidFill>
+                <a:latin typeface="+mn-lt"/>
+              </a:rPr>
+              <a:t>θ, </a:t>
+            </a:r>
+            <a:r>
+              <a:rPr lang="en-US" sz="1800" b="0" i="0" u="none" strike="noStrike" baseline="0" dirty="0">
+                <a:solidFill>
+                  <a:srgbClr val="000000"/>
+                </a:solidFill>
+                <a:latin typeface="+mn-lt"/>
+              </a:rPr>
+              <a:t>pictured here at the Minimum.  Once the gradient is zero, you have reached a minimum!  Concretely, you start by filling </a:t>
+            </a:r>
+            <a:r>
+              <a:rPr lang="en-US" sz="1800" b="1" i="0" u="none" strike="noStrike" baseline="0" dirty="0">
+                <a:solidFill>
+                  <a:srgbClr val="000000"/>
+                </a:solidFill>
+                <a:latin typeface="+mn-lt"/>
+              </a:rPr>
+              <a:t>θ </a:t>
+            </a:r>
+            <a:r>
+              <a:rPr lang="en-US" sz="1800" b="0" i="0" u="none" strike="noStrike" baseline="0" dirty="0">
+                <a:solidFill>
+                  <a:srgbClr val="000000"/>
+                </a:solidFill>
+                <a:latin typeface="+mn-lt"/>
+              </a:rPr>
+              <a:t>with random values (this is called </a:t>
+            </a:r>
+            <a:r>
+              <a:rPr lang="en-US" sz="1800" b="0" i="1" u="none" strike="noStrike" baseline="0" dirty="0">
+                <a:solidFill>
+                  <a:srgbClr val="000000"/>
+                </a:solidFill>
+                <a:latin typeface="+mn-lt"/>
+              </a:rPr>
+              <a:t>random initialization</a:t>
+            </a:r>
+            <a:r>
+              <a:rPr lang="en-US" sz="1800" b="0" i="0" u="none" strike="noStrike" baseline="0" dirty="0">
+                <a:solidFill>
+                  <a:srgbClr val="000000"/>
+                </a:solidFill>
+                <a:latin typeface="+mn-lt"/>
+              </a:rPr>
+              <a:t>). Then you improve it gradually, taking one baby step at a time, each step attempting to decrease the cost function (e.g., the MSE), until the algorithm </a:t>
+            </a:r>
+            <a:r>
+              <a:rPr lang="en-US" sz="1800" b="0" i="1" u="none" strike="noStrike" baseline="0" dirty="0">
+                <a:solidFill>
+                  <a:srgbClr val="000000"/>
+                </a:solidFill>
+                <a:latin typeface="+mn-lt"/>
+              </a:rPr>
+              <a:t>converges </a:t>
+            </a:r>
+            <a:r>
+              <a:rPr lang="en-US" sz="1800" b="0" i="0" u="none" strike="noStrike" baseline="0" dirty="0">
+                <a:solidFill>
+                  <a:srgbClr val="000000"/>
+                </a:solidFill>
+                <a:latin typeface="+mn-lt"/>
+              </a:rPr>
+              <a:t>to a minimum.</a:t>
+            </a:r>
+            <a:endParaRPr lang="en-US" b="0" i="0" dirty="0">
+              <a:solidFill>
+                <a:srgbClr val="3C3C3B"/>
+              </a:solidFill>
+              <a:effectLst/>
+              <a:latin typeface="+mn-lt"/>
+            </a:endParaRPr>
+          </a:p>
+        </p:txBody>
+      </p:sp>
+      <p:sp>
+        <p:nvSpPr>
+          <p:cNvPr id="4" name="Slide Number Placeholder 3"/>
+          <p:cNvSpPr>
+            <a:spLocks noGrp="1"/>
+          </p:cNvSpPr>
+          <p:nvPr>
+            <p:ph type="sldNum" sz="quarter" idx="5"/>
+          </p:nvPr>
+        </p:nvSpPr>
+        <p:spPr/>
+        <p:txBody>
+          <a:bodyPr/>
+          <a:lstStyle/>
+          <a:p>
+            <a:fld id="{3148858F-F1DB-4027-9C85-CCA6849540DD}" type="slidenum">
+              <a:rPr lang="en-US" smtClean="0"/>
+              <a:t>23</a:t>
+            </a:fld>
+            <a:endParaRPr lang="en-US"/>
+          </a:p>
+        </p:txBody>
+      </p:sp>
+    </p:spTree>
+    <p:extLst>
+      <p:ext uri="{BB962C8B-B14F-4D97-AF65-F5344CB8AC3E}">
+        <p14:creationId xmlns:p14="http://schemas.microsoft.com/office/powerpoint/2010/main" val="1199395141"/>
+      </p:ext>
+    </p:extLst>
+  </p:cSld>
+  <p:clrMapOvr>
+    <a:masterClrMapping/>
+  </p:clrMapOvr>
+</p:notes>
+</file>
+
+<file path=ppt/notesSlides/notesSlide24.xml><?xml version="1.0" encoding="utf-8"?>
+<p:notes xmlns:a="http://schemas.openxmlformats.org/drawingml/2006/main" xmlns:r="http://schemas.openxmlformats.org/officeDocument/2006/relationships" xmlns:p="http://schemas.openxmlformats.org/presentationml/2006/main">
+  <p:cSld>
+    <p:spTree>
+      <p:nvGrpSpPr>
+        <p:cNvPr id="1" name=""/>
+        <p:cNvGrpSpPr/>
+        <p:nvPr/>
+      </p:nvGrpSpPr>
+      <p:grpSpPr>
+        <a:xfrm>
+          <a:off x="0" y="0"/>
+          <a:ext cx="0" cy="0"/>
+          <a:chOff x="0" y="0"/>
+          <a:chExt cx="0" cy="0"/>
+        </a:xfrm>
+      </p:grpSpPr>
+      <p:sp>
+        <p:nvSpPr>
+          <p:cNvPr id="2" name="Slide Image Placeholder 1"/>
+          <p:cNvSpPr>
+            <a:spLocks noGrp="1" noRot="1" noChangeAspect="1"/>
+          </p:cNvSpPr>
+          <p:nvPr>
+            <p:ph type="sldImg"/>
+          </p:nvPr>
+        </p:nvSpPr>
+        <p:spPr/>
+      </p:sp>
+      <p:sp>
+        <p:nvSpPr>
+          <p:cNvPr id="3" name="Notes Placeholder 2"/>
+          <p:cNvSpPr>
+            <a:spLocks noGrp="1"/>
+          </p:cNvSpPr>
+          <p:nvPr>
+            <p:ph type="body" idx="1"/>
+          </p:nvPr>
+        </p:nvSpPr>
+        <p:spPr/>
+        <p:txBody>
+          <a:bodyPr/>
+          <a:lstStyle/>
+          <a:p>
             <a:pPr marL="0" marR="0" lvl="0" indent="0" algn="l" defTabSz="914400" rtl="0" eaLnBrk="1" fontAlgn="auto" latinLnBrk="0" hangingPunct="1">
               <a:lnSpc>
                 <a:spcPct val="100000"/>
@@ -3172,7 +3257,7 @@
           <a:p>
             <a:fld id="{3148858F-F1DB-4027-9C85-CCA6849540DD}" type="slidenum">
               <a:rPr lang="en-US" smtClean="0"/>
-              <a:t>23</a:t>
+              <a:t>24</a:t>
             </a:fld>
             <a:endParaRPr lang="en-US"/>
           </a:p>
@@ -4367,7 +4452,7 @@
           <a:p>
             <a:fld id="{C3F78080-8D0A-4BE8-A5B4-CB115102D524}" type="datetimeFigureOut">
               <a:rPr lang="en-US" smtClean="0"/>
-              <a:t>4/6/2022</a:t>
+              <a:t>6/6/2022</a:t>
             </a:fld>
             <a:endParaRPr lang="en-US"/>
           </a:p>
@@ -4565,7 +4650,7 @@
           <a:p>
             <a:fld id="{C3F78080-8D0A-4BE8-A5B4-CB115102D524}" type="datetimeFigureOut">
               <a:rPr lang="en-US" smtClean="0"/>
-              <a:t>4/6/2022</a:t>
+              <a:t>6/6/2022</a:t>
             </a:fld>
             <a:endParaRPr lang="en-US"/>
           </a:p>
@@ -4773,7 +4858,7 @@
           <a:p>
             <a:fld id="{C3F78080-8D0A-4BE8-A5B4-CB115102D524}" type="datetimeFigureOut">
               <a:rPr lang="en-US" smtClean="0"/>
-              <a:t>4/6/2022</a:t>
+              <a:t>6/6/2022</a:t>
             </a:fld>
             <a:endParaRPr lang="en-US"/>
           </a:p>
@@ -4971,7 +5056,7 @@
           <a:p>
             <a:fld id="{C3F78080-8D0A-4BE8-A5B4-CB115102D524}" type="datetimeFigureOut">
               <a:rPr lang="en-US" smtClean="0"/>
-              <a:t>4/6/2022</a:t>
+              <a:t>6/6/2022</a:t>
             </a:fld>
             <a:endParaRPr lang="en-US"/>
           </a:p>
@@ -5246,7 +5331,7 @@
           <a:p>
             <a:fld id="{C3F78080-8D0A-4BE8-A5B4-CB115102D524}" type="datetimeFigureOut">
               <a:rPr lang="en-US" smtClean="0"/>
-              <a:t>4/6/2022</a:t>
+              <a:t>6/6/2022</a:t>
             </a:fld>
             <a:endParaRPr lang="en-US"/>
           </a:p>
@@ -5511,7 +5596,7 @@
           <a:p>
             <a:fld id="{C3F78080-8D0A-4BE8-A5B4-CB115102D524}" type="datetimeFigureOut">
               <a:rPr lang="en-US" smtClean="0"/>
-              <a:t>4/6/2022</a:t>
+              <a:t>6/6/2022</a:t>
             </a:fld>
             <a:endParaRPr lang="en-US"/>
           </a:p>
@@ -5923,7 +6008,7 @@
           <a:p>
             <a:fld id="{C3F78080-8D0A-4BE8-A5B4-CB115102D524}" type="datetimeFigureOut">
               <a:rPr lang="en-US" smtClean="0"/>
-              <a:t>4/6/2022</a:t>
+              <a:t>6/6/2022</a:t>
             </a:fld>
             <a:endParaRPr lang="en-US"/>
           </a:p>
@@ -6064,7 +6149,7 @@
           <a:p>
             <a:fld id="{C3F78080-8D0A-4BE8-A5B4-CB115102D524}" type="datetimeFigureOut">
               <a:rPr lang="en-US" smtClean="0"/>
-              <a:t>4/6/2022</a:t>
+              <a:t>6/6/2022</a:t>
             </a:fld>
             <a:endParaRPr lang="en-US"/>
           </a:p>
@@ -6177,7 +6262,7 @@
           <a:p>
             <a:fld id="{C3F78080-8D0A-4BE8-A5B4-CB115102D524}" type="datetimeFigureOut">
               <a:rPr lang="en-US" smtClean="0"/>
-              <a:t>4/6/2022</a:t>
+              <a:t>6/6/2022</a:t>
             </a:fld>
             <a:endParaRPr lang="en-US"/>
           </a:p>
@@ -6488,7 +6573,7 @@
           <a:p>
             <a:fld id="{C3F78080-8D0A-4BE8-A5B4-CB115102D524}" type="datetimeFigureOut">
               <a:rPr lang="en-US" smtClean="0"/>
-              <a:t>4/6/2022</a:t>
+              <a:t>6/6/2022</a:t>
             </a:fld>
             <a:endParaRPr lang="en-US"/>
           </a:p>
@@ -6776,7 +6861,7 @@
           <a:p>
             <a:fld id="{C3F78080-8D0A-4BE8-A5B4-CB115102D524}" type="datetimeFigureOut">
               <a:rPr lang="en-US" smtClean="0"/>
-              <a:t>4/6/2022</a:t>
+              <a:t>6/6/2022</a:t>
             </a:fld>
             <a:endParaRPr lang="en-US"/>
           </a:p>
@@ -7017,7 +7102,7 @@
           <a:p>
             <a:fld id="{C3F78080-8D0A-4BE8-A5B4-CB115102D524}" type="datetimeFigureOut">
               <a:rPr lang="en-US" smtClean="0"/>
-              <a:t>4/6/2022</a:t>
+              <a:t>6/6/2022</a:t>
             </a:fld>
             <a:endParaRPr lang="en-US"/>
           </a:p>
@@ -9809,230 +9894,98 @@
           <a:chExt cx="0" cy="0"/>
         </a:xfrm>
       </p:grpSpPr>
-      <p:sp>
-        <p:nvSpPr>
-          <p:cNvPr id="5" name="Content Placeholder 4">
+      <p:pic>
+        <p:nvPicPr>
+          <p:cNvPr id="3" name="Picture 2">
             <a:extLst>
               <a:ext uri="{FF2B5EF4-FFF2-40B4-BE49-F238E27FC236}">
-                <a16:creationId xmlns:a16="http://schemas.microsoft.com/office/drawing/2014/main" id="{7C82B2FA-DB39-467C-9DC1-245874DCBCF1}"/>
+                <a16:creationId xmlns:a16="http://schemas.microsoft.com/office/drawing/2014/main" id="{079E553D-87CC-498F-A6F4-BE873941F430}"/>
               </a:ext>
             </a:extLst>
           </p:cNvPr>
-          <p:cNvSpPr>
-            <a:spLocks noGrp="1"/>
-          </p:cNvSpPr>
-          <p:nvPr>
-            <p:ph idx="1"/>
-          </p:nvPr>
-        </p:nvSpPr>
+          <p:cNvPicPr>
+            <a:picLocks noChangeAspect="1"/>
+          </p:cNvPicPr>
+          <p:nvPr/>
+        </p:nvPicPr>
+        <p:blipFill>
+          <a:blip r:embed="rId3"/>
+          <a:stretch>
+            <a:fillRect/>
+          </a:stretch>
+        </p:blipFill>
         <p:spPr>
           <a:xfrm>
-            <a:off x="812801" y="1386840"/>
-            <a:ext cx="10540999" cy="4790124"/>
+            <a:off x="2012051" y="1892620"/>
+            <a:ext cx="8167897" cy="3072760"/>
           </a:xfrm>
+          <a:prstGeom prst="rect">
+            <a:avLst/>
+          </a:prstGeom>
+          <a:ln>
+            <a:noFill/>
+          </a:ln>
+          <a:effectLst>
+            <a:outerShdw blurRad="292100" dist="139700" dir="2700000" algn="tl" rotWithShape="0">
+              <a:srgbClr val="333333">
+                <a:alpha val="65000"/>
+              </a:srgbClr>
+            </a:outerShdw>
+          </a:effectLst>
         </p:spPr>
-        <p:txBody>
-          <a:bodyPr>
-            <a:normAutofit fontScale="92500" lnSpcReduction="20000"/>
+      </p:pic>
+      <p:sp>
+        <p:nvSpPr>
+          <p:cNvPr id="4" name="TextBox 3">
+            <a:extLst>
+              <a:ext uri="{FF2B5EF4-FFF2-40B4-BE49-F238E27FC236}">
+                <a16:creationId xmlns:a16="http://schemas.microsoft.com/office/drawing/2014/main" id="{5A97D8DA-1FC8-4770-8EEA-E4947515185A}"/>
+              </a:ext>
+            </a:extLst>
+          </p:cNvPr>
+          <p:cNvSpPr txBox="1"/>
+          <p:nvPr/>
+        </p:nvSpPr>
+        <p:spPr>
+          <a:xfrm>
+            <a:off x="0" y="6550223"/>
+            <a:ext cx="12192000" cy="307777"/>
+          </a:xfrm>
+          <a:prstGeom prst="rect">
+            <a:avLst/>
+          </a:prstGeom>
+          <a:noFill/>
+        </p:spPr>
+        <p:txBody>
+          <a:bodyPr wrap="square" rtlCol="0">
+            <a:spAutoFit/>
           </a:bodyPr>
           <a:lstStyle/>
           <a:p>
-            <a:pPr marL="0" indent="0">
-              <a:buNone/>
-            </a:pPr>
-            <a:endParaRPr lang="en-US" sz="3200" dirty="0">
-              <a:latin typeface="Palatino Linotype" panose="02040502050505030304" pitchFamily="18" charset="0"/>
-            </a:endParaRPr>
-          </a:p>
-          <a:p>
-            <a:pPr>
-              <a:buFont typeface="Wingdings" panose="05000000000000000000" pitchFamily="2" charset="2"/>
-              <a:buChar char="Ø"/>
-            </a:pPr>
-            <a:r>
-              <a:rPr lang="en-US" sz="3200" dirty="0">
-                <a:solidFill>
-                  <a:schemeClr val="tx1">
-                    <a:lumMod val="75000"/>
-                    <a:lumOff val="25000"/>
-                  </a:schemeClr>
-                </a:solidFill>
-                <a:latin typeface="Palatino Linotype" panose="02040502050505030304" pitchFamily="18" charset="0"/>
-              </a:rPr>
-              <a:t> Error (Loss) Function</a:t>
-            </a:r>
-          </a:p>
-          <a:p>
-            <a:pPr marL="0" indent="0">
-              <a:buNone/>
-            </a:pPr>
-            <a:endParaRPr lang="en-US" sz="3200" dirty="0">
-              <a:solidFill>
-                <a:schemeClr val="tx1">
-                  <a:lumMod val="75000"/>
-                  <a:lumOff val="25000"/>
-                </a:schemeClr>
-              </a:solidFill>
-              <a:latin typeface="Palatino Linotype" panose="02040502050505030304" pitchFamily="18" charset="0"/>
-            </a:endParaRPr>
-          </a:p>
-          <a:p>
-            <a:pPr>
-              <a:buFont typeface="Wingdings" panose="05000000000000000000" pitchFamily="2" charset="2"/>
-              <a:buChar char="Ø"/>
-            </a:pPr>
-            <a:r>
-              <a:rPr lang="en-US" sz="3200" dirty="0">
-                <a:solidFill>
-                  <a:schemeClr val="tx1">
-                    <a:lumMod val="75000"/>
-                    <a:lumOff val="25000"/>
-                  </a:schemeClr>
-                </a:solidFill>
-                <a:latin typeface="Palatino Linotype" panose="02040502050505030304" pitchFamily="18" charset="0"/>
-              </a:rPr>
-              <a:t> Gradient Descent &amp; Partial Derivatives</a:t>
-            </a:r>
-          </a:p>
-          <a:p>
-            <a:pPr marL="0" indent="0">
-              <a:buNone/>
-            </a:pPr>
-            <a:r>
-              <a:rPr lang="en-US" sz="3200" dirty="0">
-                <a:solidFill>
-                  <a:schemeClr val="tx1">
-                    <a:lumMod val="75000"/>
-                    <a:lumOff val="25000"/>
-                  </a:schemeClr>
-                </a:solidFill>
-                <a:latin typeface="Palatino Linotype" panose="02040502050505030304" pitchFamily="18" charset="0"/>
-              </a:rPr>
-              <a:t> </a:t>
-            </a:r>
-          </a:p>
-          <a:p>
-            <a:pPr>
-              <a:buFont typeface="Wingdings" panose="05000000000000000000" pitchFamily="2" charset="2"/>
-              <a:buChar char="Ø"/>
-            </a:pPr>
-            <a:r>
-              <a:rPr lang="en-US" sz="3200" dirty="0">
-                <a:solidFill>
-                  <a:schemeClr val="tx1">
-                    <a:lumMod val="75000"/>
-                    <a:lumOff val="25000"/>
-                  </a:schemeClr>
-                </a:solidFill>
-                <a:latin typeface="Palatino Linotype" panose="02040502050505030304" pitchFamily="18" charset="0"/>
-              </a:rPr>
-              <a:t> Complex Gradients</a:t>
-            </a:r>
-          </a:p>
-          <a:p>
-            <a:pPr marL="0" indent="0">
-              <a:buNone/>
-            </a:pPr>
-            <a:endParaRPr lang="en-US" sz="3200" dirty="0">
-              <a:solidFill>
-                <a:schemeClr val="tx1">
-                  <a:lumMod val="75000"/>
-                  <a:lumOff val="25000"/>
-                </a:schemeClr>
-              </a:solidFill>
-              <a:latin typeface="Palatino Linotype" panose="02040502050505030304" pitchFamily="18" charset="0"/>
-            </a:endParaRPr>
-          </a:p>
-          <a:p>
-            <a:pPr>
-              <a:buFont typeface="Wingdings" panose="05000000000000000000" pitchFamily="2" charset="2"/>
-              <a:buChar char="Ø"/>
-            </a:pPr>
-            <a:r>
-              <a:rPr lang="en-US" sz="3200" dirty="0">
-                <a:solidFill>
-                  <a:schemeClr val="tx1">
-                    <a:lumMod val="75000"/>
-                    <a:lumOff val="25000"/>
-                  </a:schemeClr>
-                </a:solidFill>
-                <a:latin typeface="Palatino Linotype" panose="02040502050505030304" pitchFamily="18" charset="0"/>
-              </a:rPr>
-              <a:t> Optimizers</a:t>
-            </a:r>
-          </a:p>
-          <a:p>
-            <a:pPr marL="0" indent="0">
-              <a:buNone/>
-            </a:pPr>
-            <a:endParaRPr lang="en-US" sz="3200" dirty="0">
-              <a:solidFill>
-                <a:schemeClr val="tx1">
-                  <a:lumMod val="75000"/>
-                  <a:lumOff val="25000"/>
-                </a:schemeClr>
-              </a:solidFill>
-              <a:latin typeface="Palatino Linotype" panose="02040502050505030304" pitchFamily="18" charset="0"/>
-            </a:endParaRPr>
-          </a:p>
-          <a:p>
-            <a:pPr>
-              <a:buFont typeface="Wingdings" panose="05000000000000000000" pitchFamily="2" charset="2"/>
-              <a:buChar char="Ø"/>
-            </a:pPr>
-            <a:r>
-              <a:rPr lang="en-US" sz="3200" dirty="0">
-                <a:solidFill>
-                  <a:schemeClr val="tx1">
-                    <a:lumMod val="75000"/>
-                    <a:lumOff val="25000"/>
-                  </a:schemeClr>
-                </a:solidFill>
-                <a:latin typeface="Palatino Linotype" panose="02040502050505030304" pitchFamily="18" charset="0"/>
-              </a:rPr>
-              <a:t> Chain Rule</a:t>
-            </a:r>
-          </a:p>
-        </p:txBody>
-      </p:sp>
-      <p:sp>
-        <p:nvSpPr>
-          <p:cNvPr id="3" name="Title 4">
-            <a:extLst>
-              <a:ext uri="{FF2B5EF4-FFF2-40B4-BE49-F238E27FC236}">
-                <a16:creationId xmlns:a16="http://schemas.microsoft.com/office/drawing/2014/main" id="{8ADCD547-C091-45A4-9127-CC0044D81745}"/>
-              </a:ext>
-            </a:extLst>
-          </p:cNvPr>
-          <p:cNvSpPr>
-            <a:spLocks noGrp="1"/>
-          </p:cNvSpPr>
-          <p:nvPr>
-            <p:ph type="title"/>
-          </p:nvPr>
-        </p:nvSpPr>
-        <p:spPr>
-          <a:xfrm>
-            <a:off x="812802" y="365126"/>
-            <a:ext cx="10540998" cy="1325563"/>
-          </a:xfrm>
-        </p:spPr>
-        <p:txBody>
-          <a:bodyPr/>
-          <a:lstStyle/>
-          <a:p>
-            <a:pPr algn="ctr"/>
-            <a:r>
-              <a:rPr lang="en-US" dirty="0">
+            <a:r>
+              <a:rPr lang="en-US" sz="1400" dirty="0">
                 <a:solidFill>
                   <a:schemeClr val="tx1">
                     <a:lumMod val="65000"/>
                     <a:lumOff val="35000"/>
                   </a:schemeClr>
                 </a:solidFill>
-                <a:latin typeface="Palatino Linotype" panose="02040502050505030304" pitchFamily="18" charset="0"/>
-              </a:rPr>
-              <a:t>Summary</a:t>
+                <a:latin typeface="+mj-lt"/>
+                <a:ea typeface="Verdana" panose="020B0604030504040204" pitchFamily="34" charset="0"/>
+              </a:rPr>
+              <a:t>Source: </a:t>
+            </a:r>
+            <a:r>
+              <a:rPr lang="en-US" sz="1400" dirty="0">
+                <a:solidFill>
+                  <a:schemeClr val="tx1">
+                    <a:lumMod val="65000"/>
+                    <a:lumOff val="35000"/>
+                  </a:schemeClr>
+                </a:solidFill>
+                <a:latin typeface="+mj-lt"/>
+              </a:rPr>
+              <a:t>https://medium.com/swlh/introduction-to-deep-learning-using-keras-and-tensorflow-part2-284746ab4442</a:t>
             </a:r>
           </a:p>
         </p:txBody>
@@ -10040,7 +9993,7 @@
     </p:spTree>
     <p:extLst>
       <p:ext uri="{BB962C8B-B14F-4D97-AF65-F5344CB8AC3E}">
-        <p14:creationId xmlns:p14="http://schemas.microsoft.com/office/powerpoint/2010/main" val="1397534281"/>
+        <p14:creationId xmlns:p14="http://schemas.microsoft.com/office/powerpoint/2010/main" val="3930004800"/>
       </p:ext>
     </p:extLst>
   </p:cSld>
@@ -10227,7 +10180,7 @@
           <a:graphicData uri="http://schemas.openxmlformats.org/presentationml/2006/ole">
             <mc:AlternateContent xmlns:mc="http://schemas.openxmlformats.org/markup-compatibility/2006">
               <mc:Choice xmlns:v="urn:schemas-microsoft-com:vml" Requires="v">
-                <p:oleObj spid="_x0000_s1152" name="Visio" r:id="rId8" imgW="2514945" imgH="1657350" progId="Visio.Drawing.15">
+                <p:oleObj spid="_x0000_s1159" name="Visio" r:id="rId8" imgW="2514945" imgH="1657350" progId="Visio.Drawing.15">
                   <p:embed/>
                 </p:oleObj>
               </mc:Choice>
@@ -10424,10 +10377,238 @@
           <a:chExt cx="0" cy="0"/>
         </a:xfrm>
       </p:grpSpPr>
+      <p:sp>
+        <p:nvSpPr>
+          <p:cNvPr id="5" name="Content Placeholder 4">
+            <a:extLst>
+              <a:ext uri="{FF2B5EF4-FFF2-40B4-BE49-F238E27FC236}">
+                <a16:creationId xmlns:a16="http://schemas.microsoft.com/office/drawing/2014/main" id="{7C82B2FA-DB39-467C-9DC1-245874DCBCF1}"/>
+              </a:ext>
+            </a:extLst>
+          </p:cNvPr>
+          <p:cNvSpPr>
+            <a:spLocks noGrp="1"/>
+          </p:cNvSpPr>
+          <p:nvPr>
+            <p:ph idx="1"/>
+          </p:nvPr>
+        </p:nvSpPr>
+        <p:spPr>
+          <a:xfrm>
+            <a:off x="812801" y="1386840"/>
+            <a:ext cx="10540999" cy="4790124"/>
+          </a:xfrm>
+        </p:spPr>
+        <p:txBody>
+          <a:bodyPr>
+            <a:normAutofit fontScale="92500" lnSpcReduction="20000"/>
+          </a:bodyPr>
+          <a:lstStyle/>
+          <a:p>
+            <a:pPr marL="0" indent="0">
+              <a:buNone/>
+            </a:pPr>
+            <a:endParaRPr lang="en-US" sz="3200" dirty="0">
+              <a:latin typeface="Palatino Linotype" panose="02040502050505030304" pitchFamily="18" charset="0"/>
+            </a:endParaRPr>
+          </a:p>
+          <a:p>
+            <a:pPr>
+              <a:buFont typeface="Wingdings" panose="05000000000000000000" pitchFamily="2" charset="2"/>
+              <a:buChar char="Ø"/>
+            </a:pPr>
+            <a:r>
+              <a:rPr lang="en-US" sz="3200" dirty="0">
+                <a:solidFill>
+                  <a:schemeClr val="tx1">
+                    <a:lumMod val="75000"/>
+                    <a:lumOff val="25000"/>
+                  </a:schemeClr>
+                </a:solidFill>
+                <a:latin typeface="Palatino Linotype" panose="02040502050505030304" pitchFamily="18" charset="0"/>
+              </a:rPr>
+              <a:t> Error (Loss) Function</a:t>
+            </a:r>
+          </a:p>
+          <a:p>
+            <a:pPr marL="0" indent="0">
+              <a:buNone/>
+            </a:pPr>
+            <a:endParaRPr lang="en-US" sz="3200" dirty="0">
+              <a:solidFill>
+                <a:schemeClr val="tx1">
+                  <a:lumMod val="75000"/>
+                  <a:lumOff val="25000"/>
+                </a:schemeClr>
+              </a:solidFill>
+              <a:latin typeface="Palatino Linotype" panose="02040502050505030304" pitchFamily="18" charset="0"/>
+            </a:endParaRPr>
+          </a:p>
+          <a:p>
+            <a:pPr>
+              <a:buFont typeface="Wingdings" panose="05000000000000000000" pitchFamily="2" charset="2"/>
+              <a:buChar char="Ø"/>
+            </a:pPr>
+            <a:r>
+              <a:rPr lang="en-US" sz="3200" dirty="0">
+                <a:solidFill>
+                  <a:schemeClr val="tx1">
+                    <a:lumMod val="75000"/>
+                    <a:lumOff val="25000"/>
+                  </a:schemeClr>
+                </a:solidFill>
+                <a:latin typeface="Palatino Linotype" panose="02040502050505030304" pitchFamily="18" charset="0"/>
+              </a:rPr>
+              <a:t> Gradient Descent &amp; Partial Derivatives</a:t>
+            </a:r>
+          </a:p>
+          <a:p>
+            <a:pPr marL="0" indent="0">
+              <a:buNone/>
+            </a:pPr>
+            <a:r>
+              <a:rPr lang="en-US" sz="3200" dirty="0">
+                <a:solidFill>
+                  <a:schemeClr val="tx1">
+                    <a:lumMod val="75000"/>
+                    <a:lumOff val="25000"/>
+                  </a:schemeClr>
+                </a:solidFill>
+                <a:latin typeface="Palatino Linotype" panose="02040502050505030304" pitchFamily="18" charset="0"/>
+              </a:rPr>
+              <a:t> </a:t>
+            </a:r>
+          </a:p>
+          <a:p>
+            <a:pPr>
+              <a:buFont typeface="Wingdings" panose="05000000000000000000" pitchFamily="2" charset="2"/>
+              <a:buChar char="Ø"/>
+            </a:pPr>
+            <a:r>
+              <a:rPr lang="en-US" sz="3200" dirty="0">
+                <a:solidFill>
+                  <a:schemeClr val="tx1">
+                    <a:lumMod val="75000"/>
+                    <a:lumOff val="25000"/>
+                  </a:schemeClr>
+                </a:solidFill>
+                <a:latin typeface="Palatino Linotype" panose="02040502050505030304" pitchFamily="18" charset="0"/>
+              </a:rPr>
+              <a:t> Complex Gradients</a:t>
+            </a:r>
+          </a:p>
+          <a:p>
+            <a:pPr marL="0" indent="0">
+              <a:buNone/>
+            </a:pPr>
+            <a:endParaRPr lang="en-US" sz="3200" dirty="0">
+              <a:solidFill>
+                <a:schemeClr val="tx1">
+                  <a:lumMod val="75000"/>
+                  <a:lumOff val="25000"/>
+                </a:schemeClr>
+              </a:solidFill>
+              <a:latin typeface="Palatino Linotype" panose="02040502050505030304" pitchFamily="18" charset="0"/>
+            </a:endParaRPr>
+          </a:p>
+          <a:p>
+            <a:pPr>
+              <a:buFont typeface="Wingdings" panose="05000000000000000000" pitchFamily="2" charset="2"/>
+              <a:buChar char="Ø"/>
+            </a:pPr>
+            <a:r>
+              <a:rPr lang="en-US" sz="3200" dirty="0">
+                <a:solidFill>
+                  <a:schemeClr val="tx1">
+                    <a:lumMod val="75000"/>
+                    <a:lumOff val="25000"/>
+                  </a:schemeClr>
+                </a:solidFill>
+                <a:latin typeface="Palatino Linotype" panose="02040502050505030304" pitchFamily="18" charset="0"/>
+              </a:rPr>
+              <a:t> Optimizers</a:t>
+            </a:r>
+          </a:p>
+          <a:p>
+            <a:pPr marL="0" indent="0">
+              <a:buNone/>
+            </a:pPr>
+            <a:endParaRPr lang="en-US" sz="3200" dirty="0">
+              <a:solidFill>
+                <a:schemeClr val="tx1">
+                  <a:lumMod val="75000"/>
+                  <a:lumOff val="25000"/>
+                </a:schemeClr>
+              </a:solidFill>
+              <a:latin typeface="Palatino Linotype" panose="02040502050505030304" pitchFamily="18" charset="0"/>
+            </a:endParaRPr>
+          </a:p>
+          <a:p>
+            <a:pPr>
+              <a:buFont typeface="Wingdings" panose="05000000000000000000" pitchFamily="2" charset="2"/>
+              <a:buChar char="Ø"/>
+            </a:pPr>
+            <a:r>
+              <a:rPr lang="en-US" sz="3200" dirty="0">
+                <a:solidFill>
+                  <a:schemeClr val="tx1">
+                    <a:lumMod val="75000"/>
+                    <a:lumOff val="25000"/>
+                  </a:schemeClr>
+                </a:solidFill>
+                <a:latin typeface="Palatino Linotype" panose="02040502050505030304" pitchFamily="18" charset="0"/>
+              </a:rPr>
+              <a:t> Chain Rule</a:t>
+            </a:r>
+          </a:p>
+        </p:txBody>
+      </p:sp>
+      <p:sp>
+        <p:nvSpPr>
+          <p:cNvPr id="3" name="Title 4">
+            <a:extLst>
+              <a:ext uri="{FF2B5EF4-FFF2-40B4-BE49-F238E27FC236}">
+                <a16:creationId xmlns:a16="http://schemas.microsoft.com/office/drawing/2014/main" id="{8ADCD547-C091-45A4-9127-CC0044D81745}"/>
+              </a:ext>
+            </a:extLst>
+          </p:cNvPr>
+          <p:cNvSpPr>
+            <a:spLocks noGrp="1"/>
+          </p:cNvSpPr>
+          <p:nvPr>
+            <p:ph type="title"/>
+          </p:nvPr>
+        </p:nvSpPr>
+        <p:spPr>
+          <a:xfrm>
+            <a:off x="812802" y="365126"/>
+            <a:ext cx="10540998" cy="1325563"/>
+          </a:xfrm>
+        </p:spPr>
+        <p:txBody>
+          <a:bodyPr/>
+          <a:lstStyle/>
+          <a:p>
+            <a:pPr algn="ctr"/>
+            <a:r>
+              <a:rPr lang="en-US" dirty="0">
+                <a:solidFill>
+                  <a:schemeClr val="tx1">
+                    <a:lumMod val="65000"/>
+                    <a:lumOff val="35000"/>
+                  </a:schemeClr>
+                </a:solidFill>
+                <a:latin typeface="Palatino Linotype" panose="02040502050505030304" pitchFamily="18" charset="0"/>
+              </a:rPr>
+              <a:t>Summary</a:t>
+            </a:r>
+          </a:p>
+        </p:txBody>
+      </p:sp>
     </p:spTree>
     <p:extLst>
       <p:ext uri="{BB962C8B-B14F-4D97-AF65-F5344CB8AC3E}">
-        <p14:creationId xmlns:p14="http://schemas.microsoft.com/office/powerpoint/2010/main" val="2128530490"/>
+        <p14:creationId xmlns:p14="http://schemas.microsoft.com/office/powerpoint/2010/main" val="1397534281"/>
       </p:ext>
     </p:extLst>
   </p:cSld>
@@ -10466,6 +10647,48 @@
           <a:chExt cx="0" cy="0"/>
         </a:xfrm>
       </p:grpSpPr>
+    </p:spTree>
+    <p:extLst>
+      <p:ext uri="{BB962C8B-B14F-4D97-AF65-F5344CB8AC3E}">
+        <p14:creationId xmlns:p14="http://schemas.microsoft.com/office/powerpoint/2010/main" val="2128530490"/>
+      </p:ext>
+    </p:extLst>
+  </p:cSld>
+  <p:clrMapOvr>
+    <a:masterClrMapping/>
+  </p:clrMapOvr>
+  <mc:AlternateContent xmlns:mc="http://schemas.openxmlformats.org/markup-compatibility/2006" xmlns:p14="http://schemas.microsoft.com/office/powerpoint/2010/main">
+    <mc:Choice Requires="p14">
+      <p:transition spd="med" p14:dur="700">
+        <p:fade/>
+      </p:transition>
+    </mc:Choice>
+    <mc:Fallback xmlns="">
+      <p:transition spd="med">
+        <p:fade/>
+      </p:transition>
+    </mc:Fallback>
+  </mc:AlternateContent>
+</p:sld>
+</file>
+
+<file path=ppt/slides/slide22.xml><?xml version="1.0" encoding="utf-8"?>
+<p:sld xmlns:a="http://schemas.openxmlformats.org/drawingml/2006/main" xmlns:r="http://schemas.openxmlformats.org/officeDocument/2006/relationships" xmlns:p="http://schemas.openxmlformats.org/presentationml/2006/main">
+  <p:cSld>
+    <p:spTree>
+      <p:nvGrpSpPr>
+        <p:cNvPr id="1" name=""/>
+        <p:cNvGrpSpPr/>
+        <p:nvPr/>
+      </p:nvGrpSpPr>
+      <p:grpSpPr>
+        <a:xfrm>
+          <a:off x="0" y="0"/>
+          <a:ext cx="0" cy="0"/>
+          <a:chOff x="0" y="0"/>
+          <a:chExt cx="0" cy="0"/>
+        </a:xfrm>
+      </p:grpSpPr>
       <p:pic>
         <p:nvPicPr>
           <p:cNvPr id="2" name="Picture 2">
@@ -10536,7 +10759,7 @@
 </p:sld>
 </file>
 
-<file path=ppt/slides/slide22.xml><?xml version="1.0" encoding="utf-8"?>
+<file path=ppt/slides/slide23.xml><?xml version="1.0" encoding="utf-8"?>
 <p:sld xmlns:a="http://schemas.openxmlformats.org/drawingml/2006/main" xmlns:r="http://schemas.openxmlformats.org/officeDocument/2006/relationships" xmlns:p="http://schemas.openxmlformats.org/presentationml/2006/main">
   <p:cSld>
     <p:spTree>
@@ -10608,7 +10831,7 @@
 </p:sld>
 </file>
 
-<file path=ppt/slides/slide23.xml><?xml version="1.0" encoding="utf-8"?>
+<file path=ppt/slides/slide24.xml><?xml version="1.0" encoding="utf-8"?>
 <p:sld xmlns:a="http://schemas.openxmlformats.org/drawingml/2006/main" xmlns:r="http://schemas.openxmlformats.org/officeDocument/2006/relationships" xmlns:p="http://schemas.openxmlformats.org/presentationml/2006/main">
   <p:cSld>
     <p:spTree>

--- a/presentations/03_gradient_descent.pptx
+++ b/presentations/03_gradient_descent.pptx
@@ -5,7 +5,7 @@
     <p:sldMasterId id="2147483648" r:id="rId1"/>
   </p:sldMasterIdLst>
   <p:notesMasterIdLst>
-    <p:notesMasterId r:id="rId26"/>
+    <p:notesMasterId r:id="rId32"/>
   </p:notesMasterIdLst>
   <p:sldIdLst>
     <p:sldId id="322" r:id="rId2"/>
@@ -25,13 +25,19 @@
     <p:sldId id="331" r:id="rId16"/>
     <p:sldId id="330" r:id="rId17"/>
     <p:sldId id="311" r:id="rId18"/>
-    <p:sldId id="333" r:id="rId19"/>
-    <p:sldId id="334" r:id="rId20"/>
-    <p:sldId id="289" r:id="rId21"/>
-    <p:sldId id="328" r:id="rId22"/>
-    <p:sldId id="332" r:id="rId23"/>
-    <p:sldId id="305" r:id="rId24"/>
-    <p:sldId id="324" r:id="rId25"/>
+    <p:sldId id="256" r:id="rId19"/>
+    <p:sldId id="257" r:id="rId20"/>
+    <p:sldId id="262" r:id="rId21"/>
+    <p:sldId id="261" r:id="rId22"/>
+    <p:sldId id="260" r:id="rId23"/>
+    <p:sldId id="258" r:id="rId24"/>
+    <p:sldId id="259" r:id="rId25"/>
+    <p:sldId id="334" r:id="rId26"/>
+    <p:sldId id="289" r:id="rId27"/>
+    <p:sldId id="328" r:id="rId28"/>
+    <p:sldId id="332" r:id="rId29"/>
+    <p:sldId id="305" r:id="rId30"/>
+    <p:sldId id="324" r:id="rId31"/>
   </p:sldIdLst>
   <p:sldSz cx="12192000" cy="6858000"/>
   <p:notesSz cx="6858000" cy="9144000"/>
@@ -231,7 +237,7 @@
           <a:p>
             <a:fld id="{FD93C9B2-20F6-4DB1-B471-224337D0AC79}" type="datetimeFigureOut">
               <a:rPr lang="en-US" smtClean="0"/>
-              <a:t>6/6/2022</a:t>
+              <a:t>6/13/2022</a:t>
             </a:fld>
             <a:endParaRPr lang="en-US"/>
           </a:p>
@@ -1074,16 +1080,24 @@
                 <a:effectLst/>
                 <a:latin typeface="+mn-lt"/>
               </a:rPr>
-              <a:t>Now that we’ve examined backpropagation from the perspective of the error function, its contour, and gradient descent, it’s time to take a closer look at how the network’s weights are adjusted.</a:t>
-            </a:r>
-          </a:p>
-          <a:p>
-            <a:endParaRPr lang="en-US" b="0" i="0" dirty="0">
-              <a:solidFill>
-                <a:srgbClr val="3C3C3B"/>
-              </a:solidFill>
+              <a:t>Now that we’ve examined backpropagation from the perspective of the error function (its contour, and gradient descent) let’s circle back to the weight update process.  We start with a key observation: When the output of any neuron in our network changes, the network’s total error – as calculated by the error function – changes by a proportional amount. Thus, t</a:t>
+            </a:r>
+            <a:r>
+              <a:rPr lang="en-US" sz="1200" dirty="0">
+                <a:effectLst/>
+                <a:latin typeface="+mn-lt"/>
+                <a:ea typeface="Malgun Gothic" panose="020B0503020000020004" pitchFamily="34" charset="-127"/>
+                <a:cs typeface="Times New Roman" panose="02020603050405020304" pitchFamily="18" charset="0"/>
+              </a:rPr>
+              <a:t>he connection between any change in a given neuron’s output and the resulting change in the total error is simply the neuron’s change multiplied by some number. </a:t>
+            </a:r>
+          </a:p>
+          <a:p>
+            <a:endParaRPr lang="en-US" sz="1200" dirty="0">
               <a:effectLst/>
               <a:latin typeface="+mn-lt"/>
+              <a:ea typeface="Malgun Gothic" panose="020B0503020000020004" pitchFamily="34" charset="-127"/>
+              <a:cs typeface="Times New Roman" panose="02020603050405020304" pitchFamily="18" charset="0"/>
             </a:endParaRPr>
           </a:p>
           <a:p>
@@ -1105,23 +1119,13 @@
               <a:defRPr/>
             </a:pPr>
             <a:r>
-              <a:rPr lang="en-US" b="0" i="0" dirty="0">
-                <a:solidFill>
-                  <a:srgbClr val="3C3C3B"/>
-                </a:solidFill>
-                <a:effectLst/>
-                <a:latin typeface="+mn-lt"/>
-              </a:rPr>
-              <a:t>We start with a key observation: When the output of any neuron in our network changes, the final output error changes by a proportional amount. </a:t>
-            </a:r>
-            <a:r>
               <a:rPr lang="en-US" sz="1200" dirty="0">
                 <a:effectLst/>
                 <a:latin typeface="+mn-lt"/>
                 <a:ea typeface="Malgun Gothic" panose="020B0503020000020004" pitchFamily="34" charset="-127"/>
                 <a:cs typeface="Times New Roman" panose="02020603050405020304" pitchFamily="18" charset="0"/>
               </a:rPr>
-              <a:t>The connection between any change in the neuron’s output and the resulting change in the final error is just the neuron’s change multiplied by some number. </a:t>
+              <a:t>This number goes by various names, but the most popular is the lowercase Greek letter δ (delta), though sometimes the uppercase version, Δ, is used. Mathematicians often use the delta character to mean “change” of some sort, so this was a natural (if terse) choice of name.  </a:t>
             </a:r>
           </a:p>
           <a:p>
@@ -1143,14 +1147,22 @@
               <a:defRPr/>
             </a:pPr>
             <a:r>
-              <a:rPr lang="en-US" sz="1200" dirty="0">
+              <a:rPr lang="en-US" b="0" i="0" dirty="0">
+                <a:solidFill>
+                  <a:srgbClr val="3C3C3B"/>
+                </a:solidFill>
                 <a:effectLst/>
                 <a:latin typeface="+mn-lt"/>
-                <a:ea typeface="Malgun Gothic" panose="020B0503020000020004" pitchFamily="34" charset="-127"/>
-                <a:cs typeface="Times New Roman" panose="02020603050405020304" pitchFamily="18" charset="0"/>
-              </a:rPr>
-              <a:t>This number goes by various names, but the most popular is the lowercase Greek letter δ (delta), though sometimes the uppercase version, Δ, is used. Mathematicians often use the delta character to mean “change” of some sort, so this was a natural (if terse) choice of name.  </a:t>
-            </a:r>
+              </a:rPr>
+              <a:t>As stated in an earlier slide – to adjust a given weight, we need the output from the originating neuron as well as the delta from its downstream connection.</a:t>
+            </a:r>
+            <a:endParaRPr lang="en-US" b="0" i="0" dirty="0">
+              <a:solidFill>
+                <a:srgbClr val="3C3C3B"/>
+              </a:solidFill>
+              <a:effectLst/>
+              <a:latin typeface="Lato"/>
+            </a:endParaRPr>
           </a:p>
           <a:p>
             <a:pPr marL="0" marR="0" lvl="0" indent="0" algn="l" defTabSz="914400" rtl="0" eaLnBrk="1" fontAlgn="auto" latinLnBrk="0" hangingPunct="1">
@@ -1176,6 +1188,34 @@
               <a:ea typeface="Malgun Gothic" panose="020B0503020000020004" pitchFamily="34" charset="-127"/>
               <a:cs typeface="Times New Roman" panose="02020603050405020304" pitchFamily="18" charset="0"/>
             </a:endParaRPr>
+          </a:p>
+          <a:p>
+            <a:pPr marL="0" marR="0" lvl="0" indent="0" algn="l" defTabSz="914400" rtl="0" eaLnBrk="1" fontAlgn="auto" latinLnBrk="0" hangingPunct="1">
+              <a:lnSpc>
+                <a:spcPct val="100000"/>
+              </a:lnSpc>
+              <a:spcBef>
+                <a:spcPts val="0"/>
+              </a:spcBef>
+              <a:spcAft>
+                <a:spcPts val="0"/>
+              </a:spcAft>
+              <a:buClrTx/>
+              <a:buSzTx/>
+              <a:buFontTx/>
+              <a:buNone/>
+              <a:tabLst/>
+              <a:defRPr/>
+            </a:pPr>
+            <a:r>
+              <a:rPr lang="en-US" sz="1200" dirty="0">
+                <a:effectLst/>
+                <a:latin typeface="+mn-lt"/>
+                <a:ea typeface="Malgun Gothic" panose="020B0503020000020004" pitchFamily="34" charset="-127"/>
+                <a:cs typeface="Times New Roman" panose="02020603050405020304" pitchFamily="18" charset="0"/>
+              </a:rPr>
+              <a:t>To understand delta, let’s take a closer look at what happens inside an artificial neuron.</a:t>
+            </a:r>
           </a:p>
           <a:p>
             <a:endParaRPr lang="en-US" b="0" i="0" dirty="0">
@@ -1711,7 +1751,7 @@
                 <a:ea typeface="Malgun Gothic" panose="020B0503020000020004" pitchFamily="34" charset="-127"/>
                 <a:cs typeface="Times New Roman" panose="02020603050405020304" pitchFamily="18" charset="0"/>
               </a:rPr>
-              <a:t>The entire process for finding the updated value for weight Wgf0 is pictured here. Showing subtraction in a diagram like this is hard, because if we have a “minus” node with two incoming arrows, it’s not clear which value is being subtracted from the other (that is, if the inputs are x and y, do we compute x − y or y − x?). So to sidestep that problem, we compute Wgf0 − (Go × Fδ) by finding Go × Fδ, multiplying that by −1, and then add that result to Wgf0.</a:t>
+              <a:t>The entire process for finding the updated value for weight Wgf1 is pictured here. Showing subtraction in a diagram like this is hard, because if we have a “minus” node with two incoming arrows, it’s not clear which value is being subtracted from the other (that is, if the inputs are x and y, do we compute x − y or y − x?). So to sidestep that problem, we compute Wgf1 − (Go × Fδ) by finding Go × Fδ, multiplying that by −1, and then add that result to Wgf1.</a:t>
             </a:r>
           </a:p>
           <a:p>
@@ -1764,7 +1804,25 @@
                 <a:ea typeface="Malgun Gothic" panose="020B0503020000020004" pitchFamily="34" charset="-127"/>
                 <a:cs typeface="Times New Roman" panose="02020603050405020304" pitchFamily="18" charset="0"/>
               </a:rPr>
-              <a:t>Let’s walk through this figure. We start with the output Go from neuron G and the delta Fδ from output neuron F.  We then multiply these two numbers together, as shown by the multiplication sign.  What we want to do is subtract that from the current value of Wgf0.  To show this clearly in the diagram, we multiply the product by −1 and then add it to the weight Wgf0. The green arrow is the update step, where this result becomes the new value of Wgf0.</a:t>
+              <a:t>Let’s walk through this figure. We start with the output Go from neuron G and the delta Fδ from output neuron F.  We then multiply these two numbers together, as shown by the multiplication sign.  What we want to do is subtract that from the current value </a:t>
+            </a:r>
+            <a:r>
+              <a:rPr lang="en-US" sz="1200">
+                <a:effectLst/>
+                <a:latin typeface="+mn-lt"/>
+                <a:ea typeface="Malgun Gothic" panose="020B0503020000020004" pitchFamily="34" charset="-127"/>
+                <a:cs typeface="Times New Roman" panose="02020603050405020304" pitchFamily="18" charset="0"/>
+              </a:rPr>
+              <a:t>of Wgf1.  </a:t>
+            </a:r>
+            <a:r>
+              <a:rPr lang="en-US" sz="1200" dirty="0">
+                <a:effectLst/>
+                <a:latin typeface="+mn-lt"/>
+                <a:ea typeface="Malgun Gothic" panose="020B0503020000020004" pitchFamily="34" charset="-127"/>
+                <a:cs typeface="Times New Roman" panose="02020603050405020304" pitchFamily="18" charset="0"/>
+              </a:rPr>
+              <a:t>To show this clearly in the diagram, we multiply the product by −1 and then add it to the weight Wgf1. The green arrow is the update step, where this result becomes the new value of Wgf1.</a:t>
             </a:r>
           </a:p>
           <a:p>
@@ -2077,18 +2135,6 @@
           <a:bodyPr/>
           <a:lstStyle/>
           <a:p>
-            <a:r>
-              <a:rPr lang="en-US" dirty="0"/>
-              <a:t>chain_rule_animation.pptx</a:t>
-            </a:r>
-          </a:p>
-          <a:p>
-            <a:r>
-              <a:rPr lang="en-US" dirty="0"/>
-              <a:t>chain_rule_simulation.gif</a:t>
-            </a:r>
-          </a:p>
-          <a:p>
             <a:endParaRPr lang="en-US" dirty="0"/>
           </a:p>
         </p:txBody>
@@ -2119,7 +2165,7 @@
     </p:spTree>
     <p:extLst>
       <p:ext uri="{BB962C8B-B14F-4D97-AF65-F5344CB8AC3E}">
-        <p14:creationId xmlns:p14="http://schemas.microsoft.com/office/powerpoint/2010/main" val="3680858301"/>
+        <p14:creationId xmlns:p14="http://schemas.microsoft.com/office/powerpoint/2010/main" val="3960210378"/>
       </p:ext>
     </p:extLst>
   </p:cSld>
@@ -2192,7 +2238,7 @@
           <a:bodyPr/>
           <a:lstStyle/>
           <a:p>
-            <a:fld id="{3148858F-F1DB-4027-9C85-CCA6849540DD}" type="slidenum">
+            <a:fld id="{577A96DE-0102-FE41-808A-B23D4556A9D0}" type="slidenum">
               <a:rPr lang="en-US" smtClean="0"/>
               <a:t>19</a:t>
             </a:fld>
@@ -2203,7 +2249,7 @@
     </p:spTree>
     <p:extLst>
       <p:ext uri="{BB962C8B-B14F-4D97-AF65-F5344CB8AC3E}">
-        <p14:creationId xmlns:p14="http://schemas.microsoft.com/office/powerpoint/2010/main" val="2567730846"/>
+        <p14:creationId xmlns:p14="http://schemas.microsoft.com/office/powerpoint/2010/main" val="2668174040"/>
       </p:ext>
     </p:extLst>
   </p:cSld>
@@ -2610,18 +2656,7 @@
           <a:bodyPr/>
           <a:lstStyle/>
           <a:p>
-            <a:r>
-              <a:rPr lang="en-US" dirty="0"/>
-              <a:t>Well, we have covered a lot of territory in this presentation.  First, we discussed the loss function and a network’s </a:t>
-            </a:r>
-            <a:r>
-              <a:rPr lang="en-US" b="1" dirty="0"/>
-              <a:t>total error</a:t>
-            </a:r>
-            <a:r>
-              <a:rPr lang="en-US" dirty="0"/>
-              <a:t>.  That was followed by an in-depth look at gradient descent and the use of partial differential equations to calculate the derivative or slope at a given point on the gradient.  We also learned that most loss functions exhibit complex contours, featuring hills, values, and plateaus, making it difficult to locate the global minimum.  And finally, I discussed how backpropagation employs the chain rule to determine the contribution of each weight to the total error in relation to the other weights.  </a:t>
-            </a:r>
+            <a:endParaRPr lang="en-US" dirty="0"/>
           </a:p>
         </p:txBody>
       </p:sp>
@@ -2640,7 +2675,7 @@
           <a:bodyPr/>
           <a:lstStyle/>
           <a:p>
-            <a:fld id="{3148858F-F1DB-4027-9C85-CCA6849540DD}" type="slidenum">
+            <a:fld id="{577A96DE-0102-FE41-808A-B23D4556A9D0}" type="slidenum">
               <a:rPr lang="en-US" smtClean="0"/>
               <a:t>20</a:t>
             </a:fld>
@@ -2651,7 +2686,7 @@
     </p:spTree>
     <p:extLst>
       <p:ext uri="{BB962C8B-B14F-4D97-AF65-F5344CB8AC3E}">
-        <p14:creationId xmlns:p14="http://schemas.microsoft.com/office/powerpoint/2010/main" val="1690277211"/>
+        <p14:creationId xmlns:p14="http://schemas.microsoft.com/office/powerpoint/2010/main" val="2894673791"/>
       </p:ext>
     </p:extLst>
   </p:cSld>
@@ -2724,7 +2759,7 @@
           <a:bodyPr/>
           <a:lstStyle/>
           <a:p>
-            <a:fld id="{3148858F-F1DB-4027-9C85-CCA6849540DD}" type="slidenum">
+            <a:fld id="{577A96DE-0102-FE41-808A-B23D4556A9D0}" type="slidenum">
               <a:rPr lang="en-US" smtClean="0"/>
               <a:t>21</a:t>
             </a:fld>
@@ -2735,7 +2770,7 @@
     </p:spTree>
     <p:extLst>
       <p:ext uri="{BB962C8B-B14F-4D97-AF65-F5344CB8AC3E}">
-        <p14:creationId xmlns:p14="http://schemas.microsoft.com/office/powerpoint/2010/main" val="3213588290"/>
+        <p14:creationId xmlns:p14="http://schemas.microsoft.com/office/powerpoint/2010/main" val="2554863054"/>
       </p:ext>
     </p:extLst>
   </p:cSld>
@@ -2808,7 +2843,7 @@
           <a:bodyPr/>
           <a:lstStyle/>
           <a:p>
-            <a:fld id="{3148858F-F1DB-4027-9C85-CCA6849540DD}" type="slidenum">
+            <a:fld id="{577A96DE-0102-FE41-808A-B23D4556A9D0}" type="slidenum">
               <a:rPr lang="en-US" smtClean="0"/>
               <a:t>22</a:t>
             </a:fld>
@@ -2819,7 +2854,7 @@
     </p:spTree>
     <p:extLst>
       <p:ext uri="{BB962C8B-B14F-4D97-AF65-F5344CB8AC3E}">
-        <p14:creationId xmlns:p14="http://schemas.microsoft.com/office/powerpoint/2010/main" val="372051230"/>
+        <p14:creationId xmlns:p14="http://schemas.microsoft.com/office/powerpoint/2010/main" val="1538858340"/>
       </p:ext>
     </p:extLst>
   </p:cSld>
@@ -2873,104 +2908,7 @@
           <a:bodyPr/>
           <a:lstStyle/>
           <a:p>
-            <a:pPr algn="l"/>
-            <a:r>
-              <a:rPr lang="en-US" sz="1800" b="0" i="1" u="none" strike="noStrike" baseline="0" dirty="0">
-                <a:solidFill>
-                  <a:srgbClr val="000000"/>
-                </a:solidFill>
-                <a:latin typeface="+mn-lt"/>
-              </a:rPr>
-              <a:t>Gradient Descent </a:t>
-            </a:r>
-            <a:r>
-              <a:rPr lang="en-US" sz="1800" b="0" i="0" u="none" strike="noStrike" baseline="0" dirty="0">
-                <a:solidFill>
-                  <a:srgbClr val="000000"/>
-                </a:solidFill>
-                <a:latin typeface="+mn-lt"/>
-              </a:rPr>
-              <a:t>is a generic optimization algorithm capable of finding optimal solutions to a wide range of problems. The general idea of Gradient Descent is to tweak parameters (weights) iteratively in order to minimize a cost function. Suppose you are lost in the mountains in a dense fog, and you can only feel the slope of the ground below your feet. A good strategy to get to the bottom of the valley quickly is to go downhill in the direction of the steepest slope. This is exactly what Gradient Descent does: it measures the local gradient of the error function with regard to each weight in the network, and it goes in the direction of descending gradient.  Weights are often combined into a parameter vector </a:t>
-            </a:r>
-            <a:r>
-              <a:rPr lang="en-US" sz="1800" b="1" i="0" u="none" strike="noStrike" baseline="0" dirty="0">
-                <a:solidFill>
-                  <a:srgbClr val="000000"/>
-                </a:solidFill>
-                <a:latin typeface="+mn-lt"/>
-              </a:rPr>
-              <a:t>θ, </a:t>
-            </a:r>
-            <a:r>
-              <a:rPr lang="en-US" sz="1800" b="0" i="0" u="none" strike="noStrike" baseline="0" dirty="0">
-                <a:solidFill>
-                  <a:srgbClr val="000000"/>
-                </a:solidFill>
-                <a:latin typeface="+mn-lt"/>
-              </a:rPr>
-              <a:t>pictured here at the Minimum.  Once the gradient is zero, you have reached a minimum!  Concretely, you start by filling </a:t>
-            </a:r>
-            <a:r>
-              <a:rPr lang="en-US" sz="1800" b="1" i="0" u="none" strike="noStrike" baseline="0" dirty="0">
-                <a:solidFill>
-                  <a:srgbClr val="000000"/>
-                </a:solidFill>
-                <a:latin typeface="+mn-lt"/>
-              </a:rPr>
-              <a:t>θ </a:t>
-            </a:r>
-            <a:r>
-              <a:rPr lang="en-US" sz="1800" b="0" i="0" u="none" strike="noStrike" baseline="0" dirty="0">
-                <a:solidFill>
-                  <a:srgbClr val="000000"/>
-                </a:solidFill>
-                <a:latin typeface="+mn-lt"/>
-              </a:rPr>
-              <a:t>with random values (this is called </a:t>
-            </a:r>
-            <a:r>
-              <a:rPr lang="en-US" sz="1800" b="0" i="1" u="none" strike="noStrike" baseline="0" dirty="0">
-                <a:solidFill>
-                  <a:srgbClr val="000000"/>
-                </a:solidFill>
-                <a:latin typeface="+mn-lt"/>
-              </a:rPr>
-              <a:t>random initialization</a:t>
-            </a:r>
-            <a:r>
-              <a:rPr lang="en-US" sz="1800" b="0" i="0" u="none" strike="noStrike" baseline="0" dirty="0">
-                <a:solidFill>
-                  <a:srgbClr val="000000"/>
-                </a:solidFill>
-                <a:latin typeface="+mn-lt"/>
-              </a:rPr>
-              <a:t>). Then you improve it gradually, taking one baby step at a time, each step attempting to decrease the cost function (e.g., the MSE), until the algorithm </a:t>
-            </a:r>
-            <a:r>
-              <a:rPr lang="en-US" sz="1800" b="0" i="1" u="none" strike="noStrike" baseline="0" dirty="0">
-                <a:solidFill>
-                  <a:srgbClr val="000000"/>
-                </a:solidFill>
-                <a:latin typeface="+mn-lt"/>
-              </a:rPr>
-              <a:t>converges </a:t>
-            </a:r>
-            <a:r>
-              <a:rPr lang="en-US" sz="1800" b="0" i="0" u="none" strike="noStrike" baseline="0" dirty="0">
-                <a:solidFill>
-                  <a:srgbClr val="000000"/>
-                </a:solidFill>
-                <a:latin typeface="+mn-lt"/>
-              </a:rPr>
-              <a:t>to a minimum.</a:t>
-            </a:r>
-            <a:endParaRPr lang="en-US" b="0" i="0" dirty="0">
-              <a:solidFill>
-                <a:srgbClr val="3C3C3B"/>
-              </a:solidFill>
-              <a:effectLst/>
-              <a:latin typeface="+mn-lt"/>
-            </a:endParaRPr>
+            <a:endParaRPr lang="en-US" dirty="0"/>
           </a:p>
         </p:txBody>
       </p:sp>
@@ -2989,7 +2927,7 @@
           <a:bodyPr/>
           <a:lstStyle/>
           <a:p>
-            <a:fld id="{3148858F-F1DB-4027-9C85-CCA6849540DD}" type="slidenum">
+            <a:fld id="{577A96DE-0102-FE41-808A-B23D4556A9D0}" type="slidenum">
               <a:rPr lang="en-US" smtClean="0"/>
               <a:t>23</a:t>
             </a:fld>
@@ -3000,7 +2938,7 @@
     </p:spTree>
     <p:extLst>
       <p:ext uri="{BB962C8B-B14F-4D97-AF65-F5344CB8AC3E}">
-        <p14:creationId xmlns:p14="http://schemas.microsoft.com/office/powerpoint/2010/main" val="1199395141"/>
+        <p14:creationId xmlns:p14="http://schemas.microsoft.com/office/powerpoint/2010/main" val="1270975138"/>
       </p:ext>
     </p:extLst>
   </p:cSld>
@@ -3054,115 +2992,539 @@
           <a:bodyPr/>
           <a:lstStyle/>
           <a:p>
-            <a:pPr marL="0" marR="0" lvl="0" indent="0" algn="l" defTabSz="914400" rtl="0" eaLnBrk="1" fontAlgn="auto" latinLnBrk="0" hangingPunct="1">
-              <a:lnSpc>
-                <a:spcPct val="100000"/>
-              </a:lnSpc>
-              <a:spcBef>
-                <a:spcPts val="0"/>
-              </a:spcBef>
-              <a:spcAft>
-                <a:spcPts val="0"/>
-              </a:spcAft>
-              <a:buClrTx/>
-              <a:buSzTx/>
-              <a:buFontTx/>
-              <a:buNone/>
-              <a:tabLst/>
-              <a:defRPr/>
-            </a:pPr>
-            <a:r>
-              <a:rPr lang="en-US" b="0" i="0" dirty="0">
-                <a:solidFill>
-                  <a:srgbClr val="3C3C3B"/>
-                </a:solidFill>
-                <a:effectLst/>
+            <a:endParaRPr lang="en-US" dirty="0"/>
+          </a:p>
+        </p:txBody>
+      </p:sp>
+      <p:sp>
+        <p:nvSpPr>
+          <p:cNvPr id="4" name="Slide Number Placeholder 3"/>
+          <p:cNvSpPr>
+            <a:spLocks noGrp="1"/>
+          </p:cNvSpPr>
+          <p:nvPr>
+            <p:ph type="sldNum" sz="quarter" idx="5"/>
+          </p:nvPr>
+        </p:nvSpPr>
+        <p:spPr/>
+        <p:txBody>
+          <a:bodyPr/>
+          <a:lstStyle/>
+          <a:p>
+            <a:fld id="{577A96DE-0102-FE41-808A-B23D4556A9D0}" type="slidenum">
+              <a:rPr lang="en-US" smtClean="0"/>
+              <a:t>24</a:t>
+            </a:fld>
+            <a:endParaRPr lang="en-US"/>
+          </a:p>
+        </p:txBody>
+      </p:sp>
+    </p:spTree>
+    <p:extLst>
+      <p:ext uri="{BB962C8B-B14F-4D97-AF65-F5344CB8AC3E}">
+        <p14:creationId xmlns:p14="http://schemas.microsoft.com/office/powerpoint/2010/main" val="3767610197"/>
+      </p:ext>
+    </p:extLst>
+  </p:cSld>
+  <p:clrMapOvr>
+    <a:masterClrMapping/>
+  </p:clrMapOvr>
+</p:notes>
+</file>
+
+<file path=ppt/notesSlides/notesSlide25.xml><?xml version="1.0" encoding="utf-8"?>
+<p:notes xmlns:a="http://schemas.openxmlformats.org/drawingml/2006/main" xmlns:r="http://schemas.openxmlformats.org/officeDocument/2006/relationships" xmlns:p="http://schemas.openxmlformats.org/presentationml/2006/main">
+  <p:cSld>
+    <p:spTree>
+      <p:nvGrpSpPr>
+        <p:cNvPr id="1" name=""/>
+        <p:cNvGrpSpPr/>
+        <p:nvPr/>
+      </p:nvGrpSpPr>
+      <p:grpSpPr>
+        <a:xfrm>
+          <a:off x="0" y="0"/>
+          <a:ext cx="0" cy="0"/>
+          <a:chOff x="0" y="0"/>
+          <a:chExt cx="0" cy="0"/>
+        </a:xfrm>
+      </p:grpSpPr>
+      <p:sp>
+        <p:nvSpPr>
+          <p:cNvPr id="2" name="Slide Image Placeholder 1"/>
+          <p:cNvSpPr>
+            <a:spLocks noGrp="1" noRot="1" noChangeAspect="1"/>
+          </p:cNvSpPr>
+          <p:nvPr>
+            <p:ph type="sldImg"/>
+          </p:nvPr>
+        </p:nvSpPr>
+        <p:spPr/>
+      </p:sp>
+      <p:sp>
+        <p:nvSpPr>
+          <p:cNvPr id="3" name="Notes Placeholder 2"/>
+          <p:cNvSpPr>
+            <a:spLocks noGrp="1"/>
+          </p:cNvSpPr>
+          <p:nvPr>
+            <p:ph type="body" idx="1"/>
+          </p:nvPr>
+        </p:nvSpPr>
+        <p:spPr/>
+        <p:txBody>
+          <a:bodyPr/>
+          <a:lstStyle/>
+          <a:p>
+            <a:r>
+              <a:rPr lang="en-US" dirty="0"/>
+              <a:t>And finally, let’s zoom out and consider the training process from the perspective of the overall model.  Here we see the training process (the process of </a:t>
+            </a:r>
+            <a:r>
+              <a:rPr lang="en-US" b="1" dirty="0"/>
+              <a:t>model convergence)</a:t>
+            </a:r>
+            <a:r>
+              <a:rPr lang="en-US" dirty="0"/>
+              <a:t> simulated for a linear regression model.  As our model converges to a global minimum – that is, the model’s fit improves as the regression line moves – our training loss drops and adjustments to our parameters (weights and biases) levels off.</a:t>
+            </a:r>
+          </a:p>
+        </p:txBody>
+      </p:sp>
+      <p:sp>
+        <p:nvSpPr>
+          <p:cNvPr id="4" name="Slide Number Placeholder 3"/>
+          <p:cNvSpPr>
+            <a:spLocks noGrp="1"/>
+          </p:cNvSpPr>
+          <p:nvPr>
+            <p:ph type="sldNum" sz="quarter" idx="5"/>
+          </p:nvPr>
+        </p:nvSpPr>
+        <p:spPr/>
+        <p:txBody>
+          <a:bodyPr/>
+          <a:lstStyle/>
+          <a:p>
+            <a:fld id="{3148858F-F1DB-4027-9C85-CCA6849540DD}" type="slidenum">
+              <a:rPr lang="en-US" smtClean="0"/>
+              <a:t>25</a:t>
+            </a:fld>
+            <a:endParaRPr lang="en-US"/>
+          </a:p>
+        </p:txBody>
+      </p:sp>
+    </p:spTree>
+    <p:extLst>
+      <p:ext uri="{BB962C8B-B14F-4D97-AF65-F5344CB8AC3E}">
+        <p14:creationId xmlns:p14="http://schemas.microsoft.com/office/powerpoint/2010/main" val="2567730846"/>
+      </p:ext>
+    </p:extLst>
+  </p:cSld>
+  <p:clrMapOvr>
+    <a:masterClrMapping/>
+  </p:clrMapOvr>
+</p:notes>
+</file>
+
+<file path=ppt/notesSlides/notesSlide26.xml><?xml version="1.0" encoding="utf-8"?>
+<p:notes xmlns:a="http://schemas.openxmlformats.org/drawingml/2006/main" xmlns:r="http://schemas.openxmlformats.org/officeDocument/2006/relationships" xmlns:p="http://schemas.openxmlformats.org/presentationml/2006/main">
+  <p:cSld>
+    <p:spTree>
+      <p:nvGrpSpPr>
+        <p:cNvPr id="1" name=""/>
+        <p:cNvGrpSpPr/>
+        <p:nvPr/>
+      </p:nvGrpSpPr>
+      <p:grpSpPr>
+        <a:xfrm>
+          <a:off x="0" y="0"/>
+          <a:ext cx="0" cy="0"/>
+          <a:chOff x="0" y="0"/>
+          <a:chExt cx="0" cy="0"/>
+        </a:xfrm>
+      </p:grpSpPr>
+      <p:sp>
+        <p:nvSpPr>
+          <p:cNvPr id="2" name="Slide Image Placeholder 1"/>
+          <p:cNvSpPr>
+            <a:spLocks noGrp="1" noRot="1" noChangeAspect="1"/>
+          </p:cNvSpPr>
+          <p:nvPr>
+            <p:ph type="sldImg"/>
+          </p:nvPr>
+        </p:nvSpPr>
+        <p:spPr/>
+      </p:sp>
+      <p:sp>
+        <p:nvSpPr>
+          <p:cNvPr id="3" name="Notes Placeholder 2"/>
+          <p:cNvSpPr>
+            <a:spLocks noGrp="1"/>
+          </p:cNvSpPr>
+          <p:nvPr>
+            <p:ph type="body" idx="1"/>
+          </p:nvPr>
+        </p:nvSpPr>
+        <p:spPr/>
+        <p:txBody>
+          <a:bodyPr/>
+          <a:lstStyle/>
+          <a:p>
+            <a:r>
+              <a:rPr lang="en-US" dirty="0"/>
+              <a:t>Well, we have covered a lot of territory in this presentation.  First, we discussed the loss function and a network’s </a:t>
+            </a:r>
+            <a:r>
+              <a:rPr lang="en-US" b="1" dirty="0"/>
+              <a:t>total error</a:t>
+            </a:r>
+            <a:r>
+              <a:rPr lang="en-US" dirty="0"/>
+              <a:t>.  That was followed by an in-depth look at gradient descent and the use of partial differential equations to calculate the derivative or slope at a given point on the gradient.  We also learned that most loss functions exhibit complex contours, featuring hills, values, and plateaus, making it difficult to locate the global minimum.  And finally, I discussed how backpropagation employs the chain rule to determine the contribution of each weight to the total error in relation to the other weights.  </a:t>
+            </a:r>
+          </a:p>
+        </p:txBody>
+      </p:sp>
+      <p:sp>
+        <p:nvSpPr>
+          <p:cNvPr id="4" name="Slide Number Placeholder 3"/>
+          <p:cNvSpPr>
+            <a:spLocks noGrp="1"/>
+          </p:cNvSpPr>
+          <p:nvPr>
+            <p:ph type="sldNum" sz="quarter" idx="5"/>
+          </p:nvPr>
+        </p:nvSpPr>
+        <p:spPr/>
+        <p:txBody>
+          <a:bodyPr/>
+          <a:lstStyle/>
+          <a:p>
+            <a:fld id="{3148858F-F1DB-4027-9C85-CCA6849540DD}" type="slidenum">
+              <a:rPr lang="en-US" smtClean="0"/>
+              <a:t>26</a:t>
+            </a:fld>
+            <a:endParaRPr lang="en-US"/>
+          </a:p>
+        </p:txBody>
+      </p:sp>
+    </p:spTree>
+    <p:extLst>
+      <p:ext uri="{BB962C8B-B14F-4D97-AF65-F5344CB8AC3E}">
+        <p14:creationId xmlns:p14="http://schemas.microsoft.com/office/powerpoint/2010/main" val="1690277211"/>
+      </p:ext>
+    </p:extLst>
+  </p:cSld>
+  <p:clrMapOvr>
+    <a:masterClrMapping/>
+  </p:clrMapOvr>
+</p:notes>
+</file>
+
+<file path=ppt/notesSlides/notesSlide27.xml><?xml version="1.0" encoding="utf-8"?>
+<p:notes xmlns:a="http://schemas.openxmlformats.org/drawingml/2006/main" xmlns:r="http://schemas.openxmlformats.org/officeDocument/2006/relationships" xmlns:p="http://schemas.openxmlformats.org/presentationml/2006/main">
+  <p:cSld>
+    <p:spTree>
+      <p:nvGrpSpPr>
+        <p:cNvPr id="1" name=""/>
+        <p:cNvGrpSpPr/>
+        <p:nvPr/>
+      </p:nvGrpSpPr>
+      <p:grpSpPr>
+        <a:xfrm>
+          <a:off x="0" y="0"/>
+          <a:ext cx="0" cy="0"/>
+          <a:chOff x="0" y="0"/>
+          <a:chExt cx="0" cy="0"/>
+        </a:xfrm>
+      </p:grpSpPr>
+      <p:sp>
+        <p:nvSpPr>
+          <p:cNvPr id="2" name="Slide Image Placeholder 1"/>
+          <p:cNvSpPr>
+            <a:spLocks noGrp="1" noRot="1" noChangeAspect="1"/>
+          </p:cNvSpPr>
+          <p:nvPr>
+            <p:ph type="sldImg"/>
+          </p:nvPr>
+        </p:nvSpPr>
+        <p:spPr/>
+      </p:sp>
+      <p:sp>
+        <p:nvSpPr>
+          <p:cNvPr id="3" name="Notes Placeholder 2"/>
+          <p:cNvSpPr>
+            <a:spLocks noGrp="1"/>
+          </p:cNvSpPr>
+          <p:nvPr>
+            <p:ph type="body" idx="1"/>
+          </p:nvPr>
+        </p:nvSpPr>
+        <p:spPr/>
+        <p:txBody>
+          <a:bodyPr/>
+          <a:lstStyle/>
+          <a:p>
+            <a:endParaRPr lang="en-US" dirty="0"/>
+          </a:p>
+        </p:txBody>
+      </p:sp>
+      <p:sp>
+        <p:nvSpPr>
+          <p:cNvPr id="4" name="Slide Number Placeholder 3"/>
+          <p:cNvSpPr>
+            <a:spLocks noGrp="1"/>
+          </p:cNvSpPr>
+          <p:nvPr>
+            <p:ph type="sldNum" sz="quarter" idx="5"/>
+          </p:nvPr>
+        </p:nvSpPr>
+        <p:spPr/>
+        <p:txBody>
+          <a:bodyPr/>
+          <a:lstStyle/>
+          <a:p>
+            <a:fld id="{3148858F-F1DB-4027-9C85-CCA6849540DD}" type="slidenum">
+              <a:rPr lang="en-US" smtClean="0"/>
+              <a:t>27</a:t>
+            </a:fld>
+            <a:endParaRPr lang="en-US"/>
+          </a:p>
+        </p:txBody>
+      </p:sp>
+    </p:spTree>
+    <p:extLst>
+      <p:ext uri="{BB962C8B-B14F-4D97-AF65-F5344CB8AC3E}">
+        <p14:creationId xmlns:p14="http://schemas.microsoft.com/office/powerpoint/2010/main" val="3213588290"/>
+      </p:ext>
+    </p:extLst>
+  </p:cSld>
+  <p:clrMapOvr>
+    <a:masterClrMapping/>
+  </p:clrMapOvr>
+</p:notes>
+</file>
+
+<file path=ppt/notesSlides/notesSlide28.xml><?xml version="1.0" encoding="utf-8"?>
+<p:notes xmlns:a="http://schemas.openxmlformats.org/drawingml/2006/main" xmlns:r="http://schemas.openxmlformats.org/officeDocument/2006/relationships" xmlns:p="http://schemas.openxmlformats.org/presentationml/2006/main">
+  <p:cSld>
+    <p:spTree>
+      <p:nvGrpSpPr>
+        <p:cNvPr id="1" name=""/>
+        <p:cNvGrpSpPr/>
+        <p:nvPr/>
+      </p:nvGrpSpPr>
+      <p:grpSpPr>
+        <a:xfrm>
+          <a:off x="0" y="0"/>
+          <a:ext cx="0" cy="0"/>
+          <a:chOff x="0" y="0"/>
+          <a:chExt cx="0" cy="0"/>
+        </a:xfrm>
+      </p:grpSpPr>
+      <p:sp>
+        <p:nvSpPr>
+          <p:cNvPr id="2" name="Slide Image Placeholder 1"/>
+          <p:cNvSpPr>
+            <a:spLocks noGrp="1" noRot="1" noChangeAspect="1"/>
+          </p:cNvSpPr>
+          <p:nvPr>
+            <p:ph type="sldImg"/>
+          </p:nvPr>
+        </p:nvSpPr>
+        <p:spPr/>
+      </p:sp>
+      <p:sp>
+        <p:nvSpPr>
+          <p:cNvPr id="3" name="Notes Placeholder 2"/>
+          <p:cNvSpPr>
+            <a:spLocks noGrp="1"/>
+          </p:cNvSpPr>
+          <p:nvPr>
+            <p:ph type="body" idx="1"/>
+          </p:nvPr>
+        </p:nvSpPr>
+        <p:spPr/>
+        <p:txBody>
+          <a:bodyPr/>
+          <a:lstStyle/>
+          <a:p>
+            <a:endParaRPr lang="en-US" dirty="0"/>
+          </a:p>
+        </p:txBody>
+      </p:sp>
+      <p:sp>
+        <p:nvSpPr>
+          <p:cNvPr id="4" name="Slide Number Placeholder 3"/>
+          <p:cNvSpPr>
+            <a:spLocks noGrp="1"/>
+          </p:cNvSpPr>
+          <p:nvPr>
+            <p:ph type="sldNum" sz="quarter" idx="5"/>
+          </p:nvPr>
+        </p:nvSpPr>
+        <p:spPr/>
+        <p:txBody>
+          <a:bodyPr/>
+          <a:lstStyle/>
+          <a:p>
+            <a:fld id="{3148858F-F1DB-4027-9C85-CCA6849540DD}" type="slidenum">
+              <a:rPr lang="en-US" smtClean="0"/>
+              <a:t>28</a:t>
+            </a:fld>
+            <a:endParaRPr lang="en-US"/>
+          </a:p>
+        </p:txBody>
+      </p:sp>
+    </p:spTree>
+    <p:extLst>
+      <p:ext uri="{BB962C8B-B14F-4D97-AF65-F5344CB8AC3E}">
+        <p14:creationId xmlns:p14="http://schemas.microsoft.com/office/powerpoint/2010/main" val="372051230"/>
+      </p:ext>
+    </p:extLst>
+  </p:cSld>
+  <p:clrMapOvr>
+    <a:masterClrMapping/>
+  </p:clrMapOvr>
+</p:notes>
+</file>
+
+<file path=ppt/notesSlides/notesSlide29.xml><?xml version="1.0" encoding="utf-8"?>
+<p:notes xmlns:a="http://schemas.openxmlformats.org/drawingml/2006/main" xmlns:r="http://schemas.openxmlformats.org/officeDocument/2006/relationships" xmlns:p="http://schemas.openxmlformats.org/presentationml/2006/main">
+  <p:cSld>
+    <p:spTree>
+      <p:nvGrpSpPr>
+        <p:cNvPr id="1" name=""/>
+        <p:cNvGrpSpPr/>
+        <p:nvPr/>
+      </p:nvGrpSpPr>
+      <p:grpSpPr>
+        <a:xfrm>
+          <a:off x="0" y="0"/>
+          <a:ext cx="0" cy="0"/>
+          <a:chOff x="0" y="0"/>
+          <a:chExt cx="0" cy="0"/>
+        </a:xfrm>
+      </p:grpSpPr>
+      <p:sp>
+        <p:nvSpPr>
+          <p:cNvPr id="2" name="Slide Image Placeholder 1"/>
+          <p:cNvSpPr>
+            <a:spLocks noGrp="1" noRot="1" noChangeAspect="1"/>
+          </p:cNvSpPr>
+          <p:nvPr>
+            <p:ph type="sldImg"/>
+          </p:nvPr>
+        </p:nvSpPr>
+        <p:spPr/>
+      </p:sp>
+      <p:sp>
+        <p:nvSpPr>
+          <p:cNvPr id="3" name="Notes Placeholder 2"/>
+          <p:cNvSpPr>
+            <a:spLocks noGrp="1"/>
+          </p:cNvSpPr>
+          <p:nvPr>
+            <p:ph type="body" idx="1"/>
+          </p:nvPr>
+        </p:nvSpPr>
+        <p:spPr/>
+        <p:txBody>
+          <a:bodyPr/>
+          <a:lstStyle/>
+          <a:p>
+            <a:pPr algn="l"/>
+            <a:r>
+              <a:rPr lang="en-US" sz="1800" b="0" i="1" u="none" strike="noStrike" baseline="0" dirty="0">
+                <a:solidFill>
+                  <a:srgbClr val="000000"/>
+                </a:solidFill>
                 <a:latin typeface="+mn-lt"/>
               </a:rPr>
-              <a:t>We begin with the image of our small classification network from the last presentation.  Let’s quickly review a couple points.  In this example, the network’s output layer consists of a single node (G).  Like the nodes before, it sums up its inputs, passes that value to its activation function which then generates a final output (the probability that the image is a chicken).  This final output is then fed to a </a:t>
-            </a:r>
-            <a:r>
-              <a:rPr lang="en-US" b="1" i="0" dirty="0">
-                <a:solidFill>
-                  <a:srgbClr val="3C3C3B"/>
-                </a:solidFill>
-                <a:effectLst/>
+              <a:t>Gradient Descent </a:t>
+            </a:r>
+            <a:r>
+              <a:rPr lang="en-US" sz="1800" b="0" i="0" u="none" strike="noStrike" baseline="0" dirty="0">
+                <a:solidFill>
+                  <a:srgbClr val="000000"/>
+                </a:solidFill>
                 <a:latin typeface="+mn-lt"/>
               </a:rPr>
-              <a:t>loss function</a:t>
-            </a:r>
-            <a:r>
-              <a:rPr lang="en-US" b="0" i="0" dirty="0">
-                <a:solidFill>
-                  <a:srgbClr val="3C3C3B"/>
-                </a:solidFill>
-                <a:effectLst/>
+              <a:t>is a generic optimization algorithm capable of finding optimal solutions to a wide range of problems. The general idea of Gradient Descent is to tweak parameters (weights) iteratively in order to minimize a cost function. Suppose you are lost in the mountains in a dense fog, and you can only feel the slope of the ground below your feet. A good strategy to get to the bottom of the valley quickly is to go downhill in the direction of the steepest slope. This is exactly what Gradient Descent does: it measures the local gradient of the error function with regard to each weight in the network, and it goes in the direction of descending gradient.  Weights are often combined into a parameter vector </a:t>
+            </a:r>
+            <a:r>
+              <a:rPr lang="en-US" sz="1800" b="1" i="0" u="none" strike="noStrike" baseline="0" dirty="0">
+                <a:solidFill>
+                  <a:srgbClr val="000000"/>
+                </a:solidFill>
                 <a:latin typeface="+mn-lt"/>
               </a:rPr>
-              <a:t>, often called a </a:t>
-            </a:r>
-            <a:r>
-              <a:rPr lang="en-US" b="1" i="0" dirty="0">
-                <a:solidFill>
-                  <a:srgbClr val="3C3C3B"/>
-                </a:solidFill>
-                <a:effectLst/>
+              <a:t>θ, </a:t>
+            </a:r>
+            <a:r>
+              <a:rPr lang="en-US" sz="1800" b="0" i="0" u="none" strike="noStrike" baseline="0" dirty="0">
+                <a:solidFill>
+                  <a:srgbClr val="000000"/>
+                </a:solidFill>
                 <a:latin typeface="+mn-lt"/>
               </a:rPr>
-              <a:t>cost or error function</a:t>
-            </a:r>
-            <a:r>
-              <a:rPr lang="en-US" b="0" i="0" dirty="0">
-                <a:solidFill>
-                  <a:srgbClr val="3C3C3B"/>
-                </a:solidFill>
-                <a:effectLst/>
+              <a:t>pictured here at the Minimum.  Once the gradient is zero, you have reached a minimum!  Concretely, you start by filling </a:t>
+            </a:r>
+            <a:r>
+              <a:rPr lang="en-US" sz="1800" b="1" i="0" u="none" strike="noStrike" baseline="0" dirty="0">
+                <a:solidFill>
+                  <a:srgbClr val="000000"/>
+                </a:solidFill>
                 <a:latin typeface="+mn-lt"/>
               </a:rPr>
-              <a:t> in the literature.  The loss function compares the network’s prediction to the label attached to the example.  So, if the label attached to this image is 1 (it’s 100% certain that this is a chicken) but our network outputs a probability of 10%, we have a large discrepancy.  With that discrepancy, the loss function calculates the network’s </a:t>
-            </a:r>
-            <a:r>
-              <a:rPr lang="en-US" b="1" i="0" dirty="0">
-                <a:solidFill>
-                  <a:srgbClr val="3C3C3B"/>
-                </a:solidFill>
-                <a:effectLst/>
+              <a:t>θ </a:t>
+            </a:r>
+            <a:r>
+              <a:rPr lang="en-US" sz="1800" b="0" i="0" u="none" strike="noStrike" baseline="0" dirty="0">
+                <a:solidFill>
+                  <a:srgbClr val="000000"/>
+                </a:solidFill>
                 <a:latin typeface="+mn-lt"/>
               </a:rPr>
-              <a:t>total error</a:t>
-            </a:r>
-            <a:r>
-              <a:rPr lang="en-US" b="0" i="0" dirty="0">
-                <a:solidFill>
-                  <a:srgbClr val="3C3C3B"/>
-                </a:solidFill>
-                <a:effectLst/>
+              <a:t>with random values (this is called </a:t>
+            </a:r>
+            <a:r>
+              <a:rPr lang="en-US" sz="1800" b="0" i="1" u="none" strike="noStrike" baseline="0" dirty="0">
+                <a:solidFill>
+                  <a:srgbClr val="000000"/>
+                </a:solidFill>
                 <a:latin typeface="+mn-lt"/>
               </a:rPr>
-              <a:t>.  This is the penalty the network must pay for arriving at an answer other than the </a:t>
-            </a:r>
-            <a:r>
-              <a:rPr lang="en-US" b="1" i="0" dirty="0">
-                <a:solidFill>
-                  <a:srgbClr val="3C3C3B"/>
-                </a:solidFill>
-                <a:effectLst/>
+              <a:t>random initialization</a:t>
+            </a:r>
+            <a:r>
+              <a:rPr lang="en-US" sz="1800" b="0" i="0" u="none" strike="noStrike" baseline="0" dirty="0">
+                <a:solidFill>
+                  <a:srgbClr val="000000"/>
+                </a:solidFill>
                 <a:latin typeface="+mn-lt"/>
               </a:rPr>
-              <a:t>ground truth</a:t>
-            </a:r>
-            <a:r>
-              <a:rPr lang="en-US" b="0" i="0" dirty="0">
-                <a:solidFill>
-                  <a:srgbClr val="3C3C3B"/>
-                </a:solidFill>
-                <a:effectLst/>
+              <a:t>). Then you improve it gradually, taking one baby step at a time, each step attempting to decrease the cost function (e.g., the MSE), until the algorithm </a:t>
+            </a:r>
+            <a:r>
+              <a:rPr lang="en-US" sz="1800" b="0" i="1" u="none" strike="noStrike" baseline="0" dirty="0">
+                <a:solidFill>
+                  <a:srgbClr val="000000"/>
+                </a:solidFill>
                 <a:latin typeface="+mn-lt"/>
               </a:rPr>
-              <a:t>.  If the network’s prediction closely matches the label, the total error is minimal.</a:t>
-            </a:r>
-          </a:p>
-          <a:p>
+              <a:t>converges </a:t>
+            </a:r>
+            <a:r>
+              <a:rPr lang="en-US" sz="1800" b="0" i="0" u="none" strike="noStrike" baseline="0" dirty="0">
+                <a:solidFill>
+                  <a:srgbClr val="000000"/>
+                </a:solidFill>
+                <a:latin typeface="+mn-lt"/>
+              </a:rPr>
+              <a:t>to a minimum.</a:t>
+            </a:r>
             <a:endParaRPr lang="en-US" b="0" i="0" dirty="0">
               <a:solidFill>
                 <a:srgbClr val="3C3C3B"/>
@@ -3171,73 +3533,6 @@
               <a:latin typeface="+mn-lt"/>
             </a:endParaRPr>
           </a:p>
-          <a:p>
-            <a:pPr marL="0" marR="0" lvl="0" indent="0" algn="l" defTabSz="914400" rtl="0" eaLnBrk="1" fontAlgn="auto" latinLnBrk="0" hangingPunct="1">
-              <a:lnSpc>
-                <a:spcPct val="100000"/>
-              </a:lnSpc>
-              <a:spcBef>
-                <a:spcPts val="0"/>
-              </a:spcBef>
-              <a:spcAft>
-                <a:spcPts val="0"/>
-              </a:spcAft>
-              <a:buClrTx/>
-              <a:buSzTx/>
-              <a:buFontTx/>
-              <a:buNone/>
-              <a:tabLst/>
-              <a:defRPr/>
-            </a:pPr>
-            <a:r>
-              <a:rPr lang="en-US" b="0" i="0" dirty="0">
-                <a:solidFill>
-                  <a:srgbClr val="3C3C3B"/>
-                </a:solidFill>
-                <a:effectLst/>
-                <a:latin typeface="+mn-lt"/>
-              </a:rPr>
-              <a:t>And finally, the loss function passes the total error to the optimizer which oversees the backpropagation process.  It is during backprop that weights are adjusted.  Hence, the goal of the system is to minimize its error, in a process called </a:t>
-            </a:r>
-            <a:r>
-              <a:rPr lang="en-US" b="1" i="0" dirty="0">
-                <a:solidFill>
-                  <a:srgbClr val="3C3C3B"/>
-                </a:solidFill>
-                <a:effectLst/>
-                <a:latin typeface="+mn-lt"/>
-              </a:rPr>
-              <a:t>gradient descent</a:t>
-            </a:r>
-            <a:r>
-              <a:rPr lang="en-US" b="0" i="0" dirty="0">
-                <a:solidFill>
-                  <a:srgbClr val="3C3C3B"/>
-                </a:solidFill>
-                <a:effectLst/>
-                <a:latin typeface="+mn-lt"/>
-              </a:rPr>
-              <a:t>. At this point, the network needs to adjust all of its weights such that the total error is minimized.  More concretely, the network needs to calculate the individual contribution of each weight to the total error and then proceed to adjust each weight (up or down) in relation to its contribution to the total error.  So, how does it do that during backpropagation?  Let’s start with a 3-dimensional plot…</a:t>
-            </a:r>
-          </a:p>
-          <a:p>
-            <a:endParaRPr lang="en-US" b="0" i="0" dirty="0">
-              <a:solidFill>
-                <a:srgbClr val="3C3C3B"/>
-              </a:solidFill>
-              <a:effectLst/>
-              <a:latin typeface="Lato"/>
-            </a:endParaRPr>
-          </a:p>
-          <a:p>
-            <a:endParaRPr lang="en-US" b="0" i="0" dirty="0">
-              <a:solidFill>
-                <a:srgbClr val="3C3C3B"/>
-              </a:solidFill>
-              <a:effectLst/>
-              <a:latin typeface="Lato"/>
-            </a:endParaRPr>
-          </a:p>
         </p:txBody>
       </p:sp>
       <p:sp>
@@ -3257,7 +3552,7 @@
           <a:p>
             <a:fld id="{3148858F-F1DB-4027-9C85-CCA6849540DD}" type="slidenum">
               <a:rPr lang="en-US" smtClean="0"/>
-              <a:t>24</a:t>
+              <a:t>29</a:t>
             </a:fld>
             <a:endParaRPr lang="en-US"/>
           </a:p>
@@ -3266,7 +3561,7 @@
     </p:spTree>
     <p:extLst>
       <p:ext uri="{BB962C8B-B14F-4D97-AF65-F5344CB8AC3E}">
-        <p14:creationId xmlns:p14="http://schemas.microsoft.com/office/powerpoint/2010/main" val="3299567317"/>
+        <p14:creationId xmlns:p14="http://schemas.microsoft.com/office/powerpoint/2010/main" val="1199395141"/>
       </p:ext>
     </p:extLst>
   </p:cSld>
@@ -3382,7 +3677,22 @@
                 <a:effectLst/>
                 <a:latin typeface="+mn-lt"/>
               </a:rPr>
-              <a:t>At this point, the network needs to adjust all of its weights such that the total error is minimized.  More concretely, the network must calculate the individual contribution of each weight to the total error and then proceed to adjust each (up / down) in relation to its contribution to the total error. </a:t>
+              <a:t>At this point, the network needs to adjust all its weights such that the total error is minimized.  More concretely, the network must calculate the individual contribution of each weight to the total error and then proceed to adjust each (up / down) in relation to its contribution to the total error. </a:t>
+            </a:r>
+          </a:p>
+          <a:p>
+            <a:pPr marL="228600" indent="-228600">
+              <a:buAutoNum type="arabicPeriod"/>
+            </a:pPr>
+            <a:r>
+              <a:rPr lang="en-US" b="0" i="0" dirty="0">
+                <a:solidFill>
+                  <a:srgbClr val="3C3C3B"/>
+                </a:solidFill>
+                <a:effectLst/>
+                <a:latin typeface="+mn-lt"/>
+              </a:rPr>
+              <a:t>To adjust a weight, we need the output from the originating neuron as well as the delta from its downstream connection.  We will discuss the weight update process in just a bit.</a:t>
             </a:r>
             <a:endParaRPr lang="en-US" b="0" i="0" dirty="0">
               <a:solidFill>
@@ -3413,7 +3723,7 @@
                 <a:effectLst/>
                 <a:latin typeface="Lato"/>
               </a:rPr>
-              <a:t>Let’s begin our exploration of gradient descent with a graph…</a:t>
+              <a:t>But first, let’s take a closer look at inner workings of the error/loss function…</a:t>
             </a:r>
           </a:p>
         </p:txBody>
@@ -3445,6 +3755,272 @@
     <p:extLst>
       <p:ext uri="{BB962C8B-B14F-4D97-AF65-F5344CB8AC3E}">
         <p14:creationId xmlns:p14="http://schemas.microsoft.com/office/powerpoint/2010/main" val="3444208413"/>
+      </p:ext>
+    </p:extLst>
+  </p:cSld>
+  <p:clrMapOvr>
+    <a:masterClrMapping/>
+  </p:clrMapOvr>
+</p:notes>
+</file>
+
+<file path=ppt/notesSlides/notesSlide30.xml><?xml version="1.0" encoding="utf-8"?>
+<p:notes xmlns:a="http://schemas.openxmlformats.org/drawingml/2006/main" xmlns:r="http://schemas.openxmlformats.org/officeDocument/2006/relationships" xmlns:p="http://schemas.openxmlformats.org/presentationml/2006/main">
+  <p:cSld>
+    <p:spTree>
+      <p:nvGrpSpPr>
+        <p:cNvPr id="1" name=""/>
+        <p:cNvGrpSpPr/>
+        <p:nvPr/>
+      </p:nvGrpSpPr>
+      <p:grpSpPr>
+        <a:xfrm>
+          <a:off x="0" y="0"/>
+          <a:ext cx="0" cy="0"/>
+          <a:chOff x="0" y="0"/>
+          <a:chExt cx="0" cy="0"/>
+        </a:xfrm>
+      </p:grpSpPr>
+      <p:sp>
+        <p:nvSpPr>
+          <p:cNvPr id="2" name="Slide Image Placeholder 1"/>
+          <p:cNvSpPr>
+            <a:spLocks noGrp="1" noRot="1" noChangeAspect="1"/>
+          </p:cNvSpPr>
+          <p:nvPr>
+            <p:ph type="sldImg"/>
+          </p:nvPr>
+        </p:nvSpPr>
+        <p:spPr/>
+      </p:sp>
+      <p:sp>
+        <p:nvSpPr>
+          <p:cNvPr id="3" name="Notes Placeholder 2"/>
+          <p:cNvSpPr>
+            <a:spLocks noGrp="1"/>
+          </p:cNvSpPr>
+          <p:nvPr>
+            <p:ph type="body" idx="1"/>
+          </p:nvPr>
+        </p:nvSpPr>
+        <p:spPr/>
+        <p:txBody>
+          <a:bodyPr/>
+          <a:lstStyle/>
+          <a:p>
+            <a:pPr marL="0" marR="0" lvl="0" indent="0" algn="l" defTabSz="914400" rtl="0" eaLnBrk="1" fontAlgn="auto" latinLnBrk="0" hangingPunct="1">
+              <a:lnSpc>
+                <a:spcPct val="100000"/>
+              </a:lnSpc>
+              <a:spcBef>
+                <a:spcPts val="0"/>
+              </a:spcBef>
+              <a:spcAft>
+                <a:spcPts val="0"/>
+              </a:spcAft>
+              <a:buClrTx/>
+              <a:buSzTx/>
+              <a:buFontTx/>
+              <a:buNone/>
+              <a:tabLst/>
+              <a:defRPr/>
+            </a:pPr>
+            <a:r>
+              <a:rPr lang="en-US" b="0" i="0" dirty="0">
+                <a:solidFill>
+                  <a:srgbClr val="3C3C3B"/>
+                </a:solidFill>
+                <a:effectLst/>
+                <a:latin typeface="+mn-lt"/>
+              </a:rPr>
+              <a:t>We begin with the image of our small classification network from the last presentation.  Let’s quickly review a couple points.  In this example, the network’s output layer consists of a single node (G).  Like the nodes before, it sums up its inputs, passes that value to its activation function which then generates a final output (the probability that the image is a chicken).  This final output is then fed to a </a:t>
+            </a:r>
+            <a:r>
+              <a:rPr lang="en-US" b="1" i="0" dirty="0">
+                <a:solidFill>
+                  <a:srgbClr val="3C3C3B"/>
+                </a:solidFill>
+                <a:effectLst/>
+                <a:latin typeface="+mn-lt"/>
+              </a:rPr>
+              <a:t>loss function</a:t>
+            </a:r>
+            <a:r>
+              <a:rPr lang="en-US" b="0" i="0" dirty="0">
+                <a:solidFill>
+                  <a:srgbClr val="3C3C3B"/>
+                </a:solidFill>
+                <a:effectLst/>
+                <a:latin typeface="+mn-lt"/>
+              </a:rPr>
+              <a:t>, often called a </a:t>
+            </a:r>
+            <a:r>
+              <a:rPr lang="en-US" b="1" i="0" dirty="0">
+                <a:solidFill>
+                  <a:srgbClr val="3C3C3B"/>
+                </a:solidFill>
+                <a:effectLst/>
+                <a:latin typeface="+mn-lt"/>
+              </a:rPr>
+              <a:t>cost or error function</a:t>
+            </a:r>
+            <a:r>
+              <a:rPr lang="en-US" b="0" i="0" dirty="0">
+                <a:solidFill>
+                  <a:srgbClr val="3C3C3B"/>
+                </a:solidFill>
+                <a:effectLst/>
+                <a:latin typeface="+mn-lt"/>
+              </a:rPr>
+              <a:t> in the literature.  The loss function compares the network’s prediction to the label attached to the example.  So, if the label attached to this image is 1 (it’s 100% certain that this is a chicken) but our network outputs a probability of 10%, we have a large discrepancy.  With that discrepancy, the loss function calculates the network’s </a:t>
+            </a:r>
+            <a:r>
+              <a:rPr lang="en-US" b="1" i="0" dirty="0">
+                <a:solidFill>
+                  <a:srgbClr val="3C3C3B"/>
+                </a:solidFill>
+                <a:effectLst/>
+                <a:latin typeface="+mn-lt"/>
+              </a:rPr>
+              <a:t>total error</a:t>
+            </a:r>
+            <a:r>
+              <a:rPr lang="en-US" b="0" i="0" dirty="0">
+                <a:solidFill>
+                  <a:srgbClr val="3C3C3B"/>
+                </a:solidFill>
+                <a:effectLst/>
+                <a:latin typeface="+mn-lt"/>
+              </a:rPr>
+              <a:t>.  This is the penalty the network must pay for arriving at an answer other than the </a:t>
+            </a:r>
+            <a:r>
+              <a:rPr lang="en-US" b="1" i="0" dirty="0">
+                <a:solidFill>
+                  <a:srgbClr val="3C3C3B"/>
+                </a:solidFill>
+                <a:effectLst/>
+                <a:latin typeface="+mn-lt"/>
+              </a:rPr>
+              <a:t>ground truth</a:t>
+            </a:r>
+            <a:r>
+              <a:rPr lang="en-US" b="0" i="0" dirty="0">
+                <a:solidFill>
+                  <a:srgbClr val="3C3C3B"/>
+                </a:solidFill>
+                <a:effectLst/>
+                <a:latin typeface="+mn-lt"/>
+              </a:rPr>
+              <a:t>.  If the network’s prediction closely matches the label, the total error is minimal.</a:t>
+            </a:r>
+          </a:p>
+          <a:p>
+            <a:endParaRPr lang="en-US" b="0" i="0" dirty="0">
+              <a:solidFill>
+                <a:srgbClr val="3C3C3B"/>
+              </a:solidFill>
+              <a:effectLst/>
+              <a:latin typeface="+mn-lt"/>
+            </a:endParaRPr>
+          </a:p>
+          <a:p>
+            <a:pPr marL="0" marR="0" lvl="0" indent="0" algn="l" defTabSz="914400" rtl="0" eaLnBrk="1" fontAlgn="auto" latinLnBrk="0" hangingPunct="1">
+              <a:lnSpc>
+                <a:spcPct val="100000"/>
+              </a:lnSpc>
+              <a:spcBef>
+                <a:spcPts val="0"/>
+              </a:spcBef>
+              <a:spcAft>
+                <a:spcPts val="0"/>
+              </a:spcAft>
+              <a:buClrTx/>
+              <a:buSzTx/>
+              <a:buFontTx/>
+              <a:buNone/>
+              <a:tabLst/>
+              <a:defRPr/>
+            </a:pPr>
+            <a:r>
+              <a:rPr lang="en-US" b="0" i="0" dirty="0">
+                <a:solidFill>
+                  <a:srgbClr val="3C3C3B"/>
+                </a:solidFill>
+                <a:effectLst/>
+                <a:latin typeface="+mn-lt"/>
+              </a:rPr>
+              <a:t>And finally, the loss function passes the total error to the optimizer which oversees the backpropagation process.  It is during backprop that weights are adjusted.  Hence, the goal of the system is to minimize its error, in a process called </a:t>
+            </a:r>
+            <a:r>
+              <a:rPr lang="en-US" b="1" i="0" dirty="0">
+                <a:solidFill>
+                  <a:srgbClr val="3C3C3B"/>
+                </a:solidFill>
+                <a:effectLst/>
+                <a:latin typeface="+mn-lt"/>
+              </a:rPr>
+              <a:t>gradient descent</a:t>
+            </a:r>
+            <a:r>
+              <a:rPr lang="en-US" b="0" i="0" dirty="0">
+                <a:solidFill>
+                  <a:srgbClr val="3C3C3B"/>
+                </a:solidFill>
+                <a:effectLst/>
+                <a:latin typeface="+mn-lt"/>
+              </a:rPr>
+              <a:t>. At this point, the network needs to adjust all of its weights such that the total error is minimized.  More concretely, the network needs to calculate the individual contribution of each weight to the total error and then proceed to adjust each weight (up or down) in relation to its contribution to the total error.  So, how does it do that during backpropagation?  Let’s start with a 3-dimensional plot…</a:t>
+            </a:r>
+          </a:p>
+          <a:p>
+            <a:endParaRPr lang="en-US" b="0" i="0" dirty="0">
+              <a:solidFill>
+                <a:srgbClr val="3C3C3B"/>
+              </a:solidFill>
+              <a:effectLst/>
+              <a:latin typeface="Lato"/>
+            </a:endParaRPr>
+          </a:p>
+          <a:p>
+            <a:endParaRPr lang="en-US" b="0" i="0" dirty="0">
+              <a:solidFill>
+                <a:srgbClr val="3C3C3B"/>
+              </a:solidFill>
+              <a:effectLst/>
+              <a:latin typeface="Lato"/>
+            </a:endParaRPr>
+          </a:p>
+        </p:txBody>
+      </p:sp>
+      <p:sp>
+        <p:nvSpPr>
+          <p:cNvPr id="4" name="Slide Number Placeholder 3"/>
+          <p:cNvSpPr>
+            <a:spLocks noGrp="1"/>
+          </p:cNvSpPr>
+          <p:nvPr>
+            <p:ph type="sldNum" sz="quarter" idx="5"/>
+          </p:nvPr>
+        </p:nvSpPr>
+        <p:spPr/>
+        <p:txBody>
+          <a:bodyPr/>
+          <a:lstStyle/>
+          <a:p>
+            <a:fld id="{3148858F-F1DB-4027-9C85-CCA6849540DD}" type="slidenum">
+              <a:rPr lang="en-US" smtClean="0"/>
+              <a:t>30</a:t>
+            </a:fld>
+            <a:endParaRPr lang="en-US"/>
+          </a:p>
+        </p:txBody>
+      </p:sp>
+    </p:spTree>
+    <p:extLst>
+      <p:ext uri="{BB962C8B-B14F-4D97-AF65-F5344CB8AC3E}">
+        <p14:creationId xmlns:p14="http://schemas.microsoft.com/office/powerpoint/2010/main" val="3299567317"/>
       </p:ext>
     </p:extLst>
   </p:cSld>
@@ -4452,7 +5028,7 @@
           <a:p>
             <a:fld id="{C3F78080-8D0A-4BE8-A5B4-CB115102D524}" type="datetimeFigureOut">
               <a:rPr lang="en-US" smtClean="0"/>
-              <a:t>6/6/2022</a:t>
+              <a:t>6/13/2022</a:t>
             </a:fld>
             <a:endParaRPr lang="en-US"/>
           </a:p>
@@ -4650,7 +5226,7 @@
           <a:p>
             <a:fld id="{C3F78080-8D0A-4BE8-A5B4-CB115102D524}" type="datetimeFigureOut">
               <a:rPr lang="en-US" smtClean="0"/>
-              <a:t>6/6/2022</a:t>
+              <a:t>6/13/2022</a:t>
             </a:fld>
             <a:endParaRPr lang="en-US"/>
           </a:p>
@@ -4858,7 +5434,7 @@
           <a:p>
             <a:fld id="{C3F78080-8D0A-4BE8-A5B4-CB115102D524}" type="datetimeFigureOut">
               <a:rPr lang="en-US" smtClean="0"/>
-              <a:t>6/6/2022</a:t>
+              <a:t>6/13/2022</a:t>
             </a:fld>
             <a:endParaRPr lang="en-US"/>
           </a:p>
@@ -5056,7 +5632,7 @@
           <a:p>
             <a:fld id="{C3F78080-8D0A-4BE8-A5B4-CB115102D524}" type="datetimeFigureOut">
               <a:rPr lang="en-US" smtClean="0"/>
-              <a:t>6/6/2022</a:t>
+              <a:t>6/13/2022</a:t>
             </a:fld>
             <a:endParaRPr lang="en-US"/>
           </a:p>
@@ -5331,7 +5907,7 @@
           <a:p>
             <a:fld id="{C3F78080-8D0A-4BE8-A5B4-CB115102D524}" type="datetimeFigureOut">
               <a:rPr lang="en-US" smtClean="0"/>
-              <a:t>6/6/2022</a:t>
+              <a:t>6/13/2022</a:t>
             </a:fld>
             <a:endParaRPr lang="en-US"/>
           </a:p>
@@ -5596,7 +6172,7 @@
           <a:p>
             <a:fld id="{C3F78080-8D0A-4BE8-A5B4-CB115102D524}" type="datetimeFigureOut">
               <a:rPr lang="en-US" smtClean="0"/>
-              <a:t>6/6/2022</a:t>
+              <a:t>6/13/2022</a:t>
             </a:fld>
             <a:endParaRPr lang="en-US"/>
           </a:p>
@@ -6008,7 +6584,7 @@
           <a:p>
             <a:fld id="{C3F78080-8D0A-4BE8-A5B4-CB115102D524}" type="datetimeFigureOut">
               <a:rPr lang="en-US" smtClean="0"/>
-              <a:t>6/6/2022</a:t>
+              <a:t>6/13/2022</a:t>
             </a:fld>
             <a:endParaRPr lang="en-US"/>
           </a:p>
@@ -6149,7 +6725,7 @@
           <a:p>
             <a:fld id="{C3F78080-8D0A-4BE8-A5B4-CB115102D524}" type="datetimeFigureOut">
               <a:rPr lang="en-US" smtClean="0"/>
-              <a:t>6/6/2022</a:t>
+              <a:t>6/13/2022</a:t>
             </a:fld>
             <a:endParaRPr lang="en-US"/>
           </a:p>
@@ -6262,7 +6838,7 @@
           <a:p>
             <a:fld id="{C3F78080-8D0A-4BE8-A5B4-CB115102D524}" type="datetimeFigureOut">
               <a:rPr lang="en-US" smtClean="0"/>
-              <a:t>6/6/2022</a:t>
+              <a:t>6/13/2022</a:t>
             </a:fld>
             <a:endParaRPr lang="en-US"/>
           </a:p>
@@ -6573,7 +7149,7 @@
           <a:p>
             <a:fld id="{C3F78080-8D0A-4BE8-A5B4-CB115102D524}" type="datetimeFigureOut">
               <a:rPr lang="en-US" smtClean="0"/>
-              <a:t>6/6/2022</a:t>
+              <a:t>6/13/2022</a:t>
             </a:fld>
             <a:endParaRPr lang="en-US"/>
           </a:p>
@@ -6861,7 +7437,7 @@
           <a:p>
             <a:fld id="{C3F78080-8D0A-4BE8-A5B4-CB115102D524}" type="datetimeFigureOut">
               <a:rPr lang="en-US" smtClean="0"/>
-              <a:t>6/6/2022</a:t>
+              <a:t>6/13/2022</a:t>
             </a:fld>
             <a:endParaRPr lang="en-US"/>
           </a:p>
@@ -7102,7 +7678,7 @@
           <a:p>
             <a:fld id="{C3F78080-8D0A-4BE8-A5B4-CB115102D524}" type="datetimeFigureOut">
               <a:rPr lang="en-US" smtClean="0"/>
-              <a:t>6/6/2022</a:t>
+              <a:t>6/13/2022</a:t>
             </a:fld>
             <a:endParaRPr lang="en-US"/>
           </a:p>
@@ -8431,10 +9007,10 @@
       </p:pic>
       <p:pic>
         <p:nvPicPr>
-          <p:cNvPr id="12" name="Picture 11">
-            <a:extLst>
-              <a:ext uri="{FF2B5EF4-FFF2-40B4-BE49-F238E27FC236}">
-                <a16:creationId xmlns:a16="http://schemas.microsoft.com/office/drawing/2014/main" id="{8F9CB138-4226-47B1-BAF7-A7F5B503F4CF}"/>
+          <p:cNvPr id="4" name="Picture 3">
+            <a:extLst>
+              <a:ext uri="{FF2B5EF4-FFF2-40B4-BE49-F238E27FC236}">
+                <a16:creationId xmlns:a16="http://schemas.microsoft.com/office/drawing/2014/main" id="{10DEF40C-AD54-4CE0-B1EA-07604F5909B7}"/>
               </a:ext>
             </a:extLst>
           </p:cNvPr>
@@ -8445,36 +9021,6 @@
         </p:nvPicPr>
         <p:blipFill>
           <a:blip r:embed="rId4"/>
-          <a:stretch>
-            <a:fillRect/>
-          </a:stretch>
-        </p:blipFill>
-        <p:spPr>
-          <a:xfrm>
-            <a:off x="5274097" y="3028906"/>
-            <a:ext cx="959695" cy="517483"/>
-          </a:xfrm>
-          <a:prstGeom prst="rect">
-            <a:avLst/>
-          </a:prstGeom>
-        </p:spPr>
-      </p:pic>
-      <p:pic>
-        <p:nvPicPr>
-          <p:cNvPr id="4" name="Picture 3">
-            <a:extLst>
-              <a:ext uri="{FF2B5EF4-FFF2-40B4-BE49-F238E27FC236}">
-                <a16:creationId xmlns:a16="http://schemas.microsoft.com/office/drawing/2014/main" id="{10DEF40C-AD54-4CE0-B1EA-07604F5909B7}"/>
-              </a:ext>
-            </a:extLst>
-          </p:cNvPr>
-          <p:cNvPicPr>
-            <a:picLocks noChangeAspect="1"/>
-          </p:cNvPicPr>
-          <p:nvPr/>
-        </p:nvPicPr>
-        <p:blipFill>
-          <a:blip r:embed="rId5"/>
           <a:stretch>
             <a:fillRect/>
           </a:stretch>
@@ -8491,10 +9037,10 @@
       </p:pic>
       <p:pic>
         <p:nvPicPr>
-          <p:cNvPr id="6" name="Picture 5">
-            <a:extLst>
-              <a:ext uri="{FF2B5EF4-FFF2-40B4-BE49-F238E27FC236}">
-                <a16:creationId xmlns:a16="http://schemas.microsoft.com/office/drawing/2014/main" id="{3C40C2E3-FF77-4F69-AEFB-A166706E3700}"/>
+          <p:cNvPr id="14" name="Picture 13">
+            <a:extLst>
+              <a:ext uri="{FF2B5EF4-FFF2-40B4-BE49-F238E27FC236}">
+                <a16:creationId xmlns:a16="http://schemas.microsoft.com/office/drawing/2014/main" id="{26314CED-D57E-48DE-A275-9F18CF1F0FC3}"/>
               </a:ext>
             </a:extLst>
           </p:cNvPr>
@@ -8504,37 +9050,7 @@
           <p:nvPr/>
         </p:nvPicPr>
         <p:blipFill>
-          <a:blip r:embed="rId6"/>
-          <a:stretch>
-            <a:fillRect/>
-          </a:stretch>
-        </p:blipFill>
-        <p:spPr>
-          <a:xfrm>
-            <a:off x="7655990" y="5025526"/>
-            <a:ext cx="3386262" cy="574692"/>
-          </a:xfrm>
-          <a:prstGeom prst="rect">
-            <a:avLst/>
-          </a:prstGeom>
-        </p:spPr>
-      </p:pic>
-      <p:pic>
-        <p:nvPicPr>
-          <p:cNvPr id="14" name="Picture 13">
-            <a:extLst>
-              <a:ext uri="{FF2B5EF4-FFF2-40B4-BE49-F238E27FC236}">
-                <a16:creationId xmlns:a16="http://schemas.microsoft.com/office/drawing/2014/main" id="{26314CED-D57E-48DE-A275-9F18CF1F0FC3}"/>
-              </a:ext>
-            </a:extLst>
-          </p:cNvPr>
-          <p:cNvPicPr>
-            <a:picLocks noChangeAspect="1"/>
-          </p:cNvPicPr>
-          <p:nvPr/>
-        </p:nvPicPr>
-        <p:blipFill>
-          <a:blip r:embed="rId7"/>
+          <a:blip r:embed="rId5"/>
           <a:stretch>
             <a:fillRect/>
           </a:stretch>
@@ -8645,6 +9161,165 @@
           </a:fontRef>
         </p:style>
       </p:cxnSp>
+      <p:pic>
+        <p:nvPicPr>
+          <p:cNvPr id="13" name="Picture 12">
+            <a:extLst>
+              <a:ext uri="{FF2B5EF4-FFF2-40B4-BE49-F238E27FC236}">
+                <a16:creationId xmlns:a16="http://schemas.microsoft.com/office/drawing/2014/main" id="{055F49A1-C874-49C7-9247-85238A885872}"/>
+              </a:ext>
+            </a:extLst>
+          </p:cNvPr>
+          <p:cNvPicPr>
+            <a:picLocks noChangeAspect="1"/>
+          </p:cNvPicPr>
+          <p:nvPr/>
+        </p:nvPicPr>
+        <p:blipFill>
+          <a:blip r:embed="rId6"/>
+          <a:stretch>
+            <a:fillRect/>
+          </a:stretch>
+        </p:blipFill>
+        <p:spPr>
+          <a:xfrm>
+            <a:off x="7735871" y="5025298"/>
+            <a:ext cx="3810299" cy="578667"/>
+          </a:xfrm>
+          <a:prstGeom prst="rect">
+            <a:avLst/>
+          </a:prstGeom>
+        </p:spPr>
+      </p:pic>
+      <p:sp>
+        <p:nvSpPr>
+          <p:cNvPr id="15" name="TextBox 14">
+            <a:extLst>
+              <a:ext uri="{FF2B5EF4-FFF2-40B4-BE49-F238E27FC236}">
+                <a16:creationId xmlns:a16="http://schemas.microsoft.com/office/drawing/2014/main" id="{D2C7AE0A-1039-46D7-B855-85907FE0ECD2}"/>
+              </a:ext>
+            </a:extLst>
+          </p:cNvPr>
+          <p:cNvSpPr txBox="1"/>
+          <p:nvPr/>
+        </p:nvSpPr>
+        <p:spPr>
+          <a:xfrm>
+            <a:off x="5406466" y="3112692"/>
+            <a:ext cx="830122" cy="338554"/>
+          </a:xfrm>
+          <a:prstGeom prst="rect">
+            <a:avLst/>
+          </a:prstGeom>
+          <a:noFill/>
+        </p:spPr>
+        <p:txBody>
+          <a:bodyPr wrap="square">
+            <a:spAutoFit/>
+          </a:bodyPr>
+          <a:lstStyle/>
+          <a:p>
+            <a:r>
+              <a:rPr lang="en-US" sz="1600" b="1" dirty="0">
+                <a:solidFill>
+                  <a:srgbClr val="6C9AC3"/>
+                </a:solidFill>
+                <a:latin typeface="+mj-lt"/>
+              </a:rPr>
+              <a:t>o       </a:t>
+            </a:r>
+            <a:r>
+              <a:rPr lang="el-GR" sz="1600" b="1" dirty="0">
+                <a:solidFill>
+                  <a:srgbClr val="6C9AC3"/>
+                </a:solidFill>
+                <a:latin typeface="+mj-lt"/>
+              </a:rPr>
+              <a:t>δ</a:t>
+            </a:r>
+            <a:endParaRPr lang="en-US" sz="1600" b="1" dirty="0">
+              <a:solidFill>
+                <a:srgbClr val="6C9AC3"/>
+              </a:solidFill>
+              <a:latin typeface="+mj-lt"/>
+            </a:endParaRPr>
+          </a:p>
+        </p:txBody>
+      </p:sp>
+      <p:sp>
+        <p:nvSpPr>
+          <p:cNvPr id="16" name="TextBox 15">
+            <a:extLst>
+              <a:ext uri="{FF2B5EF4-FFF2-40B4-BE49-F238E27FC236}">
+                <a16:creationId xmlns:a16="http://schemas.microsoft.com/office/drawing/2014/main" id="{9354BAEF-1A01-49F8-B0F8-CA5075AB2176}"/>
+              </a:ext>
+            </a:extLst>
+          </p:cNvPr>
+          <p:cNvSpPr txBox="1"/>
+          <p:nvPr/>
+        </p:nvSpPr>
+        <p:spPr>
+          <a:xfrm>
+            <a:off x="4640759" y="3741284"/>
+            <a:ext cx="2093866" cy="338554"/>
+          </a:xfrm>
+          <a:prstGeom prst="rect">
+            <a:avLst/>
+          </a:prstGeom>
+          <a:noFill/>
+        </p:spPr>
+        <p:txBody>
+          <a:bodyPr wrap="square">
+            <a:spAutoFit/>
+          </a:bodyPr>
+          <a:lstStyle/>
+          <a:p>
+            <a:pPr algn="ctr"/>
+            <a:r>
+              <a:rPr lang="en-US" sz="1600" dirty="0">
+                <a:solidFill>
+                  <a:srgbClr val="6C9AC3"/>
+                </a:solidFill>
+                <a:latin typeface="+mj-lt"/>
+              </a:rPr>
+              <a:t>Output (o)     </a:t>
+            </a:r>
+            <a:r>
+              <a:rPr lang="en-US" sz="1600" b="0" i="0" u="none" strike="noStrike" dirty="0">
+                <a:solidFill>
+                  <a:srgbClr val="6C9AC3"/>
+                </a:solidFill>
+                <a:latin typeface="+mj-lt"/>
+              </a:rPr>
+              <a:t>(</a:t>
+            </a:r>
+            <a:r>
+              <a:rPr lang="el-GR" sz="1600" dirty="0">
+                <a:solidFill>
+                  <a:srgbClr val="6C9AC3"/>
+                </a:solidFill>
+                <a:latin typeface="+mj-lt"/>
+              </a:rPr>
+              <a:t>δ</a:t>
+            </a:r>
+            <a:r>
+              <a:rPr lang="en-US" sz="1600" b="0" i="0" u="none" strike="noStrike" dirty="0">
+                <a:solidFill>
+                  <a:srgbClr val="6C9AC3"/>
+                </a:solidFill>
+                <a:latin typeface="+mj-lt"/>
+              </a:rPr>
+              <a:t>) Delta</a:t>
+            </a:r>
+            <a:endParaRPr lang="en-US" sz="1600" dirty="0">
+              <a:solidFill>
+                <a:srgbClr val="6C9AC3"/>
+              </a:solidFill>
+              <a:latin typeface="+mj-lt"/>
+            </a:endParaRPr>
+          </a:p>
+        </p:txBody>
+      </p:sp>
     </p:spTree>
     <p:extLst>
       <p:ext uri="{BB962C8B-B14F-4D97-AF65-F5344CB8AC3E}">
@@ -8763,6 +9438,94 @@
                       </p:childTnLst>
                     </p:cTn>
                   </p:par>
+                  <p:par>
+                    <p:cTn id="11" fill="hold">
+                      <p:stCondLst>
+                        <p:cond delay="indefinite"/>
+                      </p:stCondLst>
+                      <p:childTnLst>
+                        <p:par>
+                          <p:cTn id="12" fill="hold">
+                            <p:stCondLst>
+                              <p:cond delay="0"/>
+                            </p:stCondLst>
+                            <p:childTnLst>
+                              <p:par>
+                                <p:cTn id="13" presetID="10" presetClass="entr" presetSubtype="0" fill="hold" grpId="0" nodeType="clickEffect">
+                                  <p:stCondLst>
+                                    <p:cond delay="0"/>
+                                  </p:stCondLst>
+                                  <p:childTnLst>
+                                    <p:set>
+                                      <p:cBhvr>
+                                        <p:cTn id="14" dur="1" fill="hold">
+                                          <p:stCondLst>
+                                            <p:cond delay="0"/>
+                                          </p:stCondLst>
+                                        </p:cTn>
+                                        <p:tgtEl>
+                                          <p:spTgt spid="15"/>
+                                        </p:tgtEl>
+                                        <p:attrNameLst>
+                                          <p:attrName>style.visibility</p:attrName>
+                                        </p:attrNameLst>
+                                      </p:cBhvr>
+                                      <p:to>
+                                        <p:strVal val="visible"/>
+                                      </p:to>
+                                    </p:set>
+                                    <p:animEffect transition="in" filter="fade">
+                                      <p:cBhvr>
+                                        <p:cTn id="15" dur="500"/>
+                                        <p:tgtEl>
+                                          <p:spTgt spid="15"/>
+                                        </p:tgtEl>
+                                      </p:cBhvr>
+                                    </p:animEffect>
+                                  </p:childTnLst>
+                                </p:cTn>
+                              </p:par>
+                              <p:par>
+                                <p:cTn id="16" presetID="10" presetClass="entr" presetSubtype="0" fill="hold" grpId="0" nodeType="withEffect">
+                                  <p:stCondLst>
+                                    <p:cond delay="0"/>
+                                  </p:stCondLst>
+                                  <p:childTnLst>
+                                    <p:set>
+                                      <p:cBhvr>
+                                        <p:cTn id="17" dur="1" fill="hold">
+                                          <p:stCondLst>
+                                            <p:cond delay="0"/>
+                                          </p:stCondLst>
+                                        </p:cTn>
+                                        <p:tgtEl>
+                                          <p:spTgt spid="16"/>
+                                        </p:tgtEl>
+                                        <p:attrNameLst>
+                                          <p:attrName>style.visibility</p:attrName>
+                                        </p:attrNameLst>
+                                      </p:cBhvr>
+                                      <p:to>
+                                        <p:strVal val="visible"/>
+                                      </p:to>
+                                    </p:set>
+                                    <p:animEffect transition="in" filter="fade">
+                                      <p:cBhvr>
+                                        <p:cTn id="18" dur="500"/>
+                                        <p:tgtEl>
+                                          <p:spTgt spid="16"/>
+                                        </p:tgtEl>
+                                      </p:cBhvr>
+                                    </p:animEffect>
+                                  </p:childTnLst>
+                                </p:cTn>
+                              </p:par>
+                            </p:childTnLst>
+                          </p:cTn>
+                        </p:par>
+                      </p:childTnLst>
+                    </p:cTn>
+                  </p:par>
                 </p:childTnLst>
               </p:cTn>
               <p:prevCondLst>
@@ -8786,6 +9549,8 @@
     </p:tnLst>
     <p:bldLst>
       <p:bldP spid="9" grpId="0"/>
+      <p:bldP spid="15" grpId="0"/>
+      <p:bldP spid="16" grpId="0"/>
     </p:bldLst>
   </p:timing>
 </p:sld>
@@ -9518,12 +10283,109 @@
           <a:chExt cx="0" cy="0"/>
         </a:xfrm>
       </p:grpSpPr>
+      <p:sp>
+        <p:nvSpPr>
+          <p:cNvPr id="3" name="TextBox 2">
+            <a:extLst>
+              <a:ext uri="{FF2B5EF4-FFF2-40B4-BE49-F238E27FC236}">
+                <a16:creationId xmlns:a16="http://schemas.microsoft.com/office/drawing/2014/main" id="{979F5AD8-51F0-434C-88FB-400CA869633A}"/>
+              </a:ext>
+            </a:extLst>
+          </p:cNvPr>
+          <p:cNvSpPr txBox="1"/>
+          <p:nvPr/>
+        </p:nvSpPr>
+        <p:spPr>
+          <a:xfrm>
+            <a:off x="0" y="6550223"/>
+            <a:ext cx="12192000" cy="307777"/>
+          </a:xfrm>
+          <a:prstGeom prst="rect">
+            <a:avLst/>
+          </a:prstGeom>
+          <a:noFill/>
+        </p:spPr>
+        <p:txBody>
+          <a:bodyPr wrap="square" rtlCol="0">
+            <a:spAutoFit/>
+          </a:bodyPr>
+          <a:lstStyle/>
+          <a:p>
+            <a:r>
+              <a:rPr lang="en-US" sz="1400" dirty="0">
+                <a:solidFill>
+                  <a:schemeClr val="tx1">
+                    <a:lumMod val="65000"/>
+                    <a:lumOff val="35000"/>
+                  </a:schemeClr>
+                </a:solidFill>
+                <a:latin typeface="+mj-lt"/>
+                <a:ea typeface="Verdana" panose="020B0604030504040204" pitchFamily="34" charset="0"/>
+              </a:rPr>
+              <a:t>Source: Taylor, M. (2017). </a:t>
+            </a:r>
+            <a:r>
+              <a:rPr lang="en-US" sz="1400" i="1" dirty="0">
+                <a:solidFill>
+                  <a:schemeClr val="tx1">
+                    <a:lumMod val="65000"/>
+                    <a:lumOff val="35000"/>
+                  </a:schemeClr>
+                </a:solidFill>
+                <a:latin typeface="+mj-lt"/>
+                <a:ea typeface="Verdana" panose="020B0604030504040204" pitchFamily="34" charset="0"/>
+              </a:rPr>
+              <a:t>Neural networks: A visual introduction for beginners</a:t>
+            </a:r>
+            <a:r>
+              <a:rPr lang="en-US" sz="1400" dirty="0">
+                <a:solidFill>
+                  <a:schemeClr val="tx1">
+                    <a:lumMod val="65000"/>
+                    <a:lumOff val="35000"/>
+                  </a:schemeClr>
+                </a:solidFill>
+                <a:latin typeface="+mj-lt"/>
+                <a:ea typeface="Verdana" panose="020B0604030504040204" pitchFamily="34" charset="0"/>
+              </a:rPr>
+              <a:t>. Vancouver, Canada</a:t>
+            </a:r>
+            <a:r>
+              <a:rPr lang="en-US" sz="1400" b="0" i="0" dirty="0">
+                <a:solidFill>
+                  <a:schemeClr val="tx1">
+                    <a:lumMod val="65000"/>
+                    <a:lumOff val="35000"/>
+                  </a:schemeClr>
+                </a:solidFill>
+                <a:effectLst/>
+                <a:latin typeface="+mj-lt"/>
+                <a:ea typeface="Verdana" panose="020B0604030504040204" pitchFamily="34" charset="0"/>
+              </a:rPr>
+              <a:t>: Blue Windmill Media</a:t>
+            </a:r>
+            <a:r>
+              <a:rPr lang="en-US" sz="1400" dirty="0">
+                <a:solidFill>
+                  <a:schemeClr val="tx1">
+                    <a:lumMod val="65000"/>
+                    <a:lumOff val="35000"/>
+                  </a:schemeClr>
+                </a:solidFill>
+                <a:latin typeface="+mj-lt"/>
+                <a:ea typeface="Verdana" panose="020B0604030504040204" pitchFamily="34" charset="0"/>
+              </a:rPr>
+              <a:t>.</a:t>
+            </a:r>
+          </a:p>
+        </p:txBody>
+      </p:sp>
       <p:pic>
         <p:nvPicPr>
-          <p:cNvPr id="5" name="Picture 4">
-            <a:extLst>
-              <a:ext uri="{FF2B5EF4-FFF2-40B4-BE49-F238E27FC236}">
-                <a16:creationId xmlns:a16="http://schemas.microsoft.com/office/drawing/2014/main" id="{BB679311-680E-47D0-AEB5-A6FF64033ED1}"/>
+          <p:cNvPr id="4" name="Picture 3">
+            <a:extLst>
+              <a:ext uri="{FF2B5EF4-FFF2-40B4-BE49-F238E27FC236}">
+                <a16:creationId xmlns:a16="http://schemas.microsoft.com/office/drawing/2014/main" id="{B413CE53-7EF3-4650-9DF3-E7FDCBE932FC}"/>
               </a:ext>
             </a:extLst>
           </p:cNvPr>
@@ -9540,111 +10402,14 @@
         </p:blipFill>
         <p:spPr>
           <a:xfrm>
-            <a:off x="917733" y="1101989"/>
-            <a:ext cx="10356534" cy="4654021"/>
+            <a:off x="319087" y="590617"/>
+            <a:ext cx="11553825" cy="5267325"/>
           </a:xfrm>
           <a:prstGeom prst="rect">
             <a:avLst/>
           </a:prstGeom>
         </p:spPr>
       </p:pic>
-      <p:sp>
-        <p:nvSpPr>
-          <p:cNvPr id="3" name="TextBox 2">
-            <a:extLst>
-              <a:ext uri="{FF2B5EF4-FFF2-40B4-BE49-F238E27FC236}">
-                <a16:creationId xmlns:a16="http://schemas.microsoft.com/office/drawing/2014/main" id="{979F5AD8-51F0-434C-88FB-400CA869633A}"/>
-              </a:ext>
-            </a:extLst>
-          </p:cNvPr>
-          <p:cNvSpPr txBox="1"/>
-          <p:nvPr/>
-        </p:nvSpPr>
-        <p:spPr>
-          <a:xfrm>
-            <a:off x="0" y="6550223"/>
-            <a:ext cx="12192000" cy="307777"/>
-          </a:xfrm>
-          <a:prstGeom prst="rect">
-            <a:avLst/>
-          </a:prstGeom>
-          <a:noFill/>
-        </p:spPr>
-        <p:txBody>
-          <a:bodyPr wrap="square" rtlCol="0">
-            <a:spAutoFit/>
-          </a:bodyPr>
-          <a:lstStyle/>
-          <a:p>
-            <a:r>
-              <a:rPr lang="en-US" sz="1400" dirty="0">
-                <a:solidFill>
-                  <a:schemeClr val="tx1">
-                    <a:lumMod val="65000"/>
-                    <a:lumOff val="35000"/>
-                  </a:schemeClr>
-                </a:solidFill>
-                <a:latin typeface="+mj-lt"/>
-                <a:ea typeface="Verdana" panose="020B0604030504040204" pitchFamily="34" charset="0"/>
-              </a:rPr>
-              <a:t>Source: Taylor, M. (2017). </a:t>
-            </a:r>
-            <a:r>
-              <a:rPr lang="en-US" sz="1400" i="1" dirty="0">
-                <a:solidFill>
-                  <a:schemeClr val="tx1">
-                    <a:lumMod val="65000"/>
-                    <a:lumOff val="35000"/>
-                  </a:schemeClr>
-                </a:solidFill>
-                <a:latin typeface="+mj-lt"/>
-                <a:ea typeface="Verdana" panose="020B0604030504040204" pitchFamily="34" charset="0"/>
-              </a:rPr>
-              <a:t>Neural networks: A visual introduction for beginners</a:t>
-            </a:r>
-            <a:r>
-              <a:rPr lang="en-US" sz="1400" dirty="0">
-                <a:solidFill>
-                  <a:schemeClr val="tx1">
-                    <a:lumMod val="65000"/>
-                    <a:lumOff val="35000"/>
-                  </a:schemeClr>
-                </a:solidFill>
-                <a:latin typeface="+mj-lt"/>
-                <a:ea typeface="Verdana" panose="020B0604030504040204" pitchFamily="34" charset="0"/>
-              </a:rPr>
-              <a:t>. Vancouver, Canada</a:t>
-            </a:r>
-            <a:r>
-              <a:rPr lang="en-US" sz="1400" b="0" i="0" dirty="0">
-                <a:solidFill>
-                  <a:schemeClr val="tx1">
-                    <a:lumMod val="65000"/>
-                    <a:lumOff val="35000"/>
-                  </a:schemeClr>
-                </a:solidFill>
-                <a:effectLst/>
-                <a:latin typeface="+mj-lt"/>
-                <a:ea typeface="Verdana" panose="020B0604030504040204" pitchFamily="34" charset="0"/>
-              </a:rPr>
-              <a:t>: Blue Windmill Media</a:t>
-            </a:r>
-            <a:r>
-              <a:rPr lang="en-US" sz="1400" dirty="0">
-                <a:solidFill>
-                  <a:schemeClr val="tx1">
-                    <a:lumMod val="65000"/>
-                    <a:lumOff val="35000"/>
-                  </a:schemeClr>
-                </a:solidFill>
-                <a:latin typeface="+mj-lt"/>
-                <a:ea typeface="Verdana" panose="020B0604030504040204" pitchFamily="34" charset="0"/>
-              </a:rPr>
-              <a:t>.</a:t>
-            </a:r>
-          </a:p>
-        </p:txBody>
-      </p:sp>
     </p:spTree>
     <p:extLst>
       <p:ext uri="{BB962C8B-B14F-4D97-AF65-F5344CB8AC3E}">
@@ -9687,24 +10452,54 @@
           <a:chExt cx="0" cy="0"/>
         </a:xfrm>
       </p:grpSpPr>
-      <p:sp>
-        <p:nvSpPr>
-          <p:cNvPr id="2" name="Title 1">
-            <a:extLst>
-              <a:ext uri="{FF2B5EF4-FFF2-40B4-BE49-F238E27FC236}">
-                <a16:creationId xmlns:a16="http://schemas.microsoft.com/office/drawing/2014/main" id="{8E6BAAA1-9306-4CE5-9DB4-B02103B5C105}"/>
-              </a:ext>
-            </a:extLst>
-          </p:cNvPr>
-          <p:cNvSpPr txBox="1">
-            <a:spLocks/>
-          </p:cNvSpPr>
+      <p:pic>
+        <p:nvPicPr>
+          <p:cNvPr id="9" name="Picture 8" descr="Diagram, box and whisker chart&#10;&#10;Description automatically generated">
+            <a:extLst>
+              <a:ext uri="{FF2B5EF4-FFF2-40B4-BE49-F238E27FC236}">
+                <a16:creationId xmlns:a16="http://schemas.microsoft.com/office/drawing/2014/main" id="{CDCBAC84-CC50-564A-8ABA-EF16191FB1E2}"/>
+              </a:ext>
+            </a:extLst>
+          </p:cNvPr>
+          <p:cNvPicPr>
+            <a:picLocks noChangeAspect="1"/>
+          </p:cNvPicPr>
           <p:nvPr/>
-        </p:nvSpPr>
+        </p:nvPicPr>
+        <p:blipFill>
+          <a:blip r:embed="rId3">
+            <a:alphaModFix/>
+          </a:blip>
+          <a:stretch>
+            <a:fillRect/>
+          </a:stretch>
+        </p:blipFill>
         <p:spPr>
           <a:xfrm>
-            <a:off x="0" y="2883665"/>
-            <a:ext cx="12192000" cy="1365606"/>
+            <a:off x="3284239" y="231768"/>
+            <a:ext cx="5627950" cy="6134006"/>
+          </a:xfrm>
+          <a:prstGeom prst="rect">
+            <a:avLst/>
+          </a:prstGeom>
+        </p:spPr>
+      </p:pic>
+      <p:sp>
+        <p:nvSpPr>
+          <p:cNvPr id="10" name="TextBox 9">
+            <a:extLst>
+              <a:ext uri="{FF2B5EF4-FFF2-40B4-BE49-F238E27FC236}">
+                <a16:creationId xmlns:a16="http://schemas.microsoft.com/office/drawing/2014/main" id="{66EC2F4D-DB5A-3D4B-8201-B6F9878A2CC6}"/>
+              </a:ext>
+            </a:extLst>
+          </p:cNvPr>
+          <p:cNvSpPr txBox="1"/>
+          <p:nvPr/>
+        </p:nvSpPr>
+        <p:spPr>
+          <a:xfrm>
+            <a:off x="3438618" y="2207718"/>
+            <a:ext cx="835816" cy="369332"/>
           </a:xfrm>
           <a:prstGeom prst="rect">
             <a:avLst/>
@@ -9712,168 +10507,531 @@
           <a:noFill/>
         </p:spPr>
         <p:txBody>
-          <a:bodyPr vert="horz" lIns="91440" tIns="45720" rIns="91440" bIns="45720" rtlCol="0" anchor="b">
-            <a:noAutofit/>
+          <a:bodyPr wrap="square" rtlCol="0">
+            <a:spAutoFit/>
           </a:bodyPr>
-          <a:lstStyle>
-            <a:lvl1pPr algn="l" defTabSz="914400" rtl="0" eaLnBrk="1" latinLnBrk="0" hangingPunct="1">
-              <a:lnSpc>
-                <a:spcPct val="90000"/>
-              </a:lnSpc>
-              <a:spcBef>
-                <a:spcPct val="0"/>
-              </a:spcBef>
-              <a:buNone/>
-              <a:defRPr sz="6000" kern="1200">
-                <a:solidFill>
-                  <a:schemeClr val="tx1"/>
-                </a:solidFill>
-                <a:latin typeface="+mj-lt"/>
-                <a:ea typeface="+mj-ea"/>
-                <a:cs typeface="+mj-cs"/>
-              </a:defRPr>
-            </a:lvl1pPr>
-          </a:lstStyle>
+          <a:lstStyle/>
+          <a:p>
+            <a:r>
+              <a:rPr lang="en-US" dirty="0"/>
+              <a:t>w</a:t>
+            </a:r>
+            <a:r>
+              <a:rPr lang="en-US" baseline="-25000" dirty="0"/>
+              <a:t>gf1</a:t>
+            </a:r>
+          </a:p>
+        </p:txBody>
+      </p:sp>
+      <p:sp>
+        <p:nvSpPr>
+          <p:cNvPr id="11" name="TextBox 10">
+            <a:extLst>
+              <a:ext uri="{FF2B5EF4-FFF2-40B4-BE49-F238E27FC236}">
+                <a16:creationId xmlns:a16="http://schemas.microsoft.com/office/drawing/2014/main" id="{09B8F22D-05C7-C347-91AD-002C0302B7B7}"/>
+              </a:ext>
+            </a:extLst>
+          </p:cNvPr>
+          <p:cNvSpPr txBox="1"/>
+          <p:nvPr/>
+        </p:nvSpPr>
+        <p:spPr>
+          <a:xfrm>
+            <a:off x="6552448" y="2100843"/>
+            <a:ext cx="835816" cy="369332"/>
+          </a:xfrm>
+          <a:prstGeom prst="rect">
+            <a:avLst/>
+          </a:prstGeom>
+          <a:noFill/>
+        </p:spPr>
+        <p:txBody>
+          <a:bodyPr wrap="square" rtlCol="0">
+            <a:spAutoFit/>
+          </a:bodyPr>
+          <a:lstStyle/>
+          <a:p>
+            <a:r>
+              <a:rPr lang="en-US" dirty="0"/>
+              <a:t>w</a:t>
+            </a:r>
+            <a:r>
+              <a:rPr lang="en-US" baseline="-25000" dirty="0"/>
+              <a:t>gf1</a:t>
+            </a:r>
+          </a:p>
+        </p:txBody>
+      </p:sp>
+      <p:sp>
+        <p:nvSpPr>
+          <p:cNvPr id="14" name="TextBox 13">
+            <a:extLst>
+              <a:ext uri="{FF2B5EF4-FFF2-40B4-BE49-F238E27FC236}">
+                <a16:creationId xmlns:a16="http://schemas.microsoft.com/office/drawing/2014/main" id="{572597A0-C79A-6F41-9BC6-62E2541E3DE8}"/>
+              </a:ext>
+            </a:extLst>
+          </p:cNvPr>
+          <p:cNvSpPr txBox="1"/>
+          <p:nvPr/>
+        </p:nvSpPr>
+        <p:spPr>
+          <a:xfrm>
+            <a:off x="4803737" y="168897"/>
+            <a:ext cx="835816" cy="369332"/>
+          </a:xfrm>
+          <a:prstGeom prst="rect">
+            <a:avLst/>
+          </a:prstGeom>
+          <a:noFill/>
+        </p:spPr>
+        <p:txBody>
+          <a:bodyPr wrap="square" rtlCol="0">
+            <a:spAutoFit/>
+          </a:bodyPr>
+          <a:lstStyle/>
+          <a:p>
+            <a:r>
+              <a:rPr lang="en-US" dirty="0"/>
+              <a:t>w</a:t>
+            </a:r>
+            <a:r>
+              <a:rPr lang="en-US" baseline="-25000" dirty="0"/>
+              <a:t>xg2</a:t>
+            </a:r>
+          </a:p>
+        </p:txBody>
+      </p:sp>
+      <p:sp>
+        <p:nvSpPr>
+          <p:cNvPr id="18" name="TextBox 17">
+            <a:extLst>
+              <a:ext uri="{FF2B5EF4-FFF2-40B4-BE49-F238E27FC236}">
+                <a16:creationId xmlns:a16="http://schemas.microsoft.com/office/drawing/2014/main" id="{569594C0-B3E4-EE4B-8C36-F2C040703E36}"/>
+              </a:ext>
+            </a:extLst>
+          </p:cNvPr>
+          <p:cNvSpPr txBox="1"/>
+          <p:nvPr/>
+        </p:nvSpPr>
+        <p:spPr>
+          <a:xfrm>
+            <a:off x="3862316" y="5775942"/>
+            <a:ext cx="1236059" cy="369332"/>
+          </a:xfrm>
+          <a:prstGeom prst="rect">
+            <a:avLst/>
+          </a:prstGeom>
+          <a:noFill/>
+        </p:spPr>
+        <p:txBody>
+          <a:bodyPr wrap="square" rtlCol="0">
+            <a:spAutoFit/>
+          </a:bodyPr>
+          <a:lstStyle/>
+          <a:p>
+            <a:r>
+              <a:rPr lang="en-US" dirty="0"/>
+              <a:t>Total Error</a:t>
+            </a:r>
+            <a:endParaRPr lang="en-US" baseline="-25000" dirty="0"/>
+          </a:p>
+        </p:txBody>
+      </p:sp>
+      <p:sp>
+        <p:nvSpPr>
+          <p:cNvPr id="12" name="!!x3">
+            <a:extLst>
+              <a:ext uri="{FF2B5EF4-FFF2-40B4-BE49-F238E27FC236}">
+                <a16:creationId xmlns:a16="http://schemas.microsoft.com/office/drawing/2014/main" id="{CF113F07-0B27-3949-BDFB-EA8E40922A7E}"/>
+              </a:ext>
+            </a:extLst>
+          </p:cNvPr>
+          <p:cNvSpPr/>
+          <p:nvPr/>
+        </p:nvSpPr>
+        <p:spPr>
+          <a:xfrm>
+            <a:off x="5334577" y="1839345"/>
+            <a:ext cx="481914" cy="481914"/>
+          </a:xfrm>
+          <a:prstGeom prst="mathMultiply">
+            <a:avLst/>
+          </a:prstGeom>
+          <a:solidFill>
+            <a:srgbClr val="C00000"/>
+          </a:solidFill>
+          <a:ln>
+            <a:noFill/>
+          </a:ln>
+        </p:spPr>
+        <p:style>
+          <a:lnRef idx="2">
+            <a:schemeClr val="accent6"/>
+          </a:lnRef>
+          <a:fillRef idx="1">
+            <a:schemeClr val="lt1"/>
+          </a:fillRef>
+          <a:effectRef idx="0">
+            <a:schemeClr val="accent6"/>
+          </a:effectRef>
+          <a:fontRef idx="minor">
+            <a:schemeClr val="dk1"/>
+          </a:fontRef>
+        </p:style>
+        <p:txBody>
+          <a:bodyPr rtlCol="0" anchor="ctr"/>
+          <a:lstStyle/>
           <a:p>
             <a:pPr algn="ctr"/>
-            <a:br>
-              <a:rPr lang="en-US" sz="3600" dirty="0">
-                <a:solidFill>
-                  <a:schemeClr val="tx1">
-                    <a:lumMod val="65000"/>
-                    <a:lumOff val="35000"/>
-                  </a:schemeClr>
-                </a:solidFill>
-                <a:latin typeface="Palatino Linotype" panose="02040502050505030304" pitchFamily="18" charset="0"/>
-              </a:rPr>
-            </a:br>
-            <a:br>
-              <a:rPr lang="en-US" sz="3600" dirty="0">
-                <a:solidFill>
-                  <a:schemeClr val="tx1">
-                    <a:lumMod val="65000"/>
-                    <a:lumOff val="35000"/>
-                  </a:schemeClr>
-                </a:solidFill>
-                <a:latin typeface="Palatino Linotype" panose="02040502050505030304" pitchFamily="18" charset="0"/>
-              </a:rPr>
-            </a:br>
-            <a:br>
-              <a:rPr lang="en-US" sz="3600" dirty="0">
-                <a:solidFill>
-                  <a:schemeClr val="tx1">
-                    <a:lumMod val="65000"/>
-                    <a:lumOff val="35000"/>
-                  </a:schemeClr>
-                </a:solidFill>
-                <a:latin typeface="Palatino Linotype" panose="02040502050505030304" pitchFamily="18" charset="0"/>
-              </a:rPr>
-            </a:br>
-            <a:br>
-              <a:rPr lang="en-US" sz="3600" dirty="0">
-                <a:solidFill>
-                  <a:schemeClr val="tx1">
-                    <a:lumMod val="65000"/>
-                    <a:lumOff val="35000"/>
-                  </a:schemeClr>
-                </a:solidFill>
-                <a:latin typeface="Palatino Linotype" panose="02040502050505030304" pitchFamily="18" charset="0"/>
-              </a:rPr>
-            </a:br>
-            <a:br>
-              <a:rPr lang="en-US" sz="3600" dirty="0">
-                <a:solidFill>
-                  <a:schemeClr val="tx1">
-                    <a:lumMod val="65000"/>
-                    <a:lumOff val="35000"/>
-                  </a:schemeClr>
-                </a:solidFill>
-                <a:latin typeface="Palatino Linotype" panose="02040502050505030304" pitchFamily="18" charset="0"/>
-              </a:rPr>
-            </a:br>
-            <a:br>
-              <a:rPr lang="en-US" sz="3600" dirty="0">
-                <a:solidFill>
-                  <a:schemeClr val="tx1">
-                    <a:lumMod val="65000"/>
-                    <a:lumOff val="35000"/>
-                  </a:schemeClr>
-                </a:solidFill>
-                <a:latin typeface="Palatino Linotype" panose="02040502050505030304" pitchFamily="18" charset="0"/>
-              </a:rPr>
-            </a:br>
-            <a:br>
-              <a:rPr lang="en-US" sz="3600" dirty="0">
-                <a:solidFill>
-                  <a:schemeClr val="tx1">
-                    <a:lumMod val="65000"/>
-                    <a:lumOff val="35000"/>
-                  </a:schemeClr>
-                </a:solidFill>
-                <a:latin typeface="Palatino Linotype" panose="02040502050505030304" pitchFamily="18" charset="0"/>
-              </a:rPr>
-            </a:br>
-            <a:br>
-              <a:rPr lang="en-US" sz="3600" dirty="0">
-                <a:solidFill>
-                  <a:schemeClr val="tx1">
-                    <a:lumMod val="65000"/>
-                    <a:lumOff val="35000"/>
-                  </a:schemeClr>
-                </a:solidFill>
-                <a:latin typeface="Palatino Linotype" panose="02040502050505030304" pitchFamily="18" charset="0"/>
-              </a:rPr>
-            </a:br>
-            <a:r>
-              <a:rPr lang="en-US" sz="3600" dirty="0">
-                <a:solidFill>
-                  <a:schemeClr val="tx1">
-                    <a:lumMod val="65000"/>
-                    <a:lumOff val="35000"/>
-                  </a:schemeClr>
-                </a:solidFill>
-                <a:latin typeface="Palatino Linotype" panose="02040502050505030304" pitchFamily="18" charset="0"/>
-              </a:rPr>
-              <a:t>Add Gradient Descent Simulation</a:t>
-            </a:r>
-          </a:p>
+            <a:r>
+              <a:rPr lang="en-US" dirty="0">
+                <a:ln w="0"/>
+                <a:solidFill>
+                  <a:sysClr val="windowText" lastClr="000000"/>
+                </a:solidFill>
+                <a:effectLst>
+                  <a:outerShdw blurRad="38100" dist="19050" dir="2700000" algn="tl" rotWithShape="0">
+                    <a:schemeClr val="dk1">
+                      <a:alpha val="40000"/>
+                    </a:schemeClr>
+                  </a:outerShdw>
+                </a:effectLst>
+              </a:rPr>
+              <a:t>   </a:t>
+            </a:r>
+          </a:p>
+        </p:txBody>
+      </p:sp>
+      <p:cxnSp>
+        <p:nvCxnSpPr>
+          <p:cNvPr id="16" name="!!topdotted">
+            <a:extLst>
+              <a:ext uri="{FF2B5EF4-FFF2-40B4-BE49-F238E27FC236}">
+                <a16:creationId xmlns:a16="http://schemas.microsoft.com/office/drawing/2014/main" id="{2715AE7A-4320-0D4B-9486-8ED4A86A605F}"/>
+              </a:ext>
+            </a:extLst>
+          </p:cNvPr>
+          <p:cNvCxnSpPr/>
+          <p:nvPr/>
+        </p:nvCxnSpPr>
+        <p:spPr>
+          <a:xfrm flipV="1">
+            <a:off x="5575534" y="1454527"/>
+            <a:ext cx="0" cy="566928"/>
+          </a:xfrm>
+          <a:prstGeom prst="line">
+            <a:avLst/>
+          </a:prstGeom>
+          <a:ln w="9525" cap="flat" cmpd="sng" algn="ctr">
+            <a:solidFill>
+              <a:srgbClr val="C00000"/>
+            </a:solidFill>
+            <a:prstDash val="dash"/>
+            <a:round/>
+            <a:headEnd type="none" w="med" len="med"/>
+            <a:tailEnd type="none" w="med" len="med"/>
+          </a:ln>
+        </p:spPr>
+        <p:style>
+          <a:lnRef idx="0">
+            <a:scrgbClr r="0" g="0" b="0"/>
+          </a:lnRef>
+          <a:fillRef idx="0">
+            <a:scrgbClr r="0" g="0" b="0"/>
+          </a:fillRef>
+          <a:effectRef idx="0">
+            <a:scrgbClr r="0" g="0" b="0"/>
+          </a:effectRef>
+          <a:fontRef idx="minor">
+            <a:schemeClr val="tx1"/>
+          </a:fontRef>
+        </p:style>
+      </p:cxnSp>
+      <p:sp>
+        <p:nvSpPr>
+          <p:cNvPr id="17" name="!!topline">
+            <a:extLst>
+              <a:ext uri="{FF2B5EF4-FFF2-40B4-BE49-F238E27FC236}">
+                <a16:creationId xmlns:a16="http://schemas.microsoft.com/office/drawing/2014/main" id="{57D89490-CD53-4A4D-BF38-9CAC027EC26A}"/>
+              </a:ext>
+            </a:extLst>
+          </p:cNvPr>
+          <p:cNvSpPr/>
+          <p:nvPr/>
+        </p:nvSpPr>
+        <p:spPr>
+          <a:xfrm rot="18986712">
+            <a:off x="4833366" y="1390213"/>
+            <a:ext cx="1484334" cy="45719"/>
+          </a:xfrm>
+          <a:prstGeom prst="rect">
+            <a:avLst/>
+          </a:prstGeom>
+          <a:solidFill>
+            <a:schemeClr val="tx1"/>
+          </a:solidFill>
+          <a:ln>
+            <a:noFill/>
+          </a:ln>
+        </p:spPr>
+        <p:style>
+          <a:lnRef idx="2">
+            <a:schemeClr val="accent1">
+              <a:shade val="50000"/>
+            </a:schemeClr>
+          </a:lnRef>
+          <a:fillRef idx="1">
+            <a:schemeClr val="accent1"/>
+          </a:fillRef>
+          <a:effectRef idx="0">
+            <a:schemeClr val="accent1"/>
+          </a:effectRef>
+          <a:fontRef idx="minor">
+            <a:schemeClr val="lt1"/>
+          </a:fontRef>
+        </p:style>
+        <p:txBody>
+          <a:bodyPr rtlCol="0" anchor="ctr"/>
+          <a:lstStyle/>
           <a:p>
             <a:pPr algn="ctr"/>
-            <a:endParaRPr lang="en-US" sz="2800" dirty="0">
-              <a:solidFill>
-                <a:schemeClr val="tx1">
-                  <a:lumMod val="65000"/>
-                  <a:lumOff val="35000"/>
-                </a:schemeClr>
-              </a:solidFill>
-              <a:latin typeface="Palatino Linotype" panose="02040502050505030304" pitchFamily="18" charset="0"/>
-              <a:cs typeface="Segoe UI Light" panose="020B0502040204020203" pitchFamily="34" charset="0"/>
-            </a:endParaRPr>
-          </a:p>
-        </p:txBody>
-      </p:sp>
+            <a:endParaRPr lang="en-US"/>
+          </a:p>
+        </p:txBody>
+      </p:sp>
+      <p:cxnSp>
+        <p:nvCxnSpPr>
+          <p:cNvPr id="19" name="!!Straight Connector ">
+            <a:extLst>
+              <a:ext uri="{FF2B5EF4-FFF2-40B4-BE49-F238E27FC236}">
+                <a16:creationId xmlns:a16="http://schemas.microsoft.com/office/drawing/2014/main" id="{AA74A90B-F189-5D45-B383-73CFB42AB746}"/>
+              </a:ext>
+            </a:extLst>
+          </p:cNvPr>
+          <p:cNvCxnSpPr>
+            <a:cxnSpLocks/>
+          </p:cNvCxnSpPr>
+          <p:nvPr/>
+        </p:nvCxnSpPr>
+        <p:spPr>
+          <a:xfrm flipV="1">
+            <a:off x="5268709" y="2825646"/>
+            <a:ext cx="0" cy="2839144"/>
+          </a:xfrm>
+          <a:prstGeom prst="line">
+            <a:avLst/>
+          </a:prstGeom>
+          <a:ln w="9525" cap="flat" cmpd="sng" algn="ctr">
+            <a:solidFill>
+              <a:srgbClr val="C00000"/>
+            </a:solidFill>
+            <a:prstDash val="dash"/>
+            <a:round/>
+            <a:headEnd type="none" w="med" len="med"/>
+            <a:tailEnd type="none" w="med" len="med"/>
+          </a:ln>
+        </p:spPr>
+        <p:style>
+          <a:lnRef idx="0">
+            <a:scrgbClr r="0" g="0" b="0"/>
+          </a:lnRef>
+          <a:fillRef idx="0">
+            <a:scrgbClr r="0" g="0" b="0"/>
+          </a:fillRef>
+          <a:effectRef idx="0">
+            <a:scrgbClr r="0" g="0" b="0"/>
+          </a:effectRef>
+          <a:fontRef idx="minor">
+            <a:schemeClr val="tx1"/>
+          </a:fontRef>
+        </p:style>
+      </p:cxnSp>
+      <p:sp>
+        <p:nvSpPr>
+          <p:cNvPr id="20" name="!!x2">
+            <a:extLst>
+              <a:ext uri="{FF2B5EF4-FFF2-40B4-BE49-F238E27FC236}">
+                <a16:creationId xmlns:a16="http://schemas.microsoft.com/office/drawing/2014/main" id="{75F043DB-BA1C-3746-9B58-E521860427C2}"/>
+              </a:ext>
+            </a:extLst>
+          </p:cNvPr>
+          <p:cNvSpPr/>
+          <p:nvPr/>
+        </p:nvSpPr>
+        <p:spPr>
+          <a:xfrm>
+            <a:off x="5027752" y="5478694"/>
+            <a:ext cx="481914" cy="481914"/>
+          </a:xfrm>
+          <a:prstGeom prst="mathMultiply">
+            <a:avLst/>
+          </a:prstGeom>
+          <a:solidFill>
+            <a:srgbClr val="C00000"/>
+          </a:solidFill>
+          <a:ln>
+            <a:noFill/>
+          </a:ln>
+        </p:spPr>
+        <p:style>
+          <a:lnRef idx="2">
+            <a:schemeClr val="accent6"/>
+          </a:lnRef>
+          <a:fillRef idx="1">
+            <a:schemeClr val="lt1"/>
+          </a:fillRef>
+          <a:effectRef idx="0">
+            <a:schemeClr val="accent6"/>
+          </a:effectRef>
+          <a:fontRef idx="minor">
+            <a:schemeClr val="dk1"/>
+          </a:fontRef>
+        </p:style>
+        <p:txBody>
+          <a:bodyPr rtlCol="0" anchor="ctr"/>
+          <a:lstStyle/>
+          <a:p>
+            <a:pPr algn="ctr"/>
+            <a:r>
+              <a:rPr lang="en-US" dirty="0">
+                <a:ln w="0"/>
+                <a:solidFill>
+                  <a:sysClr val="windowText" lastClr="000000"/>
+                </a:solidFill>
+                <a:effectLst>
+                  <a:outerShdw blurRad="38100" dist="19050" dir="2700000" algn="tl" rotWithShape="0">
+                    <a:schemeClr val="dk1">
+                      <a:alpha val="40000"/>
+                    </a:schemeClr>
+                  </a:outerShdw>
+                </a:effectLst>
+              </a:rPr>
+              <a:t>   </a:t>
+            </a:r>
+          </a:p>
+        </p:txBody>
+      </p:sp>
+      <p:sp>
+        <p:nvSpPr>
+          <p:cNvPr id="21" name="!!x1">
+            <a:extLst>
+              <a:ext uri="{FF2B5EF4-FFF2-40B4-BE49-F238E27FC236}">
+                <a16:creationId xmlns:a16="http://schemas.microsoft.com/office/drawing/2014/main" id="{B57AE14B-8290-0045-AE65-161B973EA14D}"/>
+              </a:ext>
+            </a:extLst>
+          </p:cNvPr>
+          <p:cNvSpPr/>
+          <p:nvPr/>
+        </p:nvSpPr>
+        <p:spPr>
+          <a:xfrm>
+            <a:off x="5035248" y="2572357"/>
+            <a:ext cx="481914" cy="481914"/>
+          </a:xfrm>
+          <a:prstGeom prst="mathMultiply">
+            <a:avLst/>
+          </a:prstGeom>
+          <a:solidFill>
+            <a:srgbClr val="C00000"/>
+          </a:solidFill>
+          <a:ln>
+            <a:noFill/>
+          </a:ln>
+        </p:spPr>
+        <p:style>
+          <a:lnRef idx="2">
+            <a:schemeClr val="accent6"/>
+          </a:lnRef>
+          <a:fillRef idx="1">
+            <a:schemeClr val="lt1"/>
+          </a:fillRef>
+          <a:effectRef idx="0">
+            <a:schemeClr val="accent6"/>
+          </a:effectRef>
+          <a:fontRef idx="minor">
+            <a:schemeClr val="dk1"/>
+          </a:fontRef>
+        </p:style>
+        <p:txBody>
+          <a:bodyPr rtlCol="0" anchor="ctr"/>
+          <a:lstStyle/>
+          <a:p>
+            <a:pPr algn="ctr"/>
+            <a:r>
+              <a:rPr lang="en-US" dirty="0">
+                <a:ln w="0"/>
+                <a:solidFill>
+                  <a:sysClr val="windowText" lastClr="000000"/>
+                </a:solidFill>
+                <a:effectLst>
+                  <a:outerShdw blurRad="38100" dist="19050" dir="2700000" algn="tl" rotWithShape="0">
+                    <a:schemeClr val="dk1">
+                      <a:alpha val="40000"/>
+                    </a:schemeClr>
+                  </a:outerShdw>
+                </a:effectLst>
+              </a:rPr>
+              <a:t>   </a:t>
+            </a:r>
+          </a:p>
+        </p:txBody>
+      </p:sp>
+      <p:cxnSp>
+        <p:nvCxnSpPr>
+          <p:cNvPr id="4" name="Straight Arrow Connector 3">
+            <a:extLst>
+              <a:ext uri="{FF2B5EF4-FFF2-40B4-BE49-F238E27FC236}">
+                <a16:creationId xmlns:a16="http://schemas.microsoft.com/office/drawing/2014/main" id="{338A7FCE-5558-4E48-B607-0A6E0E29C22F}"/>
+              </a:ext>
+            </a:extLst>
+          </p:cNvPr>
+          <p:cNvCxnSpPr>
+            <a:cxnSpLocks/>
+          </p:cNvCxnSpPr>
+          <p:nvPr/>
+        </p:nvCxnSpPr>
+        <p:spPr>
+          <a:xfrm flipH="1">
+            <a:off x="5474041" y="2273759"/>
+            <a:ext cx="65868" cy="338814"/>
+          </a:xfrm>
+          <a:prstGeom prst="straightConnector1">
+            <a:avLst/>
+          </a:prstGeom>
+          <a:ln w="38100">
+            <a:solidFill>
+              <a:srgbClr val="7030A0"/>
+            </a:solidFill>
+            <a:prstDash val="sysDot"/>
+            <a:headEnd type="triangle"/>
+            <a:tailEnd type="triangle"/>
+          </a:ln>
+        </p:spPr>
+        <p:style>
+          <a:lnRef idx="1">
+            <a:schemeClr val="accent1"/>
+          </a:lnRef>
+          <a:fillRef idx="0">
+            <a:schemeClr val="accent1"/>
+          </a:fillRef>
+          <a:effectRef idx="0">
+            <a:schemeClr val="accent1"/>
+          </a:effectRef>
+          <a:fontRef idx="minor">
+            <a:schemeClr val="tx1"/>
+          </a:fontRef>
+        </p:style>
+      </p:cxnSp>
     </p:spTree>
     <p:extLst>
       <p:ext uri="{BB962C8B-B14F-4D97-AF65-F5344CB8AC3E}">
-        <p14:creationId xmlns:p14="http://schemas.microsoft.com/office/powerpoint/2010/main" val="2131189601"/>
+        <p14:creationId xmlns:p14="http://schemas.microsoft.com/office/powerpoint/2010/main" val="2200435309"/>
       </p:ext>
     </p:extLst>
   </p:cSld>
   <p:clrMapOvr>
     <a:masterClrMapping/>
   </p:clrMapOvr>
-  <mc:AlternateContent xmlns:mc="http://schemas.openxmlformats.org/markup-compatibility/2006" xmlns:p14="http://schemas.microsoft.com/office/powerpoint/2010/main">
-    <mc:Choice Requires="p14">
-      <p:transition spd="med" p14:dur="700">
-        <p:fade/>
-      </p:transition>
-    </mc:Choice>
-    <mc:Fallback xmlns="">
-      <p:transition spd="med">
-        <p:fade/>
-      </p:transition>
-    </mc:Fallback>
-  </mc:AlternateContent>
 </p:sld>
 </file>
 
@@ -9896,10 +11054,10 @@
       </p:grpSpPr>
       <p:pic>
         <p:nvPicPr>
-          <p:cNvPr id="3" name="Picture 2">
-            <a:extLst>
-              <a:ext uri="{FF2B5EF4-FFF2-40B4-BE49-F238E27FC236}">
-                <a16:creationId xmlns:a16="http://schemas.microsoft.com/office/drawing/2014/main" id="{079E553D-87CC-498F-A6F4-BE873941F430}"/>
+          <p:cNvPr id="9" name="Picture 8" descr="Diagram, box and whisker chart&#10;&#10;Description automatically generated">
+            <a:extLst>
+              <a:ext uri="{FF2B5EF4-FFF2-40B4-BE49-F238E27FC236}">
+                <a16:creationId xmlns:a16="http://schemas.microsoft.com/office/drawing/2014/main" id="{565CB2B0-DF8B-3C40-8B5A-3449D6358553}"/>
               </a:ext>
             </a:extLst>
           </p:cNvPr>
@@ -9909,37 +11067,29 @@
           <p:nvPr/>
         </p:nvPicPr>
         <p:blipFill>
-          <a:blip r:embed="rId3"/>
+          <a:blip r:embed="rId3">
+            <a:alphaModFix/>
+          </a:blip>
           <a:stretch>
             <a:fillRect/>
           </a:stretch>
         </p:blipFill>
         <p:spPr>
           <a:xfrm>
-            <a:off x="2012051" y="1892620"/>
-            <a:ext cx="8167897" cy="3072760"/>
+            <a:off x="3282025" y="228600"/>
+            <a:ext cx="5627950" cy="6134006"/>
           </a:xfrm>
           <a:prstGeom prst="rect">
             <a:avLst/>
           </a:prstGeom>
-          <a:ln>
-            <a:noFill/>
-          </a:ln>
-          <a:effectLst>
-            <a:outerShdw blurRad="292100" dist="139700" dir="2700000" algn="tl" rotWithShape="0">
-              <a:srgbClr val="333333">
-                <a:alpha val="65000"/>
-              </a:srgbClr>
-            </a:outerShdw>
-          </a:effectLst>
         </p:spPr>
       </p:pic>
       <p:sp>
         <p:nvSpPr>
-          <p:cNvPr id="4" name="TextBox 3">
-            <a:extLst>
-              <a:ext uri="{FF2B5EF4-FFF2-40B4-BE49-F238E27FC236}">
-                <a16:creationId xmlns:a16="http://schemas.microsoft.com/office/drawing/2014/main" id="{5A97D8DA-1FC8-4770-8EEA-E4947515185A}"/>
+          <p:cNvPr id="10" name="TextBox 9">
+            <a:extLst>
+              <a:ext uri="{FF2B5EF4-FFF2-40B4-BE49-F238E27FC236}">
+                <a16:creationId xmlns:a16="http://schemas.microsoft.com/office/drawing/2014/main" id="{28EA983F-D732-B846-A699-F3F34B3A0DBF}"/>
               </a:ext>
             </a:extLst>
           </p:cNvPr>
@@ -9948,8 +11098,8 @@
         </p:nvSpPr>
         <p:spPr>
           <a:xfrm>
-            <a:off x="0" y="6550223"/>
-            <a:ext cx="12192000" cy="307777"/>
+            <a:off x="3438618" y="2207718"/>
+            <a:ext cx="835816" cy="369332"/>
           </a:xfrm>
           <a:prstGeom prst="rect">
             <a:avLst/>
@@ -9963,51 +11113,535 @@
           <a:lstStyle/>
           <a:p>
             <a:r>
-              <a:rPr lang="en-US" sz="1400" dirty="0">
-                <a:solidFill>
-                  <a:schemeClr val="tx1">
-                    <a:lumMod val="65000"/>
-                    <a:lumOff val="35000"/>
-                  </a:schemeClr>
-                </a:solidFill>
-                <a:latin typeface="+mj-lt"/>
-                <a:ea typeface="Verdana" panose="020B0604030504040204" pitchFamily="34" charset="0"/>
-              </a:rPr>
-              <a:t>Source: </a:t>
-            </a:r>
-            <a:r>
-              <a:rPr lang="en-US" sz="1400" dirty="0">
-                <a:solidFill>
-                  <a:schemeClr val="tx1">
-                    <a:lumMod val="65000"/>
-                    <a:lumOff val="35000"/>
-                  </a:schemeClr>
-                </a:solidFill>
-                <a:latin typeface="+mj-lt"/>
-              </a:rPr>
-              <a:t>https://medium.com/swlh/introduction-to-deep-learning-using-keras-and-tensorflow-part2-284746ab4442</a:t>
-            </a:r>
+              <a:rPr lang="en-US" dirty="0"/>
+              <a:t>w</a:t>
+            </a:r>
+            <a:r>
+              <a:rPr lang="en-US" baseline="-25000" dirty="0"/>
+              <a:t>gf1</a:t>
+            </a:r>
+          </a:p>
+        </p:txBody>
+      </p:sp>
+      <p:sp>
+        <p:nvSpPr>
+          <p:cNvPr id="11" name="TextBox 10">
+            <a:extLst>
+              <a:ext uri="{FF2B5EF4-FFF2-40B4-BE49-F238E27FC236}">
+                <a16:creationId xmlns:a16="http://schemas.microsoft.com/office/drawing/2014/main" id="{92AAFADB-EDD0-5E41-BDE0-6A48C8220DA2}"/>
+              </a:ext>
+            </a:extLst>
+          </p:cNvPr>
+          <p:cNvSpPr txBox="1"/>
+          <p:nvPr/>
+        </p:nvSpPr>
+        <p:spPr>
+          <a:xfrm>
+            <a:off x="6552448" y="2100843"/>
+            <a:ext cx="835816" cy="369332"/>
+          </a:xfrm>
+          <a:prstGeom prst="rect">
+            <a:avLst/>
+          </a:prstGeom>
+          <a:noFill/>
+        </p:spPr>
+        <p:txBody>
+          <a:bodyPr wrap="square" rtlCol="0">
+            <a:spAutoFit/>
+          </a:bodyPr>
+          <a:lstStyle/>
+          <a:p>
+            <a:r>
+              <a:rPr lang="en-US" dirty="0"/>
+              <a:t>w</a:t>
+            </a:r>
+            <a:r>
+              <a:rPr lang="en-US" baseline="-25000" dirty="0"/>
+              <a:t>gf1</a:t>
+            </a:r>
+          </a:p>
+        </p:txBody>
+      </p:sp>
+      <p:sp>
+        <p:nvSpPr>
+          <p:cNvPr id="12" name="TextBox 11">
+            <a:extLst>
+              <a:ext uri="{FF2B5EF4-FFF2-40B4-BE49-F238E27FC236}">
+                <a16:creationId xmlns:a16="http://schemas.microsoft.com/office/drawing/2014/main" id="{0491F1B7-830D-C749-9DB9-53F60D41D752}"/>
+              </a:ext>
+            </a:extLst>
+          </p:cNvPr>
+          <p:cNvSpPr txBox="1"/>
+          <p:nvPr/>
+        </p:nvSpPr>
+        <p:spPr>
+          <a:xfrm>
+            <a:off x="4803737" y="164273"/>
+            <a:ext cx="835816" cy="369332"/>
+          </a:xfrm>
+          <a:prstGeom prst="rect">
+            <a:avLst/>
+          </a:prstGeom>
+          <a:noFill/>
+        </p:spPr>
+        <p:txBody>
+          <a:bodyPr wrap="square" rtlCol="0">
+            <a:spAutoFit/>
+          </a:bodyPr>
+          <a:lstStyle/>
+          <a:p>
+            <a:r>
+              <a:rPr lang="en-US" dirty="0"/>
+              <a:t>w</a:t>
+            </a:r>
+            <a:r>
+              <a:rPr lang="en-US" baseline="-25000" dirty="0"/>
+              <a:t>xg2</a:t>
+            </a:r>
+          </a:p>
+        </p:txBody>
+      </p:sp>
+      <p:sp>
+        <p:nvSpPr>
+          <p:cNvPr id="15" name="!!x3">
+            <a:extLst>
+              <a:ext uri="{FF2B5EF4-FFF2-40B4-BE49-F238E27FC236}">
+                <a16:creationId xmlns:a16="http://schemas.microsoft.com/office/drawing/2014/main" id="{22ABDFE0-6888-C546-88BD-71FEF5A7744B}"/>
+              </a:ext>
+            </a:extLst>
+          </p:cNvPr>
+          <p:cNvSpPr/>
+          <p:nvPr/>
+        </p:nvSpPr>
+        <p:spPr>
+          <a:xfrm>
+            <a:off x="5699412" y="1827190"/>
+            <a:ext cx="481914" cy="481914"/>
+          </a:xfrm>
+          <a:prstGeom prst="mathMultiply">
+            <a:avLst/>
+          </a:prstGeom>
+          <a:solidFill>
+            <a:srgbClr val="C00000"/>
+          </a:solidFill>
+          <a:ln>
+            <a:noFill/>
+          </a:ln>
+        </p:spPr>
+        <p:style>
+          <a:lnRef idx="2">
+            <a:schemeClr val="accent6"/>
+          </a:lnRef>
+          <a:fillRef idx="1">
+            <a:schemeClr val="lt1"/>
+          </a:fillRef>
+          <a:effectRef idx="0">
+            <a:schemeClr val="accent6"/>
+          </a:effectRef>
+          <a:fontRef idx="minor">
+            <a:schemeClr val="dk1"/>
+          </a:fontRef>
+        </p:style>
+        <p:txBody>
+          <a:bodyPr rtlCol="0" anchor="ctr"/>
+          <a:lstStyle/>
+          <a:p>
+            <a:pPr algn="ctr"/>
+            <a:r>
+              <a:rPr lang="en-US" dirty="0">
+                <a:ln w="0"/>
+                <a:solidFill>
+                  <a:sysClr val="windowText" lastClr="000000"/>
+                </a:solidFill>
+                <a:effectLst>
+                  <a:outerShdw blurRad="38100" dist="19050" dir="2700000" algn="tl" rotWithShape="0">
+                    <a:schemeClr val="dk1">
+                      <a:alpha val="40000"/>
+                    </a:schemeClr>
+                  </a:outerShdw>
+                </a:effectLst>
+              </a:rPr>
+              <a:t>   </a:t>
+            </a:r>
+          </a:p>
+        </p:txBody>
+      </p:sp>
+      <p:cxnSp>
+        <p:nvCxnSpPr>
+          <p:cNvPr id="16" name="!!topdotted">
+            <a:extLst>
+              <a:ext uri="{FF2B5EF4-FFF2-40B4-BE49-F238E27FC236}">
+                <a16:creationId xmlns:a16="http://schemas.microsoft.com/office/drawing/2014/main" id="{E7829BD0-FEF5-FF49-ABD0-6D6F0A32AAA9}"/>
+              </a:ext>
+            </a:extLst>
+          </p:cNvPr>
+          <p:cNvCxnSpPr>
+            <a:cxnSpLocks/>
+          </p:cNvCxnSpPr>
+          <p:nvPr/>
+        </p:nvCxnSpPr>
+        <p:spPr>
+          <a:xfrm flipV="1">
+            <a:off x="5940369" y="1133856"/>
+            <a:ext cx="0" cy="866303"/>
+          </a:xfrm>
+          <a:prstGeom prst="line">
+            <a:avLst/>
+          </a:prstGeom>
+          <a:ln w="9525" cap="flat" cmpd="sng" algn="ctr">
+            <a:solidFill>
+              <a:srgbClr val="C00000"/>
+            </a:solidFill>
+            <a:prstDash val="dash"/>
+            <a:round/>
+            <a:headEnd type="none" w="med" len="med"/>
+            <a:tailEnd type="none" w="med" len="med"/>
+          </a:ln>
+        </p:spPr>
+        <p:style>
+          <a:lnRef idx="0">
+            <a:scrgbClr r="0" g="0" b="0"/>
+          </a:lnRef>
+          <a:fillRef idx="0">
+            <a:scrgbClr r="0" g="0" b="0"/>
+          </a:fillRef>
+          <a:effectRef idx="0">
+            <a:scrgbClr r="0" g="0" b="0"/>
+          </a:effectRef>
+          <a:fontRef idx="minor">
+            <a:schemeClr val="tx1"/>
+          </a:fontRef>
+        </p:style>
+      </p:cxnSp>
+      <p:sp>
+        <p:nvSpPr>
+          <p:cNvPr id="17" name="!!topline">
+            <a:extLst>
+              <a:ext uri="{FF2B5EF4-FFF2-40B4-BE49-F238E27FC236}">
+                <a16:creationId xmlns:a16="http://schemas.microsoft.com/office/drawing/2014/main" id="{F3F6A119-5138-B343-8340-27FA5DC30346}"/>
+              </a:ext>
+            </a:extLst>
+          </p:cNvPr>
+          <p:cNvSpPr/>
+          <p:nvPr/>
+        </p:nvSpPr>
+        <p:spPr>
+          <a:xfrm rot="19800000">
+            <a:off x="5198201" y="1085420"/>
+            <a:ext cx="1484334" cy="45719"/>
+          </a:xfrm>
+          <a:prstGeom prst="rect">
+            <a:avLst/>
+          </a:prstGeom>
+          <a:solidFill>
+            <a:schemeClr val="tx1"/>
+          </a:solidFill>
+          <a:ln>
+            <a:noFill/>
+          </a:ln>
+        </p:spPr>
+        <p:style>
+          <a:lnRef idx="2">
+            <a:schemeClr val="accent1">
+              <a:shade val="50000"/>
+            </a:schemeClr>
+          </a:lnRef>
+          <a:fillRef idx="1">
+            <a:schemeClr val="accent1"/>
+          </a:fillRef>
+          <a:effectRef idx="0">
+            <a:schemeClr val="accent1"/>
+          </a:effectRef>
+          <a:fontRef idx="minor">
+            <a:schemeClr val="lt1"/>
+          </a:fontRef>
+        </p:style>
+        <p:txBody>
+          <a:bodyPr rtlCol="0" anchor="ctr"/>
+          <a:lstStyle/>
+          <a:p>
+            <a:pPr algn="ctr"/>
+            <a:endParaRPr lang="en-US"/>
+          </a:p>
+        </p:txBody>
+      </p:sp>
+      <p:cxnSp>
+        <p:nvCxnSpPr>
+          <p:cNvPr id="20" name="!!Straight Connector ">
+            <a:extLst>
+              <a:ext uri="{FF2B5EF4-FFF2-40B4-BE49-F238E27FC236}">
+                <a16:creationId xmlns:a16="http://schemas.microsoft.com/office/drawing/2014/main" id="{9AB183B4-8D22-AF44-9BCF-B3E021604233}"/>
+              </a:ext>
+            </a:extLst>
+          </p:cNvPr>
+          <p:cNvCxnSpPr>
+            <a:cxnSpLocks/>
+          </p:cNvCxnSpPr>
+          <p:nvPr/>
+        </p:nvCxnSpPr>
+        <p:spPr>
+          <a:xfrm flipH="1" flipV="1">
+            <a:off x="5167759" y="3161692"/>
+            <a:ext cx="1" cy="2503097"/>
+          </a:xfrm>
+          <a:prstGeom prst="line">
+            <a:avLst/>
+          </a:prstGeom>
+          <a:ln w="9525" cap="flat" cmpd="sng" algn="ctr">
+            <a:solidFill>
+              <a:srgbClr val="C00000"/>
+            </a:solidFill>
+            <a:prstDash val="dash"/>
+            <a:round/>
+            <a:headEnd type="none" w="med" len="med"/>
+            <a:tailEnd type="none" w="med" len="med"/>
+          </a:ln>
+        </p:spPr>
+        <p:style>
+          <a:lnRef idx="0">
+            <a:scrgbClr r="0" g="0" b="0"/>
+          </a:lnRef>
+          <a:fillRef idx="0">
+            <a:scrgbClr r="0" g="0" b="0"/>
+          </a:fillRef>
+          <a:effectRef idx="0">
+            <a:scrgbClr r="0" g="0" b="0"/>
+          </a:effectRef>
+          <a:fontRef idx="minor">
+            <a:schemeClr val="tx1"/>
+          </a:fontRef>
+        </p:style>
+      </p:cxnSp>
+      <p:sp>
+        <p:nvSpPr>
+          <p:cNvPr id="21" name="!!x2">
+            <a:extLst>
+              <a:ext uri="{FF2B5EF4-FFF2-40B4-BE49-F238E27FC236}">
+                <a16:creationId xmlns:a16="http://schemas.microsoft.com/office/drawing/2014/main" id="{119E84B8-0506-894F-98EC-2BBBE8FCABAD}"/>
+              </a:ext>
+            </a:extLst>
+          </p:cNvPr>
+          <p:cNvSpPr/>
+          <p:nvPr/>
+        </p:nvSpPr>
+        <p:spPr>
+          <a:xfrm>
+            <a:off x="4934630" y="5478694"/>
+            <a:ext cx="481914" cy="481914"/>
+          </a:xfrm>
+          <a:prstGeom prst="mathMultiply">
+            <a:avLst/>
+          </a:prstGeom>
+          <a:solidFill>
+            <a:srgbClr val="C00000"/>
+          </a:solidFill>
+          <a:ln>
+            <a:noFill/>
+          </a:ln>
+        </p:spPr>
+        <p:style>
+          <a:lnRef idx="2">
+            <a:schemeClr val="accent6"/>
+          </a:lnRef>
+          <a:fillRef idx="1">
+            <a:schemeClr val="lt1"/>
+          </a:fillRef>
+          <a:effectRef idx="0">
+            <a:schemeClr val="accent6"/>
+          </a:effectRef>
+          <a:fontRef idx="minor">
+            <a:schemeClr val="dk1"/>
+          </a:fontRef>
+        </p:style>
+        <p:txBody>
+          <a:bodyPr rtlCol="0" anchor="ctr"/>
+          <a:lstStyle/>
+          <a:p>
+            <a:pPr algn="ctr"/>
+            <a:r>
+              <a:rPr lang="en-US" dirty="0">
+                <a:ln w="0"/>
+                <a:solidFill>
+                  <a:sysClr val="windowText" lastClr="000000"/>
+                </a:solidFill>
+                <a:effectLst>
+                  <a:outerShdw blurRad="38100" dist="19050" dir="2700000" algn="tl" rotWithShape="0">
+                    <a:schemeClr val="dk1">
+                      <a:alpha val="40000"/>
+                    </a:schemeClr>
+                  </a:outerShdw>
+                </a:effectLst>
+              </a:rPr>
+              <a:t>   </a:t>
+            </a:r>
+          </a:p>
+        </p:txBody>
+      </p:sp>
+      <p:sp>
+        <p:nvSpPr>
+          <p:cNvPr id="22" name="!!x1">
+            <a:extLst>
+              <a:ext uri="{FF2B5EF4-FFF2-40B4-BE49-F238E27FC236}">
+                <a16:creationId xmlns:a16="http://schemas.microsoft.com/office/drawing/2014/main" id="{8BB8C0CD-524B-7344-999A-7ED0F620876B}"/>
+              </a:ext>
+            </a:extLst>
+          </p:cNvPr>
+          <p:cNvSpPr/>
+          <p:nvPr/>
+        </p:nvSpPr>
+        <p:spPr>
+          <a:xfrm>
+            <a:off x="4922821" y="2947086"/>
+            <a:ext cx="481914" cy="481914"/>
+          </a:xfrm>
+          <a:prstGeom prst="mathMultiply">
+            <a:avLst/>
+          </a:prstGeom>
+          <a:solidFill>
+            <a:srgbClr val="C00000"/>
+          </a:solidFill>
+          <a:ln>
+            <a:noFill/>
+          </a:ln>
+        </p:spPr>
+        <p:style>
+          <a:lnRef idx="2">
+            <a:schemeClr val="accent6"/>
+          </a:lnRef>
+          <a:fillRef idx="1">
+            <a:schemeClr val="lt1"/>
+          </a:fillRef>
+          <a:effectRef idx="0">
+            <a:schemeClr val="accent6"/>
+          </a:effectRef>
+          <a:fontRef idx="minor">
+            <a:schemeClr val="dk1"/>
+          </a:fontRef>
+        </p:style>
+        <p:txBody>
+          <a:bodyPr rtlCol="0" anchor="ctr"/>
+          <a:lstStyle/>
+          <a:p>
+            <a:pPr algn="ctr"/>
+            <a:r>
+              <a:rPr lang="en-US" dirty="0">
+                <a:ln w="0"/>
+                <a:solidFill>
+                  <a:sysClr val="windowText" lastClr="000000"/>
+                </a:solidFill>
+                <a:effectLst>
+                  <a:outerShdw blurRad="38100" dist="19050" dir="2700000" algn="tl" rotWithShape="0">
+                    <a:schemeClr val="dk1">
+                      <a:alpha val="40000"/>
+                    </a:schemeClr>
+                  </a:outerShdw>
+                </a:effectLst>
+              </a:rPr>
+              <a:t>   </a:t>
+            </a:r>
+          </a:p>
+        </p:txBody>
+      </p:sp>
+      <p:cxnSp>
+        <p:nvCxnSpPr>
+          <p:cNvPr id="25" name="Straight Arrow Connector 24">
+            <a:extLst>
+              <a:ext uri="{FF2B5EF4-FFF2-40B4-BE49-F238E27FC236}">
+                <a16:creationId xmlns:a16="http://schemas.microsoft.com/office/drawing/2014/main" id="{808E1DF3-BB9B-0B4D-AA55-45DEEDF59E50}"/>
+              </a:ext>
+            </a:extLst>
+          </p:cNvPr>
+          <p:cNvCxnSpPr>
+            <a:cxnSpLocks/>
+          </p:cNvCxnSpPr>
+          <p:nvPr/>
+        </p:nvCxnSpPr>
+        <p:spPr>
+          <a:xfrm flipH="1">
+            <a:off x="5345577" y="2273479"/>
+            <a:ext cx="556459" cy="742854"/>
+          </a:xfrm>
+          <a:prstGeom prst="straightConnector1">
+            <a:avLst/>
+          </a:prstGeom>
+          <a:ln w="38100">
+            <a:solidFill>
+              <a:srgbClr val="7030A0"/>
+            </a:solidFill>
+            <a:prstDash val="sysDot"/>
+            <a:headEnd type="triangle"/>
+            <a:tailEnd type="triangle"/>
+          </a:ln>
+        </p:spPr>
+        <p:style>
+          <a:lnRef idx="1">
+            <a:schemeClr val="accent1"/>
+          </a:lnRef>
+          <a:fillRef idx="0">
+            <a:schemeClr val="accent1"/>
+          </a:fillRef>
+          <a:effectRef idx="0">
+            <a:schemeClr val="accent1"/>
+          </a:effectRef>
+          <a:fontRef idx="minor">
+            <a:schemeClr val="tx1"/>
+          </a:fontRef>
+        </p:style>
+      </p:cxnSp>
+      <p:sp>
+        <p:nvSpPr>
+          <p:cNvPr id="14" name="TextBox 13">
+            <a:extLst>
+              <a:ext uri="{FF2B5EF4-FFF2-40B4-BE49-F238E27FC236}">
+                <a16:creationId xmlns:a16="http://schemas.microsoft.com/office/drawing/2014/main" id="{1929C519-4ED7-4D7C-9046-3C3811BD9257}"/>
+              </a:ext>
+            </a:extLst>
+          </p:cNvPr>
+          <p:cNvSpPr txBox="1"/>
+          <p:nvPr/>
+        </p:nvSpPr>
+        <p:spPr>
+          <a:xfrm>
+            <a:off x="3862316" y="5775942"/>
+            <a:ext cx="1236059" cy="369332"/>
+          </a:xfrm>
+          <a:prstGeom prst="rect">
+            <a:avLst/>
+          </a:prstGeom>
+          <a:noFill/>
+        </p:spPr>
+        <p:txBody>
+          <a:bodyPr wrap="square" rtlCol="0">
+            <a:spAutoFit/>
+          </a:bodyPr>
+          <a:lstStyle/>
+          <a:p>
+            <a:r>
+              <a:rPr lang="en-US" dirty="0"/>
+              <a:t>Total Error</a:t>
+            </a:r>
+            <a:endParaRPr lang="en-US" baseline="-25000" dirty="0"/>
           </a:p>
         </p:txBody>
       </p:sp>
     </p:spTree>
     <p:extLst>
       <p:ext uri="{BB962C8B-B14F-4D97-AF65-F5344CB8AC3E}">
-        <p14:creationId xmlns:p14="http://schemas.microsoft.com/office/powerpoint/2010/main" val="3930004800"/>
+        <p14:creationId xmlns:p14="http://schemas.microsoft.com/office/powerpoint/2010/main" val="137750659"/>
       </p:ext>
     </p:extLst>
   </p:cSld>
   <p:clrMapOvr>
     <a:masterClrMapping/>
   </p:clrMapOvr>
-  <mc:AlternateContent xmlns:mc="http://schemas.openxmlformats.org/markup-compatibility/2006" xmlns:p14="http://schemas.microsoft.com/office/powerpoint/2010/main">
-    <mc:Choice Requires="p14">
-      <p:transition spd="med" p14:dur="700">
-        <p:fade/>
+  <mc:AlternateContent xmlns:mc="http://schemas.openxmlformats.org/markup-compatibility/2006" xmlns:p159="http://schemas.microsoft.com/office/powerpoint/2015/09/main">
+    <mc:Choice Requires="p159">
+      <p:transition xmlns:p14="http://schemas.microsoft.com/office/powerpoint/2010/main" spd="slow" p14:dur="2000">
+        <p159:morph option="byObject"/>
       </p:transition>
     </mc:Choice>
     <mc:Fallback xmlns="">
-      <p:transition spd="med">
+      <p:transition spd="slow">
         <p:fade/>
       </p:transition>
     </mc:Fallback>
@@ -10180,7 +11814,7 @@
           <a:graphicData uri="http://schemas.openxmlformats.org/presentationml/2006/ole">
             <mc:AlternateContent xmlns:mc="http://schemas.openxmlformats.org/markup-compatibility/2006">
               <mc:Choice xmlns:v="urn:schemas-microsoft-com:vml" Requires="v">
-                <p:oleObj spid="_x0000_s1159" name="Visio" r:id="rId8" imgW="2514945" imgH="1657350" progId="Visio.Drawing.15">
+                <p:oleObj spid="_x0000_s1220" name="Visio" r:id="rId8" imgW="2514945" imgH="1657350" progId="Visio.Drawing.15">
                   <p:embed/>
                 </p:oleObj>
               </mc:Choice>
@@ -10307,10 +11941,10 @@
       </p:pic>
       <p:pic>
         <p:nvPicPr>
-          <p:cNvPr id="30" name="Picture 29">
-            <a:extLst>
-              <a:ext uri="{FF2B5EF4-FFF2-40B4-BE49-F238E27FC236}">
-                <a16:creationId xmlns:a16="http://schemas.microsoft.com/office/drawing/2014/main" id="{DB6A52BC-34E3-46C9-9FEA-AA4C9679C04F}"/>
+          <p:cNvPr id="3" name="Picture 2">
+            <a:extLst>
+              <a:ext uri="{FF2B5EF4-FFF2-40B4-BE49-F238E27FC236}">
+                <a16:creationId xmlns:a16="http://schemas.microsoft.com/office/drawing/2014/main" id="{3DFA451B-84F4-4989-B413-49AF60C14BA4}"/>
               </a:ext>
             </a:extLst>
           </p:cNvPr>
@@ -10327,8 +11961,8 @@
         </p:blipFill>
         <p:spPr>
           <a:xfrm>
-            <a:off x="8385048" y="5121254"/>
-            <a:ext cx="1569409" cy="576337"/>
+            <a:off x="8209552" y="5121254"/>
+            <a:ext cx="2216408" cy="600277"/>
           </a:xfrm>
           <a:prstGeom prst="rect">
             <a:avLst/>
@@ -10377,6 +12011,3212 @@
           <a:chExt cx="0" cy="0"/>
         </a:xfrm>
       </p:grpSpPr>
+      <p:pic>
+        <p:nvPicPr>
+          <p:cNvPr id="9" name="Picture 8" descr="Diagram, box and whisker chart&#10;&#10;Description automatically generated">
+            <a:extLst>
+              <a:ext uri="{FF2B5EF4-FFF2-40B4-BE49-F238E27FC236}">
+                <a16:creationId xmlns:a16="http://schemas.microsoft.com/office/drawing/2014/main" id="{E490E251-83FA-3240-9DD2-5E8C0132165A}"/>
+              </a:ext>
+            </a:extLst>
+          </p:cNvPr>
+          <p:cNvPicPr>
+            <a:picLocks noChangeAspect="1"/>
+          </p:cNvPicPr>
+          <p:nvPr/>
+        </p:nvPicPr>
+        <p:blipFill>
+          <a:blip r:embed="rId3">
+            <a:alphaModFix/>
+          </a:blip>
+          <a:stretch>
+            <a:fillRect/>
+          </a:stretch>
+        </p:blipFill>
+        <p:spPr>
+          <a:xfrm>
+            <a:off x="3284239" y="231768"/>
+            <a:ext cx="5627950" cy="6134006"/>
+          </a:xfrm>
+          <a:prstGeom prst="rect">
+            <a:avLst/>
+          </a:prstGeom>
+        </p:spPr>
+      </p:pic>
+      <p:sp>
+        <p:nvSpPr>
+          <p:cNvPr id="10" name="TextBox 9">
+            <a:extLst>
+              <a:ext uri="{FF2B5EF4-FFF2-40B4-BE49-F238E27FC236}">
+                <a16:creationId xmlns:a16="http://schemas.microsoft.com/office/drawing/2014/main" id="{B123902C-CC49-954C-B80C-BAFB58F52F74}"/>
+              </a:ext>
+            </a:extLst>
+          </p:cNvPr>
+          <p:cNvSpPr txBox="1"/>
+          <p:nvPr/>
+        </p:nvSpPr>
+        <p:spPr>
+          <a:xfrm>
+            <a:off x="3438618" y="2207718"/>
+            <a:ext cx="835816" cy="369332"/>
+          </a:xfrm>
+          <a:prstGeom prst="rect">
+            <a:avLst/>
+          </a:prstGeom>
+          <a:noFill/>
+        </p:spPr>
+        <p:txBody>
+          <a:bodyPr wrap="square" rtlCol="0">
+            <a:spAutoFit/>
+          </a:bodyPr>
+          <a:lstStyle/>
+          <a:p>
+            <a:r>
+              <a:rPr lang="en-US" dirty="0"/>
+              <a:t>w</a:t>
+            </a:r>
+            <a:r>
+              <a:rPr lang="en-US" baseline="-25000" dirty="0"/>
+              <a:t>gf1</a:t>
+            </a:r>
+          </a:p>
+        </p:txBody>
+      </p:sp>
+      <p:sp>
+        <p:nvSpPr>
+          <p:cNvPr id="11" name="TextBox 10">
+            <a:extLst>
+              <a:ext uri="{FF2B5EF4-FFF2-40B4-BE49-F238E27FC236}">
+                <a16:creationId xmlns:a16="http://schemas.microsoft.com/office/drawing/2014/main" id="{17818A1E-9E7E-2C4C-ADB4-30F4F58AC9C5}"/>
+              </a:ext>
+            </a:extLst>
+          </p:cNvPr>
+          <p:cNvSpPr txBox="1"/>
+          <p:nvPr/>
+        </p:nvSpPr>
+        <p:spPr>
+          <a:xfrm>
+            <a:off x="6552448" y="2100843"/>
+            <a:ext cx="835816" cy="369332"/>
+          </a:xfrm>
+          <a:prstGeom prst="rect">
+            <a:avLst/>
+          </a:prstGeom>
+          <a:noFill/>
+        </p:spPr>
+        <p:txBody>
+          <a:bodyPr wrap="square" rtlCol="0">
+            <a:spAutoFit/>
+          </a:bodyPr>
+          <a:lstStyle/>
+          <a:p>
+            <a:r>
+              <a:rPr lang="en-US" dirty="0"/>
+              <a:t>w</a:t>
+            </a:r>
+            <a:r>
+              <a:rPr lang="en-US" baseline="-25000" dirty="0"/>
+              <a:t>gf1</a:t>
+            </a:r>
+          </a:p>
+        </p:txBody>
+      </p:sp>
+      <p:sp>
+        <p:nvSpPr>
+          <p:cNvPr id="12" name="TextBox 11">
+            <a:extLst>
+              <a:ext uri="{FF2B5EF4-FFF2-40B4-BE49-F238E27FC236}">
+                <a16:creationId xmlns:a16="http://schemas.microsoft.com/office/drawing/2014/main" id="{B7374F93-D12A-3943-B077-429B16A7F85C}"/>
+              </a:ext>
+            </a:extLst>
+          </p:cNvPr>
+          <p:cNvSpPr txBox="1"/>
+          <p:nvPr/>
+        </p:nvSpPr>
+        <p:spPr>
+          <a:xfrm>
+            <a:off x="4803737" y="168897"/>
+            <a:ext cx="835816" cy="369332"/>
+          </a:xfrm>
+          <a:prstGeom prst="rect">
+            <a:avLst/>
+          </a:prstGeom>
+          <a:noFill/>
+        </p:spPr>
+        <p:txBody>
+          <a:bodyPr wrap="square" rtlCol="0">
+            <a:spAutoFit/>
+          </a:bodyPr>
+          <a:lstStyle/>
+          <a:p>
+            <a:r>
+              <a:rPr lang="en-US" dirty="0"/>
+              <a:t>w</a:t>
+            </a:r>
+            <a:r>
+              <a:rPr lang="en-US" baseline="-25000" dirty="0"/>
+              <a:t>xg2</a:t>
+            </a:r>
+          </a:p>
+        </p:txBody>
+      </p:sp>
+      <p:sp>
+        <p:nvSpPr>
+          <p:cNvPr id="15" name="!!x3">
+            <a:extLst>
+              <a:ext uri="{FF2B5EF4-FFF2-40B4-BE49-F238E27FC236}">
+                <a16:creationId xmlns:a16="http://schemas.microsoft.com/office/drawing/2014/main" id="{22ABDFE0-6888-C546-88BD-71FEF5A7744B}"/>
+              </a:ext>
+            </a:extLst>
+          </p:cNvPr>
+          <p:cNvSpPr/>
+          <p:nvPr/>
+        </p:nvSpPr>
+        <p:spPr>
+          <a:xfrm>
+            <a:off x="6095999" y="1827190"/>
+            <a:ext cx="481914" cy="481914"/>
+          </a:xfrm>
+          <a:prstGeom prst="mathMultiply">
+            <a:avLst/>
+          </a:prstGeom>
+          <a:solidFill>
+            <a:srgbClr val="C00000"/>
+          </a:solidFill>
+          <a:ln>
+            <a:noFill/>
+          </a:ln>
+        </p:spPr>
+        <p:style>
+          <a:lnRef idx="2">
+            <a:schemeClr val="accent6"/>
+          </a:lnRef>
+          <a:fillRef idx="1">
+            <a:schemeClr val="lt1"/>
+          </a:fillRef>
+          <a:effectRef idx="0">
+            <a:schemeClr val="accent6"/>
+          </a:effectRef>
+          <a:fontRef idx="minor">
+            <a:schemeClr val="dk1"/>
+          </a:fontRef>
+        </p:style>
+        <p:txBody>
+          <a:bodyPr rtlCol="0" anchor="ctr"/>
+          <a:lstStyle/>
+          <a:p>
+            <a:pPr algn="ctr"/>
+            <a:r>
+              <a:rPr lang="en-US" dirty="0">
+                <a:ln w="0"/>
+                <a:solidFill>
+                  <a:sysClr val="windowText" lastClr="000000"/>
+                </a:solidFill>
+                <a:effectLst>
+                  <a:outerShdw blurRad="38100" dist="19050" dir="2700000" algn="tl" rotWithShape="0">
+                    <a:schemeClr val="dk1">
+                      <a:alpha val="40000"/>
+                    </a:schemeClr>
+                  </a:outerShdw>
+                </a:effectLst>
+              </a:rPr>
+              <a:t>   </a:t>
+            </a:r>
+          </a:p>
+        </p:txBody>
+      </p:sp>
+      <p:cxnSp>
+        <p:nvCxnSpPr>
+          <p:cNvPr id="16" name="!!topdotted">
+            <a:extLst>
+              <a:ext uri="{FF2B5EF4-FFF2-40B4-BE49-F238E27FC236}">
+                <a16:creationId xmlns:a16="http://schemas.microsoft.com/office/drawing/2014/main" id="{E7829BD0-FEF5-FF49-ABD0-6D6F0A32AAA9}"/>
+              </a:ext>
+            </a:extLst>
+          </p:cNvPr>
+          <p:cNvCxnSpPr>
+            <a:cxnSpLocks/>
+          </p:cNvCxnSpPr>
+          <p:nvPr/>
+        </p:nvCxnSpPr>
+        <p:spPr>
+          <a:xfrm flipV="1">
+            <a:off x="6333724" y="914400"/>
+            <a:ext cx="0" cy="1131483"/>
+          </a:xfrm>
+          <a:prstGeom prst="line">
+            <a:avLst/>
+          </a:prstGeom>
+          <a:ln w="9525" cap="flat" cmpd="sng" algn="ctr">
+            <a:solidFill>
+              <a:srgbClr val="C00000"/>
+            </a:solidFill>
+            <a:prstDash val="dash"/>
+            <a:round/>
+            <a:headEnd type="none" w="med" len="med"/>
+            <a:tailEnd type="none" w="med" len="med"/>
+          </a:ln>
+        </p:spPr>
+        <p:style>
+          <a:lnRef idx="0">
+            <a:scrgbClr r="0" g="0" b="0"/>
+          </a:lnRef>
+          <a:fillRef idx="0">
+            <a:scrgbClr r="0" g="0" b="0"/>
+          </a:fillRef>
+          <a:effectRef idx="0">
+            <a:scrgbClr r="0" g="0" b="0"/>
+          </a:effectRef>
+          <a:fontRef idx="minor">
+            <a:schemeClr val="tx1"/>
+          </a:fontRef>
+        </p:style>
+      </p:cxnSp>
+      <p:sp>
+        <p:nvSpPr>
+          <p:cNvPr id="17" name="!!topline">
+            <a:extLst>
+              <a:ext uri="{FF2B5EF4-FFF2-40B4-BE49-F238E27FC236}">
+                <a16:creationId xmlns:a16="http://schemas.microsoft.com/office/drawing/2014/main" id="{F3F6A119-5138-B343-8340-27FA5DC30346}"/>
+              </a:ext>
+            </a:extLst>
+          </p:cNvPr>
+          <p:cNvSpPr/>
+          <p:nvPr/>
+        </p:nvSpPr>
+        <p:spPr>
+          <a:xfrm rot="20241733">
+            <a:off x="5602937" y="875239"/>
+            <a:ext cx="1484334" cy="45719"/>
+          </a:xfrm>
+          <a:prstGeom prst="rect">
+            <a:avLst/>
+          </a:prstGeom>
+          <a:solidFill>
+            <a:schemeClr val="tx1"/>
+          </a:solidFill>
+          <a:ln>
+            <a:noFill/>
+          </a:ln>
+        </p:spPr>
+        <p:style>
+          <a:lnRef idx="2">
+            <a:schemeClr val="accent1">
+              <a:shade val="50000"/>
+            </a:schemeClr>
+          </a:lnRef>
+          <a:fillRef idx="1">
+            <a:schemeClr val="accent1"/>
+          </a:fillRef>
+          <a:effectRef idx="0">
+            <a:schemeClr val="accent1"/>
+          </a:effectRef>
+          <a:fontRef idx="minor">
+            <a:schemeClr val="lt1"/>
+          </a:fontRef>
+        </p:style>
+        <p:txBody>
+          <a:bodyPr rtlCol="0" anchor="ctr"/>
+          <a:lstStyle/>
+          <a:p>
+            <a:pPr algn="ctr"/>
+            <a:endParaRPr lang="en-US"/>
+          </a:p>
+        </p:txBody>
+      </p:sp>
+      <p:cxnSp>
+        <p:nvCxnSpPr>
+          <p:cNvPr id="20" name="!!Straight Connector ">
+            <a:extLst>
+              <a:ext uri="{FF2B5EF4-FFF2-40B4-BE49-F238E27FC236}">
+                <a16:creationId xmlns:a16="http://schemas.microsoft.com/office/drawing/2014/main" id="{C010978C-3FCB-9C4F-AE40-443507DF77C8}"/>
+              </a:ext>
+            </a:extLst>
+          </p:cNvPr>
+          <p:cNvCxnSpPr>
+            <a:cxnSpLocks/>
+          </p:cNvCxnSpPr>
+          <p:nvPr/>
+        </p:nvCxnSpPr>
+        <p:spPr>
+          <a:xfrm flipV="1">
+            <a:off x="4938593" y="3877615"/>
+            <a:ext cx="333" cy="1787174"/>
+          </a:xfrm>
+          <a:prstGeom prst="line">
+            <a:avLst/>
+          </a:prstGeom>
+          <a:ln w="9525" cap="flat" cmpd="sng" algn="ctr">
+            <a:solidFill>
+              <a:srgbClr val="C00000"/>
+            </a:solidFill>
+            <a:prstDash val="dash"/>
+            <a:round/>
+            <a:headEnd type="none" w="med" len="med"/>
+            <a:tailEnd type="none" w="med" len="med"/>
+          </a:ln>
+        </p:spPr>
+        <p:style>
+          <a:lnRef idx="0">
+            <a:scrgbClr r="0" g="0" b="0"/>
+          </a:lnRef>
+          <a:fillRef idx="0">
+            <a:scrgbClr r="0" g="0" b="0"/>
+          </a:fillRef>
+          <a:effectRef idx="0">
+            <a:scrgbClr r="0" g="0" b="0"/>
+          </a:effectRef>
+          <a:fontRef idx="minor">
+            <a:schemeClr val="tx1"/>
+          </a:fontRef>
+        </p:style>
+      </p:cxnSp>
+      <p:sp>
+        <p:nvSpPr>
+          <p:cNvPr id="21" name="!!x2">
+            <a:extLst>
+              <a:ext uri="{FF2B5EF4-FFF2-40B4-BE49-F238E27FC236}">
+                <a16:creationId xmlns:a16="http://schemas.microsoft.com/office/drawing/2014/main" id="{D41E6196-37F2-D547-8AB2-2F6B66DBD4B5}"/>
+              </a:ext>
+            </a:extLst>
+          </p:cNvPr>
+          <p:cNvSpPr/>
+          <p:nvPr/>
+        </p:nvSpPr>
+        <p:spPr>
+          <a:xfrm>
+            <a:off x="4697969" y="5478694"/>
+            <a:ext cx="481914" cy="481914"/>
+          </a:xfrm>
+          <a:prstGeom prst="mathMultiply">
+            <a:avLst/>
+          </a:prstGeom>
+          <a:solidFill>
+            <a:srgbClr val="C00000"/>
+          </a:solidFill>
+          <a:ln>
+            <a:noFill/>
+          </a:ln>
+        </p:spPr>
+        <p:style>
+          <a:lnRef idx="2">
+            <a:schemeClr val="accent6"/>
+          </a:lnRef>
+          <a:fillRef idx="1">
+            <a:schemeClr val="lt1"/>
+          </a:fillRef>
+          <a:effectRef idx="0">
+            <a:schemeClr val="accent6"/>
+          </a:effectRef>
+          <a:fontRef idx="minor">
+            <a:schemeClr val="dk1"/>
+          </a:fontRef>
+        </p:style>
+        <p:txBody>
+          <a:bodyPr rtlCol="0" anchor="ctr"/>
+          <a:lstStyle/>
+          <a:p>
+            <a:pPr algn="ctr"/>
+            <a:r>
+              <a:rPr lang="en-US" dirty="0">
+                <a:ln w="0"/>
+                <a:solidFill>
+                  <a:sysClr val="windowText" lastClr="000000"/>
+                </a:solidFill>
+                <a:effectLst>
+                  <a:outerShdw blurRad="38100" dist="19050" dir="2700000" algn="tl" rotWithShape="0">
+                    <a:schemeClr val="dk1">
+                      <a:alpha val="40000"/>
+                    </a:schemeClr>
+                  </a:outerShdw>
+                </a:effectLst>
+              </a:rPr>
+              <a:t>   </a:t>
+            </a:r>
+          </a:p>
+        </p:txBody>
+      </p:sp>
+      <p:sp>
+        <p:nvSpPr>
+          <p:cNvPr id="22" name="!!x1">
+            <a:extLst>
+              <a:ext uri="{FF2B5EF4-FFF2-40B4-BE49-F238E27FC236}">
+                <a16:creationId xmlns:a16="http://schemas.microsoft.com/office/drawing/2014/main" id="{BD66FA5D-7F93-CE49-9B2F-6732B2EC0ADF}"/>
+              </a:ext>
+            </a:extLst>
+          </p:cNvPr>
+          <p:cNvSpPr/>
+          <p:nvPr/>
+        </p:nvSpPr>
+        <p:spPr>
+          <a:xfrm>
+            <a:off x="4697969" y="3636658"/>
+            <a:ext cx="481914" cy="481914"/>
+          </a:xfrm>
+          <a:prstGeom prst="mathMultiply">
+            <a:avLst/>
+          </a:prstGeom>
+          <a:solidFill>
+            <a:srgbClr val="C00000"/>
+          </a:solidFill>
+          <a:ln>
+            <a:noFill/>
+          </a:ln>
+        </p:spPr>
+        <p:style>
+          <a:lnRef idx="2">
+            <a:schemeClr val="accent6"/>
+          </a:lnRef>
+          <a:fillRef idx="1">
+            <a:schemeClr val="lt1"/>
+          </a:fillRef>
+          <a:effectRef idx="0">
+            <a:schemeClr val="accent6"/>
+          </a:effectRef>
+          <a:fontRef idx="minor">
+            <a:schemeClr val="dk1"/>
+          </a:fontRef>
+        </p:style>
+        <p:txBody>
+          <a:bodyPr rtlCol="0" anchor="ctr"/>
+          <a:lstStyle/>
+          <a:p>
+            <a:pPr algn="ctr"/>
+            <a:r>
+              <a:rPr lang="en-US" dirty="0">
+                <a:ln w="0"/>
+                <a:solidFill>
+                  <a:sysClr val="windowText" lastClr="000000"/>
+                </a:solidFill>
+                <a:effectLst>
+                  <a:outerShdw blurRad="38100" dist="19050" dir="2700000" algn="tl" rotWithShape="0">
+                    <a:schemeClr val="dk1">
+                      <a:alpha val="40000"/>
+                    </a:schemeClr>
+                  </a:outerShdw>
+                </a:effectLst>
+              </a:rPr>
+              <a:t>   </a:t>
+            </a:r>
+          </a:p>
+        </p:txBody>
+      </p:sp>
+      <p:cxnSp>
+        <p:nvCxnSpPr>
+          <p:cNvPr id="25" name="Straight Arrow Connector 24">
+            <a:extLst>
+              <a:ext uri="{FF2B5EF4-FFF2-40B4-BE49-F238E27FC236}">
+                <a16:creationId xmlns:a16="http://schemas.microsoft.com/office/drawing/2014/main" id="{FAF4B12E-1D85-AA4A-A46A-DB0453AB2D51}"/>
+              </a:ext>
+            </a:extLst>
+          </p:cNvPr>
+          <p:cNvCxnSpPr>
+            <a:cxnSpLocks/>
+          </p:cNvCxnSpPr>
+          <p:nvPr/>
+        </p:nvCxnSpPr>
+        <p:spPr>
+          <a:xfrm flipH="1">
+            <a:off x="5179883" y="2273479"/>
+            <a:ext cx="1125912" cy="1490999"/>
+          </a:xfrm>
+          <a:prstGeom prst="straightConnector1">
+            <a:avLst/>
+          </a:prstGeom>
+          <a:ln w="38100">
+            <a:solidFill>
+              <a:srgbClr val="7030A0"/>
+            </a:solidFill>
+            <a:prstDash val="sysDot"/>
+            <a:headEnd type="triangle"/>
+            <a:tailEnd type="triangle"/>
+          </a:ln>
+        </p:spPr>
+        <p:style>
+          <a:lnRef idx="1">
+            <a:schemeClr val="accent1"/>
+          </a:lnRef>
+          <a:fillRef idx="0">
+            <a:schemeClr val="accent1"/>
+          </a:fillRef>
+          <a:effectRef idx="0">
+            <a:schemeClr val="accent1"/>
+          </a:effectRef>
+          <a:fontRef idx="minor">
+            <a:schemeClr val="tx1"/>
+          </a:fontRef>
+        </p:style>
+      </p:cxnSp>
+      <p:sp>
+        <p:nvSpPr>
+          <p:cNvPr id="14" name="TextBox 13">
+            <a:extLst>
+              <a:ext uri="{FF2B5EF4-FFF2-40B4-BE49-F238E27FC236}">
+                <a16:creationId xmlns:a16="http://schemas.microsoft.com/office/drawing/2014/main" id="{4D5A3200-76C1-4A94-91CE-74F104C335CC}"/>
+              </a:ext>
+            </a:extLst>
+          </p:cNvPr>
+          <p:cNvSpPr txBox="1"/>
+          <p:nvPr/>
+        </p:nvSpPr>
+        <p:spPr>
+          <a:xfrm>
+            <a:off x="3862316" y="5775942"/>
+            <a:ext cx="1236059" cy="369332"/>
+          </a:xfrm>
+          <a:prstGeom prst="rect">
+            <a:avLst/>
+          </a:prstGeom>
+          <a:noFill/>
+        </p:spPr>
+        <p:txBody>
+          <a:bodyPr wrap="square" rtlCol="0">
+            <a:spAutoFit/>
+          </a:bodyPr>
+          <a:lstStyle/>
+          <a:p>
+            <a:r>
+              <a:rPr lang="en-US" dirty="0"/>
+              <a:t>Total Error</a:t>
+            </a:r>
+            <a:endParaRPr lang="en-US" baseline="-25000" dirty="0"/>
+          </a:p>
+        </p:txBody>
+      </p:sp>
+    </p:spTree>
+    <p:extLst>
+      <p:ext uri="{BB962C8B-B14F-4D97-AF65-F5344CB8AC3E}">
+        <p14:creationId xmlns:p14="http://schemas.microsoft.com/office/powerpoint/2010/main" val="2991731040"/>
+      </p:ext>
+    </p:extLst>
+  </p:cSld>
+  <p:clrMapOvr>
+    <a:masterClrMapping/>
+  </p:clrMapOvr>
+  <mc:AlternateContent xmlns:mc="http://schemas.openxmlformats.org/markup-compatibility/2006" xmlns:p159="http://schemas.microsoft.com/office/powerpoint/2015/09/main">
+    <mc:Choice Requires="p159">
+      <p:transition xmlns:p14="http://schemas.microsoft.com/office/powerpoint/2010/main" spd="slow" p14:dur="2000">
+        <p159:morph option="byObject"/>
+      </p:transition>
+    </mc:Choice>
+    <mc:Fallback xmlns="">
+      <p:transition spd="slow">
+        <p:fade/>
+      </p:transition>
+    </mc:Fallback>
+  </mc:AlternateContent>
+</p:sld>
+</file>
+
+<file path=ppt/slides/slide21.xml><?xml version="1.0" encoding="utf-8"?>
+<p:sld xmlns:a="http://schemas.openxmlformats.org/drawingml/2006/main" xmlns:r="http://schemas.openxmlformats.org/officeDocument/2006/relationships" xmlns:p="http://schemas.openxmlformats.org/presentationml/2006/main">
+  <p:cSld>
+    <p:spTree>
+      <p:nvGrpSpPr>
+        <p:cNvPr id="1" name=""/>
+        <p:cNvGrpSpPr/>
+        <p:nvPr/>
+      </p:nvGrpSpPr>
+      <p:grpSpPr>
+        <a:xfrm>
+          <a:off x="0" y="0"/>
+          <a:ext cx="0" cy="0"/>
+          <a:chOff x="0" y="0"/>
+          <a:chExt cx="0" cy="0"/>
+        </a:xfrm>
+      </p:grpSpPr>
+      <p:pic>
+        <p:nvPicPr>
+          <p:cNvPr id="9" name="Picture 8" descr="Diagram, box and whisker chart&#10;&#10;Description automatically generated">
+            <a:extLst>
+              <a:ext uri="{FF2B5EF4-FFF2-40B4-BE49-F238E27FC236}">
+                <a16:creationId xmlns:a16="http://schemas.microsoft.com/office/drawing/2014/main" id="{5D8BE3E8-812A-5142-849A-F310329DF195}"/>
+              </a:ext>
+            </a:extLst>
+          </p:cNvPr>
+          <p:cNvPicPr>
+            <a:picLocks noChangeAspect="1"/>
+          </p:cNvPicPr>
+          <p:nvPr/>
+        </p:nvPicPr>
+        <p:blipFill>
+          <a:blip r:embed="rId3">
+            <a:alphaModFix/>
+          </a:blip>
+          <a:stretch>
+            <a:fillRect/>
+          </a:stretch>
+        </p:blipFill>
+        <p:spPr>
+          <a:xfrm>
+            <a:off x="3284239" y="231768"/>
+            <a:ext cx="5627950" cy="6134006"/>
+          </a:xfrm>
+          <a:prstGeom prst="rect">
+            <a:avLst/>
+          </a:prstGeom>
+        </p:spPr>
+      </p:pic>
+      <p:sp>
+        <p:nvSpPr>
+          <p:cNvPr id="10" name="TextBox 9">
+            <a:extLst>
+              <a:ext uri="{FF2B5EF4-FFF2-40B4-BE49-F238E27FC236}">
+                <a16:creationId xmlns:a16="http://schemas.microsoft.com/office/drawing/2014/main" id="{9A5BB91D-6CED-7E47-9FA0-29E2C54489EF}"/>
+              </a:ext>
+            </a:extLst>
+          </p:cNvPr>
+          <p:cNvSpPr txBox="1"/>
+          <p:nvPr/>
+        </p:nvSpPr>
+        <p:spPr>
+          <a:xfrm>
+            <a:off x="3438618" y="2207718"/>
+            <a:ext cx="835816" cy="369332"/>
+          </a:xfrm>
+          <a:prstGeom prst="rect">
+            <a:avLst/>
+          </a:prstGeom>
+          <a:noFill/>
+        </p:spPr>
+        <p:txBody>
+          <a:bodyPr wrap="square" rtlCol="0">
+            <a:spAutoFit/>
+          </a:bodyPr>
+          <a:lstStyle/>
+          <a:p>
+            <a:r>
+              <a:rPr lang="en-US" dirty="0"/>
+              <a:t>w</a:t>
+            </a:r>
+            <a:r>
+              <a:rPr lang="en-US" baseline="-25000" dirty="0"/>
+              <a:t>gf1</a:t>
+            </a:r>
+          </a:p>
+        </p:txBody>
+      </p:sp>
+      <p:sp>
+        <p:nvSpPr>
+          <p:cNvPr id="11" name="TextBox 10">
+            <a:extLst>
+              <a:ext uri="{FF2B5EF4-FFF2-40B4-BE49-F238E27FC236}">
+                <a16:creationId xmlns:a16="http://schemas.microsoft.com/office/drawing/2014/main" id="{87F310BA-3BB1-EE43-9D2D-5A8806420DBE}"/>
+              </a:ext>
+            </a:extLst>
+          </p:cNvPr>
+          <p:cNvSpPr txBox="1"/>
+          <p:nvPr/>
+        </p:nvSpPr>
+        <p:spPr>
+          <a:xfrm>
+            <a:off x="6552448" y="2100843"/>
+            <a:ext cx="835816" cy="369332"/>
+          </a:xfrm>
+          <a:prstGeom prst="rect">
+            <a:avLst/>
+          </a:prstGeom>
+          <a:noFill/>
+        </p:spPr>
+        <p:txBody>
+          <a:bodyPr wrap="square" rtlCol="0">
+            <a:spAutoFit/>
+          </a:bodyPr>
+          <a:lstStyle/>
+          <a:p>
+            <a:r>
+              <a:rPr lang="en-US" dirty="0"/>
+              <a:t>w</a:t>
+            </a:r>
+            <a:r>
+              <a:rPr lang="en-US" baseline="-25000" dirty="0"/>
+              <a:t>gf1</a:t>
+            </a:r>
+          </a:p>
+        </p:txBody>
+      </p:sp>
+      <p:sp>
+        <p:nvSpPr>
+          <p:cNvPr id="12" name="TextBox 11">
+            <a:extLst>
+              <a:ext uri="{FF2B5EF4-FFF2-40B4-BE49-F238E27FC236}">
+                <a16:creationId xmlns:a16="http://schemas.microsoft.com/office/drawing/2014/main" id="{49E5881C-E2F9-004E-879C-99F4502304FE}"/>
+              </a:ext>
+            </a:extLst>
+          </p:cNvPr>
+          <p:cNvSpPr txBox="1"/>
+          <p:nvPr/>
+        </p:nvSpPr>
+        <p:spPr>
+          <a:xfrm>
+            <a:off x="4803737" y="168897"/>
+            <a:ext cx="835816" cy="369332"/>
+          </a:xfrm>
+          <a:prstGeom prst="rect">
+            <a:avLst/>
+          </a:prstGeom>
+          <a:noFill/>
+        </p:spPr>
+        <p:txBody>
+          <a:bodyPr wrap="square" rtlCol="0">
+            <a:spAutoFit/>
+          </a:bodyPr>
+          <a:lstStyle/>
+          <a:p>
+            <a:r>
+              <a:rPr lang="en-US" dirty="0"/>
+              <a:t>w</a:t>
+            </a:r>
+            <a:r>
+              <a:rPr lang="en-US" baseline="-25000" dirty="0"/>
+              <a:t>xg2</a:t>
+            </a:r>
+          </a:p>
+        </p:txBody>
+      </p:sp>
+      <p:cxnSp>
+        <p:nvCxnSpPr>
+          <p:cNvPr id="8" name="!!Straight Connector ">
+            <a:extLst>
+              <a:ext uri="{FF2B5EF4-FFF2-40B4-BE49-F238E27FC236}">
+                <a16:creationId xmlns:a16="http://schemas.microsoft.com/office/drawing/2014/main" id="{4CD809F0-2F8B-314B-A2C3-6F5FB4DE4FF2}"/>
+              </a:ext>
+            </a:extLst>
+          </p:cNvPr>
+          <p:cNvCxnSpPr>
+            <a:cxnSpLocks/>
+          </p:cNvCxnSpPr>
+          <p:nvPr/>
+        </p:nvCxnSpPr>
+        <p:spPr>
+          <a:xfrm flipV="1">
+            <a:off x="4745950" y="4244875"/>
+            <a:ext cx="0" cy="1419914"/>
+          </a:xfrm>
+          <a:prstGeom prst="line">
+            <a:avLst/>
+          </a:prstGeom>
+          <a:ln w="9525" cap="flat" cmpd="sng" algn="ctr">
+            <a:solidFill>
+              <a:srgbClr val="C00000"/>
+            </a:solidFill>
+            <a:prstDash val="dash"/>
+            <a:round/>
+            <a:headEnd type="none" w="med" len="med"/>
+            <a:tailEnd type="none" w="med" len="med"/>
+          </a:ln>
+        </p:spPr>
+        <p:style>
+          <a:lnRef idx="0">
+            <a:scrgbClr r="0" g="0" b="0"/>
+          </a:lnRef>
+          <a:fillRef idx="0">
+            <a:scrgbClr r="0" g="0" b="0"/>
+          </a:fillRef>
+          <a:effectRef idx="0">
+            <a:scrgbClr r="0" g="0" b="0"/>
+          </a:effectRef>
+          <a:fontRef idx="minor">
+            <a:schemeClr val="tx1"/>
+          </a:fontRef>
+        </p:style>
+      </p:cxnSp>
+      <p:sp>
+        <p:nvSpPr>
+          <p:cNvPr id="13" name="!!x2">
+            <a:extLst>
+              <a:ext uri="{FF2B5EF4-FFF2-40B4-BE49-F238E27FC236}">
+                <a16:creationId xmlns:a16="http://schemas.microsoft.com/office/drawing/2014/main" id="{5F1B0C65-14E9-0547-83B1-126F04BEEA5E}"/>
+              </a:ext>
+            </a:extLst>
+          </p:cNvPr>
+          <p:cNvSpPr/>
+          <p:nvPr/>
+        </p:nvSpPr>
+        <p:spPr>
+          <a:xfrm>
+            <a:off x="4504993" y="5478694"/>
+            <a:ext cx="481914" cy="481914"/>
+          </a:xfrm>
+          <a:prstGeom prst="mathMultiply">
+            <a:avLst/>
+          </a:prstGeom>
+          <a:solidFill>
+            <a:srgbClr val="C00000"/>
+          </a:solidFill>
+          <a:ln>
+            <a:noFill/>
+          </a:ln>
+        </p:spPr>
+        <p:style>
+          <a:lnRef idx="2">
+            <a:schemeClr val="accent6"/>
+          </a:lnRef>
+          <a:fillRef idx="1">
+            <a:schemeClr val="lt1"/>
+          </a:fillRef>
+          <a:effectRef idx="0">
+            <a:schemeClr val="accent6"/>
+          </a:effectRef>
+          <a:fontRef idx="minor">
+            <a:schemeClr val="dk1"/>
+          </a:fontRef>
+        </p:style>
+        <p:txBody>
+          <a:bodyPr rtlCol="0" anchor="ctr"/>
+          <a:lstStyle/>
+          <a:p>
+            <a:pPr algn="ctr"/>
+            <a:r>
+              <a:rPr lang="en-US" dirty="0">
+                <a:ln w="0"/>
+                <a:solidFill>
+                  <a:sysClr val="windowText" lastClr="000000"/>
+                </a:solidFill>
+                <a:effectLst>
+                  <a:outerShdw blurRad="38100" dist="19050" dir="2700000" algn="tl" rotWithShape="0">
+                    <a:schemeClr val="dk1">
+                      <a:alpha val="40000"/>
+                    </a:schemeClr>
+                  </a:outerShdw>
+                </a:effectLst>
+              </a:rPr>
+              <a:t>   </a:t>
+            </a:r>
+          </a:p>
+        </p:txBody>
+      </p:sp>
+      <p:sp>
+        <p:nvSpPr>
+          <p:cNvPr id="14" name="!!x1">
+            <a:extLst>
+              <a:ext uri="{FF2B5EF4-FFF2-40B4-BE49-F238E27FC236}">
+                <a16:creationId xmlns:a16="http://schemas.microsoft.com/office/drawing/2014/main" id="{FFE0742E-94E6-F247-9BA4-E88F8AF0AFDC}"/>
+              </a:ext>
+            </a:extLst>
+          </p:cNvPr>
+          <p:cNvSpPr/>
+          <p:nvPr/>
+        </p:nvSpPr>
+        <p:spPr>
+          <a:xfrm>
+            <a:off x="4504993" y="4003918"/>
+            <a:ext cx="481914" cy="481914"/>
+          </a:xfrm>
+          <a:prstGeom prst="mathMultiply">
+            <a:avLst/>
+          </a:prstGeom>
+          <a:solidFill>
+            <a:srgbClr val="C00000"/>
+          </a:solidFill>
+          <a:ln>
+            <a:noFill/>
+          </a:ln>
+        </p:spPr>
+        <p:style>
+          <a:lnRef idx="2">
+            <a:schemeClr val="accent6"/>
+          </a:lnRef>
+          <a:fillRef idx="1">
+            <a:schemeClr val="lt1"/>
+          </a:fillRef>
+          <a:effectRef idx="0">
+            <a:schemeClr val="accent6"/>
+          </a:effectRef>
+          <a:fontRef idx="minor">
+            <a:schemeClr val="dk1"/>
+          </a:fontRef>
+        </p:style>
+        <p:txBody>
+          <a:bodyPr rtlCol="0" anchor="ctr"/>
+          <a:lstStyle/>
+          <a:p>
+            <a:pPr algn="ctr"/>
+            <a:r>
+              <a:rPr lang="en-US" dirty="0">
+                <a:ln w="0"/>
+                <a:solidFill>
+                  <a:sysClr val="windowText" lastClr="000000"/>
+                </a:solidFill>
+                <a:effectLst>
+                  <a:outerShdw blurRad="38100" dist="19050" dir="2700000" algn="tl" rotWithShape="0">
+                    <a:schemeClr val="dk1">
+                      <a:alpha val="40000"/>
+                    </a:schemeClr>
+                  </a:outerShdw>
+                </a:effectLst>
+              </a:rPr>
+              <a:t>   </a:t>
+            </a:r>
+          </a:p>
+        </p:txBody>
+      </p:sp>
+      <p:sp>
+        <p:nvSpPr>
+          <p:cNvPr id="15" name="!!x3">
+            <a:extLst>
+              <a:ext uri="{FF2B5EF4-FFF2-40B4-BE49-F238E27FC236}">
+                <a16:creationId xmlns:a16="http://schemas.microsoft.com/office/drawing/2014/main" id="{22ABDFE0-6888-C546-88BD-71FEF5A7744B}"/>
+              </a:ext>
+            </a:extLst>
+          </p:cNvPr>
+          <p:cNvSpPr/>
+          <p:nvPr/>
+        </p:nvSpPr>
+        <p:spPr>
+          <a:xfrm>
+            <a:off x="6342147" y="1827190"/>
+            <a:ext cx="481914" cy="481914"/>
+          </a:xfrm>
+          <a:prstGeom prst="mathMultiply">
+            <a:avLst/>
+          </a:prstGeom>
+          <a:solidFill>
+            <a:srgbClr val="C00000"/>
+          </a:solidFill>
+          <a:ln>
+            <a:noFill/>
+          </a:ln>
+        </p:spPr>
+        <p:style>
+          <a:lnRef idx="2">
+            <a:schemeClr val="accent6"/>
+          </a:lnRef>
+          <a:fillRef idx="1">
+            <a:schemeClr val="lt1"/>
+          </a:fillRef>
+          <a:effectRef idx="0">
+            <a:schemeClr val="accent6"/>
+          </a:effectRef>
+          <a:fontRef idx="minor">
+            <a:schemeClr val="dk1"/>
+          </a:fontRef>
+        </p:style>
+        <p:txBody>
+          <a:bodyPr rtlCol="0" anchor="ctr"/>
+          <a:lstStyle/>
+          <a:p>
+            <a:pPr algn="ctr"/>
+            <a:r>
+              <a:rPr lang="en-US" dirty="0">
+                <a:ln w="0"/>
+                <a:solidFill>
+                  <a:sysClr val="windowText" lastClr="000000"/>
+                </a:solidFill>
+                <a:effectLst>
+                  <a:outerShdw blurRad="38100" dist="19050" dir="2700000" algn="tl" rotWithShape="0">
+                    <a:schemeClr val="dk1">
+                      <a:alpha val="40000"/>
+                    </a:schemeClr>
+                  </a:outerShdw>
+                </a:effectLst>
+              </a:rPr>
+              <a:t>   </a:t>
+            </a:r>
+          </a:p>
+        </p:txBody>
+      </p:sp>
+      <p:cxnSp>
+        <p:nvCxnSpPr>
+          <p:cNvPr id="16" name="!!topdotted">
+            <a:extLst>
+              <a:ext uri="{FF2B5EF4-FFF2-40B4-BE49-F238E27FC236}">
+                <a16:creationId xmlns:a16="http://schemas.microsoft.com/office/drawing/2014/main" id="{E7829BD0-FEF5-FF49-ABD0-6D6F0A32AAA9}"/>
+              </a:ext>
+            </a:extLst>
+          </p:cNvPr>
+          <p:cNvCxnSpPr>
+            <a:cxnSpLocks/>
+          </p:cNvCxnSpPr>
+          <p:nvPr/>
+        </p:nvCxnSpPr>
+        <p:spPr>
+          <a:xfrm flipV="1">
+            <a:off x="6583104" y="801974"/>
+            <a:ext cx="0" cy="1198185"/>
+          </a:xfrm>
+          <a:prstGeom prst="line">
+            <a:avLst/>
+          </a:prstGeom>
+          <a:ln w="9525" cap="flat" cmpd="sng" algn="ctr">
+            <a:solidFill>
+              <a:srgbClr val="C00000"/>
+            </a:solidFill>
+            <a:prstDash val="dash"/>
+            <a:round/>
+            <a:headEnd type="none" w="med" len="med"/>
+            <a:tailEnd type="none" w="med" len="med"/>
+          </a:ln>
+        </p:spPr>
+        <p:style>
+          <a:lnRef idx="0">
+            <a:scrgbClr r="0" g="0" b="0"/>
+          </a:lnRef>
+          <a:fillRef idx="0">
+            <a:scrgbClr r="0" g="0" b="0"/>
+          </a:fillRef>
+          <a:effectRef idx="0">
+            <a:scrgbClr r="0" g="0" b="0"/>
+          </a:effectRef>
+          <a:fontRef idx="minor">
+            <a:schemeClr val="tx1"/>
+          </a:fontRef>
+        </p:style>
+      </p:cxnSp>
+      <p:sp>
+        <p:nvSpPr>
+          <p:cNvPr id="17" name="!!topline">
+            <a:extLst>
+              <a:ext uri="{FF2B5EF4-FFF2-40B4-BE49-F238E27FC236}">
+                <a16:creationId xmlns:a16="http://schemas.microsoft.com/office/drawing/2014/main" id="{F3F6A119-5138-B343-8340-27FA5DC30346}"/>
+              </a:ext>
+            </a:extLst>
+          </p:cNvPr>
+          <p:cNvSpPr/>
+          <p:nvPr/>
+        </p:nvSpPr>
+        <p:spPr>
+          <a:xfrm rot="20370579">
+            <a:off x="5840938" y="779113"/>
+            <a:ext cx="1484334" cy="45719"/>
+          </a:xfrm>
+          <a:prstGeom prst="rect">
+            <a:avLst/>
+          </a:prstGeom>
+          <a:solidFill>
+            <a:schemeClr val="tx1"/>
+          </a:solidFill>
+          <a:ln>
+            <a:noFill/>
+          </a:ln>
+        </p:spPr>
+        <p:style>
+          <a:lnRef idx="2">
+            <a:schemeClr val="accent1">
+              <a:shade val="50000"/>
+            </a:schemeClr>
+          </a:lnRef>
+          <a:fillRef idx="1">
+            <a:schemeClr val="accent1"/>
+          </a:fillRef>
+          <a:effectRef idx="0">
+            <a:schemeClr val="accent1"/>
+          </a:effectRef>
+          <a:fontRef idx="minor">
+            <a:schemeClr val="lt1"/>
+          </a:fontRef>
+        </p:style>
+        <p:txBody>
+          <a:bodyPr rtlCol="0" anchor="ctr"/>
+          <a:lstStyle/>
+          <a:p>
+            <a:pPr algn="ctr"/>
+            <a:endParaRPr lang="en-US"/>
+          </a:p>
+        </p:txBody>
+      </p:sp>
+      <p:cxnSp>
+        <p:nvCxnSpPr>
+          <p:cNvPr id="20" name="Straight Arrow Connector 19">
+            <a:extLst>
+              <a:ext uri="{FF2B5EF4-FFF2-40B4-BE49-F238E27FC236}">
+                <a16:creationId xmlns:a16="http://schemas.microsoft.com/office/drawing/2014/main" id="{9146A62F-2E05-CF41-932D-23657B92B80F}"/>
+              </a:ext>
+            </a:extLst>
+          </p:cNvPr>
+          <p:cNvCxnSpPr>
+            <a:cxnSpLocks/>
+          </p:cNvCxnSpPr>
+          <p:nvPr/>
+        </p:nvCxnSpPr>
+        <p:spPr>
+          <a:xfrm flipH="1">
+            <a:off x="4986907" y="2273479"/>
+            <a:ext cx="1461388" cy="1859134"/>
+          </a:xfrm>
+          <a:prstGeom prst="straightConnector1">
+            <a:avLst/>
+          </a:prstGeom>
+          <a:ln w="38100">
+            <a:solidFill>
+              <a:srgbClr val="7030A0"/>
+            </a:solidFill>
+            <a:prstDash val="sysDot"/>
+            <a:headEnd type="triangle"/>
+            <a:tailEnd type="triangle"/>
+          </a:ln>
+        </p:spPr>
+        <p:style>
+          <a:lnRef idx="1">
+            <a:schemeClr val="accent1"/>
+          </a:lnRef>
+          <a:fillRef idx="0">
+            <a:schemeClr val="accent1"/>
+          </a:fillRef>
+          <a:effectRef idx="0">
+            <a:schemeClr val="accent1"/>
+          </a:effectRef>
+          <a:fontRef idx="minor">
+            <a:schemeClr val="tx1"/>
+          </a:fontRef>
+        </p:style>
+      </p:cxnSp>
+      <p:sp>
+        <p:nvSpPr>
+          <p:cNvPr id="19" name="TextBox 18">
+            <a:extLst>
+              <a:ext uri="{FF2B5EF4-FFF2-40B4-BE49-F238E27FC236}">
+                <a16:creationId xmlns:a16="http://schemas.microsoft.com/office/drawing/2014/main" id="{748F26E0-30EB-493A-A5A1-BC55592D8414}"/>
+              </a:ext>
+            </a:extLst>
+          </p:cNvPr>
+          <p:cNvSpPr txBox="1"/>
+          <p:nvPr/>
+        </p:nvSpPr>
+        <p:spPr>
+          <a:xfrm>
+            <a:off x="3862316" y="5775942"/>
+            <a:ext cx="1236059" cy="369332"/>
+          </a:xfrm>
+          <a:prstGeom prst="rect">
+            <a:avLst/>
+          </a:prstGeom>
+          <a:noFill/>
+        </p:spPr>
+        <p:txBody>
+          <a:bodyPr wrap="square" rtlCol="0">
+            <a:spAutoFit/>
+          </a:bodyPr>
+          <a:lstStyle/>
+          <a:p>
+            <a:r>
+              <a:rPr lang="en-US" dirty="0"/>
+              <a:t>Total Error</a:t>
+            </a:r>
+            <a:endParaRPr lang="en-US" baseline="-25000" dirty="0"/>
+          </a:p>
+        </p:txBody>
+      </p:sp>
+    </p:spTree>
+    <p:extLst>
+      <p:ext uri="{BB962C8B-B14F-4D97-AF65-F5344CB8AC3E}">
+        <p14:creationId xmlns:p14="http://schemas.microsoft.com/office/powerpoint/2010/main" val="3722097132"/>
+      </p:ext>
+    </p:extLst>
+  </p:cSld>
+  <p:clrMapOvr>
+    <a:masterClrMapping/>
+  </p:clrMapOvr>
+  <mc:AlternateContent xmlns:mc="http://schemas.openxmlformats.org/markup-compatibility/2006" xmlns:p159="http://schemas.microsoft.com/office/powerpoint/2015/09/main">
+    <mc:Choice Requires="p159">
+      <p:transition xmlns:p14="http://schemas.microsoft.com/office/powerpoint/2010/main" spd="slow" p14:dur="2000">
+        <p159:morph option="byObject"/>
+      </p:transition>
+    </mc:Choice>
+    <mc:Fallback xmlns="">
+      <p:transition spd="slow">
+        <p:fade/>
+      </p:transition>
+    </mc:Fallback>
+  </mc:AlternateContent>
+</p:sld>
+</file>
+
+<file path=ppt/slides/slide22.xml><?xml version="1.0" encoding="utf-8"?>
+<p:sld xmlns:a="http://schemas.openxmlformats.org/drawingml/2006/main" xmlns:r="http://schemas.openxmlformats.org/officeDocument/2006/relationships" xmlns:p="http://schemas.openxmlformats.org/presentationml/2006/main">
+  <p:cSld>
+    <p:spTree>
+      <p:nvGrpSpPr>
+        <p:cNvPr id="1" name=""/>
+        <p:cNvGrpSpPr/>
+        <p:nvPr/>
+      </p:nvGrpSpPr>
+      <p:grpSpPr>
+        <a:xfrm>
+          <a:off x="0" y="0"/>
+          <a:ext cx="0" cy="0"/>
+          <a:chOff x="0" y="0"/>
+          <a:chExt cx="0" cy="0"/>
+        </a:xfrm>
+      </p:grpSpPr>
+      <p:pic>
+        <p:nvPicPr>
+          <p:cNvPr id="9" name="Picture 8" descr="Diagram, box and whisker chart&#10;&#10;Description automatically generated">
+            <a:extLst>
+              <a:ext uri="{FF2B5EF4-FFF2-40B4-BE49-F238E27FC236}">
+                <a16:creationId xmlns:a16="http://schemas.microsoft.com/office/drawing/2014/main" id="{2F1EFCFA-47A9-7341-9155-8C96F7597470}"/>
+              </a:ext>
+            </a:extLst>
+          </p:cNvPr>
+          <p:cNvPicPr>
+            <a:picLocks noChangeAspect="1"/>
+          </p:cNvPicPr>
+          <p:nvPr/>
+        </p:nvPicPr>
+        <p:blipFill>
+          <a:blip r:embed="rId3">
+            <a:alphaModFix/>
+          </a:blip>
+          <a:stretch>
+            <a:fillRect/>
+          </a:stretch>
+        </p:blipFill>
+        <p:spPr>
+          <a:xfrm>
+            <a:off x="3284239" y="231768"/>
+            <a:ext cx="5627950" cy="6134006"/>
+          </a:xfrm>
+          <a:prstGeom prst="rect">
+            <a:avLst/>
+          </a:prstGeom>
+        </p:spPr>
+      </p:pic>
+      <p:sp>
+        <p:nvSpPr>
+          <p:cNvPr id="10" name="TextBox 9">
+            <a:extLst>
+              <a:ext uri="{FF2B5EF4-FFF2-40B4-BE49-F238E27FC236}">
+                <a16:creationId xmlns:a16="http://schemas.microsoft.com/office/drawing/2014/main" id="{054E92B8-0AB5-CE49-B9D2-6875299460D0}"/>
+              </a:ext>
+            </a:extLst>
+          </p:cNvPr>
+          <p:cNvSpPr txBox="1"/>
+          <p:nvPr/>
+        </p:nvSpPr>
+        <p:spPr>
+          <a:xfrm>
+            <a:off x="3438618" y="2207718"/>
+            <a:ext cx="835816" cy="369332"/>
+          </a:xfrm>
+          <a:prstGeom prst="rect">
+            <a:avLst/>
+          </a:prstGeom>
+          <a:noFill/>
+        </p:spPr>
+        <p:txBody>
+          <a:bodyPr wrap="square" rtlCol="0">
+            <a:spAutoFit/>
+          </a:bodyPr>
+          <a:lstStyle/>
+          <a:p>
+            <a:r>
+              <a:rPr lang="en-US" dirty="0"/>
+              <a:t>w</a:t>
+            </a:r>
+            <a:r>
+              <a:rPr lang="en-US" baseline="-25000" dirty="0"/>
+              <a:t>gf1</a:t>
+            </a:r>
+          </a:p>
+        </p:txBody>
+      </p:sp>
+      <p:sp>
+        <p:nvSpPr>
+          <p:cNvPr id="11" name="TextBox 10">
+            <a:extLst>
+              <a:ext uri="{FF2B5EF4-FFF2-40B4-BE49-F238E27FC236}">
+                <a16:creationId xmlns:a16="http://schemas.microsoft.com/office/drawing/2014/main" id="{444960AC-C56A-074A-A08E-4AC1C892357E}"/>
+              </a:ext>
+            </a:extLst>
+          </p:cNvPr>
+          <p:cNvSpPr txBox="1"/>
+          <p:nvPr/>
+        </p:nvSpPr>
+        <p:spPr>
+          <a:xfrm>
+            <a:off x="6552448" y="2100843"/>
+            <a:ext cx="835816" cy="369332"/>
+          </a:xfrm>
+          <a:prstGeom prst="rect">
+            <a:avLst/>
+          </a:prstGeom>
+          <a:noFill/>
+        </p:spPr>
+        <p:txBody>
+          <a:bodyPr wrap="square" rtlCol="0">
+            <a:spAutoFit/>
+          </a:bodyPr>
+          <a:lstStyle/>
+          <a:p>
+            <a:r>
+              <a:rPr lang="en-US" dirty="0"/>
+              <a:t>w</a:t>
+            </a:r>
+            <a:r>
+              <a:rPr lang="en-US" baseline="-25000" dirty="0"/>
+              <a:t>gf1</a:t>
+            </a:r>
+          </a:p>
+        </p:txBody>
+      </p:sp>
+      <p:sp>
+        <p:nvSpPr>
+          <p:cNvPr id="12" name="TextBox 11">
+            <a:extLst>
+              <a:ext uri="{FF2B5EF4-FFF2-40B4-BE49-F238E27FC236}">
+                <a16:creationId xmlns:a16="http://schemas.microsoft.com/office/drawing/2014/main" id="{0CB5DD35-99A4-834F-8B2A-BB3FEBB1C083}"/>
+              </a:ext>
+            </a:extLst>
+          </p:cNvPr>
+          <p:cNvSpPr txBox="1"/>
+          <p:nvPr/>
+        </p:nvSpPr>
+        <p:spPr>
+          <a:xfrm>
+            <a:off x="4803737" y="168897"/>
+            <a:ext cx="835816" cy="369332"/>
+          </a:xfrm>
+          <a:prstGeom prst="rect">
+            <a:avLst/>
+          </a:prstGeom>
+          <a:noFill/>
+        </p:spPr>
+        <p:txBody>
+          <a:bodyPr wrap="square" rtlCol="0">
+            <a:spAutoFit/>
+          </a:bodyPr>
+          <a:lstStyle/>
+          <a:p>
+            <a:r>
+              <a:rPr lang="en-US" dirty="0"/>
+              <a:t>w</a:t>
+            </a:r>
+            <a:r>
+              <a:rPr lang="en-US" baseline="-25000" dirty="0"/>
+              <a:t>xg2</a:t>
+            </a:r>
+          </a:p>
+        </p:txBody>
+      </p:sp>
+      <p:sp>
+        <p:nvSpPr>
+          <p:cNvPr id="15" name="!!x3">
+            <a:extLst>
+              <a:ext uri="{FF2B5EF4-FFF2-40B4-BE49-F238E27FC236}">
+                <a16:creationId xmlns:a16="http://schemas.microsoft.com/office/drawing/2014/main" id="{22ABDFE0-6888-C546-88BD-71FEF5A7744B}"/>
+              </a:ext>
+            </a:extLst>
+          </p:cNvPr>
+          <p:cNvSpPr/>
+          <p:nvPr/>
+        </p:nvSpPr>
+        <p:spPr>
+          <a:xfrm>
+            <a:off x="6876139" y="1827190"/>
+            <a:ext cx="481914" cy="481914"/>
+          </a:xfrm>
+          <a:prstGeom prst="mathMultiply">
+            <a:avLst/>
+          </a:prstGeom>
+          <a:solidFill>
+            <a:srgbClr val="C00000"/>
+          </a:solidFill>
+          <a:ln>
+            <a:noFill/>
+          </a:ln>
+        </p:spPr>
+        <p:style>
+          <a:lnRef idx="2">
+            <a:schemeClr val="accent6"/>
+          </a:lnRef>
+          <a:fillRef idx="1">
+            <a:schemeClr val="lt1"/>
+          </a:fillRef>
+          <a:effectRef idx="0">
+            <a:schemeClr val="accent6"/>
+          </a:effectRef>
+          <a:fontRef idx="minor">
+            <a:schemeClr val="dk1"/>
+          </a:fontRef>
+        </p:style>
+        <p:txBody>
+          <a:bodyPr rtlCol="0" anchor="ctr"/>
+          <a:lstStyle/>
+          <a:p>
+            <a:pPr algn="ctr"/>
+            <a:r>
+              <a:rPr lang="en-US" dirty="0">
+                <a:ln w="0"/>
+                <a:solidFill>
+                  <a:sysClr val="windowText" lastClr="000000"/>
+                </a:solidFill>
+                <a:effectLst>
+                  <a:outerShdw blurRad="38100" dist="19050" dir="2700000" algn="tl" rotWithShape="0">
+                    <a:schemeClr val="dk1">
+                      <a:alpha val="40000"/>
+                    </a:schemeClr>
+                  </a:outerShdw>
+                </a:effectLst>
+              </a:rPr>
+              <a:t>   </a:t>
+            </a:r>
+          </a:p>
+        </p:txBody>
+      </p:sp>
+      <p:cxnSp>
+        <p:nvCxnSpPr>
+          <p:cNvPr id="16" name="!!topdotted">
+            <a:extLst>
+              <a:ext uri="{FF2B5EF4-FFF2-40B4-BE49-F238E27FC236}">
+                <a16:creationId xmlns:a16="http://schemas.microsoft.com/office/drawing/2014/main" id="{E7829BD0-FEF5-FF49-ABD0-6D6F0A32AAA9}"/>
+              </a:ext>
+            </a:extLst>
+          </p:cNvPr>
+          <p:cNvCxnSpPr>
+            <a:cxnSpLocks/>
+          </p:cNvCxnSpPr>
+          <p:nvPr/>
+        </p:nvCxnSpPr>
+        <p:spPr>
+          <a:xfrm flipV="1">
+            <a:off x="7117096" y="629587"/>
+            <a:ext cx="0" cy="1335944"/>
+          </a:xfrm>
+          <a:prstGeom prst="line">
+            <a:avLst/>
+          </a:prstGeom>
+          <a:ln w="9525" cap="flat" cmpd="sng" algn="ctr">
+            <a:solidFill>
+              <a:srgbClr val="C00000"/>
+            </a:solidFill>
+            <a:prstDash val="dash"/>
+            <a:round/>
+            <a:headEnd type="none" w="med" len="med"/>
+            <a:tailEnd type="none" w="med" len="med"/>
+          </a:ln>
+        </p:spPr>
+        <p:style>
+          <a:lnRef idx="0">
+            <a:scrgbClr r="0" g="0" b="0"/>
+          </a:lnRef>
+          <a:fillRef idx="0">
+            <a:scrgbClr r="0" g="0" b="0"/>
+          </a:fillRef>
+          <a:effectRef idx="0">
+            <a:scrgbClr r="0" g="0" b="0"/>
+          </a:effectRef>
+          <a:fontRef idx="minor">
+            <a:schemeClr val="tx1"/>
+          </a:fontRef>
+        </p:style>
+      </p:cxnSp>
+      <p:sp>
+        <p:nvSpPr>
+          <p:cNvPr id="17" name="!!topline">
+            <a:extLst>
+              <a:ext uri="{FF2B5EF4-FFF2-40B4-BE49-F238E27FC236}">
+                <a16:creationId xmlns:a16="http://schemas.microsoft.com/office/drawing/2014/main" id="{F3F6A119-5138-B343-8340-27FA5DC30346}"/>
+              </a:ext>
+            </a:extLst>
+          </p:cNvPr>
+          <p:cNvSpPr/>
+          <p:nvPr/>
+        </p:nvSpPr>
+        <p:spPr>
+          <a:xfrm rot="20844392">
+            <a:off x="6329958" y="639045"/>
+            <a:ext cx="1484334" cy="45719"/>
+          </a:xfrm>
+          <a:prstGeom prst="rect">
+            <a:avLst/>
+          </a:prstGeom>
+          <a:solidFill>
+            <a:schemeClr val="tx1"/>
+          </a:solidFill>
+          <a:ln>
+            <a:noFill/>
+          </a:ln>
+        </p:spPr>
+        <p:style>
+          <a:lnRef idx="2">
+            <a:schemeClr val="accent1">
+              <a:shade val="50000"/>
+            </a:schemeClr>
+          </a:lnRef>
+          <a:fillRef idx="1">
+            <a:schemeClr val="accent1"/>
+          </a:fillRef>
+          <a:effectRef idx="0">
+            <a:schemeClr val="accent1"/>
+          </a:effectRef>
+          <a:fontRef idx="minor">
+            <a:schemeClr val="lt1"/>
+          </a:fontRef>
+        </p:style>
+        <p:txBody>
+          <a:bodyPr rtlCol="0" anchor="ctr"/>
+          <a:lstStyle/>
+          <a:p>
+            <a:pPr algn="ctr"/>
+            <a:endParaRPr lang="en-US"/>
+          </a:p>
+        </p:txBody>
+      </p:sp>
+      <p:cxnSp>
+        <p:nvCxnSpPr>
+          <p:cNvPr id="20" name="!!Straight Connector ">
+            <a:extLst>
+              <a:ext uri="{FF2B5EF4-FFF2-40B4-BE49-F238E27FC236}">
+                <a16:creationId xmlns:a16="http://schemas.microsoft.com/office/drawing/2014/main" id="{983CE24F-C731-1D49-A388-A5EBD76E356E}"/>
+              </a:ext>
+            </a:extLst>
+          </p:cNvPr>
+          <p:cNvCxnSpPr>
+            <a:cxnSpLocks/>
+          </p:cNvCxnSpPr>
+          <p:nvPr/>
+        </p:nvCxnSpPr>
+        <p:spPr>
+          <a:xfrm flipV="1">
+            <a:off x="4489221" y="4678475"/>
+            <a:ext cx="0" cy="986314"/>
+          </a:xfrm>
+          <a:prstGeom prst="line">
+            <a:avLst/>
+          </a:prstGeom>
+          <a:ln w="9525" cap="flat" cmpd="sng" algn="ctr">
+            <a:solidFill>
+              <a:srgbClr val="C00000"/>
+            </a:solidFill>
+            <a:prstDash val="dash"/>
+            <a:round/>
+            <a:headEnd type="none" w="med" len="med"/>
+            <a:tailEnd type="none" w="med" len="med"/>
+          </a:ln>
+        </p:spPr>
+        <p:style>
+          <a:lnRef idx="0">
+            <a:scrgbClr r="0" g="0" b="0"/>
+          </a:lnRef>
+          <a:fillRef idx="0">
+            <a:scrgbClr r="0" g="0" b="0"/>
+          </a:fillRef>
+          <a:effectRef idx="0">
+            <a:scrgbClr r="0" g="0" b="0"/>
+          </a:effectRef>
+          <a:fontRef idx="minor">
+            <a:schemeClr val="tx1"/>
+          </a:fontRef>
+        </p:style>
+      </p:cxnSp>
+      <p:sp>
+        <p:nvSpPr>
+          <p:cNvPr id="21" name="!!x2">
+            <a:extLst>
+              <a:ext uri="{FF2B5EF4-FFF2-40B4-BE49-F238E27FC236}">
+                <a16:creationId xmlns:a16="http://schemas.microsoft.com/office/drawing/2014/main" id="{63D96B76-B90D-1E4F-A229-8AC71B6C0180}"/>
+              </a:ext>
+            </a:extLst>
+          </p:cNvPr>
+          <p:cNvSpPr/>
+          <p:nvPr/>
+        </p:nvSpPr>
+        <p:spPr>
+          <a:xfrm>
+            <a:off x="4248264" y="5478694"/>
+            <a:ext cx="481914" cy="481914"/>
+          </a:xfrm>
+          <a:prstGeom prst="mathMultiply">
+            <a:avLst/>
+          </a:prstGeom>
+          <a:solidFill>
+            <a:srgbClr val="C00000"/>
+          </a:solidFill>
+          <a:ln>
+            <a:noFill/>
+          </a:ln>
+        </p:spPr>
+        <p:style>
+          <a:lnRef idx="2">
+            <a:schemeClr val="accent6"/>
+          </a:lnRef>
+          <a:fillRef idx="1">
+            <a:schemeClr val="lt1"/>
+          </a:fillRef>
+          <a:effectRef idx="0">
+            <a:schemeClr val="accent6"/>
+          </a:effectRef>
+          <a:fontRef idx="minor">
+            <a:schemeClr val="dk1"/>
+          </a:fontRef>
+        </p:style>
+        <p:txBody>
+          <a:bodyPr rtlCol="0" anchor="ctr"/>
+          <a:lstStyle/>
+          <a:p>
+            <a:pPr algn="ctr"/>
+            <a:r>
+              <a:rPr lang="en-US" dirty="0">
+                <a:ln w="0"/>
+                <a:solidFill>
+                  <a:sysClr val="windowText" lastClr="000000"/>
+                </a:solidFill>
+                <a:effectLst>
+                  <a:outerShdw blurRad="38100" dist="19050" dir="2700000" algn="tl" rotWithShape="0">
+                    <a:schemeClr val="dk1">
+                      <a:alpha val="40000"/>
+                    </a:schemeClr>
+                  </a:outerShdw>
+                </a:effectLst>
+              </a:rPr>
+              <a:t>   </a:t>
+            </a:r>
+          </a:p>
+        </p:txBody>
+      </p:sp>
+      <p:sp>
+        <p:nvSpPr>
+          <p:cNvPr id="22" name="!!x1">
+            <a:extLst>
+              <a:ext uri="{FF2B5EF4-FFF2-40B4-BE49-F238E27FC236}">
+                <a16:creationId xmlns:a16="http://schemas.microsoft.com/office/drawing/2014/main" id="{BEE2E091-9B15-7B44-8F1F-371023509672}"/>
+              </a:ext>
+            </a:extLst>
+          </p:cNvPr>
+          <p:cNvSpPr/>
+          <p:nvPr/>
+        </p:nvSpPr>
+        <p:spPr>
+          <a:xfrm>
+            <a:off x="4248264" y="4437518"/>
+            <a:ext cx="481914" cy="481914"/>
+          </a:xfrm>
+          <a:prstGeom prst="mathMultiply">
+            <a:avLst/>
+          </a:prstGeom>
+          <a:solidFill>
+            <a:srgbClr val="C00000"/>
+          </a:solidFill>
+          <a:ln>
+            <a:noFill/>
+          </a:ln>
+        </p:spPr>
+        <p:style>
+          <a:lnRef idx="2">
+            <a:schemeClr val="accent6"/>
+          </a:lnRef>
+          <a:fillRef idx="1">
+            <a:schemeClr val="lt1"/>
+          </a:fillRef>
+          <a:effectRef idx="0">
+            <a:schemeClr val="accent6"/>
+          </a:effectRef>
+          <a:fontRef idx="minor">
+            <a:schemeClr val="dk1"/>
+          </a:fontRef>
+        </p:style>
+        <p:txBody>
+          <a:bodyPr rtlCol="0" anchor="ctr"/>
+          <a:lstStyle/>
+          <a:p>
+            <a:pPr algn="ctr"/>
+            <a:r>
+              <a:rPr lang="en-US" dirty="0">
+                <a:ln w="0"/>
+                <a:solidFill>
+                  <a:sysClr val="windowText" lastClr="000000"/>
+                </a:solidFill>
+                <a:effectLst>
+                  <a:outerShdw blurRad="38100" dist="19050" dir="2700000" algn="tl" rotWithShape="0">
+                    <a:schemeClr val="dk1">
+                      <a:alpha val="40000"/>
+                    </a:schemeClr>
+                  </a:outerShdw>
+                </a:effectLst>
+              </a:rPr>
+              <a:t>   </a:t>
+            </a:r>
+          </a:p>
+        </p:txBody>
+      </p:sp>
+      <p:cxnSp>
+        <p:nvCxnSpPr>
+          <p:cNvPr id="24" name="Straight Arrow Connector 23">
+            <a:extLst>
+              <a:ext uri="{FF2B5EF4-FFF2-40B4-BE49-F238E27FC236}">
+                <a16:creationId xmlns:a16="http://schemas.microsoft.com/office/drawing/2014/main" id="{1308E560-3866-6647-ABC0-5AE7C9229130}"/>
+              </a:ext>
+            </a:extLst>
+          </p:cNvPr>
+          <p:cNvCxnSpPr>
+            <a:cxnSpLocks/>
+          </p:cNvCxnSpPr>
+          <p:nvPr/>
+        </p:nvCxnSpPr>
+        <p:spPr>
+          <a:xfrm flipH="1">
+            <a:off x="4679079" y="2285509"/>
+            <a:ext cx="2393046" cy="2392966"/>
+          </a:xfrm>
+          <a:prstGeom prst="straightConnector1">
+            <a:avLst/>
+          </a:prstGeom>
+          <a:ln w="38100">
+            <a:solidFill>
+              <a:srgbClr val="7030A0"/>
+            </a:solidFill>
+            <a:prstDash val="sysDot"/>
+            <a:headEnd type="triangle"/>
+            <a:tailEnd type="triangle"/>
+          </a:ln>
+        </p:spPr>
+        <p:style>
+          <a:lnRef idx="1">
+            <a:schemeClr val="accent1"/>
+          </a:lnRef>
+          <a:fillRef idx="0">
+            <a:schemeClr val="accent1"/>
+          </a:fillRef>
+          <a:effectRef idx="0">
+            <a:schemeClr val="accent1"/>
+          </a:effectRef>
+          <a:fontRef idx="minor">
+            <a:schemeClr val="tx1"/>
+          </a:fontRef>
+        </p:style>
+      </p:cxnSp>
+      <p:sp>
+        <p:nvSpPr>
+          <p:cNvPr id="14" name="TextBox 13">
+            <a:extLst>
+              <a:ext uri="{FF2B5EF4-FFF2-40B4-BE49-F238E27FC236}">
+                <a16:creationId xmlns:a16="http://schemas.microsoft.com/office/drawing/2014/main" id="{AB443441-C798-4011-A254-2BA0C9EBED01}"/>
+              </a:ext>
+            </a:extLst>
+          </p:cNvPr>
+          <p:cNvSpPr txBox="1"/>
+          <p:nvPr/>
+        </p:nvSpPr>
+        <p:spPr>
+          <a:xfrm>
+            <a:off x="3862316" y="5775942"/>
+            <a:ext cx="1236059" cy="369332"/>
+          </a:xfrm>
+          <a:prstGeom prst="rect">
+            <a:avLst/>
+          </a:prstGeom>
+          <a:noFill/>
+        </p:spPr>
+        <p:txBody>
+          <a:bodyPr wrap="square" rtlCol="0">
+            <a:spAutoFit/>
+          </a:bodyPr>
+          <a:lstStyle/>
+          <a:p>
+            <a:r>
+              <a:rPr lang="en-US" dirty="0"/>
+              <a:t>Total Error</a:t>
+            </a:r>
+            <a:endParaRPr lang="en-US" baseline="-25000" dirty="0"/>
+          </a:p>
+        </p:txBody>
+      </p:sp>
+    </p:spTree>
+    <p:extLst>
+      <p:ext uri="{BB962C8B-B14F-4D97-AF65-F5344CB8AC3E}">
+        <p14:creationId xmlns:p14="http://schemas.microsoft.com/office/powerpoint/2010/main" val="3645310268"/>
+      </p:ext>
+    </p:extLst>
+  </p:cSld>
+  <p:clrMapOvr>
+    <a:masterClrMapping/>
+  </p:clrMapOvr>
+  <mc:AlternateContent xmlns:mc="http://schemas.openxmlformats.org/markup-compatibility/2006" xmlns:p159="http://schemas.microsoft.com/office/powerpoint/2015/09/main">
+    <mc:Choice Requires="p159">
+      <p:transition xmlns:p14="http://schemas.microsoft.com/office/powerpoint/2010/main" spd="slow" p14:dur="2000">
+        <p159:morph option="byObject"/>
+      </p:transition>
+    </mc:Choice>
+    <mc:Fallback xmlns="">
+      <p:transition spd="slow">
+        <p:fade/>
+      </p:transition>
+    </mc:Fallback>
+  </mc:AlternateContent>
+</p:sld>
+</file>
+
+<file path=ppt/slides/slide23.xml><?xml version="1.0" encoding="utf-8"?>
+<p:sld xmlns:a="http://schemas.openxmlformats.org/drawingml/2006/main" xmlns:r="http://schemas.openxmlformats.org/officeDocument/2006/relationships" xmlns:p="http://schemas.openxmlformats.org/presentationml/2006/main">
+  <p:cSld>
+    <p:spTree>
+      <p:nvGrpSpPr>
+        <p:cNvPr id="1" name=""/>
+        <p:cNvGrpSpPr/>
+        <p:nvPr/>
+      </p:nvGrpSpPr>
+      <p:grpSpPr>
+        <a:xfrm>
+          <a:off x="0" y="0"/>
+          <a:ext cx="0" cy="0"/>
+          <a:chOff x="0" y="0"/>
+          <a:chExt cx="0" cy="0"/>
+        </a:xfrm>
+      </p:grpSpPr>
+      <p:pic>
+        <p:nvPicPr>
+          <p:cNvPr id="3" name="Picture 2" descr="Diagram, box and whisker chart&#10;&#10;Description automatically generated">
+            <a:extLst>
+              <a:ext uri="{FF2B5EF4-FFF2-40B4-BE49-F238E27FC236}">
+                <a16:creationId xmlns:a16="http://schemas.microsoft.com/office/drawing/2014/main" id="{10006767-D390-6F45-A724-769E6F5817F4}"/>
+              </a:ext>
+            </a:extLst>
+          </p:cNvPr>
+          <p:cNvPicPr>
+            <a:picLocks noChangeAspect="1"/>
+          </p:cNvPicPr>
+          <p:nvPr/>
+        </p:nvPicPr>
+        <p:blipFill>
+          <a:blip r:embed="rId3">
+            <a:alphaModFix/>
+          </a:blip>
+          <a:stretch>
+            <a:fillRect/>
+          </a:stretch>
+        </p:blipFill>
+        <p:spPr>
+          <a:xfrm>
+            <a:off x="3284239" y="231768"/>
+            <a:ext cx="5627950" cy="6134006"/>
+          </a:xfrm>
+          <a:prstGeom prst="rect">
+            <a:avLst/>
+          </a:prstGeom>
+        </p:spPr>
+      </p:pic>
+      <p:sp>
+        <p:nvSpPr>
+          <p:cNvPr id="15" name="!!x3">
+            <a:extLst>
+              <a:ext uri="{FF2B5EF4-FFF2-40B4-BE49-F238E27FC236}">
+                <a16:creationId xmlns:a16="http://schemas.microsoft.com/office/drawing/2014/main" id="{22ABDFE0-6888-C546-88BD-71FEF5A7744B}"/>
+              </a:ext>
+            </a:extLst>
+          </p:cNvPr>
+          <p:cNvSpPr/>
+          <p:nvPr/>
+        </p:nvSpPr>
+        <p:spPr>
+          <a:xfrm>
+            <a:off x="7483241" y="1827190"/>
+            <a:ext cx="481914" cy="481914"/>
+          </a:xfrm>
+          <a:prstGeom prst="mathMultiply">
+            <a:avLst/>
+          </a:prstGeom>
+          <a:solidFill>
+            <a:srgbClr val="C00000"/>
+          </a:solidFill>
+          <a:ln>
+            <a:noFill/>
+          </a:ln>
+        </p:spPr>
+        <p:style>
+          <a:lnRef idx="2">
+            <a:schemeClr val="accent6"/>
+          </a:lnRef>
+          <a:fillRef idx="1">
+            <a:schemeClr val="lt1"/>
+          </a:fillRef>
+          <a:effectRef idx="0">
+            <a:schemeClr val="accent6"/>
+          </a:effectRef>
+          <a:fontRef idx="minor">
+            <a:schemeClr val="dk1"/>
+          </a:fontRef>
+        </p:style>
+        <p:txBody>
+          <a:bodyPr rtlCol="0" anchor="ctr"/>
+          <a:lstStyle/>
+          <a:p>
+            <a:pPr algn="ctr"/>
+            <a:r>
+              <a:rPr lang="en-US" dirty="0">
+                <a:ln w="0"/>
+                <a:solidFill>
+                  <a:sysClr val="windowText" lastClr="000000"/>
+                </a:solidFill>
+                <a:effectLst>
+                  <a:outerShdw blurRad="38100" dist="19050" dir="2700000" algn="tl" rotWithShape="0">
+                    <a:schemeClr val="dk1">
+                      <a:alpha val="40000"/>
+                    </a:schemeClr>
+                  </a:outerShdw>
+                </a:effectLst>
+              </a:rPr>
+              <a:t>   </a:t>
+            </a:r>
+          </a:p>
+        </p:txBody>
+      </p:sp>
+      <p:cxnSp>
+        <p:nvCxnSpPr>
+          <p:cNvPr id="16" name="!!topdotted">
+            <a:extLst>
+              <a:ext uri="{FF2B5EF4-FFF2-40B4-BE49-F238E27FC236}">
+                <a16:creationId xmlns:a16="http://schemas.microsoft.com/office/drawing/2014/main" id="{E7829BD0-FEF5-FF49-ABD0-6D6F0A32AAA9}"/>
+              </a:ext>
+            </a:extLst>
+          </p:cNvPr>
+          <p:cNvCxnSpPr>
+            <a:cxnSpLocks/>
+          </p:cNvCxnSpPr>
+          <p:nvPr/>
+        </p:nvCxnSpPr>
+        <p:spPr>
+          <a:xfrm flipH="1" flipV="1">
+            <a:off x="7712766" y="548782"/>
+            <a:ext cx="11432" cy="1451377"/>
+          </a:xfrm>
+          <a:prstGeom prst="line">
+            <a:avLst/>
+          </a:prstGeom>
+          <a:ln w="9525" cap="flat" cmpd="sng" algn="ctr">
+            <a:solidFill>
+              <a:srgbClr val="C00000"/>
+            </a:solidFill>
+            <a:prstDash val="dash"/>
+            <a:round/>
+            <a:headEnd type="none" w="med" len="med"/>
+            <a:tailEnd type="none" w="med" len="med"/>
+          </a:ln>
+        </p:spPr>
+        <p:style>
+          <a:lnRef idx="0">
+            <a:scrgbClr r="0" g="0" b="0"/>
+          </a:lnRef>
+          <a:fillRef idx="0">
+            <a:scrgbClr r="0" g="0" b="0"/>
+          </a:fillRef>
+          <a:effectRef idx="0">
+            <a:scrgbClr r="0" g="0" b="0"/>
+          </a:effectRef>
+          <a:fontRef idx="minor">
+            <a:schemeClr val="tx1"/>
+          </a:fontRef>
+        </p:style>
+      </p:cxnSp>
+      <p:sp>
+        <p:nvSpPr>
+          <p:cNvPr id="17" name="!!topline">
+            <a:extLst>
+              <a:ext uri="{FF2B5EF4-FFF2-40B4-BE49-F238E27FC236}">
+                <a16:creationId xmlns:a16="http://schemas.microsoft.com/office/drawing/2014/main" id="{F3F6A119-5138-B343-8340-27FA5DC30346}"/>
+              </a:ext>
+            </a:extLst>
+          </p:cNvPr>
+          <p:cNvSpPr/>
+          <p:nvPr/>
+        </p:nvSpPr>
+        <p:spPr>
+          <a:xfrm rot="21435198">
+            <a:off x="6970599" y="525923"/>
+            <a:ext cx="1484334" cy="45719"/>
+          </a:xfrm>
+          <a:prstGeom prst="rect">
+            <a:avLst/>
+          </a:prstGeom>
+          <a:solidFill>
+            <a:schemeClr val="tx1"/>
+          </a:solidFill>
+          <a:ln>
+            <a:noFill/>
+          </a:ln>
+        </p:spPr>
+        <p:style>
+          <a:lnRef idx="2">
+            <a:schemeClr val="accent1">
+              <a:shade val="50000"/>
+            </a:schemeClr>
+          </a:lnRef>
+          <a:fillRef idx="1">
+            <a:schemeClr val="accent1"/>
+          </a:fillRef>
+          <a:effectRef idx="0">
+            <a:schemeClr val="accent1"/>
+          </a:effectRef>
+          <a:fontRef idx="minor">
+            <a:schemeClr val="lt1"/>
+          </a:fontRef>
+        </p:style>
+        <p:txBody>
+          <a:bodyPr rtlCol="0" anchor="ctr"/>
+          <a:lstStyle/>
+          <a:p>
+            <a:pPr algn="ctr"/>
+            <a:endParaRPr lang="en-US"/>
+          </a:p>
+        </p:txBody>
+      </p:sp>
+      <p:sp>
+        <p:nvSpPr>
+          <p:cNvPr id="4" name="TextBox 3">
+            <a:extLst>
+              <a:ext uri="{FF2B5EF4-FFF2-40B4-BE49-F238E27FC236}">
+                <a16:creationId xmlns:a16="http://schemas.microsoft.com/office/drawing/2014/main" id="{6225D600-2578-4842-9038-1E88477C9311}"/>
+              </a:ext>
+            </a:extLst>
+          </p:cNvPr>
+          <p:cNvSpPr txBox="1"/>
+          <p:nvPr/>
+        </p:nvSpPr>
+        <p:spPr>
+          <a:xfrm>
+            <a:off x="3438618" y="2207718"/>
+            <a:ext cx="835816" cy="369332"/>
+          </a:xfrm>
+          <a:prstGeom prst="rect">
+            <a:avLst/>
+          </a:prstGeom>
+          <a:noFill/>
+        </p:spPr>
+        <p:txBody>
+          <a:bodyPr wrap="square" rtlCol="0">
+            <a:spAutoFit/>
+          </a:bodyPr>
+          <a:lstStyle/>
+          <a:p>
+            <a:r>
+              <a:rPr lang="en-US" dirty="0"/>
+              <a:t>w</a:t>
+            </a:r>
+            <a:r>
+              <a:rPr lang="en-US" baseline="-25000" dirty="0"/>
+              <a:t>gf1</a:t>
+            </a:r>
+          </a:p>
+        </p:txBody>
+      </p:sp>
+      <p:sp>
+        <p:nvSpPr>
+          <p:cNvPr id="12" name="TextBox 11">
+            <a:extLst>
+              <a:ext uri="{FF2B5EF4-FFF2-40B4-BE49-F238E27FC236}">
+                <a16:creationId xmlns:a16="http://schemas.microsoft.com/office/drawing/2014/main" id="{E74A9048-C562-B84B-B5AD-08BCC0854FE1}"/>
+              </a:ext>
+            </a:extLst>
+          </p:cNvPr>
+          <p:cNvSpPr txBox="1"/>
+          <p:nvPr/>
+        </p:nvSpPr>
+        <p:spPr>
+          <a:xfrm>
+            <a:off x="6552448" y="2100843"/>
+            <a:ext cx="835816" cy="369332"/>
+          </a:xfrm>
+          <a:prstGeom prst="rect">
+            <a:avLst/>
+          </a:prstGeom>
+          <a:noFill/>
+        </p:spPr>
+        <p:txBody>
+          <a:bodyPr wrap="square" rtlCol="0">
+            <a:spAutoFit/>
+          </a:bodyPr>
+          <a:lstStyle/>
+          <a:p>
+            <a:r>
+              <a:rPr lang="en-US" dirty="0"/>
+              <a:t>w</a:t>
+            </a:r>
+            <a:r>
+              <a:rPr lang="en-US" baseline="-25000" dirty="0"/>
+              <a:t>gf1</a:t>
+            </a:r>
+          </a:p>
+        </p:txBody>
+      </p:sp>
+      <p:sp>
+        <p:nvSpPr>
+          <p:cNvPr id="18" name="TextBox 17">
+            <a:extLst>
+              <a:ext uri="{FF2B5EF4-FFF2-40B4-BE49-F238E27FC236}">
+                <a16:creationId xmlns:a16="http://schemas.microsoft.com/office/drawing/2014/main" id="{12BE4A04-B8CB-FB48-8226-1D8C79B02F4A}"/>
+              </a:ext>
+            </a:extLst>
+          </p:cNvPr>
+          <p:cNvSpPr txBox="1"/>
+          <p:nvPr/>
+        </p:nvSpPr>
+        <p:spPr>
+          <a:xfrm>
+            <a:off x="4803737" y="168897"/>
+            <a:ext cx="835816" cy="369332"/>
+          </a:xfrm>
+          <a:prstGeom prst="rect">
+            <a:avLst/>
+          </a:prstGeom>
+          <a:noFill/>
+        </p:spPr>
+        <p:txBody>
+          <a:bodyPr wrap="square" rtlCol="0">
+            <a:spAutoFit/>
+          </a:bodyPr>
+          <a:lstStyle/>
+          <a:p>
+            <a:r>
+              <a:rPr lang="en-US" dirty="0"/>
+              <a:t>w</a:t>
+            </a:r>
+            <a:r>
+              <a:rPr lang="en-US" baseline="-25000" dirty="0"/>
+              <a:t>xg2</a:t>
+            </a:r>
+          </a:p>
+        </p:txBody>
+      </p:sp>
+      <p:cxnSp>
+        <p:nvCxnSpPr>
+          <p:cNvPr id="21" name="!!Straight Connector ">
+            <a:extLst>
+              <a:ext uri="{FF2B5EF4-FFF2-40B4-BE49-F238E27FC236}">
+                <a16:creationId xmlns:a16="http://schemas.microsoft.com/office/drawing/2014/main" id="{1FF6B3DB-13FF-5F47-968E-08961B640C99}"/>
+              </a:ext>
+            </a:extLst>
+          </p:cNvPr>
+          <p:cNvCxnSpPr>
+            <a:cxnSpLocks/>
+          </p:cNvCxnSpPr>
+          <p:nvPr/>
+        </p:nvCxnSpPr>
+        <p:spPr>
+          <a:xfrm flipV="1">
+            <a:off x="4286854" y="4941917"/>
+            <a:ext cx="0" cy="722871"/>
+          </a:xfrm>
+          <a:prstGeom prst="line">
+            <a:avLst/>
+          </a:prstGeom>
+          <a:ln w="9525" cap="flat" cmpd="sng" algn="ctr">
+            <a:solidFill>
+              <a:srgbClr val="C00000"/>
+            </a:solidFill>
+            <a:prstDash val="dash"/>
+            <a:round/>
+            <a:headEnd type="none" w="med" len="med"/>
+            <a:tailEnd type="none" w="med" len="med"/>
+          </a:ln>
+        </p:spPr>
+        <p:style>
+          <a:lnRef idx="0">
+            <a:scrgbClr r="0" g="0" b="0"/>
+          </a:lnRef>
+          <a:fillRef idx="0">
+            <a:scrgbClr r="0" g="0" b="0"/>
+          </a:fillRef>
+          <a:effectRef idx="0">
+            <a:scrgbClr r="0" g="0" b="0"/>
+          </a:effectRef>
+          <a:fontRef idx="minor">
+            <a:schemeClr val="tx1"/>
+          </a:fontRef>
+        </p:style>
+      </p:cxnSp>
+      <p:sp>
+        <p:nvSpPr>
+          <p:cNvPr id="22" name="!!x2">
+            <a:extLst>
+              <a:ext uri="{FF2B5EF4-FFF2-40B4-BE49-F238E27FC236}">
+                <a16:creationId xmlns:a16="http://schemas.microsoft.com/office/drawing/2014/main" id="{8A8C82DE-36B5-F041-BD08-16C16698A455}"/>
+              </a:ext>
+            </a:extLst>
+          </p:cNvPr>
+          <p:cNvSpPr/>
+          <p:nvPr/>
+        </p:nvSpPr>
+        <p:spPr>
+          <a:xfrm>
+            <a:off x="4045897" y="5478694"/>
+            <a:ext cx="481914" cy="481914"/>
+          </a:xfrm>
+          <a:prstGeom prst="mathMultiply">
+            <a:avLst/>
+          </a:prstGeom>
+          <a:solidFill>
+            <a:srgbClr val="C00000"/>
+          </a:solidFill>
+          <a:ln>
+            <a:noFill/>
+          </a:ln>
+        </p:spPr>
+        <p:style>
+          <a:lnRef idx="2">
+            <a:schemeClr val="accent6"/>
+          </a:lnRef>
+          <a:fillRef idx="1">
+            <a:schemeClr val="lt1"/>
+          </a:fillRef>
+          <a:effectRef idx="0">
+            <a:schemeClr val="accent6"/>
+          </a:effectRef>
+          <a:fontRef idx="minor">
+            <a:schemeClr val="dk1"/>
+          </a:fontRef>
+        </p:style>
+        <p:txBody>
+          <a:bodyPr rtlCol="0" anchor="ctr"/>
+          <a:lstStyle/>
+          <a:p>
+            <a:pPr algn="ctr"/>
+            <a:r>
+              <a:rPr lang="en-US" dirty="0">
+                <a:ln w="0"/>
+                <a:solidFill>
+                  <a:sysClr val="windowText" lastClr="000000"/>
+                </a:solidFill>
+                <a:effectLst>
+                  <a:outerShdw blurRad="38100" dist="19050" dir="2700000" algn="tl" rotWithShape="0">
+                    <a:schemeClr val="dk1">
+                      <a:alpha val="40000"/>
+                    </a:schemeClr>
+                  </a:outerShdw>
+                </a:effectLst>
+              </a:rPr>
+              <a:t>   </a:t>
+            </a:r>
+          </a:p>
+        </p:txBody>
+      </p:sp>
+      <p:sp>
+        <p:nvSpPr>
+          <p:cNvPr id="24" name="!!x1">
+            <a:extLst>
+              <a:ext uri="{FF2B5EF4-FFF2-40B4-BE49-F238E27FC236}">
+                <a16:creationId xmlns:a16="http://schemas.microsoft.com/office/drawing/2014/main" id="{1F36497B-A89F-B241-9BC0-9DC73FBA06C1}"/>
+              </a:ext>
+            </a:extLst>
+          </p:cNvPr>
+          <p:cNvSpPr/>
+          <p:nvPr/>
+        </p:nvSpPr>
+        <p:spPr>
+          <a:xfrm>
+            <a:off x="4045897" y="4700960"/>
+            <a:ext cx="481914" cy="481914"/>
+          </a:xfrm>
+          <a:prstGeom prst="mathMultiply">
+            <a:avLst/>
+          </a:prstGeom>
+          <a:solidFill>
+            <a:srgbClr val="C00000"/>
+          </a:solidFill>
+          <a:ln>
+            <a:noFill/>
+          </a:ln>
+        </p:spPr>
+        <p:style>
+          <a:lnRef idx="2">
+            <a:schemeClr val="accent6"/>
+          </a:lnRef>
+          <a:fillRef idx="1">
+            <a:schemeClr val="lt1"/>
+          </a:fillRef>
+          <a:effectRef idx="0">
+            <a:schemeClr val="accent6"/>
+          </a:effectRef>
+          <a:fontRef idx="minor">
+            <a:schemeClr val="dk1"/>
+          </a:fontRef>
+        </p:style>
+        <p:txBody>
+          <a:bodyPr rtlCol="0" anchor="ctr"/>
+          <a:lstStyle/>
+          <a:p>
+            <a:pPr algn="ctr"/>
+            <a:r>
+              <a:rPr lang="en-US" dirty="0">
+                <a:ln w="0"/>
+                <a:solidFill>
+                  <a:sysClr val="windowText" lastClr="000000"/>
+                </a:solidFill>
+                <a:effectLst>
+                  <a:outerShdw blurRad="38100" dist="19050" dir="2700000" algn="tl" rotWithShape="0">
+                    <a:schemeClr val="dk1">
+                      <a:alpha val="40000"/>
+                    </a:schemeClr>
+                  </a:outerShdw>
+                </a:effectLst>
+              </a:rPr>
+              <a:t>   </a:t>
+            </a:r>
+          </a:p>
+        </p:txBody>
+      </p:sp>
+      <p:cxnSp>
+        <p:nvCxnSpPr>
+          <p:cNvPr id="26" name="Straight Arrow Connector 25">
+            <a:extLst>
+              <a:ext uri="{FF2B5EF4-FFF2-40B4-BE49-F238E27FC236}">
+                <a16:creationId xmlns:a16="http://schemas.microsoft.com/office/drawing/2014/main" id="{C7DC190D-4B5F-6746-BF7F-D01AEBC8A9BF}"/>
+              </a:ext>
+            </a:extLst>
+          </p:cNvPr>
+          <p:cNvCxnSpPr>
+            <a:cxnSpLocks/>
+          </p:cNvCxnSpPr>
+          <p:nvPr/>
+        </p:nvCxnSpPr>
+        <p:spPr>
+          <a:xfrm flipH="1">
+            <a:off x="4515936" y="2261759"/>
+            <a:ext cx="3148887" cy="2656408"/>
+          </a:xfrm>
+          <a:prstGeom prst="straightConnector1">
+            <a:avLst/>
+          </a:prstGeom>
+          <a:ln w="38100">
+            <a:solidFill>
+              <a:srgbClr val="7030A0"/>
+            </a:solidFill>
+            <a:prstDash val="sysDot"/>
+            <a:headEnd type="triangle"/>
+            <a:tailEnd type="triangle"/>
+          </a:ln>
+        </p:spPr>
+        <p:style>
+          <a:lnRef idx="1">
+            <a:schemeClr val="accent1"/>
+          </a:lnRef>
+          <a:fillRef idx="0">
+            <a:schemeClr val="accent1"/>
+          </a:fillRef>
+          <a:effectRef idx="0">
+            <a:schemeClr val="accent1"/>
+          </a:effectRef>
+          <a:fontRef idx="minor">
+            <a:schemeClr val="tx1"/>
+          </a:fontRef>
+        </p:style>
+      </p:cxnSp>
+      <p:sp>
+        <p:nvSpPr>
+          <p:cNvPr id="14" name="TextBox 13">
+            <a:extLst>
+              <a:ext uri="{FF2B5EF4-FFF2-40B4-BE49-F238E27FC236}">
+                <a16:creationId xmlns:a16="http://schemas.microsoft.com/office/drawing/2014/main" id="{C4787D0D-4E36-4C07-B594-19D6661B895E}"/>
+              </a:ext>
+            </a:extLst>
+          </p:cNvPr>
+          <p:cNvSpPr txBox="1"/>
+          <p:nvPr/>
+        </p:nvSpPr>
+        <p:spPr>
+          <a:xfrm>
+            <a:off x="3862316" y="5775942"/>
+            <a:ext cx="1236059" cy="369332"/>
+          </a:xfrm>
+          <a:prstGeom prst="rect">
+            <a:avLst/>
+          </a:prstGeom>
+          <a:noFill/>
+        </p:spPr>
+        <p:txBody>
+          <a:bodyPr wrap="square" rtlCol="0">
+            <a:spAutoFit/>
+          </a:bodyPr>
+          <a:lstStyle/>
+          <a:p>
+            <a:r>
+              <a:rPr lang="en-US" dirty="0"/>
+              <a:t>Total Error</a:t>
+            </a:r>
+            <a:endParaRPr lang="en-US" baseline="-25000" dirty="0"/>
+          </a:p>
+        </p:txBody>
+      </p:sp>
+    </p:spTree>
+    <p:extLst>
+      <p:ext uri="{BB962C8B-B14F-4D97-AF65-F5344CB8AC3E}">
+        <p14:creationId xmlns:p14="http://schemas.microsoft.com/office/powerpoint/2010/main" val="426454482"/>
+      </p:ext>
+    </p:extLst>
+  </p:cSld>
+  <p:clrMapOvr>
+    <a:masterClrMapping/>
+  </p:clrMapOvr>
+  <mc:AlternateContent xmlns:mc="http://schemas.openxmlformats.org/markup-compatibility/2006" xmlns:p159="http://schemas.microsoft.com/office/powerpoint/2015/09/main">
+    <mc:Choice Requires="p159">
+      <p:transition xmlns:p14="http://schemas.microsoft.com/office/powerpoint/2010/main" spd="slow" p14:dur="2000">
+        <p159:morph option="byObject"/>
+      </p:transition>
+    </mc:Choice>
+    <mc:Fallback xmlns="">
+      <p:transition spd="slow">
+        <p:fade/>
+      </p:transition>
+    </mc:Fallback>
+  </mc:AlternateContent>
+</p:sld>
+</file>
+
+<file path=ppt/slides/slide24.xml><?xml version="1.0" encoding="utf-8"?>
+<p:sld xmlns:a="http://schemas.openxmlformats.org/drawingml/2006/main" xmlns:r="http://schemas.openxmlformats.org/officeDocument/2006/relationships" xmlns:p="http://schemas.openxmlformats.org/presentationml/2006/main">
+  <p:cSld>
+    <p:spTree>
+      <p:nvGrpSpPr>
+        <p:cNvPr id="1" name=""/>
+        <p:cNvGrpSpPr/>
+        <p:nvPr/>
+      </p:nvGrpSpPr>
+      <p:grpSpPr>
+        <a:xfrm>
+          <a:off x="0" y="0"/>
+          <a:ext cx="0" cy="0"/>
+          <a:chOff x="0" y="0"/>
+          <a:chExt cx="0" cy="0"/>
+        </a:xfrm>
+      </p:grpSpPr>
+      <p:pic>
+        <p:nvPicPr>
+          <p:cNvPr id="9" name="Picture 8" descr="Diagram, box and whisker chart&#10;&#10;Description automatically generated">
+            <a:extLst>
+              <a:ext uri="{FF2B5EF4-FFF2-40B4-BE49-F238E27FC236}">
+                <a16:creationId xmlns:a16="http://schemas.microsoft.com/office/drawing/2014/main" id="{0C44EE30-2DFD-6E4A-9771-951D641E5957}"/>
+              </a:ext>
+            </a:extLst>
+          </p:cNvPr>
+          <p:cNvPicPr>
+            <a:picLocks noChangeAspect="1"/>
+          </p:cNvPicPr>
+          <p:nvPr/>
+        </p:nvPicPr>
+        <p:blipFill>
+          <a:blip r:embed="rId3">
+            <a:alphaModFix/>
+          </a:blip>
+          <a:stretch>
+            <a:fillRect/>
+          </a:stretch>
+        </p:blipFill>
+        <p:spPr>
+          <a:xfrm>
+            <a:off x="3284239" y="231768"/>
+            <a:ext cx="5627950" cy="6134006"/>
+          </a:xfrm>
+          <a:prstGeom prst="rect">
+            <a:avLst/>
+          </a:prstGeom>
+        </p:spPr>
+      </p:pic>
+      <p:sp>
+        <p:nvSpPr>
+          <p:cNvPr id="10" name="TextBox 9">
+            <a:extLst>
+              <a:ext uri="{FF2B5EF4-FFF2-40B4-BE49-F238E27FC236}">
+                <a16:creationId xmlns:a16="http://schemas.microsoft.com/office/drawing/2014/main" id="{2869557E-383D-6A43-A18E-68A6F3200FFD}"/>
+              </a:ext>
+            </a:extLst>
+          </p:cNvPr>
+          <p:cNvSpPr txBox="1"/>
+          <p:nvPr/>
+        </p:nvSpPr>
+        <p:spPr>
+          <a:xfrm>
+            <a:off x="3438618" y="2207718"/>
+            <a:ext cx="835816" cy="369332"/>
+          </a:xfrm>
+          <a:prstGeom prst="rect">
+            <a:avLst/>
+          </a:prstGeom>
+          <a:noFill/>
+        </p:spPr>
+        <p:txBody>
+          <a:bodyPr wrap="square" rtlCol="0">
+            <a:spAutoFit/>
+          </a:bodyPr>
+          <a:lstStyle/>
+          <a:p>
+            <a:r>
+              <a:rPr lang="en-US" dirty="0"/>
+              <a:t>w</a:t>
+            </a:r>
+            <a:r>
+              <a:rPr lang="en-US" baseline="-25000" dirty="0"/>
+              <a:t>gf1</a:t>
+            </a:r>
+          </a:p>
+        </p:txBody>
+      </p:sp>
+      <p:sp>
+        <p:nvSpPr>
+          <p:cNvPr id="11" name="TextBox 10">
+            <a:extLst>
+              <a:ext uri="{FF2B5EF4-FFF2-40B4-BE49-F238E27FC236}">
+                <a16:creationId xmlns:a16="http://schemas.microsoft.com/office/drawing/2014/main" id="{F424C681-9F97-2242-8A1C-C776648FFBF8}"/>
+              </a:ext>
+            </a:extLst>
+          </p:cNvPr>
+          <p:cNvSpPr txBox="1"/>
+          <p:nvPr/>
+        </p:nvSpPr>
+        <p:spPr>
+          <a:xfrm>
+            <a:off x="6552448" y="2100843"/>
+            <a:ext cx="835816" cy="369332"/>
+          </a:xfrm>
+          <a:prstGeom prst="rect">
+            <a:avLst/>
+          </a:prstGeom>
+          <a:noFill/>
+        </p:spPr>
+        <p:txBody>
+          <a:bodyPr wrap="square" rtlCol="0">
+            <a:spAutoFit/>
+          </a:bodyPr>
+          <a:lstStyle/>
+          <a:p>
+            <a:r>
+              <a:rPr lang="en-US" dirty="0"/>
+              <a:t>w</a:t>
+            </a:r>
+            <a:r>
+              <a:rPr lang="en-US" baseline="-25000" dirty="0"/>
+              <a:t>gf1</a:t>
+            </a:r>
+          </a:p>
+        </p:txBody>
+      </p:sp>
+      <p:sp>
+        <p:nvSpPr>
+          <p:cNvPr id="12" name="TextBox 11">
+            <a:extLst>
+              <a:ext uri="{FF2B5EF4-FFF2-40B4-BE49-F238E27FC236}">
+                <a16:creationId xmlns:a16="http://schemas.microsoft.com/office/drawing/2014/main" id="{A21D870A-8A38-6F46-B6C3-48FDAE0F44B0}"/>
+              </a:ext>
+            </a:extLst>
+          </p:cNvPr>
+          <p:cNvSpPr txBox="1"/>
+          <p:nvPr/>
+        </p:nvSpPr>
+        <p:spPr>
+          <a:xfrm>
+            <a:off x="4803737" y="168897"/>
+            <a:ext cx="835816" cy="369332"/>
+          </a:xfrm>
+          <a:prstGeom prst="rect">
+            <a:avLst/>
+          </a:prstGeom>
+          <a:noFill/>
+        </p:spPr>
+        <p:txBody>
+          <a:bodyPr wrap="square" rtlCol="0">
+            <a:spAutoFit/>
+          </a:bodyPr>
+          <a:lstStyle/>
+          <a:p>
+            <a:r>
+              <a:rPr lang="en-US" dirty="0"/>
+              <a:t>w</a:t>
+            </a:r>
+            <a:r>
+              <a:rPr lang="en-US" baseline="-25000" dirty="0"/>
+              <a:t>xg2</a:t>
+            </a:r>
+          </a:p>
+        </p:txBody>
+      </p:sp>
+      <p:sp>
+        <p:nvSpPr>
+          <p:cNvPr id="15" name="!!x3">
+            <a:extLst>
+              <a:ext uri="{FF2B5EF4-FFF2-40B4-BE49-F238E27FC236}">
+                <a16:creationId xmlns:a16="http://schemas.microsoft.com/office/drawing/2014/main" id="{22ABDFE0-6888-C546-88BD-71FEF5A7744B}"/>
+              </a:ext>
+            </a:extLst>
+          </p:cNvPr>
+          <p:cNvSpPr/>
+          <p:nvPr/>
+        </p:nvSpPr>
+        <p:spPr>
+          <a:xfrm>
+            <a:off x="7834516" y="1827190"/>
+            <a:ext cx="481914" cy="481914"/>
+          </a:xfrm>
+          <a:prstGeom prst="mathMultiply">
+            <a:avLst/>
+          </a:prstGeom>
+          <a:solidFill>
+            <a:srgbClr val="C00000"/>
+          </a:solidFill>
+          <a:ln>
+            <a:noFill/>
+          </a:ln>
+        </p:spPr>
+        <p:style>
+          <a:lnRef idx="2">
+            <a:schemeClr val="accent6"/>
+          </a:lnRef>
+          <a:fillRef idx="1">
+            <a:schemeClr val="lt1"/>
+          </a:fillRef>
+          <a:effectRef idx="0">
+            <a:schemeClr val="accent6"/>
+          </a:effectRef>
+          <a:fontRef idx="minor">
+            <a:schemeClr val="dk1"/>
+          </a:fontRef>
+        </p:style>
+        <p:txBody>
+          <a:bodyPr rtlCol="0" anchor="ctr"/>
+          <a:lstStyle/>
+          <a:p>
+            <a:pPr algn="ctr"/>
+            <a:r>
+              <a:rPr lang="en-US" dirty="0">
+                <a:ln w="0"/>
+                <a:solidFill>
+                  <a:sysClr val="windowText" lastClr="000000"/>
+                </a:solidFill>
+                <a:effectLst>
+                  <a:outerShdw blurRad="38100" dist="19050" dir="2700000" algn="tl" rotWithShape="0">
+                    <a:schemeClr val="dk1">
+                      <a:alpha val="40000"/>
+                    </a:schemeClr>
+                  </a:outerShdw>
+                </a:effectLst>
+              </a:rPr>
+              <a:t>   </a:t>
+            </a:r>
+          </a:p>
+        </p:txBody>
+      </p:sp>
+      <p:sp>
+        <p:nvSpPr>
+          <p:cNvPr id="17" name="!!topline">
+            <a:extLst>
+              <a:ext uri="{FF2B5EF4-FFF2-40B4-BE49-F238E27FC236}">
+                <a16:creationId xmlns:a16="http://schemas.microsoft.com/office/drawing/2014/main" id="{F3F6A119-5138-B343-8340-27FA5DC30346}"/>
+              </a:ext>
+            </a:extLst>
+          </p:cNvPr>
+          <p:cNvSpPr/>
+          <p:nvPr/>
+        </p:nvSpPr>
+        <p:spPr>
+          <a:xfrm>
+            <a:off x="7327720" y="510367"/>
+            <a:ext cx="1484334" cy="45719"/>
+          </a:xfrm>
+          <a:prstGeom prst="rect">
+            <a:avLst/>
+          </a:prstGeom>
+          <a:solidFill>
+            <a:schemeClr val="tx1"/>
+          </a:solidFill>
+          <a:ln>
+            <a:noFill/>
+          </a:ln>
+        </p:spPr>
+        <p:style>
+          <a:lnRef idx="2">
+            <a:schemeClr val="accent1">
+              <a:shade val="50000"/>
+            </a:schemeClr>
+          </a:lnRef>
+          <a:fillRef idx="1">
+            <a:schemeClr val="accent1"/>
+          </a:fillRef>
+          <a:effectRef idx="0">
+            <a:schemeClr val="accent1"/>
+          </a:effectRef>
+          <a:fontRef idx="minor">
+            <a:schemeClr val="lt1"/>
+          </a:fontRef>
+        </p:style>
+        <p:txBody>
+          <a:bodyPr rtlCol="0" anchor="ctr"/>
+          <a:lstStyle/>
+          <a:p>
+            <a:pPr algn="ctr"/>
+            <a:endParaRPr lang="en-US"/>
+          </a:p>
+        </p:txBody>
+      </p:sp>
+      <p:cxnSp>
+        <p:nvCxnSpPr>
+          <p:cNvPr id="18" name="!!topdotted">
+            <a:extLst>
+              <a:ext uri="{FF2B5EF4-FFF2-40B4-BE49-F238E27FC236}">
+                <a16:creationId xmlns:a16="http://schemas.microsoft.com/office/drawing/2014/main" id="{61F01312-68EB-9448-B616-B66FC65DDA55}"/>
+              </a:ext>
+            </a:extLst>
+          </p:cNvPr>
+          <p:cNvCxnSpPr>
+            <a:cxnSpLocks/>
+          </p:cNvCxnSpPr>
+          <p:nvPr/>
+        </p:nvCxnSpPr>
+        <p:spPr>
+          <a:xfrm flipH="1" flipV="1">
+            <a:off x="8064549" y="548782"/>
+            <a:ext cx="11432" cy="1451377"/>
+          </a:xfrm>
+          <a:prstGeom prst="line">
+            <a:avLst/>
+          </a:prstGeom>
+          <a:ln w="9525" cap="flat" cmpd="sng" algn="ctr">
+            <a:solidFill>
+              <a:srgbClr val="C00000"/>
+            </a:solidFill>
+            <a:prstDash val="dash"/>
+            <a:round/>
+            <a:headEnd type="none" w="med" len="med"/>
+            <a:tailEnd type="none" w="med" len="med"/>
+          </a:ln>
+        </p:spPr>
+        <p:style>
+          <a:lnRef idx="0">
+            <a:scrgbClr r="0" g="0" b="0"/>
+          </a:lnRef>
+          <a:fillRef idx="0">
+            <a:scrgbClr r="0" g="0" b="0"/>
+          </a:fillRef>
+          <a:effectRef idx="0">
+            <a:scrgbClr r="0" g="0" b="0"/>
+          </a:effectRef>
+          <a:fontRef idx="minor">
+            <a:schemeClr val="tx1"/>
+          </a:fontRef>
+        </p:style>
+      </p:cxnSp>
+      <p:sp>
+        <p:nvSpPr>
+          <p:cNvPr id="20" name="!!x2">
+            <a:extLst>
+              <a:ext uri="{FF2B5EF4-FFF2-40B4-BE49-F238E27FC236}">
+                <a16:creationId xmlns:a16="http://schemas.microsoft.com/office/drawing/2014/main" id="{18B9CDA3-320C-1B41-81EC-B99BD2E25254}"/>
+              </a:ext>
+            </a:extLst>
+          </p:cNvPr>
+          <p:cNvSpPr/>
+          <p:nvPr/>
+        </p:nvSpPr>
+        <p:spPr>
+          <a:xfrm>
+            <a:off x="3929449" y="5481705"/>
+            <a:ext cx="481914" cy="481914"/>
+          </a:xfrm>
+          <a:prstGeom prst="mathMultiply">
+            <a:avLst/>
+          </a:prstGeom>
+          <a:solidFill>
+            <a:srgbClr val="C00000"/>
+          </a:solidFill>
+          <a:ln>
+            <a:noFill/>
+          </a:ln>
+        </p:spPr>
+        <p:style>
+          <a:lnRef idx="2">
+            <a:schemeClr val="accent6"/>
+          </a:lnRef>
+          <a:fillRef idx="1">
+            <a:schemeClr val="lt1"/>
+          </a:fillRef>
+          <a:effectRef idx="0">
+            <a:schemeClr val="accent6"/>
+          </a:effectRef>
+          <a:fontRef idx="minor">
+            <a:schemeClr val="dk1"/>
+          </a:fontRef>
+        </p:style>
+        <p:txBody>
+          <a:bodyPr rtlCol="0" anchor="ctr"/>
+          <a:lstStyle/>
+          <a:p>
+            <a:pPr algn="ctr"/>
+            <a:r>
+              <a:rPr lang="en-US" dirty="0">
+                <a:ln w="0"/>
+                <a:solidFill>
+                  <a:sysClr val="windowText" lastClr="000000"/>
+                </a:solidFill>
+                <a:effectLst>
+                  <a:outerShdw blurRad="38100" dist="19050" dir="2700000" algn="tl" rotWithShape="0">
+                    <a:schemeClr val="dk1">
+                      <a:alpha val="40000"/>
+                    </a:schemeClr>
+                  </a:outerShdw>
+                </a:effectLst>
+              </a:rPr>
+              <a:t>   </a:t>
+            </a:r>
+          </a:p>
+        </p:txBody>
+      </p:sp>
+      <p:sp>
+        <p:nvSpPr>
+          <p:cNvPr id="21" name="!!x1">
+            <a:extLst>
+              <a:ext uri="{FF2B5EF4-FFF2-40B4-BE49-F238E27FC236}">
+                <a16:creationId xmlns:a16="http://schemas.microsoft.com/office/drawing/2014/main" id="{6EBE3F7D-553B-0348-A32B-407E2607EBA0}"/>
+              </a:ext>
+            </a:extLst>
+          </p:cNvPr>
+          <p:cNvSpPr/>
+          <p:nvPr/>
+        </p:nvSpPr>
+        <p:spPr>
+          <a:xfrm>
+            <a:off x="3929449" y="4914777"/>
+            <a:ext cx="481914" cy="481914"/>
+          </a:xfrm>
+          <a:prstGeom prst="mathMultiply">
+            <a:avLst/>
+          </a:prstGeom>
+          <a:solidFill>
+            <a:srgbClr val="C00000"/>
+          </a:solidFill>
+          <a:ln>
+            <a:noFill/>
+          </a:ln>
+        </p:spPr>
+        <p:style>
+          <a:lnRef idx="2">
+            <a:schemeClr val="accent6"/>
+          </a:lnRef>
+          <a:fillRef idx="1">
+            <a:schemeClr val="lt1"/>
+          </a:fillRef>
+          <a:effectRef idx="0">
+            <a:schemeClr val="accent6"/>
+          </a:effectRef>
+          <a:fontRef idx="minor">
+            <a:schemeClr val="dk1"/>
+          </a:fontRef>
+        </p:style>
+        <p:txBody>
+          <a:bodyPr rtlCol="0" anchor="ctr"/>
+          <a:lstStyle/>
+          <a:p>
+            <a:pPr algn="ctr"/>
+            <a:r>
+              <a:rPr lang="en-US" dirty="0">
+                <a:ln w="0"/>
+                <a:solidFill>
+                  <a:sysClr val="windowText" lastClr="000000"/>
+                </a:solidFill>
+                <a:effectLst>
+                  <a:outerShdw blurRad="38100" dist="19050" dir="2700000" algn="tl" rotWithShape="0">
+                    <a:schemeClr val="dk1">
+                      <a:alpha val="40000"/>
+                    </a:schemeClr>
+                  </a:outerShdw>
+                </a:effectLst>
+              </a:rPr>
+              <a:t>   </a:t>
+            </a:r>
+          </a:p>
+        </p:txBody>
+      </p:sp>
+      <p:cxnSp>
+        <p:nvCxnSpPr>
+          <p:cNvPr id="22" name="!!Straight Connector ">
+            <a:extLst>
+              <a:ext uri="{FF2B5EF4-FFF2-40B4-BE49-F238E27FC236}">
+                <a16:creationId xmlns:a16="http://schemas.microsoft.com/office/drawing/2014/main" id="{75017E26-4A26-204C-831A-8E795A3B419F}"/>
+              </a:ext>
+            </a:extLst>
+          </p:cNvPr>
+          <p:cNvCxnSpPr/>
+          <p:nvPr/>
+        </p:nvCxnSpPr>
+        <p:spPr>
+          <a:xfrm flipV="1">
+            <a:off x="4170406" y="5155734"/>
+            <a:ext cx="0" cy="566928"/>
+          </a:xfrm>
+          <a:prstGeom prst="line">
+            <a:avLst/>
+          </a:prstGeom>
+          <a:ln w="9525" cap="flat" cmpd="sng" algn="ctr">
+            <a:solidFill>
+              <a:srgbClr val="C00000"/>
+            </a:solidFill>
+            <a:prstDash val="dash"/>
+            <a:round/>
+            <a:headEnd type="none" w="med" len="med"/>
+            <a:tailEnd type="none" w="med" len="med"/>
+          </a:ln>
+        </p:spPr>
+        <p:style>
+          <a:lnRef idx="0">
+            <a:scrgbClr r="0" g="0" b="0"/>
+          </a:lnRef>
+          <a:fillRef idx="0">
+            <a:scrgbClr r="0" g="0" b="0"/>
+          </a:fillRef>
+          <a:effectRef idx="0">
+            <a:scrgbClr r="0" g="0" b="0"/>
+          </a:effectRef>
+          <a:fontRef idx="minor">
+            <a:schemeClr val="tx1"/>
+          </a:fontRef>
+        </p:style>
+      </p:cxnSp>
+      <p:cxnSp>
+        <p:nvCxnSpPr>
+          <p:cNvPr id="25" name="Straight Arrow Connector 24">
+            <a:extLst>
+              <a:ext uri="{FF2B5EF4-FFF2-40B4-BE49-F238E27FC236}">
+                <a16:creationId xmlns:a16="http://schemas.microsoft.com/office/drawing/2014/main" id="{C6E057D3-9375-A74A-A074-06F7ED290690}"/>
+              </a:ext>
+            </a:extLst>
+          </p:cNvPr>
+          <p:cNvCxnSpPr>
+            <a:cxnSpLocks/>
+          </p:cNvCxnSpPr>
+          <p:nvPr/>
+        </p:nvCxnSpPr>
+        <p:spPr>
+          <a:xfrm flipH="1">
+            <a:off x="4357485" y="2258356"/>
+            <a:ext cx="3717988" cy="2897378"/>
+          </a:xfrm>
+          <a:prstGeom prst="straightConnector1">
+            <a:avLst/>
+          </a:prstGeom>
+          <a:ln w="38100">
+            <a:solidFill>
+              <a:srgbClr val="7030A0"/>
+            </a:solidFill>
+            <a:prstDash val="sysDot"/>
+            <a:headEnd type="triangle"/>
+            <a:tailEnd type="triangle"/>
+          </a:ln>
+        </p:spPr>
+        <p:style>
+          <a:lnRef idx="1">
+            <a:schemeClr val="accent1"/>
+          </a:lnRef>
+          <a:fillRef idx="0">
+            <a:schemeClr val="accent1"/>
+          </a:fillRef>
+          <a:effectRef idx="0">
+            <a:schemeClr val="accent1"/>
+          </a:effectRef>
+          <a:fontRef idx="minor">
+            <a:schemeClr val="tx1"/>
+          </a:fontRef>
+        </p:style>
+      </p:cxnSp>
+      <p:sp>
+        <p:nvSpPr>
+          <p:cNvPr id="14" name="TextBox 13">
+            <a:extLst>
+              <a:ext uri="{FF2B5EF4-FFF2-40B4-BE49-F238E27FC236}">
+                <a16:creationId xmlns:a16="http://schemas.microsoft.com/office/drawing/2014/main" id="{E3045A9D-B8B7-4276-A56E-70A500B5C07F}"/>
+              </a:ext>
+            </a:extLst>
+          </p:cNvPr>
+          <p:cNvSpPr txBox="1"/>
+          <p:nvPr/>
+        </p:nvSpPr>
+        <p:spPr>
+          <a:xfrm>
+            <a:off x="3862316" y="5775942"/>
+            <a:ext cx="1236059" cy="369332"/>
+          </a:xfrm>
+          <a:prstGeom prst="rect">
+            <a:avLst/>
+          </a:prstGeom>
+          <a:noFill/>
+        </p:spPr>
+        <p:txBody>
+          <a:bodyPr wrap="square" rtlCol="0">
+            <a:spAutoFit/>
+          </a:bodyPr>
+          <a:lstStyle/>
+          <a:p>
+            <a:r>
+              <a:rPr lang="en-US" dirty="0"/>
+              <a:t>Total Error</a:t>
+            </a:r>
+            <a:endParaRPr lang="en-US" baseline="-25000" dirty="0"/>
+          </a:p>
+        </p:txBody>
+      </p:sp>
+    </p:spTree>
+    <p:extLst>
+      <p:ext uri="{BB962C8B-B14F-4D97-AF65-F5344CB8AC3E}">
+        <p14:creationId xmlns:p14="http://schemas.microsoft.com/office/powerpoint/2010/main" val="1306907966"/>
+      </p:ext>
+    </p:extLst>
+  </p:cSld>
+  <p:clrMapOvr>
+    <a:masterClrMapping/>
+  </p:clrMapOvr>
+  <mc:AlternateContent xmlns:mc="http://schemas.openxmlformats.org/markup-compatibility/2006" xmlns:p159="http://schemas.microsoft.com/office/powerpoint/2015/09/main">
+    <mc:Choice Requires="p159">
+      <p:transition xmlns:p14="http://schemas.microsoft.com/office/powerpoint/2010/main" spd="slow" p14:dur="2000">
+        <p159:morph option="byObject"/>
+      </p:transition>
+    </mc:Choice>
+    <mc:Fallback xmlns="">
+      <p:transition spd="slow">
+        <p:fade/>
+      </p:transition>
+    </mc:Fallback>
+  </mc:AlternateContent>
+</p:sld>
+</file>
+
+<file path=ppt/slides/slide25.xml><?xml version="1.0" encoding="utf-8"?>
+<p:sld xmlns:a="http://schemas.openxmlformats.org/drawingml/2006/main" xmlns:r="http://schemas.openxmlformats.org/officeDocument/2006/relationships" xmlns:p="http://schemas.openxmlformats.org/presentationml/2006/main">
+  <p:cSld>
+    <p:spTree>
+      <p:nvGrpSpPr>
+        <p:cNvPr id="1" name=""/>
+        <p:cNvGrpSpPr/>
+        <p:nvPr/>
+      </p:nvGrpSpPr>
+      <p:grpSpPr>
+        <a:xfrm>
+          <a:off x="0" y="0"/>
+          <a:ext cx="0" cy="0"/>
+          <a:chOff x="0" y="0"/>
+          <a:chExt cx="0" cy="0"/>
+        </a:xfrm>
+      </p:grpSpPr>
+      <p:pic>
+        <p:nvPicPr>
+          <p:cNvPr id="3" name="Picture 2">
+            <a:extLst>
+              <a:ext uri="{FF2B5EF4-FFF2-40B4-BE49-F238E27FC236}">
+                <a16:creationId xmlns:a16="http://schemas.microsoft.com/office/drawing/2014/main" id="{079E553D-87CC-498F-A6F4-BE873941F430}"/>
+              </a:ext>
+            </a:extLst>
+          </p:cNvPr>
+          <p:cNvPicPr>
+            <a:picLocks noChangeAspect="1"/>
+          </p:cNvPicPr>
+          <p:nvPr/>
+        </p:nvPicPr>
+        <p:blipFill>
+          <a:blip r:embed="rId3"/>
+          <a:stretch>
+            <a:fillRect/>
+          </a:stretch>
+        </p:blipFill>
+        <p:spPr>
+          <a:xfrm>
+            <a:off x="2012051" y="1892620"/>
+            <a:ext cx="8167897" cy="3072760"/>
+          </a:xfrm>
+          <a:prstGeom prst="rect">
+            <a:avLst/>
+          </a:prstGeom>
+          <a:ln>
+            <a:noFill/>
+          </a:ln>
+          <a:effectLst>
+            <a:outerShdw blurRad="292100" dist="139700" dir="2700000" algn="tl" rotWithShape="0">
+              <a:srgbClr val="333333">
+                <a:alpha val="65000"/>
+              </a:srgbClr>
+            </a:outerShdw>
+          </a:effectLst>
+        </p:spPr>
+      </p:pic>
+      <p:sp>
+        <p:nvSpPr>
+          <p:cNvPr id="4" name="TextBox 3">
+            <a:extLst>
+              <a:ext uri="{FF2B5EF4-FFF2-40B4-BE49-F238E27FC236}">
+                <a16:creationId xmlns:a16="http://schemas.microsoft.com/office/drawing/2014/main" id="{5A97D8DA-1FC8-4770-8EEA-E4947515185A}"/>
+              </a:ext>
+            </a:extLst>
+          </p:cNvPr>
+          <p:cNvSpPr txBox="1"/>
+          <p:nvPr/>
+        </p:nvSpPr>
+        <p:spPr>
+          <a:xfrm>
+            <a:off x="0" y="6550223"/>
+            <a:ext cx="12192000" cy="307777"/>
+          </a:xfrm>
+          <a:prstGeom prst="rect">
+            <a:avLst/>
+          </a:prstGeom>
+          <a:noFill/>
+        </p:spPr>
+        <p:txBody>
+          <a:bodyPr wrap="square" rtlCol="0">
+            <a:spAutoFit/>
+          </a:bodyPr>
+          <a:lstStyle/>
+          <a:p>
+            <a:r>
+              <a:rPr lang="en-US" sz="1400" dirty="0">
+                <a:solidFill>
+                  <a:schemeClr val="tx1">
+                    <a:lumMod val="65000"/>
+                    <a:lumOff val="35000"/>
+                  </a:schemeClr>
+                </a:solidFill>
+                <a:latin typeface="+mj-lt"/>
+                <a:ea typeface="Verdana" panose="020B0604030504040204" pitchFamily="34" charset="0"/>
+              </a:rPr>
+              <a:t>Source: </a:t>
+            </a:r>
+            <a:r>
+              <a:rPr lang="en-US" sz="1400" dirty="0">
+                <a:solidFill>
+                  <a:schemeClr val="tx1">
+                    <a:lumMod val="65000"/>
+                    <a:lumOff val="35000"/>
+                  </a:schemeClr>
+                </a:solidFill>
+                <a:latin typeface="+mj-lt"/>
+              </a:rPr>
+              <a:t>https://medium.com/swlh/introduction-to-deep-learning-using-keras-and-tensorflow-part2-284746ab4442</a:t>
+            </a:r>
+          </a:p>
+        </p:txBody>
+      </p:sp>
+    </p:spTree>
+    <p:extLst>
+      <p:ext uri="{BB962C8B-B14F-4D97-AF65-F5344CB8AC3E}">
+        <p14:creationId xmlns:p14="http://schemas.microsoft.com/office/powerpoint/2010/main" val="3930004800"/>
+      </p:ext>
+    </p:extLst>
+  </p:cSld>
+  <p:clrMapOvr>
+    <a:masterClrMapping/>
+  </p:clrMapOvr>
+  <mc:AlternateContent xmlns:mc="http://schemas.openxmlformats.org/markup-compatibility/2006" xmlns:p14="http://schemas.microsoft.com/office/powerpoint/2010/main">
+    <mc:Choice Requires="p14">
+      <p:transition spd="med" p14:dur="700">
+        <p:fade/>
+      </p:transition>
+    </mc:Choice>
+    <mc:Fallback xmlns="">
+      <p:transition spd="med">
+        <p:fade/>
+      </p:transition>
+    </mc:Fallback>
+  </mc:AlternateContent>
+</p:sld>
+</file>
+
+<file path=ppt/slides/slide26.xml><?xml version="1.0" encoding="utf-8"?>
+<p:sld xmlns:a="http://schemas.openxmlformats.org/drawingml/2006/main" xmlns:r="http://schemas.openxmlformats.org/officeDocument/2006/relationships" xmlns:p="http://schemas.openxmlformats.org/presentationml/2006/main">
+  <p:cSld>
+    <p:spTree>
+      <p:nvGrpSpPr>
+        <p:cNvPr id="1" name=""/>
+        <p:cNvGrpSpPr/>
+        <p:nvPr/>
+      </p:nvGrpSpPr>
+      <p:grpSpPr>
+        <a:xfrm>
+          <a:off x="0" y="0"/>
+          <a:ext cx="0" cy="0"/>
+          <a:chOff x="0" y="0"/>
+          <a:chExt cx="0" cy="0"/>
+        </a:xfrm>
+      </p:grpSpPr>
       <p:sp>
         <p:nvSpPr>
           <p:cNvPr id="5" name="Content Placeholder 4">
@@ -10630,7 +15470,7 @@
 </p:sld>
 </file>
 
-<file path=ppt/slides/slide21.xml><?xml version="1.0" encoding="utf-8"?>
+<file path=ppt/slides/slide27.xml><?xml version="1.0" encoding="utf-8"?>
 <p:sld xmlns:a="http://schemas.openxmlformats.org/drawingml/2006/main" xmlns:r="http://schemas.openxmlformats.org/officeDocument/2006/relationships" xmlns:p="http://schemas.openxmlformats.org/presentationml/2006/main">
   <p:cSld>
     <p:spTree>
@@ -10672,7 +15512,7 @@
 </p:sld>
 </file>
 
-<file path=ppt/slides/slide22.xml><?xml version="1.0" encoding="utf-8"?>
+<file path=ppt/slides/slide28.xml><?xml version="1.0" encoding="utf-8"?>
 <p:sld xmlns:a="http://schemas.openxmlformats.org/drawingml/2006/main" xmlns:r="http://schemas.openxmlformats.org/officeDocument/2006/relationships" xmlns:p="http://schemas.openxmlformats.org/presentationml/2006/main">
   <p:cSld>
     <p:spTree>
@@ -10759,7 +15599,7 @@
 </p:sld>
 </file>
 
-<file path=ppt/slides/slide23.xml><?xml version="1.0" encoding="utf-8"?>
+<file path=ppt/slides/slide29.xml><?xml version="1.0" encoding="utf-8"?>
 <p:sld xmlns:a="http://schemas.openxmlformats.org/drawingml/2006/main" xmlns:r="http://schemas.openxmlformats.org/officeDocument/2006/relationships" xmlns:p="http://schemas.openxmlformats.org/presentationml/2006/main">
   <p:cSld>
     <p:spTree>
@@ -10831,205 +15671,6 @@
 </p:sld>
 </file>
 
-<file path=ppt/slides/slide24.xml><?xml version="1.0" encoding="utf-8"?>
-<p:sld xmlns:a="http://schemas.openxmlformats.org/drawingml/2006/main" xmlns:r="http://schemas.openxmlformats.org/officeDocument/2006/relationships" xmlns:p="http://schemas.openxmlformats.org/presentationml/2006/main">
-  <p:cSld>
-    <p:spTree>
-      <p:nvGrpSpPr>
-        <p:cNvPr id="1" name=""/>
-        <p:cNvGrpSpPr/>
-        <p:nvPr/>
-      </p:nvGrpSpPr>
-      <p:grpSpPr>
-        <a:xfrm>
-          <a:off x="0" y="0"/>
-          <a:ext cx="0" cy="0"/>
-          <a:chOff x="0" y="0"/>
-          <a:chExt cx="0" cy="0"/>
-        </a:xfrm>
-      </p:grpSpPr>
-      <p:pic>
-        <p:nvPicPr>
-          <p:cNvPr id="22" name="Picture 21">
-            <a:extLst>
-              <a:ext uri="{FF2B5EF4-FFF2-40B4-BE49-F238E27FC236}">
-                <a16:creationId xmlns:a16="http://schemas.microsoft.com/office/drawing/2014/main" id="{41F357F2-B52E-488D-B6C4-6C89B613C085}"/>
-              </a:ext>
-            </a:extLst>
-          </p:cNvPr>
-          <p:cNvPicPr>
-            <a:picLocks noChangeAspect="1"/>
-          </p:cNvPicPr>
-          <p:nvPr/>
-        </p:nvPicPr>
-        <p:blipFill>
-          <a:blip r:embed="rId3"/>
-          <a:stretch>
-            <a:fillRect/>
-          </a:stretch>
-        </p:blipFill>
-        <p:spPr>
-          <a:xfrm>
-            <a:off x="427985" y="3181352"/>
-            <a:ext cx="1931640" cy="1441523"/>
-          </a:xfrm>
-          <a:prstGeom prst="rect">
-            <a:avLst/>
-          </a:prstGeom>
-        </p:spPr>
-      </p:pic>
-      <p:sp>
-        <p:nvSpPr>
-          <p:cNvPr id="5" name="TextBox 4">
-            <a:extLst>
-              <a:ext uri="{FF2B5EF4-FFF2-40B4-BE49-F238E27FC236}">
-                <a16:creationId xmlns:a16="http://schemas.microsoft.com/office/drawing/2014/main" id="{86AFA5E5-2C43-44A4-95DB-2A0A6476895C}"/>
-              </a:ext>
-            </a:extLst>
-          </p:cNvPr>
-          <p:cNvSpPr txBox="1"/>
-          <p:nvPr/>
-        </p:nvSpPr>
-        <p:spPr>
-          <a:xfrm>
-            <a:off x="0" y="6550223"/>
-            <a:ext cx="12192000" cy="307777"/>
-          </a:xfrm>
-          <a:prstGeom prst="rect">
-            <a:avLst/>
-          </a:prstGeom>
-          <a:noFill/>
-        </p:spPr>
-        <p:txBody>
-          <a:bodyPr wrap="square" rtlCol="0">
-            <a:spAutoFit/>
-          </a:bodyPr>
-          <a:lstStyle/>
-          <a:p>
-            <a:r>
-              <a:rPr lang="en-US" sz="1400" dirty="0">
-                <a:solidFill>
-                  <a:schemeClr val="tx1">
-                    <a:lumMod val="65000"/>
-                    <a:lumOff val="35000"/>
-                  </a:schemeClr>
-                </a:solidFill>
-                <a:latin typeface="+mj-lt"/>
-                <a:ea typeface="Verdana" panose="020B0604030504040204" pitchFamily="34" charset="0"/>
-              </a:rPr>
-              <a:t>Source: Taylor, M. (2017). </a:t>
-            </a:r>
-            <a:r>
-              <a:rPr lang="en-US" sz="1400" i="1" dirty="0">
-                <a:solidFill>
-                  <a:schemeClr val="tx1">
-                    <a:lumMod val="65000"/>
-                    <a:lumOff val="35000"/>
-                  </a:schemeClr>
-                </a:solidFill>
-                <a:latin typeface="+mj-lt"/>
-                <a:ea typeface="Verdana" panose="020B0604030504040204" pitchFamily="34" charset="0"/>
-              </a:rPr>
-              <a:t>Neural networks: A visual introduction for beginners</a:t>
-            </a:r>
-            <a:r>
-              <a:rPr lang="en-US" sz="1400" dirty="0">
-                <a:solidFill>
-                  <a:schemeClr val="tx1">
-                    <a:lumMod val="65000"/>
-                    <a:lumOff val="35000"/>
-                  </a:schemeClr>
-                </a:solidFill>
-                <a:latin typeface="+mj-lt"/>
-                <a:ea typeface="Verdana" panose="020B0604030504040204" pitchFamily="34" charset="0"/>
-              </a:rPr>
-              <a:t>. Vancouver, Canada</a:t>
-            </a:r>
-            <a:r>
-              <a:rPr lang="en-US" sz="1400" b="0" i="0" dirty="0">
-                <a:solidFill>
-                  <a:schemeClr val="tx1">
-                    <a:lumMod val="65000"/>
-                    <a:lumOff val="35000"/>
-                  </a:schemeClr>
-                </a:solidFill>
-                <a:effectLst/>
-                <a:latin typeface="+mj-lt"/>
-                <a:ea typeface="Verdana" panose="020B0604030504040204" pitchFamily="34" charset="0"/>
-              </a:rPr>
-              <a:t>: Blue Windmill Media</a:t>
-            </a:r>
-            <a:r>
-              <a:rPr lang="en-US" sz="1400" dirty="0">
-                <a:solidFill>
-                  <a:schemeClr val="tx1">
-                    <a:lumMod val="65000"/>
-                    <a:lumOff val="35000"/>
-                  </a:schemeClr>
-                </a:solidFill>
-                <a:latin typeface="+mj-lt"/>
-                <a:ea typeface="Verdana" panose="020B0604030504040204" pitchFamily="34" charset="0"/>
-              </a:rPr>
-              <a:t>.</a:t>
-            </a:r>
-          </a:p>
-        </p:txBody>
-      </p:sp>
-      <p:pic>
-        <p:nvPicPr>
-          <p:cNvPr id="7" name="Picture 6">
-            <a:extLst>
-              <a:ext uri="{FF2B5EF4-FFF2-40B4-BE49-F238E27FC236}">
-                <a16:creationId xmlns:a16="http://schemas.microsoft.com/office/drawing/2014/main" id="{40A80263-667F-4A46-90DC-4B62AC3AC0E8}"/>
-              </a:ext>
-            </a:extLst>
-          </p:cNvPr>
-          <p:cNvPicPr>
-            <a:picLocks noChangeAspect="1"/>
-          </p:cNvPicPr>
-          <p:nvPr/>
-        </p:nvPicPr>
-        <p:blipFill>
-          <a:blip r:embed="rId4"/>
-          <a:stretch>
-            <a:fillRect/>
-          </a:stretch>
-        </p:blipFill>
-        <p:spPr>
-          <a:xfrm>
-            <a:off x="2359625" y="266837"/>
-            <a:ext cx="8804054" cy="5829030"/>
-          </a:xfrm>
-          <a:prstGeom prst="rect">
-            <a:avLst/>
-          </a:prstGeom>
-        </p:spPr>
-      </p:pic>
-    </p:spTree>
-    <p:extLst>
-      <p:ext uri="{BB962C8B-B14F-4D97-AF65-F5344CB8AC3E}">
-        <p14:creationId xmlns:p14="http://schemas.microsoft.com/office/powerpoint/2010/main" val="1522564768"/>
-      </p:ext>
-    </p:extLst>
-  </p:cSld>
-  <p:clrMapOvr>
-    <a:masterClrMapping/>
-  </p:clrMapOvr>
-  <mc:AlternateContent xmlns:mc="http://schemas.openxmlformats.org/markup-compatibility/2006" xmlns:p14="http://schemas.microsoft.com/office/powerpoint/2010/main">
-    <mc:Choice Requires="p14">
-      <p:transition spd="med" p14:dur="700">
-        <p:fade/>
-      </p:transition>
-    </mc:Choice>
-    <mc:Fallback xmlns="">
-      <p:transition spd="med">
-        <p:fade/>
-      </p:transition>
-    </mc:Fallback>
-  </mc:AlternateContent>
-</p:sld>
-</file>
-
 <file path=ppt/slides/slide3.xml><?xml version="1.0" encoding="utf-8"?>
 <p:sld xmlns:a="http://schemas.openxmlformats.org/drawingml/2006/main" xmlns:r="http://schemas.openxmlformats.org/officeDocument/2006/relationships" xmlns:p="http://schemas.openxmlformats.org/presentationml/2006/main">
   <p:cSld>
@@ -11079,10 +15720,10 @@
       </p:pic>
       <p:pic>
         <p:nvPicPr>
-          <p:cNvPr id="12" name="Picture 11">
-            <a:extLst>
-              <a:ext uri="{FF2B5EF4-FFF2-40B4-BE49-F238E27FC236}">
-                <a16:creationId xmlns:a16="http://schemas.microsoft.com/office/drawing/2014/main" id="{8F9CB138-4226-47B1-BAF7-A7F5B503F4CF}"/>
+          <p:cNvPr id="4" name="Picture 3">
+            <a:extLst>
+              <a:ext uri="{FF2B5EF4-FFF2-40B4-BE49-F238E27FC236}">
+                <a16:creationId xmlns:a16="http://schemas.microsoft.com/office/drawing/2014/main" id="{10DEF40C-AD54-4CE0-B1EA-07604F5909B7}"/>
               </a:ext>
             </a:extLst>
           </p:cNvPr>
@@ -11093,36 +15734,6 @@
         </p:nvPicPr>
         <p:blipFill>
           <a:blip r:embed="rId4"/>
-          <a:stretch>
-            <a:fillRect/>
-          </a:stretch>
-        </p:blipFill>
-        <p:spPr>
-          <a:xfrm>
-            <a:off x="5274097" y="3028906"/>
-            <a:ext cx="959695" cy="517483"/>
-          </a:xfrm>
-          <a:prstGeom prst="rect">
-            <a:avLst/>
-          </a:prstGeom>
-        </p:spPr>
-      </p:pic>
-      <p:pic>
-        <p:nvPicPr>
-          <p:cNvPr id="4" name="Picture 3">
-            <a:extLst>
-              <a:ext uri="{FF2B5EF4-FFF2-40B4-BE49-F238E27FC236}">
-                <a16:creationId xmlns:a16="http://schemas.microsoft.com/office/drawing/2014/main" id="{10DEF40C-AD54-4CE0-B1EA-07604F5909B7}"/>
-              </a:ext>
-            </a:extLst>
-          </p:cNvPr>
-          <p:cNvPicPr>
-            <a:picLocks noChangeAspect="1"/>
-          </p:cNvPicPr>
-          <p:nvPr/>
-        </p:nvPicPr>
-        <p:blipFill>
-          <a:blip r:embed="rId5"/>
           <a:stretch>
             <a:fillRect/>
           </a:stretch>
@@ -11139,10 +15750,10 @@
       </p:pic>
       <p:pic>
         <p:nvPicPr>
-          <p:cNvPr id="6" name="Picture 5">
-            <a:extLst>
-              <a:ext uri="{FF2B5EF4-FFF2-40B4-BE49-F238E27FC236}">
-                <a16:creationId xmlns:a16="http://schemas.microsoft.com/office/drawing/2014/main" id="{3C40C2E3-FF77-4F69-AEFB-A166706E3700}"/>
+          <p:cNvPr id="14" name="Picture 13">
+            <a:extLst>
+              <a:ext uri="{FF2B5EF4-FFF2-40B4-BE49-F238E27FC236}">
+                <a16:creationId xmlns:a16="http://schemas.microsoft.com/office/drawing/2014/main" id="{26314CED-D57E-48DE-A275-9F18CF1F0FC3}"/>
               </a:ext>
             </a:extLst>
           </p:cNvPr>
@@ -11152,37 +15763,7 @@
           <p:nvPr/>
         </p:nvPicPr>
         <p:blipFill>
-          <a:blip r:embed="rId6"/>
-          <a:stretch>
-            <a:fillRect/>
-          </a:stretch>
-        </p:blipFill>
-        <p:spPr>
-          <a:xfrm>
-            <a:off x="7655990" y="5025526"/>
-            <a:ext cx="3386262" cy="574692"/>
-          </a:xfrm>
-          <a:prstGeom prst="rect">
-            <a:avLst/>
-          </a:prstGeom>
-        </p:spPr>
-      </p:pic>
-      <p:pic>
-        <p:nvPicPr>
-          <p:cNvPr id="14" name="Picture 13">
-            <a:extLst>
-              <a:ext uri="{FF2B5EF4-FFF2-40B4-BE49-F238E27FC236}">
-                <a16:creationId xmlns:a16="http://schemas.microsoft.com/office/drawing/2014/main" id="{26314CED-D57E-48DE-A275-9F18CF1F0FC3}"/>
-              </a:ext>
-            </a:extLst>
-          </p:cNvPr>
-          <p:cNvPicPr>
-            <a:picLocks noChangeAspect="1"/>
-          </p:cNvPicPr>
-          <p:nvPr/>
-        </p:nvPicPr>
-        <p:blipFill>
-          <a:blip r:embed="rId7"/>
+          <a:blip r:embed="rId5"/>
           <a:stretch>
             <a:fillRect/>
           </a:stretch>
@@ -11197,6 +15778,165 @@
           </a:prstGeom>
         </p:spPr>
       </p:pic>
+      <p:pic>
+        <p:nvPicPr>
+          <p:cNvPr id="9" name="Picture 8">
+            <a:extLst>
+              <a:ext uri="{FF2B5EF4-FFF2-40B4-BE49-F238E27FC236}">
+                <a16:creationId xmlns:a16="http://schemas.microsoft.com/office/drawing/2014/main" id="{DC8DA59B-11C1-41E5-AABE-7DE6105E3AD0}"/>
+              </a:ext>
+            </a:extLst>
+          </p:cNvPr>
+          <p:cNvPicPr>
+            <a:picLocks noChangeAspect="1"/>
+          </p:cNvPicPr>
+          <p:nvPr/>
+        </p:nvPicPr>
+        <p:blipFill>
+          <a:blip r:embed="rId6"/>
+          <a:stretch>
+            <a:fillRect/>
+          </a:stretch>
+        </p:blipFill>
+        <p:spPr>
+          <a:xfrm>
+            <a:off x="7735871" y="5025298"/>
+            <a:ext cx="3810299" cy="578667"/>
+          </a:xfrm>
+          <a:prstGeom prst="rect">
+            <a:avLst/>
+          </a:prstGeom>
+        </p:spPr>
+      </p:pic>
+      <p:sp>
+        <p:nvSpPr>
+          <p:cNvPr id="13" name="TextBox 12">
+            <a:extLst>
+              <a:ext uri="{FF2B5EF4-FFF2-40B4-BE49-F238E27FC236}">
+                <a16:creationId xmlns:a16="http://schemas.microsoft.com/office/drawing/2014/main" id="{25B03F2F-204C-4DD2-A277-0F812391D300}"/>
+              </a:ext>
+            </a:extLst>
+          </p:cNvPr>
+          <p:cNvSpPr txBox="1"/>
+          <p:nvPr/>
+        </p:nvSpPr>
+        <p:spPr>
+          <a:xfrm>
+            <a:off x="4640759" y="3741284"/>
+            <a:ext cx="2093866" cy="338554"/>
+          </a:xfrm>
+          <a:prstGeom prst="rect">
+            <a:avLst/>
+          </a:prstGeom>
+          <a:noFill/>
+        </p:spPr>
+        <p:txBody>
+          <a:bodyPr wrap="square">
+            <a:spAutoFit/>
+          </a:bodyPr>
+          <a:lstStyle/>
+          <a:p>
+            <a:pPr algn="ctr"/>
+            <a:r>
+              <a:rPr lang="en-US" sz="1600" dirty="0">
+                <a:solidFill>
+                  <a:srgbClr val="6C9AC3"/>
+                </a:solidFill>
+                <a:latin typeface="+mj-lt"/>
+              </a:rPr>
+              <a:t>Output (o)     </a:t>
+            </a:r>
+            <a:r>
+              <a:rPr lang="en-US" sz="1600" b="0" i="0" u="none" strike="noStrike" dirty="0">
+                <a:solidFill>
+                  <a:srgbClr val="6C9AC3"/>
+                </a:solidFill>
+                <a:latin typeface="+mj-lt"/>
+              </a:rPr>
+              <a:t>(</a:t>
+            </a:r>
+            <a:r>
+              <a:rPr lang="el-GR" sz="1600" dirty="0">
+                <a:solidFill>
+                  <a:srgbClr val="6C9AC3"/>
+                </a:solidFill>
+                <a:latin typeface="+mj-lt"/>
+              </a:rPr>
+              <a:t>δ</a:t>
+            </a:r>
+            <a:r>
+              <a:rPr lang="en-US" sz="1600" b="0" i="0" u="none" strike="noStrike" dirty="0">
+                <a:solidFill>
+                  <a:srgbClr val="6C9AC3"/>
+                </a:solidFill>
+                <a:latin typeface="+mj-lt"/>
+              </a:rPr>
+              <a:t>) Delta</a:t>
+            </a:r>
+            <a:endParaRPr lang="en-US" sz="1600" dirty="0">
+              <a:solidFill>
+                <a:srgbClr val="6C9AC3"/>
+              </a:solidFill>
+              <a:latin typeface="+mj-lt"/>
+            </a:endParaRPr>
+          </a:p>
+        </p:txBody>
+      </p:sp>
+      <p:sp>
+        <p:nvSpPr>
+          <p:cNvPr id="10" name="TextBox 9">
+            <a:extLst>
+              <a:ext uri="{FF2B5EF4-FFF2-40B4-BE49-F238E27FC236}">
+                <a16:creationId xmlns:a16="http://schemas.microsoft.com/office/drawing/2014/main" id="{288F9674-34D7-47BA-899F-23D96CCBC9D0}"/>
+              </a:ext>
+            </a:extLst>
+          </p:cNvPr>
+          <p:cNvSpPr txBox="1"/>
+          <p:nvPr/>
+        </p:nvSpPr>
+        <p:spPr>
+          <a:xfrm>
+            <a:off x="5375470" y="3112692"/>
+            <a:ext cx="830122" cy="338554"/>
+          </a:xfrm>
+          <a:prstGeom prst="rect">
+            <a:avLst/>
+          </a:prstGeom>
+          <a:noFill/>
+        </p:spPr>
+        <p:txBody>
+          <a:bodyPr wrap="square">
+            <a:spAutoFit/>
+          </a:bodyPr>
+          <a:lstStyle/>
+          <a:p>
+            <a:r>
+              <a:rPr lang="en-US" sz="1600" b="1" dirty="0">
+                <a:solidFill>
+                  <a:srgbClr val="6C9AC3"/>
+                </a:solidFill>
+                <a:latin typeface="+mj-lt"/>
+              </a:rPr>
+              <a:t>o       </a:t>
+            </a:r>
+            <a:r>
+              <a:rPr lang="el-GR" sz="1600" b="1" dirty="0">
+                <a:solidFill>
+                  <a:srgbClr val="6C9AC3"/>
+                </a:solidFill>
+                <a:latin typeface="+mj-lt"/>
+              </a:rPr>
+              <a:t>δ</a:t>
+            </a:r>
+            <a:endParaRPr lang="en-US" sz="1600" b="1" dirty="0">
+              <a:solidFill>
+                <a:srgbClr val="6C9AC3"/>
+              </a:solidFill>
+              <a:latin typeface="+mj-lt"/>
+            </a:endParaRPr>
+          </a:p>
+        </p:txBody>
+      </p:sp>
     </p:spTree>
     <p:extLst>
       <p:ext uri="{BB962C8B-B14F-4D97-AF65-F5344CB8AC3E}">
@@ -11293,7 +16033,7 @@
                             </p:stCondLst>
                             <p:childTnLst>
                               <p:par>
-                                <p:cTn id="10" presetID="10" presetClass="entr" presetSubtype="0" fill="hold" nodeType="clickEffect">
+                                <p:cTn id="10" presetID="10" presetClass="entr" presetSubtype="0" fill="hold" grpId="0" nodeType="clickEffect">
                                   <p:stCondLst>
                                     <p:cond delay="0"/>
                                   </p:stCondLst>
@@ -11306,7 +16046,7 @@
                                           </p:stCondLst>
                                         </p:cTn>
                                         <p:tgtEl>
-                                          <p:spTgt spid="12"/>
+                                          <p:spTgt spid="10"/>
                                         </p:tgtEl>
                                         <p:attrNameLst>
                                           <p:attrName>style.visibility</p:attrName>
@@ -11320,7 +16060,42 @@
                                       <p:cBhvr>
                                         <p:cTn id="12" dur="500"/>
                                         <p:tgtEl>
-                                          <p:spTgt spid="12"/>
+                                          <p:spTgt spid="10"/>
+                                        </p:tgtEl>
+                                      </p:cBhvr>
+                                    </p:animEffect>
+                                  </p:childTnLst>
+                                </p:cTn>
+                              </p:par>
+                              <p:par>
+                                <p:cTn id="13" presetID="10" presetClass="entr" presetSubtype="0" fill="hold" grpId="0" nodeType="withEffect">
+                                  <p:stCondLst>
+                                    <p:cond delay="0"/>
+                                  </p:stCondLst>
+                                  <p:childTnLst>
+                                    <p:set>
+                                      <p:cBhvr>
+                                        <p:cTn id="14" dur="1" fill="hold">
+                                          <p:stCondLst>
+                                            <p:cond delay="0"/>
+                                          </p:stCondLst>
+                                        </p:cTn>
+                                        <p:tgtEl>
+                                          <p:spTgt spid="13"/>
+                                        </p:tgtEl>
+                                        <p:attrNameLst>
+                                          <p:attrName>style.visibility</p:attrName>
+                                        </p:attrNameLst>
+                                      </p:cBhvr>
+                                      <p:to>
+                                        <p:strVal val="visible"/>
+                                      </p:to>
+                                    </p:set>
+                                    <p:animEffect transition="in" filter="fade">
+                                      <p:cBhvr>
+                                        <p:cTn id="15" dur="500"/>
+                                        <p:tgtEl>
+                                          <p:spTgt spid="13"/>
                                         </p:tgtEl>
                                       </p:cBhvr>
                                     </p:animEffect>
@@ -11354,7 +16129,210 @@
         </p:cTn>
       </p:par>
     </p:tnLst>
+    <p:bldLst>
+      <p:bldP spid="13" grpId="0"/>
+      <p:bldP spid="10" grpId="0"/>
+    </p:bldLst>
   </p:timing>
+</p:sld>
+</file>
+
+<file path=ppt/slides/slide30.xml><?xml version="1.0" encoding="utf-8"?>
+<p:sld xmlns:a="http://schemas.openxmlformats.org/drawingml/2006/main" xmlns:r="http://schemas.openxmlformats.org/officeDocument/2006/relationships" xmlns:p="http://schemas.openxmlformats.org/presentationml/2006/main">
+  <p:cSld>
+    <p:spTree>
+      <p:nvGrpSpPr>
+        <p:cNvPr id="1" name=""/>
+        <p:cNvGrpSpPr/>
+        <p:nvPr/>
+      </p:nvGrpSpPr>
+      <p:grpSpPr>
+        <a:xfrm>
+          <a:off x="0" y="0"/>
+          <a:ext cx="0" cy="0"/>
+          <a:chOff x="0" y="0"/>
+          <a:chExt cx="0" cy="0"/>
+        </a:xfrm>
+      </p:grpSpPr>
+      <p:pic>
+        <p:nvPicPr>
+          <p:cNvPr id="22" name="Picture 21">
+            <a:extLst>
+              <a:ext uri="{FF2B5EF4-FFF2-40B4-BE49-F238E27FC236}">
+                <a16:creationId xmlns:a16="http://schemas.microsoft.com/office/drawing/2014/main" id="{41F357F2-B52E-488D-B6C4-6C89B613C085}"/>
+              </a:ext>
+            </a:extLst>
+          </p:cNvPr>
+          <p:cNvPicPr>
+            <a:picLocks noChangeAspect="1"/>
+          </p:cNvPicPr>
+          <p:nvPr/>
+        </p:nvPicPr>
+        <p:blipFill>
+          <a:blip r:embed="rId3"/>
+          <a:stretch>
+            <a:fillRect/>
+          </a:stretch>
+        </p:blipFill>
+        <p:spPr>
+          <a:xfrm>
+            <a:off x="427985" y="3181352"/>
+            <a:ext cx="1931640" cy="1441523"/>
+          </a:xfrm>
+          <a:prstGeom prst="rect">
+            <a:avLst/>
+          </a:prstGeom>
+        </p:spPr>
+      </p:pic>
+      <p:sp>
+        <p:nvSpPr>
+          <p:cNvPr id="5" name="TextBox 4">
+            <a:extLst>
+              <a:ext uri="{FF2B5EF4-FFF2-40B4-BE49-F238E27FC236}">
+                <a16:creationId xmlns:a16="http://schemas.microsoft.com/office/drawing/2014/main" id="{86AFA5E5-2C43-44A4-95DB-2A0A6476895C}"/>
+              </a:ext>
+            </a:extLst>
+          </p:cNvPr>
+          <p:cNvSpPr txBox="1"/>
+          <p:nvPr/>
+        </p:nvSpPr>
+        <p:spPr>
+          <a:xfrm>
+            <a:off x="0" y="6550223"/>
+            <a:ext cx="12192000" cy="307777"/>
+          </a:xfrm>
+          <a:prstGeom prst="rect">
+            <a:avLst/>
+          </a:prstGeom>
+          <a:noFill/>
+        </p:spPr>
+        <p:txBody>
+          <a:bodyPr wrap="square" rtlCol="0">
+            <a:spAutoFit/>
+          </a:bodyPr>
+          <a:lstStyle/>
+          <a:p>
+            <a:r>
+              <a:rPr lang="en-US" sz="1400" dirty="0">
+                <a:solidFill>
+                  <a:schemeClr val="tx1">
+                    <a:lumMod val="65000"/>
+                    <a:lumOff val="35000"/>
+                  </a:schemeClr>
+                </a:solidFill>
+                <a:latin typeface="+mj-lt"/>
+                <a:ea typeface="Verdana" panose="020B0604030504040204" pitchFamily="34" charset="0"/>
+              </a:rPr>
+              <a:t>Source: Taylor, M. (2017). </a:t>
+            </a:r>
+            <a:r>
+              <a:rPr lang="en-US" sz="1400" i="1" dirty="0">
+                <a:solidFill>
+                  <a:schemeClr val="tx1">
+                    <a:lumMod val="65000"/>
+                    <a:lumOff val="35000"/>
+                  </a:schemeClr>
+                </a:solidFill>
+                <a:latin typeface="+mj-lt"/>
+                <a:ea typeface="Verdana" panose="020B0604030504040204" pitchFamily="34" charset="0"/>
+              </a:rPr>
+              <a:t>Neural networks: A visual introduction for beginners</a:t>
+            </a:r>
+            <a:r>
+              <a:rPr lang="en-US" sz="1400" dirty="0">
+                <a:solidFill>
+                  <a:schemeClr val="tx1">
+                    <a:lumMod val="65000"/>
+                    <a:lumOff val="35000"/>
+                  </a:schemeClr>
+                </a:solidFill>
+                <a:latin typeface="+mj-lt"/>
+                <a:ea typeface="Verdana" panose="020B0604030504040204" pitchFamily="34" charset="0"/>
+              </a:rPr>
+              <a:t>. Vancouver, Canada</a:t>
+            </a:r>
+            <a:r>
+              <a:rPr lang="en-US" sz="1400" b="0" i="0" dirty="0">
+                <a:solidFill>
+                  <a:schemeClr val="tx1">
+                    <a:lumMod val="65000"/>
+                    <a:lumOff val="35000"/>
+                  </a:schemeClr>
+                </a:solidFill>
+                <a:effectLst/>
+                <a:latin typeface="+mj-lt"/>
+                <a:ea typeface="Verdana" panose="020B0604030504040204" pitchFamily="34" charset="0"/>
+              </a:rPr>
+              <a:t>: Blue Windmill Media</a:t>
+            </a:r>
+            <a:r>
+              <a:rPr lang="en-US" sz="1400" dirty="0">
+                <a:solidFill>
+                  <a:schemeClr val="tx1">
+                    <a:lumMod val="65000"/>
+                    <a:lumOff val="35000"/>
+                  </a:schemeClr>
+                </a:solidFill>
+                <a:latin typeface="+mj-lt"/>
+                <a:ea typeface="Verdana" panose="020B0604030504040204" pitchFamily="34" charset="0"/>
+              </a:rPr>
+              <a:t>.</a:t>
+            </a:r>
+          </a:p>
+        </p:txBody>
+      </p:sp>
+      <p:pic>
+        <p:nvPicPr>
+          <p:cNvPr id="7" name="Picture 6">
+            <a:extLst>
+              <a:ext uri="{FF2B5EF4-FFF2-40B4-BE49-F238E27FC236}">
+                <a16:creationId xmlns:a16="http://schemas.microsoft.com/office/drawing/2014/main" id="{40A80263-667F-4A46-90DC-4B62AC3AC0E8}"/>
+              </a:ext>
+            </a:extLst>
+          </p:cNvPr>
+          <p:cNvPicPr>
+            <a:picLocks noChangeAspect="1"/>
+          </p:cNvPicPr>
+          <p:nvPr/>
+        </p:nvPicPr>
+        <p:blipFill>
+          <a:blip r:embed="rId4"/>
+          <a:stretch>
+            <a:fillRect/>
+          </a:stretch>
+        </p:blipFill>
+        <p:spPr>
+          <a:xfrm>
+            <a:off x="2359625" y="266837"/>
+            <a:ext cx="8804054" cy="5829030"/>
+          </a:xfrm>
+          <a:prstGeom prst="rect">
+            <a:avLst/>
+          </a:prstGeom>
+        </p:spPr>
+      </p:pic>
+    </p:spTree>
+    <p:extLst>
+      <p:ext uri="{BB962C8B-B14F-4D97-AF65-F5344CB8AC3E}">
+        <p14:creationId xmlns:p14="http://schemas.microsoft.com/office/powerpoint/2010/main" val="1522564768"/>
+      </p:ext>
+    </p:extLst>
+  </p:cSld>
+  <p:clrMapOvr>
+    <a:masterClrMapping/>
+  </p:clrMapOvr>
+  <mc:AlternateContent xmlns:mc="http://schemas.openxmlformats.org/markup-compatibility/2006" xmlns:p14="http://schemas.microsoft.com/office/powerpoint/2010/main">
+    <mc:Choice Requires="p14">
+      <p:transition spd="med" p14:dur="700">
+        <p:fade/>
+      </p:transition>
+    </mc:Choice>
+    <mc:Fallback xmlns="">
+      <p:transition spd="med">
+        <p:fade/>
+      </p:transition>
+    </mc:Fallback>
+  </mc:AlternateContent>
 </p:sld>
 </file>
 

--- a/presentations/03_gradient_descent.pptx
+++ b/presentations/03_gradient_descent.pptx
@@ -5,7 +5,7 @@
     <p:sldMasterId id="2147483648" r:id="rId1"/>
   </p:sldMasterIdLst>
   <p:notesMasterIdLst>
-    <p:notesMasterId r:id="rId32"/>
+    <p:notesMasterId r:id="rId34"/>
   </p:notesMasterIdLst>
   <p:sldIdLst>
     <p:sldId id="322" r:id="rId2"/>
@@ -17,27 +17,29 @@
     <p:sldId id="306" r:id="rId8"/>
     <p:sldId id="307" r:id="rId9"/>
     <p:sldId id="303" r:id="rId10"/>
-    <p:sldId id="308" r:id="rId11"/>
-    <p:sldId id="313" r:id="rId12"/>
-    <p:sldId id="294" r:id="rId13"/>
-    <p:sldId id="329" r:id="rId14"/>
-    <p:sldId id="325" r:id="rId15"/>
-    <p:sldId id="331" r:id="rId16"/>
-    <p:sldId id="330" r:id="rId17"/>
-    <p:sldId id="311" r:id="rId18"/>
-    <p:sldId id="256" r:id="rId19"/>
-    <p:sldId id="257" r:id="rId20"/>
-    <p:sldId id="262" r:id="rId21"/>
-    <p:sldId id="261" r:id="rId22"/>
-    <p:sldId id="260" r:id="rId23"/>
-    <p:sldId id="258" r:id="rId24"/>
-    <p:sldId id="259" r:id="rId25"/>
-    <p:sldId id="334" r:id="rId26"/>
-    <p:sldId id="289" r:id="rId27"/>
-    <p:sldId id="328" r:id="rId28"/>
-    <p:sldId id="332" r:id="rId29"/>
-    <p:sldId id="305" r:id="rId30"/>
-    <p:sldId id="324" r:id="rId31"/>
+    <p:sldId id="336" r:id="rId11"/>
+    <p:sldId id="308" r:id="rId12"/>
+    <p:sldId id="313" r:id="rId13"/>
+    <p:sldId id="294" r:id="rId14"/>
+    <p:sldId id="329" r:id="rId15"/>
+    <p:sldId id="325" r:id="rId16"/>
+    <p:sldId id="331" r:id="rId17"/>
+    <p:sldId id="330" r:id="rId18"/>
+    <p:sldId id="311" r:id="rId19"/>
+    <p:sldId id="256" r:id="rId20"/>
+    <p:sldId id="257" r:id="rId21"/>
+    <p:sldId id="262" r:id="rId22"/>
+    <p:sldId id="261" r:id="rId23"/>
+    <p:sldId id="260" r:id="rId24"/>
+    <p:sldId id="258" r:id="rId25"/>
+    <p:sldId id="259" r:id="rId26"/>
+    <p:sldId id="334" r:id="rId27"/>
+    <p:sldId id="289" r:id="rId28"/>
+    <p:sldId id="335" r:id="rId29"/>
+    <p:sldId id="328" r:id="rId30"/>
+    <p:sldId id="332" r:id="rId31"/>
+    <p:sldId id="305" r:id="rId32"/>
+    <p:sldId id="324" r:id="rId33"/>
   </p:sldIdLst>
   <p:sldSz cx="12192000" cy="6858000"/>
   <p:notesSz cx="6858000" cy="9144000"/>
@@ -237,7 +239,7 @@
           <a:p>
             <a:fld id="{FD93C9B2-20F6-4DB1-B471-224337D0AC79}" type="datetimeFigureOut">
               <a:rPr lang="en-US" smtClean="0"/>
-              <a:t>6/13/2022</a:t>
+              <a:t>6/24/2022</a:t>
             </a:fld>
             <a:endParaRPr lang="en-US"/>
           </a:p>
@@ -668,55 +670,84 @@
                   <a:srgbClr val="3C3C3B"/>
                 </a:solidFill>
                 <a:effectLst/>
-                <a:latin typeface="Calibri" panose="020F0502020204030204" pitchFamily="34" charset="0"/>
-                <a:cs typeface="Calibri" panose="020F0502020204030204" pitchFamily="34" charset="0"/>
-              </a:rPr>
-              <a:t>In complex cases like this, finding the global minimum can be a challenge.  Consider this image.  If the start point is on the left, then gradient descent will converge to a </a:t>
-            </a:r>
-            <a:r>
-              <a:rPr lang="en-US" b="1" i="0" dirty="0">
+                <a:latin typeface="+mn-lt"/>
+              </a:rPr>
+              <a:t>The architecture of the model determines the contour of the loss function.   Here we see the loss surface of a ResNet-56 model, with and without skip connections.  (Skip connections allow us to jump over some of the layers in a neural network.  They act as short-cuts.)  As we see, a slight change in model architecture often has a dramatic effect on the loss contour and whether a model is or is not trainable.</a:t>
+            </a:r>
+          </a:p>
+          <a:p>
+            <a:endParaRPr lang="en-US" b="0" i="0" dirty="0">
+              <a:solidFill>
+                <a:srgbClr val="3C3C3B"/>
+              </a:solidFill>
+              <a:effectLst/>
+              <a:latin typeface="+mn-lt"/>
+            </a:endParaRPr>
+          </a:p>
+          <a:p>
+            <a:pPr marL="0" marR="0" lvl="0" indent="0" algn="l" defTabSz="914400" rtl="0" eaLnBrk="1" fontAlgn="auto" latinLnBrk="0" hangingPunct="1">
+              <a:lnSpc>
+                <a:spcPct val="100000"/>
+              </a:lnSpc>
+              <a:spcBef>
+                <a:spcPts val="0"/>
+              </a:spcBef>
+              <a:spcAft>
+                <a:spcPts val="0"/>
+              </a:spcAft>
+              <a:buClrTx/>
+              <a:buSzTx/>
+              <a:buFontTx/>
+              <a:buNone/>
+              <a:tabLst/>
+              <a:defRPr/>
+            </a:pPr>
+            <a:r>
+              <a:rPr lang="en-US" b="0" i="0" dirty="0">
                 <a:solidFill>
                   <a:srgbClr val="3C3C3B"/>
                 </a:solidFill>
+                <a:effectLst/>
+                <a:latin typeface="+mn-lt"/>
+              </a:rPr>
+              <a:t>Article Link: </a:t>
+            </a:r>
+            <a:r>
+              <a:rPr lang="en-US" sz="1800" dirty="0">
                 <a:effectLst/>
                 <a:latin typeface="Calibri" panose="020F0502020204030204" pitchFamily="34" charset="0"/>
-                <a:cs typeface="Calibri" panose="020F0502020204030204" pitchFamily="34" charset="0"/>
-              </a:rPr>
-              <a:t>local minimum</a:t>
-            </a:r>
-            <a:r>
-              <a:rPr lang="en-US" b="0" i="0" dirty="0">
-                <a:solidFill>
-                  <a:srgbClr val="3C3C3B"/>
-                </a:solidFill>
-                <a:effectLst/>
-                <a:latin typeface="Calibri" panose="020F0502020204030204" pitchFamily="34" charset="0"/>
-                <a:cs typeface="Calibri" panose="020F0502020204030204" pitchFamily="34" charset="0"/>
-              </a:rPr>
-              <a:t>, which is not as good as the </a:t>
-            </a:r>
-            <a:r>
-              <a:rPr lang="en-US" b="1" i="0" dirty="0">
-                <a:solidFill>
-                  <a:srgbClr val="3C3C3B"/>
-                </a:solidFill>
-                <a:effectLst/>
-                <a:latin typeface="Calibri" panose="020F0502020204030204" pitchFamily="34" charset="0"/>
-                <a:cs typeface="Calibri" panose="020F0502020204030204" pitchFamily="34" charset="0"/>
-              </a:rPr>
-              <a:t>global minimum</a:t>
-            </a:r>
-            <a:r>
-              <a:rPr lang="en-US" b="0" i="0" dirty="0">
-                <a:solidFill>
-                  <a:srgbClr val="3C3C3B"/>
-                </a:solidFill>
-                <a:effectLst/>
-                <a:latin typeface="Calibri" panose="020F0502020204030204" pitchFamily="34" charset="0"/>
-                <a:cs typeface="Calibri" panose="020F0502020204030204" pitchFamily="34" charset="0"/>
-              </a:rPr>
-              <a:t>.  If the starting point is on the right, then it may take a long time to cross the plateau.  And if you stop too early, you will never reach the global minimum.  So, is there a solution to this problem?</a:t>
-            </a:r>
+                <a:ea typeface="Malgun Gothic" panose="020B0503020000020004" pitchFamily="34" charset="-127"/>
+                <a:cs typeface="Times New Roman" panose="02020603050405020304" pitchFamily="18" charset="0"/>
+              </a:rPr>
+              <a:t>https://proceedings.neurips.cc/paper/2018/file/a41b3bb3e6b050b6c9067c67f663b915-Paper.pdf</a:t>
+            </a:r>
+          </a:p>
+          <a:p>
+            <a:endParaRPr lang="en-US" b="0" i="0" dirty="0">
+              <a:solidFill>
+                <a:srgbClr val="3C3C3B"/>
+              </a:solidFill>
+              <a:effectLst/>
+              <a:latin typeface="+mn-lt"/>
+            </a:endParaRPr>
+          </a:p>
+          <a:p>
+            <a:endParaRPr lang="en-US" b="0" i="0" dirty="0">
+              <a:solidFill>
+                <a:srgbClr val="3C3C3B"/>
+              </a:solidFill>
+              <a:effectLst/>
+              <a:latin typeface="+mn-lt"/>
+            </a:endParaRPr>
+          </a:p>
+          <a:p>
+            <a:endParaRPr lang="en-US" b="0" i="0" dirty="0">
+              <a:solidFill>
+                <a:srgbClr val="3C3C3B"/>
+              </a:solidFill>
+              <a:effectLst/>
+              <a:latin typeface="Lato"/>
+            </a:endParaRPr>
           </a:p>
         </p:txBody>
       </p:sp>
@@ -746,7 +777,7 @@
     </p:spTree>
     <p:extLst>
       <p:ext uri="{BB962C8B-B14F-4D97-AF65-F5344CB8AC3E}">
-        <p14:creationId xmlns:p14="http://schemas.microsoft.com/office/powerpoint/2010/main" val="793417537"/>
+        <p14:creationId xmlns:p14="http://schemas.microsoft.com/office/powerpoint/2010/main" val="4196253099"/>
       </p:ext>
     </p:extLst>
   </p:cSld>
@@ -800,91 +831,61 @@
           <a:bodyPr/>
           <a:lstStyle/>
           <a:p>
-            <a:pPr rtl="0" fontAlgn="base"/>
-            <a:r>
-              <a:rPr lang="en-US" sz="1200" b="0" i="0" u="none" strike="noStrike" kern="1200" dirty="0">
-                <a:solidFill>
-                  <a:schemeClr val="tx1"/>
+            <a:r>
+              <a:rPr lang="en-US" b="0" i="0" dirty="0">
+                <a:solidFill>
+                  <a:srgbClr val="3C3C3B"/>
                 </a:solidFill>
                 <a:effectLst/>
-                <a:latin typeface="+mn-lt"/>
-                <a:ea typeface="+mn-ea"/>
-                <a:cs typeface="+mn-cs"/>
-              </a:rPr>
-              <a:t>Thankfully, a lot of research has been done on the best way to adjust the learning rate to find the global minimum when a given loss function has a complex contour, one with ridges, valleys, and plateaus.  Finding that minimum is the job of the </a:t>
-            </a:r>
-            <a:r>
-              <a:rPr lang="en-US" sz="1200" b="1" i="0" u="none" strike="noStrike" kern="1200" dirty="0">
-                <a:solidFill>
-                  <a:schemeClr val="tx1"/>
+                <a:latin typeface="Calibri" panose="020F0502020204030204" pitchFamily="34" charset="0"/>
+                <a:cs typeface="Calibri" panose="020F0502020204030204" pitchFamily="34" charset="0"/>
+              </a:rPr>
+              <a:t>In complex cases like this, finding the global minimum can be a challenge.  Consider this image.  If the start point is on the left, then gradient descent will converge to a </a:t>
+            </a:r>
+            <a:r>
+              <a:rPr lang="en-US" b="1" i="0" dirty="0">
+                <a:solidFill>
+                  <a:srgbClr val="3C3C3B"/>
                 </a:solidFill>
                 <a:effectLst/>
-                <a:latin typeface="+mn-lt"/>
-                <a:ea typeface="+mn-ea"/>
-                <a:cs typeface="+mn-cs"/>
-              </a:rPr>
-              <a:t>optimizer</a:t>
-            </a:r>
-            <a:r>
-              <a:rPr lang="en-US" sz="1200" b="0" i="0" u="none" strike="noStrike" kern="1200" dirty="0">
-                <a:solidFill>
-                  <a:schemeClr val="tx1"/>
+                <a:latin typeface="Calibri" panose="020F0502020204030204" pitchFamily="34" charset="0"/>
+                <a:cs typeface="Calibri" panose="020F0502020204030204" pitchFamily="34" charset="0"/>
+              </a:rPr>
+              <a:t>local minimum</a:t>
+            </a:r>
+            <a:r>
+              <a:rPr lang="en-US" b="0" i="0" dirty="0">
+                <a:solidFill>
+                  <a:srgbClr val="3C3C3B"/>
                 </a:solidFill>
                 <a:effectLst/>
-                <a:latin typeface="+mn-lt"/>
-                <a:ea typeface="+mn-ea"/>
-                <a:cs typeface="+mn-cs"/>
-              </a:rPr>
-              <a:t>.</a:t>
-            </a:r>
-          </a:p>
-          <a:p>
-            <a:pPr rtl="0" fontAlgn="base"/>
-            <a:endParaRPr lang="en-US" sz="1200" b="0" i="0" u="none" strike="noStrike" kern="1200" dirty="0">
-              <a:solidFill>
-                <a:schemeClr val="tx1"/>
-              </a:solidFill>
-              <a:effectLst/>
-              <a:latin typeface="+mn-lt"/>
-              <a:ea typeface="+mn-ea"/>
-              <a:cs typeface="+mn-cs"/>
-            </a:endParaRPr>
-          </a:p>
-          <a:p>
-            <a:pPr rtl="0" fontAlgn="base"/>
-            <a:r>
-              <a:rPr lang="en-US" sz="1200" b="0" i="0" u="none" strike="noStrike" kern="1200" dirty="0">
-                <a:solidFill>
-                  <a:schemeClr val="tx1"/>
+                <a:latin typeface="Calibri" panose="020F0502020204030204" pitchFamily="34" charset="0"/>
+                <a:cs typeface="Calibri" panose="020F0502020204030204" pitchFamily="34" charset="0"/>
+              </a:rPr>
+              <a:t>, which is not as good as the </a:t>
+            </a:r>
+            <a:r>
+              <a:rPr lang="en-US" b="1" i="0" dirty="0">
+                <a:solidFill>
+                  <a:srgbClr val="3C3C3B"/>
                 </a:solidFill>
                 <a:effectLst/>
-                <a:latin typeface="+mn-lt"/>
-                <a:ea typeface="+mn-ea"/>
-                <a:cs typeface="+mn-cs"/>
-              </a:rPr>
-              <a:t>For instance, a popular optimizer is Adam (Adaptive momentum).  Imagine our loss curve as a mountain and our current position as a marble.  If we drop a marble on top of a mountain, it will pick up speed, jumping over trenches (local minima) before hopefully landing at a lower minima.</a:t>
-            </a:r>
-          </a:p>
-          <a:p>
-            <a:pPr rtl="0" fontAlgn="base"/>
-            <a:endParaRPr lang="en-US" sz="1200" b="0" i="0" u="none" strike="noStrike" kern="1200" dirty="0">
-              <a:solidFill>
-                <a:schemeClr val="tx1"/>
-              </a:solidFill>
-              <a:effectLst/>
-              <a:latin typeface="Trebuchet MS" pitchFamily="34" charset="0"/>
-              <a:ea typeface="+mn-ea"/>
-              <a:cs typeface="+mn-cs"/>
-            </a:endParaRPr>
-          </a:p>
-          <a:p>
-            <a:endParaRPr lang="en-US" b="0" i="0" dirty="0">
-              <a:solidFill>
-                <a:srgbClr val="3C3C3B"/>
-              </a:solidFill>
-              <a:effectLst/>
-              <a:latin typeface="Lato"/>
-            </a:endParaRPr>
+                <a:latin typeface="Calibri" panose="020F0502020204030204" pitchFamily="34" charset="0"/>
+                <a:cs typeface="Calibri" panose="020F0502020204030204" pitchFamily="34" charset="0"/>
+              </a:rPr>
+              <a:t>global minimum</a:t>
+            </a:r>
+            <a:r>
+              <a:rPr lang="en-US" b="0" i="0" dirty="0">
+                <a:solidFill>
+                  <a:srgbClr val="3C3C3B"/>
+                </a:solidFill>
+                <a:effectLst/>
+                <a:latin typeface="Calibri" panose="020F0502020204030204" pitchFamily="34" charset="0"/>
+                <a:cs typeface="Calibri" panose="020F0502020204030204" pitchFamily="34" charset="0"/>
+              </a:rPr>
+              <a:t>.  If the starting point is on the right, then it may take a long time to cross the plateau.  And if you stop too early, you will never reach the global minimum.  So, is there a solution to this problem?</a:t>
+            </a:r>
           </a:p>
         </p:txBody>
       </p:sp>
@@ -914,7 +915,7 @@
     </p:spTree>
     <p:extLst>
       <p:ext uri="{BB962C8B-B14F-4D97-AF65-F5344CB8AC3E}">
-        <p14:creationId xmlns:p14="http://schemas.microsoft.com/office/powerpoint/2010/main" val="244392337"/>
+        <p14:creationId xmlns:p14="http://schemas.microsoft.com/office/powerpoint/2010/main" val="793417537"/>
       </p:ext>
     </p:extLst>
   </p:cSld>
@@ -968,27 +969,91 @@
           <a:bodyPr/>
           <a:lstStyle/>
           <a:p>
-            <a:pPr marL="0" marR="0" lvl="0" indent="0" algn="l" defTabSz="914400" rtl="0" eaLnBrk="1" fontAlgn="auto" latinLnBrk="0" hangingPunct="1">
-              <a:lnSpc>
-                <a:spcPct val="100000"/>
-              </a:lnSpc>
-              <a:spcBef>
-                <a:spcPts val="0"/>
-              </a:spcBef>
-              <a:spcAft>
-                <a:spcPts val="0"/>
-              </a:spcAft>
-              <a:buClrTx/>
-              <a:buSzTx/>
-              <a:buFontTx/>
-              <a:buNone/>
-              <a:tabLst/>
-              <a:defRPr/>
-            </a:pPr>
-            <a:r>
-              <a:rPr lang="en-US" dirty="0"/>
-              <a:t>The learning experience for this workshop starts on page 79 of the textbook.  For additional information, please watch the exercise 2.01 orientation video.</a:t>
-            </a:r>
+            <a:pPr rtl="0" fontAlgn="base"/>
+            <a:r>
+              <a:rPr lang="en-US" sz="1200" b="0" i="0" u="none" strike="noStrike" kern="1200" dirty="0">
+                <a:solidFill>
+                  <a:schemeClr val="tx1"/>
+                </a:solidFill>
+                <a:effectLst/>
+                <a:latin typeface="+mn-lt"/>
+                <a:ea typeface="+mn-ea"/>
+                <a:cs typeface="+mn-cs"/>
+              </a:rPr>
+              <a:t>Thankfully, a lot of research has been done on the best way to adjust the learning rate to find the global minimum when a given loss function has a complex contour, one with ridges, valleys, and plateaus.  Finding that minimum is the job of the </a:t>
+            </a:r>
+            <a:r>
+              <a:rPr lang="en-US" sz="1200" b="1" i="0" u="none" strike="noStrike" kern="1200" dirty="0">
+                <a:solidFill>
+                  <a:schemeClr val="tx1"/>
+                </a:solidFill>
+                <a:effectLst/>
+                <a:latin typeface="+mn-lt"/>
+                <a:ea typeface="+mn-ea"/>
+                <a:cs typeface="+mn-cs"/>
+              </a:rPr>
+              <a:t>optimizer</a:t>
+            </a:r>
+            <a:r>
+              <a:rPr lang="en-US" sz="1200" b="0" i="0" u="none" strike="noStrike" kern="1200" dirty="0">
+                <a:solidFill>
+                  <a:schemeClr val="tx1"/>
+                </a:solidFill>
+                <a:effectLst/>
+                <a:latin typeface="+mn-lt"/>
+                <a:ea typeface="+mn-ea"/>
+                <a:cs typeface="+mn-cs"/>
+              </a:rPr>
+              <a:t>.</a:t>
+            </a:r>
+          </a:p>
+          <a:p>
+            <a:pPr rtl="0" fontAlgn="base"/>
+            <a:endParaRPr lang="en-US" sz="1200" b="0" i="0" u="none" strike="noStrike" kern="1200" dirty="0">
+              <a:solidFill>
+                <a:schemeClr val="tx1"/>
+              </a:solidFill>
+              <a:effectLst/>
+              <a:latin typeface="+mn-lt"/>
+              <a:ea typeface="+mn-ea"/>
+              <a:cs typeface="+mn-cs"/>
+            </a:endParaRPr>
+          </a:p>
+          <a:p>
+            <a:pPr rtl="0" fontAlgn="base"/>
+            <a:r>
+              <a:rPr lang="en-US" sz="1200" b="0" i="0" u="none" strike="noStrike" kern="1200" dirty="0">
+                <a:solidFill>
+                  <a:schemeClr val="tx1"/>
+                </a:solidFill>
+                <a:effectLst/>
+                <a:latin typeface="+mn-lt"/>
+                <a:ea typeface="+mn-ea"/>
+                <a:cs typeface="+mn-cs"/>
+              </a:rPr>
+              <a:t>For instance, a popular optimizer is Adam (Adaptive momentum).  Imagine our loss curve as a mountain and our current position as a marble.  If we drop a marble on top of a mountain, it will pick up speed, jumping over trenches (local minima) before hopefully landing at a lower minima.</a:t>
+            </a:r>
+          </a:p>
+          <a:p>
+            <a:pPr rtl="0" fontAlgn="base"/>
+            <a:endParaRPr lang="en-US" sz="1200" b="0" i="0" u="none" strike="noStrike" kern="1200" dirty="0">
+              <a:solidFill>
+                <a:schemeClr val="tx1"/>
+              </a:solidFill>
+              <a:effectLst/>
+              <a:latin typeface="Trebuchet MS" pitchFamily="34" charset="0"/>
+              <a:ea typeface="+mn-ea"/>
+              <a:cs typeface="+mn-cs"/>
+            </a:endParaRPr>
+          </a:p>
+          <a:p>
+            <a:endParaRPr lang="en-US" b="0" i="0" dirty="0">
+              <a:solidFill>
+                <a:srgbClr val="3C3C3B"/>
+              </a:solidFill>
+              <a:effectLst/>
+              <a:latin typeface="Lato"/>
+            </a:endParaRPr>
           </a:p>
         </p:txBody>
       </p:sp>
@@ -1018,7 +1083,7 @@
     </p:spTree>
     <p:extLst>
       <p:ext uri="{BB962C8B-B14F-4D97-AF65-F5344CB8AC3E}">
-        <p14:creationId xmlns:p14="http://schemas.microsoft.com/office/powerpoint/2010/main" val="2820707112"/>
+        <p14:creationId xmlns:p14="http://schemas.microsoft.com/office/powerpoint/2010/main" val="244392337"/>
       </p:ext>
     </p:extLst>
   </p:cSld>
@@ -1072,99 +1137,6 @@
           <a:bodyPr/>
           <a:lstStyle/>
           <a:p>
-            <a:r>
-              <a:rPr lang="en-US" b="0" i="0" dirty="0">
-                <a:solidFill>
-                  <a:srgbClr val="3C3C3B"/>
-                </a:solidFill>
-                <a:effectLst/>
-                <a:latin typeface="+mn-lt"/>
-              </a:rPr>
-              <a:t>Now that we’ve examined backpropagation from the perspective of the error function (its contour, and gradient descent) let’s circle back to the weight update process.  We start with a key observation: When the output of any neuron in our network changes, the network’s total error – as calculated by the error function – changes by a proportional amount. Thus, t</a:t>
-            </a:r>
-            <a:r>
-              <a:rPr lang="en-US" sz="1200" dirty="0">
-                <a:effectLst/>
-                <a:latin typeface="+mn-lt"/>
-                <a:ea typeface="Malgun Gothic" panose="020B0503020000020004" pitchFamily="34" charset="-127"/>
-                <a:cs typeface="Times New Roman" panose="02020603050405020304" pitchFamily="18" charset="0"/>
-              </a:rPr>
-              <a:t>he connection between any change in a given neuron’s output and the resulting change in the total error is simply the neuron’s change multiplied by some number. </a:t>
-            </a:r>
-          </a:p>
-          <a:p>
-            <a:endParaRPr lang="en-US" sz="1200" dirty="0">
-              <a:effectLst/>
-              <a:latin typeface="+mn-lt"/>
-              <a:ea typeface="Malgun Gothic" panose="020B0503020000020004" pitchFamily="34" charset="-127"/>
-              <a:cs typeface="Times New Roman" panose="02020603050405020304" pitchFamily="18" charset="0"/>
-            </a:endParaRPr>
-          </a:p>
-          <a:p>
-            <a:pPr marL="228600" marR="0" lvl="0" indent="-228600" algn="l" defTabSz="914400" rtl="0" eaLnBrk="1" fontAlgn="auto" latinLnBrk="0" hangingPunct="1">
-              <a:lnSpc>
-                <a:spcPct val="100000"/>
-              </a:lnSpc>
-              <a:spcBef>
-                <a:spcPts val="0"/>
-              </a:spcBef>
-              <a:spcAft>
-                <a:spcPts val="0"/>
-              </a:spcAft>
-              <a:buClrTx/>
-              <a:buSzTx/>
-              <a:buFontTx/>
-              <a:buAutoNum type="arabicPeriod"/>
-              <a:tabLst/>
-              <a:defRPr/>
-            </a:pPr>
-            <a:r>
-              <a:rPr lang="en-US" sz="1200" dirty="0">
-                <a:effectLst/>
-                <a:latin typeface="+mn-lt"/>
-                <a:ea typeface="Malgun Gothic" panose="020B0503020000020004" pitchFamily="34" charset="-127"/>
-                <a:cs typeface="Times New Roman" panose="02020603050405020304" pitchFamily="18" charset="0"/>
-              </a:rPr>
-              <a:t>This number goes by various names, but the most popular is the lowercase Greek letter δ (delta), though sometimes the uppercase version, Δ, is used. Mathematicians often use the delta character to mean “change” of some sort, so this was a natural (if terse) choice of name.  </a:t>
-            </a:r>
-          </a:p>
-          <a:p>
-            <a:pPr marL="228600" marR="0" lvl="0" indent="-228600" algn="l" defTabSz="914400" rtl="0" eaLnBrk="1" fontAlgn="auto" latinLnBrk="0" hangingPunct="1">
-              <a:lnSpc>
-                <a:spcPct val="100000"/>
-              </a:lnSpc>
-              <a:spcBef>
-                <a:spcPts val="0"/>
-              </a:spcBef>
-              <a:spcAft>
-                <a:spcPts val="0"/>
-              </a:spcAft>
-              <a:buClrTx/>
-              <a:buSzTx/>
-              <a:buFontTx/>
-              <a:buAutoNum type="arabicPeriod"/>
-              <a:tabLst/>
-              <a:defRPr/>
-            </a:pPr>
-            <a:r>
-              <a:rPr lang="en-US" b="0" i="0" dirty="0">
-                <a:solidFill>
-                  <a:srgbClr val="3C3C3B"/>
-                </a:solidFill>
-                <a:effectLst/>
-                <a:latin typeface="+mn-lt"/>
-              </a:rPr>
-              <a:t>As stated in an earlier slide – to adjust a given weight, we need the output from the originating neuron as well as the delta from its downstream connection.</a:t>
-            </a:r>
-            <a:endParaRPr lang="en-US" b="0" i="0" dirty="0">
-              <a:solidFill>
-                <a:srgbClr val="3C3C3B"/>
-              </a:solidFill>
-              <a:effectLst/>
-              <a:latin typeface="Lato"/>
-            </a:endParaRPr>
-          </a:p>
-          <a:p>
             <a:pPr marL="0" marR="0" lvl="0" indent="0" algn="l" defTabSz="914400" rtl="0" eaLnBrk="1" fontAlgn="auto" latinLnBrk="0" hangingPunct="1">
               <a:lnSpc>
                 <a:spcPct val="100000"/>
@@ -1182,49 +1154,10 @@
               <a:tabLst/>
               <a:defRPr/>
             </a:pPr>
-            <a:endParaRPr lang="en-US" sz="1200" dirty="0">
-              <a:effectLst/>
-              <a:latin typeface="+mn-lt"/>
-              <a:ea typeface="Malgun Gothic" panose="020B0503020000020004" pitchFamily="34" charset="-127"/>
-              <a:cs typeface="Times New Roman" panose="02020603050405020304" pitchFamily="18" charset="0"/>
-            </a:endParaRPr>
-          </a:p>
-          <a:p>
-            <a:pPr marL="0" marR="0" lvl="0" indent="0" algn="l" defTabSz="914400" rtl="0" eaLnBrk="1" fontAlgn="auto" latinLnBrk="0" hangingPunct="1">
-              <a:lnSpc>
-                <a:spcPct val="100000"/>
-              </a:lnSpc>
-              <a:spcBef>
-                <a:spcPts val="0"/>
-              </a:spcBef>
-              <a:spcAft>
-                <a:spcPts val="0"/>
-              </a:spcAft>
-              <a:buClrTx/>
-              <a:buSzTx/>
-              <a:buFontTx/>
-              <a:buNone/>
-              <a:tabLst/>
-              <a:defRPr/>
-            </a:pPr>
-            <a:r>
-              <a:rPr lang="en-US" sz="1200" dirty="0">
-                <a:effectLst/>
-                <a:latin typeface="+mn-lt"/>
-                <a:ea typeface="Malgun Gothic" panose="020B0503020000020004" pitchFamily="34" charset="-127"/>
-                <a:cs typeface="Times New Roman" panose="02020603050405020304" pitchFamily="18" charset="0"/>
-              </a:rPr>
-              <a:t>To understand delta, let’s take a closer look at what happens inside an artificial neuron.</a:t>
-            </a:r>
-          </a:p>
-          <a:p>
-            <a:endParaRPr lang="en-US" b="0" i="0" dirty="0">
-              <a:solidFill>
-                <a:srgbClr val="3C3C3B"/>
-              </a:solidFill>
-              <a:effectLst/>
-              <a:latin typeface="+mn-lt"/>
-            </a:endParaRPr>
+            <a:r>
+              <a:rPr lang="en-US" dirty="0"/>
+              <a:t>The learning experience for this workshop starts on page 79 of the textbook.  For additional information, please watch the exercise 2.01 orientation video.</a:t>
+            </a:r>
           </a:p>
         </p:txBody>
       </p:sp>
@@ -1254,7 +1187,7 @@
     </p:spTree>
     <p:extLst>
       <p:ext uri="{BB962C8B-B14F-4D97-AF65-F5344CB8AC3E}">
-        <p14:creationId xmlns:p14="http://schemas.microsoft.com/office/powerpoint/2010/main" val="1498903180"/>
+        <p14:creationId xmlns:p14="http://schemas.microsoft.com/office/powerpoint/2010/main" val="2820707112"/>
       </p:ext>
     </p:extLst>
   </p:cSld>
@@ -1308,7 +1241,36 @@
           <a:bodyPr/>
           <a:lstStyle/>
           <a:p>
-            <a:pPr marL="0" marR="0" lvl="0" indent="0" algn="l" defTabSz="914400" rtl="0" eaLnBrk="1" fontAlgn="auto" latinLnBrk="0" hangingPunct="1">
+            <a:r>
+              <a:rPr lang="en-US" b="0" i="0" dirty="0">
+                <a:solidFill>
+                  <a:srgbClr val="3C3C3B"/>
+                </a:solidFill>
+                <a:effectLst/>
+                <a:latin typeface="+mn-lt"/>
+              </a:rPr>
+              <a:t>Now that we’ve examined backpropagation from the perspective of the error function (its contour, and gradient descent) let’s circle back to the weight update process.  We start with a key observation: When the output of any neuron in our network changes, the network’s total error – as calculated by the error function – changes by a proportional amount. Thus, t</a:t>
+            </a:r>
+            <a:r>
+              <a:rPr lang="en-US" sz="1200" dirty="0">
+                <a:effectLst/>
+                <a:latin typeface="+mn-lt"/>
+                <a:ea typeface="Malgun Gothic" panose="020B0503020000020004" pitchFamily="34" charset="-127"/>
+                <a:cs typeface="Times New Roman" panose="02020603050405020304" pitchFamily="18" charset="0"/>
+              </a:rPr>
+              <a:t>he connection between any change in a given neuron’s output and the resulting change in the total error is simply the neuron’s change multiplied by some number. </a:t>
+            </a:r>
+          </a:p>
+          <a:p>
+            <a:endParaRPr lang="en-US" sz="1200" dirty="0">
+              <a:effectLst/>
+              <a:latin typeface="+mn-lt"/>
+              <a:ea typeface="Malgun Gothic" panose="020B0503020000020004" pitchFamily="34" charset="-127"/>
+              <a:cs typeface="Times New Roman" panose="02020603050405020304" pitchFamily="18" charset="0"/>
+            </a:endParaRPr>
+          </a:p>
+          <a:p>
+            <a:pPr marL="228600" marR="0" lvl="0" indent="-228600" algn="l" defTabSz="914400" rtl="0" eaLnBrk="1" fontAlgn="auto" latinLnBrk="0" hangingPunct="1">
               <a:lnSpc>
                 <a:spcPct val="100000"/>
               </a:lnSpc>
@@ -1321,7 +1283,7 @@
               <a:buClrTx/>
               <a:buSzTx/>
               <a:buFontTx/>
-              <a:buNone/>
+              <a:buAutoNum type="arabicPeriod"/>
               <a:tabLst/>
               <a:defRPr/>
             </a:pPr>
@@ -1332,8 +1294,73 @@
                 <a:ea typeface="Malgun Gothic" panose="020B0503020000020004" pitchFamily="34" charset="-127"/>
                 <a:cs typeface="Times New Roman" panose="02020603050405020304" pitchFamily="18" charset="0"/>
               </a:rPr>
-              <a:t>So, every neuron has a delta, or δ, associated with it as a result of evaluating the current network with the current sample. This is a real number that can be big or small, positive or negative. Assuming the network’s input doesn’t change, and the rest of the network is frozen, if a neuron’s output changes by a particular amount, we can multiply that change by the neuron’s delta to see how the entire network’s output will change.</a:t>
-            </a:r>
+              <a:t>This number goes by various names, but the most popular is the lowercase Greek letter δ (delta), though sometimes the uppercase version, Δ, is used. Mathematicians often use the delta character to mean “change” of some sort, so this was a natural (if terse) choice of name.  </a:t>
+            </a:r>
+          </a:p>
+          <a:p>
+            <a:pPr marL="228600" marR="0" lvl="0" indent="-228600" algn="l" defTabSz="914400" rtl="0" eaLnBrk="1" fontAlgn="auto" latinLnBrk="0" hangingPunct="1">
+              <a:lnSpc>
+                <a:spcPct val="100000"/>
+              </a:lnSpc>
+              <a:spcBef>
+                <a:spcPts val="0"/>
+              </a:spcBef>
+              <a:spcAft>
+                <a:spcPts val="0"/>
+              </a:spcAft>
+              <a:buClrTx/>
+              <a:buSzTx/>
+              <a:buFontTx/>
+              <a:buAutoNum type="arabicPeriod"/>
+              <a:tabLst/>
+              <a:defRPr/>
+            </a:pPr>
+            <a:r>
+              <a:rPr lang="en-US" b="0" i="0" dirty="0">
+                <a:solidFill>
+                  <a:srgbClr val="3C3C3B"/>
+                </a:solidFill>
+                <a:effectLst/>
+                <a:latin typeface="+mn-lt"/>
+              </a:rPr>
+              <a:t>As stated in an earlier slide – to adjust a given weight, we need the output from the originating neuron as well as the delta from its downstream connection.</a:t>
+            </a:r>
+          </a:p>
+          <a:p>
+            <a:pPr marL="228600" marR="0" lvl="0" indent="-228600" algn="l" defTabSz="914400" rtl="0" eaLnBrk="1" fontAlgn="auto" latinLnBrk="0" hangingPunct="1">
+              <a:lnSpc>
+                <a:spcPct val="100000"/>
+              </a:lnSpc>
+              <a:spcBef>
+                <a:spcPts val="0"/>
+              </a:spcBef>
+              <a:spcAft>
+                <a:spcPts val="0"/>
+              </a:spcAft>
+              <a:buClrTx/>
+              <a:buSzTx/>
+              <a:buFontTx/>
+              <a:buAutoNum type="arabicPeriod"/>
+              <a:tabLst/>
+              <a:defRPr/>
+            </a:pPr>
+            <a:r>
+              <a:rPr lang="en-US" b="0" i="0" dirty="0">
+                <a:solidFill>
+                  <a:srgbClr val="3C3C3B"/>
+                </a:solidFill>
+                <a:effectLst/>
+                <a:latin typeface="+mn-lt"/>
+              </a:rPr>
+              <a:t>In the slides which follow, we’re going to examine the update process for Weight gf1 – bookmark that in your memory.</a:t>
+            </a:r>
+            <a:endParaRPr lang="en-US" b="0" i="0" dirty="0">
+              <a:solidFill>
+                <a:srgbClr val="3C3C3B"/>
+              </a:solidFill>
+              <a:effectLst/>
+              <a:latin typeface="Lato"/>
+            </a:endParaRPr>
           </a:p>
           <a:p>
             <a:pPr marL="0" marR="0" lvl="0" indent="0" algn="l" defTabSz="914400" rtl="0" eaLnBrk="1" fontAlgn="auto" latinLnBrk="0" hangingPunct="1">
@@ -1385,149 +1412,7 @@
                 <a:ea typeface="Malgun Gothic" panose="020B0503020000020004" pitchFamily="34" charset="-127"/>
                 <a:cs typeface="Times New Roman" panose="02020603050405020304" pitchFamily="18" charset="0"/>
               </a:rPr>
-              <a:t>To illustrate the idea, let’s focus on the output from G, the single node in the hidden layer of our simple network from the previous slide.  Now, let’s add some arbitrary value to G’s output just before that value emerges.  As shown here, we use the letter </a:t>
-            </a:r>
-            <a:r>
-              <a:rPr lang="en-US" sz="1200" b="1" dirty="0">
-                <a:effectLst/>
-                <a:latin typeface="+mn-lt"/>
-                <a:ea typeface="Malgun Gothic" panose="020B0503020000020004" pitchFamily="34" charset="-127"/>
-                <a:cs typeface="Times New Roman" panose="02020603050405020304" pitchFamily="18" charset="0"/>
-              </a:rPr>
-              <a:t>m</a:t>
-            </a:r>
-            <a:r>
-              <a:rPr lang="en-US" sz="1200" dirty="0">
-                <a:effectLst/>
-                <a:latin typeface="+mn-lt"/>
-                <a:ea typeface="Malgun Gothic" panose="020B0503020000020004" pitchFamily="34" charset="-127"/>
-                <a:cs typeface="Times New Roman" panose="02020603050405020304" pitchFamily="18" charset="0"/>
-              </a:rPr>
-              <a:t> (for ‘modification’) as the name of the variable that holds this extra value.  </a:t>
-            </a:r>
-          </a:p>
-          <a:p>
-            <a:pPr marL="0" marR="0" lvl="0" indent="0" algn="l" defTabSz="914400" rtl="0" eaLnBrk="1" fontAlgn="auto" latinLnBrk="0" hangingPunct="1">
-              <a:lnSpc>
-                <a:spcPct val="100000"/>
-              </a:lnSpc>
-              <a:spcBef>
-                <a:spcPts val="0"/>
-              </a:spcBef>
-              <a:spcAft>
-                <a:spcPts val="0"/>
-              </a:spcAft>
-              <a:buClrTx/>
-              <a:buSzTx/>
-              <a:buFontTx/>
-              <a:buNone/>
-              <a:tabLst/>
-              <a:defRPr/>
-            </a:pPr>
-            <a:endParaRPr lang="en-US" sz="1200" dirty="0">
-              <a:effectLst/>
-              <a:latin typeface="+mn-lt"/>
-              <a:ea typeface="Malgun Gothic" panose="020B0503020000020004" pitchFamily="34" charset="-127"/>
-              <a:cs typeface="Times New Roman" panose="02020603050405020304" pitchFamily="18" charset="0"/>
-            </a:endParaRPr>
-          </a:p>
-          <a:p>
-            <a:pPr marL="0" marR="0" lvl="0" indent="0" algn="l" defTabSz="914400" rtl="0" eaLnBrk="1" fontAlgn="auto" latinLnBrk="0" hangingPunct="1">
-              <a:lnSpc>
-                <a:spcPct val="100000"/>
-              </a:lnSpc>
-              <a:spcBef>
-                <a:spcPts val="0"/>
-              </a:spcBef>
-              <a:spcAft>
-                <a:spcPts val="0"/>
-              </a:spcAft>
-              <a:buClrTx/>
-              <a:buSzTx/>
-              <a:buFontTx/>
-              <a:buNone/>
-              <a:tabLst/>
-              <a:defRPr/>
-            </a:pPr>
-            <a:r>
-              <a:rPr lang="en-US" sz="1200" dirty="0">
-                <a:effectLst/>
-                <a:latin typeface="+mn-lt"/>
-                <a:ea typeface="Malgun Gothic" panose="020B0503020000020004" pitchFamily="34" charset="-127"/>
-                <a:cs typeface="Times New Roman" panose="02020603050405020304" pitchFamily="18" charset="0"/>
-              </a:rPr>
-              <a:t>Because the output will change by m, we know the change in the final error is m times the neuron’s δ.</a:t>
-            </a:r>
-          </a:p>
-          <a:p>
-            <a:pPr marL="0" marR="0" lvl="0" indent="0" algn="l" defTabSz="914400" rtl="0" eaLnBrk="1" fontAlgn="auto" latinLnBrk="0" hangingPunct="1">
-              <a:lnSpc>
-                <a:spcPct val="100000"/>
-              </a:lnSpc>
-              <a:spcBef>
-                <a:spcPts val="0"/>
-              </a:spcBef>
-              <a:spcAft>
-                <a:spcPts val="0"/>
-              </a:spcAft>
-              <a:buClrTx/>
-              <a:buSzTx/>
-              <a:buFontTx/>
-              <a:buNone/>
-              <a:tabLst/>
-              <a:defRPr/>
-            </a:pPr>
-            <a:endParaRPr lang="en-US" sz="1200" dirty="0">
-              <a:effectLst/>
-              <a:latin typeface="+mn-lt"/>
-              <a:ea typeface="Malgun Gothic" panose="020B0503020000020004" pitchFamily="34" charset="-127"/>
-              <a:cs typeface="Times New Roman" panose="02020603050405020304" pitchFamily="18" charset="0"/>
-            </a:endParaRPr>
-          </a:p>
-          <a:p>
-            <a:pPr marL="0" marR="0" lvl="0" indent="0" algn="l" defTabSz="914400" rtl="0" eaLnBrk="1" fontAlgn="auto" latinLnBrk="0" hangingPunct="1">
-              <a:lnSpc>
-                <a:spcPct val="100000"/>
-              </a:lnSpc>
-              <a:spcBef>
-                <a:spcPts val="0"/>
-              </a:spcBef>
-              <a:spcAft>
-                <a:spcPts val="0"/>
-              </a:spcAft>
-              <a:buClrTx/>
-              <a:buSzTx/>
-              <a:buFontTx/>
-              <a:buNone/>
-              <a:tabLst/>
-              <a:defRPr/>
-            </a:pPr>
-            <a:r>
-              <a:rPr lang="en-US" sz="1200" dirty="0">
-                <a:effectLst/>
-                <a:latin typeface="+mn-lt"/>
-                <a:ea typeface="Malgun Gothic" panose="020B0503020000020004" pitchFamily="34" charset="-127"/>
-                <a:cs typeface="Times New Roman" panose="02020603050405020304" pitchFamily="18" charset="0"/>
-              </a:rPr>
-              <a:t>Source: Deep Learning: </a:t>
-            </a:r>
-            <a:r>
-              <a:rPr lang="en-US" sz="1200" i="1" dirty="0">
-                <a:effectLst/>
-                <a:latin typeface="+mn-lt"/>
-                <a:ea typeface="Malgun Gothic" panose="020B0503020000020004" pitchFamily="34" charset="-127"/>
-                <a:cs typeface="Times New Roman" panose="02020603050405020304" pitchFamily="18" charset="0"/>
-              </a:rPr>
-              <a:t>A Visual Approach </a:t>
-            </a:r>
-            <a:r>
-              <a:rPr lang="en-US" sz="1200" i="0" dirty="0">
-                <a:effectLst/>
-                <a:latin typeface="+mn-lt"/>
-                <a:ea typeface="Malgun Gothic" panose="020B0503020000020004" pitchFamily="34" charset="-127"/>
-                <a:cs typeface="Times New Roman" panose="02020603050405020304" pitchFamily="18" charset="0"/>
-              </a:rPr>
-              <a:t>(p. 357)</a:t>
+              <a:t>To better understand what delta is, let’s take a closer look at what happens inside an artificial neuron.</a:t>
             </a:r>
           </a:p>
           <a:p>
@@ -1536,7 +1421,7 @@
                 <a:srgbClr val="3C3C3B"/>
               </a:solidFill>
               <a:effectLst/>
-              <a:latin typeface="Lato"/>
+              <a:latin typeface="+mn-lt"/>
             </a:endParaRPr>
           </a:p>
         </p:txBody>
@@ -1567,7 +1452,7 @@
     </p:spTree>
     <p:extLst>
       <p:ext uri="{BB962C8B-B14F-4D97-AF65-F5344CB8AC3E}">
-        <p14:creationId xmlns:p14="http://schemas.microsoft.com/office/powerpoint/2010/main" val="1601600778"/>
+        <p14:creationId xmlns:p14="http://schemas.microsoft.com/office/powerpoint/2010/main" val="1498903180"/>
       </p:ext>
     </p:extLst>
   </p:cSld>
@@ -1621,10 +1506,23 @@
           <a:bodyPr/>
           <a:lstStyle/>
           <a:p>
-            <a:r>
-              <a:rPr lang="en-US" dirty="0"/>
-              <a:t>Because network training includes both forward and backpropagation processes, each node in a neural network has two outputs.  Node G, for example, produces an output to the right, during forward propagation, and an output to the left, during backpropagation.  Here the output to the right (forward prop) is called Go while the output to the left (backprop) is called G</a:t>
-            </a:r>
+            <a:pPr marL="0" marR="0" lvl="0" indent="0" algn="l" defTabSz="914400" rtl="0" eaLnBrk="1" fontAlgn="auto" latinLnBrk="0" hangingPunct="1">
+              <a:lnSpc>
+                <a:spcPct val="100000"/>
+              </a:lnSpc>
+              <a:spcBef>
+                <a:spcPts val="0"/>
+              </a:spcBef>
+              <a:spcAft>
+                <a:spcPts val="0"/>
+              </a:spcAft>
+              <a:buClrTx/>
+              <a:buSzTx/>
+              <a:buFontTx/>
+              <a:buNone/>
+              <a:tabLst/>
+              <a:defRPr/>
+            </a:pPr>
             <a:r>
               <a:rPr lang="en-US" sz="1200" dirty="0">
                 <a:effectLst/>
@@ -1632,18 +1530,212 @@
                 <a:ea typeface="Malgun Gothic" panose="020B0503020000020004" pitchFamily="34" charset="-127"/>
                 <a:cs typeface="Times New Roman" panose="02020603050405020304" pitchFamily="18" charset="0"/>
               </a:rPr>
-              <a:t>δ.</a:t>
-            </a:r>
-            <a:endParaRPr lang="en-US" dirty="0"/>
-          </a:p>
-          <a:p>
-            <a:endParaRPr lang="en-US" dirty="0"/>
-          </a:p>
-          <a:p>
-            <a:r>
-              <a:rPr lang="en-US" dirty="0"/>
-              <a:t>Now with this naming convention established, the process for finding the updated value for weight Wgf1 can be summarized as follows.,,</a:t>
-            </a:r>
+              <a:t>So, every neuron has a delta, or δ, associated with it as a result of evaluating the current network with the current sample. This is a real number that can be big or small, positive or negative. Assuming the network’s input doesn’t change, and the rest of the network is frozen, if a neuron’s output changes by a particular amount, we can multiply that change by the neuron’s delta to see how the entire network’s output will change.</a:t>
+            </a:r>
+          </a:p>
+          <a:p>
+            <a:pPr marL="0" marR="0" lvl="0" indent="0" algn="l" defTabSz="914400" rtl="0" eaLnBrk="1" fontAlgn="auto" latinLnBrk="0" hangingPunct="1">
+              <a:lnSpc>
+                <a:spcPct val="100000"/>
+              </a:lnSpc>
+              <a:spcBef>
+                <a:spcPts val="0"/>
+              </a:spcBef>
+              <a:spcAft>
+                <a:spcPts val="0"/>
+              </a:spcAft>
+              <a:buClrTx/>
+              <a:buSzTx/>
+              <a:buFontTx/>
+              <a:buNone/>
+              <a:tabLst/>
+              <a:defRPr/>
+            </a:pPr>
+            <a:endParaRPr lang="en-US" sz="1200" dirty="0">
+              <a:effectLst/>
+              <a:latin typeface="+mn-lt"/>
+              <a:ea typeface="Malgun Gothic" panose="020B0503020000020004" pitchFamily="34" charset="-127"/>
+              <a:cs typeface="Times New Roman" panose="02020603050405020304" pitchFamily="18" charset="0"/>
+            </a:endParaRPr>
+          </a:p>
+          <a:p>
+            <a:pPr marL="0" marR="0" lvl="0" indent="0" algn="l" defTabSz="914400" rtl="0" eaLnBrk="1" fontAlgn="auto" latinLnBrk="0" hangingPunct="1">
+              <a:lnSpc>
+                <a:spcPct val="100000"/>
+              </a:lnSpc>
+              <a:spcBef>
+                <a:spcPts val="0"/>
+              </a:spcBef>
+              <a:spcAft>
+                <a:spcPts val="0"/>
+              </a:spcAft>
+              <a:buClrTx/>
+              <a:buSzTx/>
+              <a:buFontTx/>
+              <a:buNone/>
+              <a:tabLst/>
+              <a:defRPr/>
+            </a:pPr>
+            <a:r>
+              <a:rPr lang="en-US" sz="1200" dirty="0">
+                <a:effectLst/>
+                <a:latin typeface="+mn-lt"/>
+                <a:ea typeface="Malgun Gothic" panose="020B0503020000020004" pitchFamily="34" charset="-127"/>
+                <a:cs typeface="Times New Roman" panose="02020603050405020304" pitchFamily="18" charset="0"/>
+              </a:rPr>
+              <a:t>To illustrate the idea, let’s focus on the output from G, the single node in the hidden layer of our simple network from the previous slide.  Now, let’s add some arbitrary value to G’s output just before that value emerges.  As shown here, we use the letter </a:t>
+            </a:r>
+            <a:r>
+              <a:rPr lang="en-US" sz="1200" b="1" dirty="0">
+                <a:effectLst/>
+                <a:latin typeface="+mn-lt"/>
+                <a:ea typeface="Malgun Gothic" panose="020B0503020000020004" pitchFamily="34" charset="-127"/>
+                <a:cs typeface="Times New Roman" panose="02020603050405020304" pitchFamily="18" charset="0"/>
+              </a:rPr>
+              <a:t>m</a:t>
+            </a:r>
+            <a:r>
+              <a:rPr lang="en-US" sz="1200" dirty="0">
+                <a:effectLst/>
+                <a:latin typeface="+mn-lt"/>
+                <a:ea typeface="Malgun Gothic" panose="020B0503020000020004" pitchFamily="34" charset="-127"/>
+                <a:cs typeface="Times New Roman" panose="02020603050405020304" pitchFamily="18" charset="0"/>
+              </a:rPr>
+              <a:t> (for ‘modification’) as the name of the variable that holds this extra value.  </a:t>
+            </a:r>
+          </a:p>
+          <a:p>
+            <a:pPr marL="0" marR="0" lvl="0" indent="0" algn="l" defTabSz="914400" rtl="0" eaLnBrk="1" fontAlgn="auto" latinLnBrk="0" hangingPunct="1">
+              <a:lnSpc>
+                <a:spcPct val="100000"/>
+              </a:lnSpc>
+              <a:spcBef>
+                <a:spcPts val="0"/>
+              </a:spcBef>
+              <a:spcAft>
+                <a:spcPts val="0"/>
+              </a:spcAft>
+              <a:buClrTx/>
+              <a:buSzTx/>
+              <a:buFontTx/>
+              <a:buNone/>
+              <a:tabLst/>
+              <a:defRPr/>
+            </a:pPr>
+            <a:endParaRPr lang="en-US" sz="1200" dirty="0">
+              <a:effectLst/>
+              <a:latin typeface="+mn-lt"/>
+              <a:ea typeface="Malgun Gothic" panose="020B0503020000020004" pitchFamily="34" charset="-127"/>
+              <a:cs typeface="Times New Roman" panose="02020603050405020304" pitchFamily="18" charset="0"/>
+            </a:endParaRPr>
+          </a:p>
+          <a:p>
+            <a:pPr marL="0" marR="0" lvl="0" indent="0" algn="l" defTabSz="914400" rtl="0" eaLnBrk="1" fontAlgn="auto" latinLnBrk="0" hangingPunct="1">
+              <a:lnSpc>
+                <a:spcPct val="100000"/>
+              </a:lnSpc>
+              <a:spcBef>
+                <a:spcPts val="0"/>
+              </a:spcBef>
+              <a:spcAft>
+                <a:spcPts val="0"/>
+              </a:spcAft>
+              <a:buClrTx/>
+              <a:buSzTx/>
+              <a:buFontTx/>
+              <a:buNone/>
+              <a:tabLst/>
+              <a:defRPr/>
+            </a:pPr>
+            <a:r>
+              <a:rPr lang="en-US" sz="1200" dirty="0">
+                <a:effectLst/>
+                <a:latin typeface="+mn-lt"/>
+                <a:ea typeface="Malgun Gothic" panose="020B0503020000020004" pitchFamily="34" charset="-127"/>
+                <a:cs typeface="Times New Roman" panose="02020603050405020304" pitchFamily="18" charset="0"/>
+              </a:rPr>
+              <a:t>Because the output will change by m, we know the change in the final error is m times the neuron’s δ.</a:t>
+            </a:r>
+          </a:p>
+          <a:p>
+            <a:pPr marL="0" marR="0" lvl="0" indent="0" algn="l" defTabSz="914400" rtl="0" eaLnBrk="1" fontAlgn="auto" latinLnBrk="0" hangingPunct="1">
+              <a:lnSpc>
+                <a:spcPct val="100000"/>
+              </a:lnSpc>
+              <a:spcBef>
+                <a:spcPts val="0"/>
+              </a:spcBef>
+              <a:spcAft>
+                <a:spcPts val="0"/>
+              </a:spcAft>
+              <a:buClrTx/>
+              <a:buSzTx/>
+              <a:buFontTx/>
+              <a:buNone/>
+              <a:tabLst/>
+              <a:defRPr/>
+            </a:pPr>
+            <a:endParaRPr lang="en-US" sz="1200" dirty="0">
+              <a:effectLst/>
+              <a:latin typeface="+mn-lt"/>
+              <a:ea typeface="Malgun Gothic" panose="020B0503020000020004" pitchFamily="34" charset="-127"/>
+              <a:cs typeface="Times New Roman" panose="02020603050405020304" pitchFamily="18" charset="0"/>
+            </a:endParaRPr>
+          </a:p>
+          <a:p>
+            <a:pPr marL="0" marR="0" lvl="0" indent="0" algn="l" defTabSz="914400" rtl="0" eaLnBrk="1" fontAlgn="auto" latinLnBrk="0" hangingPunct="1">
+              <a:lnSpc>
+                <a:spcPct val="100000"/>
+              </a:lnSpc>
+              <a:spcBef>
+                <a:spcPts val="0"/>
+              </a:spcBef>
+              <a:spcAft>
+                <a:spcPts val="0"/>
+              </a:spcAft>
+              <a:buClrTx/>
+              <a:buSzTx/>
+              <a:buFontTx/>
+              <a:buNone/>
+              <a:tabLst/>
+              <a:defRPr/>
+            </a:pPr>
+            <a:r>
+              <a:rPr lang="en-US" sz="1200" dirty="0">
+                <a:effectLst/>
+                <a:latin typeface="+mn-lt"/>
+                <a:ea typeface="Malgun Gothic" panose="020B0503020000020004" pitchFamily="34" charset="-127"/>
+                <a:cs typeface="Times New Roman" panose="02020603050405020304" pitchFamily="18" charset="0"/>
+              </a:rPr>
+              <a:t>Source: Deep Learning: </a:t>
+            </a:r>
+            <a:r>
+              <a:rPr lang="en-US" sz="1200" i="1" dirty="0">
+                <a:effectLst/>
+                <a:latin typeface="+mn-lt"/>
+                <a:ea typeface="Malgun Gothic" panose="020B0503020000020004" pitchFamily="34" charset="-127"/>
+                <a:cs typeface="Times New Roman" panose="02020603050405020304" pitchFamily="18" charset="0"/>
+              </a:rPr>
+              <a:t>A Visual Approach </a:t>
+            </a:r>
+            <a:r>
+              <a:rPr lang="en-US" sz="1200" i="0" dirty="0">
+                <a:effectLst/>
+                <a:latin typeface="+mn-lt"/>
+                <a:ea typeface="Malgun Gothic" panose="020B0503020000020004" pitchFamily="34" charset="-127"/>
+                <a:cs typeface="Times New Roman" panose="02020603050405020304" pitchFamily="18" charset="0"/>
+              </a:rPr>
+              <a:t>(p. 357)</a:t>
+            </a:r>
+          </a:p>
+          <a:p>
+            <a:endParaRPr lang="en-US" b="0" i="0" dirty="0">
+              <a:solidFill>
+                <a:srgbClr val="3C3C3B"/>
+              </a:solidFill>
+              <a:effectLst/>
+              <a:latin typeface="Lato"/>
+            </a:endParaRPr>
           </a:p>
         </p:txBody>
       </p:sp>
@@ -1673,7 +1765,7 @@
     </p:spTree>
     <p:extLst>
       <p:ext uri="{BB962C8B-B14F-4D97-AF65-F5344CB8AC3E}">
-        <p14:creationId xmlns:p14="http://schemas.microsoft.com/office/powerpoint/2010/main" val="256513045"/>
+        <p14:creationId xmlns:p14="http://schemas.microsoft.com/office/powerpoint/2010/main" val="1601600778"/>
       </p:ext>
     </p:extLst>
   </p:cSld>
@@ -1727,23 +1819,10 @@
           <a:bodyPr/>
           <a:lstStyle/>
           <a:p>
-            <a:pPr marL="0" marR="0" lvl="0" indent="0" algn="l" defTabSz="914400" rtl="0" eaLnBrk="1" fontAlgn="auto" latinLnBrk="0" hangingPunct="1">
-              <a:lnSpc>
-                <a:spcPct val="100000"/>
-              </a:lnSpc>
-              <a:spcBef>
-                <a:spcPts val="0"/>
-              </a:spcBef>
-              <a:spcAft>
-                <a:spcPts val="0"/>
-              </a:spcAft>
-              <a:buClrTx/>
-              <a:buSzTx/>
-              <a:buFontTx/>
-              <a:buNone/>
-              <a:tabLst/>
-              <a:defRPr/>
-            </a:pPr>
+            <a:r>
+              <a:rPr lang="en-US" dirty="0"/>
+              <a:t>Because network training includes both forward and backpropagation processes, each node in a neural network has two outputs.  Node G, for example, produces an output to the right, during forward propagation, and an output to the left, during backpropagation.  Here the output to the right (forward prop) is called Go while the output to the left (backprop) is called G</a:t>
+            </a:r>
             <a:r>
               <a:rPr lang="en-US" sz="1200" dirty="0">
                 <a:effectLst/>
@@ -1751,159 +1830,18 @@
                 <a:ea typeface="Malgun Gothic" panose="020B0503020000020004" pitchFamily="34" charset="-127"/>
                 <a:cs typeface="Times New Roman" panose="02020603050405020304" pitchFamily="18" charset="0"/>
               </a:rPr>
-              <a:t>The entire process for finding the updated value for weight Wgf1 is pictured here. Showing subtraction in a diagram like this is hard, because if we have a “minus” node with two incoming arrows, it’s not clear which value is being subtracted from the other (that is, if the inputs are x and y, do we compute x − y or y − x?). So to sidestep that problem, we compute Wgf1 − (Go × Fδ) by finding Go × Fδ, multiplying that by −1, and then add that result to Wgf1.</a:t>
-            </a:r>
-          </a:p>
-          <a:p>
-            <a:pPr marL="0" marR="0" lvl="0" indent="0" algn="l" defTabSz="914400" rtl="0" eaLnBrk="1" fontAlgn="auto" latinLnBrk="0" hangingPunct="1">
-              <a:lnSpc>
-                <a:spcPct val="100000"/>
-              </a:lnSpc>
-              <a:spcBef>
-                <a:spcPts val="0"/>
-              </a:spcBef>
-              <a:spcAft>
-                <a:spcPts val="0"/>
-              </a:spcAft>
-              <a:buClrTx/>
-              <a:buSzTx/>
-              <a:buFontTx/>
-              <a:buNone/>
-              <a:tabLst/>
-              <a:defRPr/>
-            </a:pPr>
-            <a:endParaRPr lang="en-US" sz="1200" dirty="0">
-              <a:effectLst/>
-              <a:latin typeface="+mn-lt"/>
-              <a:ea typeface="Malgun Gothic" panose="020B0503020000020004" pitchFamily="34" charset="-127"/>
-              <a:cs typeface="Times New Roman" panose="02020603050405020304" pitchFamily="18" charset="0"/>
-            </a:endParaRPr>
-          </a:p>
-          <a:p>
-            <a:pPr marL="0" marR="0" lvl="0" indent="0" algn="l" defTabSz="914400" rtl="0" eaLnBrk="1" fontAlgn="auto" latinLnBrk="0" hangingPunct="1">
-              <a:lnSpc>
-                <a:spcPct val="100000"/>
-              </a:lnSpc>
-              <a:spcBef>
-                <a:spcPts val="0"/>
-              </a:spcBef>
-              <a:spcAft>
-                <a:spcPts val="0"/>
-              </a:spcAft>
-              <a:buClrTx/>
-              <a:buSzTx/>
-              <a:buFontTx/>
-              <a:buNone/>
-              <a:tabLst/>
-              <a:defRPr/>
-            </a:pPr>
-            <a:r>
-              <a:rPr lang="en-US" sz="1200" dirty="0">
-                <a:effectLst/>
-                <a:latin typeface="+mn-lt"/>
-                <a:ea typeface="Malgun Gothic" panose="020B0503020000020004" pitchFamily="34" charset="-127"/>
-                <a:cs typeface="Times New Roman" panose="02020603050405020304" pitchFamily="18" charset="0"/>
-              </a:rPr>
-              <a:t>Let’s walk through this figure. We start with the output Go from neuron G and the delta Fδ from output neuron F.  We then multiply these two numbers together, as shown by the multiplication sign.  What we want to do is subtract that from the current value </a:t>
-            </a:r>
-            <a:r>
-              <a:rPr lang="en-US" sz="1200">
-                <a:effectLst/>
-                <a:latin typeface="+mn-lt"/>
-                <a:ea typeface="Malgun Gothic" panose="020B0503020000020004" pitchFamily="34" charset="-127"/>
-                <a:cs typeface="Times New Roman" panose="02020603050405020304" pitchFamily="18" charset="0"/>
-              </a:rPr>
-              <a:t>of Wgf1.  </a:t>
-            </a:r>
-            <a:r>
-              <a:rPr lang="en-US" sz="1200" dirty="0">
-                <a:effectLst/>
-                <a:latin typeface="+mn-lt"/>
-                <a:ea typeface="Malgun Gothic" panose="020B0503020000020004" pitchFamily="34" charset="-127"/>
-                <a:cs typeface="Times New Roman" panose="02020603050405020304" pitchFamily="18" charset="0"/>
-              </a:rPr>
-              <a:t>To show this clearly in the diagram, we multiply the product by −1 and then add it to the weight Wgf1. The green arrow is the update step, where this result becomes the new value of Wgf1.</a:t>
-            </a:r>
-          </a:p>
-          <a:p>
-            <a:pPr marL="0" marR="0" lvl="0" indent="0" algn="l" defTabSz="914400" rtl="0" eaLnBrk="1" fontAlgn="auto" latinLnBrk="0" hangingPunct="1">
-              <a:lnSpc>
-                <a:spcPct val="100000"/>
-              </a:lnSpc>
-              <a:spcBef>
-                <a:spcPts val="0"/>
-              </a:spcBef>
-              <a:spcAft>
-                <a:spcPts val="0"/>
-              </a:spcAft>
-              <a:buClrTx/>
-              <a:buSzTx/>
-              <a:buFontTx/>
-              <a:buNone/>
-              <a:tabLst/>
-              <a:defRPr/>
-            </a:pPr>
-            <a:endParaRPr lang="en-US" sz="1200" dirty="0">
-              <a:effectLst/>
-              <a:latin typeface="+mn-lt"/>
-              <a:ea typeface="Malgun Gothic" panose="020B0503020000020004" pitchFamily="34" charset="-127"/>
-              <a:cs typeface="Times New Roman" panose="02020603050405020304" pitchFamily="18" charset="0"/>
-            </a:endParaRPr>
-          </a:p>
-          <a:p>
-            <a:pPr marL="0" marR="0" lvl="0" indent="0" algn="l" defTabSz="914400" rtl="0" eaLnBrk="1" fontAlgn="auto" latinLnBrk="0" hangingPunct="1">
-              <a:lnSpc>
-                <a:spcPct val="100000"/>
-              </a:lnSpc>
-              <a:spcBef>
-                <a:spcPts val="0"/>
-              </a:spcBef>
-              <a:spcAft>
-                <a:spcPts val="0"/>
-              </a:spcAft>
-              <a:buClrTx/>
-              <a:buSzTx/>
-              <a:buFontTx/>
-              <a:buNone/>
-              <a:tabLst/>
-              <a:defRPr/>
-            </a:pPr>
-            <a:r>
-              <a:rPr lang="en-US" sz="1200" dirty="0">
-                <a:effectLst/>
-                <a:latin typeface="+mn-lt"/>
-                <a:ea typeface="Malgun Gothic" panose="020B0503020000020004" pitchFamily="34" charset="-127"/>
-                <a:cs typeface="Times New Roman" panose="02020603050405020304" pitchFamily="18" charset="0"/>
-              </a:rPr>
-              <a:t>Source: Deep Learning: </a:t>
-            </a:r>
-            <a:r>
-              <a:rPr lang="en-US" sz="1200" i="1" dirty="0">
-                <a:effectLst/>
-                <a:latin typeface="+mn-lt"/>
-                <a:ea typeface="Malgun Gothic" panose="020B0503020000020004" pitchFamily="34" charset="-127"/>
-                <a:cs typeface="Times New Roman" panose="02020603050405020304" pitchFamily="18" charset="0"/>
-              </a:rPr>
-              <a:t>A Visual Approach </a:t>
-            </a:r>
-            <a:r>
-              <a:rPr lang="en-US" sz="1200" i="0" dirty="0">
-                <a:effectLst/>
-                <a:latin typeface="+mn-lt"/>
-                <a:ea typeface="Malgun Gothic" panose="020B0503020000020004" pitchFamily="34" charset="-127"/>
-                <a:cs typeface="Times New Roman" panose="02020603050405020304" pitchFamily="18" charset="0"/>
-              </a:rPr>
-              <a:t>(p. 367)</a:t>
-            </a:r>
-          </a:p>
-          <a:p>
-            <a:endParaRPr lang="en-US" b="0" i="0" dirty="0">
-              <a:solidFill>
-                <a:srgbClr val="3C3C3B"/>
-              </a:solidFill>
-              <a:effectLst/>
-              <a:latin typeface="Lato"/>
-            </a:endParaRPr>
+              <a:t>δ.</a:t>
+            </a:r>
+            <a:endParaRPr lang="en-US" dirty="0"/>
+          </a:p>
+          <a:p>
+            <a:endParaRPr lang="en-US" dirty="0"/>
+          </a:p>
+          <a:p>
+            <a:r>
+              <a:rPr lang="en-US" dirty="0"/>
+              <a:t>Now with this naming convention established, the process for finding the updated value for weight Wgf1 can be summarized as follows.,,</a:t>
+            </a:r>
           </a:p>
         </p:txBody>
       </p:sp>
@@ -1933,7 +1871,7 @@
     </p:spTree>
     <p:extLst>
       <p:ext uri="{BB962C8B-B14F-4D97-AF65-F5344CB8AC3E}">
-        <p14:creationId xmlns:p14="http://schemas.microsoft.com/office/powerpoint/2010/main" val="1475752521"/>
+        <p14:creationId xmlns:p14="http://schemas.microsoft.com/office/powerpoint/2010/main" val="256513045"/>
       </p:ext>
     </p:extLst>
   </p:cSld>
@@ -1987,62 +1925,234 @@
           <a:bodyPr/>
           <a:lstStyle/>
           <a:p>
-            <a:r>
-              <a:rPr lang="en-US" dirty="0">
-                <a:latin typeface="+mn-lt"/>
-              </a:rPr>
-              <a:t>Now that we understand how individual weights are updated, one final issue remains.  Network weights are linked together, </a:t>
-            </a:r>
-            <a:r>
-              <a:rPr lang="en-US" b="0" i="0" dirty="0">
-                <a:solidFill>
-                  <a:srgbClr val="3C3C3B"/>
-                </a:solidFill>
+            <a:pPr marL="0" marR="0" lvl="0" indent="0" algn="l" defTabSz="914400" rtl="0" eaLnBrk="1" fontAlgn="auto" latinLnBrk="0" hangingPunct="1">
+              <a:lnSpc>
+                <a:spcPct val="100000"/>
+              </a:lnSpc>
+              <a:spcBef>
+                <a:spcPts val="0"/>
+              </a:spcBef>
+              <a:spcAft>
+                <a:spcPts val="0"/>
+              </a:spcAft>
+              <a:buClrTx/>
+              <a:buSzTx/>
+              <a:buFontTx/>
+              <a:buNone/>
+              <a:tabLst/>
+              <a:defRPr/>
+            </a:pPr>
+            <a:r>
+              <a:rPr lang="en-US" sz="1200" dirty="0">
                 <a:effectLst/>
                 <a:latin typeface="+mn-lt"/>
-              </a:rPr>
-              <a:t>and this creates an additional complication. </a:t>
-            </a:r>
-            <a:r>
-              <a:rPr lang="en-US" b="0" i="0" dirty="0">
-                <a:solidFill>
-                  <a:schemeClr val="tx1"/>
-                </a:solidFill>
+                <a:ea typeface="Malgun Gothic" panose="020B0503020000020004" pitchFamily="34" charset="-127"/>
+                <a:cs typeface="Times New Roman" panose="02020603050405020304" pitchFamily="18" charset="0"/>
+              </a:rPr>
+              <a:t>The entire process for finding the updated value for weight Wgf1 is pictured here.   Let’s walk through this figure. We start with the output Go from neuron G and the delta Fδ from output neuron F.  We first multiply these two numbers together, as shown by the multiplication sign.  We then multiply that value by -1 and add that to weight Wgf1.  The green arrow is the update step, where this result becomes the new value of Wgf1.</a:t>
+            </a:r>
+          </a:p>
+          <a:p>
+            <a:pPr marL="0" marR="0" lvl="0" indent="0" algn="l" defTabSz="914400" rtl="0" eaLnBrk="1" fontAlgn="auto" latinLnBrk="0" hangingPunct="1">
+              <a:lnSpc>
+                <a:spcPct val="100000"/>
+              </a:lnSpc>
+              <a:spcBef>
+                <a:spcPts val="0"/>
+              </a:spcBef>
+              <a:spcAft>
+                <a:spcPts val="0"/>
+              </a:spcAft>
+              <a:buClrTx/>
+              <a:buSzTx/>
+              <a:buFontTx/>
+              <a:buNone/>
+              <a:tabLst/>
+              <a:defRPr/>
+            </a:pPr>
+            <a:endParaRPr lang="en-US" sz="1200" dirty="0">
+              <a:effectLst/>
+              <a:latin typeface="+mn-lt"/>
+              <a:ea typeface="Malgun Gothic" panose="020B0503020000020004" pitchFamily="34" charset="-127"/>
+              <a:cs typeface="Times New Roman" panose="02020603050405020304" pitchFamily="18" charset="0"/>
+            </a:endParaRPr>
+          </a:p>
+          <a:p>
+            <a:pPr marL="0" marR="0" lvl="0" indent="0" algn="l" defTabSz="914400" rtl="0" eaLnBrk="1" fontAlgn="auto" latinLnBrk="0" hangingPunct="1">
+              <a:lnSpc>
+                <a:spcPct val="100000"/>
+              </a:lnSpc>
+              <a:spcBef>
+                <a:spcPts val="0"/>
+              </a:spcBef>
+              <a:spcAft>
+                <a:spcPts val="0"/>
+              </a:spcAft>
+              <a:buClrTx/>
+              <a:buSzTx/>
+              <a:buFontTx/>
+              <a:buNone/>
+              <a:tabLst/>
+              <a:defRPr/>
+            </a:pPr>
+            <a:r>
+              <a:rPr lang="en-US" sz="1200" dirty="0">
                 <a:effectLst/>
                 <a:latin typeface="+mn-lt"/>
-              </a:rPr>
-              <a:t>  </a:t>
-            </a:r>
-            <a:r>
-              <a:rPr lang="en-US" b="0" i="0" dirty="0">
-                <a:solidFill>
-                  <a:srgbClr val="3C3C3B"/>
-                </a:solidFill>
+                <a:ea typeface="Malgun Gothic" panose="020B0503020000020004" pitchFamily="34" charset="-127"/>
+                <a:cs typeface="Times New Roman" panose="02020603050405020304" pitchFamily="18" charset="0"/>
+              </a:rPr>
+              <a:t>Source: Deep Learning: </a:t>
+            </a:r>
+            <a:r>
+              <a:rPr lang="en-US" sz="1200" i="1" dirty="0">
                 <a:effectLst/>
                 <a:latin typeface="+mn-lt"/>
-              </a:rPr>
-              <a:t>Consider this simple network.  Weight W4 is linked to weight W6 which, in turn, is linked to the Total Error.  Once the error (loss) function calculates the total error, its location on the gradient, and the slope (derivative) at that location, the backpropagation algorithm must then walk this error back through all the linked weights, calculating the slope (derivative) of each, and then adjusting the weights in the direction indicated.  Calculus provides a way of managing these linked weights.  It’s called the </a:t>
-            </a:r>
-            <a:r>
-              <a:rPr lang="en-US" b="1" i="0" dirty="0">
-                <a:solidFill>
-                  <a:srgbClr val="3C3C3B"/>
-                </a:solidFill>
+                <a:ea typeface="Malgun Gothic" panose="020B0503020000020004" pitchFamily="34" charset="-127"/>
+                <a:cs typeface="Times New Roman" panose="02020603050405020304" pitchFamily="18" charset="0"/>
+              </a:rPr>
+              <a:t>A Visual Approach </a:t>
+            </a:r>
+            <a:r>
+              <a:rPr lang="en-US" sz="1200" i="0" dirty="0">
                 <a:effectLst/>
                 <a:latin typeface="+mn-lt"/>
-              </a:rPr>
-              <a:t>chain rule</a:t>
-            </a:r>
-            <a:r>
-              <a:rPr lang="en-US" b="0" i="0" dirty="0">
-                <a:solidFill>
-                  <a:srgbClr val="3C3C3B"/>
-                </a:solidFill>
+                <a:ea typeface="Malgun Gothic" panose="020B0503020000020004" pitchFamily="34" charset="-127"/>
+                <a:cs typeface="Times New Roman" panose="02020603050405020304" pitchFamily="18" charset="0"/>
+              </a:rPr>
+              <a:t>(p. 367)</a:t>
+            </a:r>
+          </a:p>
+          <a:p>
+            <a:pPr marL="0" marR="0" lvl="0" indent="0" algn="l" defTabSz="914400" rtl="0" eaLnBrk="1" fontAlgn="auto" latinLnBrk="0" hangingPunct="1">
+              <a:lnSpc>
+                <a:spcPct val="100000"/>
+              </a:lnSpc>
+              <a:spcBef>
+                <a:spcPts val="0"/>
+              </a:spcBef>
+              <a:spcAft>
+                <a:spcPts val="0"/>
+              </a:spcAft>
+              <a:buClrTx/>
+              <a:buSzTx/>
+              <a:buFontTx/>
+              <a:buNone/>
+              <a:tabLst/>
+              <a:defRPr/>
+            </a:pPr>
+            <a:endParaRPr lang="en-US" sz="1200" i="0" dirty="0">
+              <a:effectLst/>
+              <a:latin typeface="+mn-lt"/>
+              <a:ea typeface="Malgun Gothic" panose="020B0503020000020004" pitchFamily="34" charset="-127"/>
+              <a:cs typeface="Times New Roman" panose="02020603050405020304" pitchFamily="18" charset="0"/>
+            </a:endParaRPr>
+          </a:p>
+          <a:p>
+            <a:pPr marL="0" marR="0" lvl="0" indent="0" algn="l" defTabSz="914400" rtl="0" eaLnBrk="1" fontAlgn="auto" latinLnBrk="0" hangingPunct="1">
+              <a:lnSpc>
+                <a:spcPct val="100000"/>
+              </a:lnSpc>
+              <a:spcBef>
+                <a:spcPts val="0"/>
+              </a:spcBef>
+              <a:spcAft>
+                <a:spcPts val="0"/>
+              </a:spcAft>
+              <a:buClrTx/>
+              <a:buSzTx/>
+              <a:buFontTx/>
+              <a:buNone/>
+              <a:tabLst/>
+              <a:defRPr/>
+            </a:pPr>
+            <a:r>
+              <a:rPr lang="en-US" sz="1200" i="0" dirty="0">
                 <a:effectLst/>
                 <a:latin typeface="+mn-lt"/>
-              </a:rPr>
-              <a:t>.  As its name suggests, the chain rule is the way in which gradient descent calculates the contribution of each weight to the total error in relation to the other weights.  In this example, the chain rule follows the blue arrows backwards, from Total error to weight W6 and then weight W4.  The same logic applies to all the other weights, including bias.</a:t>
-            </a:r>
+                <a:ea typeface="Malgun Gothic" panose="020B0503020000020004" pitchFamily="34" charset="-127"/>
+                <a:cs typeface="Times New Roman" panose="02020603050405020304" pitchFamily="18" charset="0"/>
+              </a:rPr>
+              <a:t>===========================================================</a:t>
+            </a:r>
+          </a:p>
+          <a:p>
+            <a:pPr marL="0" marR="0" lvl="0" indent="0" algn="l" defTabSz="914400" rtl="0" eaLnBrk="1" fontAlgn="auto" latinLnBrk="0" hangingPunct="1">
+              <a:lnSpc>
+                <a:spcPct val="100000"/>
+              </a:lnSpc>
+              <a:spcBef>
+                <a:spcPts val="0"/>
+              </a:spcBef>
+              <a:spcAft>
+                <a:spcPts val="0"/>
+              </a:spcAft>
+              <a:buClrTx/>
+              <a:buSzTx/>
+              <a:buFontTx/>
+              <a:buNone/>
+              <a:tabLst/>
+              <a:defRPr/>
+            </a:pPr>
+            <a:r>
+              <a:rPr lang="en-US" sz="1200" dirty="0">
+                <a:effectLst/>
+                <a:latin typeface="+mn-lt"/>
+                <a:ea typeface="Malgun Gothic" panose="020B0503020000020004" pitchFamily="34" charset="-127"/>
+                <a:cs typeface="Times New Roman" panose="02020603050405020304" pitchFamily="18" charset="0"/>
+              </a:rPr>
+              <a:t>Showing subtraction in a diagram like this is hard, because if we have a “minus” node with two incoming arrows, it’s not clear which value is being subtracted from the other (that is, if the inputs are o and δ, do we compute o − δ or δ − o?). So, to sidestep that problem, we first multiply (Go × Fδ), multiply that by -1, and then add that result to Wgf1.</a:t>
+            </a:r>
+          </a:p>
+          <a:p>
+            <a:pPr marL="0" marR="0" lvl="0" indent="0" algn="l" defTabSz="914400" rtl="0" eaLnBrk="1" fontAlgn="auto" latinLnBrk="0" hangingPunct="1">
+              <a:lnSpc>
+                <a:spcPct val="100000"/>
+              </a:lnSpc>
+              <a:spcBef>
+                <a:spcPts val="0"/>
+              </a:spcBef>
+              <a:spcAft>
+                <a:spcPts val="0"/>
+              </a:spcAft>
+              <a:buClrTx/>
+              <a:buSzTx/>
+              <a:buFontTx/>
+              <a:buNone/>
+              <a:tabLst/>
+              <a:defRPr/>
+            </a:pPr>
+            <a:endParaRPr lang="en-US" sz="1200" dirty="0">
+              <a:effectLst/>
+              <a:latin typeface="+mn-lt"/>
+              <a:ea typeface="Malgun Gothic" panose="020B0503020000020004" pitchFamily="34" charset="-127"/>
+              <a:cs typeface="Times New Roman" panose="02020603050405020304" pitchFamily="18" charset="0"/>
+            </a:endParaRPr>
+          </a:p>
+          <a:p>
+            <a:pPr marL="0" marR="0" lvl="0" indent="0" algn="l" defTabSz="914400" rtl="0" eaLnBrk="1" fontAlgn="auto" latinLnBrk="0" hangingPunct="1">
+              <a:lnSpc>
+                <a:spcPct val="100000"/>
+              </a:lnSpc>
+              <a:spcBef>
+                <a:spcPts val="0"/>
+              </a:spcBef>
+              <a:spcAft>
+                <a:spcPts val="0"/>
+              </a:spcAft>
+              <a:buClrTx/>
+              <a:buSzTx/>
+              <a:buFontTx/>
+              <a:buNone/>
+              <a:tabLst/>
+              <a:defRPr/>
+            </a:pPr>
+            <a:endParaRPr lang="en-US" sz="1200" i="0" dirty="0">
+              <a:effectLst/>
+              <a:latin typeface="+mn-lt"/>
+              <a:ea typeface="Malgun Gothic" panose="020B0503020000020004" pitchFamily="34" charset="-127"/>
+              <a:cs typeface="Times New Roman" panose="02020603050405020304" pitchFamily="18" charset="0"/>
+            </a:endParaRPr>
           </a:p>
           <a:p>
             <a:endParaRPr lang="en-US" b="0" i="0" dirty="0">
@@ -2081,7 +2191,7 @@
     </p:spTree>
     <p:extLst>
       <p:ext uri="{BB962C8B-B14F-4D97-AF65-F5344CB8AC3E}">
-        <p14:creationId xmlns:p14="http://schemas.microsoft.com/office/powerpoint/2010/main" val="2891833994"/>
+        <p14:creationId xmlns:p14="http://schemas.microsoft.com/office/powerpoint/2010/main" val="1475752521"/>
       </p:ext>
     </p:extLst>
   </p:cSld>
@@ -2135,7 +2245,71 @@
           <a:bodyPr/>
           <a:lstStyle/>
           <a:p>
-            <a:endParaRPr lang="en-US" dirty="0"/>
+            <a:r>
+              <a:rPr lang="en-US" dirty="0">
+                <a:latin typeface="+mn-lt"/>
+              </a:rPr>
+              <a:t>Now that we understand how individual weights are updated, one final issue remains.  Network weights are linked together, </a:t>
+            </a:r>
+            <a:r>
+              <a:rPr lang="en-US" b="0" i="0" dirty="0">
+                <a:solidFill>
+                  <a:srgbClr val="3C3C3B"/>
+                </a:solidFill>
+                <a:effectLst/>
+                <a:latin typeface="+mn-lt"/>
+              </a:rPr>
+              <a:t>and this creates an additional complication. </a:t>
+            </a:r>
+            <a:r>
+              <a:rPr lang="en-US" b="0" i="0" dirty="0">
+                <a:solidFill>
+                  <a:schemeClr val="tx1"/>
+                </a:solidFill>
+                <a:effectLst/>
+                <a:latin typeface="+mn-lt"/>
+              </a:rPr>
+              <a:t>  </a:t>
+            </a:r>
+            <a:r>
+              <a:rPr lang="en-US" b="0" i="0" dirty="0">
+                <a:solidFill>
+                  <a:srgbClr val="3C3C3B"/>
+                </a:solidFill>
+                <a:effectLst/>
+                <a:latin typeface="+mn-lt"/>
+              </a:rPr>
+              <a:t>Consider this simple network.  Weight Wxg2 is linked to weight Wgf1 which, in turn, is linked to the Total Error.  Once the error (loss) function calculates the total error, its location on the gradient, and the slope (derivative) at that location, the optimizer then walks this error back through all the linked weights, calculating the slope (derivative) of each, and then adjusting the weights in the direction indicated.  Calculus provides a way of managing these linked weights.  It’s called the </a:t>
+            </a:r>
+            <a:r>
+              <a:rPr lang="en-US" b="1" i="0" dirty="0">
+                <a:solidFill>
+                  <a:srgbClr val="3C3C3B"/>
+                </a:solidFill>
+                <a:effectLst/>
+                <a:latin typeface="+mn-lt"/>
+              </a:rPr>
+              <a:t>chain rule</a:t>
+            </a:r>
+            <a:r>
+              <a:rPr lang="en-US" b="0" i="0" dirty="0">
+                <a:solidFill>
+                  <a:srgbClr val="3C3C3B"/>
+                </a:solidFill>
+                <a:effectLst/>
+                <a:latin typeface="+mn-lt"/>
+              </a:rPr>
+              <a:t>.  As its name suggests, the chain rule is the way in which gradient descent calculates the contribution of each weight to the total error in relation to the other weights.  In this example, the chain rule follows the blue arrows backwards, from Total error to weight Wgf1 and then weight Wxg2.  The same logic applies to all the other weights, including bias.</a:t>
+            </a:r>
+          </a:p>
+          <a:p>
+            <a:endParaRPr lang="en-US" b="0" i="0" dirty="0">
+              <a:solidFill>
+                <a:srgbClr val="3C3C3B"/>
+              </a:solidFill>
+              <a:effectLst/>
+              <a:latin typeface="Lato"/>
+            </a:endParaRPr>
           </a:p>
         </p:txBody>
       </p:sp>
@@ -2165,7 +2339,7 @@
     </p:spTree>
     <p:extLst>
       <p:ext uri="{BB962C8B-B14F-4D97-AF65-F5344CB8AC3E}">
-        <p14:creationId xmlns:p14="http://schemas.microsoft.com/office/powerpoint/2010/main" val="3960210378"/>
+        <p14:creationId xmlns:p14="http://schemas.microsoft.com/office/powerpoint/2010/main" val="2891833994"/>
       </p:ext>
     </p:extLst>
   </p:cSld>
@@ -2238,7 +2412,7 @@
           <a:bodyPr/>
           <a:lstStyle/>
           <a:p>
-            <a:fld id="{577A96DE-0102-FE41-808A-B23D4556A9D0}" type="slidenum">
+            <a:fld id="{3148858F-F1DB-4027-9C85-CCA6849540DD}" type="slidenum">
               <a:rPr lang="en-US" smtClean="0"/>
               <a:t>19</a:t>
             </a:fld>
@@ -2249,7 +2423,7 @@
     </p:spTree>
     <p:extLst>
       <p:ext uri="{BB962C8B-B14F-4D97-AF65-F5344CB8AC3E}">
-        <p14:creationId xmlns:p14="http://schemas.microsoft.com/office/powerpoint/2010/main" val="2668174040"/>
+        <p14:creationId xmlns:p14="http://schemas.microsoft.com/office/powerpoint/2010/main" val="3960210378"/>
       </p:ext>
     </p:extLst>
   </p:cSld>
@@ -2315,16 +2489,7 @@
             </a:r>
           </a:p>
           <a:p>
-            <a:endParaRPr lang="en-US" b="0" i="0" u="none" dirty="0">
-              <a:solidFill>
-                <a:srgbClr val="3C3C3B"/>
-              </a:solidFill>
-              <a:effectLst/>
-              <a:latin typeface="+mn-lt"/>
-            </a:endParaRPr>
-          </a:p>
-          <a:p>
-            <a:pPr marL="228600" marR="0" lvl="0" indent="-228600" algn="l" defTabSz="914400" rtl="0" eaLnBrk="1" fontAlgn="auto" latinLnBrk="0" hangingPunct="1">
+            <a:pPr marL="0" marR="0" lvl="0" indent="0" algn="l" defTabSz="914400" rtl="0" eaLnBrk="1" fontAlgn="auto" latinLnBrk="0" hangingPunct="1">
               <a:lnSpc>
                 <a:spcPct val="100000"/>
               </a:lnSpc>
@@ -2337,63 +2502,20 @@
               <a:buClrTx/>
               <a:buSzTx/>
               <a:buFontTx/>
-              <a:buAutoNum type="arabicPeriod"/>
+              <a:buNone/>
               <a:tabLst/>
               <a:defRPr/>
             </a:pPr>
-            <a:r>
-              <a:rPr lang="en-US" b="0" i="0" dirty="0">
-                <a:solidFill>
-                  <a:srgbClr val="3C3C3B"/>
-                </a:solidFill>
-                <a:effectLst/>
-                <a:latin typeface="+mn-lt"/>
-              </a:rPr>
-              <a:t>During </a:t>
-            </a:r>
-            <a:r>
-              <a:rPr lang="en-US" b="1" i="0" dirty="0">
-                <a:solidFill>
-                  <a:srgbClr val="3C3C3B"/>
-                </a:solidFill>
-                <a:effectLst/>
-                <a:latin typeface="+mn-lt"/>
-              </a:rPr>
-              <a:t>forward propagation</a:t>
-            </a:r>
-            <a:r>
-              <a:rPr lang="en-US" b="0" i="0" dirty="0">
-                <a:solidFill>
-                  <a:srgbClr val="3C3C3B"/>
-                </a:solidFill>
-                <a:effectLst/>
-                <a:latin typeface="+mn-lt"/>
-              </a:rPr>
-              <a:t>, the flow of numbers is from left to right.  That flow, however, is reversed in </a:t>
-            </a:r>
-            <a:r>
-              <a:rPr lang="en-US" b="1" i="0" dirty="0">
-                <a:solidFill>
-                  <a:srgbClr val="3C3C3B"/>
-                </a:solidFill>
-                <a:effectLst/>
-                <a:latin typeface="+mn-lt"/>
-              </a:rPr>
-              <a:t>back propagation</a:t>
-            </a:r>
-            <a:r>
-              <a:rPr lang="en-US" b="0" i="0" dirty="0">
-                <a:solidFill>
-                  <a:srgbClr val="3C3C3B"/>
-                </a:solidFill>
-                <a:effectLst/>
-                <a:latin typeface="+mn-lt"/>
-              </a:rPr>
-              <a:t> as we will see in the next slide.</a:t>
-            </a:r>
-          </a:p>
-          <a:p>
-            <a:pPr marL="228600" marR="0" lvl="0" indent="-228600" algn="l" defTabSz="914400" rtl="0" eaLnBrk="1" fontAlgn="auto" latinLnBrk="0" hangingPunct="1">
+            <a:endParaRPr lang="en-US" b="0" i="0" u="none" dirty="0">
+              <a:solidFill>
+                <a:srgbClr val="3C3C3B"/>
+              </a:solidFill>
+              <a:effectLst/>
+              <a:latin typeface="+mn-lt"/>
+            </a:endParaRPr>
+          </a:p>
+          <a:p>
+            <a:pPr marL="285750" marR="0" lvl="0" indent="-285750" algn="l" defTabSz="914400" rtl="0" eaLnBrk="1" fontAlgn="auto" latinLnBrk="0" hangingPunct="1">
               <a:lnSpc>
                 <a:spcPct val="100000"/>
               </a:lnSpc>
@@ -2406,7 +2528,76 @@
               <a:buClrTx/>
               <a:buSzTx/>
               <a:buFontTx/>
-              <a:buAutoNum type="arabicPeriod"/>
+              <a:buAutoNum type="romanLcPeriod"/>
+              <a:tabLst/>
+              <a:defRPr/>
+            </a:pPr>
+            <a:r>
+              <a:rPr lang="en-US" b="0" i="0" dirty="0">
+                <a:solidFill>
+                  <a:srgbClr val="3C3C3B"/>
+                </a:solidFill>
+                <a:effectLst/>
+                <a:latin typeface="+mn-lt"/>
+              </a:rPr>
+              <a:t>During </a:t>
+            </a:r>
+            <a:r>
+              <a:rPr lang="en-US" b="1" i="0" dirty="0">
+                <a:solidFill>
+                  <a:srgbClr val="3C3C3B"/>
+                </a:solidFill>
+                <a:effectLst/>
+                <a:latin typeface="+mn-lt"/>
+              </a:rPr>
+              <a:t>forward propagation</a:t>
+            </a:r>
+            <a:r>
+              <a:rPr lang="en-US" b="0" i="0" dirty="0">
+                <a:solidFill>
+                  <a:srgbClr val="3C3C3B"/>
+                </a:solidFill>
+                <a:effectLst/>
+                <a:latin typeface="+mn-lt"/>
+              </a:rPr>
+              <a:t>, the flow of numbers is from left to right.  That flow, however, is reversed in </a:t>
+            </a:r>
+            <a:r>
+              <a:rPr lang="en-US" b="1" i="0" dirty="0">
+                <a:solidFill>
+                  <a:srgbClr val="3C3C3B"/>
+                </a:solidFill>
+                <a:effectLst/>
+                <a:latin typeface="+mn-lt"/>
+              </a:rPr>
+              <a:t>back propagation</a:t>
+            </a:r>
+            <a:r>
+              <a:rPr lang="en-US" b="0" i="0" dirty="0">
+                <a:solidFill>
+                  <a:srgbClr val="3C3C3B"/>
+                </a:solidFill>
+                <a:effectLst/>
+                <a:latin typeface="+mn-lt"/>
+              </a:rPr>
+              <a:t> as we will see in the next slide.</a:t>
+            </a:r>
+          </a:p>
+          <a:p>
+            <a:pPr marL="285750" marR="0" lvl="0" indent="-285750" algn="l" defTabSz="914400" rtl="0" eaLnBrk="1" fontAlgn="auto" latinLnBrk="0" hangingPunct="1">
+              <a:lnSpc>
+                <a:spcPct val="100000"/>
+              </a:lnSpc>
+              <a:spcBef>
+                <a:spcPts val="0"/>
+              </a:spcBef>
+              <a:spcAft>
+                <a:spcPts val="0"/>
+              </a:spcAft>
+              <a:buClrTx/>
+              <a:buSzTx/>
+              <a:buFontTx/>
+              <a:buAutoNum type="romanLcPeriod"/>
               <a:tabLst/>
               <a:defRPr/>
             </a:pPr>
@@ -2686,7 +2877,7 @@
     </p:spTree>
     <p:extLst>
       <p:ext uri="{BB962C8B-B14F-4D97-AF65-F5344CB8AC3E}">
-        <p14:creationId xmlns:p14="http://schemas.microsoft.com/office/powerpoint/2010/main" val="2894673791"/>
+        <p14:creationId xmlns:p14="http://schemas.microsoft.com/office/powerpoint/2010/main" val="2668174040"/>
       </p:ext>
     </p:extLst>
   </p:cSld>
@@ -2770,7 +2961,7 @@
     </p:spTree>
     <p:extLst>
       <p:ext uri="{BB962C8B-B14F-4D97-AF65-F5344CB8AC3E}">
-        <p14:creationId xmlns:p14="http://schemas.microsoft.com/office/powerpoint/2010/main" val="2554863054"/>
+        <p14:creationId xmlns:p14="http://schemas.microsoft.com/office/powerpoint/2010/main" val="2894673791"/>
       </p:ext>
     </p:extLst>
   </p:cSld>
@@ -2854,7 +3045,7 @@
     </p:spTree>
     <p:extLst>
       <p:ext uri="{BB962C8B-B14F-4D97-AF65-F5344CB8AC3E}">
-        <p14:creationId xmlns:p14="http://schemas.microsoft.com/office/powerpoint/2010/main" val="1538858340"/>
+        <p14:creationId xmlns:p14="http://schemas.microsoft.com/office/powerpoint/2010/main" val="2554863054"/>
       </p:ext>
     </p:extLst>
   </p:cSld>
@@ -2938,7 +3129,7 @@
     </p:spTree>
     <p:extLst>
       <p:ext uri="{BB962C8B-B14F-4D97-AF65-F5344CB8AC3E}">
-        <p14:creationId xmlns:p14="http://schemas.microsoft.com/office/powerpoint/2010/main" val="1270975138"/>
+        <p14:creationId xmlns:p14="http://schemas.microsoft.com/office/powerpoint/2010/main" val="1538858340"/>
       </p:ext>
     </p:extLst>
   </p:cSld>
@@ -3022,7 +3213,7 @@
     </p:spTree>
     <p:extLst>
       <p:ext uri="{BB962C8B-B14F-4D97-AF65-F5344CB8AC3E}">
-        <p14:creationId xmlns:p14="http://schemas.microsoft.com/office/powerpoint/2010/main" val="3767610197"/>
+        <p14:creationId xmlns:p14="http://schemas.microsoft.com/office/powerpoint/2010/main" val="1270975138"/>
       </p:ext>
     </p:extLst>
   </p:cSld>
@@ -3076,18 +3267,7 @@
           <a:bodyPr/>
           <a:lstStyle/>
           <a:p>
-            <a:r>
-              <a:rPr lang="en-US" dirty="0"/>
-              <a:t>And finally, let’s zoom out and consider the training process from the perspective of the overall model.  Here we see the training process (the process of </a:t>
-            </a:r>
-            <a:r>
-              <a:rPr lang="en-US" b="1" dirty="0"/>
-              <a:t>model convergence)</a:t>
-            </a:r>
-            <a:r>
-              <a:rPr lang="en-US" dirty="0"/>
-              <a:t> simulated for a linear regression model.  As our model converges to a global minimum – that is, the model’s fit improves as the regression line moves – our training loss drops and adjustments to our parameters (weights and biases) levels off.</a:t>
-            </a:r>
+            <a:endParaRPr lang="en-US" dirty="0"/>
           </a:p>
         </p:txBody>
       </p:sp>
@@ -3106,7 +3286,7 @@
           <a:bodyPr/>
           <a:lstStyle/>
           <a:p>
-            <a:fld id="{3148858F-F1DB-4027-9C85-CCA6849540DD}" type="slidenum">
+            <a:fld id="{577A96DE-0102-FE41-808A-B23D4556A9D0}" type="slidenum">
               <a:rPr lang="en-US" smtClean="0"/>
               <a:t>25</a:t>
             </a:fld>
@@ -3117,7 +3297,7 @@
     </p:spTree>
     <p:extLst>
       <p:ext uri="{BB962C8B-B14F-4D97-AF65-F5344CB8AC3E}">
-        <p14:creationId xmlns:p14="http://schemas.microsoft.com/office/powerpoint/2010/main" val="2567730846"/>
+        <p14:creationId xmlns:p14="http://schemas.microsoft.com/office/powerpoint/2010/main" val="3767610197"/>
       </p:ext>
     </p:extLst>
   </p:cSld>
@@ -3173,15 +3353,15 @@
           <a:p>
             <a:r>
               <a:rPr lang="en-US" dirty="0"/>
-              <a:t>Well, we have covered a lot of territory in this presentation.  First, we discussed the loss function and a network’s </a:t>
+              <a:t>And finally, let’s zoom out and consider the training process from the perspective of the overall model.  Here we see the training process (the process of </a:t>
             </a:r>
             <a:r>
               <a:rPr lang="en-US" b="1" dirty="0"/>
-              <a:t>total error</a:t>
+              <a:t>model convergence)</a:t>
             </a:r>
             <a:r>
               <a:rPr lang="en-US" dirty="0"/>
-              <a:t>.  That was followed by an in-depth look at gradient descent and the use of partial differential equations to calculate the derivative or slope at a given point on the gradient.  We also learned that most loss functions exhibit complex contours, featuring hills, values, and plateaus, making it difficult to locate the global minimum.  And finally, I discussed how backpropagation employs the chain rule to determine the contribution of each weight to the total error in relation to the other weights.  </a:t>
+              <a:t> simulated for a linear regression model.  As our model converges to a global minimum – that is, the model’s fit improves as the regression line moves – our training loss drops and adjustments to our parameters (weights and biases) levels off.</a:t>
             </a:r>
           </a:p>
         </p:txBody>
@@ -3212,7 +3392,7 @@
     </p:spTree>
     <p:extLst>
       <p:ext uri="{BB962C8B-B14F-4D97-AF65-F5344CB8AC3E}">
-        <p14:creationId xmlns:p14="http://schemas.microsoft.com/office/powerpoint/2010/main" val="1690277211"/>
+        <p14:creationId xmlns:p14="http://schemas.microsoft.com/office/powerpoint/2010/main" val="2567730846"/>
       </p:ext>
     </p:extLst>
   </p:cSld>
@@ -3266,7 +3446,18 @@
           <a:bodyPr/>
           <a:lstStyle/>
           <a:p>
-            <a:endParaRPr lang="en-US" dirty="0"/>
+            <a:r>
+              <a:rPr lang="en-US" dirty="0"/>
+              <a:t>Well, we have covered a lot of territory in this presentation.  First, we discussed the loss function and a network’s </a:t>
+            </a:r>
+            <a:r>
+              <a:rPr lang="en-US" b="1" dirty="0"/>
+              <a:t>total error</a:t>
+            </a:r>
+            <a:r>
+              <a:rPr lang="en-US" dirty="0"/>
+              <a:t>.  That was followed by an in-depth look at gradient descent and the use of partial differential equations to calculate the derivative or slope at a given point on the gradient.  We also learned that most loss functions exhibit complex contours, featuring hills, values, and plateaus, making it difficult to locate the global minimum.  And finally, I discussed how backpropagation employs the chain rule to determine the contribution of each weight to the total error in relation to the other weights.  </a:t>
+            </a:r>
           </a:p>
         </p:txBody>
       </p:sp>
@@ -3296,7 +3487,7 @@
     </p:spTree>
     <p:extLst>
       <p:ext uri="{BB962C8B-B14F-4D97-AF65-F5344CB8AC3E}">
-        <p14:creationId xmlns:p14="http://schemas.microsoft.com/office/powerpoint/2010/main" val="3213588290"/>
+        <p14:creationId xmlns:p14="http://schemas.microsoft.com/office/powerpoint/2010/main" val="1690277211"/>
       </p:ext>
     </p:extLst>
   </p:cSld>
@@ -3350,7 +3541,59 @@
           <a:bodyPr/>
           <a:lstStyle/>
           <a:p>
-            <a:endParaRPr lang="en-US" dirty="0"/>
+            <a:r>
+              <a:rPr lang="en-US" dirty="0"/>
+              <a:t>MNIST (</a:t>
+            </a:r>
+            <a:r>
+              <a:rPr lang="en-US" b="0" i="1" dirty="0">
+                <a:solidFill>
+                  <a:srgbClr val="202122"/>
+                </a:solidFill>
+                <a:effectLst/>
+                <a:latin typeface="Arial" panose="020B0604020202020204" pitchFamily="34" charset="0"/>
+              </a:rPr>
+              <a:t>Modified </a:t>
+            </a:r>
+            <a:r>
+              <a:rPr lang="en-US" b="0" i="1" u="none" strike="noStrike" dirty="0">
+                <a:solidFill>
+                  <a:srgbClr val="0645AD"/>
+                </a:solidFill>
+                <a:effectLst/>
+                <a:latin typeface="Arial" panose="020B0604020202020204" pitchFamily="34" charset="0"/>
+                <a:hlinkClick r:id="rId3" tooltip="National Institute of Standards and Technology"/>
+              </a:rPr>
+              <a:t>National Institute of Standards and Technology</a:t>
+            </a:r>
+            <a:r>
+              <a:rPr lang="en-US" b="0" i="1" u="none" strike="noStrike" dirty="0">
+                <a:solidFill>
+                  <a:srgbClr val="202122"/>
+                </a:solidFill>
+                <a:effectLst/>
+                <a:latin typeface="Arial" panose="020B0604020202020204" pitchFamily="34" charset="0"/>
+              </a:rPr>
+              <a:t>)</a:t>
+            </a:r>
+            <a:r>
+              <a:rPr lang="en-US" dirty="0"/>
+              <a:t> is a famous dataset of handwritten digits with 60,000 examples in the training set and 10,000 in the test set. </a:t>
+            </a:r>
+            <a:r>
+              <a:rPr lang="en-US" b="0" i="0" dirty="0">
+                <a:solidFill>
+                  <a:srgbClr val="202122"/>
+                </a:solidFill>
+                <a:effectLst/>
+                <a:latin typeface="Arial" panose="020B0604020202020204" pitchFamily="34" charset="0"/>
+              </a:rPr>
+              <a:t>MNIST was created in 1998 – a long, long time ago in AI time.  </a:t>
+            </a:r>
+            <a:r>
+              <a:rPr lang="en-US" dirty="0"/>
+              <a:t>Creating a deep learning model to correctly classify a given image is equivalent to writing a “Hello World” program in AI. </a:t>
+            </a:r>
           </a:p>
         </p:txBody>
       </p:sp>
@@ -3380,7 +3623,7 @@
     </p:spTree>
     <p:extLst>
       <p:ext uri="{BB962C8B-B14F-4D97-AF65-F5344CB8AC3E}">
-        <p14:creationId xmlns:p14="http://schemas.microsoft.com/office/powerpoint/2010/main" val="372051230"/>
+        <p14:creationId xmlns:p14="http://schemas.microsoft.com/office/powerpoint/2010/main" val="1974960137"/>
       </p:ext>
     </p:extLst>
   </p:cSld>
@@ -3434,104 +3677,7 @@
           <a:bodyPr/>
           <a:lstStyle/>
           <a:p>
-            <a:pPr algn="l"/>
-            <a:r>
-              <a:rPr lang="en-US" sz="1800" b="0" i="1" u="none" strike="noStrike" baseline="0" dirty="0">
-                <a:solidFill>
-                  <a:srgbClr val="000000"/>
-                </a:solidFill>
-                <a:latin typeface="+mn-lt"/>
-              </a:rPr>
-              <a:t>Gradient Descent </a:t>
-            </a:r>
-            <a:r>
-              <a:rPr lang="en-US" sz="1800" b="0" i="0" u="none" strike="noStrike" baseline="0" dirty="0">
-                <a:solidFill>
-                  <a:srgbClr val="000000"/>
-                </a:solidFill>
-                <a:latin typeface="+mn-lt"/>
-              </a:rPr>
-              <a:t>is a generic optimization algorithm capable of finding optimal solutions to a wide range of problems. The general idea of Gradient Descent is to tweak parameters (weights) iteratively in order to minimize a cost function. Suppose you are lost in the mountains in a dense fog, and you can only feel the slope of the ground below your feet. A good strategy to get to the bottom of the valley quickly is to go downhill in the direction of the steepest slope. This is exactly what Gradient Descent does: it measures the local gradient of the error function with regard to each weight in the network, and it goes in the direction of descending gradient.  Weights are often combined into a parameter vector </a:t>
-            </a:r>
-            <a:r>
-              <a:rPr lang="en-US" sz="1800" b="1" i="0" u="none" strike="noStrike" baseline="0" dirty="0">
-                <a:solidFill>
-                  <a:srgbClr val="000000"/>
-                </a:solidFill>
-                <a:latin typeface="+mn-lt"/>
-              </a:rPr>
-              <a:t>θ, </a:t>
-            </a:r>
-            <a:r>
-              <a:rPr lang="en-US" sz="1800" b="0" i="0" u="none" strike="noStrike" baseline="0" dirty="0">
-                <a:solidFill>
-                  <a:srgbClr val="000000"/>
-                </a:solidFill>
-                <a:latin typeface="+mn-lt"/>
-              </a:rPr>
-              <a:t>pictured here at the Minimum.  Once the gradient is zero, you have reached a minimum!  Concretely, you start by filling </a:t>
-            </a:r>
-            <a:r>
-              <a:rPr lang="en-US" sz="1800" b="1" i="0" u="none" strike="noStrike" baseline="0" dirty="0">
-                <a:solidFill>
-                  <a:srgbClr val="000000"/>
-                </a:solidFill>
-                <a:latin typeface="+mn-lt"/>
-              </a:rPr>
-              <a:t>θ </a:t>
-            </a:r>
-            <a:r>
-              <a:rPr lang="en-US" sz="1800" b="0" i="0" u="none" strike="noStrike" baseline="0" dirty="0">
-                <a:solidFill>
-                  <a:srgbClr val="000000"/>
-                </a:solidFill>
-                <a:latin typeface="+mn-lt"/>
-              </a:rPr>
-              <a:t>with random values (this is called </a:t>
-            </a:r>
-            <a:r>
-              <a:rPr lang="en-US" sz="1800" b="0" i="1" u="none" strike="noStrike" baseline="0" dirty="0">
-                <a:solidFill>
-                  <a:srgbClr val="000000"/>
-                </a:solidFill>
-                <a:latin typeface="+mn-lt"/>
-              </a:rPr>
-              <a:t>random initialization</a:t>
-            </a:r>
-            <a:r>
-              <a:rPr lang="en-US" sz="1800" b="0" i="0" u="none" strike="noStrike" baseline="0" dirty="0">
-                <a:solidFill>
-                  <a:srgbClr val="000000"/>
-                </a:solidFill>
-                <a:latin typeface="+mn-lt"/>
-              </a:rPr>
-              <a:t>). Then you improve it gradually, taking one baby step at a time, each step attempting to decrease the cost function (e.g., the MSE), until the algorithm </a:t>
-            </a:r>
-            <a:r>
-              <a:rPr lang="en-US" sz="1800" b="0" i="1" u="none" strike="noStrike" baseline="0" dirty="0">
-                <a:solidFill>
-                  <a:srgbClr val="000000"/>
-                </a:solidFill>
-                <a:latin typeface="+mn-lt"/>
-              </a:rPr>
-              <a:t>converges </a:t>
-            </a:r>
-            <a:r>
-              <a:rPr lang="en-US" sz="1800" b="0" i="0" u="none" strike="noStrike" baseline="0" dirty="0">
-                <a:solidFill>
-                  <a:srgbClr val="000000"/>
-                </a:solidFill>
-                <a:latin typeface="+mn-lt"/>
-              </a:rPr>
-              <a:t>to a minimum.</a:t>
-            </a:r>
-            <a:endParaRPr lang="en-US" b="0" i="0" dirty="0">
-              <a:solidFill>
-                <a:srgbClr val="3C3C3B"/>
-              </a:solidFill>
-              <a:effectLst/>
-              <a:latin typeface="+mn-lt"/>
-            </a:endParaRPr>
+            <a:endParaRPr lang="en-US" dirty="0"/>
           </a:p>
         </p:txBody>
       </p:sp>
@@ -3561,7 +3707,7 @@
     </p:spTree>
     <p:extLst>
       <p:ext uri="{BB962C8B-B14F-4D97-AF65-F5344CB8AC3E}">
-        <p14:creationId xmlns:p14="http://schemas.microsoft.com/office/powerpoint/2010/main" val="1199395141"/>
+        <p14:creationId xmlns:p14="http://schemas.microsoft.com/office/powerpoint/2010/main" val="3213588290"/>
       </p:ext>
     </p:extLst>
   </p:cSld>
@@ -3808,6 +3954,271 @@
           <a:bodyPr/>
           <a:lstStyle/>
           <a:p>
+            <a:endParaRPr lang="en-US" dirty="0"/>
+          </a:p>
+        </p:txBody>
+      </p:sp>
+      <p:sp>
+        <p:nvSpPr>
+          <p:cNvPr id="4" name="Slide Number Placeholder 3"/>
+          <p:cNvSpPr>
+            <a:spLocks noGrp="1"/>
+          </p:cNvSpPr>
+          <p:nvPr>
+            <p:ph type="sldNum" sz="quarter" idx="5"/>
+          </p:nvPr>
+        </p:nvSpPr>
+        <p:spPr/>
+        <p:txBody>
+          <a:bodyPr/>
+          <a:lstStyle/>
+          <a:p>
+            <a:fld id="{3148858F-F1DB-4027-9C85-CCA6849540DD}" type="slidenum">
+              <a:rPr lang="en-US" smtClean="0"/>
+              <a:t>30</a:t>
+            </a:fld>
+            <a:endParaRPr lang="en-US"/>
+          </a:p>
+        </p:txBody>
+      </p:sp>
+    </p:spTree>
+    <p:extLst>
+      <p:ext uri="{BB962C8B-B14F-4D97-AF65-F5344CB8AC3E}">
+        <p14:creationId xmlns:p14="http://schemas.microsoft.com/office/powerpoint/2010/main" val="372051230"/>
+      </p:ext>
+    </p:extLst>
+  </p:cSld>
+  <p:clrMapOvr>
+    <a:masterClrMapping/>
+  </p:clrMapOvr>
+</p:notes>
+</file>
+
+<file path=ppt/notesSlides/notesSlide31.xml><?xml version="1.0" encoding="utf-8"?>
+<p:notes xmlns:a="http://schemas.openxmlformats.org/drawingml/2006/main" xmlns:r="http://schemas.openxmlformats.org/officeDocument/2006/relationships" xmlns:p="http://schemas.openxmlformats.org/presentationml/2006/main">
+  <p:cSld>
+    <p:spTree>
+      <p:nvGrpSpPr>
+        <p:cNvPr id="1" name=""/>
+        <p:cNvGrpSpPr/>
+        <p:nvPr/>
+      </p:nvGrpSpPr>
+      <p:grpSpPr>
+        <a:xfrm>
+          <a:off x="0" y="0"/>
+          <a:ext cx="0" cy="0"/>
+          <a:chOff x="0" y="0"/>
+          <a:chExt cx="0" cy="0"/>
+        </a:xfrm>
+      </p:grpSpPr>
+      <p:sp>
+        <p:nvSpPr>
+          <p:cNvPr id="2" name="Slide Image Placeholder 1"/>
+          <p:cNvSpPr>
+            <a:spLocks noGrp="1" noRot="1" noChangeAspect="1"/>
+          </p:cNvSpPr>
+          <p:nvPr>
+            <p:ph type="sldImg"/>
+          </p:nvPr>
+        </p:nvSpPr>
+        <p:spPr/>
+      </p:sp>
+      <p:sp>
+        <p:nvSpPr>
+          <p:cNvPr id="3" name="Notes Placeholder 2"/>
+          <p:cNvSpPr>
+            <a:spLocks noGrp="1"/>
+          </p:cNvSpPr>
+          <p:nvPr>
+            <p:ph type="body" idx="1"/>
+          </p:nvPr>
+        </p:nvSpPr>
+        <p:spPr/>
+        <p:txBody>
+          <a:bodyPr/>
+          <a:lstStyle/>
+          <a:p>
+            <a:pPr algn="l"/>
+            <a:r>
+              <a:rPr lang="en-US" sz="1800" b="0" i="1" u="none" strike="noStrike" baseline="0" dirty="0">
+                <a:solidFill>
+                  <a:srgbClr val="000000"/>
+                </a:solidFill>
+                <a:latin typeface="+mn-lt"/>
+              </a:rPr>
+              <a:t>Gradient Descent </a:t>
+            </a:r>
+            <a:r>
+              <a:rPr lang="en-US" sz="1800" b="0" i="0" u="none" strike="noStrike" baseline="0" dirty="0">
+                <a:solidFill>
+                  <a:srgbClr val="000000"/>
+                </a:solidFill>
+                <a:latin typeface="+mn-lt"/>
+              </a:rPr>
+              <a:t>is a generic optimization algorithm capable of finding optimal solutions to a wide range of problems. The general idea of Gradient Descent is to tweak parameters (weights) iteratively in order to minimize a cost function. Suppose you are lost in the mountains in a dense fog, and you can only feel the slope of the ground below your feet. A good strategy to get to the bottom of the valley quickly is to go downhill in the direction of the steepest slope. This is exactly what Gradient Descent does: it measures the local gradient of the error function with regard to each weight in the network, and it goes in the direction of descending gradient.  Weights are often combined into a parameter vector </a:t>
+            </a:r>
+            <a:r>
+              <a:rPr lang="en-US" sz="1800" b="1" i="0" u="none" strike="noStrike" baseline="0" dirty="0">
+                <a:solidFill>
+                  <a:srgbClr val="000000"/>
+                </a:solidFill>
+                <a:latin typeface="+mn-lt"/>
+              </a:rPr>
+              <a:t>θ, </a:t>
+            </a:r>
+            <a:r>
+              <a:rPr lang="en-US" sz="1800" b="0" i="0" u="none" strike="noStrike" baseline="0" dirty="0">
+                <a:solidFill>
+                  <a:srgbClr val="000000"/>
+                </a:solidFill>
+                <a:latin typeface="+mn-lt"/>
+              </a:rPr>
+              <a:t>pictured here at the Minimum.  Once the gradient is zero, you have reached a minimum!  Concretely, you start by filling </a:t>
+            </a:r>
+            <a:r>
+              <a:rPr lang="en-US" sz="1800" b="1" i="0" u="none" strike="noStrike" baseline="0" dirty="0">
+                <a:solidFill>
+                  <a:srgbClr val="000000"/>
+                </a:solidFill>
+                <a:latin typeface="+mn-lt"/>
+              </a:rPr>
+              <a:t>θ </a:t>
+            </a:r>
+            <a:r>
+              <a:rPr lang="en-US" sz="1800" b="0" i="0" u="none" strike="noStrike" baseline="0" dirty="0">
+                <a:solidFill>
+                  <a:srgbClr val="000000"/>
+                </a:solidFill>
+                <a:latin typeface="+mn-lt"/>
+              </a:rPr>
+              <a:t>with random values (this is called </a:t>
+            </a:r>
+            <a:r>
+              <a:rPr lang="en-US" sz="1800" b="0" i="1" u="none" strike="noStrike" baseline="0" dirty="0">
+                <a:solidFill>
+                  <a:srgbClr val="000000"/>
+                </a:solidFill>
+                <a:latin typeface="+mn-lt"/>
+              </a:rPr>
+              <a:t>random initialization</a:t>
+            </a:r>
+            <a:r>
+              <a:rPr lang="en-US" sz="1800" b="0" i="0" u="none" strike="noStrike" baseline="0" dirty="0">
+                <a:solidFill>
+                  <a:srgbClr val="000000"/>
+                </a:solidFill>
+                <a:latin typeface="+mn-lt"/>
+              </a:rPr>
+              <a:t>). Then you improve it gradually, taking one baby step at a time, each step attempting to decrease the cost function (e.g., the MSE), until the algorithm </a:t>
+            </a:r>
+            <a:r>
+              <a:rPr lang="en-US" sz="1800" b="0" i="1" u="none" strike="noStrike" baseline="0" dirty="0">
+                <a:solidFill>
+                  <a:srgbClr val="000000"/>
+                </a:solidFill>
+                <a:latin typeface="+mn-lt"/>
+              </a:rPr>
+              <a:t>converges </a:t>
+            </a:r>
+            <a:r>
+              <a:rPr lang="en-US" sz="1800" b="0" i="0" u="none" strike="noStrike" baseline="0" dirty="0">
+                <a:solidFill>
+                  <a:srgbClr val="000000"/>
+                </a:solidFill>
+                <a:latin typeface="+mn-lt"/>
+              </a:rPr>
+              <a:t>to a minimum.</a:t>
+            </a:r>
+            <a:endParaRPr lang="en-US" b="0" i="0" dirty="0">
+              <a:solidFill>
+                <a:srgbClr val="3C3C3B"/>
+              </a:solidFill>
+              <a:effectLst/>
+              <a:latin typeface="+mn-lt"/>
+            </a:endParaRPr>
+          </a:p>
+        </p:txBody>
+      </p:sp>
+      <p:sp>
+        <p:nvSpPr>
+          <p:cNvPr id="4" name="Slide Number Placeholder 3"/>
+          <p:cNvSpPr>
+            <a:spLocks noGrp="1"/>
+          </p:cNvSpPr>
+          <p:nvPr>
+            <p:ph type="sldNum" sz="quarter" idx="5"/>
+          </p:nvPr>
+        </p:nvSpPr>
+        <p:spPr/>
+        <p:txBody>
+          <a:bodyPr/>
+          <a:lstStyle/>
+          <a:p>
+            <a:fld id="{3148858F-F1DB-4027-9C85-CCA6849540DD}" type="slidenum">
+              <a:rPr lang="en-US" smtClean="0"/>
+              <a:t>31</a:t>
+            </a:fld>
+            <a:endParaRPr lang="en-US"/>
+          </a:p>
+        </p:txBody>
+      </p:sp>
+    </p:spTree>
+    <p:extLst>
+      <p:ext uri="{BB962C8B-B14F-4D97-AF65-F5344CB8AC3E}">
+        <p14:creationId xmlns:p14="http://schemas.microsoft.com/office/powerpoint/2010/main" val="1199395141"/>
+      </p:ext>
+    </p:extLst>
+  </p:cSld>
+  <p:clrMapOvr>
+    <a:masterClrMapping/>
+  </p:clrMapOvr>
+</p:notes>
+</file>
+
+<file path=ppt/notesSlides/notesSlide32.xml><?xml version="1.0" encoding="utf-8"?>
+<p:notes xmlns:a="http://schemas.openxmlformats.org/drawingml/2006/main" xmlns:r="http://schemas.openxmlformats.org/officeDocument/2006/relationships" xmlns:p="http://schemas.openxmlformats.org/presentationml/2006/main">
+  <p:cSld>
+    <p:spTree>
+      <p:nvGrpSpPr>
+        <p:cNvPr id="1" name=""/>
+        <p:cNvGrpSpPr/>
+        <p:nvPr/>
+      </p:nvGrpSpPr>
+      <p:grpSpPr>
+        <a:xfrm>
+          <a:off x="0" y="0"/>
+          <a:ext cx="0" cy="0"/>
+          <a:chOff x="0" y="0"/>
+          <a:chExt cx="0" cy="0"/>
+        </a:xfrm>
+      </p:grpSpPr>
+      <p:sp>
+        <p:nvSpPr>
+          <p:cNvPr id="2" name="Slide Image Placeholder 1"/>
+          <p:cNvSpPr>
+            <a:spLocks noGrp="1" noRot="1" noChangeAspect="1"/>
+          </p:cNvSpPr>
+          <p:nvPr>
+            <p:ph type="sldImg"/>
+          </p:nvPr>
+        </p:nvSpPr>
+        <p:spPr/>
+      </p:sp>
+      <p:sp>
+        <p:nvSpPr>
+          <p:cNvPr id="3" name="Notes Placeholder 2"/>
+          <p:cNvSpPr>
+            <a:spLocks noGrp="1"/>
+          </p:cNvSpPr>
+          <p:nvPr>
+            <p:ph type="body" idx="1"/>
+          </p:nvPr>
+        </p:nvSpPr>
+        <p:spPr/>
+        <p:txBody>
+          <a:bodyPr/>
+          <a:lstStyle/>
+          <a:p>
             <a:pPr marL="0" marR="0" lvl="0" indent="0" algn="l" defTabSz="914400" rtl="0" eaLnBrk="1" fontAlgn="auto" latinLnBrk="0" hangingPunct="1">
               <a:lnSpc>
                 <a:spcPct val="100000"/>
@@ -4011,7 +4422,7 @@
           <a:p>
             <a:fld id="{3148858F-F1DB-4027-9C85-CCA6849540DD}" type="slidenum">
               <a:rPr lang="en-US" smtClean="0"/>
-              <a:t>30</a:t>
+              <a:t>32</a:t>
             </a:fld>
             <a:endParaRPr lang="en-US"/>
           </a:p>
@@ -4831,8 +5242,17 @@
                 <a:effectLst/>
                 <a:latin typeface="+mn-lt"/>
               </a:rPr>
-              <a:t>Another complicating factor is the fact that the contour for many cost functions does not look like a nice, regular bowl.  So far, I have used a simple example to facilitate a foundational understanding.  But reality is often much more complex.  A contour may have holes, ridges, plateaus, and all sorts of irregular terrains, making convergence to the minimum difficult to achieve, as shown here. </a:t>
-            </a:r>
+              <a:t>Another complicating factor is the fact that the loss function’s contour may not look like a nice, regular bowl.  So far, I have used a simple example to facilitate a foundational understanding.  But reality is often much more complex.  A contour may have holes, ridges, plateaus, and all sorts of irregular terrains, making convergence to the minimum difficult to achieve, as shown here.  </a:t>
+            </a:r>
+          </a:p>
+          <a:p>
+            <a:endParaRPr lang="en-US" b="0" i="0" dirty="0">
+              <a:solidFill>
+                <a:srgbClr val="3C3C3B"/>
+              </a:solidFill>
+              <a:effectLst/>
+              <a:latin typeface="+mn-lt"/>
+            </a:endParaRPr>
           </a:p>
           <a:p>
             <a:endParaRPr lang="en-US" b="0" i="0" dirty="0">
@@ -5028,7 +5448,7 @@
           <a:p>
             <a:fld id="{C3F78080-8D0A-4BE8-A5B4-CB115102D524}" type="datetimeFigureOut">
               <a:rPr lang="en-US" smtClean="0"/>
-              <a:t>6/13/2022</a:t>
+              <a:t>6/24/2022</a:t>
             </a:fld>
             <a:endParaRPr lang="en-US"/>
           </a:p>
@@ -5226,7 +5646,7 @@
           <a:p>
             <a:fld id="{C3F78080-8D0A-4BE8-A5B4-CB115102D524}" type="datetimeFigureOut">
               <a:rPr lang="en-US" smtClean="0"/>
-              <a:t>6/13/2022</a:t>
+              <a:t>6/24/2022</a:t>
             </a:fld>
             <a:endParaRPr lang="en-US"/>
           </a:p>
@@ -5434,7 +5854,7 @@
           <a:p>
             <a:fld id="{C3F78080-8D0A-4BE8-A5B4-CB115102D524}" type="datetimeFigureOut">
               <a:rPr lang="en-US" smtClean="0"/>
-              <a:t>6/13/2022</a:t>
+              <a:t>6/24/2022</a:t>
             </a:fld>
             <a:endParaRPr lang="en-US"/>
           </a:p>
@@ -5632,7 +6052,7 @@
           <a:p>
             <a:fld id="{C3F78080-8D0A-4BE8-A5B4-CB115102D524}" type="datetimeFigureOut">
               <a:rPr lang="en-US" smtClean="0"/>
-              <a:t>6/13/2022</a:t>
+              <a:t>6/24/2022</a:t>
             </a:fld>
             <a:endParaRPr lang="en-US"/>
           </a:p>
@@ -5907,7 +6327,7 @@
           <a:p>
             <a:fld id="{C3F78080-8D0A-4BE8-A5B4-CB115102D524}" type="datetimeFigureOut">
               <a:rPr lang="en-US" smtClean="0"/>
-              <a:t>6/13/2022</a:t>
+              <a:t>6/24/2022</a:t>
             </a:fld>
             <a:endParaRPr lang="en-US"/>
           </a:p>
@@ -6172,7 +6592,7 @@
           <a:p>
             <a:fld id="{C3F78080-8D0A-4BE8-A5B4-CB115102D524}" type="datetimeFigureOut">
               <a:rPr lang="en-US" smtClean="0"/>
-              <a:t>6/13/2022</a:t>
+              <a:t>6/24/2022</a:t>
             </a:fld>
             <a:endParaRPr lang="en-US"/>
           </a:p>
@@ -6584,7 +7004,7 @@
           <a:p>
             <a:fld id="{C3F78080-8D0A-4BE8-A5B4-CB115102D524}" type="datetimeFigureOut">
               <a:rPr lang="en-US" smtClean="0"/>
-              <a:t>6/13/2022</a:t>
+              <a:t>6/24/2022</a:t>
             </a:fld>
             <a:endParaRPr lang="en-US"/>
           </a:p>
@@ -6725,7 +7145,7 @@
           <a:p>
             <a:fld id="{C3F78080-8D0A-4BE8-A5B4-CB115102D524}" type="datetimeFigureOut">
               <a:rPr lang="en-US" smtClean="0"/>
-              <a:t>6/13/2022</a:t>
+              <a:t>6/24/2022</a:t>
             </a:fld>
             <a:endParaRPr lang="en-US"/>
           </a:p>
@@ -6838,7 +7258,7 @@
           <a:p>
             <a:fld id="{C3F78080-8D0A-4BE8-A5B4-CB115102D524}" type="datetimeFigureOut">
               <a:rPr lang="en-US" smtClean="0"/>
-              <a:t>6/13/2022</a:t>
+              <a:t>6/24/2022</a:t>
             </a:fld>
             <a:endParaRPr lang="en-US"/>
           </a:p>
@@ -7149,7 +7569,7 @@
           <a:p>
             <a:fld id="{C3F78080-8D0A-4BE8-A5B4-CB115102D524}" type="datetimeFigureOut">
               <a:rPr lang="en-US" smtClean="0"/>
-              <a:t>6/13/2022</a:t>
+              <a:t>6/24/2022</a:t>
             </a:fld>
             <a:endParaRPr lang="en-US"/>
           </a:p>
@@ -7437,7 +7857,7 @@
           <a:p>
             <a:fld id="{C3F78080-8D0A-4BE8-A5B4-CB115102D524}" type="datetimeFigureOut">
               <a:rPr lang="en-US" smtClean="0"/>
-              <a:t>6/13/2022</a:t>
+              <a:t>6/24/2022</a:t>
             </a:fld>
             <a:endParaRPr lang="en-US"/>
           </a:p>
@@ -7678,7 +8098,7 @@
           <a:p>
             <a:fld id="{C3F78080-8D0A-4BE8-A5B4-CB115102D524}" type="datetimeFigureOut">
               <a:rPr lang="en-US" smtClean="0"/>
-              <a:t>6/13/2022</a:t>
+              <a:t>6/24/2022</a:t>
             </a:fld>
             <a:endParaRPr lang="en-US"/>
           </a:p>
@@ -8209,52 +8629,22 @@
           <a:chExt cx="0" cy="0"/>
         </a:xfrm>
       </p:grpSpPr>
-      <p:pic>
-        <p:nvPicPr>
-          <p:cNvPr id="4" name="Picture 3">
-            <a:extLst>
-              <a:ext uri="{FF2B5EF4-FFF2-40B4-BE49-F238E27FC236}">
-                <a16:creationId xmlns:a16="http://schemas.microsoft.com/office/drawing/2014/main" id="{5B6DEE77-D1D4-4B4E-A959-13148C7DC9CF}"/>
-              </a:ext>
-            </a:extLst>
-          </p:cNvPr>
-          <p:cNvPicPr>
-            <a:picLocks noChangeAspect="1"/>
-          </p:cNvPicPr>
+      <p:sp>
+        <p:nvSpPr>
+          <p:cNvPr id="9" name="TextBox 8">
+            <a:extLst>
+              <a:ext uri="{FF2B5EF4-FFF2-40B4-BE49-F238E27FC236}">
+                <a16:creationId xmlns:a16="http://schemas.microsoft.com/office/drawing/2014/main" id="{24DFCB35-A125-4DA8-AA3A-9B3A701BBCDA}"/>
+              </a:ext>
+            </a:extLst>
+          </p:cNvPr>
+          <p:cNvSpPr txBox="1"/>
           <p:nvPr/>
-        </p:nvPicPr>
-        <p:blipFill>
-          <a:blip r:embed="rId3"/>
-          <a:stretch>
-            <a:fillRect/>
-          </a:stretch>
-        </p:blipFill>
+        </p:nvSpPr>
         <p:spPr>
           <a:xfrm>
-            <a:off x="2356458" y="1291748"/>
-            <a:ext cx="7479084" cy="4274504"/>
-          </a:xfrm>
-          <a:prstGeom prst="rect">
-            <a:avLst/>
-          </a:prstGeom>
-        </p:spPr>
-      </p:pic>
-      <p:sp>
-        <p:nvSpPr>
-          <p:cNvPr id="5" name="TextBox 4">
-            <a:extLst>
-              <a:ext uri="{FF2B5EF4-FFF2-40B4-BE49-F238E27FC236}">
-                <a16:creationId xmlns:a16="http://schemas.microsoft.com/office/drawing/2014/main" id="{C2444A42-EDB6-4180-A4D4-3622BE895CF1}"/>
-              </a:ext>
-            </a:extLst>
-          </p:cNvPr>
-          <p:cNvSpPr txBox="1"/>
-          <p:nvPr/>
-        </p:nvSpPr>
-        <p:spPr>
-          <a:xfrm>
-            <a:off x="2506893" y="6000108"/>
-            <a:ext cx="4150759" cy="369332"/>
+            <a:off x="7080222" y="5518979"/>
+            <a:ext cx="4086127" cy="461665"/>
           </a:xfrm>
           <a:prstGeom prst="rect">
             <a:avLst/>
@@ -8262,32 +8652,319 @@
           <a:noFill/>
         </p:spPr>
         <p:txBody>
-          <a:bodyPr wrap="square" rtlCol="0">
+          <a:bodyPr wrap="square">
             <a:spAutoFit/>
           </a:bodyPr>
           <a:lstStyle/>
           <a:p>
             <a:r>
-              <a:rPr lang="en-US" dirty="0">
+              <a:rPr lang="en-US" sz="2400" b="0" i="0" u="none" strike="noStrike" baseline="0" dirty="0">
                 <a:solidFill>
                   <a:schemeClr val="tx1">
-                    <a:lumMod val="75000"/>
-                    <a:lumOff val="25000"/>
+                    <a:lumMod val="65000"/>
+                    <a:lumOff val="35000"/>
                   </a:schemeClr>
                 </a:solidFill>
                 <a:latin typeface="Palatino Linotype" panose="02040502050505030304" pitchFamily="18" charset="0"/>
               </a:rPr>
-              <a:t>Gradient Descent pitfalls</a:t>
-            </a:r>
-          </a:p>
-        </p:txBody>
-      </p:sp>
-      <p:sp>
-        <p:nvSpPr>
-          <p:cNvPr id="6" name="TextBox 5">
-            <a:extLst>
-              <a:ext uri="{FF2B5EF4-FFF2-40B4-BE49-F238E27FC236}">
-                <a16:creationId xmlns:a16="http://schemas.microsoft.com/office/drawing/2014/main" id="{9E1024F3-6530-443E-9792-F65E72C0AEAC}"/>
+              <a:t>(b) without skip connections</a:t>
+            </a:r>
+            <a:endParaRPr lang="en-US" sz="2400" dirty="0">
+              <a:solidFill>
+                <a:schemeClr val="tx1">
+                  <a:lumMod val="65000"/>
+                  <a:lumOff val="35000"/>
+                </a:schemeClr>
+              </a:solidFill>
+              <a:latin typeface="Palatino Linotype" panose="02040502050505030304" pitchFamily="18" charset="0"/>
+            </a:endParaRPr>
+          </a:p>
+        </p:txBody>
+      </p:sp>
+      <p:sp>
+        <p:nvSpPr>
+          <p:cNvPr id="11" name="TextBox 10">
+            <a:extLst>
+              <a:ext uri="{FF2B5EF4-FFF2-40B4-BE49-F238E27FC236}">
+                <a16:creationId xmlns:a16="http://schemas.microsoft.com/office/drawing/2014/main" id="{B8CADA72-BA2E-47D4-9ECF-D6EDF90D9FCD}"/>
+              </a:ext>
+            </a:extLst>
+          </p:cNvPr>
+          <p:cNvSpPr txBox="1"/>
+          <p:nvPr/>
+        </p:nvSpPr>
+        <p:spPr>
+          <a:xfrm>
+            <a:off x="1494845" y="5524769"/>
+            <a:ext cx="3895344" cy="461665"/>
+          </a:xfrm>
+          <a:prstGeom prst="rect">
+            <a:avLst/>
+          </a:prstGeom>
+          <a:noFill/>
+        </p:spPr>
+        <p:txBody>
+          <a:bodyPr wrap="square">
+            <a:spAutoFit/>
+          </a:bodyPr>
+          <a:lstStyle/>
+          <a:p>
+            <a:r>
+              <a:rPr lang="en-US" sz="2400" b="0" i="0" u="none" strike="noStrike" baseline="0" dirty="0">
+                <a:solidFill>
+                  <a:schemeClr val="tx1">
+                    <a:lumMod val="65000"/>
+                    <a:lumOff val="35000"/>
+                  </a:schemeClr>
+                </a:solidFill>
+                <a:latin typeface="Palatino Linotype" panose="02040502050505030304" pitchFamily="18" charset="0"/>
+              </a:rPr>
+              <a:t>(a) with skip connections</a:t>
+            </a:r>
+            <a:endParaRPr lang="en-US" sz="2400" dirty="0">
+              <a:solidFill>
+                <a:schemeClr val="tx1">
+                  <a:lumMod val="65000"/>
+                  <a:lumOff val="35000"/>
+                </a:schemeClr>
+              </a:solidFill>
+              <a:latin typeface="Palatino Linotype" panose="02040502050505030304" pitchFamily="18" charset="0"/>
+            </a:endParaRPr>
+          </a:p>
+        </p:txBody>
+      </p:sp>
+      <p:sp>
+        <p:nvSpPr>
+          <p:cNvPr id="12" name="Content Placeholder 4">
+            <a:extLst>
+              <a:ext uri="{FF2B5EF4-FFF2-40B4-BE49-F238E27FC236}">
+                <a16:creationId xmlns:a16="http://schemas.microsoft.com/office/drawing/2014/main" id="{1DD76B48-693A-4B66-8A67-1E27E4EDDB57}"/>
+              </a:ext>
+            </a:extLst>
+          </p:cNvPr>
+          <p:cNvSpPr txBox="1">
+            <a:spLocks/>
+          </p:cNvSpPr>
+          <p:nvPr/>
+        </p:nvSpPr>
+        <p:spPr>
+          <a:xfrm>
+            <a:off x="0" y="870001"/>
+            <a:ext cx="12192000" cy="826274"/>
+          </a:xfrm>
+          <a:prstGeom prst="rect">
+            <a:avLst/>
+          </a:prstGeom>
+        </p:spPr>
+        <p:txBody>
+          <a:bodyPr vert="horz" lIns="91440" tIns="45720" rIns="91440" bIns="45720" rtlCol="0">
+            <a:normAutofit/>
+          </a:bodyPr>
+          <a:lstStyle>
+            <a:lvl1pPr marL="0" indent="0" algn="l" defTabSz="914400" rtl="0" eaLnBrk="1" latinLnBrk="0" hangingPunct="1">
+              <a:lnSpc>
+                <a:spcPct val="90000"/>
+              </a:lnSpc>
+              <a:spcBef>
+                <a:spcPts val="1000"/>
+              </a:spcBef>
+              <a:buFont typeface="Arial" panose="020B0604020202020204" pitchFamily="34" charset="0"/>
+              <a:buNone/>
+              <a:defRPr sz="2400" kern="1200">
+                <a:solidFill>
+                  <a:schemeClr val="tx1">
+                    <a:tint val="75000"/>
+                  </a:schemeClr>
+                </a:solidFill>
+                <a:latin typeface="+mn-lt"/>
+                <a:ea typeface="+mn-ea"/>
+                <a:cs typeface="+mn-cs"/>
+              </a:defRPr>
+            </a:lvl1pPr>
+            <a:lvl2pPr marL="457200" indent="0" algn="l" defTabSz="914400" rtl="0" eaLnBrk="1" latinLnBrk="0" hangingPunct="1">
+              <a:lnSpc>
+                <a:spcPct val="90000"/>
+              </a:lnSpc>
+              <a:spcBef>
+                <a:spcPts val="500"/>
+              </a:spcBef>
+              <a:buFont typeface="Arial" panose="020B0604020202020204" pitchFamily="34" charset="0"/>
+              <a:buNone/>
+              <a:defRPr sz="2000" kern="1200">
+                <a:solidFill>
+                  <a:schemeClr val="tx1">
+                    <a:tint val="75000"/>
+                  </a:schemeClr>
+                </a:solidFill>
+                <a:latin typeface="+mn-lt"/>
+                <a:ea typeface="+mn-ea"/>
+                <a:cs typeface="+mn-cs"/>
+              </a:defRPr>
+            </a:lvl2pPr>
+            <a:lvl3pPr marL="914400" indent="0" algn="l" defTabSz="914400" rtl="0" eaLnBrk="1" latinLnBrk="0" hangingPunct="1">
+              <a:lnSpc>
+                <a:spcPct val="90000"/>
+              </a:lnSpc>
+              <a:spcBef>
+                <a:spcPts val="500"/>
+              </a:spcBef>
+              <a:buFont typeface="Arial" panose="020B0604020202020204" pitchFamily="34" charset="0"/>
+              <a:buNone/>
+              <a:defRPr sz="1800" kern="1200">
+                <a:solidFill>
+                  <a:schemeClr val="tx1">
+                    <a:tint val="75000"/>
+                  </a:schemeClr>
+                </a:solidFill>
+                <a:latin typeface="+mn-lt"/>
+                <a:ea typeface="+mn-ea"/>
+                <a:cs typeface="+mn-cs"/>
+              </a:defRPr>
+            </a:lvl3pPr>
+            <a:lvl4pPr marL="1371600" indent="0" algn="l" defTabSz="914400" rtl="0" eaLnBrk="1" latinLnBrk="0" hangingPunct="1">
+              <a:lnSpc>
+                <a:spcPct val="90000"/>
+              </a:lnSpc>
+              <a:spcBef>
+                <a:spcPts val="500"/>
+              </a:spcBef>
+              <a:buFont typeface="Arial" panose="020B0604020202020204" pitchFamily="34" charset="0"/>
+              <a:buNone/>
+              <a:defRPr sz="1600" kern="1200">
+                <a:solidFill>
+                  <a:schemeClr val="tx1">
+                    <a:tint val="75000"/>
+                  </a:schemeClr>
+                </a:solidFill>
+                <a:latin typeface="+mn-lt"/>
+                <a:ea typeface="+mn-ea"/>
+                <a:cs typeface="+mn-cs"/>
+              </a:defRPr>
+            </a:lvl4pPr>
+            <a:lvl5pPr marL="1828800" indent="0" algn="l" defTabSz="914400" rtl="0" eaLnBrk="1" latinLnBrk="0" hangingPunct="1">
+              <a:lnSpc>
+                <a:spcPct val="90000"/>
+              </a:lnSpc>
+              <a:spcBef>
+                <a:spcPts val="500"/>
+              </a:spcBef>
+              <a:buFont typeface="Arial" panose="020B0604020202020204" pitchFamily="34" charset="0"/>
+              <a:buNone/>
+              <a:defRPr sz="1600" kern="1200">
+                <a:solidFill>
+                  <a:schemeClr val="tx1">
+                    <a:tint val="75000"/>
+                  </a:schemeClr>
+                </a:solidFill>
+                <a:latin typeface="+mn-lt"/>
+                <a:ea typeface="+mn-ea"/>
+                <a:cs typeface="+mn-cs"/>
+              </a:defRPr>
+            </a:lvl5pPr>
+            <a:lvl6pPr marL="2286000" indent="0" algn="l" defTabSz="914400" rtl="0" eaLnBrk="1" latinLnBrk="0" hangingPunct="1">
+              <a:lnSpc>
+                <a:spcPct val="90000"/>
+              </a:lnSpc>
+              <a:spcBef>
+                <a:spcPts val="500"/>
+              </a:spcBef>
+              <a:buFont typeface="Arial" panose="020B0604020202020204" pitchFamily="34" charset="0"/>
+              <a:buNone/>
+              <a:defRPr sz="1600" kern="1200">
+                <a:solidFill>
+                  <a:schemeClr val="tx1">
+                    <a:tint val="75000"/>
+                  </a:schemeClr>
+                </a:solidFill>
+                <a:latin typeface="+mn-lt"/>
+                <a:ea typeface="+mn-ea"/>
+                <a:cs typeface="+mn-cs"/>
+              </a:defRPr>
+            </a:lvl6pPr>
+            <a:lvl7pPr marL="2743200" indent="0" algn="l" defTabSz="914400" rtl="0" eaLnBrk="1" latinLnBrk="0" hangingPunct="1">
+              <a:lnSpc>
+                <a:spcPct val="90000"/>
+              </a:lnSpc>
+              <a:spcBef>
+                <a:spcPts val="500"/>
+              </a:spcBef>
+              <a:buFont typeface="Arial" panose="020B0604020202020204" pitchFamily="34" charset="0"/>
+              <a:buNone/>
+              <a:defRPr sz="1600" kern="1200">
+                <a:solidFill>
+                  <a:schemeClr val="tx1">
+                    <a:tint val="75000"/>
+                  </a:schemeClr>
+                </a:solidFill>
+                <a:latin typeface="+mn-lt"/>
+                <a:ea typeface="+mn-ea"/>
+                <a:cs typeface="+mn-cs"/>
+              </a:defRPr>
+            </a:lvl7pPr>
+            <a:lvl8pPr marL="3200400" indent="0" algn="l" defTabSz="914400" rtl="0" eaLnBrk="1" latinLnBrk="0" hangingPunct="1">
+              <a:lnSpc>
+                <a:spcPct val="90000"/>
+              </a:lnSpc>
+              <a:spcBef>
+                <a:spcPts val="500"/>
+              </a:spcBef>
+              <a:buFont typeface="Arial" panose="020B0604020202020204" pitchFamily="34" charset="0"/>
+              <a:buNone/>
+              <a:defRPr sz="1600" kern="1200">
+                <a:solidFill>
+                  <a:schemeClr val="tx1">
+                    <a:tint val="75000"/>
+                  </a:schemeClr>
+                </a:solidFill>
+                <a:latin typeface="+mn-lt"/>
+                <a:ea typeface="+mn-ea"/>
+                <a:cs typeface="+mn-cs"/>
+              </a:defRPr>
+            </a:lvl8pPr>
+            <a:lvl9pPr marL="3657600" indent="0" algn="l" defTabSz="914400" rtl="0" eaLnBrk="1" latinLnBrk="0" hangingPunct="1">
+              <a:lnSpc>
+                <a:spcPct val="90000"/>
+              </a:lnSpc>
+              <a:spcBef>
+                <a:spcPts val="500"/>
+              </a:spcBef>
+              <a:buFont typeface="Arial" panose="020B0604020202020204" pitchFamily="34" charset="0"/>
+              <a:buNone/>
+              <a:defRPr sz="1600" kern="1200">
+                <a:solidFill>
+                  <a:schemeClr val="tx1">
+                    <a:tint val="75000"/>
+                  </a:schemeClr>
+                </a:solidFill>
+                <a:latin typeface="+mn-lt"/>
+                <a:ea typeface="+mn-ea"/>
+                <a:cs typeface="+mn-cs"/>
+              </a:defRPr>
+            </a:lvl9pPr>
+          </a:lstStyle>
+          <a:p>
+            <a:pPr algn="ctr"/>
+            <a:r>
+              <a:rPr lang="en-US" sz="4800" dirty="0">
+                <a:solidFill>
+                  <a:schemeClr val="tx1">
+                    <a:lumMod val="65000"/>
+                    <a:lumOff val="35000"/>
+                  </a:schemeClr>
+                </a:solidFill>
+                <a:latin typeface="Palatino Linotype" panose="02040502050505030304" pitchFamily="18" charset="0"/>
+              </a:rPr>
+              <a:t>ResNet-56 Model</a:t>
+            </a:r>
+          </a:p>
+        </p:txBody>
+      </p:sp>
+      <p:sp>
+        <p:nvSpPr>
+          <p:cNvPr id="13" name="TextBox 12">
+            <a:extLst>
+              <a:ext uri="{FF2B5EF4-FFF2-40B4-BE49-F238E27FC236}">
+                <a16:creationId xmlns:a16="http://schemas.microsoft.com/office/drawing/2014/main" id="{C525176F-5D79-431C-8903-E70B2FA719A5}"/>
               </a:ext>
             </a:extLst>
           </p:cNvPr>
@@ -8321,7 +8998,7 @@
                 <a:latin typeface="+mj-lt"/>
                 <a:ea typeface="Verdana" panose="020B0604030504040204" pitchFamily="34" charset="0"/>
               </a:rPr>
-              <a:t>Source: Geron, A. (2021). </a:t>
+              <a:t>Source: Li, H., et. al.  (2018). </a:t>
             </a:r>
             <a:r>
               <a:rPr lang="en-US" sz="1400" i="1" dirty="0">
@@ -8334,7 +9011,7 @@
                 <a:latin typeface="+mj-lt"/>
                 <a:ea typeface="Verdana" panose="020B0604030504040204" pitchFamily="34" charset="0"/>
               </a:rPr>
-              <a:t>Hands-On Machine learning with Sci-Kit Learn, Keras &amp; Tensorflow</a:t>
+              <a:t>Visualizing the Loss Landscape of Neural Nets</a:t>
             </a:r>
             <a:r>
               <a:rPr lang="en-US" sz="1400" dirty="0">
@@ -8347,66 +9024,87 @@
                 <a:latin typeface="+mj-lt"/>
                 <a:ea typeface="Verdana" panose="020B0604030504040204" pitchFamily="34" charset="0"/>
               </a:rPr>
-              <a:t>. </a:t>
-            </a:r>
-            <a:r>
-              <a:rPr lang="en-US" sz="1400" b="0" i="0" dirty="0">
-                <a:solidFill>
-                  <a:schemeClr val="tx1">
-                    <a:lumMod val="65000"/>
-                    <a:lumOff val="35000"/>
-                  </a:schemeClr>
-                </a:solidFill>
-                <a:effectLst/>
-                <a:latin typeface="+mj-lt"/>
-                <a:ea typeface="Verdana" panose="020B0604030504040204" pitchFamily="34" charset="0"/>
-              </a:rPr>
-              <a:t>Sebastopol, CA: </a:t>
-            </a:r>
-            <a:r>
-              <a:rPr lang="en-US" sz="1400" dirty="0">
-                <a:solidFill>
-                  <a:schemeClr val="tx1">
-                    <a:lumMod val="65000"/>
-                    <a:lumOff val="35000"/>
-                  </a:schemeClr>
-                </a:solidFill>
-                <a:latin typeface="+mj-lt"/>
-                <a:ea typeface="Verdana" panose="020B0604030504040204" pitchFamily="34" charset="0"/>
-              </a:rPr>
-              <a:t>O’Reilly</a:t>
-            </a:r>
-            <a:r>
-              <a:rPr lang="en-US" sz="1400" b="0" i="0" dirty="0">
-                <a:solidFill>
-                  <a:schemeClr val="tx1">
-                    <a:lumMod val="65000"/>
-                    <a:lumOff val="35000"/>
-                  </a:schemeClr>
-                </a:solidFill>
-                <a:effectLst/>
-                <a:latin typeface="+mj-lt"/>
-                <a:ea typeface="Verdana" panose="020B0604030504040204" pitchFamily="34" charset="0"/>
-              </a:rPr>
-              <a:t>. (Chapter 4)</a:t>
-            </a:r>
-            <a:endParaRPr lang="en-US" sz="1400" dirty="0">
-              <a:solidFill>
-                <a:schemeClr val="tx1">
-                  <a:lumMod val="65000"/>
-                  <a:lumOff val="35000"/>
-                </a:schemeClr>
-              </a:solidFill>
-              <a:latin typeface="+mj-lt"/>
-              <a:ea typeface="Verdana" panose="020B0604030504040204" pitchFamily="34" charset="0"/>
-            </a:endParaRPr>
-          </a:p>
-        </p:txBody>
-      </p:sp>
+              <a:t>.  NeurIPS 2018, Montreal, CA </a:t>
+            </a:r>
+          </a:p>
+        </p:txBody>
+      </p:sp>
+      <p:pic>
+        <p:nvPicPr>
+          <p:cNvPr id="15" name="Picture 14" descr="A close-up of a person's mouth&#10;&#10;Description automatically generated with medium confidence">
+            <a:extLst>
+              <a:ext uri="{FF2B5EF4-FFF2-40B4-BE49-F238E27FC236}">
+                <a16:creationId xmlns:a16="http://schemas.microsoft.com/office/drawing/2014/main" id="{DCD189A4-E4F3-4209-9C9E-565B217070B8}"/>
+              </a:ext>
+            </a:extLst>
+          </p:cNvPr>
+          <p:cNvPicPr>
+            <a:picLocks noChangeAspect="1"/>
+          </p:cNvPicPr>
+          <p:nvPr/>
+        </p:nvPicPr>
+        <p:blipFill>
+          <a:blip r:embed="rId3">
+            <a:extLst>
+              <a:ext uri="{28A0092B-C50C-407E-A947-70E740481C1C}">
+                <a14:useLocalDpi xmlns:a14="http://schemas.microsoft.com/office/drawing/2010/main" val="0"/>
+              </a:ext>
+            </a:extLst>
+          </a:blip>
+          <a:stretch>
+            <a:fillRect/>
+          </a:stretch>
+        </p:blipFill>
+        <p:spPr>
+          <a:xfrm>
+            <a:off x="1500099" y="2812688"/>
+            <a:ext cx="3903486" cy="2109717"/>
+          </a:xfrm>
+          <a:prstGeom prst="rect">
+            <a:avLst/>
+          </a:prstGeom>
+        </p:spPr>
+      </p:pic>
+      <p:pic>
+        <p:nvPicPr>
+          <p:cNvPr id="17" name="Picture 16">
+            <a:extLst>
+              <a:ext uri="{FF2B5EF4-FFF2-40B4-BE49-F238E27FC236}">
+                <a16:creationId xmlns:a16="http://schemas.microsoft.com/office/drawing/2014/main" id="{6EB1114F-AB7D-4D32-B485-AD9A428CC965}"/>
+              </a:ext>
+            </a:extLst>
+          </p:cNvPr>
+          <p:cNvPicPr>
+            <a:picLocks noChangeAspect="1"/>
+          </p:cNvPicPr>
+          <p:nvPr/>
+        </p:nvPicPr>
+        <p:blipFill>
+          <a:blip r:embed="rId4">
+            <a:extLst>
+              <a:ext uri="{28A0092B-C50C-407E-A947-70E740481C1C}">
+                <a14:useLocalDpi xmlns:a14="http://schemas.microsoft.com/office/drawing/2010/main" val="0"/>
+              </a:ext>
+            </a:extLst>
+          </a:blip>
+          <a:stretch>
+            <a:fillRect/>
+          </a:stretch>
+        </p:blipFill>
+        <p:spPr>
+          <a:xfrm>
+            <a:off x="7103400" y="1935595"/>
+            <a:ext cx="3593755" cy="2986810"/>
+          </a:xfrm>
+          <a:prstGeom prst="rect">
+            <a:avLst/>
+          </a:prstGeom>
+        </p:spPr>
+      </p:pic>
     </p:spTree>
     <p:extLst>
       <p:ext uri="{BB962C8B-B14F-4D97-AF65-F5344CB8AC3E}">
-        <p14:creationId xmlns:p14="http://schemas.microsoft.com/office/powerpoint/2010/main" val="1290207058"/>
+        <p14:creationId xmlns:p14="http://schemas.microsoft.com/office/powerpoint/2010/main" val="2893622672"/>
       </p:ext>
     </p:extLst>
   </p:cSld>
@@ -8447,10 +9145,10 @@
       </p:grpSpPr>
       <p:pic>
         <p:nvPicPr>
-          <p:cNvPr id="24" name="Picture 23">
-            <a:extLst>
-              <a:ext uri="{FF2B5EF4-FFF2-40B4-BE49-F238E27FC236}">
-                <a16:creationId xmlns:a16="http://schemas.microsoft.com/office/drawing/2014/main" id="{DAB8A667-4371-4D37-9DEA-C0F6EABD0C55}"/>
+          <p:cNvPr id="4" name="Picture 3">
+            <a:extLst>
+              <a:ext uri="{FF2B5EF4-FFF2-40B4-BE49-F238E27FC236}">
+                <a16:creationId xmlns:a16="http://schemas.microsoft.com/office/drawing/2014/main" id="{5B6DEE77-D1D4-4B4E-A959-13148C7DC9CF}"/>
               </a:ext>
             </a:extLst>
           </p:cNvPr>
@@ -8460,21 +9158,15 @@
           <p:nvPr/>
         </p:nvPicPr>
         <p:blipFill>
-          <a:blip r:embed="rId3">
-            <a:extLst>
-              <a:ext uri="{28A0092B-C50C-407E-A947-70E740481C1C}">
-                <a14:useLocalDpi xmlns:a14="http://schemas.microsoft.com/office/drawing/2010/main" val="0"/>
-              </a:ext>
-            </a:extLst>
-          </a:blip>
+          <a:blip r:embed="rId3"/>
           <a:stretch>
             <a:fillRect/>
           </a:stretch>
         </p:blipFill>
         <p:spPr>
           <a:xfrm>
-            <a:off x="3299452" y="1335726"/>
-            <a:ext cx="5593095" cy="4186547"/>
+            <a:off x="2356458" y="1291748"/>
+            <a:ext cx="7479084" cy="4274504"/>
           </a:xfrm>
           <a:prstGeom prst="rect">
             <a:avLst/>
@@ -8483,10 +9175,53 @@
       </p:pic>
       <p:sp>
         <p:nvSpPr>
-          <p:cNvPr id="3" name="TextBox 2">
-            <a:extLst>
-              <a:ext uri="{FF2B5EF4-FFF2-40B4-BE49-F238E27FC236}">
-                <a16:creationId xmlns:a16="http://schemas.microsoft.com/office/drawing/2014/main" id="{5319189F-D986-4820-81EA-8805A70B2707}"/>
+          <p:cNvPr id="5" name="TextBox 4">
+            <a:extLst>
+              <a:ext uri="{FF2B5EF4-FFF2-40B4-BE49-F238E27FC236}">
+                <a16:creationId xmlns:a16="http://schemas.microsoft.com/office/drawing/2014/main" id="{C2444A42-EDB6-4180-A4D4-3622BE895CF1}"/>
+              </a:ext>
+            </a:extLst>
+          </p:cNvPr>
+          <p:cNvSpPr txBox="1"/>
+          <p:nvPr/>
+        </p:nvSpPr>
+        <p:spPr>
+          <a:xfrm>
+            <a:off x="2506893" y="6000108"/>
+            <a:ext cx="4150759" cy="369332"/>
+          </a:xfrm>
+          <a:prstGeom prst="rect">
+            <a:avLst/>
+          </a:prstGeom>
+          <a:noFill/>
+        </p:spPr>
+        <p:txBody>
+          <a:bodyPr wrap="square" rtlCol="0">
+            <a:spAutoFit/>
+          </a:bodyPr>
+          <a:lstStyle/>
+          <a:p>
+            <a:r>
+              <a:rPr lang="en-US" dirty="0">
+                <a:solidFill>
+                  <a:schemeClr val="tx1">
+                    <a:lumMod val="75000"/>
+                    <a:lumOff val="25000"/>
+                  </a:schemeClr>
+                </a:solidFill>
+                <a:latin typeface="Palatino Linotype" panose="02040502050505030304" pitchFamily="18" charset="0"/>
+              </a:rPr>
+              <a:t>Gradient Descent pitfalls</a:t>
+            </a:r>
+          </a:p>
+        </p:txBody>
+      </p:sp>
+      <p:sp>
+        <p:nvSpPr>
+          <p:cNvPr id="6" name="TextBox 5">
+            <a:extLst>
+              <a:ext uri="{FF2B5EF4-FFF2-40B4-BE49-F238E27FC236}">
+                <a16:creationId xmlns:a16="http://schemas.microsoft.com/office/drawing/2014/main" id="{9E1024F3-6530-443E-9792-F65E72C0AEAC}"/>
               </a:ext>
             </a:extLst>
           </p:cNvPr>
@@ -8605,7 +9340,7 @@
     </p:spTree>
     <p:extLst>
       <p:ext uri="{BB962C8B-B14F-4D97-AF65-F5344CB8AC3E}">
-        <p14:creationId xmlns:p14="http://schemas.microsoft.com/office/powerpoint/2010/main" val="1277707895"/>
+        <p14:creationId xmlns:p14="http://schemas.microsoft.com/office/powerpoint/2010/main" val="1290207058"/>
       </p:ext>
     </p:extLst>
   </p:cSld>
@@ -8644,71 +9379,12 @@
           <a:chExt cx="0" cy="0"/>
         </a:xfrm>
       </p:grpSpPr>
-      <p:sp>
-        <p:nvSpPr>
-          <p:cNvPr id="3" name="Text Placeholder 2">
-            <a:extLst>
-              <a:ext uri="{FF2B5EF4-FFF2-40B4-BE49-F238E27FC236}">
-                <a16:creationId xmlns:a16="http://schemas.microsoft.com/office/drawing/2014/main" id="{098BC2D2-CCF7-4C63-8489-B46BF394FCA2}"/>
-              </a:ext>
-            </a:extLst>
-          </p:cNvPr>
-          <p:cNvSpPr>
-            <a:spLocks noGrp="1"/>
-          </p:cNvSpPr>
-          <p:nvPr>
-            <p:ph type="body" idx="1"/>
-          </p:nvPr>
-        </p:nvSpPr>
-        <p:spPr>
-          <a:xfrm>
-            <a:off x="0" y="4285400"/>
-            <a:ext cx="12192000" cy="518830"/>
-          </a:xfrm>
-        </p:spPr>
-        <p:txBody>
-          <a:bodyPr>
-            <a:normAutofit/>
-          </a:bodyPr>
-          <a:lstStyle/>
-          <a:p>
-            <a:endParaRPr lang="en-US" dirty="0">
-              <a:latin typeface="Palatino Linotype" panose="02040502050505030304" pitchFamily="18" charset="0"/>
-              <a:cs typeface="Segoe UI" panose="020B0502040204020203" pitchFamily="34" charset="0"/>
-            </a:endParaRPr>
-          </a:p>
-          <a:p>
-            <a:endParaRPr lang="en-US" dirty="0">
-              <a:latin typeface="Palatino Linotype" panose="02040502050505030304" pitchFamily="18" charset="0"/>
-              <a:cs typeface="Segoe UI" panose="020B0502040204020203" pitchFamily="34" charset="0"/>
-            </a:endParaRPr>
-          </a:p>
-          <a:p>
-            <a:endParaRPr lang="en-US" dirty="0">
-              <a:latin typeface="Palatino Linotype" panose="02040502050505030304" pitchFamily="18" charset="0"/>
-              <a:cs typeface="Segoe UI" panose="020B0502040204020203" pitchFamily="34" charset="0"/>
-            </a:endParaRPr>
-          </a:p>
-          <a:p>
-            <a:endParaRPr lang="en-US" dirty="0">
-              <a:latin typeface="Palatino Linotype" panose="02040502050505030304" pitchFamily="18" charset="0"/>
-              <a:cs typeface="Segoe UI" panose="020B0502040204020203" pitchFamily="34" charset="0"/>
-            </a:endParaRPr>
-          </a:p>
-          <a:p>
-            <a:endParaRPr lang="en-US" dirty="0">
-              <a:latin typeface="Palatino Linotype" panose="02040502050505030304" pitchFamily="18" charset="0"/>
-              <a:cs typeface="Segoe UI" panose="020B0502040204020203" pitchFamily="34" charset="0"/>
-            </a:endParaRPr>
-          </a:p>
-        </p:txBody>
-      </p:sp>
       <p:pic>
         <p:nvPicPr>
-          <p:cNvPr id="4" name="Picture 3">
-            <a:extLst>
-              <a:ext uri="{FF2B5EF4-FFF2-40B4-BE49-F238E27FC236}">
-                <a16:creationId xmlns:a16="http://schemas.microsoft.com/office/drawing/2014/main" id="{4CD7B1E7-8C1E-4394-BD29-073CEC503ACC}"/>
+          <p:cNvPr id="24" name="Picture 23">
+            <a:extLst>
+              <a:ext uri="{FF2B5EF4-FFF2-40B4-BE49-F238E27FC236}">
+                <a16:creationId xmlns:a16="http://schemas.microsoft.com/office/drawing/2014/main" id="{DAB8A667-4371-4D37-9DEA-C0F6EABD0C55}"/>
               </a:ext>
             </a:extLst>
           </p:cNvPr>
@@ -8718,15 +9394,21 @@
           <p:nvPr/>
         </p:nvPicPr>
         <p:blipFill>
-          <a:blip r:embed="rId3"/>
+          <a:blip r:embed="rId3">
+            <a:extLst>
+              <a:ext uri="{28A0092B-C50C-407E-A947-70E740481C1C}">
+                <a14:useLocalDpi xmlns:a14="http://schemas.microsoft.com/office/drawing/2010/main" val="0"/>
+              </a:ext>
+            </a:extLst>
+          </a:blip>
           <a:stretch>
             <a:fillRect/>
           </a:stretch>
         </p:blipFill>
         <p:spPr>
           <a:xfrm>
-            <a:off x="0" y="365760"/>
-            <a:ext cx="3233668" cy="805144"/>
+            <a:off x="3299452" y="1335726"/>
+            <a:ext cx="5593095" cy="4186547"/>
           </a:xfrm>
           <a:prstGeom prst="rect">
             <a:avLst/>
@@ -8735,22 +9417,20 @@
       </p:pic>
       <p:sp>
         <p:nvSpPr>
-          <p:cNvPr id="7" name="Title 1">
-            <a:extLst>
-              <a:ext uri="{FF2B5EF4-FFF2-40B4-BE49-F238E27FC236}">
-                <a16:creationId xmlns:a16="http://schemas.microsoft.com/office/drawing/2014/main" id="{11820552-C587-4896-93F0-6EC87FBDB598}"/>
-              </a:ext>
-            </a:extLst>
-          </p:cNvPr>
-          <p:cNvSpPr txBox="1">
-            <a:spLocks/>
-          </p:cNvSpPr>
+          <p:cNvPr id="3" name="TextBox 2">
+            <a:extLst>
+              <a:ext uri="{FF2B5EF4-FFF2-40B4-BE49-F238E27FC236}">
+                <a16:creationId xmlns:a16="http://schemas.microsoft.com/office/drawing/2014/main" id="{5319189F-D986-4820-81EA-8805A70B2707}"/>
+              </a:ext>
+            </a:extLst>
+          </p:cNvPr>
+          <p:cNvSpPr txBox="1"/>
           <p:nvPr/>
         </p:nvSpPr>
         <p:spPr>
           <a:xfrm>
-            <a:off x="0" y="2883665"/>
-            <a:ext cx="12192000" cy="1090669"/>
+            <a:off x="0" y="6550223"/>
+            <a:ext cx="12192000" cy="307777"/>
           </a:xfrm>
           <a:prstGeom prst="rect">
             <a:avLst/>
@@ -8758,177 +9438,100 @@
           <a:noFill/>
         </p:spPr>
         <p:txBody>
-          <a:bodyPr vert="horz" lIns="91440" tIns="45720" rIns="91440" bIns="45720" rtlCol="0" anchor="b">
-            <a:noAutofit/>
+          <a:bodyPr wrap="square" rtlCol="0">
+            <a:spAutoFit/>
           </a:bodyPr>
-          <a:lstStyle>
-            <a:lvl1pPr algn="l" defTabSz="914400" rtl="0" eaLnBrk="1" latinLnBrk="0" hangingPunct="1">
-              <a:lnSpc>
-                <a:spcPct val="90000"/>
-              </a:lnSpc>
-              <a:spcBef>
-                <a:spcPct val="0"/>
-              </a:spcBef>
-              <a:buNone/>
-              <a:defRPr sz="6000" kern="1200">
-                <a:solidFill>
-                  <a:schemeClr val="tx1"/>
-                </a:solidFill>
-                <a:latin typeface="+mj-lt"/>
-                <a:ea typeface="+mj-ea"/>
-                <a:cs typeface="+mj-cs"/>
-              </a:defRPr>
-            </a:lvl1pPr>
-          </a:lstStyle>
-          <a:p>
-            <a:pPr algn="ctr"/>
-            <a:br>
-              <a:rPr lang="en-US" sz="3600" dirty="0">
+          <a:lstStyle/>
+          <a:p>
+            <a:r>
+              <a:rPr lang="en-US" sz="1400" dirty="0">
                 <a:solidFill>
                   <a:schemeClr val="tx1">
                     <a:lumMod val="65000"/>
                     <a:lumOff val="35000"/>
                   </a:schemeClr>
                 </a:solidFill>
-              </a:rPr>
-            </a:br>
-            <a:br>
-              <a:rPr lang="en-US" sz="3600" dirty="0">
+                <a:latin typeface="+mj-lt"/>
+                <a:ea typeface="Verdana" panose="020B0604030504040204" pitchFamily="34" charset="0"/>
+              </a:rPr>
+              <a:t>Source: Geron, A. (2021). </a:t>
+            </a:r>
+            <a:r>
+              <a:rPr lang="en-US" sz="1400" i="1" dirty="0">
                 <a:solidFill>
                   <a:schemeClr val="tx1">
                     <a:lumMod val="65000"/>
                     <a:lumOff val="35000"/>
                   </a:schemeClr>
                 </a:solidFill>
-              </a:rPr>
-            </a:br>
-            <a:br>
-              <a:rPr lang="en-US" sz="3600" dirty="0">
+                <a:latin typeface="+mj-lt"/>
+                <a:ea typeface="Verdana" panose="020B0604030504040204" pitchFamily="34" charset="0"/>
+              </a:rPr>
+              <a:t>Hands-On Machine learning with Sci-Kit Learn, Keras &amp; Tensorflow</a:t>
+            </a:r>
+            <a:r>
+              <a:rPr lang="en-US" sz="1400" dirty="0">
                 <a:solidFill>
                   <a:schemeClr val="tx1">
                     <a:lumMod val="65000"/>
                     <a:lumOff val="35000"/>
                   </a:schemeClr>
                 </a:solidFill>
-              </a:rPr>
-            </a:br>
-            <a:br>
-              <a:rPr lang="en-US" sz="3600" dirty="0">
+                <a:latin typeface="+mj-lt"/>
+                <a:ea typeface="Verdana" panose="020B0604030504040204" pitchFamily="34" charset="0"/>
+              </a:rPr>
+              <a:t>. </a:t>
+            </a:r>
+            <a:r>
+              <a:rPr lang="en-US" sz="1400" b="0" i="0" dirty="0">
                 <a:solidFill>
                   <a:schemeClr val="tx1">
                     <a:lumMod val="65000"/>
                     <a:lumOff val="35000"/>
                   </a:schemeClr>
                 </a:solidFill>
-              </a:rPr>
-            </a:br>
-            <a:br>
-              <a:rPr lang="en-US" sz="3600" dirty="0">
+                <a:effectLst/>
+                <a:latin typeface="+mj-lt"/>
+                <a:ea typeface="Verdana" panose="020B0604030504040204" pitchFamily="34" charset="0"/>
+              </a:rPr>
+              <a:t>Sebastopol, CA: </a:t>
+            </a:r>
+            <a:r>
+              <a:rPr lang="en-US" sz="1400" dirty="0">
                 <a:solidFill>
                   <a:schemeClr val="tx1">
                     <a:lumMod val="65000"/>
                     <a:lumOff val="35000"/>
                   </a:schemeClr>
                 </a:solidFill>
-              </a:rPr>
-            </a:br>
-            <a:br>
-              <a:rPr lang="en-US" sz="3600" dirty="0">
+                <a:latin typeface="+mj-lt"/>
+                <a:ea typeface="Verdana" panose="020B0604030504040204" pitchFamily="34" charset="0"/>
+              </a:rPr>
+              <a:t>O’Reilly</a:t>
+            </a:r>
+            <a:r>
+              <a:rPr lang="en-US" sz="1400" b="0" i="0" dirty="0">
                 <a:solidFill>
                   <a:schemeClr val="tx1">
                     <a:lumMod val="65000"/>
                     <a:lumOff val="35000"/>
                   </a:schemeClr>
                 </a:solidFill>
-              </a:rPr>
-            </a:br>
-            <a:br>
-              <a:rPr lang="en-US" sz="3600" dirty="0">
-                <a:solidFill>
-                  <a:schemeClr val="tx1">
-                    <a:lumMod val="65000"/>
-                    <a:lumOff val="35000"/>
-                  </a:schemeClr>
-                </a:solidFill>
-              </a:rPr>
-            </a:br>
-            <a:br>
-              <a:rPr lang="en-US" sz="3600" dirty="0">
-                <a:solidFill>
-                  <a:schemeClr val="tx1">
-                    <a:lumMod val="65000"/>
-                    <a:lumOff val="35000"/>
-                  </a:schemeClr>
-                </a:solidFill>
-              </a:rPr>
-            </a:br>
-            <a:r>
-              <a:rPr lang="en-US" sz="3600" dirty="0">
-                <a:solidFill>
-                  <a:schemeClr val="tx1">
-                    <a:lumMod val="65000"/>
-                    <a:lumOff val="35000"/>
-                  </a:schemeClr>
-                </a:solidFill>
-              </a:rPr>
-              <a:t>     </a:t>
-            </a:r>
-            <a:r>
-              <a:rPr lang="en-US" sz="3600" dirty="0">
-                <a:solidFill>
-                  <a:schemeClr val="tx1">
-                    <a:lumMod val="65000"/>
-                    <a:lumOff val="35000"/>
-                  </a:schemeClr>
-                </a:solidFill>
-                <a:latin typeface="Palatino Linotype" panose="02040502050505030304" pitchFamily="18" charset="0"/>
-              </a:rPr>
-              <a:t>(A Keras Classifier)</a:t>
-            </a:r>
-            <a:br>
-              <a:rPr lang="en-US" sz="3600" dirty="0">
-                <a:solidFill>
-                  <a:schemeClr val="tx1">
-                    <a:lumMod val="65000"/>
-                    <a:lumOff val="35000"/>
-                  </a:schemeClr>
-                </a:solidFill>
-                <a:latin typeface="Palatino Linotype" panose="02040502050505030304" pitchFamily="18" charset="0"/>
-              </a:rPr>
-            </a:br>
-            <a:r>
-              <a:rPr lang="en-US" sz="3600" dirty="0">
-                <a:solidFill>
-                  <a:schemeClr val="tx1">
-                    <a:lumMod val="65000"/>
-                    <a:lumOff val="35000"/>
-                  </a:schemeClr>
-                </a:solidFill>
-                <a:latin typeface="Palatino Linotype" panose="02040502050505030304" pitchFamily="18" charset="0"/>
-              </a:rPr>
-              <a:t>     </a:t>
-            </a:r>
-            <a:r>
-              <a:rPr lang="en-US" sz="2800" dirty="0">
-                <a:solidFill>
-                  <a:schemeClr val="tx1">
-                    <a:lumMod val="65000"/>
-                    <a:lumOff val="35000"/>
-                  </a:schemeClr>
-                </a:solidFill>
-                <a:latin typeface="Palatino Linotype" panose="02040502050505030304" pitchFamily="18" charset="0"/>
-              </a:rPr>
-              <a:t>03.1_keras_classifier.ipynb</a:t>
-            </a:r>
-            <a:endParaRPr lang="en-US" sz="2800" dirty="0">
+                <a:effectLst/>
+                <a:latin typeface="+mj-lt"/>
+                <a:ea typeface="Verdana" panose="020B0604030504040204" pitchFamily="34" charset="0"/>
+              </a:rPr>
+              <a:t>. (Chapter 4)</a:t>
+            </a:r>
+            <a:endParaRPr lang="en-US" sz="1400" dirty="0">
               <a:solidFill>
                 <a:schemeClr val="tx1">
                   <a:lumMod val="65000"/>
                   <a:lumOff val="35000"/>
                 </a:schemeClr>
               </a:solidFill>
-              <a:latin typeface="Palatino Linotype" panose="02040502050505030304" pitchFamily="18" charset="0"/>
-              <a:cs typeface="Segoe UI Light" panose="020B0502040204020203" pitchFamily="34" charset="0"/>
+              <a:latin typeface="+mj-lt"/>
+              <a:ea typeface="Verdana" panose="020B0604030504040204" pitchFamily="34" charset="0"/>
             </a:endParaRPr>
           </a:p>
         </p:txBody>
@@ -8936,7 +9539,7 @@
     </p:spTree>
     <p:extLst>
       <p:ext uri="{BB962C8B-B14F-4D97-AF65-F5344CB8AC3E}">
-        <p14:creationId xmlns:p14="http://schemas.microsoft.com/office/powerpoint/2010/main" val="864611552"/>
+        <p14:creationId xmlns:p14="http://schemas.microsoft.com/office/powerpoint/2010/main" val="1277707895"/>
       </p:ext>
     </p:extLst>
   </p:cSld>
@@ -8975,6 +9578,337 @@
           <a:chExt cx="0" cy="0"/>
         </a:xfrm>
       </p:grpSpPr>
+      <p:sp>
+        <p:nvSpPr>
+          <p:cNvPr id="3" name="Text Placeholder 2">
+            <a:extLst>
+              <a:ext uri="{FF2B5EF4-FFF2-40B4-BE49-F238E27FC236}">
+                <a16:creationId xmlns:a16="http://schemas.microsoft.com/office/drawing/2014/main" id="{098BC2D2-CCF7-4C63-8489-B46BF394FCA2}"/>
+              </a:ext>
+            </a:extLst>
+          </p:cNvPr>
+          <p:cNvSpPr>
+            <a:spLocks noGrp="1"/>
+          </p:cNvSpPr>
+          <p:nvPr>
+            <p:ph type="body" idx="1"/>
+          </p:nvPr>
+        </p:nvSpPr>
+        <p:spPr>
+          <a:xfrm>
+            <a:off x="0" y="4285400"/>
+            <a:ext cx="12192000" cy="518830"/>
+          </a:xfrm>
+        </p:spPr>
+        <p:txBody>
+          <a:bodyPr>
+            <a:normAutofit/>
+          </a:bodyPr>
+          <a:lstStyle/>
+          <a:p>
+            <a:endParaRPr lang="en-US" dirty="0">
+              <a:latin typeface="Palatino Linotype" panose="02040502050505030304" pitchFamily="18" charset="0"/>
+              <a:cs typeface="Segoe UI" panose="020B0502040204020203" pitchFamily="34" charset="0"/>
+            </a:endParaRPr>
+          </a:p>
+          <a:p>
+            <a:endParaRPr lang="en-US" dirty="0">
+              <a:latin typeface="Palatino Linotype" panose="02040502050505030304" pitchFamily="18" charset="0"/>
+              <a:cs typeface="Segoe UI" panose="020B0502040204020203" pitchFamily="34" charset="0"/>
+            </a:endParaRPr>
+          </a:p>
+          <a:p>
+            <a:endParaRPr lang="en-US" dirty="0">
+              <a:latin typeface="Palatino Linotype" panose="02040502050505030304" pitchFamily="18" charset="0"/>
+              <a:cs typeface="Segoe UI" panose="020B0502040204020203" pitchFamily="34" charset="0"/>
+            </a:endParaRPr>
+          </a:p>
+          <a:p>
+            <a:endParaRPr lang="en-US" dirty="0">
+              <a:latin typeface="Palatino Linotype" panose="02040502050505030304" pitchFamily="18" charset="0"/>
+              <a:cs typeface="Segoe UI" panose="020B0502040204020203" pitchFamily="34" charset="0"/>
+            </a:endParaRPr>
+          </a:p>
+          <a:p>
+            <a:endParaRPr lang="en-US" dirty="0">
+              <a:latin typeface="Palatino Linotype" panose="02040502050505030304" pitchFamily="18" charset="0"/>
+              <a:cs typeface="Segoe UI" panose="020B0502040204020203" pitchFamily="34" charset="0"/>
+            </a:endParaRPr>
+          </a:p>
+        </p:txBody>
+      </p:sp>
+      <p:pic>
+        <p:nvPicPr>
+          <p:cNvPr id="4" name="Picture 3">
+            <a:extLst>
+              <a:ext uri="{FF2B5EF4-FFF2-40B4-BE49-F238E27FC236}">
+                <a16:creationId xmlns:a16="http://schemas.microsoft.com/office/drawing/2014/main" id="{4CD7B1E7-8C1E-4394-BD29-073CEC503ACC}"/>
+              </a:ext>
+            </a:extLst>
+          </p:cNvPr>
+          <p:cNvPicPr>
+            <a:picLocks noChangeAspect="1"/>
+          </p:cNvPicPr>
+          <p:nvPr/>
+        </p:nvPicPr>
+        <p:blipFill>
+          <a:blip r:embed="rId3"/>
+          <a:stretch>
+            <a:fillRect/>
+          </a:stretch>
+        </p:blipFill>
+        <p:spPr>
+          <a:xfrm>
+            <a:off x="0" y="365760"/>
+            <a:ext cx="3233668" cy="805144"/>
+          </a:xfrm>
+          <a:prstGeom prst="rect">
+            <a:avLst/>
+          </a:prstGeom>
+        </p:spPr>
+      </p:pic>
+      <p:sp>
+        <p:nvSpPr>
+          <p:cNvPr id="7" name="Title 1">
+            <a:extLst>
+              <a:ext uri="{FF2B5EF4-FFF2-40B4-BE49-F238E27FC236}">
+                <a16:creationId xmlns:a16="http://schemas.microsoft.com/office/drawing/2014/main" id="{11820552-C587-4896-93F0-6EC87FBDB598}"/>
+              </a:ext>
+            </a:extLst>
+          </p:cNvPr>
+          <p:cNvSpPr txBox="1">
+            <a:spLocks/>
+          </p:cNvSpPr>
+          <p:nvPr/>
+        </p:nvSpPr>
+        <p:spPr>
+          <a:xfrm>
+            <a:off x="0" y="2883665"/>
+            <a:ext cx="12192000" cy="1090669"/>
+          </a:xfrm>
+          <a:prstGeom prst="rect">
+            <a:avLst/>
+          </a:prstGeom>
+          <a:noFill/>
+        </p:spPr>
+        <p:txBody>
+          <a:bodyPr vert="horz" lIns="91440" tIns="45720" rIns="91440" bIns="45720" rtlCol="0" anchor="b">
+            <a:noAutofit/>
+          </a:bodyPr>
+          <a:lstStyle>
+            <a:lvl1pPr algn="l" defTabSz="914400" rtl="0" eaLnBrk="1" latinLnBrk="0" hangingPunct="1">
+              <a:lnSpc>
+                <a:spcPct val="90000"/>
+              </a:lnSpc>
+              <a:spcBef>
+                <a:spcPct val="0"/>
+              </a:spcBef>
+              <a:buNone/>
+              <a:defRPr sz="6000" kern="1200">
+                <a:solidFill>
+                  <a:schemeClr val="tx1"/>
+                </a:solidFill>
+                <a:latin typeface="+mj-lt"/>
+                <a:ea typeface="+mj-ea"/>
+                <a:cs typeface="+mj-cs"/>
+              </a:defRPr>
+            </a:lvl1pPr>
+          </a:lstStyle>
+          <a:p>
+            <a:pPr algn="ctr"/>
+            <a:br>
+              <a:rPr lang="en-US" sz="3600" dirty="0">
+                <a:solidFill>
+                  <a:schemeClr val="tx1">
+                    <a:lumMod val="65000"/>
+                    <a:lumOff val="35000"/>
+                  </a:schemeClr>
+                </a:solidFill>
+              </a:rPr>
+            </a:br>
+            <a:br>
+              <a:rPr lang="en-US" sz="3600" dirty="0">
+                <a:solidFill>
+                  <a:schemeClr val="tx1">
+                    <a:lumMod val="65000"/>
+                    <a:lumOff val="35000"/>
+                  </a:schemeClr>
+                </a:solidFill>
+              </a:rPr>
+            </a:br>
+            <a:br>
+              <a:rPr lang="en-US" sz="3600" dirty="0">
+                <a:solidFill>
+                  <a:schemeClr val="tx1">
+                    <a:lumMod val="65000"/>
+                    <a:lumOff val="35000"/>
+                  </a:schemeClr>
+                </a:solidFill>
+              </a:rPr>
+            </a:br>
+            <a:br>
+              <a:rPr lang="en-US" sz="3600" dirty="0">
+                <a:solidFill>
+                  <a:schemeClr val="tx1">
+                    <a:lumMod val="65000"/>
+                    <a:lumOff val="35000"/>
+                  </a:schemeClr>
+                </a:solidFill>
+              </a:rPr>
+            </a:br>
+            <a:br>
+              <a:rPr lang="en-US" sz="3600" dirty="0">
+                <a:solidFill>
+                  <a:schemeClr val="tx1">
+                    <a:lumMod val="65000"/>
+                    <a:lumOff val="35000"/>
+                  </a:schemeClr>
+                </a:solidFill>
+              </a:rPr>
+            </a:br>
+            <a:br>
+              <a:rPr lang="en-US" sz="3600" dirty="0">
+                <a:solidFill>
+                  <a:schemeClr val="tx1">
+                    <a:lumMod val="65000"/>
+                    <a:lumOff val="35000"/>
+                  </a:schemeClr>
+                </a:solidFill>
+              </a:rPr>
+            </a:br>
+            <a:br>
+              <a:rPr lang="en-US" sz="3600" dirty="0">
+                <a:solidFill>
+                  <a:schemeClr val="tx1">
+                    <a:lumMod val="65000"/>
+                    <a:lumOff val="35000"/>
+                  </a:schemeClr>
+                </a:solidFill>
+              </a:rPr>
+            </a:br>
+            <a:br>
+              <a:rPr lang="en-US" sz="3600" dirty="0">
+                <a:solidFill>
+                  <a:schemeClr val="tx1">
+                    <a:lumMod val="65000"/>
+                    <a:lumOff val="35000"/>
+                  </a:schemeClr>
+                </a:solidFill>
+              </a:rPr>
+            </a:br>
+            <a:r>
+              <a:rPr lang="en-US" sz="3600" dirty="0">
+                <a:solidFill>
+                  <a:schemeClr val="tx1">
+                    <a:lumMod val="65000"/>
+                    <a:lumOff val="35000"/>
+                  </a:schemeClr>
+                </a:solidFill>
+              </a:rPr>
+              <a:t>     </a:t>
+            </a:r>
+            <a:r>
+              <a:rPr lang="en-US" sz="3600" dirty="0">
+                <a:solidFill>
+                  <a:schemeClr val="tx1">
+                    <a:lumMod val="65000"/>
+                    <a:lumOff val="35000"/>
+                  </a:schemeClr>
+                </a:solidFill>
+                <a:latin typeface="Palatino Linotype" panose="02040502050505030304" pitchFamily="18" charset="0"/>
+              </a:rPr>
+              <a:t>(A Keras Classifier)</a:t>
+            </a:r>
+            <a:br>
+              <a:rPr lang="en-US" sz="3600" dirty="0">
+                <a:solidFill>
+                  <a:schemeClr val="tx1">
+                    <a:lumMod val="65000"/>
+                    <a:lumOff val="35000"/>
+                  </a:schemeClr>
+                </a:solidFill>
+                <a:latin typeface="Palatino Linotype" panose="02040502050505030304" pitchFamily="18" charset="0"/>
+              </a:rPr>
+            </a:br>
+            <a:r>
+              <a:rPr lang="en-US" sz="3600" dirty="0">
+                <a:solidFill>
+                  <a:schemeClr val="tx1">
+                    <a:lumMod val="65000"/>
+                    <a:lumOff val="35000"/>
+                  </a:schemeClr>
+                </a:solidFill>
+                <a:latin typeface="Palatino Linotype" panose="02040502050505030304" pitchFamily="18" charset="0"/>
+              </a:rPr>
+              <a:t>     </a:t>
+            </a:r>
+            <a:r>
+              <a:rPr lang="en-US" sz="2800" dirty="0">
+                <a:solidFill>
+                  <a:schemeClr val="tx1">
+                    <a:lumMod val="65000"/>
+                    <a:lumOff val="35000"/>
+                  </a:schemeClr>
+                </a:solidFill>
+                <a:latin typeface="Palatino Linotype" panose="02040502050505030304" pitchFamily="18" charset="0"/>
+              </a:rPr>
+              <a:t>03.1_keras_classifier.ipynb</a:t>
+            </a:r>
+            <a:endParaRPr lang="en-US" sz="2800" dirty="0">
+              <a:solidFill>
+                <a:schemeClr val="tx1">
+                  <a:lumMod val="65000"/>
+                  <a:lumOff val="35000"/>
+                </a:schemeClr>
+              </a:solidFill>
+              <a:latin typeface="Palatino Linotype" panose="02040502050505030304" pitchFamily="18" charset="0"/>
+              <a:cs typeface="Segoe UI Light" panose="020B0502040204020203" pitchFamily="34" charset="0"/>
+            </a:endParaRPr>
+          </a:p>
+        </p:txBody>
+      </p:sp>
+    </p:spTree>
+    <p:extLst>
+      <p:ext uri="{BB962C8B-B14F-4D97-AF65-F5344CB8AC3E}">
+        <p14:creationId xmlns:p14="http://schemas.microsoft.com/office/powerpoint/2010/main" val="864611552"/>
+      </p:ext>
+    </p:extLst>
+  </p:cSld>
+  <p:clrMapOvr>
+    <a:masterClrMapping/>
+  </p:clrMapOvr>
+  <mc:AlternateContent xmlns:mc="http://schemas.openxmlformats.org/markup-compatibility/2006" xmlns:p14="http://schemas.microsoft.com/office/powerpoint/2010/main">
+    <mc:Choice Requires="p14">
+      <p:transition spd="med" p14:dur="700">
+        <p:fade/>
+      </p:transition>
+    </mc:Choice>
+    <mc:Fallback xmlns="">
+      <p:transition spd="med">
+        <p:fade/>
+      </p:transition>
+    </mc:Fallback>
+  </mc:AlternateContent>
+</p:sld>
+</file>
+
+<file path=ppt/slides/slide14.xml><?xml version="1.0" encoding="utf-8"?>
+<p:sld xmlns:a="http://schemas.openxmlformats.org/drawingml/2006/main" xmlns:r="http://schemas.openxmlformats.org/officeDocument/2006/relationships" xmlns:p="http://schemas.openxmlformats.org/presentationml/2006/main">
+  <p:cSld>
+    <p:spTree>
+      <p:nvGrpSpPr>
+        <p:cNvPr id="1" name=""/>
+        <p:cNvGrpSpPr/>
+        <p:nvPr/>
+      </p:nvGrpSpPr>
+      <p:grpSpPr>
+        <a:xfrm>
+          <a:off x="0" y="0"/>
+          <a:ext cx="0" cy="0"/>
+          <a:chOff x="0" y="0"/>
+          <a:chExt cx="0" cy="0"/>
+        </a:xfrm>
+      </p:grpSpPr>
       <p:pic>
         <p:nvPicPr>
           <p:cNvPr id="8" name="Picture 7">
@@ -9143,7 +10077,7 @@
                 <a:lumOff val="35000"/>
               </a:schemeClr>
             </a:solidFill>
-            <a:tailEnd type="triangle" w="lg" len="med"/>
+            <a:tailEnd type="oval" w="lg" len="med"/>
           </a:ln>
         </p:spPr>
         <p:style>
@@ -9320,6 +10254,83 @@
           </a:p>
         </p:txBody>
       </p:sp>
+      <p:cxnSp>
+        <p:nvCxnSpPr>
+          <p:cNvPr id="11" name="Straight Connector 10">
+            <a:extLst>
+              <a:ext uri="{FF2B5EF4-FFF2-40B4-BE49-F238E27FC236}">
+                <a16:creationId xmlns:a16="http://schemas.microsoft.com/office/drawing/2014/main" id="{1085AB63-FFA2-4EE3-81FB-444EA6AEB39E}"/>
+              </a:ext>
+            </a:extLst>
+          </p:cNvPr>
+          <p:cNvCxnSpPr>
+            <a:cxnSpLocks/>
+          </p:cNvCxnSpPr>
+          <p:nvPr/>
+        </p:nvCxnSpPr>
+        <p:spPr>
+          <a:xfrm flipH="1" flipV="1">
+            <a:off x="4949323" y="739977"/>
+            <a:ext cx="738369" cy="2051330"/>
+          </a:xfrm>
+          <a:prstGeom prst="line">
+            <a:avLst/>
+          </a:prstGeom>
+          <a:ln>
+            <a:solidFill>
+              <a:schemeClr val="tx1">
+                <a:lumMod val="65000"/>
+                <a:lumOff val="35000"/>
+              </a:schemeClr>
+            </a:solidFill>
+            <a:tailEnd type="oval" w="lg" len="med"/>
+          </a:ln>
+        </p:spPr>
+        <p:style>
+          <a:lnRef idx="1">
+            <a:schemeClr val="accent1"/>
+          </a:lnRef>
+          <a:fillRef idx="0">
+            <a:schemeClr val="accent1"/>
+          </a:fillRef>
+          <a:effectRef idx="0">
+            <a:schemeClr val="accent1"/>
+          </a:effectRef>
+          <a:fontRef idx="minor">
+            <a:schemeClr val="tx1"/>
+          </a:fontRef>
+        </p:style>
+      </p:cxnSp>
+      <p:pic>
+        <p:nvPicPr>
+          <p:cNvPr id="12" name="Picture 11">
+            <a:extLst>
+              <a:ext uri="{FF2B5EF4-FFF2-40B4-BE49-F238E27FC236}">
+                <a16:creationId xmlns:a16="http://schemas.microsoft.com/office/drawing/2014/main" id="{E0CB7402-680F-4704-80F6-6C77B34C4E49}"/>
+              </a:ext>
+            </a:extLst>
+          </p:cNvPr>
+          <p:cNvPicPr>
+            <a:picLocks noChangeAspect="1"/>
+          </p:cNvPicPr>
+          <p:nvPr/>
+        </p:nvPicPr>
+        <p:blipFill>
+          <a:blip r:embed="rId7"/>
+          <a:stretch>
+            <a:fillRect/>
+          </a:stretch>
+        </p:blipFill>
+        <p:spPr>
+          <a:xfrm>
+            <a:off x="4120685" y="-61305"/>
+            <a:ext cx="1422282" cy="913070"/>
+          </a:xfrm>
+          <a:prstGeom prst="rect">
+            <a:avLst/>
+          </a:prstGeom>
+        </p:spPr>
+      </p:pic>
     </p:spTree>
     <p:extLst>
       <p:ext uri="{BB962C8B-B14F-4D97-AF65-F5344CB8AC3E}">
@@ -9526,6 +10537,94 @@
                       </p:childTnLst>
                     </p:cTn>
                   </p:par>
+                  <p:par>
+                    <p:cTn id="19" fill="hold">
+                      <p:stCondLst>
+                        <p:cond delay="indefinite"/>
+                      </p:stCondLst>
+                      <p:childTnLst>
+                        <p:par>
+                          <p:cTn id="20" fill="hold">
+                            <p:stCondLst>
+                              <p:cond delay="0"/>
+                            </p:stCondLst>
+                            <p:childTnLst>
+                              <p:par>
+                                <p:cTn id="21" presetID="10" presetClass="entr" presetSubtype="0" fill="hold" nodeType="clickEffect">
+                                  <p:stCondLst>
+                                    <p:cond delay="0"/>
+                                  </p:stCondLst>
+                                  <p:childTnLst>
+                                    <p:set>
+                                      <p:cBhvr>
+                                        <p:cTn id="22" dur="1" fill="hold">
+                                          <p:stCondLst>
+                                            <p:cond delay="0"/>
+                                          </p:stCondLst>
+                                        </p:cTn>
+                                        <p:tgtEl>
+                                          <p:spTgt spid="11"/>
+                                        </p:tgtEl>
+                                        <p:attrNameLst>
+                                          <p:attrName>style.visibility</p:attrName>
+                                        </p:attrNameLst>
+                                      </p:cBhvr>
+                                      <p:to>
+                                        <p:strVal val="visible"/>
+                                      </p:to>
+                                    </p:set>
+                                    <p:animEffect transition="in" filter="fade">
+                                      <p:cBhvr>
+                                        <p:cTn id="23" dur="500"/>
+                                        <p:tgtEl>
+                                          <p:spTgt spid="11"/>
+                                        </p:tgtEl>
+                                      </p:cBhvr>
+                                    </p:animEffect>
+                                  </p:childTnLst>
+                                </p:cTn>
+                              </p:par>
+                              <p:par>
+                                <p:cTn id="24" presetID="10" presetClass="entr" presetSubtype="0" fill="hold" nodeType="withEffect">
+                                  <p:stCondLst>
+                                    <p:cond delay="0"/>
+                                  </p:stCondLst>
+                                  <p:childTnLst>
+                                    <p:set>
+                                      <p:cBhvr>
+                                        <p:cTn id="25" dur="1" fill="hold">
+                                          <p:stCondLst>
+                                            <p:cond delay="0"/>
+                                          </p:stCondLst>
+                                        </p:cTn>
+                                        <p:tgtEl>
+                                          <p:spTgt spid="12"/>
+                                        </p:tgtEl>
+                                        <p:attrNameLst>
+                                          <p:attrName>style.visibility</p:attrName>
+                                        </p:attrNameLst>
+                                      </p:cBhvr>
+                                      <p:to>
+                                        <p:strVal val="visible"/>
+                                      </p:to>
+                                    </p:set>
+                                    <p:animEffect transition="in" filter="fade">
+                                      <p:cBhvr>
+                                        <p:cTn id="26" dur="500"/>
+                                        <p:tgtEl>
+                                          <p:spTgt spid="12"/>
+                                        </p:tgtEl>
+                                      </p:cBhvr>
+                                    </p:animEffect>
+                                  </p:childTnLst>
+                                </p:cTn>
+                              </p:par>
+                            </p:childTnLst>
+                          </p:cTn>
+                        </p:par>
+                      </p:childTnLst>
+                    </p:cTn>
+                  </p:par>
                 </p:childTnLst>
               </p:cTn>
               <p:prevCondLst>
@@ -9556,7 +10655,7 @@
 </p:sld>
 </file>
 
-<file path=ppt/slides/slide14.xml><?xml version="1.0" encoding="utf-8"?>
+<file path=ppt/slides/slide15.xml><?xml version="1.0" encoding="utf-8"?>
 <p:sld xmlns:a="http://schemas.openxmlformats.org/drawingml/2006/main" xmlns:r="http://schemas.openxmlformats.org/officeDocument/2006/relationships" xmlns:p="http://schemas.openxmlformats.org/presentationml/2006/main">
   <p:cSld>
     <p:spTree>
@@ -9831,7 +10930,7 @@
 </p:sld>
 </file>
 
-<file path=ppt/slides/slide15.xml><?xml version="1.0" encoding="utf-8"?>
+<file path=ppt/slides/slide16.xml><?xml version="1.0" encoding="utf-8"?>
 <p:sld xmlns:a="http://schemas.openxmlformats.org/drawingml/2006/main" xmlns:r="http://schemas.openxmlformats.org/officeDocument/2006/relationships" xmlns:p="http://schemas.openxmlformats.org/presentationml/2006/main">
   <p:cSld>
     <p:spTree>
@@ -9909,7 +11008,7 @@
 </p:sld>
 </file>
 
-<file path=ppt/slides/slide16.xml><?xml version="1.0" encoding="utf-8"?>
+<file path=ppt/slides/slide17.xml><?xml version="1.0" encoding="utf-8"?>
 <p:sld xmlns:a="http://schemas.openxmlformats.org/drawingml/2006/main" xmlns:r="http://schemas.openxmlformats.org/officeDocument/2006/relationships" xmlns:p="http://schemas.openxmlformats.org/presentationml/2006/main">
   <p:cSld>
     <p:spTree>
@@ -10266,7 +11365,7 @@
 </p:sld>
 </file>
 
-<file path=ppt/slides/slide17.xml><?xml version="1.0" encoding="utf-8"?>
+<file path=ppt/slides/slide18.xml><?xml version="1.0" encoding="utf-8"?>
 <p:sld xmlns:a="http://schemas.openxmlformats.org/drawingml/2006/main" xmlns:r="http://schemas.openxmlformats.org/officeDocument/2006/relationships" xmlns:p="http://schemas.openxmlformats.org/presentationml/2006/main">
   <p:cSld>
     <p:spTree>
@@ -10435,7 +11534,7 @@
 </p:sld>
 </file>
 
-<file path=ppt/slides/slide18.xml><?xml version="1.0" encoding="utf-8"?>
+<file path=ppt/slides/slide19.xml><?xml version="1.0" encoding="utf-8"?>
 <p:sld xmlns:a="http://schemas.openxmlformats.org/drawingml/2006/main" xmlns:r="http://schemas.openxmlformats.org/officeDocument/2006/relationships" xmlns:p="http://schemas.openxmlformats.org/presentationml/2006/main">
   <p:cSld>
     <p:spTree>
@@ -11035,620 +12134,6 @@
 </p:sld>
 </file>
 
-<file path=ppt/slides/slide19.xml><?xml version="1.0" encoding="utf-8"?>
-<p:sld xmlns:a="http://schemas.openxmlformats.org/drawingml/2006/main" xmlns:r="http://schemas.openxmlformats.org/officeDocument/2006/relationships" xmlns:p="http://schemas.openxmlformats.org/presentationml/2006/main">
-  <p:cSld>
-    <p:spTree>
-      <p:nvGrpSpPr>
-        <p:cNvPr id="1" name=""/>
-        <p:cNvGrpSpPr/>
-        <p:nvPr/>
-      </p:nvGrpSpPr>
-      <p:grpSpPr>
-        <a:xfrm>
-          <a:off x="0" y="0"/>
-          <a:ext cx="0" cy="0"/>
-          <a:chOff x="0" y="0"/>
-          <a:chExt cx="0" cy="0"/>
-        </a:xfrm>
-      </p:grpSpPr>
-      <p:pic>
-        <p:nvPicPr>
-          <p:cNvPr id="9" name="Picture 8" descr="Diagram, box and whisker chart&#10;&#10;Description automatically generated">
-            <a:extLst>
-              <a:ext uri="{FF2B5EF4-FFF2-40B4-BE49-F238E27FC236}">
-                <a16:creationId xmlns:a16="http://schemas.microsoft.com/office/drawing/2014/main" id="{565CB2B0-DF8B-3C40-8B5A-3449D6358553}"/>
-              </a:ext>
-            </a:extLst>
-          </p:cNvPr>
-          <p:cNvPicPr>
-            <a:picLocks noChangeAspect="1"/>
-          </p:cNvPicPr>
-          <p:nvPr/>
-        </p:nvPicPr>
-        <p:blipFill>
-          <a:blip r:embed="rId3">
-            <a:alphaModFix/>
-          </a:blip>
-          <a:stretch>
-            <a:fillRect/>
-          </a:stretch>
-        </p:blipFill>
-        <p:spPr>
-          <a:xfrm>
-            <a:off x="3282025" y="228600"/>
-            <a:ext cx="5627950" cy="6134006"/>
-          </a:xfrm>
-          <a:prstGeom prst="rect">
-            <a:avLst/>
-          </a:prstGeom>
-        </p:spPr>
-      </p:pic>
-      <p:sp>
-        <p:nvSpPr>
-          <p:cNvPr id="10" name="TextBox 9">
-            <a:extLst>
-              <a:ext uri="{FF2B5EF4-FFF2-40B4-BE49-F238E27FC236}">
-                <a16:creationId xmlns:a16="http://schemas.microsoft.com/office/drawing/2014/main" id="{28EA983F-D732-B846-A699-F3F34B3A0DBF}"/>
-              </a:ext>
-            </a:extLst>
-          </p:cNvPr>
-          <p:cNvSpPr txBox="1"/>
-          <p:nvPr/>
-        </p:nvSpPr>
-        <p:spPr>
-          <a:xfrm>
-            <a:off x="3438618" y="2207718"/>
-            <a:ext cx="835816" cy="369332"/>
-          </a:xfrm>
-          <a:prstGeom prst="rect">
-            <a:avLst/>
-          </a:prstGeom>
-          <a:noFill/>
-        </p:spPr>
-        <p:txBody>
-          <a:bodyPr wrap="square" rtlCol="0">
-            <a:spAutoFit/>
-          </a:bodyPr>
-          <a:lstStyle/>
-          <a:p>
-            <a:r>
-              <a:rPr lang="en-US" dirty="0"/>
-              <a:t>w</a:t>
-            </a:r>
-            <a:r>
-              <a:rPr lang="en-US" baseline="-25000" dirty="0"/>
-              <a:t>gf1</a:t>
-            </a:r>
-          </a:p>
-        </p:txBody>
-      </p:sp>
-      <p:sp>
-        <p:nvSpPr>
-          <p:cNvPr id="11" name="TextBox 10">
-            <a:extLst>
-              <a:ext uri="{FF2B5EF4-FFF2-40B4-BE49-F238E27FC236}">
-                <a16:creationId xmlns:a16="http://schemas.microsoft.com/office/drawing/2014/main" id="{92AAFADB-EDD0-5E41-BDE0-6A48C8220DA2}"/>
-              </a:ext>
-            </a:extLst>
-          </p:cNvPr>
-          <p:cNvSpPr txBox="1"/>
-          <p:nvPr/>
-        </p:nvSpPr>
-        <p:spPr>
-          <a:xfrm>
-            <a:off x="6552448" y="2100843"/>
-            <a:ext cx="835816" cy="369332"/>
-          </a:xfrm>
-          <a:prstGeom prst="rect">
-            <a:avLst/>
-          </a:prstGeom>
-          <a:noFill/>
-        </p:spPr>
-        <p:txBody>
-          <a:bodyPr wrap="square" rtlCol="0">
-            <a:spAutoFit/>
-          </a:bodyPr>
-          <a:lstStyle/>
-          <a:p>
-            <a:r>
-              <a:rPr lang="en-US" dirty="0"/>
-              <a:t>w</a:t>
-            </a:r>
-            <a:r>
-              <a:rPr lang="en-US" baseline="-25000" dirty="0"/>
-              <a:t>gf1</a:t>
-            </a:r>
-          </a:p>
-        </p:txBody>
-      </p:sp>
-      <p:sp>
-        <p:nvSpPr>
-          <p:cNvPr id="12" name="TextBox 11">
-            <a:extLst>
-              <a:ext uri="{FF2B5EF4-FFF2-40B4-BE49-F238E27FC236}">
-                <a16:creationId xmlns:a16="http://schemas.microsoft.com/office/drawing/2014/main" id="{0491F1B7-830D-C749-9DB9-53F60D41D752}"/>
-              </a:ext>
-            </a:extLst>
-          </p:cNvPr>
-          <p:cNvSpPr txBox="1"/>
-          <p:nvPr/>
-        </p:nvSpPr>
-        <p:spPr>
-          <a:xfrm>
-            <a:off x="4803737" y="164273"/>
-            <a:ext cx="835816" cy="369332"/>
-          </a:xfrm>
-          <a:prstGeom prst="rect">
-            <a:avLst/>
-          </a:prstGeom>
-          <a:noFill/>
-        </p:spPr>
-        <p:txBody>
-          <a:bodyPr wrap="square" rtlCol="0">
-            <a:spAutoFit/>
-          </a:bodyPr>
-          <a:lstStyle/>
-          <a:p>
-            <a:r>
-              <a:rPr lang="en-US" dirty="0"/>
-              <a:t>w</a:t>
-            </a:r>
-            <a:r>
-              <a:rPr lang="en-US" baseline="-25000" dirty="0"/>
-              <a:t>xg2</a:t>
-            </a:r>
-          </a:p>
-        </p:txBody>
-      </p:sp>
-      <p:sp>
-        <p:nvSpPr>
-          <p:cNvPr id="15" name="!!x3">
-            <a:extLst>
-              <a:ext uri="{FF2B5EF4-FFF2-40B4-BE49-F238E27FC236}">
-                <a16:creationId xmlns:a16="http://schemas.microsoft.com/office/drawing/2014/main" id="{22ABDFE0-6888-C546-88BD-71FEF5A7744B}"/>
-              </a:ext>
-            </a:extLst>
-          </p:cNvPr>
-          <p:cNvSpPr/>
-          <p:nvPr/>
-        </p:nvSpPr>
-        <p:spPr>
-          <a:xfrm>
-            <a:off x="5699412" y="1827190"/>
-            <a:ext cx="481914" cy="481914"/>
-          </a:xfrm>
-          <a:prstGeom prst="mathMultiply">
-            <a:avLst/>
-          </a:prstGeom>
-          <a:solidFill>
-            <a:srgbClr val="C00000"/>
-          </a:solidFill>
-          <a:ln>
-            <a:noFill/>
-          </a:ln>
-        </p:spPr>
-        <p:style>
-          <a:lnRef idx="2">
-            <a:schemeClr val="accent6"/>
-          </a:lnRef>
-          <a:fillRef idx="1">
-            <a:schemeClr val="lt1"/>
-          </a:fillRef>
-          <a:effectRef idx="0">
-            <a:schemeClr val="accent6"/>
-          </a:effectRef>
-          <a:fontRef idx="minor">
-            <a:schemeClr val="dk1"/>
-          </a:fontRef>
-        </p:style>
-        <p:txBody>
-          <a:bodyPr rtlCol="0" anchor="ctr"/>
-          <a:lstStyle/>
-          <a:p>
-            <a:pPr algn="ctr"/>
-            <a:r>
-              <a:rPr lang="en-US" dirty="0">
-                <a:ln w="0"/>
-                <a:solidFill>
-                  <a:sysClr val="windowText" lastClr="000000"/>
-                </a:solidFill>
-                <a:effectLst>
-                  <a:outerShdw blurRad="38100" dist="19050" dir="2700000" algn="tl" rotWithShape="0">
-                    <a:schemeClr val="dk1">
-                      <a:alpha val="40000"/>
-                    </a:schemeClr>
-                  </a:outerShdw>
-                </a:effectLst>
-              </a:rPr>
-              <a:t>   </a:t>
-            </a:r>
-          </a:p>
-        </p:txBody>
-      </p:sp>
-      <p:cxnSp>
-        <p:nvCxnSpPr>
-          <p:cNvPr id="16" name="!!topdotted">
-            <a:extLst>
-              <a:ext uri="{FF2B5EF4-FFF2-40B4-BE49-F238E27FC236}">
-                <a16:creationId xmlns:a16="http://schemas.microsoft.com/office/drawing/2014/main" id="{E7829BD0-FEF5-FF49-ABD0-6D6F0A32AAA9}"/>
-              </a:ext>
-            </a:extLst>
-          </p:cNvPr>
-          <p:cNvCxnSpPr>
-            <a:cxnSpLocks/>
-          </p:cNvCxnSpPr>
-          <p:nvPr/>
-        </p:nvCxnSpPr>
-        <p:spPr>
-          <a:xfrm flipV="1">
-            <a:off x="5940369" y="1133856"/>
-            <a:ext cx="0" cy="866303"/>
-          </a:xfrm>
-          <a:prstGeom prst="line">
-            <a:avLst/>
-          </a:prstGeom>
-          <a:ln w="9525" cap="flat" cmpd="sng" algn="ctr">
-            <a:solidFill>
-              <a:srgbClr val="C00000"/>
-            </a:solidFill>
-            <a:prstDash val="dash"/>
-            <a:round/>
-            <a:headEnd type="none" w="med" len="med"/>
-            <a:tailEnd type="none" w="med" len="med"/>
-          </a:ln>
-        </p:spPr>
-        <p:style>
-          <a:lnRef idx="0">
-            <a:scrgbClr r="0" g="0" b="0"/>
-          </a:lnRef>
-          <a:fillRef idx="0">
-            <a:scrgbClr r="0" g="0" b="0"/>
-          </a:fillRef>
-          <a:effectRef idx="0">
-            <a:scrgbClr r="0" g="0" b="0"/>
-          </a:effectRef>
-          <a:fontRef idx="minor">
-            <a:schemeClr val="tx1"/>
-          </a:fontRef>
-        </p:style>
-      </p:cxnSp>
-      <p:sp>
-        <p:nvSpPr>
-          <p:cNvPr id="17" name="!!topline">
-            <a:extLst>
-              <a:ext uri="{FF2B5EF4-FFF2-40B4-BE49-F238E27FC236}">
-                <a16:creationId xmlns:a16="http://schemas.microsoft.com/office/drawing/2014/main" id="{F3F6A119-5138-B343-8340-27FA5DC30346}"/>
-              </a:ext>
-            </a:extLst>
-          </p:cNvPr>
-          <p:cNvSpPr/>
-          <p:nvPr/>
-        </p:nvSpPr>
-        <p:spPr>
-          <a:xfrm rot="19800000">
-            <a:off x="5198201" y="1085420"/>
-            <a:ext cx="1484334" cy="45719"/>
-          </a:xfrm>
-          <a:prstGeom prst="rect">
-            <a:avLst/>
-          </a:prstGeom>
-          <a:solidFill>
-            <a:schemeClr val="tx1"/>
-          </a:solidFill>
-          <a:ln>
-            <a:noFill/>
-          </a:ln>
-        </p:spPr>
-        <p:style>
-          <a:lnRef idx="2">
-            <a:schemeClr val="accent1">
-              <a:shade val="50000"/>
-            </a:schemeClr>
-          </a:lnRef>
-          <a:fillRef idx="1">
-            <a:schemeClr val="accent1"/>
-          </a:fillRef>
-          <a:effectRef idx="0">
-            <a:schemeClr val="accent1"/>
-          </a:effectRef>
-          <a:fontRef idx="minor">
-            <a:schemeClr val="lt1"/>
-          </a:fontRef>
-        </p:style>
-        <p:txBody>
-          <a:bodyPr rtlCol="0" anchor="ctr"/>
-          <a:lstStyle/>
-          <a:p>
-            <a:pPr algn="ctr"/>
-            <a:endParaRPr lang="en-US"/>
-          </a:p>
-        </p:txBody>
-      </p:sp>
-      <p:cxnSp>
-        <p:nvCxnSpPr>
-          <p:cNvPr id="20" name="!!Straight Connector ">
-            <a:extLst>
-              <a:ext uri="{FF2B5EF4-FFF2-40B4-BE49-F238E27FC236}">
-                <a16:creationId xmlns:a16="http://schemas.microsoft.com/office/drawing/2014/main" id="{9AB183B4-8D22-AF44-9BCF-B3E021604233}"/>
-              </a:ext>
-            </a:extLst>
-          </p:cNvPr>
-          <p:cNvCxnSpPr>
-            <a:cxnSpLocks/>
-          </p:cNvCxnSpPr>
-          <p:nvPr/>
-        </p:nvCxnSpPr>
-        <p:spPr>
-          <a:xfrm flipH="1" flipV="1">
-            <a:off x="5167759" y="3161692"/>
-            <a:ext cx="1" cy="2503097"/>
-          </a:xfrm>
-          <a:prstGeom prst="line">
-            <a:avLst/>
-          </a:prstGeom>
-          <a:ln w="9525" cap="flat" cmpd="sng" algn="ctr">
-            <a:solidFill>
-              <a:srgbClr val="C00000"/>
-            </a:solidFill>
-            <a:prstDash val="dash"/>
-            <a:round/>
-            <a:headEnd type="none" w="med" len="med"/>
-            <a:tailEnd type="none" w="med" len="med"/>
-          </a:ln>
-        </p:spPr>
-        <p:style>
-          <a:lnRef idx="0">
-            <a:scrgbClr r="0" g="0" b="0"/>
-          </a:lnRef>
-          <a:fillRef idx="0">
-            <a:scrgbClr r="0" g="0" b="0"/>
-          </a:fillRef>
-          <a:effectRef idx="0">
-            <a:scrgbClr r="0" g="0" b="0"/>
-          </a:effectRef>
-          <a:fontRef idx="minor">
-            <a:schemeClr val="tx1"/>
-          </a:fontRef>
-        </p:style>
-      </p:cxnSp>
-      <p:sp>
-        <p:nvSpPr>
-          <p:cNvPr id="21" name="!!x2">
-            <a:extLst>
-              <a:ext uri="{FF2B5EF4-FFF2-40B4-BE49-F238E27FC236}">
-                <a16:creationId xmlns:a16="http://schemas.microsoft.com/office/drawing/2014/main" id="{119E84B8-0506-894F-98EC-2BBBE8FCABAD}"/>
-              </a:ext>
-            </a:extLst>
-          </p:cNvPr>
-          <p:cNvSpPr/>
-          <p:nvPr/>
-        </p:nvSpPr>
-        <p:spPr>
-          <a:xfrm>
-            <a:off x="4934630" y="5478694"/>
-            <a:ext cx="481914" cy="481914"/>
-          </a:xfrm>
-          <a:prstGeom prst="mathMultiply">
-            <a:avLst/>
-          </a:prstGeom>
-          <a:solidFill>
-            <a:srgbClr val="C00000"/>
-          </a:solidFill>
-          <a:ln>
-            <a:noFill/>
-          </a:ln>
-        </p:spPr>
-        <p:style>
-          <a:lnRef idx="2">
-            <a:schemeClr val="accent6"/>
-          </a:lnRef>
-          <a:fillRef idx="1">
-            <a:schemeClr val="lt1"/>
-          </a:fillRef>
-          <a:effectRef idx="0">
-            <a:schemeClr val="accent6"/>
-          </a:effectRef>
-          <a:fontRef idx="minor">
-            <a:schemeClr val="dk1"/>
-          </a:fontRef>
-        </p:style>
-        <p:txBody>
-          <a:bodyPr rtlCol="0" anchor="ctr"/>
-          <a:lstStyle/>
-          <a:p>
-            <a:pPr algn="ctr"/>
-            <a:r>
-              <a:rPr lang="en-US" dirty="0">
-                <a:ln w="0"/>
-                <a:solidFill>
-                  <a:sysClr val="windowText" lastClr="000000"/>
-                </a:solidFill>
-                <a:effectLst>
-                  <a:outerShdw blurRad="38100" dist="19050" dir="2700000" algn="tl" rotWithShape="0">
-                    <a:schemeClr val="dk1">
-                      <a:alpha val="40000"/>
-                    </a:schemeClr>
-                  </a:outerShdw>
-                </a:effectLst>
-              </a:rPr>
-              <a:t>   </a:t>
-            </a:r>
-          </a:p>
-        </p:txBody>
-      </p:sp>
-      <p:sp>
-        <p:nvSpPr>
-          <p:cNvPr id="22" name="!!x1">
-            <a:extLst>
-              <a:ext uri="{FF2B5EF4-FFF2-40B4-BE49-F238E27FC236}">
-                <a16:creationId xmlns:a16="http://schemas.microsoft.com/office/drawing/2014/main" id="{8BB8C0CD-524B-7344-999A-7ED0F620876B}"/>
-              </a:ext>
-            </a:extLst>
-          </p:cNvPr>
-          <p:cNvSpPr/>
-          <p:nvPr/>
-        </p:nvSpPr>
-        <p:spPr>
-          <a:xfrm>
-            <a:off x="4922821" y="2947086"/>
-            <a:ext cx="481914" cy="481914"/>
-          </a:xfrm>
-          <a:prstGeom prst="mathMultiply">
-            <a:avLst/>
-          </a:prstGeom>
-          <a:solidFill>
-            <a:srgbClr val="C00000"/>
-          </a:solidFill>
-          <a:ln>
-            <a:noFill/>
-          </a:ln>
-        </p:spPr>
-        <p:style>
-          <a:lnRef idx="2">
-            <a:schemeClr val="accent6"/>
-          </a:lnRef>
-          <a:fillRef idx="1">
-            <a:schemeClr val="lt1"/>
-          </a:fillRef>
-          <a:effectRef idx="0">
-            <a:schemeClr val="accent6"/>
-          </a:effectRef>
-          <a:fontRef idx="minor">
-            <a:schemeClr val="dk1"/>
-          </a:fontRef>
-        </p:style>
-        <p:txBody>
-          <a:bodyPr rtlCol="0" anchor="ctr"/>
-          <a:lstStyle/>
-          <a:p>
-            <a:pPr algn="ctr"/>
-            <a:r>
-              <a:rPr lang="en-US" dirty="0">
-                <a:ln w="0"/>
-                <a:solidFill>
-                  <a:sysClr val="windowText" lastClr="000000"/>
-                </a:solidFill>
-                <a:effectLst>
-                  <a:outerShdw blurRad="38100" dist="19050" dir="2700000" algn="tl" rotWithShape="0">
-                    <a:schemeClr val="dk1">
-                      <a:alpha val="40000"/>
-                    </a:schemeClr>
-                  </a:outerShdw>
-                </a:effectLst>
-              </a:rPr>
-              <a:t>   </a:t>
-            </a:r>
-          </a:p>
-        </p:txBody>
-      </p:sp>
-      <p:cxnSp>
-        <p:nvCxnSpPr>
-          <p:cNvPr id="25" name="Straight Arrow Connector 24">
-            <a:extLst>
-              <a:ext uri="{FF2B5EF4-FFF2-40B4-BE49-F238E27FC236}">
-                <a16:creationId xmlns:a16="http://schemas.microsoft.com/office/drawing/2014/main" id="{808E1DF3-BB9B-0B4D-AA55-45DEEDF59E50}"/>
-              </a:ext>
-            </a:extLst>
-          </p:cNvPr>
-          <p:cNvCxnSpPr>
-            <a:cxnSpLocks/>
-          </p:cNvCxnSpPr>
-          <p:nvPr/>
-        </p:nvCxnSpPr>
-        <p:spPr>
-          <a:xfrm flipH="1">
-            <a:off x="5345577" y="2273479"/>
-            <a:ext cx="556459" cy="742854"/>
-          </a:xfrm>
-          <a:prstGeom prst="straightConnector1">
-            <a:avLst/>
-          </a:prstGeom>
-          <a:ln w="38100">
-            <a:solidFill>
-              <a:srgbClr val="7030A0"/>
-            </a:solidFill>
-            <a:prstDash val="sysDot"/>
-            <a:headEnd type="triangle"/>
-            <a:tailEnd type="triangle"/>
-          </a:ln>
-        </p:spPr>
-        <p:style>
-          <a:lnRef idx="1">
-            <a:schemeClr val="accent1"/>
-          </a:lnRef>
-          <a:fillRef idx="0">
-            <a:schemeClr val="accent1"/>
-          </a:fillRef>
-          <a:effectRef idx="0">
-            <a:schemeClr val="accent1"/>
-          </a:effectRef>
-          <a:fontRef idx="minor">
-            <a:schemeClr val="tx1"/>
-          </a:fontRef>
-        </p:style>
-      </p:cxnSp>
-      <p:sp>
-        <p:nvSpPr>
-          <p:cNvPr id="14" name="TextBox 13">
-            <a:extLst>
-              <a:ext uri="{FF2B5EF4-FFF2-40B4-BE49-F238E27FC236}">
-                <a16:creationId xmlns:a16="http://schemas.microsoft.com/office/drawing/2014/main" id="{1929C519-4ED7-4D7C-9046-3C3811BD9257}"/>
-              </a:ext>
-            </a:extLst>
-          </p:cNvPr>
-          <p:cNvSpPr txBox="1"/>
-          <p:nvPr/>
-        </p:nvSpPr>
-        <p:spPr>
-          <a:xfrm>
-            <a:off x="3862316" y="5775942"/>
-            <a:ext cx="1236059" cy="369332"/>
-          </a:xfrm>
-          <a:prstGeom prst="rect">
-            <a:avLst/>
-          </a:prstGeom>
-          <a:noFill/>
-        </p:spPr>
-        <p:txBody>
-          <a:bodyPr wrap="square" rtlCol="0">
-            <a:spAutoFit/>
-          </a:bodyPr>
-          <a:lstStyle/>
-          <a:p>
-            <a:r>
-              <a:rPr lang="en-US" dirty="0"/>
-              <a:t>Total Error</a:t>
-            </a:r>
-            <a:endParaRPr lang="en-US" baseline="-25000" dirty="0"/>
-          </a:p>
-        </p:txBody>
-      </p:sp>
-    </p:spTree>
-    <p:extLst>
-      <p:ext uri="{BB962C8B-B14F-4D97-AF65-F5344CB8AC3E}">
-        <p14:creationId xmlns:p14="http://schemas.microsoft.com/office/powerpoint/2010/main" val="137750659"/>
-      </p:ext>
-    </p:extLst>
-  </p:cSld>
-  <p:clrMapOvr>
-    <a:masterClrMapping/>
-  </p:clrMapOvr>
-  <mc:AlternateContent xmlns:mc="http://schemas.openxmlformats.org/markup-compatibility/2006" xmlns:p159="http://schemas.microsoft.com/office/powerpoint/2015/09/main">
-    <mc:Choice Requires="p159">
-      <p:transition xmlns:p14="http://schemas.microsoft.com/office/powerpoint/2010/main" spd="slow" p14:dur="2000">
-        <p159:morph option="byObject"/>
-      </p:transition>
-    </mc:Choice>
-    <mc:Fallback xmlns="">
-      <p:transition spd="slow">
-        <p:fade/>
-      </p:transition>
-    </mc:Fallback>
-  </mc:AlternateContent>
-</p:sld>
-</file>
-
 <file path=ppt/slides/slide2.xml><?xml version="1.0" encoding="utf-8"?>
 <p:sld xmlns:a="http://schemas.openxmlformats.org/drawingml/2006/main" xmlns:r="http://schemas.openxmlformats.org/officeDocument/2006/relationships" xmlns:p="http://schemas.openxmlformats.org/presentationml/2006/main">
   <p:cSld>
@@ -11814,7 +12299,7 @@
           <a:graphicData uri="http://schemas.openxmlformats.org/presentationml/2006/ole">
             <mc:AlternateContent xmlns:mc="http://schemas.openxmlformats.org/markup-compatibility/2006">
               <mc:Choice xmlns:v="urn:schemas-microsoft-com:vml" Requires="v">
-                <p:oleObj spid="_x0000_s1220" name="Visio" r:id="rId8" imgW="2514945" imgH="1657350" progId="Visio.Drawing.15">
+                <p:oleObj spid="_x0000_s1252" name="Visio" r:id="rId8" imgW="2514945" imgH="1657350" progId="Visio.Drawing.15">
                   <p:embed/>
                 </p:oleObj>
               </mc:Choice>
@@ -12016,7 +12501,7 @@
           <p:cNvPr id="9" name="Picture 8" descr="Diagram, box and whisker chart&#10;&#10;Description automatically generated">
             <a:extLst>
               <a:ext uri="{FF2B5EF4-FFF2-40B4-BE49-F238E27FC236}">
-                <a16:creationId xmlns:a16="http://schemas.microsoft.com/office/drawing/2014/main" id="{E490E251-83FA-3240-9DD2-5E8C0132165A}"/>
+                <a16:creationId xmlns:a16="http://schemas.microsoft.com/office/drawing/2014/main" id="{565CB2B0-DF8B-3C40-8B5A-3449D6358553}"/>
               </a:ext>
             </a:extLst>
           </p:cNvPr>
@@ -12035,7 +12520,7 @@
         </p:blipFill>
         <p:spPr>
           <a:xfrm>
-            <a:off x="3284239" y="231768"/>
+            <a:off x="3282025" y="228600"/>
             <a:ext cx="5627950" cy="6134006"/>
           </a:xfrm>
           <a:prstGeom prst="rect">
@@ -12048,7 +12533,7 @@
           <p:cNvPr id="10" name="TextBox 9">
             <a:extLst>
               <a:ext uri="{FF2B5EF4-FFF2-40B4-BE49-F238E27FC236}">
-                <a16:creationId xmlns:a16="http://schemas.microsoft.com/office/drawing/2014/main" id="{B123902C-CC49-954C-B80C-BAFB58F52F74}"/>
+                <a16:creationId xmlns:a16="http://schemas.microsoft.com/office/drawing/2014/main" id="{28EA983F-D732-B846-A699-F3F34B3A0DBF}"/>
               </a:ext>
             </a:extLst>
           </p:cNvPr>
@@ -12087,7 +12572,7 @@
           <p:cNvPr id="11" name="TextBox 10">
             <a:extLst>
               <a:ext uri="{FF2B5EF4-FFF2-40B4-BE49-F238E27FC236}">
-                <a16:creationId xmlns:a16="http://schemas.microsoft.com/office/drawing/2014/main" id="{17818A1E-9E7E-2C4C-ADB4-30F4F58AC9C5}"/>
+                <a16:creationId xmlns:a16="http://schemas.microsoft.com/office/drawing/2014/main" id="{92AAFADB-EDD0-5E41-BDE0-6A48C8220DA2}"/>
               </a:ext>
             </a:extLst>
           </p:cNvPr>
@@ -12126,7 +12611,7 @@
           <p:cNvPr id="12" name="TextBox 11">
             <a:extLst>
               <a:ext uri="{FF2B5EF4-FFF2-40B4-BE49-F238E27FC236}">
-                <a16:creationId xmlns:a16="http://schemas.microsoft.com/office/drawing/2014/main" id="{B7374F93-D12A-3943-B077-429B16A7F85C}"/>
+                <a16:creationId xmlns:a16="http://schemas.microsoft.com/office/drawing/2014/main" id="{0491F1B7-830D-C749-9DB9-53F60D41D752}"/>
               </a:ext>
             </a:extLst>
           </p:cNvPr>
@@ -12135,7 +12620,7 @@
         </p:nvSpPr>
         <p:spPr>
           <a:xfrm>
-            <a:off x="4803737" y="168897"/>
+            <a:off x="4803737" y="164273"/>
             <a:ext cx="835816" cy="369332"/>
           </a:xfrm>
           <a:prstGeom prst="rect">
@@ -12174,7 +12659,7 @@
         </p:nvSpPr>
         <p:spPr>
           <a:xfrm>
-            <a:off x="6095999" y="1827190"/>
+            <a:off x="5699412" y="1827190"/>
             <a:ext cx="481914" cy="481914"/>
           </a:xfrm>
           <a:prstGeom prst="mathMultiply">
@@ -12241,8 +12726,8 @@
         </p:nvCxnSpPr>
         <p:spPr>
           <a:xfrm flipV="1">
-            <a:off x="6333724" y="914400"/>
-            <a:ext cx="0" cy="1131483"/>
+            <a:off x="5940369" y="1133856"/>
+            <a:ext cx="0" cy="866303"/>
           </a:xfrm>
           <a:prstGeom prst="line">
             <a:avLst/>
@@ -12285,8 +12770,8 @@
           <p:nvPr/>
         </p:nvSpPr>
         <p:spPr>
-          <a:xfrm rot="20241733">
-            <a:off x="5602937" y="875239"/>
+          <a:xfrm rot="19800000">
+            <a:off x="5198201" y="1085420"/>
             <a:ext cx="1484334" cy="45719"/>
           </a:xfrm>
           <a:prstGeom prst="rect">
@@ -12329,7 +12814,7 @@
           <p:cNvPr id="20" name="!!Straight Connector ">
             <a:extLst>
               <a:ext uri="{FF2B5EF4-FFF2-40B4-BE49-F238E27FC236}">
-                <a16:creationId xmlns:a16="http://schemas.microsoft.com/office/drawing/2014/main" id="{C010978C-3FCB-9C4F-AE40-443507DF77C8}"/>
+                <a16:creationId xmlns:a16="http://schemas.microsoft.com/office/drawing/2014/main" id="{9AB183B4-8D22-AF44-9BCF-B3E021604233}"/>
               </a:ext>
             </a:extLst>
           </p:cNvPr>
@@ -12339,9 +12824,9 @@
           <p:nvPr/>
         </p:nvCxnSpPr>
         <p:spPr>
-          <a:xfrm flipV="1">
-            <a:off x="4938593" y="3877615"/>
-            <a:ext cx="333" cy="1787174"/>
+          <a:xfrm flipH="1" flipV="1">
+            <a:off x="5167759" y="3161692"/>
+            <a:ext cx="1" cy="2503097"/>
           </a:xfrm>
           <a:prstGeom prst="line">
             <a:avLst/>
@@ -12376,7 +12861,7 @@
           <p:cNvPr id="21" name="!!x2">
             <a:extLst>
               <a:ext uri="{FF2B5EF4-FFF2-40B4-BE49-F238E27FC236}">
-                <a16:creationId xmlns:a16="http://schemas.microsoft.com/office/drawing/2014/main" id="{D41E6196-37F2-D547-8AB2-2F6B66DBD4B5}"/>
+                <a16:creationId xmlns:a16="http://schemas.microsoft.com/office/drawing/2014/main" id="{119E84B8-0506-894F-98EC-2BBBE8FCABAD}"/>
               </a:ext>
             </a:extLst>
           </p:cNvPr>
@@ -12385,7 +12870,7 @@
         </p:nvSpPr>
         <p:spPr>
           <a:xfrm>
-            <a:off x="4697969" y="5478694"/>
+            <a:off x="4934630" y="5478694"/>
             <a:ext cx="481914" cy="481914"/>
           </a:xfrm>
           <a:prstGeom prst="mathMultiply">
@@ -12441,7 +12926,7 @@
           <p:cNvPr id="22" name="!!x1">
             <a:extLst>
               <a:ext uri="{FF2B5EF4-FFF2-40B4-BE49-F238E27FC236}">
-                <a16:creationId xmlns:a16="http://schemas.microsoft.com/office/drawing/2014/main" id="{BD66FA5D-7F93-CE49-9B2F-6732B2EC0ADF}"/>
+                <a16:creationId xmlns:a16="http://schemas.microsoft.com/office/drawing/2014/main" id="{8BB8C0CD-524B-7344-999A-7ED0F620876B}"/>
               </a:ext>
             </a:extLst>
           </p:cNvPr>
@@ -12450,7 +12935,7 @@
         </p:nvSpPr>
         <p:spPr>
           <a:xfrm>
-            <a:off x="4697969" y="3636658"/>
+            <a:off x="4922821" y="2947086"/>
             <a:ext cx="481914" cy="481914"/>
           </a:xfrm>
           <a:prstGeom prst="mathMultiply">
@@ -12506,7 +12991,7 @@
           <p:cNvPr id="25" name="Straight Arrow Connector 24">
             <a:extLst>
               <a:ext uri="{FF2B5EF4-FFF2-40B4-BE49-F238E27FC236}">
-                <a16:creationId xmlns:a16="http://schemas.microsoft.com/office/drawing/2014/main" id="{FAF4B12E-1D85-AA4A-A46A-DB0453AB2D51}"/>
+                <a16:creationId xmlns:a16="http://schemas.microsoft.com/office/drawing/2014/main" id="{808E1DF3-BB9B-0B4D-AA55-45DEEDF59E50}"/>
               </a:ext>
             </a:extLst>
           </p:cNvPr>
@@ -12517,8 +13002,8 @@
         </p:nvCxnSpPr>
         <p:spPr>
           <a:xfrm flipH="1">
-            <a:off x="5179883" y="2273479"/>
-            <a:ext cx="1125912" cy="1490999"/>
+            <a:off x="5345577" y="2273479"/>
+            <a:ext cx="556459" cy="742854"/>
           </a:xfrm>
           <a:prstGeom prst="straightConnector1">
             <a:avLst/>
@@ -12552,7 +13037,7 @@
           <p:cNvPr id="14" name="TextBox 13">
             <a:extLst>
               <a:ext uri="{FF2B5EF4-FFF2-40B4-BE49-F238E27FC236}">
-                <a16:creationId xmlns:a16="http://schemas.microsoft.com/office/drawing/2014/main" id="{4D5A3200-76C1-4A94-91CE-74F104C335CC}"/>
+                <a16:creationId xmlns:a16="http://schemas.microsoft.com/office/drawing/2014/main" id="{1929C519-4ED7-4D7C-9046-3C3811BD9257}"/>
               </a:ext>
             </a:extLst>
           </p:cNvPr>
@@ -12586,7 +13071,7 @@
     </p:spTree>
     <p:extLst>
       <p:ext uri="{BB962C8B-B14F-4D97-AF65-F5344CB8AC3E}">
-        <p14:creationId xmlns:p14="http://schemas.microsoft.com/office/powerpoint/2010/main" val="2991731040"/>
+        <p14:creationId xmlns:p14="http://schemas.microsoft.com/office/powerpoint/2010/main" val="137750659"/>
       </p:ext>
     </p:extLst>
   </p:cSld>
@@ -12630,7 +13115,7 @@
           <p:cNvPr id="9" name="Picture 8" descr="Diagram, box and whisker chart&#10;&#10;Description automatically generated">
             <a:extLst>
               <a:ext uri="{FF2B5EF4-FFF2-40B4-BE49-F238E27FC236}">
-                <a16:creationId xmlns:a16="http://schemas.microsoft.com/office/drawing/2014/main" id="{5D8BE3E8-812A-5142-849A-F310329DF195}"/>
+                <a16:creationId xmlns:a16="http://schemas.microsoft.com/office/drawing/2014/main" id="{E490E251-83FA-3240-9DD2-5E8C0132165A}"/>
               </a:ext>
             </a:extLst>
           </p:cNvPr>
@@ -12662,7 +13147,7 @@
           <p:cNvPr id="10" name="TextBox 9">
             <a:extLst>
               <a:ext uri="{FF2B5EF4-FFF2-40B4-BE49-F238E27FC236}">
-                <a16:creationId xmlns:a16="http://schemas.microsoft.com/office/drawing/2014/main" id="{9A5BB91D-6CED-7E47-9FA0-29E2C54489EF}"/>
+                <a16:creationId xmlns:a16="http://schemas.microsoft.com/office/drawing/2014/main" id="{B123902C-CC49-954C-B80C-BAFB58F52F74}"/>
               </a:ext>
             </a:extLst>
           </p:cNvPr>
@@ -12701,7 +13186,7 @@
           <p:cNvPr id="11" name="TextBox 10">
             <a:extLst>
               <a:ext uri="{FF2B5EF4-FFF2-40B4-BE49-F238E27FC236}">
-                <a16:creationId xmlns:a16="http://schemas.microsoft.com/office/drawing/2014/main" id="{87F310BA-3BB1-EE43-9D2D-5A8806420DBE}"/>
+                <a16:creationId xmlns:a16="http://schemas.microsoft.com/office/drawing/2014/main" id="{17818A1E-9E7E-2C4C-ADB4-30F4F58AC9C5}"/>
               </a:ext>
             </a:extLst>
           </p:cNvPr>
@@ -12740,7 +13225,7 @@
           <p:cNvPr id="12" name="TextBox 11">
             <a:extLst>
               <a:ext uri="{FF2B5EF4-FFF2-40B4-BE49-F238E27FC236}">
-                <a16:creationId xmlns:a16="http://schemas.microsoft.com/office/drawing/2014/main" id="{49E5881C-E2F9-004E-879C-99F4502304FE}"/>
+                <a16:creationId xmlns:a16="http://schemas.microsoft.com/office/drawing/2014/main" id="{B7374F93-D12A-3943-B077-429B16A7F85C}"/>
               </a:ext>
             </a:extLst>
           </p:cNvPr>
@@ -12774,12 +13259,77 @@
           </a:p>
         </p:txBody>
       </p:sp>
+      <p:sp>
+        <p:nvSpPr>
+          <p:cNvPr id="15" name="!!x3">
+            <a:extLst>
+              <a:ext uri="{FF2B5EF4-FFF2-40B4-BE49-F238E27FC236}">
+                <a16:creationId xmlns:a16="http://schemas.microsoft.com/office/drawing/2014/main" id="{22ABDFE0-6888-C546-88BD-71FEF5A7744B}"/>
+              </a:ext>
+            </a:extLst>
+          </p:cNvPr>
+          <p:cNvSpPr/>
+          <p:nvPr/>
+        </p:nvSpPr>
+        <p:spPr>
+          <a:xfrm>
+            <a:off x="6095999" y="1827190"/>
+            <a:ext cx="481914" cy="481914"/>
+          </a:xfrm>
+          <a:prstGeom prst="mathMultiply">
+            <a:avLst/>
+          </a:prstGeom>
+          <a:solidFill>
+            <a:srgbClr val="C00000"/>
+          </a:solidFill>
+          <a:ln>
+            <a:noFill/>
+          </a:ln>
+        </p:spPr>
+        <p:style>
+          <a:lnRef idx="2">
+            <a:schemeClr val="accent6"/>
+          </a:lnRef>
+          <a:fillRef idx="1">
+            <a:schemeClr val="lt1"/>
+          </a:fillRef>
+          <a:effectRef idx="0">
+            <a:schemeClr val="accent6"/>
+          </a:effectRef>
+          <a:fontRef idx="minor">
+            <a:schemeClr val="dk1"/>
+          </a:fontRef>
+        </p:style>
+        <p:txBody>
+          <a:bodyPr rtlCol="0" anchor="ctr"/>
+          <a:lstStyle/>
+          <a:p>
+            <a:pPr algn="ctr"/>
+            <a:r>
+              <a:rPr lang="en-US" dirty="0">
+                <a:ln w="0"/>
+                <a:solidFill>
+                  <a:sysClr val="windowText" lastClr="000000"/>
+                </a:solidFill>
+                <a:effectLst>
+                  <a:outerShdw blurRad="38100" dist="19050" dir="2700000" algn="tl" rotWithShape="0">
+                    <a:schemeClr val="dk1">
+                      <a:alpha val="40000"/>
+                    </a:schemeClr>
+                  </a:outerShdw>
+                </a:effectLst>
+              </a:rPr>
+              <a:t>   </a:t>
+            </a:r>
+          </a:p>
+        </p:txBody>
+      </p:sp>
       <p:cxnSp>
         <p:nvCxnSpPr>
-          <p:cNvPr id="8" name="!!Straight Connector ">
-            <a:extLst>
-              <a:ext uri="{FF2B5EF4-FFF2-40B4-BE49-F238E27FC236}">
-                <a16:creationId xmlns:a16="http://schemas.microsoft.com/office/drawing/2014/main" id="{4CD809F0-2F8B-314B-A2C3-6F5FB4DE4FF2}"/>
+          <p:cNvPr id="16" name="!!topdotted">
+            <a:extLst>
+              <a:ext uri="{FF2B5EF4-FFF2-40B4-BE49-F238E27FC236}">
+                <a16:creationId xmlns:a16="http://schemas.microsoft.com/office/drawing/2014/main" id="{E7829BD0-FEF5-FF49-ABD0-6D6F0A32AAA9}"/>
               </a:ext>
             </a:extLst>
           </p:cNvPr>
@@ -12790,8 +13340,8 @@
         </p:nvCxnSpPr>
         <p:spPr>
           <a:xfrm flipV="1">
-            <a:off x="4745950" y="4244875"/>
-            <a:ext cx="0" cy="1419914"/>
+            <a:off x="6333724" y="914400"/>
+            <a:ext cx="0" cy="1131483"/>
           </a:xfrm>
           <a:prstGeom prst="line">
             <a:avLst/>
@@ -12823,10 +13373,10 @@
       </p:cxnSp>
       <p:sp>
         <p:nvSpPr>
-          <p:cNvPr id="13" name="!!x2">
-            <a:extLst>
-              <a:ext uri="{FF2B5EF4-FFF2-40B4-BE49-F238E27FC236}">
-                <a16:creationId xmlns:a16="http://schemas.microsoft.com/office/drawing/2014/main" id="{5F1B0C65-14E9-0547-83B1-126F04BEEA5E}"/>
+          <p:cNvPr id="17" name="!!topline">
+            <a:extLst>
+              <a:ext uri="{FF2B5EF4-FFF2-40B4-BE49-F238E27FC236}">
+                <a16:creationId xmlns:a16="http://schemas.microsoft.com/office/drawing/2014/main" id="{F3F6A119-5138-B343-8340-27FA5DC30346}"/>
               </a:ext>
             </a:extLst>
           </p:cNvPr>
@@ -12834,15 +13384,15 @@
           <p:nvPr/>
         </p:nvSpPr>
         <p:spPr>
-          <a:xfrm>
-            <a:off x="4504993" y="5478694"/>
-            <a:ext cx="481914" cy="481914"/>
+          <a:xfrm rot="20241733">
+            <a:off x="5602937" y="875239"/>
+            <a:ext cx="1484334" cy="45719"/>
           </a:xfrm>
-          <a:prstGeom prst="mathMultiply">
+          <a:prstGeom prst="rect">
             <a:avLst/>
           </a:prstGeom>
           <a:solidFill>
-            <a:srgbClr val="C00000"/>
+            <a:schemeClr val="tx1"/>
           </a:solidFill>
           <a:ln>
             <a:noFill/>
@@ -12850,16 +13400,18 @@
         </p:spPr>
         <p:style>
           <a:lnRef idx="2">
-            <a:schemeClr val="accent6"/>
+            <a:schemeClr val="accent1">
+              <a:shade val="50000"/>
+            </a:schemeClr>
           </a:lnRef>
           <a:fillRef idx="1">
-            <a:schemeClr val="lt1"/>
+            <a:schemeClr val="accent1"/>
           </a:fillRef>
           <a:effectRef idx="0">
-            <a:schemeClr val="accent6"/>
+            <a:schemeClr val="accent1"/>
           </a:effectRef>
           <a:fontRef idx="minor">
-            <a:schemeClr val="dk1"/>
+            <a:schemeClr val="lt1"/>
           </a:fontRef>
         </p:style>
         <p:txBody>
@@ -12867,161 +13419,16 @@
           <a:lstStyle/>
           <a:p>
             <a:pPr algn="ctr"/>
-            <a:r>
-              <a:rPr lang="en-US" dirty="0">
-                <a:ln w="0"/>
-                <a:solidFill>
-                  <a:sysClr val="windowText" lastClr="000000"/>
-                </a:solidFill>
-                <a:effectLst>
-                  <a:outerShdw blurRad="38100" dist="19050" dir="2700000" algn="tl" rotWithShape="0">
-                    <a:schemeClr val="dk1">
-                      <a:alpha val="40000"/>
-                    </a:schemeClr>
-                  </a:outerShdw>
-                </a:effectLst>
-              </a:rPr>
-              <a:t>   </a:t>
-            </a:r>
-          </a:p>
-        </p:txBody>
-      </p:sp>
-      <p:sp>
-        <p:nvSpPr>
-          <p:cNvPr id="14" name="!!x1">
-            <a:extLst>
-              <a:ext uri="{FF2B5EF4-FFF2-40B4-BE49-F238E27FC236}">
-                <a16:creationId xmlns:a16="http://schemas.microsoft.com/office/drawing/2014/main" id="{FFE0742E-94E6-F247-9BA4-E88F8AF0AFDC}"/>
-              </a:ext>
-            </a:extLst>
-          </p:cNvPr>
-          <p:cNvSpPr/>
-          <p:nvPr/>
-        </p:nvSpPr>
-        <p:spPr>
-          <a:xfrm>
-            <a:off x="4504993" y="4003918"/>
-            <a:ext cx="481914" cy="481914"/>
-          </a:xfrm>
-          <a:prstGeom prst="mathMultiply">
-            <a:avLst/>
-          </a:prstGeom>
-          <a:solidFill>
-            <a:srgbClr val="C00000"/>
-          </a:solidFill>
-          <a:ln>
-            <a:noFill/>
-          </a:ln>
-        </p:spPr>
-        <p:style>
-          <a:lnRef idx="2">
-            <a:schemeClr val="accent6"/>
-          </a:lnRef>
-          <a:fillRef idx="1">
-            <a:schemeClr val="lt1"/>
-          </a:fillRef>
-          <a:effectRef idx="0">
-            <a:schemeClr val="accent6"/>
-          </a:effectRef>
-          <a:fontRef idx="minor">
-            <a:schemeClr val="dk1"/>
-          </a:fontRef>
-        </p:style>
-        <p:txBody>
-          <a:bodyPr rtlCol="0" anchor="ctr"/>
-          <a:lstStyle/>
-          <a:p>
-            <a:pPr algn="ctr"/>
-            <a:r>
-              <a:rPr lang="en-US" dirty="0">
-                <a:ln w="0"/>
-                <a:solidFill>
-                  <a:sysClr val="windowText" lastClr="000000"/>
-                </a:solidFill>
-                <a:effectLst>
-                  <a:outerShdw blurRad="38100" dist="19050" dir="2700000" algn="tl" rotWithShape="0">
-                    <a:schemeClr val="dk1">
-                      <a:alpha val="40000"/>
-                    </a:schemeClr>
-                  </a:outerShdw>
-                </a:effectLst>
-              </a:rPr>
-              <a:t>   </a:t>
-            </a:r>
-          </a:p>
-        </p:txBody>
-      </p:sp>
-      <p:sp>
-        <p:nvSpPr>
-          <p:cNvPr id="15" name="!!x3">
-            <a:extLst>
-              <a:ext uri="{FF2B5EF4-FFF2-40B4-BE49-F238E27FC236}">
-                <a16:creationId xmlns:a16="http://schemas.microsoft.com/office/drawing/2014/main" id="{22ABDFE0-6888-C546-88BD-71FEF5A7744B}"/>
-              </a:ext>
-            </a:extLst>
-          </p:cNvPr>
-          <p:cNvSpPr/>
-          <p:nvPr/>
-        </p:nvSpPr>
-        <p:spPr>
-          <a:xfrm>
-            <a:off x="6342147" y="1827190"/>
-            <a:ext cx="481914" cy="481914"/>
-          </a:xfrm>
-          <a:prstGeom prst="mathMultiply">
-            <a:avLst/>
-          </a:prstGeom>
-          <a:solidFill>
-            <a:srgbClr val="C00000"/>
-          </a:solidFill>
-          <a:ln>
-            <a:noFill/>
-          </a:ln>
-        </p:spPr>
-        <p:style>
-          <a:lnRef idx="2">
-            <a:schemeClr val="accent6"/>
-          </a:lnRef>
-          <a:fillRef idx="1">
-            <a:schemeClr val="lt1"/>
-          </a:fillRef>
-          <a:effectRef idx="0">
-            <a:schemeClr val="accent6"/>
-          </a:effectRef>
-          <a:fontRef idx="minor">
-            <a:schemeClr val="dk1"/>
-          </a:fontRef>
-        </p:style>
-        <p:txBody>
-          <a:bodyPr rtlCol="0" anchor="ctr"/>
-          <a:lstStyle/>
-          <a:p>
-            <a:pPr algn="ctr"/>
-            <a:r>
-              <a:rPr lang="en-US" dirty="0">
-                <a:ln w="0"/>
-                <a:solidFill>
-                  <a:sysClr val="windowText" lastClr="000000"/>
-                </a:solidFill>
-                <a:effectLst>
-                  <a:outerShdw blurRad="38100" dist="19050" dir="2700000" algn="tl" rotWithShape="0">
-                    <a:schemeClr val="dk1">
-                      <a:alpha val="40000"/>
-                    </a:schemeClr>
-                  </a:outerShdw>
-                </a:effectLst>
-              </a:rPr>
-              <a:t>   </a:t>
-            </a:r>
+            <a:endParaRPr lang="en-US"/>
           </a:p>
         </p:txBody>
       </p:sp>
       <p:cxnSp>
         <p:nvCxnSpPr>
-          <p:cNvPr id="16" name="!!topdotted">
-            <a:extLst>
-              <a:ext uri="{FF2B5EF4-FFF2-40B4-BE49-F238E27FC236}">
-                <a16:creationId xmlns:a16="http://schemas.microsoft.com/office/drawing/2014/main" id="{E7829BD0-FEF5-FF49-ABD0-6D6F0A32AAA9}"/>
+          <p:cNvPr id="20" name="!!Straight Connector ">
+            <a:extLst>
+              <a:ext uri="{FF2B5EF4-FFF2-40B4-BE49-F238E27FC236}">
+                <a16:creationId xmlns:a16="http://schemas.microsoft.com/office/drawing/2014/main" id="{C010978C-3FCB-9C4F-AE40-443507DF77C8}"/>
               </a:ext>
             </a:extLst>
           </p:cNvPr>
@@ -13032,8 +13439,8 @@
         </p:nvCxnSpPr>
         <p:spPr>
           <a:xfrm flipV="1">
-            <a:off x="6583104" y="801974"/>
-            <a:ext cx="0" cy="1198185"/>
+            <a:off x="4938593" y="3877615"/>
+            <a:ext cx="333" cy="1787174"/>
           </a:xfrm>
           <a:prstGeom prst="line">
             <a:avLst/>
@@ -13065,10 +13472,10 @@
       </p:cxnSp>
       <p:sp>
         <p:nvSpPr>
-          <p:cNvPr id="17" name="!!topline">
-            <a:extLst>
-              <a:ext uri="{FF2B5EF4-FFF2-40B4-BE49-F238E27FC236}">
-                <a16:creationId xmlns:a16="http://schemas.microsoft.com/office/drawing/2014/main" id="{F3F6A119-5138-B343-8340-27FA5DC30346}"/>
+          <p:cNvPr id="21" name="!!x2">
+            <a:extLst>
+              <a:ext uri="{FF2B5EF4-FFF2-40B4-BE49-F238E27FC236}">
+                <a16:creationId xmlns:a16="http://schemas.microsoft.com/office/drawing/2014/main" id="{D41E6196-37F2-D547-8AB2-2F6B66DBD4B5}"/>
               </a:ext>
             </a:extLst>
           </p:cNvPr>
@@ -13076,15 +13483,15 @@
           <p:nvPr/>
         </p:nvSpPr>
         <p:spPr>
-          <a:xfrm rot="20370579">
-            <a:off x="5840938" y="779113"/>
-            <a:ext cx="1484334" cy="45719"/>
+          <a:xfrm>
+            <a:off x="4697969" y="5478694"/>
+            <a:ext cx="481914" cy="481914"/>
           </a:xfrm>
-          <a:prstGeom prst="rect">
+          <a:prstGeom prst="mathMultiply">
             <a:avLst/>
           </a:prstGeom>
           <a:solidFill>
-            <a:schemeClr val="tx1"/>
+            <a:srgbClr val="C00000"/>
           </a:solidFill>
           <a:ln>
             <a:noFill/>
@@ -13092,18 +13499,16 @@
         </p:spPr>
         <p:style>
           <a:lnRef idx="2">
-            <a:schemeClr val="accent1">
-              <a:shade val="50000"/>
-            </a:schemeClr>
+            <a:schemeClr val="accent6"/>
           </a:lnRef>
           <a:fillRef idx="1">
-            <a:schemeClr val="accent1"/>
+            <a:schemeClr val="lt1"/>
           </a:fillRef>
           <a:effectRef idx="0">
-            <a:schemeClr val="accent1"/>
+            <a:schemeClr val="accent6"/>
           </a:effectRef>
           <a:fontRef idx="minor">
-            <a:schemeClr val="lt1"/>
+            <a:schemeClr val="dk1"/>
           </a:fontRef>
         </p:style>
         <p:txBody>
@@ -13111,16 +13516,96 @@
           <a:lstStyle/>
           <a:p>
             <a:pPr algn="ctr"/>
-            <a:endParaRPr lang="en-US"/>
+            <a:r>
+              <a:rPr lang="en-US" dirty="0">
+                <a:ln w="0"/>
+                <a:solidFill>
+                  <a:sysClr val="windowText" lastClr="000000"/>
+                </a:solidFill>
+                <a:effectLst>
+                  <a:outerShdw blurRad="38100" dist="19050" dir="2700000" algn="tl" rotWithShape="0">
+                    <a:schemeClr val="dk1">
+                      <a:alpha val="40000"/>
+                    </a:schemeClr>
+                  </a:outerShdw>
+                </a:effectLst>
+              </a:rPr>
+              <a:t>   </a:t>
+            </a:r>
+          </a:p>
+        </p:txBody>
+      </p:sp>
+      <p:sp>
+        <p:nvSpPr>
+          <p:cNvPr id="22" name="!!x1">
+            <a:extLst>
+              <a:ext uri="{FF2B5EF4-FFF2-40B4-BE49-F238E27FC236}">
+                <a16:creationId xmlns:a16="http://schemas.microsoft.com/office/drawing/2014/main" id="{BD66FA5D-7F93-CE49-9B2F-6732B2EC0ADF}"/>
+              </a:ext>
+            </a:extLst>
+          </p:cNvPr>
+          <p:cNvSpPr/>
+          <p:nvPr/>
+        </p:nvSpPr>
+        <p:spPr>
+          <a:xfrm>
+            <a:off x="4697969" y="3636658"/>
+            <a:ext cx="481914" cy="481914"/>
+          </a:xfrm>
+          <a:prstGeom prst="mathMultiply">
+            <a:avLst/>
+          </a:prstGeom>
+          <a:solidFill>
+            <a:srgbClr val="C00000"/>
+          </a:solidFill>
+          <a:ln>
+            <a:noFill/>
+          </a:ln>
+        </p:spPr>
+        <p:style>
+          <a:lnRef idx="2">
+            <a:schemeClr val="accent6"/>
+          </a:lnRef>
+          <a:fillRef idx="1">
+            <a:schemeClr val="lt1"/>
+          </a:fillRef>
+          <a:effectRef idx="0">
+            <a:schemeClr val="accent6"/>
+          </a:effectRef>
+          <a:fontRef idx="minor">
+            <a:schemeClr val="dk1"/>
+          </a:fontRef>
+        </p:style>
+        <p:txBody>
+          <a:bodyPr rtlCol="0" anchor="ctr"/>
+          <a:lstStyle/>
+          <a:p>
+            <a:pPr algn="ctr"/>
+            <a:r>
+              <a:rPr lang="en-US" dirty="0">
+                <a:ln w="0"/>
+                <a:solidFill>
+                  <a:sysClr val="windowText" lastClr="000000"/>
+                </a:solidFill>
+                <a:effectLst>
+                  <a:outerShdw blurRad="38100" dist="19050" dir="2700000" algn="tl" rotWithShape="0">
+                    <a:schemeClr val="dk1">
+                      <a:alpha val="40000"/>
+                    </a:schemeClr>
+                  </a:outerShdw>
+                </a:effectLst>
+              </a:rPr>
+              <a:t>   </a:t>
+            </a:r>
           </a:p>
         </p:txBody>
       </p:sp>
       <p:cxnSp>
         <p:nvCxnSpPr>
-          <p:cNvPr id="20" name="Straight Arrow Connector 19">
-            <a:extLst>
-              <a:ext uri="{FF2B5EF4-FFF2-40B4-BE49-F238E27FC236}">
-                <a16:creationId xmlns:a16="http://schemas.microsoft.com/office/drawing/2014/main" id="{9146A62F-2E05-CF41-932D-23657B92B80F}"/>
+          <p:cNvPr id="25" name="Straight Arrow Connector 24">
+            <a:extLst>
+              <a:ext uri="{FF2B5EF4-FFF2-40B4-BE49-F238E27FC236}">
+                <a16:creationId xmlns:a16="http://schemas.microsoft.com/office/drawing/2014/main" id="{FAF4B12E-1D85-AA4A-A46A-DB0453AB2D51}"/>
               </a:ext>
             </a:extLst>
           </p:cNvPr>
@@ -13131,8 +13616,8 @@
         </p:nvCxnSpPr>
         <p:spPr>
           <a:xfrm flipH="1">
-            <a:off x="4986907" y="2273479"/>
-            <a:ext cx="1461388" cy="1859134"/>
+            <a:off x="5179883" y="2273479"/>
+            <a:ext cx="1125912" cy="1490999"/>
           </a:xfrm>
           <a:prstGeom prst="straightConnector1">
             <a:avLst/>
@@ -13163,10 +13648,10 @@
       </p:cxnSp>
       <p:sp>
         <p:nvSpPr>
-          <p:cNvPr id="19" name="TextBox 18">
-            <a:extLst>
-              <a:ext uri="{FF2B5EF4-FFF2-40B4-BE49-F238E27FC236}">
-                <a16:creationId xmlns:a16="http://schemas.microsoft.com/office/drawing/2014/main" id="{748F26E0-30EB-493A-A5A1-BC55592D8414}"/>
+          <p:cNvPr id="14" name="TextBox 13">
+            <a:extLst>
+              <a:ext uri="{FF2B5EF4-FFF2-40B4-BE49-F238E27FC236}">
+                <a16:creationId xmlns:a16="http://schemas.microsoft.com/office/drawing/2014/main" id="{4D5A3200-76C1-4A94-91CE-74F104C335CC}"/>
               </a:ext>
             </a:extLst>
           </p:cNvPr>
@@ -13200,7 +13685,7 @@
     </p:spTree>
     <p:extLst>
       <p:ext uri="{BB962C8B-B14F-4D97-AF65-F5344CB8AC3E}">
-        <p14:creationId xmlns:p14="http://schemas.microsoft.com/office/powerpoint/2010/main" val="3722097132"/>
+        <p14:creationId xmlns:p14="http://schemas.microsoft.com/office/powerpoint/2010/main" val="2991731040"/>
       </p:ext>
     </p:extLst>
   </p:cSld>
@@ -13244,7 +13729,7 @@
           <p:cNvPr id="9" name="Picture 8" descr="Diagram, box and whisker chart&#10;&#10;Description automatically generated">
             <a:extLst>
               <a:ext uri="{FF2B5EF4-FFF2-40B4-BE49-F238E27FC236}">
-                <a16:creationId xmlns:a16="http://schemas.microsoft.com/office/drawing/2014/main" id="{2F1EFCFA-47A9-7341-9155-8C96F7597470}"/>
+                <a16:creationId xmlns:a16="http://schemas.microsoft.com/office/drawing/2014/main" id="{5D8BE3E8-812A-5142-849A-F310329DF195}"/>
               </a:ext>
             </a:extLst>
           </p:cNvPr>
@@ -13276,7 +13761,7 @@
           <p:cNvPr id="10" name="TextBox 9">
             <a:extLst>
               <a:ext uri="{FF2B5EF4-FFF2-40B4-BE49-F238E27FC236}">
-                <a16:creationId xmlns:a16="http://schemas.microsoft.com/office/drawing/2014/main" id="{054E92B8-0AB5-CE49-B9D2-6875299460D0}"/>
+                <a16:creationId xmlns:a16="http://schemas.microsoft.com/office/drawing/2014/main" id="{9A5BB91D-6CED-7E47-9FA0-29E2C54489EF}"/>
               </a:ext>
             </a:extLst>
           </p:cNvPr>
@@ -13315,7 +13800,7 @@
           <p:cNvPr id="11" name="TextBox 10">
             <a:extLst>
               <a:ext uri="{FF2B5EF4-FFF2-40B4-BE49-F238E27FC236}">
-                <a16:creationId xmlns:a16="http://schemas.microsoft.com/office/drawing/2014/main" id="{444960AC-C56A-074A-A08E-4AC1C892357E}"/>
+                <a16:creationId xmlns:a16="http://schemas.microsoft.com/office/drawing/2014/main" id="{87F310BA-3BB1-EE43-9D2D-5A8806420DBE}"/>
               </a:ext>
             </a:extLst>
           </p:cNvPr>
@@ -13354,7 +13839,7 @@
           <p:cNvPr id="12" name="TextBox 11">
             <a:extLst>
               <a:ext uri="{FF2B5EF4-FFF2-40B4-BE49-F238E27FC236}">
-                <a16:creationId xmlns:a16="http://schemas.microsoft.com/office/drawing/2014/main" id="{0CB5DD35-99A4-834F-8B2A-BB3FEBB1C083}"/>
+                <a16:creationId xmlns:a16="http://schemas.microsoft.com/office/drawing/2014/main" id="{49E5881C-E2F9-004E-879C-99F4502304FE}"/>
               </a:ext>
             </a:extLst>
           </p:cNvPr>
@@ -13388,77 +13873,12 @@
           </a:p>
         </p:txBody>
       </p:sp>
-      <p:sp>
-        <p:nvSpPr>
-          <p:cNvPr id="15" name="!!x3">
-            <a:extLst>
-              <a:ext uri="{FF2B5EF4-FFF2-40B4-BE49-F238E27FC236}">
-                <a16:creationId xmlns:a16="http://schemas.microsoft.com/office/drawing/2014/main" id="{22ABDFE0-6888-C546-88BD-71FEF5A7744B}"/>
-              </a:ext>
-            </a:extLst>
-          </p:cNvPr>
-          <p:cNvSpPr/>
-          <p:nvPr/>
-        </p:nvSpPr>
-        <p:spPr>
-          <a:xfrm>
-            <a:off x="6876139" y="1827190"/>
-            <a:ext cx="481914" cy="481914"/>
-          </a:xfrm>
-          <a:prstGeom prst="mathMultiply">
-            <a:avLst/>
-          </a:prstGeom>
-          <a:solidFill>
-            <a:srgbClr val="C00000"/>
-          </a:solidFill>
-          <a:ln>
-            <a:noFill/>
-          </a:ln>
-        </p:spPr>
-        <p:style>
-          <a:lnRef idx="2">
-            <a:schemeClr val="accent6"/>
-          </a:lnRef>
-          <a:fillRef idx="1">
-            <a:schemeClr val="lt1"/>
-          </a:fillRef>
-          <a:effectRef idx="0">
-            <a:schemeClr val="accent6"/>
-          </a:effectRef>
-          <a:fontRef idx="minor">
-            <a:schemeClr val="dk1"/>
-          </a:fontRef>
-        </p:style>
-        <p:txBody>
-          <a:bodyPr rtlCol="0" anchor="ctr"/>
-          <a:lstStyle/>
-          <a:p>
-            <a:pPr algn="ctr"/>
-            <a:r>
-              <a:rPr lang="en-US" dirty="0">
-                <a:ln w="0"/>
-                <a:solidFill>
-                  <a:sysClr val="windowText" lastClr="000000"/>
-                </a:solidFill>
-                <a:effectLst>
-                  <a:outerShdw blurRad="38100" dist="19050" dir="2700000" algn="tl" rotWithShape="0">
-                    <a:schemeClr val="dk1">
-                      <a:alpha val="40000"/>
-                    </a:schemeClr>
-                  </a:outerShdw>
-                </a:effectLst>
-              </a:rPr>
-              <a:t>   </a:t>
-            </a:r>
-          </a:p>
-        </p:txBody>
-      </p:sp>
       <p:cxnSp>
         <p:nvCxnSpPr>
-          <p:cNvPr id="16" name="!!topdotted">
-            <a:extLst>
-              <a:ext uri="{FF2B5EF4-FFF2-40B4-BE49-F238E27FC236}">
-                <a16:creationId xmlns:a16="http://schemas.microsoft.com/office/drawing/2014/main" id="{E7829BD0-FEF5-FF49-ABD0-6D6F0A32AAA9}"/>
+          <p:cNvPr id="8" name="!!Straight Connector ">
+            <a:extLst>
+              <a:ext uri="{FF2B5EF4-FFF2-40B4-BE49-F238E27FC236}">
+                <a16:creationId xmlns:a16="http://schemas.microsoft.com/office/drawing/2014/main" id="{4CD809F0-2F8B-314B-A2C3-6F5FB4DE4FF2}"/>
               </a:ext>
             </a:extLst>
           </p:cNvPr>
@@ -13469,8 +13889,8 @@
         </p:nvCxnSpPr>
         <p:spPr>
           <a:xfrm flipV="1">
-            <a:off x="7117096" y="629587"/>
-            <a:ext cx="0" cy="1335944"/>
+            <a:off x="4745950" y="4244875"/>
+            <a:ext cx="0" cy="1419914"/>
           </a:xfrm>
           <a:prstGeom prst="line">
             <a:avLst/>
@@ -13502,10 +13922,10 @@
       </p:cxnSp>
       <p:sp>
         <p:nvSpPr>
-          <p:cNvPr id="17" name="!!topline">
-            <a:extLst>
-              <a:ext uri="{FF2B5EF4-FFF2-40B4-BE49-F238E27FC236}">
-                <a16:creationId xmlns:a16="http://schemas.microsoft.com/office/drawing/2014/main" id="{F3F6A119-5138-B343-8340-27FA5DC30346}"/>
+          <p:cNvPr id="13" name="!!x2">
+            <a:extLst>
+              <a:ext uri="{FF2B5EF4-FFF2-40B4-BE49-F238E27FC236}">
+                <a16:creationId xmlns:a16="http://schemas.microsoft.com/office/drawing/2014/main" id="{5F1B0C65-14E9-0547-83B1-126F04BEEA5E}"/>
               </a:ext>
             </a:extLst>
           </p:cNvPr>
@@ -13513,15 +13933,15 @@
           <p:nvPr/>
         </p:nvSpPr>
         <p:spPr>
-          <a:xfrm rot="20844392">
-            <a:off x="6329958" y="639045"/>
-            <a:ext cx="1484334" cy="45719"/>
+          <a:xfrm>
+            <a:off x="4504993" y="5478694"/>
+            <a:ext cx="481914" cy="481914"/>
           </a:xfrm>
-          <a:prstGeom prst="rect">
+          <a:prstGeom prst="mathMultiply">
             <a:avLst/>
           </a:prstGeom>
           <a:solidFill>
-            <a:schemeClr val="tx1"/>
+            <a:srgbClr val="C00000"/>
           </a:solidFill>
           <a:ln>
             <a:noFill/>
@@ -13529,18 +13949,16 @@
         </p:spPr>
         <p:style>
           <a:lnRef idx="2">
-            <a:schemeClr val="accent1">
-              <a:shade val="50000"/>
-            </a:schemeClr>
+            <a:schemeClr val="accent6"/>
           </a:lnRef>
           <a:fillRef idx="1">
-            <a:schemeClr val="accent1"/>
+            <a:schemeClr val="lt1"/>
           </a:fillRef>
           <a:effectRef idx="0">
-            <a:schemeClr val="accent1"/>
+            <a:schemeClr val="accent6"/>
           </a:effectRef>
           <a:fontRef idx="minor">
-            <a:schemeClr val="lt1"/>
+            <a:schemeClr val="dk1"/>
           </a:fontRef>
         </p:style>
         <p:txBody>
@@ -13548,16 +13966,161 @@
           <a:lstStyle/>
           <a:p>
             <a:pPr algn="ctr"/>
-            <a:endParaRPr lang="en-US"/>
+            <a:r>
+              <a:rPr lang="en-US" dirty="0">
+                <a:ln w="0"/>
+                <a:solidFill>
+                  <a:sysClr val="windowText" lastClr="000000"/>
+                </a:solidFill>
+                <a:effectLst>
+                  <a:outerShdw blurRad="38100" dist="19050" dir="2700000" algn="tl" rotWithShape="0">
+                    <a:schemeClr val="dk1">
+                      <a:alpha val="40000"/>
+                    </a:schemeClr>
+                  </a:outerShdw>
+                </a:effectLst>
+              </a:rPr>
+              <a:t>   </a:t>
+            </a:r>
+          </a:p>
+        </p:txBody>
+      </p:sp>
+      <p:sp>
+        <p:nvSpPr>
+          <p:cNvPr id="14" name="!!x1">
+            <a:extLst>
+              <a:ext uri="{FF2B5EF4-FFF2-40B4-BE49-F238E27FC236}">
+                <a16:creationId xmlns:a16="http://schemas.microsoft.com/office/drawing/2014/main" id="{FFE0742E-94E6-F247-9BA4-E88F8AF0AFDC}"/>
+              </a:ext>
+            </a:extLst>
+          </p:cNvPr>
+          <p:cNvSpPr/>
+          <p:nvPr/>
+        </p:nvSpPr>
+        <p:spPr>
+          <a:xfrm>
+            <a:off x="4504993" y="4003918"/>
+            <a:ext cx="481914" cy="481914"/>
+          </a:xfrm>
+          <a:prstGeom prst="mathMultiply">
+            <a:avLst/>
+          </a:prstGeom>
+          <a:solidFill>
+            <a:srgbClr val="C00000"/>
+          </a:solidFill>
+          <a:ln>
+            <a:noFill/>
+          </a:ln>
+        </p:spPr>
+        <p:style>
+          <a:lnRef idx="2">
+            <a:schemeClr val="accent6"/>
+          </a:lnRef>
+          <a:fillRef idx="1">
+            <a:schemeClr val="lt1"/>
+          </a:fillRef>
+          <a:effectRef idx="0">
+            <a:schemeClr val="accent6"/>
+          </a:effectRef>
+          <a:fontRef idx="minor">
+            <a:schemeClr val="dk1"/>
+          </a:fontRef>
+        </p:style>
+        <p:txBody>
+          <a:bodyPr rtlCol="0" anchor="ctr"/>
+          <a:lstStyle/>
+          <a:p>
+            <a:pPr algn="ctr"/>
+            <a:r>
+              <a:rPr lang="en-US" dirty="0">
+                <a:ln w="0"/>
+                <a:solidFill>
+                  <a:sysClr val="windowText" lastClr="000000"/>
+                </a:solidFill>
+                <a:effectLst>
+                  <a:outerShdw blurRad="38100" dist="19050" dir="2700000" algn="tl" rotWithShape="0">
+                    <a:schemeClr val="dk1">
+                      <a:alpha val="40000"/>
+                    </a:schemeClr>
+                  </a:outerShdw>
+                </a:effectLst>
+              </a:rPr>
+              <a:t>   </a:t>
+            </a:r>
+          </a:p>
+        </p:txBody>
+      </p:sp>
+      <p:sp>
+        <p:nvSpPr>
+          <p:cNvPr id="15" name="!!x3">
+            <a:extLst>
+              <a:ext uri="{FF2B5EF4-FFF2-40B4-BE49-F238E27FC236}">
+                <a16:creationId xmlns:a16="http://schemas.microsoft.com/office/drawing/2014/main" id="{22ABDFE0-6888-C546-88BD-71FEF5A7744B}"/>
+              </a:ext>
+            </a:extLst>
+          </p:cNvPr>
+          <p:cNvSpPr/>
+          <p:nvPr/>
+        </p:nvSpPr>
+        <p:spPr>
+          <a:xfrm>
+            <a:off x="6342147" y="1827190"/>
+            <a:ext cx="481914" cy="481914"/>
+          </a:xfrm>
+          <a:prstGeom prst="mathMultiply">
+            <a:avLst/>
+          </a:prstGeom>
+          <a:solidFill>
+            <a:srgbClr val="C00000"/>
+          </a:solidFill>
+          <a:ln>
+            <a:noFill/>
+          </a:ln>
+        </p:spPr>
+        <p:style>
+          <a:lnRef idx="2">
+            <a:schemeClr val="accent6"/>
+          </a:lnRef>
+          <a:fillRef idx="1">
+            <a:schemeClr val="lt1"/>
+          </a:fillRef>
+          <a:effectRef idx="0">
+            <a:schemeClr val="accent6"/>
+          </a:effectRef>
+          <a:fontRef idx="minor">
+            <a:schemeClr val="dk1"/>
+          </a:fontRef>
+        </p:style>
+        <p:txBody>
+          <a:bodyPr rtlCol="0" anchor="ctr"/>
+          <a:lstStyle/>
+          <a:p>
+            <a:pPr algn="ctr"/>
+            <a:r>
+              <a:rPr lang="en-US" dirty="0">
+                <a:ln w="0"/>
+                <a:solidFill>
+                  <a:sysClr val="windowText" lastClr="000000"/>
+                </a:solidFill>
+                <a:effectLst>
+                  <a:outerShdw blurRad="38100" dist="19050" dir="2700000" algn="tl" rotWithShape="0">
+                    <a:schemeClr val="dk1">
+                      <a:alpha val="40000"/>
+                    </a:schemeClr>
+                  </a:outerShdw>
+                </a:effectLst>
+              </a:rPr>
+              <a:t>   </a:t>
+            </a:r>
           </a:p>
         </p:txBody>
       </p:sp>
       <p:cxnSp>
         <p:nvCxnSpPr>
-          <p:cNvPr id="20" name="!!Straight Connector ">
-            <a:extLst>
-              <a:ext uri="{FF2B5EF4-FFF2-40B4-BE49-F238E27FC236}">
-                <a16:creationId xmlns:a16="http://schemas.microsoft.com/office/drawing/2014/main" id="{983CE24F-C731-1D49-A388-A5EBD76E356E}"/>
+          <p:cNvPr id="16" name="!!topdotted">
+            <a:extLst>
+              <a:ext uri="{FF2B5EF4-FFF2-40B4-BE49-F238E27FC236}">
+                <a16:creationId xmlns:a16="http://schemas.microsoft.com/office/drawing/2014/main" id="{E7829BD0-FEF5-FF49-ABD0-6D6F0A32AAA9}"/>
               </a:ext>
             </a:extLst>
           </p:cNvPr>
@@ -13568,8 +14131,8 @@
         </p:nvCxnSpPr>
         <p:spPr>
           <a:xfrm flipV="1">
-            <a:off x="4489221" y="4678475"/>
-            <a:ext cx="0" cy="986314"/>
+            <a:off x="6583104" y="801974"/>
+            <a:ext cx="0" cy="1198185"/>
           </a:xfrm>
           <a:prstGeom prst="line">
             <a:avLst/>
@@ -13601,10 +14164,10 @@
       </p:cxnSp>
       <p:sp>
         <p:nvSpPr>
-          <p:cNvPr id="21" name="!!x2">
-            <a:extLst>
-              <a:ext uri="{FF2B5EF4-FFF2-40B4-BE49-F238E27FC236}">
-                <a16:creationId xmlns:a16="http://schemas.microsoft.com/office/drawing/2014/main" id="{63D96B76-B90D-1E4F-A229-8AC71B6C0180}"/>
+          <p:cNvPr id="17" name="!!topline">
+            <a:extLst>
+              <a:ext uri="{FF2B5EF4-FFF2-40B4-BE49-F238E27FC236}">
+                <a16:creationId xmlns:a16="http://schemas.microsoft.com/office/drawing/2014/main" id="{F3F6A119-5138-B343-8340-27FA5DC30346}"/>
               </a:ext>
             </a:extLst>
           </p:cNvPr>
@@ -13612,15 +14175,15 @@
           <p:nvPr/>
         </p:nvSpPr>
         <p:spPr>
-          <a:xfrm>
-            <a:off x="4248264" y="5478694"/>
-            <a:ext cx="481914" cy="481914"/>
+          <a:xfrm rot="20370579">
+            <a:off x="5840938" y="779113"/>
+            <a:ext cx="1484334" cy="45719"/>
           </a:xfrm>
-          <a:prstGeom prst="mathMultiply">
+          <a:prstGeom prst="rect">
             <a:avLst/>
           </a:prstGeom>
           <a:solidFill>
-            <a:srgbClr val="C00000"/>
+            <a:schemeClr val="tx1"/>
           </a:solidFill>
           <a:ln>
             <a:noFill/>
@@ -13628,16 +14191,18 @@
         </p:spPr>
         <p:style>
           <a:lnRef idx="2">
-            <a:schemeClr val="accent6"/>
+            <a:schemeClr val="accent1">
+              <a:shade val="50000"/>
+            </a:schemeClr>
           </a:lnRef>
           <a:fillRef idx="1">
-            <a:schemeClr val="lt1"/>
+            <a:schemeClr val="accent1"/>
           </a:fillRef>
           <a:effectRef idx="0">
-            <a:schemeClr val="accent6"/>
+            <a:schemeClr val="accent1"/>
           </a:effectRef>
           <a:fontRef idx="minor">
-            <a:schemeClr val="dk1"/>
+            <a:schemeClr val="lt1"/>
           </a:fontRef>
         </p:style>
         <p:txBody>
@@ -13645,96 +14210,16 @@
           <a:lstStyle/>
           <a:p>
             <a:pPr algn="ctr"/>
-            <a:r>
-              <a:rPr lang="en-US" dirty="0">
-                <a:ln w="0"/>
-                <a:solidFill>
-                  <a:sysClr val="windowText" lastClr="000000"/>
-                </a:solidFill>
-                <a:effectLst>
-                  <a:outerShdw blurRad="38100" dist="19050" dir="2700000" algn="tl" rotWithShape="0">
-                    <a:schemeClr val="dk1">
-                      <a:alpha val="40000"/>
-                    </a:schemeClr>
-                  </a:outerShdw>
-                </a:effectLst>
-              </a:rPr>
-              <a:t>   </a:t>
-            </a:r>
-          </a:p>
-        </p:txBody>
-      </p:sp>
-      <p:sp>
-        <p:nvSpPr>
-          <p:cNvPr id="22" name="!!x1">
-            <a:extLst>
-              <a:ext uri="{FF2B5EF4-FFF2-40B4-BE49-F238E27FC236}">
-                <a16:creationId xmlns:a16="http://schemas.microsoft.com/office/drawing/2014/main" id="{BEE2E091-9B15-7B44-8F1F-371023509672}"/>
-              </a:ext>
-            </a:extLst>
-          </p:cNvPr>
-          <p:cNvSpPr/>
-          <p:nvPr/>
-        </p:nvSpPr>
-        <p:spPr>
-          <a:xfrm>
-            <a:off x="4248264" y="4437518"/>
-            <a:ext cx="481914" cy="481914"/>
-          </a:xfrm>
-          <a:prstGeom prst="mathMultiply">
-            <a:avLst/>
-          </a:prstGeom>
-          <a:solidFill>
-            <a:srgbClr val="C00000"/>
-          </a:solidFill>
-          <a:ln>
-            <a:noFill/>
-          </a:ln>
-        </p:spPr>
-        <p:style>
-          <a:lnRef idx="2">
-            <a:schemeClr val="accent6"/>
-          </a:lnRef>
-          <a:fillRef idx="1">
-            <a:schemeClr val="lt1"/>
-          </a:fillRef>
-          <a:effectRef idx="0">
-            <a:schemeClr val="accent6"/>
-          </a:effectRef>
-          <a:fontRef idx="minor">
-            <a:schemeClr val="dk1"/>
-          </a:fontRef>
-        </p:style>
-        <p:txBody>
-          <a:bodyPr rtlCol="0" anchor="ctr"/>
-          <a:lstStyle/>
-          <a:p>
-            <a:pPr algn="ctr"/>
-            <a:r>
-              <a:rPr lang="en-US" dirty="0">
-                <a:ln w="0"/>
-                <a:solidFill>
-                  <a:sysClr val="windowText" lastClr="000000"/>
-                </a:solidFill>
-                <a:effectLst>
-                  <a:outerShdw blurRad="38100" dist="19050" dir="2700000" algn="tl" rotWithShape="0">
-                    <a:schemeClr val="dk1">
-                      <a:alpha val="40000"/>
-                    </a:schemeClr>
-                  </a:outerShdw>
-                </a:effectLst>
-              </a:rPr>
-              <a:t>   </a:t>
-            </a:r>
+            <a:endParaRPr lang="en-US"/>
           </a:p>
         </p:txBody>
       </p:sp>
       <p:cxnSp>
         <p:nvCxnSpPr>
-          <p:cNvPr id="24" name="Straight Arrow Connector 23">
-            <a:extLst>
-              <a:ext uri="{FF2B5EF4-FFF2-40B4-BE49-F238E27FC236}">
-                <a16:creationId xmlns:a16="http://schemas.microsoft.com/office/drawing/2014/main" id="{1308E560-3866-6647-ABC0-5AE7C9229130}"/>
+          <p:cNvPr id="20" name="Straight Arrow Connector 19">
+            <a:extLst>
+              <a:ext uri="{FF2B5EF4-FFF2-40B4-BE49-F238E27FC236}">
+                <a16:creationId xmlns:a16="http://schemas.microsoft.com/office/drawing/2014/main" id="{9146A62F-2E05-CF41-932D-23657B92B80F}"/>
               </a:ext>
             </a:extLst>
           </p:cNvPr>
@@ -13745,8 +14230,8 @@
         </p:nvCxnSpPr>
         <p:spPr>
           <a:xfrm flipH="1">
-            <a:off x="4679079" y="2285509"/>
-            <a:ext cx="2393046" cy="2392966"/>
+            <a:off x="4986907" y="2273479"/>
+            <a:ext cx="1461388" cy="1859134"/>
           </a:xfrm>
           <a:prstGeom prst="straightConnector1">
             <a:avLst/>
@@ -13777,10 +14262,10 @@
       </p:cxnSp>
       <p:sp>
         <p:nvSpPr>
-          <p:cNvPr id="14" name="TextBox 13">
-            <a:extLst>
-              <a:ext uri="{FF2B5EF4-FFF2-40B4-BE49-F238E27FC236}">
-                <a16:creationId xmlns:a16="http://schemas.microsoft.com/office/drawing/2014/main" id="{AB443441-C798-4011-A254-2BA0C9EBED01}"/>
+          <p:cNvPr id="19" name="TextBox 18">
+            <a:extLst>
+              <a:ext uri="{FF2B5EF4-FFF2-40B4-BE49-F238E27FC236}">
+                <a16:creationId xmlns:a16="http://schemas.microsoft.com/office/drawing/2014/main" id="{748F26E0-30EB-493A-A5A1-BC55592D8414}"/>
               </a:ext>
             </a:extLst>
           </p:cNvPr>
@@ -13814,7 +14299,7 @@
     </p:spTree>
     <p:extLst>
       <p:ext uri="{BB962C8B-B14F-4D97-AF65-F5344CB8AC3E}">
-        <p14:creationId xmlns:p14="http://schemas.microsoft.com/office/powerpoint/2010/main" val="3645310268"/>
+        <p14:creationId xmlns:p14="http://schemas.microsoft.com/office/powerpoint/2010/main" val="3722097132"/>
       </p:ext>
     </p:extLst>
   </p:cSld>
@@ -13855,10 +14340,10 @@
       </p:grpSpPr>
       <p:pic>
         <p:nvPicPr>
-          <p:cNvPr id="3" name="Picture 2" descr="Diagram, box and whisker chart&#10;&#10;Description automatically generated">
-            <a:extLst>
-              <a:ext uri="{FF2B5EF4-FFF2-40B4-BE49-F238E27FC236}">
-                <a16:creationId xmlns:a16="http://schemas.microsoft.com/office/drawing/2014/main" id="{10006767-D390-6F45-A724-769E6F5817F4}"/>
+          <p:cNvPr id="9" name="Picture 8" descr="Diagram, box and whisker chart&#10;&#10;Description automatically generated">
+            <a:extLst>
+              <a:ext uri="{FF2B5EF4-FFF2-40B4-BE49-F238E27FC236}">
+                <a16:creationId xmlns:a16="http://schemas.microsoft.com/office/drawing/2014/main" id="{2F1EFCFA-47A9-7341-9155-8C96F7597470}"/>
               </a:ext>
             </a:extLst>
           </p:cNvPr>
@@ -13887,6 +14372,123 @@
       </p:pic>
       <p:sp>
         <p:nvSpPr>
+          <p:cNvPr id="10" name="TextBox 9">
+            <a:extLst>
+              <a:ext uri="{FF2B5EF4-FFF2-40B4-BE49-F238E27FC236}">
+                <a16:creationId xmlns:a16="http://schemas.microsoft.com/office/drawing/2014/main" id="{054E92B8-0AB5-CE49-B9D2-6875299460D0}"/>
+              </a:ext>
+            </a:extLst>
+          </p:cNvPr>
+          <p:cNvSpPr txBox="1"/>
+          <p:nvPr/>
+        </p:nvSpPr>
+        <p:spPr>
+          <a:xfrm>
+            <a:off x="3438618" y="2207718"/>
+            <a:ext cx="835816" cy="369332"/>
+          </a:xfrm>
+          <a:prstGeom prst="rect">
+            <a:avLst/>
+          </a:prstGeom>
+          <a:noFill/>
+        </p:spPr>
+        <p:txBody>
+          <a:bodyPr wrap="square" rtlCol="0">
+            <a:spAutoFit/>
+          </a:bodyPr>
+          <a:lstStyle/>
+          <a:p>
+            <a:r>
+              <a:rPr lang="en-US" dirty="0"/>
+              <a:t>w</a:t>
+            </a:r>
+            <a:r>
+              <a:rPr lang="en-US" baseline="-25000" dirty="0"/>
+              <a:t>gf1</a:t>
+            </a:r>
+          </a:p>
+        </p:txBody>
+      </p:sp>
+      <p:sp>
+        <p:nvSpPr>
+          <p:cNvPr id="11" name="TextBox 10">
+            <a:extLst>
+              <a:ext uri="{FF2B5EF4-FFF2-40B4-BE49-F238E27FC236}">
+                <a16:creationId xmlns:a16="http://schemas.microsoft.com/office/drawing/2014/main" id="{444960AC-C56A-074A-A08E-4AC1C892357E}"/>
+              </a:ext>
+            </a:extLst>
+          </p:cNvPr>
+          <p:cNvSpPr txBox="1"/>
+          <p:nvPr/>
+        </p:nvSpPr>
+        <p:spPr>
+          <a:xfrm>
+            <a:off x="6552448" y="2100843"/>
+            <a:ext cx="835816" cy="369332"/>
+          </a:xfrm>
+          <a:prstGeom prst="rect">
+            <a:avLst/>
+          </a:prstGeom>
+          <a:noFill/>
+        </p:spPr>
+        <p:txBody>
+          <a:bodyPr wrap="square" rtlCol="0">
+            <a:spAutoFit/>
+          </a:bodyPr>
+          <a:lstStyle/>
+          <a:p>
+            <a:r>
+              <a:rPr lang="en-US" dirty="0"/>
+              <a:t>w</a:t>
+            </a:r>
+            <a:r>
+              <a:rPr lang="en-US" baseline="-25000" dirty="0"/>
+              <a:t>gf1</a:t>
+            </a:r>
+          </a:p>
+        </p:txBody>
+      </p:sp>
+      <p:sp>
+        <p:nvSpPr>
+          <p:cNvPr id="12" name="TextBox 11">
+            <a:extLst>
+              <a:ext uri="{FF2B5EF4-FFF2-40B4-BE49-F238E27FC236}">
+                <a16:creationId xmlns:a16="http://schemas.microsoft.com/office/drawing/2014/main" id="{0CB5DD35-99A4-834F-8B2A-BB3FEBB1C083}"/>
+              </a:ext>
+            </a:extLst>
+          </p:cNvPr>
+          <p:cNvSpPr txBox="1"/>
+          <p:nvPr/>
+        </p:nvSpPr>
+        <p:spPr>
+          <a:xfrm>
+            <a:off x="4803737" y="168897"/>
+            <a:ext cx="835816" cy="369332"/>
+          </a:xfrm>
+          <a:prstGeom prst="rect">
+            <a:avLst/>
+          </a:prstGeom>
+          <a:noFill/>
+        </p:spPr>
+        <p:txBody>
+          <a:bodyPr wrap="square" rtlCol="0">
+            <a:spAutoFit/>
+          </a:bodyPr>
+          <a:lstStyle/>
+          <a:p>
+            <a:r>
+              <a:rPr lang="en-US" dirty="0"/>
+              <a:t>w</a:t>
+            </a:r>
+            <a:r>
+              <a:rPr lang="en-US" baseline="-25000" dirty="0"/>
+              <a:t>xg2</a:t>
+            </a:r>
+          </a:p>
+        </p:txBody>
+      </p:sp>
+      <p:sp>
+        <p:nvSpPr>
           <p:cNvPr id="15" name="!!x3">
             <a:extLst>
               <a:ext uri="{FF2B5EF4-FFF2-40B4-BE49-F238E27FC236}">
@@ -13899,7 +14501,7 @@
         </p:nvSpPr>
         <p:spPr>
           <a:xfrm>
-            <a:off x="7483241" y="1827190"/>
+            <a:off x="6876139" y="1827190"/>
             <a:ext cx="481914" cy="481914"/>
           </a:xfrm>
           <a:prstGeom prst="mathMultiply">
@@ -13965,9 +14567,9 @@
           <p:nvPr/>
         </p:nvCxnSpPr>
         <p:spPr>
-          <a:xfrm flipH="1" flipV="1">
-            <a:off x="7712766" y="548782"/>
-            <a:ext cx="11432" cy="1451377"/>
+          <a:xfrm flipV="1">
+            <a:off x="7117096" y="629587"/>
+            <a:ext cx="0" cy="1335944"/>
           </a:xfrm>
           <a:prstGeom prst="line">
             <a:avLst/>
@@ -14010,8 +14612,8 @@
           <p:nvPr/>
         </p:nvSpPr>
         <p:spPr>
-          <a:xfrm rot="21435198">
-            <a:off x="6970599" y="525923"/>
+          <a:xfrm rot="20844392">
+            <a:off x="6329958" y="639045"/>
             <a:ext cx="1484334" cy="45719"/>
           </a:xfrm>
           <a:prstGeom prst="rect">
@@ -14049,129 +14651,12 @@
           </a:p>
         </p:txBody>
       </p:sp>
-      <p:sp>
-        <p:nvSpPr>
-          <p:cNvPr id="4" name="TextBox 3">
-            <a:extLst>
-              <a:ext uri="{FF2B5EF4-FFF2-40B4-BE49-F238E27FC236}">
-                <a16:creationId xmlns:a16="http://schemas.microsoft.com/office/drawing/2014/main" id="{6225D600-2578-4842-9038-1E88477C9311}"/>
-              </a:ext>
-            </a:extLst>
-          </p:cNvPr>
-          <p:cNvSpPr txBox="1"/>
-          <p:nvPr/>
-        </p:nvSpPr>
-        <p:spPr>
-          <a:xfrm>
-            <a:off x="3438618" y="2207718"/>
-            <a:ext cx="835816" cy="369332"/>
-          </a:xfrm>
-          <a:prstGeom prst="rect">
-            <a:avLst/>
-          </a:prstGeom>
-          <a:noFill/>
-        </p:spPr>
-        <p:txBody>
-          <a:bodyPr wrap="square" rtlCol="0">
-            <a:spAutoFit/>
-          </a:bodyPr>
-          <a:lstStyle/>
-          <a:p>
-            <a:r>
-              <a:rPr lang="en-US" dirty="0"/>
-              <a:t>w</a:t>
-            </a:r>
-            <a:r>
-              <a:rPr lang="en-US" baseline="-25000" dirty="0"/>
-              <a:t>gf1</a:t>
-            </a:r>
-          </a:p>
-        </p:txBody>
-      </p:sp>
-      <p:sp>
-        <p:nvSpPr>
-          <p:cNvPr id="12" name="TextBox 11">
-            <a:extLst>
-              <a:ext uri="{FF2B5EF4-FFF2-40B4-BE49-F238E27FC236}">
-                <a16:creationId xmlns:a16="http://schemas.microsoft.com/office/drawing/2014/main" id="{E74A9048-C562-B84B-B5AD-08BCC0854FE1}"/>
-              </a:ext>
-            </a:extLst>
-          </p:cNvPr>
-          <p:cNvSpPr txBox="1"/>
-          <p:nvPr/>
-        </p:nvSpPr>
-        <p:spPr>
-          <a:xfrm>
-            <a:off x="6552448" y="2100843"/>
-            <a:ext cx="835816" cy="369332"/>
-          </a:xfrm>
-          <a:prstGeom prst="rect">
-            <a:avLst/>
-          </a:prstGeom>
-          <a:noFill/>
-        </p:spPr>
-        <p:txBody>
-          <a:bodyPr wrap="square" rtlCol="0">
-            <a:spAutoFit/>
-          </a:bodyPr>
-          <a:lstStyle/>
-          <a:p>
-            <a:r>
-              <a:rPr lang="en-US" dirty="0"/>
-              <a:t>w</a:t>
-            </a:r>
-            <a:r>
-              <a:rPr lang="en-US" baseline="-25000" dirty="0"/>
-              <a:t>gf1</a:t>
-            </a:r>
-          </a:p>
-        </p:txBody>
-      </p:sp>
-      <p:sp>
-        <p:nvSpPr>
-          <p:cNvPr id="18" name="TextBox 17">
-            <a:extLst>
-              <a:ext uri="{FF2B5EF4-FFF2-40B4-BE49-F238E27FC236}">
-                <a16:creationId xmlns:a16="http://schemas.microsoft.com/office/drawing/2014/main" id="{12BE4A04-B8CB-FB48-8226-1D8C79B02F4A}"/>
-              </a:ext>
-            </a:extLst>
-          </p:cNvPr>
-          <p:cNvSpPr txBox="1"/>
-          <p:nvPr/>
-        </p:nvSpPr>
-        <p:spPr>
-          <a:xfrm>
-            <a:off x="4803737" y="168897"/>
-            <a:ext cx="835816" cy="369332"/>
-          </a:xfrm>
-          <a:prstGeom prst="rect">
-            <a:avLst/>
-          </a:prstGeom>
-          <a:noFill/>
-        </p:spPr>
-        <p:txBody>
-          <a:bodyPr wrap="square" rtlCol="0">
-            <a:spAutoFit/>
-          </a:bodyPr>
-          <a:lstStyle/>
-          <a:p>
-            <a:r>
-              <a:rPr lang="en-US" dirty="0"/>
-              <a:t>w</a:t>
-            </a:r>
-            <a:r>
-              <a:rPr lang="en-US" baseline="-25000" dirty="0"/>
-              <a:t>xg2</a:t>
-            </a:r>
-          </a:p>
-        </p:txBody>
-      </p:sp>
       <p:cxnSp>
         <p:nvCxnSpPr>
-          <p:cNvPr id="21" name="!!Straight Connector ">
-            <a:extLst>
-              <a:ext uri="{FF2B5EF4-FFF2-40B4-BE49-F238E27FC236}">
-                <a16:creationId xmlns:a16="http://schemas.microsoft.com/office/drawing/2014/main" id="{1FF6B3DB-13FF-5F47-968E-08961B640C99}"/>
+          <p:cNvPr id="20" name="!!Straight Connector ">
+            <a:extLst>
+              <a:ext uri="{FF2B5EF4-FFF2-40B4-BE49-F238E27FC236}">
+                <a16:creationId xmlns:a16="http://schemas.microsoft.com/office/drawing/2014/main" id="{983CE24F-C731-1D49-A388-A5EBD76E356E}"/>
               </a:ext>
             </a:extLst>
           </p:cNvPr>
@@ -14182,8 +14667,8 @@
         </p:nvCxnSpPr>
         <p:spPr>
           <a:xfrm flipV="1">
-            <a:off x="4286854" y="4941917"/>
-            <a:ext cx="0" cy="722871"/>
+            <a:off x="4489221" y="4678475"/>
+            <a:ext cx="0" cy="986314"/>
           </a:xfrm>
           <a:prstGeom prst="line">
             <a:avLst/>
@@ -14215,10 +14700,10 @@
       </p:cxnSp>
       <p:sp>
         <p:nvSpPr>
-          <p:cNvPr id="22" name="!!x2">
-            <a:extLst>
-              <a:ext uri="{FF2B5EF4-FFF2-40B4-BE49-F238E27FC236}">
-                <a16:creationId xmlns:a16="http://schemas.microsoft.com/office/drawing/2014/main" id="{8A8C82DE-36B5-F041-BD08-16C16698A455}"/>
+          <p:cNvPr id="21" name="!!x2">
+            <a:extLst>
+              <a:ext uri="{FF2B5EF4-FFF2-40B4-BE49-F238E27FC236}">
+                <a16:creationId xmlns:a16="http://schemas.microsoft.com/office/drawing/2014/main" id="{63D96B76-B90D-1E4F-A229-8AC71B6C0180}"/>
               </a:ext>
             </a:extLst>
           </p:cNvPr>
@@ -14227,7 +14712,7 @@
         </p:nvSpPr>
         <p:spPr>
           <a:xfrm>
-            <a:off x="4045897" y="5478694"/>
+            <a:off x="4248264" y="5478694"/>
             <a:ext cx="481914" cy="481914"/>
           </a:xfrm>
           <a:prstGeom prst="mathMultiply">
@@ -14280,10 +14765,10 @@
       </p:sp>
       <p:sp>
         <p:nvSpPr>
-          <p:cNvPr id="24" name="!!x1">
-            <a:extLst>
-              <a:ext uri="{FF2B5EF4-FFF2-40B4-BE49-F238E27FC236}">
-                <a16:creationId xmlns:a16="http://schemas.microsoft.com/office/drawing/2014/main" id="{1F36497B-A89F-B241-9BC0-9DC73FBA06C1}"/>
+          <p:cNvPr id="22" name="!!x1">
+            <a:extLst>
+              <a:ext uri="{FF2B5EF4-FFF2-40B4-BE49-F238E27FC236}">
+                <a16:creationId xmlns:a16="http://schemas.microsoft.com/office/drawing/2014/main" id="{BEE2E091-9B15-7B44-8F1F-371023509672}"/>
               </a:ext>
             </a:extLst>
           </p:cNvPr>
@@ -14292,7 +14777,7 @@
         </p:nvSpPr>
         <p:spPr>
           <a:xfrm>
-            <a:off x="4045897" y="4700960"/>
+            <a:off x="4248264" y="4437518"/>
             <a:ext cx="481914" cy="481914"/>
           </a:xfrm>
           <a:prstGeom prst="mathMultiply">
@@ -14345,10 +14830,10 @@
       </p:sp>
       <p:cxnSp>
         <p:nvCxnSpPr>
-          <p:cNvPr id="26" name="Straight Arrow Connector 25">
-            <a:extLst>
-              <a:ext uri="{FF2B5EF4-FFF2-40B4-BE49-F238E27FC236}">
-                <a16:creationId xmlns:a16="http://schemas.microsoft.com/office/drawing/2014/main" id="{C7DC190D-4B5F-6746-BF7F-D01AEBC8A9BF}"/>
+          <p:cNvPr id="24" name="Straight Arrow Connector 23">
+            <a:extLst>
+              <a:ext uri="{FF2B5EF4-FFF2-40B4-BE49-F238E27FC236}">
+                <a16:creationId xmlns:a16="http://schemas.microsoft.com/office/drawing/2014/main" id="{1308E560-3866-6647-ABC0-5AE7C9229130}"/>
               </a:ext>
             </a:extLst>
           </p:cNvPr>
@@ -14359,8 +14844,8 @@
         </p:nvCxnSpPr>
         <p:spPr>
           <a:xfrm flipH="1">
-            <a:off x="4515936" y="2261759"/>
-            <a:ext cx="3148887" cy="2656408"/>
+            <a:off x="4679079" y="2285509"/>
+            <a:ext cx="2393046" cy="2392966"/>
           </a:xfrm>
           <a:prstGeom prst="straightConnector1">
             <a:avLst/>
@@ -14394,7 +14879,7 @@
           <p:cNvPr id="14" name="TextBox 13">
             <a:extLst>
               <a:ext uri="{FF2B5EF4-FFF2-40B4-BE49-F238E27FC236}">
-                <a16:creationId xmlns:a16="http://schemas.microsoft.com/office/drawing/2014/main" id="{C4787D0D-4E36-4C07-B594-19D6661B895E}"/>
+                <a16:creationId xmlns:a16="http://schemas.microsoft.com/office/drawing/2014/main" id="{AB443441-C798-4011-A254-2BA0C9EBED01}"/>
               </a:ext>
             </a:extLst>
           </p:cNvPr>
@@ -14428,7 +14913,7 @@
     </p:spTree>
     <p:extLst>
       <p:ext uri="{BB962C8B-B14F-4D97-AF65-F5344CB8AC3E}">
-        <p14:creationId xmlns:p14="http://schemas.microsoft.com/office/powerpoint/2010/main" val="426454482"/>
+        <p14:creationId xmlns:p14="http://schemas.microsoft.com/office/powerpoint/2010/main" val="3645310268"/>
       </p:ext>
     </p:extLst>
   </p:cSld>
@@ -14469,10 +14954,10 @@
       </p:grpSpPr>
       <p:pic>
         <p:nvPicPr>
-          <p:cNvPr id="9" name="Picture 8" descr="Diagram, box and whisker chart&#10;&#10;Description automatically generated">
-            <a:extLst>
-              <a:ext uri="{FF2B5EF4-FFF2-40B4-BE49-F238E27FC236}">
-                <a16:creationId xmlns:a16="http://schemas.microsoft.com/office/drawing/2014/main" id="{0C44EE30-2DFD-6E4A-9771-951D641E5957}"/>
+          <p:cNvPr id="3" name="Picture 2" descr="Diagram, box and whisker chart&#10;&#10;Description automatically generated">
+            <a:extLst>
+              <a:ext uri="{FF2B5EF4-FFF2-40B4-BE49-F238E27FC236}">
+                <a16:creationId xmlns:a16="http://schemas.microsoft.com/office/drawing/2014/main" id="{10006767-D390-6F45-A724-769E6F5817F4}"/>
               </a:ext>
             </a:extLst>
           </p:cNvPr>
@@ -14501,136 +14986,19 @@
       </p:pic>
       <p:sp>
         <p:nvSpPr>
-          <p:cNvPr id="10" name="TextBox 9">
-            <a:extLst>
-              <a:ext uri="{FF2B5EF4-FFF2-40B4-BE49-F238E27FC236}">
-                <a16:creationId xmlns:a16="http://schemas.microsoft.com/office/drawing/2014/main" id="{2869557E-383D-6A43-A18E-68A6F3200FFD}"/>
-              </a:ext>
-            </a:extLst>
-          </p:cNvPr>
-          <p:cNvSpPr txBox="1"/>
+          <p:cNvPr id="15" name="!!x3">
+            <a:extLst>
+              <a:ext uri="{FF2B5EF4-FFF2-40B4-BE49-F238E27FC236}">
+                <a16:creationId xmlns:a16="http://schemas.microsoft.com/office/drawing/2014/main" id="{22ABDFE0-6888-C546-88BD-71FEF5A7744B}"/>
+              </a:ext>
+            </a:extLst>
+          </p:cNvPr>
+          <p:cNvSpPr/>
           <p:nvPr/>
         </p:nvSpPr>
         <p:spPr>
           <a:xfrm>
-            <a:off x="3438618" y="2207718"/>
-            <a:ext cx="835816" cy="369332"/>
-          </a:xfrm>
-          <a:prstGeom prst="rect">
-            <a:avLst/>
-          </a:prstGeom>
-          <a:noFill/>
-        </p:spPr>
-        <p:txBody>
-          <a:bodyPr wrap="square" rtlCol="0">
-            <a:spAutoFit/>
-          </a:bodyPr>
-          <a:lstStyle/>
-          <a:p>
-            <a:r>
-              <a:rPr lang="en-US" dirty="0"/>
-              <a:t>w</a:t>
-            </a:r>
-            <a:r>
-              <a:rPr lang="en-US" baseline="-25000" dirty="0"/>
-              <a:t>gf1</a:t>
-            </a:r>
-          </a:p>
-        </p:txBody>
-      </p:sp>
-      <p:sp>
-        <p:nvSpPr>
-          <p:cNvPr id="11" name="TextBox 10">
-            <a:extLst>
-              <a:ext uri="{FF2B5EF4-FFF2-40B4-BE49-F238E27FC236}">
-                <a16:creationId xmlns:a16="http://schemas.microsoft.com/office/drawing/2014/main" id="{F424C681-9F97-2242-8A1C-C776648FFBF8}"/>
-              </a:ext>
-            </a:extLst>
-          </p:cNvPr>
-          <p:cNvSpPr txBox="1"/>
-          <p:nvPr/>
-        </p:nvSpPr>
-        <p:spPr>
-          <a:xfrm>
-            <a:off x="6552448" y="2100843"/>
-            <a:ext cx="835816" cy="369332"/>
-          </a:xfrm>
-          <a:prstGeom prst="rect">
-            <a:avLst/>
-          </a:prstGeom>
-          <a:noFill/>
-        </p:spPr>
-        <p:txBody>
-          <a:bodyPr wrap="square" rtlCol="0">
-            <a:spAutoFit/>
-          </a:bodyPr>
-          <a:lstStyle/>
-          <a:p>
-            <a:r>
-              <a:rPr lang="en-US" dirty="0"/>
-              <a:t>w</a:t>
-            </a:r>
-            <a:r>
-              <a:rPr lang="en-US" baseline="-25000" dirty="0"/>
-              <a:t>gf1</a:t>
-            </a:r>
-          </a:p>
-        </p:txBody>
-      </p:sp>
-      <p:sp>
-        <p:nvSpPr>
-          <p:cNvPr id="12" name="TextBox 11">
-            <a:extLst>
-              <a:ext uri="{FF2B5EF4-FFF2-40B4-BE49-F238E27FC236}">
-                <a16:creationId xmlns:a16="http://schemas.microsoft.com/office/drawing/2014/main" id="{A21D870A-8A38-6F46-B6C3-48FDAE0F44B0}"/>
-              </a:ext>
-            </a:extLst>
-          </p:cNvPr>
-          <p:cNvSpPr txBox="1"/>
-          <p:nvPr/>
-        </p:nvSpPr>
-        <p:spPr>
-          <a:xfrm>
-            <a:off x="4803737" y="168897"/>
-            <a:ext cx="835816" cy="369332"/>
-          </a:xfrm>
-          <a:prstGeom prst="rect">
-            <a:avLst/>
-          </a:prstGeom>
-          <a:noFill/>
-        </p:spPr>
-        <p:txBody>
-          <a:bodyPr wrap="square" rtlCol="0">
-            <a:spAutoFit/>
-          </a:bodyPr>
-          <a:lstStyle/>
-          <a:p>
-            <a:r>
-              <a:rPr lang="en-US" dirty="0"/>
-              <a:t>w</a:t>
-            </a:r>
-            <a:r>
-              <a:rPr lang="en-US" baseline="-25000" dirty="0"/>
-              <a:t>xg2</a:t>
-            </a:r>
-          </a:p>
-        </p:txBody>
-      </p:sp>
-      <p:sp>
-        <p:nvSpPr>
-          <p:cNvPr id="15" name="!!x3">
-            <a:extLst>
-              <a:ext uri="{FF2B5EF4-FFF2-40B4-BE49-F238E27FC236}">
-                <a16:creationId xmlns:a16="http://schemas.microsoft.com/office/drawing/2014/main" id="{22ABDFE0-6888-C546-88BD-71FEF5A7744B}"/>
-              </a:ext>
-            </a:extLst>
-          </p:cNvPr>
-          <p:cNvSpPr/>
-          <p:nvPr/>
-        </p:nvSpPr>
-        <p:spPr>
-          <a:xfrm>
-            <a:off x="7834516" y="1827190"/>
+            <a:off x="7483241" y="1827190"/>
             <a:ext cx="481914" cy="481914"/>
           </a:xfrm>
           <a:prstGeom prst="mathMultiply">
@@ -14681,64 +15049,12 @@
           </a:p>
         </p:txBody>
       </p:sp>
-      <p:sp>
-        <p:nvSpPr>
-          <p:cNvPr id="17" name="!!topline">
-            <a:extLst>
-              <a:ext uri="{FF2B5EF4-FFF2-40B4-BE49-F238E27FC236}">
-                <a16:creationId xmlns:a16="http://schemas.microsoft.com/office/drawing/2014/main" id="{F3F6A119-5138-B343-8340-27FA5DC30346}"/>
-              </a:ext>
-            </a:extLst>
-          </p:cNvPr>
-          <p:cNvSpPr/>
-          <p:nvPr/>
-        </p:nvSpPr>
-        <p:spPr>
-          <a:xfrm>
-            <a:off x="7327720" y="510367"/>
-            <a:ext cx="1484334" cy="45719"/>
-          </a:xfrm>
-          <a:prstGeom prst="rect">
-            <a:avLst/>
-          </a:prstGeom>
-          <a:solidFill>
-            <a:schemeClr val="tx1"/>
-          </a:solidFill>
-          <a:ln>
-            <a:noFill/>
-          </a:ln>
-        </p:spPr>
-        <p:style>
-          <a:lnRef idx="2">
-            <a:schemeClr val="accent1">
-              <a:shade val="50000"/>
-            </a:schemeClr>
-          </a:lnRef>
-          <a:fillRef idx="1">
-            <a:schemeClr val="accent1"/>
-          </a:fillRef>
-          <a:effectRef idx="0">
-            <a:schemeClr val="accent1"/>
-          </a:effectRef>
-          <a:fontRef idx="minor">
-            <a:schemeClr val="lt1"/>
-          </a:fontRef>
-        </p:style>
-        <p:txBody>
-          <a:bodyPr rtlCol="0" anchor="ctr"/>
-          <a:lstStyle/>
-          <a:p>
-            <a:pPr algn="ctr"/>
-            <a:endParaRPr lang="en-US"/>
-          </a:p>
-        </p:txBody>
-      </p:sp>
       <p:cxnSp>
         <p:nvCxnSpPr>
-          <p:cNvPr id="18" name="!!topdotted">
-            <a:extLst>
-              <a:ext uri="{FF2B5EF4-FFF2-40B4-BE49-F238E27FC236}">
-                <a16:creationId xmlns:a16="http://schemas.microsoft.com/office/drawing/2014/main" id="{61F01312-68EB-9448-B616-B66FC65DDA55}"/>
+          <p:cNvPr id="16" name="!!topdotted">
+            <a:extLst>
+              <a:ext uri="{FF2B5EF4-FFF2-40B4-BE49-F238E27FC236}">
+                <a16:creationId xmlns:a16="http://schemas.microsoft.com/office/drawing/2014/main" id="{E7829BD0-FEF5-FF49-ABD0-6D6F0A32AAA9}"/>
               </a:ext>
             </a:extLst>
           </p:cNvPr>
@@ -14749,7 +15065,7 @@
         </p:nvCxnSpPr>
         <p:spPr>
           <a:xfrm flipH="1" flipV="1">
-            <a:off x="8064549" y="548782"/>
+            <a:off x="7712766" y="548782"/>
             <a:ext cx="11432" cy="1451377"/>
           </a:xfrm>
           <a:prstGeom prst="line">
@@ -14782,10 +15098,10 @@
       </p:cxnSp>
       <p:sp>
         <p:nvSpPr>
-          <p:cNvPr id="20" name="!!x2">
-            <a:extLst>
-              <a:ext uri="{FF2B5EF4-FFF2-40B4-BE49-F238E27FC236}">
-                <a16:creationId xmlns:a16="http://schemas.microsoft.com/office/drawing/2014/main" id="{18B9CDA3-320C-1B41-81EC-B99BD2E25254}"/>
+          <p:cNvPr id="17" name="!!topline">
+            <a:extLst>
+              <a:ext uri="{FF2B5EF4-FFF2-40B4-BE49-F238E27FC236}">
+                <a16:creationId xmlns:a16="http://schemas.microsoft.com/office/drawing/2014/main" id="{F3F6A119-5138-B343-8340-27FA5DC30346}"/>
               </a:ext>
             </a:extLst>
           </p:cNvPr>
@@ -14793,15 +15109,15 @@
           <p:nvPr/>
         </p:nvSpPr>
         <p:spPr>
-          <a:xfrm>
-            <a:off x="3929449" y="5481705"/>
-            <a:ext cx="481914" cy="481914"/>
+          <a:xfrm rot="21435198">
+            <a:off x="6970599" y="525923"/>
+            <a:ext cx="1484334" cy="45719"/>
           </a:xfrm>
-          <a:prstGeom prst="mathMultiply">
+          <a:prstGeom prst="rect">
             <a:avLst/>
           </a:prstGeom>
           <a:solidFill>
-            <a:srgbClr val="C00000"/>
+            <a:schemeClr val="tx1"/>
           </a:solidFill>
           <a:ln>
             <a:noFill/>
@@ -14809,16 +15125,18 @@
         </p:spPr>
         <p:style>
           <a:lnRef idx="2">
-            <a:schemeClr val="accent6"/>
+            <a:schemeClr val="accent1">
+              <a:shade val="50000"/>
+            </a:schemeClr>
           </a:lnRef>
           <a:fillRef idx="1">
-            <a:schemeClr val="lt1"/>
+            <a:schemeClr val="accent1"/>
           </a:fillRef>
           <a:effectRef idx="0">
-            <a:schemeClr val="accent6"/>
+            <a:schemeClr val="accent1"/>
           </a:effectRef>
           <a:fontRef idx="minor">
-            <a:schemeClr val="dk1"/>
+            <a:schemeClr val="lt1"/>
           </a:fontRef>
         </p:style>
         <p:txBody>
@@ -14826,106 +15144,145 @@
           <a:lstStyle/>
           <a:p>
             <a:pPr algn="ctr"/>
-            <a:r>
-              <a:rPr lang="en-US" dirty="0">
-                <a:ln w="0"/>
-                <a:solidFill>
-                  <a:sysClr val="windowText" lastClr="000000"/>
-                </a:solidFill>
-                <a:effectLst>
-                  <a:outerShdw blurRad="38100" dist="19050" dir="2700000" algn="tl" rotWithShape="0">
-                    <a:schemeClr val="dk1">
-                      <a:alpha val="40000"/>
-                    </a:schemeClr>
-                  </a:outerShdw>
-                </a:effectLst>
-              </a:rPr>
-              <a:t>   </a:t>
-            </a:r>
-          </a:p>
-        </p:txBody>
-      </p:sp>
-      <p:sp>
-        <p:nvSpPr>
-          <p:cNvPr id="21" name="!!x1">
-            <a:extLst>
-              <a:ext uri="{FF2B5EF4-FFF2-40B4-BE49-F238E27FC236}">
-                <a16:creationId xmlns:a16="http://schemas.microsoft.com/office/drawing/2014/main" id="{6EBE3F7D-553B-0348-A32B-407E2607EBA0}"/>
-              </a:ext>
-            </a:extLst>
-          </p:cNvPr>
-          <p:cNvSpPr/>
+            <a:endParaRPr lang="en-US"/>
+          </a:p>
+        </p:txBody>
+      </p:sp>
+      <p:sp>
+        <p:nvSpPr>
+          <p:cNvPr id="4" name="TextBox 3">
+            <a:extLst>
+              <a:ext uri="{FF2B5EF4-FFF2-40B4-BE49-F238E27FC236}">
+                <a16:creationId xmlns:a16="http://schemas.microsoft.com/office/drawing/2014/main" id="{6225D600-2578-4842-9038-1E88477C9311}"/>
+              </a:ext>
+            </a:extLst>
+          </p:cNvPr>
+          <p:cNvSpPr txBox="1"/>
           <p:nvPr/>
         </p:nvSpPr>
         <p:spPr>
           <a:xfrm>
-            <a:off x="3929449" y="4914777"/>
-            <a:ext cx="481914" cy="481914"/>
+            <a:off x="3438618" y="2207718"/>
+            <a:ext cx="835816" cy="369332"/>
           </a:xfrm>
-          <a:prstGeom prst="mathMultiply">
+          <a:prstGeom prst="rect">
             <a:avLst/>
           </a:prstGeom>
-          <a:solidFill>
-            <a:srgbClr val="C00000"/>
-          </a:solidFill>
-          <a:ln>
-            <a:noFill/>
-          </a:ln>
+          <a:noFill/>
         </p:spPr>
-        <p:style>
-          <a:lnRef idx="2">
-            <a:schemeClr val="accent6"/>
-          </a:lnRef>
-          <a:fillRef idx="1">
-            <a:schemeClr val="lt1"/>
-          </a:fillRef>
-          <a:effectRef idx="0">
-            <a:schemeClr val="accent6"/>
-          </a:effectRef>
-          <a:fontRef idx="minor">
-            <a:schemeClr val="dk1"/>
-          </a:fontRef>
-        </p:style>
-        <p:txBody>
-          <a:bodyPr rtlCol="0" anchor="ctr"/>
-          <a:lstStyle/>
-          <a:p>
-            <a:pPr algn="ctr"/>
-            <a:r>
-              <a:rPr lang="en-US" dirty="0">
-                <a:ln w="0"/>
-                <a:solidFill>
-                  <a:sysClr val="windowText" lastClr="000000"/>
-                </a:solidFill>
-                <a:effectLst>
-                  <a:outerShdw blurRad="38100" dist="19050" dir="2700000" algn="tl" rotWithShape="0">
-                    <a:schemeClr val="dk1">
-                      <a:alpha val="40000"/>
-                    </a:schemeClr>
-                  </a:outerShdw>
-                </a:effectLst>
-              </a:rPr>
-              <a:t>   </a:t>
+        <p:txBody>
+          <a:bodyPr wrap="square" rtlCol="0">
+            <a:spAutoFit/>
+          </a:bodyPr>
+          <a:lstStyle/>
+          <a:p>
+            <a:r>
+              <a:rPr lang="en-US" dirty="0"/>
+              <a:t>w</a:t>
+            </a:r>
+            <a:r>
+              <a:rPr lang="en-US" baseline="-25000" dirty="0"/>
+              <a:t>gf1</a:t>
+            </a:r>
+          </a:p>
+        </p:txBody>
+      </p:sp>
+      <p:sp>
+        <p:nvSpPr>
+          <p:cNvPr id="12" name="TextBox 11">
+            <a:extLst>
+              <a:ext uri="{FF2B5EF4-FFF2-40B4-BE49-F238E27FC236}">
+                <a16:creationId xmlns:a16="http://schemas.microsoft.com/office/drawing/2014/main" id="{E74A9048-C562-B84B-B5AD-08BCC0854FE1}"/>
+              </a:ext>
+            </a:extLst>
+          </p:cNvPr>
+          <p:cNvSpPr txBox="1"/>
+          <p:nvPr/>
+        </p:nvSpPr>
+        <p:spPr>
+          <a:xfrm>
+            <a:off x="6552448" y="2100843"/>
+            <a:ext cx="835816" cy="369332"/>
+          </a:xfrm>
+          <a:prstGeom prst="rect">
+            <a:avLst/>
+          </a:prstGeom>
+          <a:noFill/>
+        </p:spPr>
+        <p:txBody>
+          <a:bodyPr wrap="square" rtlCol="0">
+            <a:spAutoFit/>
+          </a:bodyPr>
+          <a:lstStyle/>
+          <a:p>
+            <a:r>
+              <a:rPr lang="en-US" dirty="0"/>
+              <a:t>w</a:t>
+            </a:r>
+            <a:r>
+              <a:rPr lang="en-US" baseline="-25000" dirty="0"/>
+              <a:t>gf1</a:t>
+            </a:r>
+          </a:p>
+        </p:txBody>
+      </p:sp>
+      <p:sp>
+        <p:nvSpPr>
+          <p:cNvPr id="18" name="TextBox 17">
+            <a:extLst>
+              <a:ext uri="{FF2B5EF4-FFF2-40B4-BE49-F238E27FC236}">
+                <a16:creationId xmlns:a16="http://schemas.microsoft.com/office/drawing/2014/main" id="{12BE4A04-B8CB-FB48-8226-1D8C79B02F4A}"/>
+              </a:ext>
+            </a:extLst>
+          </p:cNvPr>
+          <p:cNvSpPr txBox="1"/>
+          <p:nvPr/>
+        </p:nvSpPr>
+        <p:spPr>
+          <a:xfrm>
+            <a:off x="4803737" y="168897"/>
+            <a:ext cx="835816" cy="369332"/>
+          </a:xfrm>
+          <a:prstGeom prst="rect">
+            <a:avLst/>
+          </a:prstGeom>
+          <a:noFill/>
+        </p:spPr>
+        <p:txBody>
+          <a:bodyPr wrap="square" rtlCol="0">
+            <a:spAutoFit/>
+          </a:bodyPr>
+          <a:lstStyle/>
+          <a:p>
+            <a:r>
+              <a:rPr lang="en-US" dirty="0"/>
+              <a:t>w</a:t>
+            </a:r>
+            <a:r>
+              <a:rPr lang="en-US" baseline="-25000" dirty="0"/>
+              <a:t>xg2</a:t>
             </a:r>
           </a:p>
         </p:txBody>
       </p:sp>
       <p:cxnSp>
         <p:nvCxnSpPr>
-          <p:cNvPr id="22" name="!!Straight Connector ">
-            <a:extLst>
-              <a:ext uri="{FF2B5EF4-FFF2-40B4-BE49-F238E27FC236}">
-                <a16:creationId xmlns:a16="http://schemas.microsoft.com/office/drawing/2014/main" id="{75017E26-4A26-204C-831A-8E795A3B419F}"/>
-              </a:ext>
-            </a:extLst>
-          </p:cNvPr>
-          <p:cNvCxnSpPr/>
+          <p:cNvPr id="21" name="!!Straight Connector ">
+            <a:extLst>
+              <a:ext uri="{FF2B5EF4-FFF2-40B4-BE49-F238E27FC236}">
+                <a16:creationId xmlns:a16="http://schemas.microsoft.com/office/drawing/2014/main" id="{1FF6B3DB-13FF-5F47-968E-08961B640C99}"/>
+              </a:ext>
+            </a:extLst>
+          </p:cNvPr>
+          <p:cNvCxnSpPr>
+            <a:cxnSpLocks/>
+          </p:cNvCxnSpPr>
           <p:nvPr/>
         </p:nvCxnSpPr>
         <p:spPr>
           <a:xfrm flipV="1">
-            <a:off x="4170406" y="5155734"/>
-            <a:ext cx="0" cy="566928"/>
+            <a:off x="4286854" y="4941917"/>
+            <a:ext cx="0" cy="722871"/>
           </a:xfrm>
           <a:prstGeom prst="line">
             <a:avLst/>
@@ -14955,12 +15312,142 @@
           </a:fontRef>
         </p:style>
       </p:cxnSp>
+      <p:sp>
+        <p:nvSpPr>
+          <p:cNvPr id="22" name="!!x2">
+            <a:extLst>
+              <a:ext uri="{FF2B5EF4-FFF2-40B4-BE49-F238E27FC236}">
+                <a16:creationId xmlns:a16="http://schemas.microsoft.com/office/drawing/2014/main" id="{8A8C82DE-36B5-F041-BD08-16C16698A455}"/>
+              </a:ext>
+            </a:extLst>
+          </p:cNvPr>
+          <p:cNvSpPr/>
+          <p:nvPr/>
+        </p:nvSpPr>
+        <p:spPr>
+          <a:xfrm>
+            <a:off x="4045897" y="5478694"/>
+            <a:ext cx="481914" cy="481914"/>
+          </a:xfrm>
+          <a:prstGeom prst="mathMultiply">
+            <a:avLst/>
+          </a:prstGeom>
+          <a:solidFill>
+            <a:srgbClr val="C00000"/>
+          </a:solidFill>
+          <a:ln>
+            <a:noFill/>
+          </a:ln>
+        </p:spPr>
+        <p:style>
+          <a:lnRef idx="2">
+            <a:schemeClr val="accent6"/>
+          </a:lnRef>
+          <a:fillRef idx="1">
+            <a:schemeClr val="lt1"/>
+          </a:fillRef>
+          <a:effectRef idx="0">
+            <a:schemeClr val="accent6"/>
+          </a:effectRef>
+          <a:fontRef idx="minor">
+            <a:schemeClr val="dk1"/>
+          </a:fontRef>
+        </p:style>
+        <p:txBody>
+          <a:bodyPr rtlCol="0" anchor="ctr"/>
+          <a:lstStyle/>
+          <a:p>
+            <a:pPr algn="ctr"/>
+            <a:r>
+              <a:rPr lang="en-US" dirty="0">
+                <a:ln w="0"/>
+                <a:solidFill>
+                  <a:sysClr val="windowText" lastClr="000000"/>
+                </a:solidFill>
+                <a:effectLst>
+                  <a:outerShdw blurRad="38100" dist="19050" dir="2700000" algn="tl" rotWithShape="0">
+                    <a:schemeClr val="dk1">
+                      <a:alpha val="40000"/>
+                    </a:schemeClr>
+                  </a:outerShdw>
+                </a:effectLst>
+              </a:rPr>
+              <a:t>   </a:t>
+            </a:r>
+          </a:p>
+        </p:txBody>
+      </p:sp>
+      <p:sp>
+        <p:nvSpPr>
+          <p:cNvPr id="24" name="!!x1">
+            <a:extLst>
+              <a:ext uri="{FF2B5EF4-FFF2-40B4-BE49-F238E27FC236}">
+                <a16:creationId xmlns:a16="http://schemas.microsoft.com/office/drawing/2014/main" id="{1F36497B-A89F-B241-9BC0-9DC73FBA06C1}"/>
+              </a:ext>
+            </a:extLst>
+          </p:cNvPr>
+          <p:cNvSpPr/>
+          <p:nvPr/>
+        </p:nvSpPr>
+        <p:spPr>
+          <a:xfrm>
+            <a:off x="4045897" y="4700960"/>
+            <a:ext cx="481914" cy="481914"/>
+          </a:xfrm>
+          <a:prstGeom prst="mathMultiply">
+            <a:avLst/>
+          </a:prstGeom>
+          <a:solidFill>
+            <a:srgbClr val="C00000"/>
+          </a:solidFill>
+          <a:ln>
+            <a:noFill/>
+          </a:ln>
+        </p:spPr>
+        <p:style>
+          <a:lnRef idx="2">
+            <a:schemeClr val="accent6"/>
+          </a:lnRef>
+          <a:fillRef idx="1">
+            <a:schemeClr val="lt1"/>
+          </a:fillRef>
+          <a:effectRef idx="0">
+            <a:schemeClr val="accent6"/>
+          </a:effectRef>
+          <a:fontRef idx="minor">
+            <a:schemeClr val="dk1"/>
+          </a:fontRef>
+        </p:style>
+        <p:txBody>
+          <a:bodyPr rtlCol="0" anchor="ctr"/>
+          <a:lstStyle/>
+          <a:p>
+            <a:pPr algn="ctr"/>
+            <a:r>
+              <a:rPr lang="en-US" dirty="0">
+                <a:ln w="0"/>
+                <a:solidFill>
+                  <a:sysClr val="windowText" lastClr="000000"/>
+                </a:solidFill>
+                <a:effectLst>
+                  <a:outerShdw blurRad="38100" dist="19050" dir="2700000" algn="tl" rotWithShape="0">
+                    <a:schemeClr val="dk1">
+                      <a:alpha val="40000"/>
+                    </a:schemeClr>
+                  </a:outerShdw>
+                </a:effectLst>
+              </a:rPr>
+              <a:t>   </a:t>
+            </a:r>
+          </a:p>
+        </p:txBody>
+      </p:sp>
       <p:cxnSp>
         <p:nvCxnSpPr>
-          <p:cNvPr id="25" name="Straight Arrow Connector 24">
-            <a:extLst>
-              <a:ext uri="{FF2B5EF4-FFF2-40B4-BE49-F238E27FC236}">
-                <a16:creationId xmlns:a16="http://schemas.microsoft.com/office/drawing/2014/main" id="{C6E057D3-9375-A74A-A074-06F7ED290690}"/>
+          <p:cNvPr id="26" name="Straight Arrow Connector 25">
+            <a:extLst>
+              <a:ext uri="{FF2B5EF4-FFF2-40B4-BE49-F238E27FC236}">
+                <a16:creationId xmlns:a16="http://schemas.microsoft.com/office/drawing/2014/main" id="{C7DC190D-4B5F-6746-BF7F-D01AEBC8A9BF}"/>
               </a:ext>
             </a:extLst>
           </p:cNvPr>
@@ -14971,8 +15458,8 @@
         </p:nvCxnSpPr>
         <p:spPr>
           <a:xfrm flipH="1">
-            <a:off x="4357485" y="2258356"/>
-            <a:ext cx="3717988" cy="2897378"/>
+            <a:off x="4515936" y="2261759"/>
+            <a:ext cx="3148887" cy="2656408"/>
           </a:xfrm>
           <a:prstGeom prst="straightConnector1">
             <a:avLst/>
@@ -15006,7 +15493,7 @@
           <p:cNvPr id="14" name="TextBox 13">
             <a:extLst>
               <a:ext uri="{FF2B5EF4-FFF2-40B4-BE49-F238E27FC236}">
-                <a16:creationId xmlns:a16="http://schemas.microsoft.com/office/drawing/2014/main" id="{E3045A9D-B8B7-4276-A56E-70A500B5C07F}"/>
+                <a16:creationId xmlns:a16="http://schemas.microsoft.com/office/drawing/2014/main" id="{C4787D0D-4E36-4C07-B594-19D6661B895E}"/>
               </a:ext>
             </a:extLst>
           </p:cNvPr>
@@ -15040,7 +15527,7 @@
     </p:spTree>
     <p:extLst>
       <p:ext uri="{BB962C8B-B14F-4D97-AF65-F5344CB8AC3E}">
-        <p14:creationId xmlns:p14="http://schemas.microsoft.com/office/powerpoint/2010/main" val="1306907966"/>
+        <p14:creationId xmlns:p14="http://schemas.microsoft.com/office/powerpoint/2010/main" val="426454482"/>
       </p:ext>
     </p:extLst>
   </p:cSld>
@@ -15081,6 +15568,618 @@
       </p:grpSpPr>
       <p:pic>
         <p:nvPicPr>
+          <p:cNvPr id="9" name="Picture 8" descr="Diagram, box and whisker chart&#10;&#10;Description automatically generated">
+            <a:extLst>
+              <a:ext uri="{FF2B5EF4-FFF2-40B4-BE49-F238E27FC236}">
+                <a16:creationId xmlns:a16="http://schemas.microsoft.com/office/drawing/2014/main" id="{0C44EE30-2DFD-6E4A-9771-951D641E5957}"/>
+              </a:ext>
+            </a:extLst>
+          </p:cNvPr>
+          <p:cNvPicPr>
+            <a:picLocks noChangeAspect="1"/>
+          </p:cNvPicPr>
+          <p:nvPr/>
+        </p:nvPicPr>
+        <p:blipFill>
+          <a:blip r:embed="rId3">
+            <a:alphaModFix/>
+          </a:blip>
+          <a:stretch>
+            <a:fillRect/>
+          </a:stretch>
+        </p:blipFill>
+        <p:spPr>
+          <a:xfrm>
+            <a:off x="3284239" y="231768"/>
+            <a:ext cx="5627950" cy="6134006"/>
+          </a:xfrm>
+          <a:prstGeom prst="rect">
+            <a:avLst/>
+          </a:prstGeom>
+        </p:spPr>
+      </p:pic>
+      <p:sp>
+        <p:nvSpPr>
+          <p:cNvPr id="10" name="TextBox 9">
+            <a:extLst>
+              <a:ext uri="{FF2B5EF4-FFF2-40B4-BE49-F238E27FC236}">
+                <a16:creationId xmlns:a16="http://schemas.microsoft.com/office/drawing/2014/main" id="{2869557E-383D-6A43-A18E-68A6F3200FFD}"/>
+              </a:ext>
+            </a:extLst>
+          </p:cNvPr>
+          <p:cNvSpPr txBox="1"/>
+          <p:nvPr/>
+        </p:nvSpPr>
+        <p:spPr>
+          <a:xfrm>
+            <a:off x="3438618" y="2207718"/>
+            <a:ext cx="835816" cy="369332"/>
+          </a:xfrm>
+          <a:prstGeom prst="rect">
+            <a:avLst/>
+          </a:prstGeom>
+          <a:noFill/>
+        </p:spPr>
+        <p:txBody>
+          <a:bodyPr wrap="square" rtlCol="0">
+            <a:spAutoFit/>
+          </a:bodyPr>
+          <a:lstStyle/>
+          <a:p>
+            <a:r>
+              <a:rPr lang="en-US" dirty="0"/>
+              <a:t>w</a:t>
+            </a:r>
+            <a:r>
+              <a:rPr lang="en-US" baseline="-25000" dirty="0"/>
+              <a:t>gf1</a:t>
+            </a:r>
+          </a:p>
+        </p:txBody>
+      </p:sp>
+      <p:sp>
+        <p:nvSpPr>
+          <p:cNvPr id="11" name="TextBox 10">
+            <a:extLst>
+              <a:ext uri="{FF2B5EF4-FFF2-40B4-BE49-F238E27FC236}">
+                <a16:creationId xmlns:a16="http://schemas.microsoft.com/office/drawing/2014/main" id="{F424C681-9F97-2242-8A1C-C776648FFBF8}"/>
+              </a:ext>
+            </a:extLst>
+          </p:cNvPr>
+          <p:cNvSpPr txBox="1"/>
+          <p:nvPr/>
+        </p:nvSpPr>
+        <p:spPr>
+          <a:xfrm>
+            <a:off x="6552448" y="2100843"/>
+            <a:ext cx="835816" cy="369332"/>
+          </a:xfrm>
+          <a:prstGeom prst="rect">
+            <a:avLst/>
+          </a:prstGeom>
+          <a:noFill/>
+        </p:spPr>
+        <p:txBody>
+          <a:bodyPr wrap="square" rtlCol="0">
+            <a:spAutoFit/>
+          </a:bodyPr>
+          <a:lstStyle/>
+          <a:p>
+            <a:r>
+              <a:rPr lang="en-US" dirty="0"/>
+              <a:t>w</a:t>
+            </a:r>
+            <a:r>
+              <a:rPr lang="en-US" baseline="-25000" dirty="0"/>
+              <a:t>gf1</a:t>
+            </a:r>
+          </a:p>
+        </p:txBody>
+      </p:sp>
+      <p:sp>
+        <p:nvSpPr>
+          <p:cNvPr id="12" name="TextBox 11">
+            <a:extLst>
+              <a:ext uri="{FF2B5EF4-FFF2-40B4-BE49-F238E27FC236}">
+                <a16:creationId xmlns:a16="http://schemas.microsoft.com/office/drawing/2014/main" id="{A21D870A-8A38-6F46-B6C3-48FDAE0F44B0}"/>
+              </a:ext>
+            </a:extLst>
+          </p:cNvPr>
+          <p:cNvSpPr txBox="1"/>
+          <p:nvPr/>
+        </p:nvSpPr>
+        <p:spPr>
+          <a:xfrm>
+            <a:off x="4803737" y="168897"/>
+            <a:ext cx="835816" cy="369332"/>
+          </a:xfrm>
+          <a:prstGeom prst="rect">
+            <a:avLst/>
+          </a:prstGeom>
+          <a:noFill/>
+        </p:spPr>
+        <p:txBody>
+          <a:bodyPr wrap="square" rtlCol="0">
+            <a:spAutoFit/>
+          </a:bodyPr>
+          <a:lstStyle/>
+          <a:p>
+            <a:r>
+              <a:rPr lang="en-US" dirty="0"/>
+              <a:t>w</a:t>
+            </a:r>
+            <a:r>
+              <a:rPr lang="en-US" baseline="-25000" dirty="0"/>
+              <a:t>xg2</a:t>
+            </a:r>
+          </a:p>
+        </p:txBody>
+      </p:sp>
+      <p:sp>
+        <p:nvSpPr>
+          <p:cNvPr id="15" name="!!x3">
+            <a:extLst>
+              <a:ext uri="{FF2B5EF4-FFF2-40B4-BE49-F238E27FC236}">
+                <a16:creationId xmlns:a16="http://schemas.microsoft.com/office/drawing/2014/main" id="{22ABDFE0-6888-C546-88BD-71FEF5A7744B}"/>
+              </a:ext>
+            </a:extLst>
+          </p:cNvPr>
+          <p:cNvSpPr/>
+          <p:nvPr/>
+        </p:nvSpPr>
+        <p:spPr>
+          <a:xfrm>
+            <a:off x="7834516" y="1827190"/>
+            <a:ext cx="481914" cy="481914"/>
+          </a:xfrm>
+          <a:prstGeom prst="mathMultiply">
+            <a:avLst/>
+          </a:prstGeom>
+          <a:solidFill>
+            <a:srgbClr val="C00000"/>
+          </a:solidFill>
+          <a:ln>
+            <a:noFill/>
+          </a:ln>
+        </p:spPr>
+        <p:style>
+          <a:lnRef idx="2">
+            <a:schemeClr val="accent6"/>
+          </a:lnRef>
+          <a:fillRef idx="1">
+            <a:schemeClr val="lt1"/>
+          </a:fillRef>
+          <a:effectRef idx="0">
+            <a:schemeClr val="accent6"/>
+          </a:effectRef>
+          <a:fontRef idx="minor">
+            <a:schemeClr val="dk1"/>
+          </a:fontRef>
+        </p:style>
+        <p:txBody>
+          <a:bodyPr rtlCol="0" anchor="ctr"/>
+          <a:lstStyle/>
+          <a:p>
+            <a:pPr algn="ctr"/>
+            <a:r>
+              <a:rPr lang="en-US" dirty="0">
+                <a:ln w="0"/>
+                <a:solidFill>
+                  <a:sysClr val="windowText" lastClr="000000"/>
+                </a:solidFill>
+                <a:effectLst>
+                  <a:outerShdw blurRad="38100" dist="19050" dir="2700000" algn="tl" rotWithShape="0">
+                    <a:schemeClr val="dk1">
+                      <a:alpha val="40000"/>
+                    </a:schemeClr>
+                  </a:outerShdw>
+                </a:effectLst>
+              </a:rPr>
+              <a:t>   </a:t>
+            </a:r>
+          </a:p>
+        </p:txBody>
+      </p:sp>
+      <p:sp>
+        <p:nvSpPr>
+          <p:cNvPr id="17" name="!!topline">
+            <a:extLst>
+              <a:ext uri="{FF2B5EF4-FFF2-40B4-BE49-F238E27FC236}">
+                <a16:creationId xmlns:a16="http://schemas.microsoft.com/office/drawing/2014/main" id="{F3F6A119-5138-B343-8340-27FA5DC30346}"/>
+              </a:ext>
+            </a:extLst>
+          </p:cNvPr>
+          <p:cNvSpPr/>
+          <p:nvPr/>
+        </p:nvSpPr>
+        <p:spPr>
+          <a:xfrm>
+            <a:off x="7327720" y="510367"/>
+            <a:ext cx="1484334" cy="45719"/>
+          </a:xfrm>
+          <a:prstGeom prst="rect">
+            <a:avLst/>
+          </a:prstGeom>
+          <a:solidFill>
+            <a:schemeClr val="tx1"/>
+          </a:solidFill>
+          <a:ln>
+            <a:noFill/>
+          </a:ln>
+        </p:spPr>
+        <p:style>
+          <a:lnRef idx="2">
+            <a:schemeClr val="accent1">
+              <a:shade val="50000"/>
+            </a:schemeClr>
+          </a:lnRef>
+          <a:fillRef idx="1">
+            <a:schemeClr val="accent1"/>
+          </a:fillRef>
+          <a:effectRef idx="0">
+            <a:schemeClr val="accent1"/>
+          </a:effectRef>
+          <a:fontRef idx="minor">
+            <a:schemeClr val="lt1"/>
+          </a:fontRef>
+        </p:style>
+        <p:txBody>
+          <a:bodyPr rtlCol="0" anchor="ctr"/>
+          <a:lstStyle/>
+          <a:p>
+            <a:pPr algn="ctr"/>
+            <a:endParaRPr lang="en-US"/>
+          </a:p>
+        </p:txBody>
+      </p:sp>
+      <p:cxnSp>
+        <p:nvCxnSpPr>
+          <p:cNvPr id="18" name="!!topdotted">
+            <a:extLst>
+              <a:ext uri="{FF2B5EF4-FFF2-40B4-BE49-F238E27FC236}">
+                <a16:creationId xmlns:a16="http://schemas.microsoft.com/office/drawing/2014/main" id="{61F01312-68EB-9448-B616-B66FC65DDA55}"/>
+              </a:ext>
+            </a:extLst>
+          </p:cNvPr>
+          <p:cNvCxnSpPr>
+            <a:cxnSpLocks/>
+          </p:cNvCxnSpPr>
+          <p:nvPr/>
+        </p:nvCxnSpPr>
+        <p:spPr>
+          <a:xfrm flipH="1" flipV="1">
+            <a:off x="8064549" y="548782"/>
+            <a:ext cx="11432" cy="1451377"/>
+          </a:xfrm>
+          <a:prstGeom prst="line">
+            <a:avLst/>
+          </a:prstGeom>
+          <a:ln w="9525" cap="flat" cmpd="sng" algn="ctr">
+            <a:solidFill>
+              <a:srgbClr val="C00000"/>
+            </a:solidFill>
+            <a:prstDash val="dash"/>
+            <a:round/>
+            <a:headEnd type="none" w="med" len="med"/>
+            <a:tailEnd type="none" w="med" len="med"/>
+          </a:ln>
+        </p:spPr>
+        <p:style>
+          <a:lnRef idx="0">
+            <a:scrgbClr r="0" g="0" b="0"/>
+          </a:lnRef>
+          <a:fillRef idx="0">
+            <a:scrgbClr r="0" g="0" b="0"/>
+          </a:fillRef>
+          <a:effectRef idx="0">
+            <a:scrgbClr r="0" g="0" b="0"/>
+          </a:effectRef>
+          <a:fontRef idx="minor">
+            <a:schemeClr val="tx1"/>
+          </a:fontRef>
+        </p:style>
+      </p:cxnSp>
+      <p:sp>
+        <p:nvSpPr>
+          <p:cNvPr id="20" name="!!x2">
+            <a:extLst>
+              <a:ext uri="{FF2B5EF4-FFF2-40B4-BE49-F238E27FC236}">
+                <a16:creationId xmlns:a16="http://schemas.microsoft.com/office/drawing/2014/main" id="{18B9CDA3-320C-1B41-81EC-B99BD2E25254}"/>
+              </a:ext>
+            </a:extLst>
+          </p:cNvPr>
+          <p:cNvSpPr/>
+          <p:nvPr/>
+        </p:nvSpPr>
+        <p:spPr>
+          <a:xfrm>
+            <a:off x="3929449" y="5481705"/>
+            <a:ext cx="481914" cy="481914"/>
+          </a:xfrm>
+          <a:prstGeom prst="mathMultiply">
+            <a:avLst/>
+          </a:prstGeom>
+          <a:solidFill>
+            <a:srgbClr val="C00000"/>
+          </a:solidFill>
+          <a:ln>
+            <a:noFill/>
+          </a:ln>
+        </p:spPr>
+        <p:style>
+          <a:lnRef idx="2">
+            <a:schemeClr val="accent6"/>
+          </a:lnRef>
+          <a:fillRef idx="1">
+            <a:schemeClr val="lt1"/>
+          </a:fillRef>
+          <a:effectRef idx="0">
+            <a:schemeClr val="accent6"/>
+          </a:effectRef>
+          <a:fontRef idx="minor">
+            <a:schemeClr val="dk1"/>
+          </a:fontRef>
+        </p:style>
+        <p:txBody>
+          <a:bodyPr rtlCol="0" anchor="ctr"/>
+          <a:lstStyle/>
+          <a:p>
+            <a:pPr algn="ctr"/>
+            <a:r>
+              <a:rPr lang="en-US" dirty="0">
+                <a:ln w="0"/>
+                <a:solidFill>
+                  <a:sysClr val="windowText" lastClr="000000"/>
+                </a:solidFill>
+                <a:effectLst>
+                  <a:outerShdw blurRad="38100" dist="19050" dir="2700000" algn="tl" rotWithShape="0">
+                    <a:schemeClr val="dk1">
+                      <a:alpha val="40000"/>
+                    </a:schemeClr>
+                  </a:outerShdw>
+                </a:effectLst>
+              </a:rPr>
+              <a:t>   </a:t>
+            </a:r>
+          </a:p>
+        </p:txBody>
+      </p:sp>
+      <p:sp>
+        <p:nvSpPr>
+          <p:cNvPr id="21" name="!!x1">
+            <a:extLst>
+              <a:ext uri="{FF2B5EF4-FFF2-40B4-BE49-F238E27FC236}">
+                <a16:creationId xmlns:a16="http://schemas.microsoft.com/office/drawing/2014/main" id="{6EBE3F7D-553B-0348-A32B-407E2607EBA0}"/>
+              </a:ext>
+            </a:extLst>
+          </p:cNvPr>
+          <p:cNvSpPr/>
+          <p:nvPr/>
+        </p:nvSpPr>
+        <p:spPr>
+          <a:xfrm>
+            <a:off x="3929449" y="4914777"/>
+            <a:ext cx="481914" cy="481914"/>
+          </a:xfrm>
+          <a:prstGeom prst="mathMultiply">
+            <a:avLst/>
+          </a:prstGeom>
+          <a:solidFill>
+            <a:srgbClr val="C00000"/>
+          </a:solidFill>
+          <a:ln>
+            <a:noFill/>
+          </a:ln>
+        </p:spPr>
+        <p:style>
+          <a:lnRef idx="2">
+            <a:schemeClr val="accent6"/>
+          </a:lnRef>
+          <a:fillRef idx="1">
+            <a:schemeClr val="lt1"/>
+          </a:fillRef>
+          <a:effectRef idx="0">
+            <a:schemeClr val="accent6"/>
+          </a:effectRef>
+          <a:fontRef idx="minor">
+            <a:schemeClr val="dk1"/>
+          </a:fontRef>
+        </p:style>
+        <p:txBody>
+          <a:bodyPr rtlCol="0" anchor="ctr"/>
+          <a:lstStyle/>
+          <a:p>
+            <a:pPr algn="ctr"/>
+            <a:r>
+              <a:rPr lang="en-US" dirty="0">
+                <a:ln w="0"/>
+                <a:solidFill>
+                  <a:sysClr val="windowText" lastClr="000000"/>
+                </a:solidFill>
+                <a:effectLst>
+                  <a:outerShdw blurRad="38100" dist="19050" dir="2700000" algn="tl" rotWithShape="0">
+                    <a:schemeClr val="dk1">
+                      <a:alpha val="40000"/>
+                    </a:schemeClr>
+                  </a:outerShdw>
+                </a:effectLst>
+              </a:rPr>
+              <a:t>   </a:t>
+            </a:r>
+          </a:p>
+        </p:txBody>
+      </p:sp>
+      <p:cxnSp>
+        <p:nvCxnSpPr>
+          <p:cNvPr id="22" name="!!Straight Connector ">
+            <a:extLst>
+              <a:ext uri="{FF2B5EF4-FFF2-40B4-BE49-F238E27FC236}">
+                <a16:creationId xmlns:a16="http://schemas.microsoft.com/office/drawing/2014/main" id="{75017E26-4A26-204C-831A-8E795A3B419F}"/>
+              </a:ext>
+            </a:extLst>
+          </p:cNvPr>
+          <p:cNvCxnSpPr/>
+          <p:nvPr/>
+        </p:nvCxnSpPr>
+        <p:spPr>
+          <a:xfrm flipV="1">
+            <a:off x="4170406" y="5155734"/>
+            <a:ext cx="0" cy="566928"/>
+          </a:xfrm>
+          <a:prstGeom prst="line">
+            <a:avLst/>
+          </a:prstGeom>
+          <a:ln w="9525" cap="flat" cmpd="sng" algn="ctr">
+            <a:solidFill>
+              <a:srgbClr val="C00000"/>
+            </a:solidFill>
+            <a:prstDash val="dash"/>
+            <a:round/>
+            <a:headEnd type="none" w="med" len="med"/>
+            <a:tailEnd type="none" w="med" len="med"/>
+          </a:ln>
+        </p:spPr>
+        <p:style>
+          <a:lnRef idx="0">
+            <a:scrgbClr r="0" g="0" b="0"/>
+          </a:lnRef>
+          <a:fillRef idx="0">
+            <a:scrgbClr r="0" g="0" b="0"/>
+          </a:fillRef>
+          <a:effectRef idx="0">
+            <a:scrgbClr r="0" g="0" b="0"/>
+          </a:effectRef>
+          <a:fontRef idx="minor">
+            <a:schemeClr val="tx1"/>
+          </a:fontRef>
+        </p:style>
+      </p:cxnSp>
+      <p:cxnSp>
+        <p:nvCxnSpPr>
+          <p:cNvPr id="25" name="Straight Arrow Connector 24">
+            <a:extLst>
+              <a:ext uri="{FF2B5EF4-FFF2-40B4-BE49-F238E27FC236}">
+                <a16:creationId xmlns:a16="http://schemas.microsoft.com/office/drawing/2014/main" id="{C6E057D3-9375-A74A-A074-06F7ED290690}"/>
+              </a:ext>
+            </a:extLst>
+          </p:cNvPr>
+          <p:cNvCxnSpPr>
+            <a:cxnSpLocks/>
+          </p:cNvCxnSpPr>
+          <p:nvPr/>
+        </p:nvCxnSpPr>
+        <p:spPr>
+          <a:xfrm flipH="1">
+            <a:off x="4357485" y="2258356"/>
+            <a:ext cx="3717988" cy="2897378"/>
+          </a:xfrm>
+          <a:prstGeom prst="straightConnector1">
+            <a:avLst/>
+          </a:prstGeom>
+          <a:ln w="38100">
+            <a:solidFill>
+              <a:srgbClr val="7030A0"/>
+            </a:solidFill>
+            <a:prstDash val="sysDot"/>
+            <a:headEnd type="triangle"/>
+            <a:tailEnd type="triangle"/>
+          </a:ln>
+        </p:spPr>
+        <p:style>
+          <a:lnRef idx="1">
+            <a:schemeClr val="accent1"/>
+          </a:lnRef>
+          <a:fillRef idx="0">
+            <a:schemeClr val="accent1"/>
+          </a:fillRef>
+          <a:effectRef idx="0">
+            <a:schemeClr val="accent1"/>
+          </a:effectRef>
+          <a:fontRef idx="minor">
+            <a:schemeClr val="tx1"/>
+          </a:fontRef>
+        </p:style>
+      </p:cxnSp>
+      <p:sp>
+        <p:nvSpPr>
+          <p:cNvPr id="14" name="TextBox 13">
+            <a:extLst>
+              <a:ext uri="{FF2B5EF4-FFF2-40B4-BE49-F238E27FC236}">
+                <a16:creationId xmlns:a16="http://schemas.microsoft.com/office/drawing/2014/main" id="{E3045A9D-B8B7-4276-A56E-70A500B5C07F}"/>
+              </a:ext>
+            </a:extLst>
+          </p:cNvPr>
+          <p:cNvSpPr txBox="1"/>
+          <p:nvPr/>
+        </p:nvSpPr>
+        <p:spPr>
+          <a:xfrm>
+            <a:off x="3862316" y="5775942"/>
+            <a:ext cx="1236059" cy="369332"/>
+          </a:xfrm>
+          <a:prstGeom prst="rect">
+            <a:avLst/>
+          </a:prstGeom>
+          <a:noFill/>
+        </p:spPr>
+        <p:txBody>
+          <a:bodyPr wrap="square" rtlCol="0">
+            <a:spAutoFit/>
+          </a:bodyPr>
+          <a:lstStyle/>
+          <a:p>
+            <a:r>
+              <a:rPr lang="en-US" dirty="0"/>
+              <a:t>Total Error</a:t>
+            </a:r>
+            <a:endParaRPr lang="en-US" baseline="-25000" dirty="0"/>
+          </a:p>
+        </p:txBody>
+      </p:sp>
+    </p:spTree>
+    <p:extLst>
+      <p:ext uri="{BB962C8B-B14F-4D97-AF65-F5344CB8AC3E}">
+        <p14:creationId xmlns:p14="http://schemas.microsoft.com/office/powerpoint/2010/main" val="1306907966"/>
+      </p:ext>
+    </p:extLst>
+  </p:cSld>
+  <p:clrMapOvr>
+    <a:masterClrMapping/>
+  </p:clrMapOvr>
+  <mc:AlternateContent xmlns:mc="http://schemas.openxmlformats.org/markup-compatibility/2006" xmlns:p159="http://schemas.microsoft.com/office/powerpoint/2015/09/main">
+    <mc:Choice Requires="p159">
+      <p:transition xmlns:p14="http://schemas.microsoft.com/office/powerpoint/2010/main" spd="slow" p14:dur="2000">
+        <p159:morph option="byObject"/>
+      </p:transition>
+    </mc:Choice>
+    <mc:Fallback xmlns="">
+      <p:transition spd="slow">
+        <p:fade/>
+      </p:transition>
+    </mc:Fallback>
+  </mc:AlternateContent>
+</p:sld>
+</file>
+
+<file path=ppt/slides/slide26.xml><?xml version="1.0" encoding="utf-8"?>
+<p:sld xmlns:a="http://schemas.openxmlformats.org/drawingml/2006/main" xmlns:r="http://schemas.openxmlformats.org/officeDocument/2006/relationships" xmlns:p="http://schemas.openxmlformats.org/presentationml/2006/main">
+  <p:cSld>
+    <p:spTree>
+      <p:nvGrpSpPr>
+        <p:cNvPr id="1" name=""/>
+        <p:cNvGrpSpPr/>
+        <p:nvPr/>
+      </p:nvGrpSpPr>
+      <p:grpSpPr>
+        <a:xfrm>
+          <a:off x="0" y="0"/>
+          <a:ext cx="0" cy="0"/>
+          <a:chOff x="0" y="0"/>
+          <a:chExt cx="0" cy="0"/>
+        </a:xfrm>
+      </p:grpSpPr>
+      <p:pic>
+        <p:nvPicPr>
           <p:cNvPr id="3" name="Picture 2">
             <a:extLst>
               <a:ext uri="{FF2B5EF4-FFF2-40B4-BE49-F238E27FC236}">
@@ -15179,276 +16278,6 @@
     <p:extLst>
       <p:ext uri="{BB962C8B-B14F-4D97-AF65-F5344CB8AC3E}">
         <p14:creationId xmlns:p14="http://schemas.microsoft.com/office/powerpoint/2010/main" val="3930004800"/>
-      </p:ext>
-    </p:extLst>
-  </p:cSld>
-  <p:clrMapOvr>
-    <a:masterClrMapping/>
-  </p:clrMapOvr>
-  <mc:AlternateContent xmlns:mc="http://schemas.openxmlformats.org/markup-compatibility/2006" xmlns:p14="http://schemas.microsoft.com/office/powerpoint/2010/main">
-    <mc:Choice Requires="p14">
-      <p:transition spd="med" p14:dur="700">
-        <p:fade/>
-      </p:transition>
-    </mc:Choice>
-    <mc:Fallback xmlns="">
-      <p:transition spd="med">
-        <p:fade/>
-      </p:transition>
-    </mc:Fallback>
-  </mc:AlternateContent>
-</p:sld>
-</file>
-
-<file path=ppt/slides/slide26.xml><?xml version="1.0" encoding="utf-8"?>
-<p:sld xmlns:a="http://schemas.openxmlformats.org/drawingml/2006/main" xmlns:r="http://schemas.openxmlformats.org/officeDocument/2006/relationships" xmlns:p="http://schemas.openxmlformats.org/presentationml/2006/main">
-  <p:cSld>
-    <p:spTree>
-      <p:nvGrpSpPr>
-        <p:cNvPr id="1" name=""/>
-        <p:cNvGrpSpPr/>
-        <p:nvPr/>
-      </p:nvGrpSpPr>
-      <p:grpSpPr>
-        <a:xfrm>
-          <a:off x="0" y="0"/>
-          <a:ext cx="0" cy="0"/>
-          <a:chOff x="0" y="0"/>
-          <a:chExt cx="0" cy="0"/>
-        </a:xfrm>
-      </p:grpSpPr>
-      <p:sp>
-        <p:nvSpPr>
-          <p:cNvPr id="5" name="Content Placeholder 4">
-            <a:extLst>
-              <a:ext uri="{FF2B5EF4-FFF2-40B4-BE49-F238E27FC236}">
-                <a16:creationId xmlns:a16="http://schemas.microsoft.com/office/drawing/2014/main" id="{7C82B2FA-DB39-467C-9DC1-245874DCBCF1}"/>
-              </a:ext>
-            </a:extLst>
-          </p:cNvPr>
-          <p:cNvSpPr>
-            <a:spLocks noGrp="1"/>
-          </p:cNvSpPr>
-          <p:nvPr>
-            <p:ph idx="1"/>
-          </p:nvPr>
-        </p:nvSpPr>
-        <p:spPr>
-          <a:xfrm>
-            <a:off x="812801" y="1386840"/>
-            <a:ext cx="10540999" cy="4790124"/>
-          </a:xfrm>
-        </p:spPr>
-        <p:txBody>
-          <a:bodyPr>
-            <a:normAutofit fontScale="92500" lnSpcReduction="20000"/>
-          </a:bodyPr>
-          <a:lstStyle/>
-          <a:p>
-            <a:pPr marL="0" indent="0">
-              <a:buNone/>
-            </a:pPr>
-            <a:endParaRPr lang="en-US" sz="3200" dirty="0">
-              <a:latin typeface="Palatino Linotype" panose="02040502050505030304" pitchFamily="18" charset="0"/>
-            </a:endParaRPr>
-          </a:p>
-          <a:p>
-            <a:pPr>
-              <a:buFont typeface="Wingdings" panose="05000000000000000000" pitchFamily="2" charset="2"/>
-              <a:buChar char="Ø"/>
-            </a:pPr>
-            <a:r>
-              <a:rPr lang="en-US" sz="3200" dirty="0">
-                <a:solidFill>
-                  <a:schemeClr val="tx1">
-                    <a:lumMod val="75000"/>
-                    <a:lumOff val="25000"/>
-                  </a:schemeClr>
-                </a:solidFill>
-                <a:latin typeface="Palatino Linotype" panose="02040502050505030304" pitchFamily="18" charset="0"/>
-              </a:rPr>
-              <a:t> Error (Loss) Function</a:t>
-            </a:r>
-          </a:p>
-          <a:p>
-            <a:pPr marL="0" indent="0">
-              <a:buNone/>
-            </a:pPr>
-            <a:endParaRPr lang="en-US" sz="3200" dirty="0">
-              <a:solidFill>
-                <a:schemeClr val="tx1">
-                  <a:lumMod val="75000"/>
-                  <a:lumOff val="25000"/>
-                </a:schemeClr>
-              </a:solidFill>
-              <a:latin typeface="Palatino Linotype" panose="02040502050505030304" pitchFamily="18" charset="0"/>
-            </a:endParaRPr>
-          </a:p>
-          <a:p>
-            <a:pPr>
-              <a:buFont typeface="Wingdings" panose="05000000000000000000" pitchFamily="2" charset="2"/>
-              <a:buChar char="Ø"/>
-            </a:pPr>
-            <a:r>
-              <a:rPr lang="en-US" sz="3200" dirty="0">
-                <a:solidFill>
-                  <a:schemeClr val="tx1">
-                    <a:lumMod val="75000"/>
-                    <a:lumOff val="25000"/>
-                  </a:schemeClr>
-                </a:solidFill>
-                <a:latin typeface="Palatino Linotype" panose="02040502050505030304" pitchFamily="18" charset="0"/>
-              </a:rPr>
-              <a:t> Gradient Descent &amp; Partial Derivatives</a:t>
-            </a:r>
-          </a:p>
-          <a:p>
-            <a:pPr marL="0" indent="0">
-              <a:buNone/>
-            </a:pPr>
-            <a:r>
-              <a:rPr lang="en-US" sz="3200" dirty="0">
-                <a:solidFill>
-                  <a:schemeClr val="tx1">
-                    <a:lumMod val="75000"/>
-                    <a:lumOff val="25000"/>
-                  </a:schemeClr>
-                </a:solidFill>
-                <a:latin typeface="Palatino Linotype" panose="02040502050505030304" pitchFamily="18" charset="0"/>
-              </a:rPr>
-              <a:t> </a:t>
-            </a:r>
-          </a:p>
-          <a:p>
-            <a:pPr>
-              <a:buFont typeface="Wingdings" panose="05000000000000000000" pitchFamily="2" charset="2"/>
-              <a:buChar char="Ø"/>
-            </a:pPr>
-            <a:r>
-              <a:rPr lang="en-US" sz="3200" dirty="0">
-                <a:solidFill>
-                  <a:schemeClr val="tx1">
-                    <a:lumMod val="75000"/>
-                    <a:lumOff val="25000"/>
-                  </a:schemeClr>
-                </a:solidFill>
-                <a:latin typeface="Palatino Linotype" panose="02040502050505030304" pitchFamily="18" charset="0"/>
-              </a:rPr>
-              <a:t> Complex Gradients</a:t>
-            </a:r>
-          </a:p>
-          <a:p>
-            <a:pPr marL="0" indent="0">
-              <a:buNone/>
-            </a:pPr>
-            <a:endParaRPr lang="en-US" sz="3200" dirty="0">
-              <a:solidFill>
-                <a:schemeClr val="tx1">
-                  <a:lumMod val="75000"/>
-                  <a:lumOff val="25000"/>
-                </a:schemeClr>
-              </a:solidFill>
-              <a:latin typeface="Palatino Linotype" panose="02040502050505030304" pitchFamily="18" charset="0"/>
-            </a:endParaRPr>
-          </a:p>
-          <a:p>
-            <a:pPr>
-              <a:buFont typeface="Wingdings" panose="05000000000000000000" pitchFamily="2" charset="2"/>
-              <a:buChar char="Ø"/>
-            </a:pPr>
-            <a:r>
-              <a:rPr lang="en-US" sz="3200" dirty="0">
-                <a:solidFill>
-                  <a:schemeClr val="tx1">
-                    <a:lumMod val="75000"/>
-                    <a:lumOff val="25000"/>
-                  </a:schemeClr>
-                </a:solidFill>
-                <a:latin typeface="Palatino Linotype" panose="02040502050505030304" pitchFamily="18" charset="0"/>
-              </a:rPr>
-              <a:t> Optimizers</a:t>
-            </a:r>
-          </a:p>
-          <a:p>
-            <a:pPr marL="0" indent="0">
-              <a:buNone/>
-            </a:pPr>
-            <a:endParaRPr lang="en-US" sz="3200" dirty="0">
-              <a:solidFill>
-                <a:schemeClr val="tx1">
-                  <a:lumMod val="75000"/>
-                  <a:lumOff val="25000"/>
-                </a:schemeClr>
-              </a:solidFill>
-              <a:latin typeface="Palatino Linotype" panose="02040502050505030304" pitchFamily="18" charset="0"/>
-            </a:endParaRPr>
-          </a:p>
-          <a:p>
-            <a:pPr>
-              <a:buFont typeface="Wingdings" panose="05000000000000000000" pitchFamily="2" charset="2"/>
-              <a:buChar char="Ø"/>
-            </a:pPr>
-            <a:r>
-              <a:rPr lang="en-US" sz="3200" dirty="0">
-                <a:solidFill>
-                  <a:schemeClr val="tx1">
-                    <a:lumMod val="75000"/>
-                    <a:lumOff val="25000"/>
-                  </a:schemeClr>
-                </a:solidFill>
-                <a:latin typeface="Palatino Linotype" panose="02040502050505030304" pitchFamily="18" charset="0"/>
-              </a:rPr>
-              <a:t> Chain Rule</a:t>
-            </a:r>
-          </a:p>
-        </p:txBody>
-      </p:sp>
-      <p:sp>
-        <p:nvSpPr>
-          <p:cNvPr id="3" name="Title 4">
-            <a:extLst>
-              <a:ext uri="{FF2B5EF4-FFF2-40B4-BE49-F238E27FC236}">
-                <a16:creationId xmlns:a16="http://schemas.microsoft.com/office/drawing/2014/main" id="{8ADCD547-C091-45A4-9127-CC0044D81745}"/>
-              </a:ext>
-            </a:extLst>
-          </p:cNvPr>
-          <p:cNvSpPr>
-            <a:spLocks noGrp="1"/>
-          </p:cNvSpPr>
-          <p:nvPr>
-            <p:ph type="title"/>
-          </p:nvPr>
-        </p:nvSpPr>
-        <p:spPr>
-          <a:xfrm>
-            <a:off x="812802" y="365126"/>
-            <a:ext cx="10540998" cy="1325563"/>
-          </a:xfrm>
-        </p:spPr>
-        <p:txBody>
-          <a:bodyPr/>
-          <a:lstStyle/>
-          <a:p>
-            <a:pPr algn="ctr"/>
-            <a:r>
-              <a:rPr lang="en-US" dirty="0">
-                <a:solidFill>
-                  <a:schemeClr val="tx1">
-                    <a:lumMod val="65000"/>
-                    <a:lumOff val="35000"/>
-                  </a:schemeClr>
-                </a:solidFill>
-                <a:latin typeface="Palatino Linotype" panose="02040502050505030304" pitchFamily="18" charset="0"/>
-              </a:rPr>
-              <a:t>Summary</a:t>
-            </a:r>
-          </a:p>
-        </p:txBody>
-      </p:sp>
-    </p:spTree>
-    <p:extLst>
-      <p:ext uri="{BB962C8B-B14F-4D97-AF65-F5344CB8AC3E}">
-        <p14:creationId xmlns:p14="http://schemas.microsoft.com/office/powerpoint/2010/main" val="1397534281"/>
       </p:ext>
     </p:extLst>
   </p:cSld>
@@ -15487,10 +16316,238 @@
           <a:chExt cx="0" cy="0"/>
         </a:xfrm>
       </p:grpSpPr>
+      <p:sp>
+        <p:nvSpPr>
+          <p:cNvPr id="5" name="Content Placeholder 4">
+            <a:extLst>
+              <a:ext uri="{FF2B5EF4-FFF2-40B4-BE49-F238E27FC236}">
+                <a16:creationId xmlns:a16="http://schemas.microsoft.com/office/drawing/2014/main" id="{7C82B2FA-DB39-467C-9DC1-245874DCBCF1}"/>
+              </a:ext>
+            </a:extLst>
+          </p:cNvPr>
+          <p:cNvSpPr>
+            <a:spLocks noGrp="1"/>
+          </p:cNvSpPr>
+          <p:nvPr>
+            <p:ph idx="1"/>
+          </p:nvPr>
+        </p:nvSpPr>
+        <p:spPr>
+          <a:xfrm>
+            <a:off x="812801" y="1386840"/>
+            <a:ext cx="10540999" cy="4790124"/>
+          </a:xfrm>
+        </p:spPr>
+        <p:txBody>
+          <a:bodyPr>
+            <a:normAutofit fontScale="92500" lnSpcReduction="20000"/>
+          </a:bodyPr>
+          <a:lstStyle/>
+          <a:p>
+            <a:pPr marL="0" indent="0">
+              <a:buNone/>
+            </a:pPr>
+            <a:endParaRPr lang="en-US" sz="3200" dirty="0">
+              <a:latin typeface="Palatino Linotype" panose="02040502050505030304" pitchFamily="18" charset="0"/>
+            </a:endParaRPr>
+          </a:p>
+          <a:p>
+            <a:pPr>
+              <a:buFont typeface="Wingdings" panose="05000000000000000000" pitchFamily="2" charset="2"/>
+              <a:buChar char="Ø"/>
+            </a:pPr>
+            <a:r>
+              <a:rPr lang="en-US" sz="3200" dirty="0">
+                <a:solidFill>
+                  <a:schemeClr val="tx1">
+                    <a:lumMod val="75000"/>
+                    <a:lumOff val="25000"/>
+                  </a:schemeClr>
+                </a:solidFill>
+                <a:latin typeface="Palatino Linotype" panose="02040502050505030304" pitchFamily="18" charset="0"/>
+              </a:rPr>
+              <a:t> Error (Loss) Function</a:t>
+            </a:r>
+          </a:p>
+          <a:p>
+            <a:pPr marL="0" indent="0">
+              <a:buNone/>
+            </a:pPr>
+            <a:endParaRPr lang="en-US" sz="3200" dirty="0">
+              <a:solidFill>
+                <a:schemeClr val="tx1">
+                  <a:lumMod val="75000"/>
+                  <a:lumOff val="25000"/>
+                </a:schemeClr>
+              </a:solidFill>
+              <a:latin typeface="Palatino Linotype" panose="02040502050505030304" pitchFamily="18" charset="0"/>
+            </a:endParaRPr>
+          </a:p>
+          <a:p>
+            <a:pPr>
+              <a:buFont typeface="Wingdings" panose="05000000000000000000" pitchFamily="2" charset="2"/>
+              <a:buChar char="Ø"/>
+            </a:pPr>
+            <a:r>
+              <a:rPr lang="en-US" sz="3200" dirty="0">
+                <a:solidFill>
+                  <a:schemeClr val="tx1">
+                    <a:lumMod val="75000"/>
+                    <a:lumOff val="25000"/>
+                  </a:schemeClr>
+                </a:solidFill>
+                <a:latin typeface="Palatino Linotype" panose="02040502050505030304" pitchFamily="18" charset="0"/>
+              </a:rPr>
+              <a:t> Gradient Descent &amp; Partial Derivatives</a:t>
+            </a:r>
+          </a:p>
+          <a:p>
+            <a:pPr marL="0" indent="0">
+              <a:buNone/>
+            </a:pPr>
+            <a:r>
+              <a:rPr lang="en-US" sz="3200" dirty="0">
+                <a:solidFill>
+                  <a:schemeClr val="tx1">
+                    <a:lumMod val="75000"/>
+                    <a:lumOff val="25000"/>
+                  </a:schemeClr>
+                </a:solidFill>
+                <a:latin typeface="Palatino Linotype" panose="02040502050505030304" pitchFamily="18" charset="0"/>
+              </a:rPr>
+              <a:t> </a:t>
+            </a:r>
+          </a:p>
+          <a:p>
+            <a:pPr>
+              <a:buFont typeface="Wingdings" panose="05000000000000000000" pitchFamily="2" charset="2"/>
+              <a:buChar char="Ø"/>
+            </a:pPr>
+            <a:r>
+              <a:rPr lang="en-US" sz="3200" dirty="0">
+                <a:solidFill>
+                  <a:schemeClr val="tx1">
+                    <a:lumMod val="75000"/>
+                    <a:lumOff val="25000"/>
+                  </a:schemeClr>
+                </a:solidFill>
+                <a:latin typeface="Palatino Linotype" panose="02040502050505030304" pitchFamily="18" charset="0"/>
+              </a:rPr>
+              <a:t> Complex Gradients</a:t>
+            </a:r>
+          </a:p>
+          <a:p>
+            <a:pPr marL="0" indent="0">
+              <a:buNone/>
+            </a:pPr>
+            <a:endParaRPr lang="en-US" sz="3200" dirty="0">
+              <a:solidFill>
+                <a:schemeClr val="tx1">
+                  <a:lumMod val="75000"/>
+                  <a:lumOff val="25000"/>
+                </a:schemeClr>
+              </a:solidFill>
+              <a:latin typeface="Palatino Linotype" panose="02040502050505030304" pitchFamily="18" charset="0"/>
+            </a:endParaRPr>
+          </a:p>
+          <a:p>
+            <a:pPr>
+              <a:buFont typeface="Wingdings" panose="05000000000000000000" pitchFamily="2" charset="2"/>
+              <a:buChar char="Ø"/>
+            </a:pPr>
+            <a:r>
+              <a:rPr lang="en-US" sz="3200" dirty="0">
+                <a:solidFill>
+                  <a:schemeClr val="tx1">
+                    <a:lumMod val="75000"/>
+                    <a:lumOff val="25000"/>
+                  </a:schemeClr>
+                </a:solidFill>
+                <a:latin typeface="Palatino Linotype" panose="02040502050505030304" pitchFamily="18" charset="0"/>
+              </a:rPr>
+              <a:t> Optimizers</a:t>
+            </a:r>
+          </a:p>
+          <a:p>
+            <a:pPr marL="0" indent="0">
+              <a:buNone/>
+            </a:pPr>
+            <a:endParaRPr lang="en-US" sz="3200" dirty="0">
+              <a:solidFill>
+                <a:schemeClr val="tx1">
+                  <a:lumMod val="75000"/>
+                  <a:lumOff val="25000"/>
+                </a:schemeClr>
+              </a:solidFill>
+              <a:latin typeface="Palatino Linotype" panose="02040502050505030304" pitchFamily="18" charset="0"/>
+            </a:endParaRPr>
+          </a:p>
+          <a:p>
+            <a:pPr>
+              <a:buFont typeface="Wingdings" panose="05000000000000000000" pitchFamily="2" charset="2"/>
+              <a:buChar char="Ø"/>
+            </a:pPr>
+            <a:r>
+              <a:rPr lang="en-US" sz="3200" dirty="0">
+                <a:solidFill>
+                  <a:schemeClr val="tx1">
+                    <a:lumMod val="75000"/>
+                    <a:lumOff val="25000"/>
+                  </a:schemeClr>
+                </a:solidFill>
+                <a:latin typeface="Palatino Linotype" panose="02040502050505030304" pitchFamily="18" charset="0"/>
+              </a:rPr>
+              <a:t> Chain Rule</a:t>
+            </a:r>
+          </a:p>
+        </p:txBody>
+      </p:sp>
+      <p:sp>
+        <p:nvSpPr>
+          <p:cNvPr id="3" name="Title 4">
+            <a:extLst>
+              <a:ext uri="{FF2B5EF4-FFF2-40B4-BE49-F238E27FC236}">
+                <a16:creationId xmlns:a16="http://schemas.microsoft.com/office/drawing/2014/main" id="{8ADCD547-C091-45A4-9127-CC0044D81745}"/>
+              </a:ext>
+            </a:extLst>
+          </p:cNvPr>
+          <p:cNvSpPr>
+            <a:spLocks noGrp="1"/>
+          </p:cNvSpPr>
+          <p:nvPr>
+            <p:ph type="title"/>
+          </p:nvPr>
+        </p:nvSpPr>
+        <p:spPr>
+          <a:xfrm>
+            <a:off x="812802" y="365126"/>
+            <a:ext cx="10540998" cy="1325563"/>
+          </a:xfrm>
+        </p:spPr>
+        <p:txBody>
+          <a:bodyPr/>
+          <a:lstStyle/>
+          <a:p>
+            <a:pPr algn="ctr"/>
+            <a:r>
+              <a:rPr lang="en-US" dirty="0">
+                <a:solidFill>
+                  <a:schemeClr val="tx1">
+                    <a:lumMod val="65000"/>
+                    <a:lumOff val="35000"/>
+                  </a:schemeClr>
+                </a:solidFill>
+                <a:latin typeface="Palatino Linotype" panose="02040502050505030304" pitchFamily="18" charset="0"/>
+              </a:rPr>
+              <a:t>Summary</a:t>
+            </a:r>
+          </a:p>
+        </p:txBody>
+      </p:sp>
     </p:spTree>
     <p:extLst>
       <p:ext uri="{BB962C8B-B14F-4D97-AF65-F5344CB8AC3E}">
-        <p14:creationId xmlns:p14="http://schemas.microsoft.com/office/powerpoint/2010/main" val="2128530490"/>
+        <p14:creationId xmlns:p14="http://schemas.microsoft.com/office/powerpoint/2010/main" val="1397534281"/>
       </p:ext>
     </p:extLst>
   </p:cSld>
@@ -15529,55 +16586,200 @@
           <a:chExt cx="0" cy="0"/>
         </a:xfrm>
       </p:grpSpPr>
-      <p:pic>
-        <p:nvPicPr>
-          <p:cNvPr id="2" name="Picture 2">
-            <a:extLst>
-              <a:ext uri="{FF2B5EF4-FFF2-40B4-BE49-F238E27FC236}">
-                <a16:creationId xmlns:a16="http://schemas.microsoft.com/office/drawing/2014/main" id="{E411F643-EC2D-4E1E-8092-E170BA29DA49}"/>
-              </a:ext>
-            </a:extLst>
-          </p:cNvPr>
-          <p:cNvPicPr>
-            <a:picLocks noChangeAspect="1" noChangeArrowheads="1"/>
-          </p:cNvPicPr>
+      <p:sp>
+        <p:nvSpPr>
+          <p:cNvPr id="9" name="Title 1">
+            <a:extLst>
+              <a:ext uri="{FF2B5EF4-FFF2-40B4-BE49-F238E27FC236}">
+                <a16:creationId xmlns:a16="http://schemas.microsoft.com/office/drawing/2014/main" id="{C8D12608-18B4-4935-A051-D1A1193F0AD7}"/>
+              </a:ext>
+            </a:extLst>
+          </p:cNvPr>
+          <p:cNvSpPr txBox="1">
+            <a:spLocks/>
+          </p:cNvSpPr>
           <p:nvPr/>
-        </p:nvPicPr>
-        <p:blipFill>
-          <a:blip r:embed="rId3">
-            <a:extLst>
-              <a:ext uri="{28A0092B-C50C-407E-A947-70E740481C1C}">
-                <a14:useLocalDpi xmlns:a14="http://schemas.microsoft.com/office/drawing/2010/main" val="0"/>
-              </a:ext>
-            </a:extLst>
-          </a:blip>
-          <a:srcRect/>
-          <a:stretch/>
-        </p:blipFill>
-        <p:spPr bwMode="auto">
+        </p:nvSpPr>
+        <p:spPr>
           <a:xfrm>
-            <a:off x="2914988" y="1219435"/>
-            <a:ext cx="6362023" cy="4419130"/>
+            <a:off x="0" y="2870859"/>
+            <a:ext cx="12192000" cy="1116281"/>
           </a:xfrm>
           <a:prstGeom prst="rect">
             <a:avLst/>
           </a:prstGeom>
           <a:noFill/>
-          <a:extLst>
-            <a:ext uri="{909E8E84-426E-40DD-AFC4-6F175D3DCCD1}">
-              <a14:hiddenFill xmlns:a14="http://schemas.microsoft.com/office/drawing/2010/main">
-                <a:solidFill>
-                  <a:srgbClr val="FFFFFF"/>
-                </a:solidFill>
-              </a14:hiddenFill>
-            </a:ext>
-          </a:extLst>
+        </p:spPr>
+        <p:txBody>
+          <a:bodyPr vert="horz" lIns="91440" tIns="45720" rIns="91440" bIns="45720" rtlCol="0" anchor="b">
+            <a:noAutofit/>
+          </a:bodyPr>
+          <a:lstStyle>
+            <a:lvl1pPr algn="l" defTabSz="914400" rtl="0" eaLnBrk="1" latinLnBrk="0" hangingPunct="1">
+              <a:lnSpc>
+                <a:spcPct val="90000"/>
+              </a:lnSpc>
+              <a:spcBef>
+                <a:spcPct val="0"/>
+              </a:spcBef>
+              <a:buNone/>
+              <a:defRPr sz="6000" kern="1200">
+                <a:solidFill>
+                  <a:schemeClr val="tx1"/>
+                </a:solidFill>
+                <a:latin typeface="+mj-lt"/>
+                <a:ea typeface="+mj-ea"/>
+                <a:cs typeface="+mj-cs"/>
+              </a:defRPr>
+            </a:lvl1pPr>
+          </a:lstStyle>
+          <a:p>
+            <a:pPr algn="ctr"/>
+            <a:br>
+              <a:rPr lang="en-US" sz="3600" dirty="0">
+                <a:solidFill>
+                  <a:schemeClr val="tx1">
+                    <a:lumMod val="65000"/>
+                    <a:lumOff val="35000"/>
+                  </a:schemeClr>
+                </a:solidFill>
+                <a:latin typeface="Palatino Linotype" panose="02040502050505030304" pitchFamily="18" charset="0"/>
+              </a:rPr>
+            </a:br>
+            <a:br>
+              <a:rPr lang="en-US" sz="3600" dirty="0">
+                <a:solidFill>
+                  <a:schemeClr val="tx1">
+                    <a:lumMod val="65000"/>
+                    <a:lumOff val="35000"/>
+                  </a:schemeClr>
+                </a:solidFill>
+                <a:latin typeface="Palatino Linotype" panose="02040502050505030304" pitchFamily="18" charset="0"/>
+              </a:rPr>
+            </a:br>
+            <a:br>
+              <a:rPr lang="en-US" sz="3600" dirty="0">
+                <a:solidFill>
+                  <a:schemeClr val="tx1">
+                    <a:lumMod val="65000"/>
+                    <a:lumOff val="35000"/>
+                  </a:schemeClr>
+                </a:solidFill>
+                <a:latin typeface="Palatino Linotype" panose="02040502050505030304" pitchFamily="18" charset="0"/>
+              </a:rPr>
+            </a:br>
+            <a:br>
+              <a:rPr lang="en-US" sz="3600" dirty="0">
+                <a:solidFill>
+                  <a:schemeClr val="tx1">
+                    <a:lumMod val="65000"/>
+                    <a:lumOff val="35000"/>
+                  </a:schemeClr>
+                </a:solidFill>
+                <a:latin typeface="Palatino Linotype" panose="02040502050505030304" pitchFamily="18" charset="0"/>
+              </a:rPr>
+            </a:br>
+            <a:br>
+              <a:rPr lang="en-US" sz="3600" dirty="0">
+                <a:solidFill>
+                  <a:schemeClr val="tx1">
+                    <a:lumMod val="65000"/>
+                    <a:lumOff val="35000"/>
+                  </a:schemeClr>
+                </a:solidFill>
+                <a:latin typeface="Palatino Linotype" panose="02040502050505030304" pitchFamily="18" charset="0"/>
+              </a:rPr>
+            </a:br>
+            <a:r>
+              <a:rPr lang="en-US" sz="3600" dirty="0">
+                <a:solidFill>
+                  <a:schemeClr val="tx1">
+                    <a:lumMod val="65000"/>
+                    <a:lumOff val="35000"/>
+                  </a:schemeClr>
+                </a:solidFill>
+                <a:latin typeface="Palatino Linotype" panose="02040502050505030304" pitchFamily="18" charset="0"/>
+              </a:rPr>
+              <a:t>(</a:t>
+            </a:r>
+            <a:r>
+              <a:rPr lang="en-US" sz="3600" b="0" i="0" dirty="0">
+                <a:solidFill>
+                  <a:schemeClr val="tx1">
+                    <a:lumMod val="65000"/>
+                    <a:lumOff val="35000"/>
+                  </a:schemeClr>
+                </a:solidFill>
+                <a:effectLst/>
+                <a:latin typeface="Palatino Linotype" panose="02040502050505030304" pitchFamily="18" charset="0"/>
+              </a:rPr>
+              <a:t>MNIST Exercise</a:t>
+            </a:r>
+            <a:r>
+              <a:rPr lang="en-US" sz="3600" dirty="0">
+                <a:solidFill>
+                  <a:schemeClr val="tx1">
+                    <a:lumMod val="65000"/>
+                    <a:lumOff val="35000"/>
+                  </a:schemeClr>
+                </a:solidFill>
+                <a:latin typeface="Palatino Linotype" panose="02040502050505030304" pitchFamily="18" charset="0"/>
+              </a:rPr>
+              <a:t>)</a:t>
+            </a:r>
+          </a:p>
+          <a:p>
+            <a:pPr algn="ctr"/>
+            <a:r>
+              <a:rPr lang="en-US" sz="3200" dirty="0">
+                <a:solidFill>
+                  <a:schemeClr val="tx1">
+                    <a:lumMod val="65000"/>
+                    <a:lumOff val="35000"/>
+                  </a:schemeClr>
+                </a:solidFill>
+                <a:latin typeface="Palatino Linotype" panose="02040502050505030304" pitchFamily="18" charset="0"/>
+                <a:cs typeface="Segoe UI Light" panose="020B0502040204020203" pitchFamily="34" charset="0"/>
+              </a:rPr>
+              <a:t>MNISTExercise.pdf</a:t>
+            </a:r>
+          </a:p>
+        </p:txBody>
+      </p:sp>
+      <p:pic>
+        <p:nvPicPr>
+          <p:cNvPr id="7" name="Picture 6">
+            <a:extLst>
+              <a:ext uri="{FF2B5EF4-FFF2-40B4-BE49-F238E27FC236}">
+                <a16:creationId xmlns:a16="http://schemas.microsoft.com/office/drawing/2014/main" id="{CDE9D7F6-6B5E-4541-8477-ADDF44837AC1}"/>
+              </a:ext>
+            </a:extLst>
+          </p:cNvPr>
+          <p:cNvPicPr>
+            <a:picLocks noChangeAspect="1"/>
+          </p:cNvPicPr>
+          <p:nvPr/>
+        </p:nvPicPr>
+        <p:blipFill>
+          <a:blip r:embed="rId3"/>
+          <a:stretch>
+            <a:fillRect/>
+          </a:stretch>
+        </p:blipFill>
+        <p:spPr>
+          <a:xfrm>
+            <a:off x="0" y="365760"/>
+            <a:ext cx="3233668" cy="805144"/>
+          </a:xfrm>
+          <a:prstGeom prst="rect">
+            <a:avLst/>
+          </a:prstGeom>
         </p:spPr>
       </p:pic>
     </p:spTree>
     <p:extLst>
       <p:ext uri="{BB962C8B-B14F-4D97-AF65-F5344CB8AC3E}">
-        <p14:creationId xmlns:p14="http://schemas.microsoft.com/office/powerpoint/2010/main" val="1018857748"/>
+        <p14:creationId xmlns:p14="http://schemas.microsoft.com/office/powerpoint/2010/main" val="994788979"/>
       </p:ext>
     </p:extLst>
   </p:cSld>
@@ -15616,40 +16818,10 @@
           <a:chExt cx="0" cy="0"/>
         </a:xfrm>
       </p:grpSpPr>
-      <p:pic>
-        <p:nvPicPr>
-          <p:cNvPr id="3" name="Picture 2">
-            <a:extLst>
-              <a:ext uri="{FF2B5EF4-FFF2-40B4-BE49-F238E27FC236}">
-                <a16:creationId xmlns:a16="http://schemas.microsoft.com/office/drawing/2014/main" id="{D04A5DD7-2E6D-4CBD-9173-DEB9AAF57B35}"/>
-              </a:ext>
-            </a:extLst>
-          </p:cNvPr>
-          <p:cNvPicPr>
-            <a:picLocks noChangeAspect="1"/>
-          </p:cNvPicPr>
-          <p:nvPr/>
-        </p:nvPicPr>
-        <p:blipFill>
-          <a:blip r:embed="rId3"/>
-          <a:stretch>
-            <a:fillRect/>
-          </a:stretch>
-        </p:blipFill>
-        <p:spPr>
-          <a:xfrm>
-            <a:off x="2035898" y="1094441"/>
-            <a:ext cx="8120203" cy="4669117"/>
-          </a:xfrm>
-          <a:prstGeom prst="rect">
-            <a:avLst/>
-          </a:prstGeom>
-        </p:spPr>
-      </p:pic>
     </p:spTree>
     <p:extLst>
       <p:ext uri="{BB962C8B-B14F-4D97-AF65-F5344CB8AC3E}">
-        <p14:creationId xmlns:p14="http://schemas.microsoft.com/office/powerpoint/2010/main" val="253694359"/>
+        <p14:creationId xmlns:p14="http://schemas.microsoft.com/office/powerpoint/2010/main" val="2128530490"/>
       </p:ext>
     </p:extLst>
   </p:cSld>
@@ -16138,6 +17310,165 @@
 </file>
 
 <file path=ppt/slides/slide30.xml><?xml version="1.0" encoding="utf-8"?>
+<p:sld xmlns:a="http://schemas.openxmlformats.org/drawingml/2006/main" xmlns:r="http://schemas.openxmlformats.org/officeDocument/2006/relationships" xmlns:p="http://schemas.openxmlformats.org/presentationml/2006/main">
+  <p:cSld>
+    <p:spTree>
+      <p:nvGrpSpPr>
+        <p:cNvPr id="1" name=""/>
+        <p:cNvGrpSpPr/>
+        <p:nvPr/>
+      </p:nvGrpSpPr>
+      <p:grpSpPr>
+        <a:xfrm>
+          <a:off x="0" y="0"/>
+          <a:ext cx="0" cy="0"/>
+          <a:chOff x="0" y="0"/>
+          <a:chExt cx="0" cy="0"/>
+        </a:xfrm>
+      </p:grpSpPr>
+      <p:pic>
+        <p:nvPicPr>
+          <p:cNvPr id="2" name="Picture 2">
+            <a:extLst>
+              <a:ext uri="{FF2B5EF4-FFF2-40B4-BE49-F238E27FC236}">
+                <a16:creationId xmlns:a16="http://schemas.microsoft.com/office/drawing/2014/main" id="{E411F643-EC2D-4E1E-8092-E170BA29DA49}"/>
+              </a:ext>
+            </a:extLst>
+          </p:cNvPr>
+          <p:cNvPicPr>
+            <a:picLocks noChangeAspect="1" noChangeArrowheads="1"/>
+          </p:cNvPicPr>
+          <p:nvPr/>
+        </p:nvPicPr>
+        <p:blipFill>
+          <a:blip r:embed="rId3">
+            <a:extLst>
+              <a:ext uri="{28A0092B-C50C-407E-A947-70E740481C1C}">
+                <a14:useLocalDpi xmlns:a14="http://schemas.microsoft.com/office/drawing/2010/main" val="0"/>
+              </a:ext>
+            </a:extLst>
+          </a:blip>
+          <a:srcRect/>
+          <a:stretch/>
+        </p:blipFill>
+        <p:spPr bwMode="auto">
+          <a:xfrm>
+            <a:off x="2914988" y="1219435"/>
+            <a:ext cx="6362023" cy="4419130"/>
+          </a:xfrm>
+          <a:prstGeom prst="rect">
+            <a:avLst/>
+          </a:prstGeom>
+          <a:noFill/>
+          <a:extLst>
+            <a:ext uri="{909E8E84-426E-40DD-AFC4-6F175D3DCCD1}">
+              <a14:hiddenFill xmlns:a14="http://schemas.microsoft.com/office/drawing/2010/main">
+                <a:solidFill>
+                  <a:srgbClr val="FFFFFF"/>
+                </a:solidFill>
+              </a14:hiddenFill>
+            </a:ext>
+          </a:extLst>
+        </p:spPr>
+      </p:pic>
+    </p:spTree>
+    <p:extLst>
+      <p:ext uri="{BB962C8B-B14F-4D97-AF65-F5344CB8AC3E}">
+        <p14:creationId xmlns:p14="http://schemas.microsoft.com/office/powerpoint/2010/main" val="1018857748"/>
+      </p:ext>
+    </p:extLst>
+  </p:cSld>
+  <p:clrMapOvr>
+    <a:masterClrMapping/>
+  </p:clrMapOvr>
+  <mc:AlternateContent xmlns:mc="http://schemas.openxmlformats.org/markup-compatibility/2006" xmlns:p14="http://schemas.microsoft.com/office/powerpoint/2010/main">
+    <mc:Choice Requires="p14">
+      <p:transition spd="med" p14:dur="700">
+        <p:fade/>
+      </p:transition>
+    </mc:Choice>
+    <mc:Fallback xmlns="">
+      <p:transition spd="med">
+        <p:fade/>
+      </p:transition>
+    </mc:Fallback>
+  </mc:AlternateContent>
+</p:sld>
+</file>
+
+<file path=ppt/slides/slide31.xml><?xml version="1.0" encoding="utf-8"?>
+<p:sld xmlns:a="http://schemas.openxmlformats.org/drawingml/2006/main" xmlns:r="http://schemas.openxmlformats.org/officeDocument/2006/relationships" xmlns:p="http://schemas.openxmlformats.org/presentationml/2006/main">
+  <p:cSld>
+    <p:spTree>
+      <p:nvGrpSpPr>
+        <p:cNvPr id="1" name=""/>
+        <p:cNvGrpSpPr/>
+        <p:nvPr/>
+      </p:nvGrpSpPr>
+      <p:grpSpPr>
+        <a:xfrm>
+          <a:off x="0" y="0"/>
+          <a:ext cx="0" cy="0"/>
+          <a:chOff x="0" y="0"/>
+          <a:chExt cx="0" cy="0"/>
+        </a:xfrm>
+      </p:grpSpPr>
+      <p:pic>
+        <p:nvPicPr>
+          <p:cNvPr id="3" name="Picture 2">
+            <a:extLst>
+              <a:ext uri="{FF2B5EF4-FFF2-40B4-BE49-F238E27FC236}">
+                <a16:creationId xmlns:a16="http://schemas.microsoft.com/office/drawing/2014/main" id="{D04A5DD7-2E6D-4CBD-9173-DEB9AAF57B35}"/>
+              </a:ext>
+            </a:extLst>
+          </p:cNvPr>
+          <p:cNvPicPr>
+            <a:picLocks noChangeAspect="1"/>
+          </p:cNvPicPr>
+          <p:nvPr/>
+        </p:nvPicPr>
+        <p:blipFill>
+          <a:blip r:embed="rId3"/>
+          <a:stretch>
+            <a:fillRect/>
+          </a:stretch>
+        </p:blipFill>
+        <p:spPr>
+          <a:xfrm>
+            <a:off x="2035898" y="1094441"/>
+            <a:ext cx="8120203" cy="4669117"/>
+          </a:xfrm>
+          <a:prstGeom prst="rect">
+            <a:avLst/>
+          </a:prstGeom>
+        </p:spPr>
+      </p:pic>
+    </p:spTree>
+    <p:extLst>
+      <p:ext uri="{BB962C8B-B14F-4D97-AF65-F5344CB8AC3E}">
+        <p14:creationId xmlns:p14="http://schemas.microsoft.com/office/powerpoint/2010/main" val="253694359"/>
+      </p:ext>
+    </p:extLst>
+  </p:cSld>
+  <p:clrMapOvr>
+    <a:masterClrMapping/>
+  </p:clrMapOvr>
+  <mc:AlternateContent xmlns:mc="http://schemas.openxmlformats.org/markup-compatibility/2006" xmlns:p14="http://schemas.microsoft.com/office/powerpoint/2010/main">
+    <mc:Choice Requires="p14">
+      <p:transition spd="med" p14:dur="700">
+        <p:fade/>
+      </p:transition>
+    </mc:Choice>
+    <mc:Fallback xmlns="">
+      <p:transition spd="med">
+        <p:fade/>
+      </p:transition>
+    </mc:Fallback>
+  </mc:AlternateContent>
+</p:sld>
+</file>
+
+<file path=ppt/slides/slide32.xml><?xml version="1.0" encoding="utf-8"?>
 <p:sld xmlns:a="http://schemas.openxmlformats.org/drawingml/2006/main" xmlns:r="http://schemas.openxmlformats.org/officeDocument/2006/relationships" xmlns:p="http://schemas.openxmlformats.org/presentationml/2006/main">
   <p:cSld>
     <p:spTree>

--- a/presentations/03_gradient_descent.pptx
+++ b/presentations/03_gradient_descent.pptx
@@ -240,7 +240,7 @@
           <a:p>
             <a:fld id="{FD93C9B2-20F6-4DB1-B471-224337D0AC79}" type="datetimeFigureOut">
               <a:rPr lang="en-US" smtClean="0"/>
-              <a:t>6/27/2022</a:t>
+              <a:t>11/2/2022</a:t>
             </a:fld>
             <a:endParaRPr lang="en-US"/>
           </a:p>
@@ -6179,7 +6179,7 @@
           <a:p>
             <a:fld id="{C3F78080-8D0A-4BE8-A5B4-CB115102D524}" type="datetimeFigureOut">
               <a:rPr lang="en-US" smtClean="0"/>
-              <a:t>6/27/2022</a:t>
+              <a:t>11/2/2022</a:t>
             </a:fld>
             <a:endParaRPr lang="en-US"/>
           </a:p>
@@ -6377,7 +6377,7 @@
           <a:p>
             <a:fld id="{C3F78080-8D0A-4BE8-A5B4-CB115102D524}" type="datetimeFigureOut">
               <a:rPr lang="en-US" smtClean="0"/>
-              <a:t>6/27/2022</a:t>
+              <a:t>11/2/2022</a:t>
             </a:fld>
             <a:endParaRPr lang="en-US"/>
           </a:p>
@@ -6585,7 +6585,7 @@
           <a:p>
             <a:fld id="{C3F78080-8D0A-4BE8-A5B4-CB115102D524}" type="datetimeFigureOut">
               <a:rPr lang="en-US" smtClean="0"/>
-              <a:t>6/27/2022</a:t>
+              <a:t>11/2/2022</a:t>
             </a:fld>
             <a:endParaRPr lang="en-US"/>
           </a:p>
@@ -6783,7 +6783,7 @@
           <a:p>
             <a:fld id="{C3F78080-8D0A-4BE8-A5B4-CB115102D524}" type="datetimeFigureOut">
               <a:rPr lang="en-US" smtClean="0"/>
-              <a:t>6/27/2022</a:t>
+              <a:t>11/2/2022</a:t>
             </a:fld>
             <a:endParaRPr lang="en-US"/>
           </a:p>
@@ -7058,7 +7058,7 @@
           <a:p>
             <a:fld id="{C3F78080-8D0A-4BE8-A5B4-CB115102D524}" type="datetimeFigureOut">
               <a:rPr lang="en-US" smtClean="0"/>
-              <a:t>6/27/2022</a:t>
+              <a:t>11/2/2022</a:t>
             </a:fld>
             <a:endParaRPr lang="en-US"/>
           </a:p>
@@ -7323,7 +7323,7 @@
           <a:p>
             <a:fld id="{C3F78080-8D0A-4BE8-A5B4-CB115102D524}" type="datetimeFigureOut">
               <a:rPr lang="en-US" smtClean="0"/>
-              <a:t>6/27/2022</a:t>
+              <a:t>11/2/2022</a:t>
             </a:fld>
             <a:endParaRPr lang="en-US"/>
           </a:p>
@@ -7735,7 +7735,7 @@
           <a:p>
             <a:fld id="{C3F78080-8D0A-4BE8-A5B4-CB115102D524}" type="datetimeFigureOut">
               <a:rPr lang="en-US" smtClean="0"/>
-              <a:t>6/27/2022</a:t>
+              <a:t>11/2/2022</a:t>
             </a:fld>
             <a:endParaRPr lang="en-US"/>
           </a:p>
@@ -7876,7 +7876,7 @@
           <a:p>
             <a:fld id="{C3F78080-8D0A-4BE8-A5B4-CB115102D524}" type="datetimeFigureOut">
               <a:rPr lang="en-US" smtClean="0"/>
-              <a:t>6/27/2022</a:t>
+              <a:t>11/2/2022</a:t>
             </a:fld>
             <a:endParaRPr lang="en-US"/>
           </a:p>
@@ -7989,7 +7989,7 @@
           <a:p>
             <a:fld id="{C3F78080-8D0A-4BE8-A5B4-CB115102D524}" type="datetimeFigureOut">
               <a:rPr lang="en-US" smtClean="0"/>
-              <a:t>6/27/2022</a:t>
+              <a:t>11/2/2022</a:t>
             </a:fld>
             <a:endParaRPr lang="en-US"/>
           </a:p>
@@ -8300,7 +8300,7 @@
           <a:p>
             <a:fld id="{C3F78080-8D0A-4BE8-A5B4-CB115102D524}" type="datetimeFigureOut">
               <a:rPr lang="en-US" smtClean="0"/>
-              <a:t>6/27/2022</a:t>
+              <a:t>11/2/2022</a:t>
             </a:fld>
             <a:endParaRPr lang="en-US"/>
           </a:p>
@@ -8588,7 +8588,7 @@
           <a:p>
             <a:fld id="{C3F78080-8D0A-4BE8-A5B4-CB115102D524}" type="datetimeFigureOut">
               <a:rPr lang="en-US" smtClean="0"/>
-              <a:t>6/27/2022</a:t>
+              <a:t>11/2/2022</a:t>
             </a:fld>
             <a:endParaRPr lang="en-US"/>
           </a:p>
@@ -8829,7 +8829,7 @@
           <a:p>
             <a:fld id="{C3F78080-8D0A-4BE8-A5B4-CB115102D524}" type="datetimeFigureOut">
               <a:rPr lang="en-US" smtClean="0"/>
-              <a:t>6/27/2022</a:t>
+              <a:t>11/2/2022</a:t>
             </a:fld>
             <a:endParaRPr lang="en-US"/>
           </a:p>
@@ -19085,10 +19085,19 @@
                   </a:schemeClr>
                 </a:solidFill>
                 <a:latin typeface="Palatino Linotype" panose="02040502050505030304" pitchFamily="18" charset="0"/>
-                <a:cs typeface="Segoe UI Light" panose="020B0502040204020203" pitchFamily="34" charset="0"/>
-              </a:rPr>
-              <a:t>MNISTExercise.pdf</a:t>
-            </a:r>
+              </a:rPr>
+              <a:t>03.2_mnist_classifier.ipynb</a:t>
+            </a:r>
+            <a:endParaRPr lang="en-US" sz="3200" dirty="0">
+              <a:solidFill>
+                <a:schemeClr val="tx1">
+                  <a:lumMod val="65000"/>
+                  <a:lumOff val="35000"/>
+                </a:schemeClr>
+              </a:solidFill>
+              <a:latin typeface="Palatino Linotype" panose="02040502050505030304" pitchFamily="18" charset="0"/>
+              <a:cs typeface="Segoe UI Light" panose="020B0502040204020203" pitchFamily="34" charset="0"/>
+            </a:endParaRPr>
           </a:p>
         </p:txBody>
       </p:sp>
@@ -19179,7 +19188,7 @@
           <p:nvPr/>
         </p:nvPicPr>
         <p:blipFill>
-          <a:blip r:embed="rId4"/>
+          <a:blip r:embed="rId3"/>
           <a:stretch>
             <a:fillRect/>
           </a:stretch>
@@ -19209,7 +19218,7 @@
           <p:nvPr/>
         </p:nvPicPr>
         <p:blipFill>
-          <a:blip r:embed="rId5"/>
+          <a:blip r:embed="rId4"/>
           <a:stretch>
             <a:fillRect/>
           </a:stretch>
@@ -19239,7 +19248,7 @@
           <p:nvPr/>
         </p:nvPicPr>
         <p:blipFill>
-          <a:blip r:embed="rId6"/>
+          <a:blip r:embed="rId5"/>
           <a:stretch>
             <a:fillRect/>
           </a:stretch>
@@ -19269,7 +19278,7 @@
           <p:nvPr/>
         </p:nvPicPr>
         <p:blipFill>
-          <a:blip r:embed="rId7"/>
+          <a:blip r:embed="rId6"/>
           <a:stretch>
             <a:fillRect/>
           </a:stretch>
@@ -19312,12 +19321,12 @@
           <a:graphicData uri="http://schemas.openxmlformats.org/presentationml/2006/ole">
             <mc:AlternateContent xmlns:mc="http://schemas.openxmlformats.org/markup-compatibility/2006">
               <mc:Choice xmlns:v="urn:schemas-microsoft-com:vml" Requires="v">
-                <p:oleObj spid="_x0000_s1380" name="Visio" r:id="rId8" imgW="2514945" imgH="1657350" progId="Visio.Drawing.15">
+                <p:oleObj name="Visio" r:id="rId7" imgW="2514945" imgH="1657350" progId="Visio.Drawing.15">
                   <p:embed/>
                 </p:oleObj>
               </mc:Choice>
               <mc:Fallback>
-                <p:oleObj name="Visio" r:id="rId8" imgW="2514945" imgH="1657350" progId="Visio.Drawing.15">
+                <p:oleObj name="Visio" r:id="rId7" imgW="2514945" imgH="1657350" progId="Visio.Drawing.15">
                   <p:embed/>
                   <p:pic>
                     <p:nvPicPr>
@@ -19326,7 +19335,7 @@
                       <p:nvPr/>
                     </p:nvPicPr>
                     <p:blipFill>
-                      <a:blip r:embed="rId9"/>
+                      <a:blip r:embed="rId8"/>
                       <a:stretch>
                         <a:fillRect/>
                       </a:stretch>
@@ -19362,7 +19371,7 @@
           <p:nvPr/>
         </p:nvPicPr>
         <p:blipFill>
-          <a:blip r:embed="rId10"/>
+          <a:blip r:embed="rId9"/>
           <a:stretch>
             <a:fillRect/>
           </a:stretch>
@@ -19392,7 +19401,7 @@
           <p:nvPr/>
         </p:nvPicPr>
         <p:blipFill>
-          <a:blip r:embed="rId11"/>
+          <a:blip r:embed="rId10"/>
           <a:stretch>
             <a:fillRect/>
           </a:stretch>
@@ -19422,7 +19431,7 @@
           <p:nvPr/>
         </p:nvPicPr>
         <p:blipFill>
-          <a:blip r:embed="rId12"/>
+          <a:blip r:embed="rId11"/>
           <a:stretch>
             <a:fillRect/>
           </a:stretch>
@@ -19452,7 +19461,7 @@
           <p:nvPr/>
         </p:nvPicPr>
         <p:blipFill>
-          <a:blip r:embed="rId13"/>
+          <a:blip r:embed="rId12"/>
           <a:stretch>
             <a:fillRect/>
           </a:stretch>
